--- a/src/main/webapp/WEB-INF/Files/요약본_sample.pptx
+++ b/src/main/webapp/WEB-INF/Files/요약본_sample.pptx
@@ -84,7 +84,7 @@
       </p:grpSpPr>
       <p:sp>
         <p:nvSpPr>
-          <p:cNvPr id="646545454" name="Text">
+          <p:cNvPr id="1018645834" name="Text">
     </p:cNvPr>
           <p:cNvSpPr>
             <a:spLocks noGrp="1"/>
@@ -123,14 +123,14 @@
                 <a:ea typeface="맑은 고딕"/>
                 <a:cs typeface="맑은 고딕"/>
               </a:rPr>
-              <a:t>3. 주간업무 실적 및 계획(①Baynex - WEB)</a:t>
-            </a:r>
-          </a:p>
-        </p:txBody>
-      </p:sp>
-      <p:sp>
-        <p:nvSpPr>
-          <p:cNvPr id="1715184784" name="Line"/>
+              <a:t>2. Summary - ①Baynex</a:t>
+            </a:r>
+          </a:p>
+        </p:txBody>
+      </p:sp>
+      <p:sp>
+        <p:nvSpPr>
+          <p:cNvPr id="1877069037" name="Line"/>
           <p:cNvSpPr>
             <a:spLocks noGrp="1"/>
           </p:cNvSpPr>
@@ -164,7 +164,7 @@
       </p:sp>
       <p:sp>
         <p:nvSpPr>
-          <p:cNvPr id="903918022" name="Text">
+          <p:cNvPr id="1292477495" name="Text">
     </p:cNvPr>
           <p:cNvSpPr>
             <a:spLocks noGrp="1"/>
@@ -228,7 +228,7 @@
       </p:sp>
       <p:sp>
         <p:nvSpPr>
-          <p:cNvPr id="259053713" name="Rectangle"/>
+          <p:cNvPr id="607788661" name="Rectangle"/>
           <p:cNvSpPr>
             <a:spLocks noGrp="1"/>
           </p:cNvSpPr>
@@ -262,7 +262,7 @@
       </p:sp>
       <p:sp>
         <p:nvSpPr>
-          <p:cNvPr id="1066733352" name="Rectangle"/>
+          <p:cNvPr id="585222821" name="Rectangle"/>
           <p:cNvSpPr>
             <a:spLocks noGrp="1"/>
           </p:cNvSpPr>
@@ -296,7 +296,7 @@
       </p:sp>
       <p:sp>
         <p:nvSpPr>
-          <p:cNvPr id="70333294" name="Rectangle"/>
+          <p:cNvPr id="1132919984" name="Rectangle"/>
           <p:cNvSpPr>
             <a:spLocks noGrp="1"/>
           </p:cNvSpPr>
@@ -330,17 +330,17 @@
       </p:sp>
       <p:sp>
         <p:nvSpPr>
-          <p:cNvPr id="879742127" name="Text">
-    </p:cNvPr>
-          <p:cNvSpPr>
-            <a:spLocks noGrp="1"/>
-          </p:cNvSpPr>
-          <p:nvPr/>
-        </p:nvSpPr>
-        <p:spPr>
-          <a:xfrm rot="0">
-            <a:off x="6350000" y="4457700"/>
-            <a:ext cx="3670300" cy="787400"/>
+          <p:cNvPr id="1127137515" name="Text">
+    </p:cNvPr>
+          <p:cNvSpPr>
+            <a:spLocks noGrp="1"/>
+          </p:cNvSpPr>
+          <p:nvPr/>
+        </p:nvSpPr>
+        <p:spPr>
+          <a:xfrm rot="0">
+            <a:off x="6553200" y="3771900"/>
+            <a:ext cx="3670300" cy="800100"/>
           </a:xfrm>
           <a:prstGeom prst="rect">
             <a:avLst/>
@@ -356,43 +356,44 @@
           <a:bodyPr wrap="square" lIns="0" tIns="0" rIns="0" bIns="0" rtlCol="0" anchor="t"/>
           <a:lstStyle/>
           <a:p>
-            <a:pPr algn="ctr">
-              <a:lnSpc>
-                <a:spcPct val="100%"/>
-              </a:lnSpc>
-              <a:defRPr sz="900">
-                <a:solidFill>
-                  <a:srgbClr val="000000"/>
-                </a:solidFill>
-                <a:latin typeface="맑은 고딕"/>
-                <a:ea typeface="맑은 고딕"/>
-                <a:cs typeface="맑은 고딕"/>
-              </a:defRPr>
-            </a:pPr>
-            <a:r>
-              <a:rPr lang="ko" sz="900">
-                <a:latin typeface="맑은 고딕"/>
-                <a:ea typeface="맑은 고딕"/>
-                <a:cs typeface="맑은 고딕"/>
-              </a:rPr>
-              <a:t>n기타</a:t>
-            </a:r>
-          </a:p>
-        </p:txBody>
-      </p:sp>
-      <p:sp>
-        <p:nvSpPr>
-          <p:cNvPr id="1037188835" name="Text">
-    </p:cNvPr>
-          <p:cNvSpPr>
-            <a:spLocks noGrp="1"/>
-          </p:cNvSpPr>
-          <p:nvPr/>
-        </p:nvSpPr>
-        <p:spPr>
-          <a:xfrm rot="0">
-            <a:off x="5588000" y="4457700"/>
-            <a:ext cx="762000" cy="787400"/>
+            <a:pPr algn="l">
+              <a:lnSpc>
+                <a:spcPct val="100%"/>
+              </a:lnSpc>
+              <a:defRPr sz="1100">
+                <a:solidFill>
+                  <a:srgbClr val="000000"/>
+                </a:solidFill>
+                <a:latin typeface="맑은 고딕"/>
+                <a:ea typeface="맑은 고딕"/>
+                <a:cs typeface="맑은 고딕"/>
+              </a:defRPr>
+            </a:pPr>
+            <a:br/>
+            <a:r>
+              <a:rPr lang="ko" sz="1100">
+                <a:latin typeface="맑은 고딕"/>
+                <a:ea typeface="맑은 고딕"/>
+                <a:cs typeface="맑은 고딕"/>
+              </a:rPr>
+              <a:t>2022-12-22 test</a:t>
+            </a:r>
+          </a:p>
+        </p:txBody>
+      </p:sp>
+      <p:sp>
+        <p:nvSpPr>
+          <p:cNvPr id="932423501" name="Text">
+    </p:cNvPr>
+          <p:cNvSpPr>
+            <a:spLocks noGrp="1"/>
+          </p:cNvSpPr>
+          <p:nvPr/>
+        </p:nvSpPr>
+        <p:spPr>
+          <a:xfrm rot="0">
+            <a:off x="5791200" y="3771900"/>
+            <a:ext cx="762000" cy="800100"/>
           </a:xfrm>
           <a:prstGeom prst="rect">
             <a:avLst/>
@@ -412,39 +413,41 @@
               <a:lnSpc>
                 <a:spcPct val="100%"/>
               </a:lnSpc>
-              <a:defRPr sz="900">
-                <a:solidFill>
-                  <a:srgbClr val="000000"/>
-                </a:solidFill>
-                <a:latin typeface="맑은 고딕"/>
-                <a:ea typeface="맑은 고딕"/>
-                <a:cs typeface="맑은 고딕"/>
-              </a:defRPr>
-            </a:pPr>
-            <a:r>
-              <a:rPr lang="ko" sz="900">
-                <a:latin typeface="맑은 고딕"/>
-                <a:ea typeface="맑은 고딕"/>
-                <a:cs typeface="맑은 고딕"/>
-              </a:rPr>
-              <a:t>ntarget</a:t>
-            </a:r>
-          </a:p>
-        </p:txBody>
-      </p:sp>
-      <p:sp>
-        <p:nvSpPr>
-          <p:cNvPr id="715754046" name="Text">
-    </p:cNvPr>
-          <p:cNvSpPr>
-            <a:spLocks noGrp="1"/>
-          </p:cNvSpPr>
-          <p:nvPr/>
-        </p:nvSpPr>
-        <p:spPr>
-          <a:xfrm rot="0">
-            <a:off x="977900" y="4457700"/>
-            <a:ext cx="4610100" cy="787400"/>
+              <a:defRPr sz="1100">
+                <a:solidFill>
+                  <a:srgbClr val="000000"/>
+                </a:solidFill>
+                <a:latin typeface="맑은 고딕"/>
+                <a:ea typeface="맑은 고딕"/>
+                <a:cs typeface="맑은 고딕"/>
+              </a:defRPr>
+            </a:pPr>
+            <a:br/>
+            <a:r>
+              <a:rPr lang="ko" sz="1100">
+                <a:latin typeface="맑은 고딕"/>
+                <a:ea typeface="맑은 고딕"/>
+                <a:cs typeface="맑은 고딕"/>
+              </a:rPr>
+              <a:t>12/30</a:t>
+            </a:r>
+            <a:br/>
+          </a:p>
+        </p:txBody>
+      </p:sp>
+      <p:sp>
+        <p:nvSpPr>
+          <p:cNvPr id="462153720" name="Text">
+    </p:cNvPr>
+          <p:cNvSpPr>
+            <a:spLocks noGrp="1"/>
+          </p:cNvSpPr>
+          <p:nvPr/>
+        </p:nvSpPr>
+        <p:spPr>
+          <a:xfrm rot="0">
+            <a:off x="1181100" y="3771900"/>
+            <a:ext cx="4610100" cy="800100"/>
           </a:xfrm>
           <a:prstGeom prst="rect">
             <a:avLst/>
@@ -464,38 +467,40 @@
               <a:lnSpc>
                 <a:spcPct val="100%"/>
               </a:lnSpc>
-              <a:defRPr sz="900">
-                <a:solidFill>
-                  <a:srgbClr val="000000"/>
-                </a:solidFill>
-                <a:latin typeface="맑은 고딕"/>
-                <a:ea typeface="맑은 고딕"/>
-                <a:cs typeface="맑은 고딕"/>
-              </a:defRPr>
-            </a:pPr>
-            <a:r>
-              <a:rPr lang="ko" sz="900">
-                <a:latin typeface="맑은 고딕"/>
-                <a:ea typeface="맑은 고딕"/>
-                <a:cs typeface="맑은 고딕"/>
-              </a:rPr>
-              <a:t>ncontent</a:t>
-            </a:r>
-          </a:p>
-        </p:txBody>
-      </p:sp>
-      <p:sp>
-        <p:nvSpPr>
-          <p:cNvPr id="655255110" name="Text">
-    </p:cNvPr>
-          <p:cNvSpPr>
-            <a:spLocks noGrp="1"/>
-          </p:cNvSpPr>
-          <p:nvPr/>
-        </p:nvSpPr>
-        <p:spPr>
-          <a:xfrm rot="0">
-            <a:off x="165100" y="4445000"/>
+              <a:defRPr sz="1100">
+                <a:solidFill>
+                  <a:srgbClr val="000000"/>
+                </a:solidFill>
+                <a:latin typeface="맑은 고딕"/>
+                <a:ea typeface="맑은 고딕"/>
+                <a:cs typeface="맑은 고딕"/>
+              </a:defRPr>
+            </a:pPr>
+            <a:br/>
+            <a:r>
+              <a:rPr lang="ko" sz="1100">
+                <a:latin typeface="맑은 고딕"/>
+                <a:ea typeface="맑은 고딕"/>
+                <a:cs typeface="맑은 고딕"/>
+              </a:rPr>
+              <a:t> [E-BIZ] 거래처 정보화면 임원 별도처리</a:t>
+            </a:r>
+            <a:br/>
+          </a:p>
+        </p:txBody>
+      </p:sp>
+      <p:sp>
+        <p:nvSpPr>
+          <p:cNvPr id="1872558917" name="Text">
+    </p:cNvPr>
+          <p:cNvSpPr>
+            <a:spLocks noGrp="1"/>
+          </p:cNvSpPr>
+          <p:nvPr/>
+        </p:nvSpPr>
+        <p:spPr>
+          <a:xfrm rot="0">
+            <a:off x="368300" y="3771900"/>
             <a:ext cx="812800" cy="800100"/>
           </a:xfrm>
           <a:prstGeom prst="rect">
@@ -509,14 +514,118 @@
           </a:ln>
         </p:spPr>
         <p:txBody>
+          <a:bodyPr wrap="square" lIns="0" tIns="0" rIns="0" bIns="0" rtlCol="0" anchor="ctr"/>
+          <a:lstStyle/>
+          <a:p>
+            <a:pPr algn="ctr">
+              <a:lnSpc>
+                <a:spcPct val="100%"/>
+              </a:lnSpc>
+              <a:defRPr sz="1100">
+                <a:solidFill>
+                  <a:srgbClr val="000000"/>
+                </a:solidFill>
+                <a:latin typeface="맑은 고딕"/>
+                <a:ea typeface="맑은 고딕"/>
+                <a:cs typeface="맑은 고딕"/>
+              </a:defRPr>
+            </a:pPr>
+            <a:r>
+              <a:rPr lang="ko" sz="1100">
+                <a:latin typeface="맑은 고딕"/>
+                <a:ea typeface="맑은 고딕"/>
+                <a:cs typeface="맑은 고딕"/>
+              </a:rPr>
+              <a:t>ERP</a:t>
+            </a:r>
+          </a:p>
+        </p:txBody>
+      </p:sp>
+      <p:sp>
+        <p:nvSpPr>
+          <p:cNvPr id="1509967813" name="Text">
+    </p:cNvPr>
+          <p:cNvSpPr>
+            <a:spLocks noGrp="1"/>
+          </p:cNvSpPr>
+          <p:nvPr/>
+        </p:nvSpPr>
+        <p:spPr>
+          <a:xfrm rot="0">
+            <a:off x="368300" y="1473200"/>
+            <a:ext cx="812800" cy="787400"/>
+          </a:xfrm>
+          <a:prstGeom prst="rect">
+            <a:avLst/>
+          </a:prstGeom>
+          <a:ln w="12700">
+            <a:solidFill>
+              <a:srgbClr val="000000"/>
+            </a:solidFill>
+            <a:prstDash val="solid"/>
+          </a:ln>
+        </p:spPr>
+        <p:txBody>
+          <a:bodyPr wrap="square" lIns="0" tIns="0" rIns="0" bIns="0" rtlCol="0" anchor="ctr"/>
+          <a:lstStyle/>
+          <a:p>
+            <a:pPr algn="ctr">
+              <a:lnSpc>
+                <a:spcPct val="100%"/>
+              </a:lnSpc>
+              <a:defRPr sz="1100">
+                <a:solidFill>
+                  <a:srgbClr val="000000"/>
+                </a:solidFill>
+                <a:latin typeface="맑은 고딕"/>
+                <a:ea typeface="맑은 고딕"/>
+                <a:cs typeface="맑은 고딕"/>
+              </a:defRPr>
+            </a:pPr>
+            <a:r>
+              <a:rPr lang="ko" sz="1100">
+                <a:latin typeface="맑은 고딕"/>
+                <a:ea typeface="맑은 고딕"/>
+                <a:cs typeface="맑은 고딕"/>
+              </a:rPr>
+              <a:t>ERP</a:t>
+            </a:r>
+          </a:p>
+        </p:txBody>
+      </p:sp>
+      <p:sp>
+        <p:nvSpPr>
+          <p:cNvPr id="1887648263" name="Text">
+    </p:cNvPr>
+          <p:cNvSpPr>
+            <a:spLocks noGrp="1"/>
+          </p:cNvSpPr>
+          <p:nvPr/>
+        </p:nvSpPr>
+        <p:spPr>
+          <a:xfrm rot="0">
+            <a:off x="1181100" y="1473200"/>
+            <a:ext cx="4572000" cy="787400"/>
+          </a:xfrm>
+          <a:prstGeom prst="rect">
+            <a:avLst/>
+          </a:prstGeom>
+          <a:ln w="12700">
+            <a:solidFill>
+              <a:srgbClr val="000000"/>
+            </a:solidFill>
+            <a:prstDash val="solid"/>
+          </a:ln>
+        </p:spPr>
+        <p:txBody>
           <a:bodyPr wrap="square" lIns="0" tIns="0" rIns="0" bIns="0" rtlCol="0" anchor="t"/>
           <a:lstStyle/>
           <a:p>
-            <a:pPr algn="ctr">
-              <a:lnSpc>
-                <a:spcPct val="100%"/>
-              </a:lnSpc>
-              <a:defRPr sz="900">
+            <a:pPr algn="l">
+              <a:lnSpc>
+                <a:spcPct val="100%"/>
+              </a:lnSpc>
+              <a:defRPr sz="1100">
                 <a:solidFill>
                   <a:srgbClr val="000000"/>
                 </a:solidFill>
@@ -527,29 +636,39 @@
             </a:pPr>
             <a:br/>
             <a:r>
-              <a:rPr lang="ko" sz="900">
-                <a:latin typeface="맑은 고딕"/>
-                <a:ea typeface="맑은 고딕"/>
-                <a:cs typeface="맑은 고딕"/>
-              </a:rPr>
-              <a:t>ERP</a:t>
-            </a:r>
-          </a:p>
-        </p:txBody>
-      </p:sp>
-      <p:sp>
-        <p:nvSpPr>
-          <p:cNvPr id="1842273468" name="Text">
-    </p:cNvPr>
-          <p:cNvSpPr>
-            <a:spLocks noGrp="1"/>
-          </p:cNvSpPr>
-          <p:nvPr/>
-        </p:nvSpPr>
-        <p:spPr>
-          <a:xfrm rot="0">
-            <a:off x="190500" y="1828800"/>
-            <a:ext cx="812800" cy="787400"/>
+              <a:rPr lang="ko" sz="1100">
+                <a:latin typeface="맑은 고딕"/>
+                <a:ea typeface="맑은 고딕"/>
+                <a:cs typeface="맑은 고딕"/>
+              </a:rPr>
+              <a:t> [E-BIZ] e-Biz 거래처 정보화면 개선</a:t>
+            </a:r>
+            <a:br/>
+            <a:r>
+              <a:rPr lang="ko" sz="1100">
+                <a:latin typeface="맑은 고딕"/>
+                <a:ea typeface="맑은 고딕"/>
+                <a:cs typeface="맑은 고딕"/>
+              </a:rPr>
+              <a:t> [E-BIZ] ERP 매출원장(ZSDR5370) 보완</a:t>
+            </a:r>
+            <a:br/>
+          </a:p>
+        </p:txBody>
+      </p:sp>
+      <p:sp>
+        <p:nvSpPr>
+          <p:cNvPr id="879998920" name="Text">
+    </p:cNvPr>
+          <p:cNvSpPr>
+            <a:spLocks noGrp="1"/>
+          </p:cNvSpPr>
+          <p:nvPr/>
+        </p:nvSpPr>
+        <p:spPr>
+          <a:xfrm rot="0">
+            <a:off x="7543800" y="1473200"/>
+            <a:ext cx="2667000" cy="787400"/>
           </a:xfrm>
           <a:prstGeom prst="rect">
             <a:avLst/>
@@ -565,11 +684,11 @@
           <a:bodyPr wrap="square" lIns="0" tIns="0" rIns="0" bIns="0" rtlCol="0" anchor="t"/>
           <a:lstStyle/>
           <a:p>
-            <a:pPr algn="ctr">
-              <a:lnSpc>
-                <a:spcPct val="100%"/>
-              </a:lnSpc>
-              <a:defRPr sz="900">
+            <a:pPr algn="l">
+              <a:lnSpc>
+                <a:spcPct val="100%"/>
+              </a:lnSpc>
+              <a:defRPr sz="1100">
                 <a:solidFill>
                   <a:srgbClr val="000000"/>
                 </a:solidFill>
@@ -580,185 +699,81 @@
             </a:pPr>
             <a:br/>
             <a:r>
-              <a:rPr lang="ko" sz="900">
-                <a:latin typeface="맑은 고딕"/>
-                <a:ea typeface="맑은 고딕"/>
-                <a:cs typeface="맑은 고딕"/>
-              </a:rPr>
-              <a:t>ERP</a:t>
-            </a:r>
-          </a:p>
-        </p:txBody>
-      </p:sp>
-      <p:sp>
-        <p:nvSpPr>
-          <p:cNvPr id="1103610560" name="Text">
-    </p:cNvPr>
-          <p:cNvSpPr>
-            <a:spLocks noGrp="1"/>
-          </p:cNvSpPr>
-          <p:nvPr/>
-        </p:nvSpPr>
-        <p:spPr>
-          <a:xfrm rot="0">
-            <a:off x="1016000" y="1828800"/>
-            <a:ext cx="4546600" cy="787400"/>
-          </a:xfrm>
-          <a:prstGeom prst="rect">
-            <a:avLst/>
-          </a:prstGeom>
-          <a:ln w="12700">
-            <a:solidFill>
-              <a:srgbClr val="000000"/>
-            </a:solidFill>
-            <a:prstDash val="solid"/>
-          </a:ln>
-        </p:spPr>
-        <p:txBody>
-          <a:bodyPr wrap="square" lIns="0" tIns="0" rIns="0" bIns="0" rtlCol="0" anchor="t"/>
-          <a:lstStyle/>
-          <a:p>
-            <a:pPr algn="l">
-              <a:lnSpc>
-                <a:spcPct val="100%"/>
-              </a:lnSpc>
-              <a:defRPr sz="900">
-                <a:solidFill>
-                  <a:srgbClr val="000000"/>
-                </a:solidFill>
-                <a:latin typeface="맑은 고딕"/>
-                <a:ea typeface="맑은 고딕"/>
-                <a:cs typeface="맑은 고딕"/>
-              </a:defRPr>
-            </a:pPr>
-            <a:r>
-              <a:rPr lang="ko" sz="900">
-                <a:latin typeface="맑은 고딕"/>
-                <a:ea typeface="맑은 고딕"/>
-                <a:cs typeface="맑은 고딕"/>
-              </a:rPr>
-              <a:t>content</a:t>
-            </a:r>
-          </a:p>
-        </p:txBody>
-      </p:sp>
-      <p:sp>
-        <p:nvSpPr>
-          <p:cNvPr id="1753296801" name="Text">
-    </p:cNvPr>
-          <p:cNvSpPr>
-            <a:spLocks noGrp="1"/>
-          </p:cNvSpPr>
-          <p:nvPr/>
-        </p:nvSpPr>
-        <p:spPr>
-          <a:xfrm rot="0">
-            <a:off x="7366000" y="1828800"/>
-            <a:ext cx="2667000" cy="787400"/>
-          </a:xfrm>
-          <a:prstGeom prst="rect">
-            <a:avLst/>
-          </a:prstGeom>
-          <a:ln w="12700">
-            <a:solidFill>
-              <a:srgbClr val="000000"/>
-            </a:solidFill>
-            <a:prstDash val="solid"/>
-          </a:ln>
-        </p:spPr>
-        <p:txBody>
-          <a:bodyPr wrap="square" lIns="0" tIns="0" rIns="0" bIns="0" rtlCol="0" anchor="t"/>
-          <a:lstStyle/>
-          <a:p>
-            <a:pPr algn="ctr">
-              <a:lnSpc>
-                <a:spcPct val="100%"/>
-              </a:lnSpc>
-              <a:defRPr sz="900">
-                <a:solidFill>
-                  <a:srgbClr val="000000"/>
-                </a:solidFill>
-                <a:latin typeface="맑은 고딕"/>
-                <a:ea typeface="맑은 고딕"/>
-                <a:cs typeface="맑은 고딕"/>
-              </a:defRPr>
-            </a:pPr>
-            <a:r>
-              <a:rPr lang="ko" sz="900">
-                <a:latin typeface="맑은 고딕"/>
-                <a:ea typeface="맑은 고딕"/>
-                <a:cs typeface="맑은 고딕"/>
-              </a:rPr>
-              <a:t>기타</a:t>
-            </a:r>
-          </a:p>
-        </p:txBody>
-      </p:sp>
-      <p:sp>
-        <p:nvSpPr>
-          <p:cNvPr id="397357491" name="Text">
-    </p:cNvPr>
-          <p:cNvSpPr>
-            <a:spLocks noGrp="1"/>
-          </p:cNvSpPr>
-          <p:nvPr/>
-        </p:nvSpPr>
-        <p:spPr>
-          <a:xfrm rot="0">
-            <a:off x="6362700" y="1828800"/>
-            <a:ext cx="736600" cy="787400"/>
-          </a:xfrm>
-          <a:prstGeom prst="rect">
-            <a:avLst/>
-          </a:prstGeom>
-          <a:ln w="12700">
-            <a:solidFill>
-              <a:srgbClr val="000000"/>
-            </a:solidFill>
-            <a:prstDash val="solid"/>
-          </a:ln>
-        </p:spPr>
-        <p:txBody>
-          <a:bodyPr wrap="square" lIns="0" tIns="0" rIns="0" bIns="0" rtlCol="0" anchor="t"/>
-          <a:lstStyle/>
-          <a:p>
-            <a:pPr algn="ctr">
-              <a:lnSpc>
-                <a:spcPct val="100%"/>
-              </a:lnSpc>
-              <a:defRPr sz="900">
-                <a:solidFill>
-                  <a:srgbClr val="000000"/>
-                </a:solidFill>
-                <a:latin typeface="맑은 고딕"/>
-                <a:ea typeface="맑은 고딕"/>
-                <a:cs typeface="맑은 고딕"/>
-              </a:defRPr>
-            </a:pPr>
-            <a:r>
-              <a:rPr lang="ko" sz="900">
-                <a:latin typeface="맑은 고딕"/>
-                <a:ea typeface="맑은 고딕"/>
-                <a:cs typeface="맑은 고딕"/>
-              </a:rPr>
-              <a:t>진행중</a:t>
-            </a:r>
-          </a:p>
-        </p:txBody>
-      </p:sp>
-      <p:sp>
-        <p:nvSpPr>
-          <p:cNvPr id="2052982594" name="Text">
-    </p:cNvPr>
-          <p:cNvSpPr>
-            <a:spLocks noGrp="1"/>
-          </p:cNvSpPr>
-          <p:nvPr/>
-        </p:nvSpPr>
-        <p:spPr>
-          <a:xfrm rot="0">
-            <a:off x="177800" y="965200"/>
-            <a:ext cx="1473200" cy="254000"/>
+              <a:rPr lang="ko" sz="1100">
+                <a:latin typeface="맑은 고딕"/>
+                <a:ea typeface="맑은 고딕"/>
+                <a:cs typeface="맑은 고딕"/>
+              </a:rPr>
+              <a:t>2022-12-22 test</a:t>
+            </a:r>
+          </a:p>
+        </p:txBody>
+      </p:sp>
+      <p:sp>
+        <p:nvSpPr>
+          <p:cNvPr id="1019032784" name="Text">
+    </p:cNvPr>
+          <p:cNvSpPr>
+            <a:spLocks noGrp="1"/>
+          </p:cNvSpPr>
+          <p:nvPr/>
+        </p:nvSpPr>
+        <p:spPr>
+          <a:xfrm rot="0">
+            <a:off x="6527800" y="1473200"/>
+            <a:ext cx="749300" cy="787400"/>
+          </a:xfrm>
+          <a:prstGeom prst="rect">
+            <a:avLst/>
+          </a:prstGeom>
+          <a:ln w="12700">
+            <a:solidFill>
+              <a:srgbClr val="000000"/>
+            </a:solidFill>
+            <a:prstDash val="solid"/>
+          </a:ln>
+        </p:spPr>
+        <p:txBody>
+          <a:bodyPr wrap="square" lIns="0" tIns="0" rIns="0" bIns="0" rtlCol="0" anchor="ctr"/>
+          <a:lstStyle/>
+          <a:p>
+            <a:pPr algn="ctr">
+              <a:lnSpc>
+                <a:spcPct val="100%"/>
+              </a:lnSpc>
+              <a:defRPr sz="1100">
+                <a:solidFill>
+                  <a:srgbClr val="000000"/>
+                </a:solidFill>
+                <a:latin typeface="맑은 고딕"/>
+                <a:ea typeface="맑은 고딕"/>
+                <a:cs typeface="맑은 고딕"/>
+              </a:defRPr>
+            </a:pPr>
+            <a:r>
+              <a:rPr lang="ko" sz="1100">
+                <a:latin typeface="맑은 고딕"/>
+                <a:ea typeface="맑은 고딕"/>
+                <a:cs typeface="맑은 고딕"/>
+              </a:rPr>
+              <a:t>완료</a:t>
+            </a:r>
+          </a:p>
+        </p:txBody>
+      </p:sp>
+      <p:sp>
+        <p:nvSpPr>
+          <p:cNvPr id="1683710701" name="Text">
+    </p:cNvPr>
+          <p:cNvSpPr>
+            <a:spLocks noGrp="1"/>
+          </p:cNvSpPr>
+          <p:nvPr/>
+        </p:nvSpPr>
+        <p:spPr>
+          <a:xfrm rot="0">
+            <a:off x="177800" y="838200"/>
+            <a:ext cx="2489200" cy="215900"/>
           </a:xfrm>
           <a:prstGeom prst="rect">
             <a:avLst/>
@@ -775,17 +790,17 @@
               <a:lnSpc>
                 <a:spcPct val="100%"/>
               </a:lnSpc>
-              <a:defRPr sz="1400" b="1">
-                <a:solidFill>
-                  <a:srgbClr val="000000"/>
-                </a:solidFill>
-                <a:latin typeface="맑은 고딕"/>
-                <a:ea typeface="맑은 고딕"/>
-                <a:cs typeface="맑은 고딕"/>
-              </a:defRPr>
-            </a:pPr>
-            <a:r>
-              <a:rPr lang="ko" sz="1400" b="1">
+              <a:defRPr sz="1000" b="1">
+                <a:solidFill>
+                  <a:srgbClr val="000000"/>
+                </a:solidFill>
+                <a:latin typeface="맑은 고딕"/>
+                <a:ea typeface="맑은 고딕"/>
+                <a:cs typeface="맑은 고딕"/>
+              </a:defRPr>
+            </a:pPr>
+            <a:r>
+              <a:rPr lang="ko" sz="1000" b="1">
                 <a:latin typeface="맑은 고딕"/>
                 <a:ea typeface="맑은 고딕"/>
                 <a:cs typeface="맑은 고딕"/>
@@ -797,17 +812,17 @@
       </p:sp>
       <p:sp>
         <p:nvSpPr>
-          <p:cNvPr id="2557264" name="Text">
-    </p:cNvPr>
-          <p:cNvSpPr>
-            <a:spLocks noGrp="1"/>
-          </p:cNvSpPr>
-          <p:nvPr/>
-        </p:nvSpPr>
-        <p:spPr>
-          <a:xfrm rot="0">
-            <a:off x="190500" y="3568700"/>
-            <a:ext cx="1473200" cy="279400"/>
+          <p:cNvPr id="232861539" name="Text">
+    </p:cNvPr>
+          <p:cNvSpPr>
+            <a:spLocks noGrp="1"/>
+          </p:cNvSpPr>
+          <p:nvPr/>
+        </p:nvSpPr>
+        <p:spPr>
+          <a:xfrm rot="0">
+            <a:off x="190500" y="3175000"/>
+            <a:ext cx="2476500" cy="228600"/>
           </a:xfrm>
           <a:prstGeom prst="rect">
             <a:avLst/>
@@ -824,17 +839,17 @@
               <a:lnSpc>
                 <a:spcPct val="100%"/>
               </a:lnSpc>
-              <a:defRPr sz="1400" b="1">
-                <a:solidFill>
-                  <a:srgbClr val="000000"/>
-                </a:solidFill>
-                <a:latin typeface="맑은 고딕"/>
-                <a:ea typeface="맑은 고딕"/>
-                <a:cs typeface="맑은 고딕"/>
-              </a:defRPr>
-            </a:pPr>
-            <a:r>
-              <a:rPr lang="ko" sz="1400" b="1">
+              <a:defRPr sz="1000" b="1">
+                <a:solidFill>
+                  <a:srgbClr val="000000"/>
+                </a:solidFill>
+                <a:latin typeface="맑은 고딕"/>
+                <a:ea typeface="맑은 고딕"/>
+                <a:cs typeface="맑은 고딕"/>
+              </a:defRPr>
+            </a:pPr>
+            <a:r>
+              <a:rPr lang="ko" sz="1000" b="1">
                 <a:latin typeface="맑은 고딕"/>
                 <a:ea typeface="맑은 고딕"/>
                 <a:cs typeface="맑은 고딕"/>
@@ -846,17 +861,17 @@
       </p:sp>
       <p:sp>
         <p:nvSpPr>
-          <p:cNvPr id="1639632594" name="Text">
-    </p:cNvPr>
-          <p:cNvSpPr>
-            <a:spLocks noGrp="1"/>
-          </p:cNvSpPr>
-          <p:nvPr/>
-        </p:nvSpPr>
-        <p:spPr>
-          <a:xfrm rot="0">
-            <a:off x="177800" y="1358900"/>
-            <a:ext cx="825500" cy="457200"/>
+          <p:cNvPr id="604312800" name="Text">
+    </p:cNvPr>
+          <p:cNvSpPr>
+            <a:spLocks noGrp="1"/>
+          </p:cNvSpPr>
+          <p:nvPr/>
+        </p:nvSpPr>
+        <p:spPr>
+          <a:xfrm rot="0">
+            <a:off x="355600" y="1079500"/>
+            <a:ext cx="825500" cy="393700"/>
           </a:xfrm>
           <a:prstGeom prst="rect">
             <a:avLst/>
@@ -901,17 +916,17 @@
       </p:sp>
       <p:sp>
         <p:nvSpPr>
-          <p:cNvPr id="259414527" name="Text">
-    </p:cNvPr>
-          <p:cNvSpPr>
-            <a:spLocks noGrp="1"/>
-          </p:cNvSpPr>
-          <p:nvPr/>
-        </p:nvSpPr>
-        <p:spPr>
-          <a:xfrm rot="0">
-            <a:off x="1003300" y="1358900"/>
-            <a:ext cx="4559300" cy="469900"/>
+          <p:cNvPr id="1909178116" name="Text">
+    </p:cNvPr>
+          <p:cNvSpPr>
+            <a:spLocks noGrp="1"/>
+          </p:cNvSpPr>
+          <p:nvPr/>
+        </p:nvSpPr>
+        <p:spPr>
+          <a:xfrm rot="0">
+            <a:off x="1181100" y="1079500"/>
+            <a:ext cx="4572000" cy="393700"/>
           </a:xfrm>
           <a:prstGeom prst="rect">
             <a:avLst/>
@@ -956,17 +971,17 @@
       </p:sp>
       <p:sp>
         <p:nvSpPr>
-          <p:cNvPr id="85470020" name="Text">
-    </p:cNvPr>
-          <p:cNvSpPr>
-            <a:spLocks noGrp="1"/>
-          </p:cNvSpPr>
-          <p:nvPr/>
-        </p:nvSpPr>
-        <p:spPr>
-          <a:xfrm rot="0">
-            <a:off x="6350000" y="1358900"/>
-            <a:ext cx="762000" cy="469900"/>
+          <p:cNvPr id="1320740826" name="Text">
+    </p:cNvPr>
+          <p:cNvSpPr>
+            <a:spLocks noGrp="1"/>
+          </p:cNvSpPr>
+          <p:nvPr/>
+        </p:nvSpPr>
+        <p:spPr>
+          <a:xfrm rot="0">
+            <a:off x="6527800" y="1079500"/>
+            <a:ext cx="762000" cy="393700"/>
           </a:xfrm>
           <a:prstGeom prst="rect">
             <a:avLst/>
@@ -1011,17 +1026,17 @@
       </p:sp>
       <p:sp>
         <p:nvSpPr>
-          <p:cNvPr id="1034789682" name="Text">
-    </p:cNvPr>
-          <p:cNvSpPr>
-            <a:spLocks noGrp="1"/>
-          </p:cNvSpPr>
-          <p:nvPr/>
-        </p:nvSpPr>
-        <p:spPr>
-          <a:xfrm rot="0">
-            <a:off x="7112000" y="1358900"/>
-            <a:ext cx="254000" cy="469900"/>
+          <p:cNvPr id="1244025689" name="Text">
+    </p:cNvPr>
+          <p:cNvSpPr>
+            <a:spLocks noGrp="1"/>
+          </p:cNvSpPr>
+          <p:nvPr/>
+        </p:nvSpPr>
+        <p:spPr>
+          <a:xfrm rot="0">
+            <a:off x="7289800" y="1079500"/>
+            <a:ext cx="254000" cy="393700"/>
           </a:xfrm>
           <a:prstGeom prst="rect">
             <a:avLst/>
@@ -1059,24 +1074,33 @@
                 <a:ea typeface="맑은 고딕"/>
                 <a:cs typeface="맑은 고딕"/>
               </a:rPr>
-              <a:t>상태</a:t>
-            </a:r>
-          </a:p>
-        </p:txBody>
-      </p:sp>
-      <p:sp>
-        <p:nvSpPr>
-          <p:cNvPr id="173417995" name="Text">
-    </p:cNvPr>
-          <p:cNvSpPr>
-            <a:spLocks noGrp="1"/>
-          </p:cNvSpPr>
-          <p:nvPr/>
-        </p:nvSpPr>
-        <p:spPr>
-          <a:xfrm rot="0">
-            <a:off x="165100" y="3975100"/>
-            <a:ext cx="812800" cy="469900"/>
+              <a:t>상</a:t>
+            </a:r>
+            <a:br/>
+            <a:r>
+              <a:rPr lang="ko" sz="1000">
+                <a:latin typeface="맑은 고딕"/>
+                <a:ea typeface="맑은 고딕"/>
+                <a:cs typeface="맑은 고딕"/>
+              </a:rPr>
+              <a:t>태</a:t>
+            </a:r>
+          </a:p>
+        </p:txBody>
+      </p:sp>
+      <p:sp>
+        <p:nvSpPr>
+          <p:cNvPr id="1183382761" name="Text">
+    </p:cNvPr>
+          <p:cNvSpPr>
+            <a:spLocks noGrp="1"/>
+          </p:cNvSpPr>
+          <p:nvPr/>
+        </p:nvSpPr>
+        <p:spPr>
+          <a:xfrm rot="0">
+            <a:off x="368300" y="3429000"/>
+            <a:ext cx="812800" cy="342900"/>
           </a:xfrm>
           <a:prstGeom prst="rect">
             <a:avLst/>
@@ -1121,17 +1145,17 @@
       </p:sp>
       <p:sp>
         <p:nvSpPr>
-          <p:cNvPr id="928132895" name="Text">
-    </p:cNvPr>
-          <p:cNvSpPr>
-            <a:spLocks noGrp="1"/>
-          </p:cNvSpPr>
-          <p:nvPr/>
-        </p:nvSpPr>
-        <p:spPr>
-          <a:xfrm rot="0">
-            <a:off x="977900" y="3975100"/>
-            <a:ext cx="4610100" cy="469900"/>
+          <p:cNvPr id="1779910819" name="Text">
+    </p:cNvPr>
+          <p:cNvSpPr>
+            <a:spLocks noGrp="1"/>
+          </p:cNvSpPr>
+          <p:nvPr/>
+        </p:nvSpPr>
+        <p:spPr>
+          <a:xfrm rot="0">
+            <a:off x="1181100" y="3429000"/>
+            <a:ext cx="4610100" cy="342900"/>
           </a:xfrm>
           <a:prstGeom prst="rect">
             <a:avLst/>
@@ -1176,17 +1200,17 @@
       </p:sp>
       <p:sp>
         <p:nvSpPr>
-          <p:cNvPr id="1943298234" name="Text">
-    </p:cNvPr>
-          <p:cNvSpPr>
-            <a:spLocks noGrp="1"/>
-          </p:cNvSpPr>
-          <p:nvPr/>
-        </p:nvSpPr>
-        <p:spPr>
-          <a:xfrm rot="0">
-            <a:off x="5588000" y="3975100"/>
-            <a:ext cx="762000" cy="469900"/>
+          <p:cNvPr id="1670968332" name="Text">
+    </p:cNvPr>
+          <p:cNvSpPr>
+            <a:spLocks noGrp="1"/>
+          </p:cNvSpPr>
+          <p:nvPr/>
+        </p:nvSpPr>
+        <p:spPr>
+          <a:xfrm rot="0">
+            <a:off x="5791200" y="3429000"/>
+            <a:ext cx="762000" cy="342900"/>
           </a:xfrm>
           <a:prstGeom prst="rect">
             <a:avLst/>
@@ -1231,17 +1255,17 @@
       </p:sp>
       <p:sp>
         <p:nvSpPr>
-          <p:cNvPr id="598800833" name="Text">
-    </p:cNvPr>
-          <p:cNvSpPr>
-            <a:spLocks noGrp="1"/>
-          </p:cNvSpPr>
-          <p:nvPr/>
-        </p:nvSpPr>
-        <p:spPr>
-          <a:xfrm rot="0">
-            <a:off x="7366000" y="1358900"/>
-            <a:ext cx="2667000" cy="469900"/>
+          <p:cNvPr id="467460029" name="Text">
+    </p:cNvPr>
+          <p:cNvSpPr>
+            <a:spLocks noGrp="1"/>
+          </p:cNvSpPr>
+          <p:nvPr/>
+        </p:nvSpPr>
+        <p:spPr>
+          <a:xfrm rot="0">
+            <a:off x="7543800" y="1079500"/>
+            <a:ext cx="2667000" cy="393700"/>
           </a:xfrm>
           <a:prstGeom prst="rect">
             <a:avLst/>
@@ -1286,17 +1310,17 @@
       </p:sp>
       <p:sp>
         <p:nvSpPr>
-          <p:cNvPr id="418244034" name="Text">
-    </p:cNvPr>
-          <p:cNvSpPr>
-            <a:spLocks noGrp="1"/>
-          </p:cNvSpPr>
-          <p:nvPr/>
-        </p:nvSpPr>
-        <p:spPr>
-          <a:xfrm rot="0">
-            <a:off x="6350000" y="3975100"/>
-            <a:ext cx="3670300" cy="469900"/>
+          <p:cNvPr id="439490459" name="Text">
+    </p:cNvPr>
+          <p:cNvSpPr>
+            <a:spLocks noGrp="1"/>
+          </p:cNvSpPr>
+          <p:nvPr/>
+        </p:nvSpPr>
+        <p:spPr>
+          <a:xfrm rot="0">
+            <a:off x="6553200" y="3429000"/>
+            <a:ext cx="3670300" cy="342900"/>
           </a:xfrm>
           <a:prstGeom prst="rect">
             <a:avLst/>
@@ -1341,17 +1365,17 @@
       </p:sp>
       <p:sp>
         <p:nvSpPr>
-          <p:cNvPr id="1046551319" name="Text">
-    </p:cNvPr>
-          <p:cNvSpPr>
-            <a:spLocks noGrp="1"/>
-          </p:cNvSpPr>
-          <p:nvPr/>
-        </p:nvSpPr>
-        <p:spPr>
-          <a:xfrm rot="0">
-            <a:off x="5575300" y="1358900"/>
-            <a:ext cx="774700" cy="469900"/>
+          <p:cNvPr id="1253053998" name="Text">
+    </p:cNvPr>
+          <p:cNvSpPr>
+            <a:spLocks noGrp="1"/>
+          </p:cNvSpPr>
+          <p:nvPr/>
+        </p:nvSpPr>
+        <p:spPr>
+          <a:xfrm rot="0">
+            <a:off x="5753100" y="1079500"/>
+            <a:ext cx="774700" cy="393700"/>
           </a:xfrm>
           <a:prstGeom prst="rect">
             <a:avLst/>
@@ -1396,16 +1420,16 @@
       </p:sp>
       <p:sp>
         <p:nvSpPr>
-          <p:cNvPr id="1860201937" name="Text">
-    </p:cNvPr>
-          <p:cNvSpPr>
-            <a:spLocks noGrp="1"/>
-          </p:cNvSpPr>
-          <p:nvPr/>
-        </p:nvSpPr>
-        <p:spPr>
-          <a:xfrm rot="0">
-            <a:off x="5575300" y="1828800"/>
+          <p:cNvPr id="1848419296" name="Text">
+    </p:cNvPr>
+          <p:cNvSpPr>
+            <a:spLocks noGrp="1"/>
+          </p:cNvSpPr>
+          <p:nvPr/>
+        </p:nvSpPr>
+        <p:spPr>
+          <a:xfrm rot="0">
+            <a:off x="5753100" y="1473200"/>
             <a:ext cx="774700" cy="787400"/>
           </a:xfrm>
           <a:prstGeom prst="rect">
@@ -1426,39 +1450,102 @@
               <a:lnSpc>
                 <a:spcPct val="100%"/>
               </a:lnSpc>
-              <a:defRPr sz="900">
-                <a:solidFill>
-                  <a:srgbClr val="000000"/>
-                </a:solidFill>
-                <a:latin typeface="맑은 고딕"/>
-                <a:ea typeface="맑은 고딕"/>
-                <a:cs typeface="맑은 고딕"/>
-              </a:defRPr>
-            </a:pPr>
-            <a:r>
-              <a:rPr lang="ko" sz="900">
-                <a:latin typeface="맑은 고딕"/>
-                <a:ea typeface="맑은 고딕"/>
-                <a:cs typeface="맑은 고딕"/>
-              </a:rPr>
-              <a:t>end</a:t>
-            </a:r>
-          </a:p>
-        </p:txBody>
-      </p:sp>
-      <p:sp>
-        <p:nvSpPr>
-          <p:cNvPr id="1245380413" name="Text">
-    </p:cNvPr>
-          <p:cNvSpPr>
-            <a:spLocks noGrp="1"/>
-          </p:cNvSpPr>
-          <p:nvPr/>
-        </p:nvSpPr>
-        <p:spPr>
-          <a:xfrm rot="0">
-            <a:off x="190500" y="2628900"/>
-            <a:ext cx="812800" cy="787400"/>
+              <a:defRPr sz="1100">
+                <a:solidFill>
+                  <a:srgbClr val="000000"/>
+                </a:solidFill>
+                <a:latin typeface="맑은 고딕"/>
+                <a:ea typeface="맑은 고딕"/>
+                <a:cs typeface="맑은 고딕"/>
+              </a:defRPr>
+            </a:pPr>
+            <a:br/>
+            <a:r>
+              <a:rPr lang="ko" sz="1100">
+                <a:latin typeface="맑은 고딕"/>
+                <a:ea typeface="맑은 고딕"/>
+                <a:cs typeface="맑은 고딕"/>
+              </a:rPr>
+              <a:t>12/02</a:t>
+            </a:r>
+            <a:br/>
+            <a:r>
+              <a:rPr lang="ko" sz="1100">
+                <a:latin typeface="맑은 고딕"/>
+                <a:ea typeface="맑은 고딕"/>
+                <a:cs typeface="맑은 고딕"/>
+              </a:rPr>
+              <a:t>12/16</a:t>
+            </a:r>
+            <a:br/>
+          </a:p>
+        </p:txBody>
+      </p:sp>
+      <p:sp>
+        <p:nvSpPr>
+          <p:cNvPr id="326154415" name="Text">
+    </p:cNvPr>
+          <p:cNvSpPr>
+            <a:spLocks noGrp="1"/>
+          </p:cNvSpPr>
+          <p:nvPr/>
+        </p:nvSpPr>
+        <p:spPr>
+          <a:xfrm rot="0">
+            <a:off x="368300" y="2260600"/>
+            <a:ext cx="812800" cy="812800"/>
+          </a:xfrm>
+          <a:prstGeom prst="rect">
+            <a:avLst/>
+          </a:prstGeom>
+          <a:ln w="12700">
+            <a:solidFill>
+              <a:srgbClr val="000000"/>
+            </a:solidFill>
+            <a:prstDash val="solid"/>
+          </a:ln>
+        </p:spPr>
+        <p:txBody>
+          <a:bodyPr wrap="square" lIns="0" tIns="0" rIns="0" bIns="0" rtlCol="0" anchor="ctr"/>
+          <a:lstStyle/>
+          <a:p>
+            <a:pPr algn="ctr">
+              <a:lnSpc>
+                <a:spcPct val="100%"/>
+              </a:lnSpc>
+              <a:defRPr sz="1100">
+                <a:solidFill>
+                  <a:srgbClr val="000000"/>
+                </a:solidFill>
+                <a:latin typeface="맑은 고딕"/>
+                <a:ea typeface="맑은 고딕"/>
+                <a:cs typeface="맑은 고딕"/>
+              </a:defRPr>
+            </a:pPr>
+            <a:r>
+              <a:rPr lang="ko" sz="1100">
+                <a:latin typeface="맑은 고딕"/>
+                <a:ea typeface="맑은 고딕"/>
+                <a:cs typeface="맑은 고딕"/>
+              </a:rPr>
+              <a:t>WEB</a:t>
+            </a:r>
+          </a:p>
+        </p:txBody>
+      </p:sp>
+      <p:sp>
+        <p:nvSpPr>
+          <p:cNvPr id="427096981" name="Text">
+    </p:cNvPr>
+          <p:cNvSpPr>
+            <a:spLocks noGrp="1"/>
+          </p:cNvSpPr>
+          <p:nvPr/>
+        </p:nvSpPr>
+        <p:spPr>
+          <a:xfrm rot="0">
+            <a:off x="1181100" y="2260600"/>
+            <a:ext cx="4572000" cy="812800"/>
           </a:xfrm>
           <a:prstGeom prst="rect">
             <a:avLst/>
@@ -1474,11 +1561,11 @@
           <a:bodyPr wrap="square" lIns="0" tIns="0" rIns="0" bIns="0" rtlCol="0" anchor="t"/>
           <a:lstStyle/>
           <a:p>
-            <a:pPr algn="ctr">
-              <a:lnSpc>
-                <a:spcPct val="100%"/>
-              </a:lnSpc>
-              <a:defRPr sz="900">
+            <a:pPr algn="l">
+              <a:lnSpc>
+                <a:spcPct val="100%"/>
+              </a:lnSpc>
+              <a:defRPr sz="1100">
                 <a:solidFill>
                   <a:srgbClr val="000000"/>
                 </a:solidFill>
@@ -1489,7 +1576,396 @@
             </a:pPr>
             <a:br/>
             <a:r>
-              <a:rPr lang="ko" sz="900">
+              <a:rPr lang="ko" sz="1100">
+                <a:latin typeface="맑은 고딕"/>
+                <a:ea typeface="맑은 고딕"/>
+                <a:cs typeface="맑은 고딕"/>
+              </a:rPr>
+              <a:t> [주간보고 System(RMS)] UserView 생성 및 보완</a:t>
+            </a:r>
+            <a:br/>
+            <a:r>
+              <a:rPr lang="ko" sz="1100">
+                <a:latin typeface="맑은 고딕"/>
+                <a:ea typeface="맑은 고딕"/>
+                <a:cs typeface="맑은 고딕"/>
+              </a:rPr>
+              <a:t> [주간보고 System(RMS)]  part leader page 구현</a:t>
+            </a:r>
+          </a:p>
+        </p:txBody>
+      </p:sp>
+      <p:sp>
+        <p:nvSpPr>
+          <p:cNvPr id="1396674547" name="Text">
+    </p:cNvPr>
+          <p:cNvSpPr>
+            <a:spLocks noGrp="1"/>
+          </p:cNvSpPr>
+          <p:nvPr/>
+        </p:nvSpPr>
+        <p:spPr>
+          <a:xfrm rot="0">
+            <a:off x="7543800" y="2260600"/>
+            <a:ext cx="2667000" cy="812800"/>
+          </a:xfrm>
+          <a:prstGeom prst="rect">
+            <a:avLst/>
+          </a:prstGeom>
+          <a:ln w="12700">
+            <a:solidFill>
+              <a:srgbClr val="000000"/>
+            </a:solidFill>
+            <a:prstDash val="solid"/>
+          </a:ln>
+        </p:spPr>
+        <p:txBody>
+          <a:bodyPr wrap="square" lIns="0" tIns="0" rIns="0" bIns="0" rtlCol="0" anchor="t"/>
+          <a:lstStyle/>
+          <a:p>
+            <a:pPr algn="l">
+              <a:lnSpc>
+                <a:spcPct val="100%"/>
+              </a:lnSpc>
+              <a:defRPr sz="1100">
+                <a:solidFill>
+                  <a:srgbClr val="000000"/>
+                </a:solidFill>
+                <a:latin typeface="맑은 고딕"/>
+                <a:ea typeface="맑은 고딕"/>
+                <a:cs typeface="맑은 고딕"/>
+              </a:defRPr>
+            </a:pPr>
+            <a:br/>
+            <a:r>
+              <a:rPr lang="ko" sz="1100">
+                <a:latin typeface="맑은 고딕"/>
+                <a:ea typeface="맑은 고딕"/>
+                <a:cs typeface="맑은 고딕"/>
+              </a:rPr>
+              <a:t>2022-12-22 test</a:t>
+            </a:r>
+          </a:p>
+        </p:txBody>
+      </p:sp>
+      <p:sp>
+        <p:nvSpPr>
+          <p:cNvPr id="1476855255" name="Text">
+    </p:cNvPr>
+          <p:cNvSpPr>
+            <a:spLocks noGrp="1"/>
+          </p:cNvSpPr>
+          <p:nvPr/>
+        </p:nvSpPr>
+        <p:spPr>
+          <a:xfrm rot="0">
+            <a:off x="6527800" y="2260600"/>
+            <a:ext cx="749300" cy="812800"/>
+          </a:xfrm>
+          <a:prstGeom prst="rect">
+            <a:avLst/>
+          </a:prstGeom>
+          <a:ln w="12700">
+            <a:solidFill>
+              <a:srgbClr val="000000"/>
+            </a:solidFill>
+            <a:prstDash val="solid"/>
+          </a:ln>
+        </p:spPr>
+        <p:txBody>
+          <a:bodyPr wrap="square" lIns="0" tIns="0" rIns="0" bIns="0" rtlCol="0" anchor="ctr"/>
+          <a:lstStyle/>
+          <a:p>
+            <a:pPr algn="ctr">
+              <a:lnSpc>
+                <a:spcPct val="100%"/>
+              </a:lnSpc>
+              <a:defRPr sz="1100">
+                <a:solidFill>
+                  <a:srgbClr val="000000"/>
+                </a:solidFill>
+                <a:latin typeface="맑은 고딕"/>
+                <a:ea typeface="맑은 고딕"/>
+                <a:cs typeface="맑은 고딕"/>
+              </a:defRPr>
+            </a:pPr>
+            <a:r>
+              <a:rPr lang="ko" sz="1100">
+                <a:latin typeface="맑은 고딕"/>
+                <a:ea typeface="맑은 고딕"/>
+                <a:cs typeface="맑은 고딕"/>
+              </a:rPr>
+              <a:t>완료</a:t>
+            </a:r>
+          </a:p>
+        </p:txBody>
+      </p:sp>
+      <p:sp>
+        <p:nvSpPr>
+          <p:cNvPr id="1311009720" name="Text">
+    </p:cNvPr>
+          <p:cNvSpPr>
+            <a:spLocks noGrp="1"/>
+          </p:cNvSpPr>
+          <p:nvPr/>
+        </p:nvSpPr>
+        <p:spPr>
+          <a:xfrm rot="0">
+            <a:off x="5753100" y="2260600"/>
+            <a:ext cx="774700" cy="812800"/>
+          </a:xfrm>
+          <a:prstGeom prst="rect">
+            <a:avLst/>
+          </a:prstGeom>
+          <a:ln w="12700">
+            <a:solidFill>
+              <a:srgbClr val="000000"/>
+            </a:solidFill>
+            <a:prstDash val="solid"/>
+          </a:ln>
+        </p:spPr>
+        <p:txBody>
+          <a:bodyPr wrap="square" lIns="0" tIns="0" rIns="0" bIns="0" rtlCol="0" anchor="t"/>
+          <a:lstStyle/>
+          <a:p>
+            <a:pPr algn="ctr">
+              <a:lnSpc>
+                <a:spcPct val="100%"/>
+              </a:lnSpc>
+              <a:defRPr sz="1100">
+                <a:solidFill>
+                  <a:srgbClr val="000000"/>
+                </a:solidFill>
+                <a:latin typeface="맑은 고딕"/>
+                <a:ea typeface="맑은 고딕"/>
+                <a:cs typeface="맑은 고딕"/>
+              </a:defRPr>
+            </a:pPr>
+            <a:br/>
+            <a:r>
+              <a:rPr lang="ko" sz="1100">
+                <a:latin typeface="맑은 고딕"/>
+                <a:ea typeface="맑은 고딕"/>
+                <a:cs typeface="맑은 고딕"/>
+              </a:rPr>
+              <a:t>12/16</a:t>
+            </a:r>
+            <a:br/>
+            <a:r>
+              <a:rPr lang="ko" sz="1100">
+                <a:latin typeface="맑은 고딕"/>
+                <a:ea typeface="맑은 고딕"/>
+                <a:cs typeface="맑은 고딕"/>
+              </a:rPr>
+              <a:t>12/28</a:t>
+            </a:r>
+            <a:br/>
+          </a:p>
+        </p:txBody>
+      </p:sp>
+      <p:sp>
+        <p:nvSpPr>
+          <p:cNvPr id="1890752954" name="Text">
+    </p:cNvPr>
+          <p:cNvSpPr>
+            <a:spLocks noGrp="1"/>
+          </p:cNvSpPr>
+          <p:nvPr/>
+        </p:nvSpPr>
+        <p:spPr>
+          <a:xfrm rot="0">
+            <a:off x="6553200" y="4572000"/>
+            <a:ext cx="3670300" cy="800100"/>
+          </a:xfrm>
+          <a:prstGeom prst="rect">
+            <a:avLst/>
+          </a:prstGeom>
+          <a:ln w="12700">
+            <a:solidFill>
+              <a:srgbClr val="000000"/>
+            </a:solidFill>
+            <a:prstDash val="solid"/>
+          </a:ln>
+        </p:spPr>
+        <p:txBody>
+          <a:bodyPr wrap="square" lIns="0" tIns="0" rIns="0" bIns="0" rtlCol="0" anchor="t"/>
+          <a:lstStyle/>
+          <a:p>
+            <a:pPr algn="l">
+              <a:lnSpc>
+                <a:spcPct val="100%"/>
+              </a:lnSpc>
+              <a:defRPr sz="1100">
+                <a:solidFill>
+                  <a:srgbClr val="000000"/>
+                </a:solidFill>
+                <a:latin typeface="맑은 고딕"/>
+                <a:ea typeface="맑은 고딕"/>
+                <a:cs typeface="맑은 고딕"/>
+              </a:defRPr>
+            </a:pPr>
+            <a:br/>
+            <a:r>
+              <a:rPr lang="ko" sz="1100">
+                <a:latin typeface="맑은 고딕"/>
+                <a:ea typeface="맑은 고딕"/>
+                <a:cs typeface="맑은 고딕"/>
+              </a:rPr>
+              <a:t>2022-12-22 test</a:t>
+            </a:r>
+          </a:p>
+        </p:txBody>
+      </p:sp>
+      <p:sp>
+        <p:nvSpPr>
+          <p:cNvPr id="1608368200" name="Text">
+    </p:cNvPr>
+          <p:cNvSpPr>
+            <a:spLocks noGrp="1"/>
+          </p:cNvSpPr>
+          <p:nvPr/>
+        </p:nvSpPr>
+        <p:spPr>
+          <a:xfrm rot="0">
+            <a:off x="5791200" y="4572000"/>
+            <a:ext cx="762000" cy="800100"/>
+          </a:xfrm>
+          <a:prstGeom prst="rect">
+            <a:avLst/>
+          </a:prstGeom>
+          <a:ln w="12700">
+            <a:solidFill>
+              <a:srgbClr val="000000"/>
+            </a:solidFill>
+            <a:prstDash val="solid"/>
+          </a:ln>
+        </p:spPr>
+        <p:txBody>
+          <a:bodyPr wrap="square" lIns="0" tIns="0" rIns="0" bIns="0" rtlCol="0" anchor="t"/>
+          <a:lstStyle/>
+          <a:p>
+            <a:pPr algn="ctr">
+              <a:lnSpc>
+                <a:spcPct val="100%"/>
+              </a:lnSpc>
+              <a:defRPr sz="1100">
+                <a:solidFill>
+                  <a:srgbClr val="000000"/>
+                </a:solidFill>
+                <a:latin typeface="맑은 고딕"/>
+                <a:ea typeface="맑은 고딕"/>
+                <a:cs typeface="맑은 고딕"/>
+              </a:defRPr>
+            </a:pPr>
+            <a:br/>
+            <a:r>
+              <a:rPr lang="ko" sz="1100">
+                <a:latin typeface="맑은 고딕"/>
+                <a:ea typeface="맑은 고딕"/>
+                <a:cs typeface="맑은 고딕"/>
+              </a:rPr>
+              <a:t>12/19</a:t>
+            </a:r>
+            <a:br/>
+          </a:p>
+        </p:txBody>
+      </p:sp>
+      <p:sp>
+        <p:nvSpPr>
+          <p:cNvPr id="1058299865" name="Text">
+    </p:cNvPr>
+          <p:cNvSpPr>
+            <a:spLocks noGrp="1"/>
+          </p:cNvSpPr>
+          <p:nvPr/>
+        </p:nvSpPr>
+        <p:spPr>
+          <a:xfrm rot="0">
+            <a:off x="1181100" y="4572000"/>
+            <a:ext cx="4610100" cy="800100"/>
+          </a:xfrm>
+          <a:prstGeom prst="rect">
+            <a:avLst/>
+          </a:prstGeom>
+          <a:ln w="12700">
+            <a:solidFill>
+              <a:srgbClr val="000000"/>
+            </a:solidFill>
+            <a:prstDash val="solid"/>
+          </a:ln>
+        </p:spPr>
+        <p:txBody>
+          <a:bodyPr wrap="square" lIns="0" tIns="0" rIns="0" bIns="0" rtlCol="0" anchor="t"/>
+          <a:lstStyle/>
+          <a:p>
+            <a:pPr algn="l">
+              <a:lnSpc>
+                <a:spcPct val="100%"/>
+              </a:lnSpc>
+              <a:defRPr sz="1100">
+                <a:solidFill>
+                  <a:srgbClr val="000000"/>
+                </a:solidFill>
+                <a:latin typeface="맑은 고딕"/>
+                <a:ea typeface="맑은 고딕"/>
+                <a:cs typeface="맑은 고딕"/>
+              </a:defRPr>
+            </a:pPr>
+            <a:br/>
+            <a:r>
+              <a:rPr lang="ko" sz="1100">
+                <a:latin typeface="맑은 고딕"/>
+                <a:ea typeface="맑은 고딕"/>
+                <a:cs typeface="맑은 고딕"/>
+              </a:rPr>
+              <a:t> [주간보고 System(RMS)]  part leader page 구현</a:t>
+            </a:r>
+          </a:p>
+        </p:txBody>
+      </p:sp>
+      <p:sp>
+        <p:nvSpPr>
+          <p:cNvPr id="1375771176" name="Text">
+    </p:cNvPr>
+          <p:cNvSpPr>
+            <a:spLocks noGrp="1"/>
+          </p:cNvSpPr>
+          <p:nvPr/>
+        </p:nvSpPr>
+        <p:spPr>
+          <a:xfrm rot="0">
+            <a:off x="368300" y="4572000"/>
+            <a:ext cx="812800" cy="800100"/>
+          </a:xfrm>
+          <a:prstGeom prst="rect">
+            <a:avLst/>
+          </a:prstGeom>
+          <a:ln w="12700">
+            <a:solidFill>
+              <a:srgbClr val="000000"/>
+            </a:solidFill>
+            <a:prstDash val="solid"/>
+          </a:ln>
+        </p:spPr>
+        <p:txBody>
+          <a:bodyPr wrap="square" lIns="0" tIns="0" rIns="0" bIns="0" rtlCol="0" anchor="ctr"/>
+          <a:lstStyle/>
+          <a:p>
+            <a:pPr algn="ctr">
+              <a:lnSpc>
+                <a:spcPct val="100%"/>
+              </a:lnSpc>
+              <a:defRPr sz="1100">
+                <a:solidFill>
+                  <a:srgbClr val="000000"/>
+                </a:solidFill>
+                <a:latin typeface="맑은 고딕"/>
+                <a:ea typeface="맑은 고딕"/>
+                <a:cs typeface="맑은 고딕"/>
+              </a:defRPr>
+            </a:pPr>
+            <a:r>
+              <a:rPr lang="ko" sz="1100">
                 <a:latin typeface="맑은 고딕"/>
                 <a:ea typeface="맑은 고딕"/>
                 <a:cs typeface="맑은 고딕"/>
@@ -1501,424 +1977,7 @@
       </p:sp>
       <p:sp>
         <p:nvSpPr>
-          <p:cNvPr id="1032765517" name="Text">
-    </p:cNvPr>
-          <p:cNvSpPr>
-            <a:spLocks noGrp="1"/>
-          </p:cNvSpPr>
-          <p:nvPr/>
-        </p:nvSpPr>
-        <p:spPr>
-          <a:xfrm rot="0">
-            <a:off x="1016000" y="2628900"/>
-            <a:ext cx="4546600" cy="787400"/>
-          </a:xfrm>
-          <a:prstGeom prst="rect">
-            <a:avLst/>
-          </a:prstGeom>
-          <a:ln w="12700">
-            <a:solidFill>
-              <a:srgbClr val="000000"/>
-            </a:solidFill>
-            <a:prstDash val="solid"/>
-          </a:ln>
-        </p:spPr>
-        <p:txBody>
-          <a:bodyPr wrap="square" lIns="0" tIns="0" rIns="0" bIns="0" rtlCol="0" anchor="t"/>
-          <a:lstStyle/>
-          <a:p>
-            <a:pPr algn="l">
-              <a:lnSpc>
-                <a:spcPct val="100%"/>
-              </a:lnSpc>
-              <a:defRPr sz="900">
-                <a:solidFill>
-                  <a:srgbClr val="000000"/>
-                </a:solidFill>
-                <a:latin typeface="맑은 고딕"/>
-                <a:ea typeface="맑은 고딕"/>
-                <a:cs typeface="맑은 고딕"/>
-              </a:defRPr>
-            </a:pPr>
-            <a:r>
-              <a:rPr lang="ko" sz="900">
-                <a:latin typeface="맑은 고딕"/>
-                <a:ea typeface="맑은 고딕"/>
-                <a:cs typeface="맑은 고딕"/>
-              </a:rPr>
-              <a:t>content</a:t>
-            </a:r>
-          </a:p>
-        </p:txBody>
-      </p:sp>
-      <p:sp>
-        <p:nvSpPr>
-          <p:cNvPr id="193060168" name="Text">
-    </p:cNvPr>
-          <p:cNvSpPr>
-            <a:spLocks noGrp="1"/>
-          </p:cNvSpPr>
-          <p:nvPr/>
-        </p:nvSpPr>
-        <p:spPr>
-          <a:xfrm rot="0">
-            <a:off x="7366000" y="2628900"/>
-            <a:ext cx="2667000" cy="787400"/>
-          </a:xfrm>
-          <a:prstGeom prst="rect">
-            <a:avLst/>
-          </a:prstGeom>
-          <a:ln w="12700">
-            <a:solidFill>
-              <a:srgbClr val="000000"/>
-            </a:solidFill>
-            <a:prstDash val="solid"/>
-          </a:ln>
-        </p:spPr>
-        <p:txBody>
-          <a:bodyPr wrap="square" lIns="0" tIns="0" rIns="0" bIns="0" rtlCol="0" anchor="t"/>
-          <a:lstStyle/>
-          <a:p>
-            <a:pPr algn="ctr">
-              <a:lnSpc>
-                <a:spcPct val="100%"/>
-              </a:lnSpc>
-              <a:defRPr sz="900">
-                <a:solidFill>
-                  <a:srgbClr val="000000"/>
-                </a:solidFill>
-                <a:latin typeface="맑은 고딕"/>
-                <a:ea typeface="맑은 고딕"/>
-                <a:cs typeface="맑은 고딕"/>
-              </a:defRPr>
-            </a:pPr>
-            <a:r>
-              <a:rPr lang="ko" sz="900">
-                <a:latin typeface="맑은 고딕"/>
-                <a:ea typeface="맑은 고딕"/>
-                <a:cs typeface="맑은 고딕"/>
-              </a:rPr>
-              <a:t>기타</a:t>
-            </a:r>
-          </a:p>
-        </p:txBody>
-      </p:sp>
-      <p:sp>
-        <p:nvSpPr>
-          <p:cNvPr id="1726129932" name="Text">
-    </p:cNvPr>
-          <p:cNvSpPr>
-            <a:spLocks noGrp="1"/>
-          </p:cNvSpPr>
-          <p:nvPr/>
-        </p:nvSpPr>
-        <p:spPr>
-          <a:xfrm rot="0">
-            <a:off x="6362700" y="2628900"/>
-            <a:ext cx="736600" cy="787400"/>
-          </a:xfrm>
-          <a:prstGeom prst="rect">
-            <a:avLst/>
-          </a:prstGeom>
-          <a:ln w="12700">
-            <a:solidFill>
-              <a:srgbClr val="000000"/>
-            </a:solidFill>
-            <a:prstDash val="solid"/>
-          </a:ln>
-        </p:spPr>
-        <p:txBody>
-          <a:bodyPr wrap="square" lIns="0" tIns="0" rIns="0" bIns="0" rtlCol="0" anchor="t"/>
-          <a:lstStyle/>
-          <a:p>
-            <a:pPr algn="ctr">
-              <a:lnSpc>
-                <a:spcPct val="100%"/>
-              </a:lnSpc>
-              <a:defRPr sz="900">
-                <a:solidFill>
-                  <a:srgbClr val="000000"/>
-                </a:solidFill>
-                <a:latin typeface="맑은 고딕"/>
-                <a:ea typeface="맑은 고딕"/>
-                <a:cs typeface="맑은 고딕"/>
-              </a:defRPr>
-            </a:pPr>
-            <a:r>
-              <a:rPr lang="ko" sz="900">
-                <a:latin typeface="맑은 고딕"/>
-                <a:ea typeface="맑은 고딕"/>
-                <a:cs typeface="맑은 고딕"/>
-              </a:rPr>
-              <a:t>진행중</a:t>
-            </a:r>
-          </a:p>
-        </p:txBody>
-      </p:sp>
-      <p:sp>
-        <p:nvSpPr>
-          <p:cNvPr id="2075951098" name="Text">
-    </p:cNvPr>
-          <p:cNvSpPr>
-            <a:spLocks noGrp="1"/>
-          </p:cNvSpPr>
-          <p:nvPr/>
-        </p:nvSpPr>
-        <p:spPr>
-          <a:xfrm rot="0">
-            <a:off x="5575300" y="2628900"/>
-            <a:ext cx="774700" cy="787400"/>
-          </a:xfrm>
-          <a:prstGeom prst="rect">
-            <a:avLst/>
-          </a:prstGeom>
-          <a:ln w="12700">
-            <a:solidFill>
-              <a:srgbClr val="000000"/>
-            </a:solidFill>
-            <a:prstDash val="solid"/>
-          </a:ln>
-        </p:spPr>
-        <p:txBody>
-          <a:bodyPr wrap="square" lIns="0" tIns="0" rIns="0" bIns="0" rtlCol="0" anchor="t"/>
-          <a:lstStyle/>
-          <a:p>
-            <a:pPr algn="ctr">
-              <a:lnSpc>
-                <a:spcPct val="100%"/>
-              </a:lnSpc>
-              <a:defRPr sz="900">
-                <a:solidFill>
-                  <a:srgbClr val="000000"/>
-                </a:solidFill>
-                <a:latin typeface="맑은 고딕"/>
-                <a:ea typeface="맑은 고딕"/>
-                <a:cs typeface="맑은 고딕"/>
-              </a:defRPr>
-            </a:pPr>
-            <a:r>
-              <a:rPr lang="ko" sz="900">
-                <a:latin typeface="맑은 고딕"/>
-                <a:ea typeface="맑은 고딕"/>
-                <a:cs typeface="맑은 고딕"/>
-              </a:rPr>
-              <a:t>end</a:t>
-            </a:r>
-          </a:p>
-        </p:txBody>
-      </p:sp>
-      <p:sp>
-        <p:nvSpPr>
-          <p:cNvPr id="813384808" name="Text">
-    </p:cNvPr>
-          <p:cNvSpPr>
-            <a:spLocks noGrp="1"/>
-          </p:cNvSpPr>
-          <p:nvPr/>
-        </p:nvSpPr>
-        <p:spPr>
-          <a:xfrm rot="0">
-            <a:off x="6350000" y="5257800"/>
-            <a:ext cx="3670300" cy="787400"/>
-          </a:xfrm>
-          <a:prstGeom prst="rect">
-            <a:avLst/>
-          </a:prstGeom>
-          <a:ln w="12700">
-            <a:solidFill>
-              <a:srgbClr val="000000"/>
-            </a:solidFill>
-            <a:prstDash val="solid"/>
-          </a:ln>
-        </p:spPr>
-        <p:txBody>
-          <a:bodyPr wrap="square" lIns="0" tIns="0" rIns="0" bIns="0" rtlCol="0" anchor="t"/>
-          <a:lstStyle/>
-          <a:p>
-            <a:pPr algn="ctr">
-              <a:lnSpc>
-                <a:spcPct val="100%"/>
-              </a:lnSpc>
-              <a:defRPr sz="900">
-                <a:solidFill>
-                  <a:srgbClr val="000000"/>
-                </a:solidFill>
-                <a:latin typeface="맑은 고딕"/>
-                <a:ea typeface="맑은 고딕"/>
-                <a:cs typeface="맑은 고딕"/>
-              </a:defRPr>
-            </a:pPr>
-            <a:r>
-              <a:rPr lang="ko" sz="900">
-                <a:latin typeface="맑은 고딕"/>
-                <a:ea typeface="맑은 고딕"/>
-                <a:cs typeface="맑은 고딕"/>
-              </a:rPr>
-              <a:t>n기타</a:t>
-            </a:r>
-          </a:p>
-        </p:txBody>
-      </p:sp>
-      <p:sp>
-        <p:nvSpPr>
-          <p:cNvPr id="898999474" name="Text">
-    </p:cNvPr>
-          <p:cNvSpPr>
-            <a:spLocks noGrp="1"/>
-          </p:cNvSpPr>
-          <p:nvPr/>
-        </p:nvSpPr>
-        <p:spPr>
-          <a:xfrm rot="0">
-            <a:off x="5588000" y="5257800"/>
-            <a:ext cx="762000" cy="787400"/>
-          </a:xfrm>
-          <a:prstGeom prst="rect">
-            <a:avLst/>
-          </a:prstGeom>
-          <a:ln w="12700">
-            <a:solidFill>
-              <a:srgbClr val="000000"/>
-            </a:solidFill>
-            <a:prstDash val="solid"/>
-          </a:ln>
-        </p:spPr>
-        <p:txBody>
-          <a:bodyPr wrap="square" lIns="0" tIns="0" rIns="0" bIns="0" rtlCol="0" anchor="t"/>
-          <a:lstStyle/>
-          <a:p>
-            <a:pPr algn="ctr">
-              <a:lnSpc>
-                <a:spcPct val="100%"/>
-              </a:lnSpc>
-              <a:defRPr sz="900">
-                <a:solidFill>
-                  <a:srgbClr val="000000"/>
-                </a:solidFill>
-                <a:latin typeface="맑은 고딕"/>
-                <a:ea typeface="맑은 고딕"/>
-                <a:cs typeface="맑은 고딕"/>
-              </a:defRPr>
-            </a:pPr>
-            <a:r>
-              <a:rPr lang="ko" sz="900">
-                <a:latin typeface="맑은 고딕"/>
-                <a:ea typeface="맑은 고딕"/>
-                <a:cs typeface="맑은 고딕"/>
-              </a:rPr>
-              <a:t>ntarget</a:t>
-            </a:r>
-          </a:p>
-        </p:txBody>
-      </p:sp>
-      <p:sp>
-        <p:nvSpPr>
-          <p:cNvPr id="1178386379" name="Text">
-    </p:cNvPr>
-          <p:cNvSpPr>
-            <a:spLocks noGrp="1"/>
-          </p:cNvSpPr>
-          <p:nvPr/>
-        </p:nvSpPr>
-        <p:spPr>
-          <a:xfrm rot="0">
-            <a:off x="977900" y="5257800"/>
-            <a:ext cx="4610100" cy="787400"/>
-          </a:xfrm>
-          <a:prstGeom prst="rect">
-            <a:avLst/>
-          </a:prstGeom>
-          <a:ln w="12700">
-            <a:solidFill>
-              <a:srgbClr val="000000"/>
-            </a:solidFill>
-            <a:prstDash val="solid"/>
-          </a:ln>
-        </p:spPr>
-        <p:txBody>
-          <a:bodyPr wrap="square" lIns="0" tIns="0" rIns="0" bIns="0" rtlCol="0" anchor="t"/>
-          <a:lstStyle/>
-          <a:p>
-            <a:pPr algn="l">
-              <a:lnSpc>
-                <a:spcPct val="100%"/>
-              </a:lnSpc>
-              <a:defRPr sz="900">
-                <a:solidFill>
-                  <a:srgbClr val="000000"/>
-                </a:solidFill>
-                <a:latin typeface="맑은 고딕"/>
-                <a:ea typeface="맑은 고딕"/>
-                <a:cs typeface="맑은 고딕"/>
-              </a:defRPr>
-            </a:pPr>
-            <a:r>
-              <a:rPr lang="ko" sz="900">
-                <a:latin typeface="맑은 고딕"/>
-                <a:ea typeface="맑은 고딕"/>
-                <a:cs typeface="맑은 고딕"/>
-              </a:rPr>
-              <a:t>ncontent</a:t>
-            </a:r>
-          </a:p>
-        </p:txBody>
-      </p:sp>
-      <p:sp>
-        <p:nvSpPr>
-          <p:cNvPr id="1583831897" name="Text">
-    </p:cNvPr>
-          <p:cNvSpPr>
-            <a:spLocks noGrp="1"/>
-          </p:cNvSpPr>
-          <p:nvPr/>
-        </p:nvSpPr>
-        <p:spPr>
-          <a:xfrm rot="0">
-            <a:off x="165100" y="5245100"/>
-            <a:ext cx="812800" cy="800100"/>
-          </a:xfrm>
-          <a:prstGeom prst="rect">
-            <a:avLst/>
-          </a:prstGeom>
-          <a:ln w="12700">
-            <a:solidFill>
-              <a:srgbClr val="000000"/>
-            </a:solidFill>
-            <a:prstDash val="solid"/>
-          </a:ln>
-        </p:spPr>
-        <p:txBody>
-          <a:bodyPr wrap="square" lIns="0" tIns="0" rIns="0" bIns="0" rtlCol="0" anchor="t"/>
-          <a:lstStyle/>
-          <a:p>
-            <a:pPr algn="ctr">
-              <a:lnSpc>
-                <a:spcPct val="100%"/>
-              </a:lnSpc>
-              <a:defRPr sz="900">
-                <a:solidFill>
-                  <a:srgbClr val="000000"/>
-                </a:solidFill>
-                <a:latin typeface="맑은 고딕"/>
-                <a:ea typeface="맑은 고딕"/>
-                <a:cs typeface="맑은 고딕"/>
-              </a:defRPr>
-            </a:pPr>
-            <a:br/>
-            <a:r>
-              <a:rPr lang="ko" sz="900">
-                <a:latin typeface="맑은 고딕"/>
-                <a:ea typeface="맑은 고딕"/>
-                <a:cs typeface="맑은 고딕"/>
-              </a:rPr>
-              <a:t>WEB</a:t>
-            </a:r>
-          </a:p>
-        </p:txBody>
-      </p:sp>
-      <p:sp>
-        <p:nvSpPr>
-          <p:cNvPr id="877989113" name="Rectangle"/>
+          <p:cNvPr id="916174491" name="Rectangle"/>
           <p:cNvSpPr>
             <a:spLocks noGrp="1"/>
           </p:cNvSpPr>
@@ -1926,14 +1985,14 @@
         </p:nvSpPr>
         <p:spPr>
           <a:xfrm>
-            <a:off x="7099300" y="1828800"/>
+            <a:off x="7277100" y="1473200"/>
             <a:ext cx="266700" cy="787400"/>
           </a:xfrm>
           <a:prstGeom prst="rect">
             <a:avLst/>
           </a:prstGeom>
           <a:solidFill>
-            <a:srgbClr val="FF0000"/>
+            <a:srgbClr val="00FF00"/>
           </a:solidFill>
           <a:ln w="12700">
             <a:solidFill>
@@ -1952,7 +2011,7 @@
       </p:sp>
       <p:sp>
         <p:nvSpPr>
-          <p:cNvPr id="746426101" name="Rectangle"/>
+          <p:cNvPr id="133558144" name="Rectangle"/>
           <p:cNvSpPr>
             <a:spLocks noGrp="1"/>
           </p:cNvSpPr>
@@ -1960,14 +2019,14 @@
         </p:nvSpPr>
         <p:spPr>
           <a:xfrm>
-            <a:off x="7099300" y="2628900"/>
-            <a:ext cx="266700" cy="787400"/>
+            <a:off x="7277100" y="2260600"/>
+            <a:ext cx="266700" cy="812800"/>
           </a:xfrm>
           <a:prstGeom prst="rect">
             <a:avLst/>
           </a:prstGeom>
           <a:solidFill>
-            <a:srgbClr val="FFFF00"/>
+            <a:srgbClr val="00FF00"/>
           </a:solidFill>
           <a:ln w="12700">
             <a:solidFill>
@@ -1986,16 +2045,860 @@
       </p:sp>
       <p:sp>
         <p:nvSpPr>
-          <p:cNvPr id="253541974" name="Text">
-    </p:cNvPr>
-          <p:cNvSpPr>
-            <a:spLocks noGrp="1"/>
-          </p:cNvSpPr>
-          <p:nvPr/>
-        </p:nvSpPr>
-        <p:spPr>
-          <a:xfrm rot="0">
-            <a:off x="4851400" y="6819900"/>
+          <p:cNvPr id="436372016" name="Text">
+    </p:cNvPr>
+          <p:cNvSpPr>
+            <a:spLocks noGrp="1"/>
+          </p:cNvSpPr>
+          <p:nvPr/>
+        </p:nvSpPr>
+        <p:spPr>
+          <a:xfrm rot="0">
+            <a:off x="190500" y="5473700"/>
+            <a:ext cx="2476500" cy="228600"/>
+          </a:xfrm>
+          <a:prstGeom prst="rect">
+            <a:avLst/>
+          </a:prstGeom>
+          <a:solidFill>
+            <a:srgbClr val="CCFFCC"/>
+          </a:solidFill>
+        </p:spPr>
+        <p:txBody>
+          <a:bodyPr wrap="square" lIns="0" tIns="0" rIns="0" bIns="0" rtlCol="0" anchor="ctr"/>
+          <a:lstStyle/>
+          <a:p>
+            <a:pPr algn="ctr">
+              <a:lnSpc>
+                <a:spcPct val="100%"/>
+              </a:lnSpc>
+              <a:defRPr sz="1000" b="1">
+                <a:solidFill>
+                  <a:srgbClr val="000000"/>
+                </a:solidFill>
+                <a:latin typeface="맑은 고딕"/>
+                <a:ea typeface="맑은 고딕"/>
+                <a:cs typeface="맑은 고딕"/>
+              </a:defRPr>
+            </a:pPr>
+            <a:r>
+              <a:rPr lang="ko" sz="1000" b="1">
+                <a:latin typeface="맑은 고딕"/>
+                <a:ea typeface="맑은 고딕"/>
+                <a:cs typeface="맑은 고딕"/>
+              </a:rPr>
+              <a:t>ERP 디버깅 권한신청 처리현황</a:t>
+            </a:r>
+          </a:p>
+        </p:txBody>
+      </p:sp>
+      <p:sp>
+        <p:nvSpPr>
+          <p:cNvPr id="1275435650" name="Text">
+    </p:cNvPr>
+          <p:cNvSpPr>
+            <a:spLocks noGrp="1"/>
+          </p:cNvSpPr>
+          <p:nvPr/>
+        </p:nvSpPr>
+        <p:spPr>
+          <a:xfrm rot="0">
+            <a:off x="6858000" y="6007100"/>
+            <a:ext cx="1651000" cy="292100"/>
+          </a:xfrm>
+          <a:prstGeom prst="rect">
+            <a:avLst/>
+          </a:prstGeom>
+          <a:ln w="12700">
+            <a:solidFill>
+              <a:srgbClr val="000000"/>
+            </a:solidFill>
+            <a:prstDash val="solid"/>
+          </a:ln>
+        </p:spPr>
+        <p:txBody>
+          <a:bodyPr wrap="square" lIns="0" tIns="0" rIns="0" bIns="0" rtlCol="0" anchor="ctr"/>
+          <a:lstStyle/>
+          <a:p>
+            <a:pPr algn="ctr">
+              <a:lnSpc>
+                <a:spcPct val="100%"/>
+              </a:lnSpc>
+              <a:defRPr sz="1100">
+                <a:solidFill>
+                  <a:srgbClr val="000000"/>
+                </a:solidFill>
+                <a:latin typeface="맑은 고딕"/>
+                <a:ea typeface="맑은 고딕"/>
+                <a:cs typeface="맑은 고딕"/>
+              </a:defRPr>
+            </a:pPr>
+            <a:r>
+              <a:rPr lang="ko" sz="1100">
+                <a:latin typeface="맑은 고딕"/>
+                <a:ea typeface="맑은 고딕"/>
+                <a:cs typeface="맑은 고딕"/>
+              </a:rPr>
+              <a:t>Z11-22-0019</a:t>
+            </a:r>
+          </a:p>
+        </p:txBody>
+      </p:sp>
+      <p:sp>
+        <p:nvSpPr>
+          <p:cNvPr id="667013879" name="Text">
+    </p:cNvPr>
+          <p:cNvSpPr>
+            <a:spLocks noGrp="1"/>
+          </p:cNvSpPr>
+          <p:nvPr/>
+        </p:nvSpPr>
+        <p:spPr>
+          <a:xfrm rot="0">
+            <a:off x="2463800" y="6007100"/>
+            <a:ext cx="4394200" cy="292100"/>
+          </a:xfrm>
+          <a:prstGeom prst="rect">
+            <a:avLst/>
+          </a:prstGeom>
+          <a:ln w="12700">
+            <a:solidFill>
+              <a:srgbClr val="000000"/>
+            </a:solidFill>
+            <a:prstDash val="solid"/>
+          </a:ln>
+        </p:spPr>
+        <p:txBody>
+          <a:bodyPr wrap="square" lIns="0" tIns="0" rIns="0" bIns="0" rtlCol="0" anchor="ctr"/>
+          <a:lstStyle/>
+          <a:p>
+            <a:pPr algn="ctr">
+              <a:lnSpc>
+                <a:spcPct val="100%"/>
+              </a:lnSpc>
+              <a:defRPr sz="1100">
+                <a:solidFill>
+                  <a:srgbClr val="000000"/>
+                </a:solidFill>
+                <a:latin typeface="맑은 고딕"/>
+                <a:ea typeface="맑은 고딕"/>
+                <a:cs typeface="맑은 고딕"/>
+              </a:defRPr>
+            </a:pPr>
+            <a:r>
+              <a:rPr lang="ko" sz="1100">
+                <a:latin typeface="맑은 고딕"/>
+                <a:ea typeface="맑은 고딕"/>
+                <a:cs typeface="맑은 고딕"/>
+              </a:rPr>
+              <a:t>Field contents changed: I_PSTYP -&gt; 0</a:t>
+            </a:r>
+          </a:p>
+        </p:txBody>
+      </p:sp>
+      <p:sp>
+        <p:nvSpPr>
+          <p:cNvPr id="257990752" name="Text">
+    </p:cNvPr>
+          <p:cNvSpPr>
+            <a:spLocks noGrp="1"/>
+          </p:cNvSpPr>
+          <p:nvPr/>
+        </p:nvSpPr>
+        <p:spPr>
+          <a:xfrm rot="0">
+            <a:off x="381000" y="6007100"/>
+            <a:ext cx="1270000" cy="292100"/>
+          </a:xfrm>
+          <a:prstGeom prst="rect">
+            <a:avLst/>
+          </a:prstGeom>
+          <a:ln w="12700">
+            <a:solidFill>
+              <a:srgbClr val="000000"/>
+            </a:solidFill>
+            <a:prstDash val="solid"/>
+          </a:ln>
+        </p:spPr>
+        <p:txBody>
+          <a:bodyPr wrap="square" lIns="0" tIns="0" rIns="0" bIns="0" rtlCol="0" anchor="ctr"/>
+          <a:lstStyle/>
+          <a:p>
+            <a:pPr algn="ctr">
+              <a:lnSpc>
+                <a:spcPct val="100%"/>
+              </a:lnSpc>
+              <a:defRPr sz="1100">
+                <a:solidFill>
+                  <a:srgbClr val="000000"/>
+                </a:solidFill>
+                <a:latin typeface="맑은 고딕"/>
+                <a:ea typeface="맑은 고딕"/>
+                <a:cs typeface="맑은 고딕"/>
+              </a:defRPr>
+            </a:pPr>
+            <a:r>
+              <a:rPr lang="ko" sz="1100">
+                <a:latin typeface="맑은 고딕"/>
+                <a:ea typeface="맑은 고딕"/>
+                <a:cs typeface="맑은 고딕"/>
+              </a:rPr>
+              <a:t>2022.12.08</a:t>
+            </a:r>
+          </a:p>
+        </p:txBody>
+      </p:sp>
+      <p:sp>
+        <p:nvSpPr>
+          <p:cNvPr id="33398974" name="Text">
+    </p:cNvPr>
+          <p:cNvSpPr>
+            <a:spLocks noGrp="1"/>
+          </p:cNvSpPr>
+          <p:nvPr/>
+        </p:nvSpPr>
+        <p:spPr>
+          <a:xfrm rot="0">
+            <a:off x="381000" y="5765800"/>
+            <a:ext cx="1270000" cy="241300"/>
+          </a:xfrm>
+          <a:prstGeom prst="rect">
+            <a:avLst/>
+          </a:prstGeom>
+          <a:solidFill>
+            <a:srgbClr val="FFCC99"/>
+          </a:solidFill>
+          <a:ln w="12700">
+            <a:solidFill>
+              <a:srgbClr val="000000"/>
+            </a:solidFill>
+            <a:prstDash val="solid"/>
+          </a:ln>
+        </p:spPr>
+        <p:txBody>
+          <a:bodyPr wrap="square" lIns="0" tIns="0" rIns="0" bIns="0" rtlCol="0" anchor="ctr"/>
+          <a:lstStyle/>
+          <a:p>
+            <a:pPr algn="ctr">
+              <a:lnSpc>
+                <a:spcPct val="100%"/>
+              </a:lnSpc>
+              <a:defRPr sz="1000">
+                <a:solidFill>
+                  <a:srgbClr val="000000"/>
+                </a:solidFill>
+                <a:latin typeface="맑은 고딕"/>
+                <a:ea typeface="맑은 고딕"/>
+                <a:cs typeface="맑은 고딕"/>
+              </a:defRPr>
+            </a:pPr>
+            <a:r>
+              <a:rPr lang="ko" sz="1000">
+                <a:latin typeface="맑은 고딕"/>
+                <a:ea typeface="맑은 고딕"/>
+                <a:cs typeface="맑은 고딕"/>
+              </a:rPr>
+              <a:t>Date</a:t>
+            </a:r>
+          </a:p>
+        </p:txBody>
+      </p:sp>
+      <p:sp>
+        <p:nvSpPr>
+          <p:cNvPr id="1632435081" name="Text">
+    </p:cNvPr>
+          <p:cNvSpPr>
+            <a:spLocks noGrp="1"/>
+          </p:cNvSpPr>
+          <p:nvPr/>
+        </p:nvSpPr>
+        <p:spPr>
+          <a:xfrm rot="0">
+            <a:off x="2463800" y="5765800"/>
+            <a:ext cx="4394200" cy="241300"/>
+          </a:xfrm>
+          <a:prstGeom prst="rect">
+            <a:avLst/>
+          </a:prstGeom>
+          <a:solidFill>
+            <a:srgbClr val="FFCC99"/>
+          </a:solidFill>
+          <a:ln w="12700">
+            <a:solidFill>
+              <a:srgbClr val="000000"/>
+            </a:solidFill>
+            <a:prstDash val="solid"/>
+          </a:ln>
+        </p:spPr>
+        <p:txBody>
+          <a:bodyPr wrap="square" lIns="0" tIns="0" rIns="0" bIns="0" rtlCol="0" anchor="ctr"/>
+          <a:lstStyle/>
+          <a:p>
+            <a:pPr algn="ctr">
+              <a:lnSpc>
+                <a:spcPct val="100%"/>
+              </a:lnSpc>
+              <a:defRPr sz="1000">
+                <a:solidFill>
+                  <a:srgbClr val="000000"/>
+                </a:solidFill>
+                <a:latin typeface="맑은 고딕"/>
+                <a:ea typeface="맑은 고딕"/>
+                <a:cs typeface="맑은 고딕"/>
+              </a:defRPr>
+            </a:pPr>
+            <a:r>
+              <a:rPr lang="ko" sz="1000">
+                <a:latin typeface="맑은 고딕"/>
+                <a:ea typeface="맑은 고딕"/>
+                <a:cs typeface="맑은 고딕"/>
+              </a:rPr>
+              <a:t>Text (변경값)</a:t>
+            </a:r>
+          </a:p>
+        </p:txBody>
+      </p:sp>
+      <p:sp>
+        <p:nvSpPr>
+          <p:cNvPr id="1219742525" name="Text">
+    </p:cNvPr>
+          <p:cNvSpPr>
+            <a:spLocks noGrp="1"/>
+          </p:cNvSpPr>
+          <p:nvPr/>
+        </p:nvSpPr>
+        <p:spPr>
+          <a:xfrm rot="0">
+            <a:off x="6858000" y="5765800"/>
+            <a:ext cx="1651000" cy="241300"/>
+          </a:xfrm>
+          <a:prstGeom prst="rect">
+            <a:avLst/>
+          </a:prstGeom>
+          <a:solidFill>
+            <a:srgbClr val="FFCC99"/>
+          </a:solidFill>
+          <a:ln w="12700">
+            <a:solidFill>
+              <a:srgbClr val="000000"/>
+            </a:solidFill>
+            <a:prstDash val="solid"/>
+          </a:ln>
+        </p:spPr>
+        <p:txBody>
+          <a:bodyPr wrap="square" lIns="0" tIns="0" rIns="0" bIns="0" rtlCol="0" anchor="ctr"/>
+          <a:lstStyle/>
+          <a:p>
+            <a:pPr algn="ctr">
+              <a:lnSpc>
+                <a:spcPct val="100%"/>
+              </a:lnSpc>
+              <a:defRPr sz="1000">
+                <a:solidFill>
+                  <a:srgbClr val="000000"/>
+                </a:solidFill>
+                <a:latin typeface="맑은 고딕"/>
+                <a:ea typeface="맑은 고딕"/>
+                <a:cs typeface="맑은 고딕"/>
+              </a:defRPr>
+            </a:pPr>
+            <a:r>
+              <a:rPr lang="ko" sz="1000">
+                <a:latin typeface="맑은 고딕"/>
+                <a:ea typeface="맑은 고딕"/>
+                <a:cs typeface="맑은 고딕"/>
+              </a:rPr>
+              <a:t>ERP 권한신청서번호</a:t>
+            </a:r>
+          </a:p>
+        </p:txBody>
+      </p:sp>
+      <p:sp>
+        <p:nvSpPr>
+          <p:cNvPr id="1113199083" name="Text">
+    </p:cNvPr>
+          <p:cNvSpPr>
+            <a:spLocks noGrp="1"/>
+          </p:cNvSpPr>
+          <p:nvPr/>
+        </p:nvSpPr>
+        <p:spPr>
+          <a:xfrm rot="0">
+            <a:off x="381000" y="6299200"/>
+            <a:ext cx="1270000" cy="292100"/>
+          </a:xfrm>
+          <a:prstGeom prst="rect">
+            <a:avLst/>
+          </a:prstGeom>
+          <a:ln w="12700">
+            <a:solidFill>
+              <a:srgbClr val="000000"/>
+            </a:solidFill>
+            <a:prstDash val="solid"/>
+          </a:ln>
+        </p:spPr>
+        <p:txBody>
+          <a:bodyPr wrap="square" lIns="0" tIns="0" rIns="0" bIns="0" rtlCol="0" anchor="ctr"/>
+          <a:lstStyle/>
+          <a:p>
+            <a:pPr algn="ctr">
+              <a:lnSpc>
+                <a:spcPct val="100%"/>
+              </a:lnSpc>
+              <a:defRPr sz="1100">
+                <a:solidFill>
+                  <a:srgbClr val="000000"/>
+                </a:solidFill>
+                <a:latin typeface="맑은 고딕"/>
+                <a:ea typeface="맑은 고딕"/>
+                <a:cs typeface="맑은 고딕"/>
+              </a:defRPr>
+            </a:pPr>
+            <a:r>
+              <a:rPr lang="ko" sz="1100">
+                <a:latin typeface="맑은 고딕"/>
+                <a:ea typeface="맑은 고딕"/>
+                <a:cs typeface="맑은 고딕"/>
+              </a:rPr>
+              <a:t> </a:t>
+            </a:r>
+          </a:p>
+        </p:txBody>
+      </p:sp>
+      <p:sp>
+        <p:nvSpPr>
+          <p:cNvPr id="776909134" name="Text">
+    </p:cNvPr>
+          <p:cNvSpPr>
+            <a:spLocks noGrp="1"/>
+          </p:cNvSpPr>
+          <p:nvPr/>
+        </p:nvSpPr>
+        <p:spPr>
+          <a:xfrm rot="0">
+            <a:off x="6858000" y="6299200"/>
+            <a:ext cx="1651000" cy="292100"/>
+          </a:xfrm>
+          <a:prstGeom prst="rect">
+            <a:avLst/>
+          </a:prstGeom>
+          <a:ln w="12700">
+            <a:solidFill>
+              <a:srgbClr val="000000"/>
+            </a:solidFill>
+            <a:prstDash val="solid"/>
+          </a:ln>
+        </p:spPr>
+        <p:txBody>
+          <a:bodyPr wrap="square" lIns="0" tIns="0" rIns="0" bIns="0" rtlCol="0" anchor="ctr"/>
+          <a:lstStyle/>
+          <a:p>
+            <a:pPr algn="ctr">
+              <a:lnSpc>
+                <a:spcPct val="100%"/>
+              </a:lnSpc>
+              <a:defRPr sz="1100">
+                <a:solidFill>
+                  <a:srgbClr val="000000"/>
+                </a:solidFill>
+                <a:latin typeface="맑은 고딕"/>
+                <a:ea typeface="맑은 고딕"/>
+                <a:cs typeface="맑은 고딕"/>
+              </a:defRPr>
+            </a:pPr>
+            <a:r>
+              <a:rPr lang="ko" sz="1100">
+                <a:latin typeface="맑은 고딕"/>
+                <a:ea typeface="맑은 고딕"/>
+                <a:cs typeface="맑은 고딕"/>
+              </a:rPr>
+              <a:t> </a:t>
+            </a:r>
+          </a:p>
+        </p:txBody>
+      </p:sp>
+      <p:sp>
+        <p:nvSpPr>
+          <p:cNvPr id="685279165" name="Text">
+    </p:cNvPr>
+          <p:cNvSpPr>
+            <a:spLocks noGrp="1"/>
+          </p:cNvSpPr>
+          <p:nvPr/>
+        </p:nvSpPr>
+        <p:spPr>
+          <a:xfrm rot="0">
+            <a:off x="2463800" y="6299200"/>
+            <a:ext cx="4394200" cy="292100"/>
+          </a:xfrm>
+          <a:prstGeom prst="rect">
+            <a:avLst/>
+          </a:prstGeom>
+          <a:ln w="12700">
+            <a:solidFill>
+              <a:srgbClr val="000000"/>
+            </a:solidFill>
+            <a:prstDash val="solid"/>
+          </a:ln>
+        </p:spPr>
+        <p:txBody>
+          <a:bodyPr wrap="square" lIns="0" tIns="0" rIns="0" bIns="0" rtlCol="0" anchor="ctr"/>
+          <a:lstStyle/>
+          <a:p>
+            <a:pPr algn="ctr">
+              <a:lnSpc>
+                <a:spcPct val="100%"/>
+              </a:lnSpc>
+              <a:defRPr sz="1100">
+                <a:solidFill>
+                  <a:srgbClr val="000000"/>
+                </a:solidFill>
+                <a:latin typeface="맑은 고딕"/>
+                <a:ea typeface="맑은 고딕"/>
+                <a:cs typeface="맑은 고딕"/>
+              </a:defRPr>
+            </a:pPr>
+            <a:r>
+              <a:rPr lang="ko" sz="1100">
+                <a:latin typeface="맑은 고딕"/>
+                <a:ea typeface="맑은 고딕"/>
+                <a:cs typeface="맑은 고딕"/>
+              </a:rPr>
+              <a:t> </a:t>
+            </a:r>
+          </a:p>
+        </p:txBody>
+      </p:sp>
+      <p:sp>
+        <p:nvSpPr>
+          <p:cNvPr id="2120506296" name="Text">
+    </p:cNvPr>
+          <p:cNvSpPr>
+            <a:spLocks noGrp="1"/>
+          </p:cNvSpPr>
+          <p:nvPr/>
+        </p:nvSpPr>
+        <p:spPr>
+          <a:xfrm rot="0">
+            <a:off x="1651000" y="6299200"/>
+            <a:ext cx="812800" cy="292100"/>
+          </a:xfrm>
+          <a:prstGeom prst="rect">
+            <a:avLst/>
+          </a:prstGeom>
+          <a:ln w="12700">
+            <a:solidFill>
+              <a:srgbClr val="000000"/>
+            </a:solidFill>
+            <a:prstDash val="solid"/>
+          </a:ln>
+        </p:spPr>
+        <p:txBody>
+          <a:bodyPr wrap="square" lIns="0" tIns="0" rIns="0" bIns="0" rtlCol="0" anchor="ctr"/>
+          <a:lstStyle/>
+          <a:p>
+            <a:pPr algn="ctr">
+              <a:lnSpc>
+                <a:spcPct val="100%"/>
+              </a:lnSpc>
+              <a:defRPr sz="1100">
+                <a:solidFill>
+                  <a:srgbClr val="000000"/>
+                </a:solidFill>
+                <a:latin typeface="맑은 고딕"/>
+                <a:ea typeface="맑은 고딕"/>
+                <a:cs typeface="맑은 고딕"/>
+              </a:defRPr>
+            </a:pPr>
+            <a:r>
+              <a:rPr lang="ko" sz="1100">
+                <a:latin typeface="맑은 고딕"/>
+                <a:ea typeface="맑은 고딕"/>
+                <a:cs typeface="맑은 고딕"/>
+              </a:rPr>
+              <a:t> </a:t>
+            </a:r>
+          </a:p>
+        </p:txBody>
+      </p:sp>
+      <p:sp>
+        <p:nvSpPr>
+          <p:cNvPr id="1814288598" name="Text">
+    </p:cNvPr>
+          <p:cNvSpPr>
+            <a:spLocks noGrp="1"/>
+          </p:cNvSpPr>
+          <p:nvPr/>
+        </p:nvSpPr>
+        <p:spPr>
+          <a:xfrm rot="0">
+            <a:off x="1651000" y="6007100"/>
+            <a:ext cx="812800" cy="292100"/>
+          </a:xfrm>
+          <a:prstGeom prst="rect">
+            <a:avLst/>
+          </a:prstGeom>
+          <a:ln w="12700">
+            <a:solidFill>
+              <a:srgbClr val="000000"/>
+            </a:solidFill>
+            <a:prstDash val="solid"/>
+          </a:ln>
+        </p:spPr>
+        <p:txBody>
+          <a:bodyPr wrap="square" lIns="0" tIns="0" rIns="0" bIns="0" rtlCol="0" anchor="ctr"/>
+          <a:lstStyle/>
+          <a:p>
+            <a:pPr algn="ctr">
+              <a:lnSpc>
+                <a:spcPct val="100%"/>
+              </a:lnSpc>
+              <a:defRPr sz="1100">
+                <a:solidFill>
+                  <a:srgbClr val="000000"/>
+                </a:solidFill>
+                <a:latin typeface="맑은 고딕"/>
+                <a:ea typeface="맑은 고딕"/>
+                <a:cs typeface="맑은 고딕"/>
+              </a:defRPr>
+            </a:pPr>
+            <a:r>
+              <a:rPr lang="ko" sz="1100">
+                <a:latin typeface="맑은 고딕"/>
+                <a:ea typeface="맑은 고딕"/>
+                <a:cs typeface="맑은 고딕"/>
+              </a:rPr>
+              <a:t>SROH</a:t>
+            </a:r>
+          </a:p>
+        </p:txBody>
+      </p:sp>
+      <p:sp>
+        <p:nvSpPr>
+          <p:cNvPr id="926732509" name="Text">
+    </p:cNvPr>
+          <p:cNvSpPr>
+            <a:spLocks noGrp="1"/>
+          </p:cNvSpPr>
+          <p:nvPr/>
+        </p:nvSpPr>
+        <p:spPr>
+          <a:xfrm rot="0">
+            <a:off x="1651000" y="5765800"/>
+            <a:ext cx="812800" cy="241300"/>
+          </a:xfrm>
+          <a:prstGeom prst="rect">
+            <a:avLst/>
+          </a:prstGeom>
+          <a:solidFill>
+            <a:srgbClr val="FFCC99"/>
+          </a:solidFill>
+          <a:ln w="12700">
+            <a:solidFill>
+              <a:srgbClr val="000000"/>
+            </a:solidFill>
+            <a:prstDash val="solid"/>
+          </a:ln>
+        </p:spPr>
+        <p:txBody>
+          <a:bodyPr wrap="square" lIns="0" tIns="0" rIns="0" bIns="0" rtlCol="0" anchor="ctr"/>
+          <a:lstStyle/>
+          <a:p>
+            <a:pPr algn="ctr">
+              <a:lnSpc>
+                <a:spcPct val="100%"/>
+              </a:lnSpc>
+              <a:defRPr sz="1000">
+                <a:solidFill>
+                  <a:srgbClr val="000000"/>
+                </a:solidFill>
+                <a:latin typeface="맑은 고딕"/>
+                <a:ea typeface="맑은 고딕"/>
+                <a:cs typeface="맑은 고딕"/>
+              </a:defRPr>
+            </a:pPr>
+            <a:r>
+              <a:rPr lang="ko" sz="1000">
+                <a:latin typeface="맑은 고딕"/>
+                <a:ea typeface="맑은 고딕"/>
+                <a:cs typeface="맑은 고딕"/>
+              </a:rPr>
+              <a:t>User</a:t>
+            </a:r>
+          </a:p>
+        </p:txBody>
+      </p:sp>
+      <p:sp>
+        <p:nvSpPr>
+          <p:cNvPr id="1538608360" name="Text">
+    </p:cNvPr>
+          <p:cNvSpPr>
+            <a:spLocks noGrp="1"/>
+          </p:cNvSpPr>
+          <p:nvPr/>
+        </p:nvSpPr>
+        <p:spPr>
+          <a:xfrm rot="0">
+            <a:off x="8509000" y="6299200"/>
+            <a:ext cx="1701800" cy="292100"/>
+          </a:xfrm>
+          <a:prstGeom prst="rect">
+            <a:avLst/>
+          </a:prstGeom>
+          <a:ln w="12700">
+            <a:solidFill>
+              <a:srgbClr val="000000"/>
+            </a:solidFill>
+            <a:prstDash val="solid"/>
+          </a:ln>
+        </p:spPr>
+        <p:txBody>
+          <a:bodyPr wrap="square" lIns="0" tIns="0" rIns="0" bIns="0" rtlCol="0" anchor="ctr"/>
+          <a:lstStyle/>
+          <a:p>
+            <a:pPr algn="ctr">
+              <a:lnSpc>
+                <a:spcPct val="100%"/>
+              </a:lnSpc>
+              <a:defRPr sz="1100">
+                <a:solidFill>
+                  <a:srgbClr val="000000"/>
+                </a:solidFill>
+                <a:latin typeface="맑은 고딕"/>
+                <a:ea typeface="맑은 고딕"/>
+                <a:cs typeface="맑은 고딕"/>
+              </a:defRPr>
+            </a:pPr>
+            <a:r>
+              <a:rPr lang="ko" sz="1100">
+                <a:latin typeface="맑은 고딕"/>
+                <a:ea typeface="맑은 고딕"/>
+                <a:cs typeface="맑은 고딕"/>
+              </a:rPr>
+              <a:t> </a:t>
+            </a:r>
+          </a:p>
+        </p:txBody>
+      </p:sp>
+      <p:sp>
+        <p:nvSpPr>
+          <p:cNvPr id="131102141" name="Text">
+    </p:cNvPr>
+          <p:cNvSpPr>
+            <a:spLocks noGrp="1"/>
+          </p:cNvSpPr>
+          <p:nvPr/>
+        </p:nvSpPr>
+        <p:spPr>
+          <a:xfrm rot="0">
+            <a:off x="8509000" y="5765800"/>
+            <a:ext cx="1701800" cy="241300"/>
+          </a:xfrm>
+          <a:prstGeom prst="rect">
+            <a:avLst/>
+          </a:prstGeom>
+          <a:solidFill>
+            <a:srgbClr val="FFCC99"/>
+          </a:solidFill>
+          <a:ln w="12700">
+            <a:solidFill>
+              <a:srgbClr val="000000"/>
+            </a:solidFill>
+            <a:prstDash val="solid"/>
+          </a:ln>
+        </p:spPr>
+        <p:txBody>
+          <a:bodyPr wrap="square" lIns="0" tIns="0" rIns="0" bIns="0" rtlCol="0" anchor="ctr"/>
+          <a:lstStyle/>
+          <a:p>
+            <a:pPr algn="ctr">
+              <a:lnSpc>
+                <a:spcPct val="100%"/>
+              </a:lnSpc>
+              <a:defRPr sz="1000">
+                <a:solidFill>
+                  <a:srgbClr val="000000"/>
+                </a:solidFill>
+                <a:latin typeface="맑은 고딕"/>
+                <a:ea typeface="맑은 고딕"/>
+                <a:cs typeface="맑은 고딕"/>
+              </a:defRPr>
+            </a:pPr>
+            <a:r>
+              <a:rPr lang="ko" sz="1000">
+                <a:latin typeface="맑은 고딕"/>
+                <a:ea typeface="맑은 고딕"/>
+                <a:cs typeface="맑은 고딕"/>
+              </a:rPr>
+              <a:t>구분(일반/긴급)</a:t>
+            </a:r>
+          </a:p>
+        </p:txBody>
+      </p:sp>
+      <p:sp>
+        <p:nvSpPr>
+          <p:cNvPr id="1967651065" name="Text">
+    </p:cNvPr>
+          <p:cNvSpPr>
+            <a:spLocks noGrp="1"/>
+          </p:cNvSpPr>
+          <p:nvPr/>
+        </p:nvSpPr>
+        <p:spPr>
+          <a:xfrm rot="0">
+            <a:off x="8509000" y="6007100"/>
+            <a:ext cx="1701800" cy="292100"/>
+          </a:xfrm>
+          <a:prstGeom prst="rect">
+            <a:avLst/>
+          </a:prstGeom>
+          <a:ln w="12700">
+            <a:solidFill>
+              <a:srgbClr val="000000"/>
+            </a:solidFill>
+            <a:prstDash val="solid"/>
+          </a:ln>
+        </p:spPr>
+        <p:txBody>
+          <a:bodyPr wrap="square" lIns="0" tIns="0" rIns="0" bIns="0" rtlCol="0" anchor="ctr"/>
+          <a:lstStyle/>
+          <a:p>
+            <a:pPr algn="ctr">
+              <a:lnSpc>
+                <a:spcPct val="100%"/>
+              </a:lnSpc>
+              <a:defRPr sz="1100">
+                <a:solidFill>
+                  <a:srgbClr val="000000"/>
+                </a:solidFill>
+                <a:latin typeface="맑은 고딕"/>
+                <a:ea typeface="맑은 고딕"/>
+                <a:cs typeface="맑은 고딕"/>
+              </a:defRPr>
+            </a:pPr>
+            <a:r>
+              <a:rPr lang="ko" sz="1100">
+                <a:latin typeface="맑은 고딕"/>
+                <a:ea typeface="맑은 고딕"/>
+                <a:cs typeface="맑은 고딕"/>
+              </a:rPr>
+              <a:t>일반</a:t>
+            </a:r>
+          </a:p>
+        </p:txBody>
+      </p:sp>
+      <p:sp>
+        <p:nvSpPr>
+          <p:cNvPr id="615281844" name="Text">
+    </p:cNvPr>
+          <p:cNvSpPr>
+            <a:spLocks noGrp="1"/>
+          </p:cNvSpPr>
+          <p:nvPr/>
+        </p:nvSpPr>
+        <p:spPr>
+          <a:xfrm rot="0">
+            <a:off x="4826000" y="6921500"/>
             <a:ext cx="1270000" cy="381000"/>
           </a:xfrm>
           <a:prstGeom prst="rect">
@@ -2025,14 +2928,14 @@
                 <a:ea typeface="SansSerif"/>
                 <a:cs typeface="SansSerif"/>
               </a:rPr>
-              <a:t>11</a:t>
+              <a:t>4</a:t>
             </a:r>
           </a:p>
         </p:txBody>
       </p:sp>
       <p:pic>
         <p:nvPicPr>
-          <p:cNvPr id="1847949886" name="Picture">
+          <p:cNvPr id="1550983348" name="Picture">
     </p:cNvPr>
           <p:cNvPicPr>
             <a:picLocks noChangeAspect="1"/>
@@ -2040,7 +2943,7 @@
           <p:nvPr/>
         </p:nvPicPr>
         <p:blipFill>
-          <a:blip r:embed="img_0_0_39.jpg"/>
+          <a:blip r:embed="img_0_0_55.jpg"/>
           <a:srcRect/>
           <a:stretch>
             <a:fillRect l="0" t="0" r="0" b="5555"/>
@@ -2048,7 +2951,7 @@
         </p:blipFill>
         <p:spPr>
           <a:xfrm rot="0">
-            <a:off x="254000" y="6819900"/>
+            <a:off x="254000" y="6845300"/>
             <a:ext cx="1143000" cy="457200"/>
           </a:xfrm>
           <a:prstGeom prst="rect">

--- a/src/main/webapp/WEB-INF/Files/요약본_sample.pptx
+++ b/src/main/webapp/WEB-INF/Files/요약본_sample.pptx
@@ -84,7 +84,7 @@
       </p:grpSpPr>
       <p:sp>
         <p:nvSpPr>
-          <p:cNvPr id="1018645834" name="Text">
+          <p:cNvPr id="259943055" name="Text">
     </p:cNvPr>
           <p:cNvSpPr>
             <a:spLocks noGrp="1"/>
@@ -130,7 +130,7 @@
       </p:sp>
       <p:sp>
         <p:nvSpPr>
-          <p:cNvPr id="1877069037" name="Line"/>
+          <p:cNvPr id="1700209437" name="Line"/>
           <p:cNvSpPr>
             <a:spLocks noGrp="1"/>
           </p:cNvSpPr>
@@ -164,7 +164,7 @@
       </p:sp>
       <p:sp>
         <p:nvSpPr>
-          <p:cNvPr id="1292477495" name="Text">
+          <p:cNvPr id="1960358194" name="Text">
     </p:cNvPr>
           <p:cNvSpPr>
             <a:spLocks noGrp="1"/>
@@ -228,7 +228,7 @@
       </p:sp>
       <p:sp>
         <p:nvSpPr>
-          <p:cNvPr id="607788661" name="Rectangle"/>
+          <p:cNvPr id="1788979278" name="Rectangle"/>
           <p:cNvSpPr>
             <a:spLocks noGrp="1"/>
           </p:cNvSpPr>
@@ -262,7 +262,7 @@
       </p:sp>
       <p:sp>
         <p:nvSpPr>
-          <p:cNvPr id="585222821" name="Rectangle"/>
+          <p:cNvPr id="2030898371" name="Rectangle"/>
           <p:cNvSpPr>
             <a:spLocks noGrp="1"/>
           </p:cNvSpPr>
@@ -296,7 +296,7 @@
       </p:sp>
       <p:sp>
         <p:nvSpPr>
-          <p:cNvPr id="1132919984" name="Rectangle"/>
+          <p:cNvPr id="631150388" name="Rectangle"/>
           <p:cNvSpPr>
             <a:spLocks noGrp="1"/>
           </p:cNvSpPr>
@@ -330,7 +330,7 @@
       </p:sp>
       <p:sp>
         <p:nvSpPr>
-          <p:cNvPr id="1127137515" name="Text">
+          <p:cNvPr id="343860116" name="Text">
     </p:cNvPr>
           <p:cNvSpPr>
             <a:spLocks noGrp="1"/>
@@ -370,20 +370,12 @@
               </a:defRPr>
             </a:pPr>
             <a:br/>
-            <a:r>
-              <a:rPr lang="ko" sz="1100">
-                <a:latin typeface="맑은 고딕"/>
-                <a:ea typeface="맑은 고딕"/>
-                <a:cs typeface="맑은 고딕"/>
-              </a:rPr>
-              <a:t>2022-12-22 test</a:t>
-            </a:r>
-          </a:p>
-        </p:txBody>
-      </p:sp>
-      <p:sp>
-        <p:nvSpPr>
-          <p:cNvPr id="932423501" name="Text">
+          </a:p>
+        </p:txBody>
+      </p:sp>
+      <p:sp>
+        <p:nvSpPr>
+          <p:cNvPr id="1937427085" name="Text">
     </p:cNvPr>
           <p:cNvSpPr>
             <a:spLocks noGrp="1"/>
@@ -429,7 +421,7 @@
                 <a:ea typeface="맑은 고딕"/>
                 <a:cs typeface="맑은 고딕"/>
               </a:rPr>
-              <a:t>12/30</a:t>
+              <a:t>12/22</a:t>
             </a:r>
             <a:br/>
           </a:p>
@@ -437,7 +429,7 @@
       </p:sp>
       <p:sp>
         <p:nvSpPr>
-          <p:cNvPr id="462153720" name="Text">
+          <p:cNvPr id="1652603701" name="Text">
     </p:cNvPr>
           <p:cNvSpPr>
             <a:spLocks noGrp="1"/>
@@ -491,7 +483,7 @@
       </p:sp>
       <p:sp>
         <p:nvSpPr>
-          <p:cNvPr id="1872558917" name="Text">
+          <p:cNvPr id="863418214" name="Text">
     </p:cNvPr>
           <p:cNvSpPr>
             <a:spLocks noGrp="1"/>
@@ -543,7 +535,7 @@
       </p:sp>
       <p:sp>
         <p:nvSpPr>
-          <p:cNvPr id="1509967813" name="Text">
+          <p:cNvPr id="1350013151" name="Text">
     </p:cNvPr>
           <p:cNvSpPr>
             <a:spLocks noGrp="1"/>
@@ -595,7 +587,7 @@
       </p:sp>
       <p:sp>
         <p:nvSpPr>
-          <p:cNvPr id="1887648263" name="Text">
+          <p:cNvPr id="1979455230" name="Text">
     </p:cNvPr>
           <p:cNvSpPr>
             <a:spLocks noGrp="1"/>
@@ -650,7 +642,7 @@
                 <a:ea typeface="맑은 고딕"/>
                 <a:cs typeface="맑은 고딕"/>
               </a:rPr>
-              <a:t> [E-BIZ] ERP 매출원장(ZSDR5370) 보완</a:t>
+              <a:t> [E-BIZ] 사후적립 통제기준 변경</a:t>
             </a:r>
             <a:br/>
           </a:p>
@@ -658,7 +650,7 @@
       </p:sp>
       <p:sp>
         <p:nvSpPr>
-          <p:cNvPr id="879998920" name="Text">
+          <p:cNvPr id="2014609912" name="Text">
     </p:cNvPr>
           <p:cNvSpPr>
             <a:spLocks noGrp="1"/>
@@ -698,20 +690,12 @@
               </a:defRPr>
             </a:pPr>
             <a:br/>
-            <a:r>
-              <a:rPr lang="ko" sz="1100">
-                <a:latin typeface="맑은 고딕"/>
-                <a:ea typeface="맑은 고딕"/>
-                <a:cs typeface="맑은 고딕"/>
-              </a:rPr>
-              <a:t>2022-12-22 test</a:t>
-            </a:r>
-          </a:p>
-        </p:txBody>
-      </p:sp>
-      <p:sp>
-        <p:nvSpPr>
-          <p:cNvPr id="1019032784" name="Text">
+          </a:p>
+        </p:txBody>
+      </p:sp>
+      <p:sp>
+        <p:nvSpPr>
+          <p:cNvPr id="1833575394" name="Text">
     </p:cNvPr>
           <p:cNvSpPr>
             <a:spLocks noGrp="1"/>
@@ -763,7 +747,7 @@
       </p:sp>
       <p:sp>
         <p:nvSpPr>
-          <p:cNvPr id="1683710701" name="Text">
+          <p:cNvPr id="1830487382" name="Text">
     </p:cNvPr>
           <p:cNvSpPr>
             <a:spLocks noGrp="1"/>
@@ -812,7 +796,7 @@
       </p:sp>
       <p:sp>
         <p:nvSpPr>
-          <p:cNvPr id="232861539" name="Text">
+          <p:cNvPr id="832056641" name="Text">
     </p:cNvPr>
           <p:cNvSpPr>
             <a:spLocks noGrp="1"/>
@@ -861,7 +845,7 @@
       </p:sp>
       <p:sp>
         <p:nvSpPr>
-          <p:cNvPr id="604312800" name="Text">
+          <p:cNvPr id="1834967499" name="Text">
     </p:cNvPr>
           <p:cNvSpPr>
             <a:spLocks noGrp="1"/>
@@ -916,7 +900,7 @@
       </p:sp>
       <p:sp>
         <p:nvSpPr>
-          <p:cNvPr id="1909178116" name="Text">
+          <p:cNvPr id="1362496177" name="Text">
     </p:cNvPr>
           <p:cNvSpPr>
             <a:spLocks noGrp="1"/>
@@ -971,7 +955,7 @@
       </p:sp>
       <p:sp>
         <p:nvSpPr>
-          <p:cNvPr id="1320740826" name="Text">
+          <p:cNvPr id="1689420916" name="Text">
     </p:cNvPr>
           <p:cNvSpPr>
             <a:spLocks noGrp="1"/>
@@ -1026,7 +1010,7 @@
       </p:sp>
       <p:sp>
         <p:nvSpPr>
-          <p:cNvPr id="1244025689" name="Text">
+          <p:cNvPr id="338710406" name="Text">
     </p:cNvPr>
           <p:cNvSpPr>
             <a:spLocks noGrp="1"/>
@@ -1090,7 +1074,7 @@
       </p:sp>
       <p:sp>
         <p:nvSpPr>
-          <p:cNvPr id="1183382761" name="Text">
+          <p:cNvPr id="49755634" name="Text">
     </p:cNvPr>
           <p:cNvSpPr>
             <a:spLocks noGrp="1"/>
@@ -1145,7 +1129,7 @@
       </p:sp>
       <p:sp>
         <p:nvSpPr>
-          <p:cNvPr id="1779910819" name="Text">
+          <p:cNvPr id="1668666527" name="Text">
     </p:cNvPr>
           <p:cNvSpPr>
             <a:spLocks noGrp="1"/>
@@ -1200,7 +1184,7 @@
       </p:sp>
       <p:sp>
         <p:nvSpPr>
-          <p:cNvPr id="1670968332" name="Text">
+          <p:cNvPr id="328498593" name="Text">
     </p:cNvPr>
           <p:cNvSpPr>
             <a:spLocks noGrp="1"/>
@@ -1255,7 +1239,7 @@
       </p:sp>
       <p:sp>
         <p:nvSpPr>
-          <p:cNvPr id="467460029" name="Text">
+          <p:cNvPr id="97410090" name="Text">
     </p:cNvPr>
           <p:cNvSpPr>
             <a:spLocks noGrp="1"/>
@@ -1310,7 +1294,7 @@
       </p:sp>
       <p:sp>
         <p:nvSpPr>
-          <p:cNvPr id="439490459" name="Text">
+          <p:cNvPr id="1043182020" name="Text">
     </p:cNvPr>
           <p:cNvSpPr>
             <a:spLocks noGrp="1"/>
@@ -1365,7 +1349,7 @@
       </p:sp>
       <p:sp>
         <p:nvSpPr>
-          <p:cNvPr id="1253053998" name="Text">
+          <p:cNvPr id="1940999090" name="Text">
     </p:cNvPr>
           <p:cNvSpPr>
             <a:spLocks noGrp="1"/>
@@ -1420,7 +1404,7 @@
       </p:sp>
       <p:sp>
         <p:nvSpPr>
-          <p:cNvPr id="1848419296" name="Text">
+          <p:cNvPr id="1140345104" name="Text">
     </p:cNvPr>
           <p:cNvSpPr>
             <a:spLocks noGrp="1"/>
@@ -1475,7 +1459,7 @@
                 <a:ea typeface="맑은 고딕"/>
                 <a:cs typeface="맑은 고딕"/>
               </a:rPr>
-              <a:t>12/16</a:t>
+              <a:t>12/13</a:t>
             </a:r>
             <a:br/>
           </a:p>
@@ -1483,7 +1467,7 @@
       </p:sp>
       <p:sp>
         <p:nvSpPr>
-          <p:cNvPr id="326154415" name="Text">
+          <p:cNvPr id="874537545" name="Text">
     </p:cNvPr>
           <p:cNvSpPr>
             <a:spLocks noGrp="1"/>
@@ -1535,7 +1519,7 @@
       </p:sp>
       <p:sp>
         <p:nvSpPr>
-          <p:cNvPr id="427096981" name="Text">
+          <p:cNvPr id="1741702808" name="Text">
     </p:cNvPr>
           <p:cNvSpPr>
             <a:spLocks noGrp="1"/>
@@ -1581,7 +1565,7 @@
                 <a:ea typeface="맑은 고딕"/>
                 <a:cs typeface="맑은 고딕"/>
               </a:rPr>
-              <a:t> [주간보고 System(RMS)] UserView 생성 및 보완</a:t>
+              <a:t> 1</a:t>
             </a:r>
             <a:br/>
             <a:r>
@@ -1590,14 +1574,15 @@
                 <a:ea typeface="맑은 고딕"/>
                 <a:cs typeface="맑은 고딕"/>
               </a:rPr>
-              <a:t> [주간보고 System(RMS)]  part leader page 구현</a:t>
-            </a:r>
-          </a:p>
-        </p:txBody>
-      </p:sp>
-      <p:sp>
-        <p:nvSpPr>
-          <p:cNvPr id="1396674547" name="Text">
+              <a:t> 2</a:t>
+            </a:r>
+            <a:br/>
+          </a:p>
+        </p:txBody>
+      </p:sp>
+      <p:sp>
+        <p:nvSpPr>
+          <p:cNvPr id="516254987" name="Text">
     </p:cNvPr>
           <p:cNvSpPr>
             <a:spLocks noGrp="1"/>
@@ -1637,20 +1622,12 @@
               </a:defRPr>
             </a:pPr>
             <a:br/>
-            <a:r>
-              <a:rPr lang="ko" sz="1100">
-                <a:latin typeface="맑은 고딕"/>
-                <a:ea typeface="맑은 고딕"/>
-                <a:cs typeface="맑은 고딕"/>
-              </a:rPr>
-              <a:t>2022-12-22 test</a:t>
-            </a:r>
-          </a:p>
-        </p:txBody>
-      </p:sp>
-      <p:sp>
-        <p:nvSpPr>
-          <p:cNvPr id="1476855255" name="Text">
+          </a:p>
+        </p:txBody>
+      </p:sp>
+      <p:sp>
+        <p:nvSpPr>
+          <p:cNvPr id="536090378" name="Text">
     </p:cNvPr>
           <p:cNvSpPr>
             <a:spLocks noGrp="1"/>
@@ -1695,14 +1672,14 @@
                 <a:ea typeface="맑은 고딕"/>
                 <a:cs typeface="맑은 고딕"/>
               </a:rPr>
-              <a:t>완료</a:t>
-            </a:r>
-          </a:p>
-        </p:txBody>
-      </p:sp>
-      <p:sp>
-        <p:nvSpPr>
-          <p:cNvPr id="1311009720" name="Text">
+              <a:t>미진행</a:t>
+            </a:r>
+          </a:p>
+        </p:txBody>
+      </p:sp>
+      <p:sp>
+        <p:nvSpPr>
+          <p:cNvPr id="678501527" name="Text">
     </p:cNvPr>
           <p:cNvSpPr>
             <a:spLocks noGrp="1"/>
@@ -1748,7 +1725,7 @@
                 <a:ea typeface="맑은 고딕"/>
                 <a:cs typeface="맑은 고딕"/>
               </a:rPr>
-              <a:t>12/16</a:t>
+              <a:t>[보류]</a:t>
             </a:r>
             <a:br/>
             <a:r>
@@ -1757,7 +1734,7 @@
                 <a:ea typeface="맑은 고딕"/>
                 <a:cs typeface="맑은 고딕"/>
               </a:rPr>
-              <a:t>12/28</a:t>
+              <a:t>[보류]</a:t>
             </a:r>
             <a:br/>
           </a:p>
@@ -1765,7 +1742,7 @@
       </p:sp>
       <p:sp>
         <p:nvSpPr>
-          <p:cNvPr id="1890752954" name="Text">
+          <p:cNvPr id="1307605895" name="Text">
     </p:cNvPr>
           <p:cNvSpPr>
             <a:spLocks noGrp="1"/>
@@ -1805,20 +1782,12 @@
               </a:defRPr>
             </a:pPr>
             <a:br/>
-            <a:r>
-              <a:rPr lang="ko" sz="1100">
-                <a:latin typeface="맑은 고딕"/>
-                <a:ea typeface="맑은 고딕"/>
-                <a:cs typeface="맑은 고딕"/>
-              </a:rPr>
-              <a:t>2022-12-22 test</a:t>
-            </a:r>
-          </a:p>
-        </p:txBody>
-      </p:sp>
-      <p:sp>
-        <p:nvSpPr>
-          <p:cNvPr id="1608368200" name="Text">
+          </a:p>
+        </p:txBody>
+      </p:sp>
+      <p:sp>
+        <p:nvSpPr>
+          <p:cNvPr id="2020141575" name="Text">
     </p:cNvPr>
           <p:cNvSpPr>
             <a:spLocks noGrp="1"/>
@@ -1864,15 +1833,24 @@
                 <a:ea typeface="맑은 고딕"/>
                 <a:cs typeface="맑은 고딕"/>
               </a:rPr>
-              <a:t>12/19</a:t>
+              <a:t>[보류]</a:t>
             </a:r>
             <a:br/>
-          </a:p>
-        </p:txBody>
-      </p:sp>
-      <p:sp>
-        <p:nvSpPr>
-          <p:cNvPr id="1058299865" name="Text">
+            <a:r>
+              <a:rPr lang="ko" sz="1100">
+                <a:latin typeface="맑은 고딕"/>
+                <a:ea typeface="맑은 고딕"/>
+                <a:cs typeface="맑은 고딕"/>
+              </a:rPr>
+              <a:t>[보류]</a:t>
+            </a:r>
+            <a:br/>
+          </a:p>
+        </p:txBody>
+      </p:sp>
+      <p:sp>
+        <p:nvSpPr>
+          <p:cNvPr id="1193012807" name="Text">
     </p:cNvPr>
           <p:cNvSpPr>
             <a:spLocks noGrp="1"/>
@@ -1918,14 +1896,24 @@
                 <a:ea typeface="맑은 고딕"/>
                 <a:cs typeface="맑은 고딕"/>
               </a:rPr>
-              <a:t> [주간보고 System(RMS)]  part leader page 구현</a:t>
-            </a:r>
-          </a:p>
-        </p:txBody>
-      </p:sp>
-      <p:sp>
-        <p:nvSpPr>
-          <p:cNvPr id="1375771176" name="Text">
+              <a:t> t</a:t>
+            </a:r>
+            <a:br/>
+            <a:r>
+              <a:rPr lang="ko" sz="1100">
+                <a:latin typeface="맑은 고딕"/>
+                <a:ea typeface="맑은 고딕"/>
+                <a:cs typeface="맑은 고딕"/>
+              </a:rPr>
+              <a:t> s</a:t>
+            </a:r>
+            <a:br/>
+          </a:p>
+        </p:txBody>
+      </p:sp>
+      <p:sp>
+        <p:nvSpPr>
+          <p:cNvPr id="1731123095" name="Text">
     </p:cNvPr>
           <p:cNvSpPr>
             <a:spLocks noGrp="1"/>
@@ -1977,7 +1965,7 @@
       </p:sp>
       <p:sp>
         <p:nvSpPr>
-          <p:cNvPr id="916174491" name="Rectangle"/>
+          <p:cNvPr id="701277366" name="Rectangle"/>
           <p:cNvSpPr>
             <a:spLocks noGrp="1"/>
           </p:cNvSpPr>
@@ -2011,7 +1999,7 @@
       </p:sp>
       <p:sp>
         <p:nvSpPr>
-          <p:cNvPr id="133558144" name="Rectangle"/>
+          <p:cNvPr id="382421850" name="Rectangle"/>
           <p:cNvSpPr>
             <a:spLocks noGrp="1"/>
           </p:cNvSpPr>
@@ -2045,7 +2033,7 @@
       </p:sp>
       <p:sp>
         <p:nvSpPr>
-          <p:cNvPr id="436372016" name="Text">
+          <p:cNvPr id="238745106" name="Text">
     </p:cNvPr>
           <p:cNvSpPr>
             <a:spLocks noGrp="1"/>
@@ -2094,7 +2082,7 @@
       </p:sp>
       <p:sp>
         <p:nvSpPr>
-          <p:cNvPr id="1275435650" name="Text">
+          <p:cNvPr id="523835949" name="Text">
     </p:cNvPr>
           <p:cNvSpPr>
             <a:spLocks noGrp="1"/>
@@ -2146,7 +2134,7 @@
       </p:sp>
       <p:sp>
         <p:nvSpPr>
-          <p:cNvPr id="667013879" name="Text">
+          <p:cNvPr id="1402791016" name="Text">
     </p:cNvPr>
           <p:cNvSpPr>
             <a:spLocks noGrp="1"/>
@@ -2198,7 +2186,7 @@
       </p:sp>
       <p:sp>
         <p:nvSpPr>
-          <p:cNvPr id="257990752" name="Text">
+          <p:cNvPr id="524412122" name="Text">
     </p:cNvPr>
           <p:cNvSpPr>
             <a:spLocks noGrp="1"/>
@@ -2250,7 +2238,7 @@
       </p:sp>
       <p:sp>
         <p:nvSpPr>
-          <p:cNvPr id="33398974" name="Text">
+          <p:cNvPr id="1183976262" name="Text">
     </p:cNvPr>
           <p:cNvSpPr>
             <a:spLocks noGrp="1"/>
@@ -2266,7 +2254,7 @@
             <a:avLst/>
           </a:prstGeom>
           <a:solidFill>
-            <a:srgbClr val="FFCC99"/>
+            <a:srgbClr val="FF9933"/>
           </a:solidFill>
           <a:ln w="12700">
             <a:solidFill>
@@ -2305,7 +2293,7 @@
       </p:sp>
       <p:sp>
         <p:nvSpPr>
-          <p:cNvPr id="1632435081" name="Text">
+          <p:cNvPr id="296589771" name="Text">
     </p:cNvPr>
           <p:cNvSpPr>
             <a:spLocks noGrp="1"/>
@@ -2321,7 +2309,7 @@
             <a:avLst/>
           </a:prstGeom>
           <a:solidFill>
-            <a:srgbClr val="FFCC99"/>
+            <a:srgbClr val="FF9933"/>
           </a:solidFill>
           <a:ln w="12700">
             <a:solidFill>
@@ -2360,7 +2348,7 @@
       </p:sp>
       <p:sp>
         <p:nvSpPr>
-          <p:cNvPr id="1219742525" name="Text">
+          <p:cNvPr id="631672882" name="Text">
     </p:cNvPr>
           <p:cNvSpPr>
             <a:spLocks noGrp="1"/>
@@ -2376,7 +2364,7 @@
             <a:avLst/>
           </a:prstGeom>
           <a:solidFill>
-            <a:srgbClr val="FFCC99"/>
+            <a:srgbClr val="FF9933"/>
           </a:solidFill>
           <a:ln w="12700">
             <a:solidFill>
@@ -2415,7 +2403,7 @@
       </p:sp>
       <p:sp>
         <p:nvSpPr>
-          <p:cNvPr id="1113199083" name="Text">
+          <p:cNvPr id="902940520" name="Text">
     </p:cNvPr>
           <p:cNvSpPr>
             <a:spLocks noGrp="1"/>
@@ -2467,7 +2455,7 @@
       </p:sp>
       <p:sp>
         <p:nvSpPr>
-          <p:cNvPr id="776909134" name="Text">
+          <p:cNvPr id="1674523311" name="Text">
     </p:cNvPr>
           <p:cNvSpPr>
             <a:spLocks noGrp="1"/>
@@ -2519,7 +2507,7 @@
       </p:sp>
       <p:sp>
         <p:nvSpPr>
-          <p:cNvPr id="685279165" name="Text">
+          <p:cNvPr id="508660956" name="Text">
     </p:cNvPr>
           <p:cNvSpPr>
             <a:spLocks noGrp="1"/>
@@ -2571,7 +2559,7 @@
       </p:sp>
       <p:sp>
         <p:nvSpPr>
-          <p:cNvPr id="2120506296" name="Text">
+          <p:cNvPr id="258451492" name="Text">
     </p:cNvPr>
           <p:cNvSpPr>
             <a:spLocks noGrp="1"/>
@@ -2623,7 +2611,7 @@
       </p:sp>
       <p:sp>
         <p:nvSpPr>
-          <p:cNvPr id="1814288598" name="Text">
+          <p:cNvPr id="876004391" name="Text">
     </p:cNvPr>
           <p:cNvSpPr>
             <a:spLocks noGrp="1"/>
@@ -2675,7 +2663,7 @@
       </p:sp>
       <p:sp>
         <p:nvSpPr>
-          <p:cNvPr id="926732509" name="Text">
+          <p:cNvPr id="787923524" name="Text">
     </p:cNvPr>
           <p:cNvSpPr>
             <a:spLocks noGrp="1"/>
@@ -2691,7 +2679,7 @@
             <a:avLst/>
           </a:prstGeom>
           <a:solidFill>
-            <a:srgbClr val="FFCC99"/>
+            <a:srgbClr val="FF9933"/>
           </a:solidFill>
           <a:ln w="12700">
             <a:solidFill>
@@ -2730,7 +2718,7 @@
       </p:sp>
       <p:sp>
         <p:nvSpPr>
-          <p:cNvPr id="1538608360" name="Text">
+          <p:cNvPr id="1012112426" name="Text">
     </p:cNvPr>
           <p:cNvSpPr>
             <a:spLocks noGrp="1"/>
@@ -2782,7 +2770,7 @@
       </p:sp>
       <p:sp>
         <p:nvSpPr>
-          <p:cNvPr id="131102141" name="Text">
+          <p:cNvPr id="239543564" name="Text">
     </p:cNvPr>
           <p:cNvSpPr>
             <a:spLocks noGrp="1"/>
@@ -2798,7 +2786,7 @@
             <a:avLst/>
           </a:prstGeom>
           <a:solidFill>
-            <a:srgbClr val="FFCC99"/>
+            <a:srgbClr val="FF9933"/>
           </a:solidFill>
           <a:ln w="12700">
             <a:solidFill>
@@ -2837,7 +2825,7 @@
       </p:sp>
       <p:sp>
         <p:nvSpPr>
-          <p:cNvPr id="1967651065" name="Text">
+          <p:cNvPr id="206757663" name="Text">
     </p:cNvPr>
           <p:cNvSpPr>
             <a:spLocks noGrp="1"/>
@@ -2889,7 +2877,7 @@
       </p:sp>
       <p:sp>
         <p:nvSpPr>
-          <p:cNvPr id="615281844" name="Text">
+          <p:cNvPr id="338610227" name="Text">
     </p:cNvPr>
           <p:cNvSpPr>
             <a:spLocks noGrp="1"/>
@@ -2935,7 +2923,7 @@
       </p:sp>
       <p:pic>
         <p:nvPicPr>
-          <p:cNvPr id="1550983348" name="Picture">
+          <p:cNvPr id="1850838072" name="Picture">
     </p:cNvPr>
           <p:cNvPicPr>
             <a:picLocks noChangeAspect="1"/>

--- a/src/main/webapp/WEB-INF/Files/요약본_sample.pptx
+++ b/src/main/webapp/WEB-INF/Files/요약본_sample.pptx
@@ -84,7 +84,7 @@
       </p:grpSpPr>
       <p:sp>
         <p:nvSpPr>
-          <p:cNvPr id="259943055" name="Text">
+          <p:cNvPr id="1021522667" name="Text">
     </p:cNvPr>
           <p:cNvSpPr>
             <a:spLocks noGrp="1"/>
@@ -130,7 +130,7 @@
       </p:sp>
       <p:sp>
         <p:nvSpPr>
-          <p:cNvPr id="1700209437" name="Line"/>
+          <p:cNvPr id="152731236" name="Line"/>
           <p:cNvSpPr>
             <a:spLocks noGrp="1"/>
           </p:cNvSpPr>
@@ -164,7 +164,7 @@
       </p:sp>
       <p:sp>
         <p:nvSpPr>
-          <p:cNvPr id="1960358194" name="Text">
+          <p:cNvPr id="2093335441" name="Text">
     </p:cNvPr>
           <p:cNvSpPr>
             <a:spLocks noGrp="1"/>
@@ -228,7 +228,7 @@
       </p:sp>
       <p:sp>
         <p:nvSpPr>
-          <p:cNvPr id="1788979278" name="Rectangle"/>
+          <p:cNvPr id="2091867623" name="Rectangle"/>
           <p:cNvSpPr>
             <a:spLocks noGrp="1"/>
           </p:cNvSpPr>
@@ -262,7 +262,7 @@
       </p:sp>
       <p:sp>
         <p:nvSpPr>
-          <p:cNvPr id="2030898371" name="Rectangle"/>
+          <p:cNvPr id="319191420" name="Rectangle"/>
           <p:cNvSpPr>
             <a:spLocks noGrp="1"/>
           </p:cNvSpPr>
@@ -296,7 +296,7 @@
       </p:sp>
       <p:sp>
         <p:nvSpPr>
-          <p:cNvPr id="631150388" name="Rectangle"/>
+          <p:cNvPr id="1228262438" name="Rectangle"/>
           <p:cNvSpPr>
             <a:spLocks noGrp="1"/>
           </p:cNvSpPr>
@@ -330,7 +330,7 @@
       </p:sp>
       <p:sp>
         <p:nvSpPr>
-          <p:cNvPr id="343860116" name="Text">
+          <p:cNvPr id="457066458" name="Text">
     </p:cNvPr>
           <p:cNvSpPr>
             <a:spLocks noGrp="1"/>
@@ -375,7 +375,7 @@
       </p:sp>
       <p:sp>
         <p:nvSpPr>
-          <p:cNvPr id="1937427085" name="Text">
+          <p:cNvPr id="494428479" name="Text">
     </p:cNvPr>
           <p:cNvSpPr>
             <a:spLocks noGrp="1"/>
@@ -421,7 +421,7 @@
                 <a:ea typeface="맑은 고딕"/>
                 <a:cs typeface="맑은 고딕"/>
               </a:rPr>
-              <a:t>12/22</a:t>
+              <a:t>[보류]</a:t>
             </a:r>
             <a:br/>
           </a:p>
@@ -429,7 +429,7 @@
       </p:sp>
       <p:sp>
         <p:nvSpPr>
-          <p:cNvPr id="1652603701" name="Text">
+          <p:cNvPr id="1033188981" name="Text">
     </p:cNvPr>
           <p:cNvSpPr>
             <a:spLocks noGrp="1"/>
@@ -475,7 +475,7 @@
                 <a:ea typeface="맑은 고딕"/>
                 <a:cs typeface="맑은 고딕"/>
               </a:rPr>
-              <a:t> [E-BIZ] 거래처 정보화면 임원 별도처리</a:t>
+              <a:t> [e-Biz] 매출원장(ZSDR5370)보완</a:t>
             </a:r>
             <a:br/>
           </a:p>
@@ -483,7 +483,7 @@
       </p:sp>
       <p:sp>
         <p:nvSpPr>
-          <p:cNvPr id="863418214" name="Text">
+          <p:cNvPr id="1520867613" name="Text">
     </p:cNvPr>
           <p:cNvSpPr>
             <a:spLocks noGrp="1"/>
@@ -535,7 +535,7 @@
       </p:sp>
       <p:sp>
         <p:nvSpPr>
-          <p:cNvPr id="1350013151" name="Text">
+          <p:cNvPr id="860816644" name="Text">
     </p:cNvPr>
           <p:cNvSpPr>
             <a:spLocks noGrp="1"/>
@@ -587,7 +587,7 @@
       </p:sp>
       <p:sp>
         <p:nvSpPr>
-          <p:cNvPr id="1979455230" name="Text">
+          <p:cNvPr id="1843461067" name="Text">
     </p:cNvPr>
           <p:cNvSpPr>
             <a:spLocks noGrp="1"/>
@@ -633,7 +633,7 @@
                 <a:ea typeface="맑은 고딕"/>
                 <a:cs typeface="맑은 고딕"/>
               </a:rPr>
-              <a:t> [E-BIZ] e-Biz 거래처 정보화면 개선</a:t>
+              <a:t> [e-Biz] 매출원장(ZSDR5370)보완</a:t>
             </a:r>
             <a:br/>
             <a:r>
@@ -642,7 +642,7 @@
                 <a:ea typeface="맑은 고딕"/>
                 <a:cs typeface="맑은 고딕"/>
               </a:rPr>
-              <a:t> [E-BIZ] 사후적립 통제기준 변경</a:t>
+              <a:t> [e-Biz/FLBIZ] 감사 대비 어플리케이션 로그 기능</a:t>
             </a:r>
             <a:br/>
           </a:p>
@@ -650,7 +650,7 @@
       </p:sp>
       <p:sp>
         <p:nvSpPr>
-          <p:cNvPr id="2014609912" name="Text">
+          <p:cNvPr id="1560157713" name="Text">
     </p:cNvPr>
           <p:cNvSpPr>
             <a:spLocks noGrp="1"/>
@@ -695,7 +695,7 @@
       </p:sp>
       <p:sp>
         <p:nvSpPr>
-          <p:cNvPr id="1833575394" name="Text">
+          <p:cNvPr id="917145830" name="Text">
     </p:cNvPr>
           <p:cNvSpPr>
             <a:spLocks noGrp="1"/>
@@ -747,7 +747,7 @@
       </p:sp>
       <p:sp>
         <p:nvSpPr>
-          <p:cNvPr id="1830487382" name="Text">
+          <p:cNvPr id="1575421441" name="Text">
     </p:cNvPr>
           <p:cNvSpPr>
             <a:spLocks noGrp="1"/>
@@ -796,7 +796,7 @@
       </p:sp>
       <p:sp>
         <p:nvSpPr>
-          <p:cNvPr id="832056641" name="Text">
+          <p:cNvPr id="1489418233" name="Text">
     </p:cNvPr>
           <p:cNvSpPr>
             <a:spLocks noGrp="1"/>
@@ -845,7 +845,7 @@
       </p:sp>
       <p:sp>
         <p:nvSpPr>
-          <p:cNvPr id="1834967499" name="Text">
+          <p:cNvPr id="1952719974" name="Text">
     </p:cNvPr>
           <p:cNvSpPr>
             <a:spLocks noGrp="1"/>
@@ -900,7 +900,7 @@
       </p:sp>
       <p:sp>
         <p:nvSpPr>
-          <p:cNvPr id="1362496177" name="Text">
+          <p:cNvPr id="384528308" name="Text">
     </p:cNvPr>
           <p:cNvSpPr>
             <a:spLocks noGrp="1"/>
@@ -955,7 +955,7 @@
       </p:sp>
       <p:sp>
         <p:nvSpPr>
-          <p:cNvPr id="1689420916" name="Text">
+          <p:cNvPr id="1935254630" name="Text">
     </p:cNvPr>
           <p:cNvSpPr>
             <a:spLocks noGrp="1"/>
@@ -1010,7 +1010,7 @@
       </p:sp>
       <p:sp>
         <p:nvSpPr>
-          <p:cNvPr id="338710406" name="Text">
+          <p:cNvPr id="508411019" name="Text">
     </p:cNvPr>
           <p:cNvSpPr>
             <a:spLocks noGrp="1"/>
@@ -1074,7 +1074,7 @@
       </p:sp>
       <p:sp>
         <p:nvSpPr>
-          <p:cNvPr id="49755634" name="Text">
+          <p:cNvPr id="1272970288" name="Text">
     </p:cNvPr>
           <p:cNvSpPr>
             <a:spLocks noGrp="1"/>
@@ -1129,7 +1129,7 @@
       </p:sp>
       <p:sp>
         <p:nvSpPr>
-          <p:cNvPr id="1668666527" name="Text">
+          <p:cNvPr id="109358128" name="Text">
     </p:cNvPr>
           <p:cNvSpPr>
             <a:spLocks noGrp="1"/>
@@ -1184,7 +1184,7 @@
       </p:sp>
       <p:sp>
         <p:nvSpPr>
-          <p:cNvPr id="328498593" name="Text">
+          <p:cNvPr id="952128018" name="Text">
     </p:cNvPr>
           <p:cNvSpPr>
             <a:spLocks noGrp="1"/>
@@ -1239,7 +1239,7 @@
       </p:sp>
       <p:sp>
         <p:nvSpPr>
-          <p:cNvPr id="97410090" name="Text">
+          <p:cNvPr id="1268385893" name="Text">
     </p:cNvPr>
           <p:cNvSpPr>
             <a:spLocks noGrp="1"/>
@@ -1294,7 +1294,7 @@
       </p:sp>
       <p:sp>
         <p:nvSpPr>
-          <p:cNvPr id="1043182020" name="Text">
+          <p:cNvPr id="2131772250" name="Text">
     </p:cNvPr>
           <p:cNvSpPr>
             <a:spLocks noGrp="1"/>
@@ -1349,7 +1349,7 @@
       </p:sp>
       <p:sp>
         <p:nvSpPr>
-          <p:cNvPr id="1940999090" name="Text">
+          <p:cNvPr id="1549178276" name="Text">
     </p:cNvPr>
           <p:cNvSpPr>
             <a:spLocks noGrp="1"/>
@@ -1404,7 +1404,7 @@
       </p:sp>
       <p:sp>
         <p:nvSpPr>
-          <p:cNvPr id="1140345104" name="Text">
+          <p:cNvPr id="1723600126" name="Text">
     </p:cNvPr>
           <p:cNvSpPr>
             <a:spLocks noGrp="1"/>
@@ -1450,7 +1450,7 @@
                 <a:ea typeface="맑은 고딕"/>
                 <a:cs typeface="맑은 고딕"/>
               </a:rPr>
-              <a:t>12/02</a:t>
+              <a:t>[보류]</a:t>
             </a:r>
             <a:br/>
             <a:r>
@@ -1459,7 +1459,7 @@
                 <a:ea typeface="맑은 고딕"/>
                 <a:cs typeface="맑은 고딕"/>
               </a:rPr>
-              <a:t>12/13</a:t>
+              <a:t>01/02</a:t>
             </a:r>
             <a:br/>
           </a:p>
@@ -1467,7 +1467,7 @@
       </p:sp>
       <p:sp>
         <p:nvSpPr>
-          <p:cNvPr id="874537545" name="Text">
+          <p:cNvPr id="2113857900" name="Text">
     </p:cNvPr>
           <p:cNvSpPr>
             <a:spLocks noGrp="1"/>
@@ -1519,7 +1519,7 @@
       </p:sp>
       <p:sp>
         <p:nvSpPr>
-          <p:cNvPr id="1741702808" name="Text">
+          <p:cNvPr id="9010970" name="Text">
     </p:cNvPr>
           <p:cNvSpPr>
             <a:spLocks noGrp="1"/>
@@ -1565,7 +1565,7 @@
                 <a:ea typeface="맑은 고딕"/>
                 <a:cs typeface="맑은 고딕"/>
               </a:rPr>
-              <a:t> 1</a:t>
+              <a:t> [RMS] 시스템 개발 및 보완</a:t>
             </a:r>
             <a:br/>
             <a:r>
@@ -1574,7 +1574,7 @@
                 <a:ea typeface="맑은 고딕"/>
                 <a:cs typeface="맑은 고딕"/>
               </a:rPr>
-              <a:t> 2</a:t>
+              <a:t> [RMS] 1차 테스트</a:t>
             </a:r>
             <a:br/>
           </a:p>
@@ -1582,7 +1582,7 @@
       </p:sp>
       <p:sp>
         <p:nvSpPr>
-          <p:cNvPr id="516254987" name="Text">
+          <p:cNvPr id="1754935578" name="Text">
     </p:cNvPr>
           <p:cNvSpPr>
             <a:spLocks noGrp="1"/>
@@ -1627,7 +1627,7 @@
       </p:sp>
       <p:sp>
         <p:nvSpPr>
-          <p:cNvPr id="536090378" name="Text">
+          <p:cNvPr id="1850149643" name="Text">
     </p:cNvPr>
           <p:cNvSpPr>
             <a:spLocks noGrp="1"/>
@@ -1672,14 +1672,14 @@
                 <a:ea typeface="맑은 고딕"/>
                 <a:cs typeface="맑은 고딕"/>
               </a:rPr>
-              <a:t>미진행</a:t>
-            </a:r>
-          </a:p>
-        </p:txBody>
-      </p:sp>
-      <p:sp>
-        <p:nvSpPr>
-          <p:cNvPr id="678501527" name="Text">
+              <a:t>진행중</a:t>
+            </a:r>
+          </a:p>
+        </p:txBody>
+      </p:sp>
+      <p:sp>
+        <p:nvSpPr>
+          <p:cNvPr id="1685596710" name="Text">
     </p:cNvPr>
           <p:cNvSpPr>
             <a:spLocks noGrp="1"/>
@@ -1725,24 +1725,24 @@
                 <a:ea typeface="맑은 고딕"/>
                 <a:cs typeface="맑은 고딕"/>
               </a:rPr>
+              <a:t>90%</a:t>
+            </a:r>
+            <a:br/>
+            <a:r>
+              <a:rPr lang="ko" sz="1100">
+                <a:latin typeface="맑은 고딕"/>
+                <a:ea typeface="맑은 고딕"/>
+                <a:cs typeface="맑은 고딕"/>
+              </a:rPr>
               <a:t>[보류]</a:t>
             </a:r>
             <a:br/>
-            <a:r>
-              <a:rPr lang="ko" sz="1100">
-                <a:latin typeface="맑은 고딕"/>
-                <a:ea typeface="맑은 고딕"/>
-                <a:cs typeface="맑은 고딕"/>
-              </a:rPr>
-              <a:t>[보류]</a:t>
-            </a:r>
-            <a:br/>
-          </a:p>
-        </p:txBody>
-      </p:sp>
-      <p:sp>
-        <p:nvSpPr>
-          <p:cNvPr id="1307605895" name="Text">
+          </a:p>
+        </p:txBody>
+      </p:sp>
+      <p:sp>
+        <p:nvSpPr>
+          <p:cNvPr id="792918044" name="Text">
     </p:cNvPr>
           <p:cNvSpPr>
             <a:spLocks noGrp="1"/>
@@ -1787,7 +1787,7 @@
       </p:sp>
       <p:sp>
         <p:nvSpPr>
-          <p:cNvPr id="2020141575" name="Text">
+          <p:cNvPr id="375983631" name="Text">
     </p:cNvPr>
           <p:cNvSpPr>
             <a:spLocks noGrp="1"/>
@@ -1850,7 +1850,7 @@
       </p:sp>
       <p:sp>
         <p:nvSpPr>
-          <p:cNvPr id="1193012807" name="Text">
+          <p:cNvPr id="1084244122" name="Text">
     </p:cNvPr>
           <p:cNvSpPr>
             <a:spLocks noGrp="1"/>
@@ -1896,7 +1896,7 @@
                 <a:ea typeface="맑은 고딕"/>
                 <a:cs typeface="맑은 고딕"/>
               </a:rPr>
-              <a:t> t</a:t>
+              <a:t> [RMS] 1차 테스트</a:t>
             </a:r>
             <a:br/>
             <a:r>
@@ -1905,7 +1905,7 @@
                 <a:ea typeface="맑은 고딕"/>
                 <a:cs typeface="맑은 고딕"/>
               </a:rPr>
-              <a:t> s</a:t>
+              <a:t> [RMS] 2차 테스트</a:t>
             </a:r>
             <a:br/>
           </a:p>
@@ -1913,7 +1913,7 @@
       </p:sp>
       <p:sp>
         <p:nvSpPr>
-          <p:cNvPr id="1731123095" name="Text">
+          <p:cNvPr id="1697409970" name="Text">
     </p:cNvPr>
           <p:cNvSpPr>
             <a:spLocks noGrp="1"/>
@@ -1965,7 +1965,7 @@
       </p:sp>
       <p:sp>
         <p:nvSpPr>
-          <p:cNvPr id="701277366" name="Rectangle"/>
+          <p:cNvPr id="1570176275" name="Rectangle"/>
           <p:cNvSpPr>
             <a:spLocks noGrp="1"/>
           </p:cNvSpPr>
@@ -1980,7 +1980,7 @@
             <a:avLst/>
           </a:prstGeom>
           <a:solidFill>
-            <a:srgbClr val="00FF00"/>
+            <a:srgbClr val="FFFFFF"/>
           </a:solidFill>
           <a:ln w="12700">
             <a:solidFill>
@@ -1999,7 +1999,7 @@
       </p:sp>
       <p:sp>
         <p:nvSpPr>
-          <p:cNvPr id="382421850" name="Rectangle"/>
+          <p:cNvPr id="64068056" name="Rectangle"/>
           <p:cNvSpPr>
             <a:spLocks noGrp="1"/>
           </p:cNvSpPr>
@@ -2014,7 +2014,7 @@
             <a:avLst/>
           </a:prstGeom>
           <a:solidFill>
-            <a:srgbClr val="00FF00"/>
+            <a:srgbClr val="FFFFFF"/>
           </a:solidFill>
           <a:ln w="12700">
             <a:solidFill>
@@ -2033,7 +2033,7 @@
       </p:sp>
       <p:sp>
         <p:nvSpPr>
-          <p:cNvPr id="238745106" name="Text">
+          <p:cNvPr id="1102556584" name="Text">
     </p:cNvPr>
           <p:cNvSpPr>
             <a:spLocks noGrp="1"/>
@@ -2082,7 +2082,7 @@
       </p:sp>
       <p:sp>
         <p:nvSpPr>
-          <p:cNvPr id="523835949" name="Text">
+          <p:cNvPr id="1203781591" name="Text">
     </p:cNvPr>
           <p:cNvSpPr>
             <a:spLocks noGrp="1"/>
@@ -2127,14 +2127,14 @@
                 <a:ea typeface="맑은 고딕"/>
                 <a:cs typeface="맑은 고딕"/>
               </a:rPr>
-              <a:t>Z11-22-0019</a:t>
-            </a:r>
-          </a:p>
-        </p:txBody>
-      </p:sp>
-      <p:sp>
-        <p:nvSpPr>
-          <p:cNvPr id="1402791016" name="Text">
+              <a:t>4718</a:t>
+            </a:r>
+          </a:p>
+        </p:txBody>
+      </p:sp>
+      <p:sp>
+        <p:nvSpPr>
+          <p:cNvPr id="760495193" name="Text">
     </p:cNvPr>
           <p:cNvSpPr>
             <a:spLocks noGrp="1"/>
@@ -2179,14 +2179,14 @@
                 <a:ea typeface="맑은 고딕"/>
                 <a:cs typeface="맑은 고딕"/>
               </a:rPr>
-              <a:t>Field contents changed: I_PSTYP -&gt; 0</a:t>
-            </a:r>
-          </a:p>
-        </p:txBody>
-      </p:sp>
-      <p:sp>
-        <p:nvSpPr>
-          <p:cNvPr id="524412122" name="Text">
+              <a:t>update summary set sign="승인" where sum_id=1</a:t>
+            </a:r>
+          </a:p>
+        </p:txBody>
+      </p:sp>
+      <p:sp>
+        <p:nvSpPr>
+          <p:cNvPr id="583303026" name="Text">
     </p:cNvPr>
           <p:cNvSpPr>
             <a:spLocks noGrp="1"/>
@@ -2231,14 +2231,14 @@
                 <a:ea typeface="맑은 고딕"/>
                 <a:cs typeface="맑은 고딕"/>
               </a:rPr>
-              <a:t>2022.12.08</a:t>
-            </a:r>
-          </a:p>
-        </p:txBody>
-      </p:sp>
-      <p:sp>
-        <p:nvSpPr>
-          <p:cNvPr id="1183976262" name="Text">
+              <a:t>2023-01-05</a:t>
+            </a:r>
+          </a:p>
+        </p:txBody>
+      </p:sp>
+      <p:sp>
+        <p:nvSpPr>
+          <p:cNvPr id="1583504495" name="Text">
     </p:cNvPr>
           <p:cNvSpPr>
             <a:spLocks noGrp="1"/>
@@ -2293,7 +2293,7 @@
       </p:sp>
       <p:sp>
         <p:nvSpPr>
-          <p:cNvPr id="296589771" name="Text">
+          <p:cNvPr id="412810995" name="Text">
     </p:cNvPr>
           <p:cNvSpPr>
             <a:spLocks noGrp="1"/>
@@ -2348,7 +2348,7 @@
       </p:sp>
       <p:sp>
         <p:nvSpPr>
-          <p:cNvPr id="631672882" name="Text">
+          <p:cNvPr id="346079053" name="Text">
     </p:cNvPr>
           <p:cNvSpPr>
             <a:spLocks noGrp="1"/>
@@ -2403,7 +2403,7 @@
       </p:sp>
       <p:sp>
         <p:nvSpPr>
-          <p:cNvPr id="902940520" name="Text">
+          <p:cNvPr id="354319684" name="Text">
     </p:cNvPr>
           <p:cNvSpPr>
             <a:spLocks noGrp="1"/>
@@ -2455,7 +2455,7 @@
       </p:sp>
       <p:sp>
         <p:nvSpPr>
-          <p:cNvPr id="1674523311" name="Text">
+          <p:cNvPr id="1498667692" name="Text">
     </p:cNvPr>
           <p:cNvSpPr>
             <a:spLocks noGrp="1"/>
@@ -2507,7 +2507,7 @@
       </p:sp>
       <p:sp>
         <p:nvSpPr>
-          <p:cNvPr id="508660956" name="Text">
+          <p:cNvPr id="384944659" name="Text">
     </p:cNvPr>
           <p:cNvSpPr>
             <a:spLocks noGrp="1"/>
@@ -2559,7 +2559,7 @@
       </p:sp>
       <p:sp>
         <p:nvSpPr>
-          <p:cNvPr id="258451492" name="Text">
+          <p:cNvPr id="121259351" name="Text">
     </p:cNvPr>
           <p:cNvSpPr>
             <a:spLocks noGrp="1"/>
@@ -2611,7 +2611,7 @@
       </p:sp>
       <p:sp>
         <p:nvSpPr>
-          <p:cNvPr id="876004391" name="Text">
+          <p:cNvPr id="1630076073" name="Text">
     </p:cNvPr>
           <p:cNvSpPr>
             <a:spLocks noGrp="1"/>
@@ -2656,14 +2656,14 @@
                 <a:ea typeface="맑은 고딕"/>
                 <a:cs typeface="맑은 고딕"/>
               </a:rPr>
-              <a:t>SROH</a:t>
-            </a:r>
-          </a:p>
-        </p:txBody>
-      </p:sp>
-      <p:sp>
-        <p:nvSpPr>
-          <p:cNvPr id="787923524" name="Text">
+              <a:t>jelee01</a:t>
+            </a:r>
+          </a:p>
+        </p:txBody>
+      </p:sp>
+      <p:sp>
+        <p:nvSpPr>
+          <p:cNvPr id="652856474" name="Text">
     </p:cNvPr>
           <p:cNvSpPr>
             <a:spLocks noGrp="1"/>
@@ -2718,7 +2718,7 @@
       </p:sp>
       <p:sp>
         <p:nvSpPr>
-          <p:cNvPr id="1012112426" name="Text">
+          <p:cNvPr id="1053833990" name="Text">
     </p:cNvPr>
           <p:cNvSpPr>
             <a:spLocks noGrp="1"/>
@@ -2770,7 +2770,7 @@
       </p:sp>
       <p:sp>
         <p:nvSpPr>
-          <p:cNvPr id="239543564" name="Text">
+          <p:cNvPr id="1804976502" name="Text">
     </p:cNvPr>
           <p:cNvSpPr>
             <a:spLocks noGrp="1"/>
@@ -2825,7 +2825,7 @@
       </p:sp>
       <p:sp>
         <p:nvSpPr>
-          <p:cNvPr id="206757663" name="Text">
+          <p:cNvPr id="1300145433" name="Text">
     </p:cNvPr>
           <p:cNvSpPr>
             <a:spLocks noGrp="1"/>
@@ -2877,7 +2877,7 @@
       </p:sp>
       <p:sp>
         <p:nvSpPr>
-          <p:cNvPr id="338610227" name="Text">
+          <p:cNvPr id="630926640" name="Text">
     </p:cNvPr>
           <p:cNvSpPr>
             <a:spLocks noGrp="1"/>
@@ -2923,7 +2923,7 @@
       </p:sp>
       <p:pic>
         <p:nvPicPr>
-          <p:cNvPr id="1850838072" name="Picture">
+          <p:cNvPr id="436320864" name="Picture">
     </p:cNvPr>
           <p:cNvPicPr>
             <a:picLocks noChangeAspect="1"/>

--- a/src/main/webapp/WEB-INF/Files/요약본_sample.pptx
+++ b/src/main/webapp/WEB-INF/Files/요약본_sample.pptx
@@ -84,7 +84,7 @@
       </p:grpSpPr>
       <p:sp>
         <p:nvSpPr>
-          <p:cNvPr id="1021522667" name="Text">
+          <p:cNvPr id="284016454" name="Text">
     </p:cNvPr>
           <p:cNvSpPr>
             <a:spLocks noGrp="1"/>
@@ -130,7 +130,7 @@
       </p:sp>
       <p:sp>
         <p:nvSpPr>
-          <p:cNvPr id="152731236" name="Line"/>
+          <p:cNvPr id="185311536" name="Line"/>
           <p:cNvSpPr>
             <a:spLocks noGrp="1"/>
           </p:cNvSpPr>
@@ -164,7 +164,7 @@
       </p:sp>
       <p:sp>
         <p:nvSpPr>
-          <p:cNvPr id="2093335441" name="Text">
+          <p:cNvPr id="971119736" name="Text">
     </p:cNvPr>
           <p:cNvSpPr>
             <a:spLocks noGrp="1"/>
@@ -228,7 +228,7 @@
       </p:sp>
       <p:sp>
         <p:nvSpPr>
-          <p:cNvPr id="2091867623" name="Rectangle"/>
+          <p:cNvPr id="1421658963" name="Rectangle"/>
           <p:cNvSpPr>
             <a:spLocks noGrp="1"/>
           </p:cNvSpPr>
@@ -262,7 +262,7 @@
       </p:sp>
       <p:sp>
         <p:nvSpPr>
-          <p:cNvPr id="319191420" name="Rectangle"/>
+          <p:cNvPr id="701909261" name="Rectangle"/>
           <p:cNvSpPr>
             <a:spLocks noGrp="1"/>
           </p:cNvSpPr>
@@ -296,7 +296,7 @@
       </p:sp>
       <p:sp>
         <p:nvSpPr>
-          <p:cNvPr id="1228262438" name="Rectangle"/>
+          <p:cNvPr id="2130870054" name="Rectangle"/>
           <p:cNvSpPr>
             <a:spLocks noGrp="1"/>
           </p:cNvSpPr>
@@ -330,7 +330,7 @@
       </p:sp>
       <p:sp>
         <p:nvSpPr>
-          <p:cNvPr id="457066458" name="Text">
+          <p:cNvPr id="1445637474" name="Text">
     </p:cNvPr>
           <p:cNvSpPr>
             <a:spLocks noGrp="1"/>
@@ -370,12 +370,20 @@
               </a:defRPr>
             </a:pPr>
             <a:br/>
-          </a:p>
-        </p:txBody>
-      </p:sp>
-      <p:sp>
-        <p:nvSpPr>
-          <p:cNvPr id="494428479" name="Text">
+            <a:r>
+              <a:rPr lang="ko" sz="1100">
+                <a:latin typeface="맑은 고딕"/>
+                <a:ea typeface="맑은 고딕"/>
+                <a:cs typeface="맑은 고딕"/>
+              </a:rPr>
+              <a:t>5678</a:t>
+            </a:r>
+          </a:p>
+        </p:txBody>
+      </p:sp>
+      <p:sp>
+        <p:nvSpPr>
+          <p:cNvPr id="1694372519" name="Text">
     </p:cNvPr>
           <p:cNvSpPr>
             <a:spLocks noGrp="1"/>
@@ -421,15 +429,23 @@
                 <a:ea typeface="맑은 고딕"/>
                 <a:cs typeface="맑은 고딕"/>
               </a:rPr>
-              <a:t>[보류]</a:t>
+              <a:t>01/16</a:t>
             </a:r>
             <a:br/>
-          </a:p>
-        </p:txBody>
-      </p:sp>
-      <p:sp>
-        <p:nvSpPr>
-          <p:cNvPr id="1033188981" name="Text">
+            <a:r>
+              <a:rPr lang="ko" sz="1100">
+                <a:latin typeface="맑은 고딕"/>
+                <a:ea typeface="맑은 고딕"/>
+                <a:cs typeface="맑은 고딕"/>
+              </a:rPr>
+              <a:t>01/16</a:t>
+            </a:r>
+          </a:p>
+        </p:txBody>
+      </p:sp>
+      <p:sp>
+        <p:nvSpPr>
+          <p:cNvPr id="2138808596" name="Text">
     </p:cNvPr>
           <p:cNvSpPr>
             <a:spLocks noGrp="1"/>
@@ -475,15 +491,24 @@
                 <a:ea typeface="맑은 고딕"/>
                 <a:cs typeface="맑은 고딕"/>
               </a:rPr>
-              <a:t> [e-Biz] 매출원장(ZSDR5370)보완</a:t>
+              <a:t> 다</a:t>
             </a:r>
             <a:br/>
-          </a:p>
-        </p:txBody>
-      </p:sp>
-      <p:sp>
-        <p:nvSpPr>
-          <p:cNvPr id="1520867613" name="Text">
+            <a:r>
+              <a:rPr lang="ko" sz="1100">
+                <a:latin typeface="맑은 고딕"/>
+                <a:ea typeface="맑은 고딕"/>
+                <a:cs typeface="맑은 고딕"/>
+              </a:rPr>
+              <a:t> 라</a:t>
+            </a:r>
+            <a:br/>
+          </a:p>
+        </p:txBody>
+      </p:sp>
+      <p:sp>
+        <p:nvSpPr>
+          <p:cNvPr id="334240402" name="Text">
     </p:cNvPr>
           <p:cNvSpPr>
             <a:spLocks noGrp="1"/>
@@ -535,7 +560,7 @@
       </p:sp>
       <p:sp>
         <p:nvSpPr>
-          <p:cNvPr id="860816644" name="Text">
+          <p:cNvPr id="279897136" name="Text">
     </p:cNvPr>
           <p:cNvSpPr>
             <a:spLocks noGrp="1"/>
@@ -587,7 +612,7 @@
       </p:sp>
       <p:sp>
         <p:nvSpPr>
-          <p:cNvPr id="1843461067" name="Text">
+          <p:cNvPr id="72460200" name="Text">
     </p:cNvPr>
           <p:cNvSpPr>
             <a:spLocks noGrp="1"/>
@@ -633,7 +658,7 @@
                 <a:ea typeface="맑은 고딕"/>
                 <a:cs typeface="맑은 고딕"/>
               </a:rPr>
-              <a:t> [e-Biz] 매출원장(ZSDR5370)보완</a:t>
+              <a:t> 가</a:t>
             </a:r>
             <a:br/>
             <a:r>
@@ -642,7 +667,7 @@
                 <a:ea typeface="맑은 고딕"/>
                 <a:cs typeface="맑은 고딕"/>
               </a:rPr>
-              <a:t> [e-Biz/FLBIZ] 감사 대비 어플리케이션 로그 기능</a:t>
+              <a:t> 나</a:t>
             </a:r>
             <a:br/>
           </a:p>
@@ -650,7 +675,7 @@
       </p:sp>
       <p:sp>
         <p:nvSpPr>
-          <p:cNvPr id="1560157713" name="Text">
+          <p:cNvPr id="645973303" name="Text">
     </p:cNvPr>
           <p:cNvSpPr>
             <a:spLocks noGrp="1"/>
@@ -690,12 +715,20 @@
               </a:defRPr>
             </a:pPr>
             <a:br/>
-          </a:p>
-        </p:txBody>
-      </p:sp>
-      <p:sp>
-        <p:nvSpPr>
-          <p:cNvPr id="917145830" name="Text">
+            <a:r>
+              <a:rPr lang="ko" sz="1100">
+                <a:latin typeface="맑은 고딕"/>
+                <a:ea typeface="맑은 고딕"/>
+                <a:cs typeface="맑은 고딕"/>
+              </a:rPr>
+              <a:t>1234</a:t>
+            </a:r>
+          </a:p>
+        </p:txBody>
+      </p:sp>
+      <p:sp>
+        <p:nvSpPr>
+          <p:cNvPr id="1439396863" name="Text">
     </p:cNvPr>
           <p:cNvSpPr>
             <a:spLocks noGrp="1"/>
@@ -747,7 +780,7 @@
       </p:sp>
       <p:sp>
         <p:nvSpPr>
-          <p:cNvPr id="1575421441" name="Text">
+          <p:cNvPr id="841191954" name="Text">
     </p:cNvPr>
           <p:cNvSpPr>
             <a:spLocks noGrp="1"/>
@@ -796,7 +829,7 @@
       </p:sp>
       <p:sp>
         <p:nvSpPr>
-          <p:cNvPr id="1489418233" name="Text">
+          <p:cNvPr id="994451225" name="Text">
     </p:cNvPr>
           <p:cNvSpPr>
             <a:spLocks noGrp="1"/>
@@ -845,7 +878,7 @@
       </p:sp>
       <p:sp>
         <p:nvSpPr>
-          <p:cNvPr id="1952719974" name="Text">
+          <p:cNvPr id="466603067" name="Text">
     </p:cNvPr>
           <p:cNvSpPr>
             <a:spLocks noGrp="1"/>
@@ -900,7 +933,7 @@
       </p:sp>
       <p:sp>
         <p:nvSpPr>
-          <p:cNvPr id="384528308" name="Text">
+          <p:cNvPr id="362090550" name="Text">
     </p:cNvPr>
           <p:cNvSpPr>
             <a:spLocks noGrp="1"/>
@@ -955,7 +988,7 @@
       </p:sp>
       <p:sp>
         <p:nvSpPr>
-          <p:cNvPr id="1935254630" name="Text">
+          <p:cNvPr id="990421908" name="Text">
     </p:cNvPr>
           <p:cNvSpPr>
             <a:spLocks noGrp="1"/>
@@ -1010,7 +1043,7 @@
       </p:sp>
       <p:sp>
         <p:nvSpPr>
-          <p:cNvPr id="508411019" name="Text">
+          <p:cNvPr id="817745211" name="Text">
     </p:cNvPr>
           <p:cNvSpPr>
             <a:spLocks noGrp="1"/>
@@ -1074,7 +1107,7 @@
       </p:sp>
       <p:sp>
         <p:nvSpPr>
-          <p:cNvPr id="1272970288" name="Text">
+          <p:cNvPr id="1433825539" name="Text">
     </p:cNvPr>
           <p:cNvSpPr>
             <a:spLocks noGrp="1"/>
@@ -1129,7 +1162,7 @@
       </p:sp>
       <p:sp>
         <p:nvSpPr>
-          <p:cNvPr id="109358128" name="Text">
+          <p:cNvPr id="1759498043" name="Text">
     </p:cNvPr>
           <p:cNvSpPr>
             <a:spLocks noGrp="1"/>
@@ -1184,7 +1217,7 @@
       </p:sp>
       <p:sp>
         <p:nvSpPr>
-          <p:cNvPr id="952128018" name="Text">
+          <p:cNvPr id="381011383" name="Text">
     </p:cNvPr>
           <p:cNvSpPr>
             <a:spLocks noGrp="1"/>
@@ -1239,7 +1272,7 @@
       </p:sp>
       <p:sp>
         <p:nvSpPr>
-          <p:cNvPr id="1268385893" name="Text">
+          <p:cNvPr id="1220482639" name="Text">
     </p:cNvPr>
           <p:cNvSpPr>
             <a:spLocks noGrp="1"/>
@@ -1294,7 +1327,7 @@
       </p:sp>
       <p:sp>
         <p:nvSpPr>
-          <p:cNvPr id="2131772250" name="Text">
+          <p:cNvPr id="782731314" name="Text">
     </p:cNvPr>
           <p:cNvSpPr>
             <a:spLocks noGrp="1"/>
@@ -1349,7 +1382,7 @@
       </p:sp>
       <p:sp>
         <p:nvSpPr>
-          <p:cNvPr id="1549178276" name="Text">
+          <p:cNvPr id="941042890" name="Text">
     </p:cNvPr>
           <p:cNvSpPr>
             <a:spLocks noGrp="1"/>
@@ -1404,7 +1437,7 @@
       </p:sp>
       <p:sp>
         <p:nvSpPr>
-          <p:cNvPr id="1723600126" name="Text">
+          <p:cNvPr id="12049922" name="Text">
     </p:cNvPr>
           <p:cNvSpPr>
             <a:spLocks noGrp="1"/>
@@ -1450,7 +1483,7 @@
                 <a:ea typeface="맑은 고딕"/>
                 <a:cs typeface="맑은 고딕"/>
               </a:rPr>
-              <a:t>[보류]</a:t>
+              <a:t>01/06</a:t>
             </a:r>
             <a:br/>
             <a:r>
@@ -1459,15 +1492,14 @@
                 <a:ea typeface="맑은 고딕"/>
                 <a:cs typeface="맑은 고딕"/>
               </a:rPr>
-              <a:t>01/02</a:t>
-            </a:r>
-            <a:br/>
-          </a:p>
-        </p:txBody>
-      </p:sp>
-      <p:sp>
-        <p:nvSpPr>
-          <p:cNvPr id="2113857900" name="Text">
+              <a:t>01/06</a:t>
+            </a:r>
+          </a:p>
+        </p:txBody>
+      </p:sp>
+      <p:sp>
+        <p:nvSpPr>
+          <p:cNvPr id="806006069" name="Text">
     </p:cNvPr>
           <p:cNvSpPr>
             <a:spLocks noGrp="1"/>
@@ -1519,7 +1551,7 @@
       </p:sp>
       <p:sp>
         <p:nvSpPr>
-          <p:cNvPr id="9010970" name="Text">
+          <p:cNvPr id="578704670" name="Text">
     </p:cNvPr>
           <p:cNvSpPr>
             <a:spLocks noGrp="1"/>
@@ -1565,7 +1597,7 @@
                 <a:ea typeface="맑은 고딕"/>
                 <a:cs typeface="맑은 고딕"/>
               </a:rPr>
-              <a:t> [RMS] 시스템 개발 및 보완</a:t>
+              <a:t>ㄱ</a:t>
             </a:r>
             <a:br/>
             <a:r>
@@ -1574,7 +1606,7 @@
                 <a:ea typeface="맑은 고딕"/>
                 <a:cs typeface="맑은 고딕"/>
               </a:rPr>
-              <a:t> [RMS] 1차 테스트</a:t>
+              <a:t>ㄴ</a:t>
             </a:r>
             <a:br/>
           </a:p>
@@ -1582,7 +1614,7 @@
       </p:sp>
       <p:sp>
         <p:nvSpPr>
-          <p:cNvPr id="1754935578" name="Text">
+          <p:cNvPr id="588139751" name="Text">
     </p:cNvPr>
           <p:cNvSpPr>
             <a:spLocks noGrp="1"/>
@@ -1627,7 +1659,7 @@
       </p:sp>
       <p:sp>
         <p:nvSpPr>
-          <p:cNvPr id="1850149643" name="Text">
+          <p:cNvPr id="494391626" name="Text">
     </p:cNvPr>
           <p:cNvSpPr>
             <a:spLocks noGrp="1"/>
@@ -1672,14 +1704,14 @@
                 <a:ea typeface="맑은 고딕"/>
                 <a:cs typeface="맑은 고딕"/>
               </a:rPr>
-              <a:t>진행중</a:t>
-            </a:r>
-          </a:p>
-        </p:txBody>
-      </p:sp>
-      <p:sp>
-        <p:nvSpPr>
-          <p:cNvPr id="1685596710" name="Text">
+              <a:t>보류</a:t>
+            </a:r>
+          </a:p>
+        </p:txBody>
+      </p:sp>
+      <p:sp>
+        <p:nvSpPr>
+          <p:cNvPr id="2020713684" name="Text">
     </p:cNvPr>
           <p:cNvSpPr>
             <a:spLocks noGrp="1"/>
@@ -1725,7 +1757,7 @@
                 <a:ea typeface="맑은 고딕"/>
                 <a:cs typeface="맑은 고딕"/>
               </a:rPr>
-              <a:t>90%</a:t>
+              <a:t>[보류]</a:t>
             </a:r>
             <a:br/>
             <a:r>
@@ -1742,7 +1774,7 @@
       </p:sp>
       <p:sp>
         <p:nvSpPr>
-          <p:cNvPr id="792918044" name="Text">
+          <p:cNvPr id="687327329" name="Text">
     </p:cNvPr>
           <p:cNvSpPr>
             <a:spLocks noGrp="1"/>
@@ -1787,7 +1819,7 @@
       </p:sp>
       <p:sp>
         <p:nvSpPr>
-          <p:cNvPr id="375983631" name="Text">
+          <p:cNvPr id="2035269868" name="Text">
     </p:cNvPr>
           <p:cNvSpPr>
             <a:spLocks noGrp="1"/>
@@ -1850,7 +1882,7 @@
       </p:sp>
       <p:sp>
         <p:nvSpPr>
-          <p:cNvPr id="1084244122" name="Text">
+          <p:cNvPr id="1519497998" name="Text">
     </p:cNvPr>
           <p:cNvSpPr>
             <a:spLocks noGrp="1"/>
@@ -1896,7 +1928,7 @@
                 <a:ea typeface="맑은 고딕"/>
                 <a:cs typeface="맑은 고딕"/>
               </a:rPr>
-              <a:t> [RMS] 1차 테스트</a:t>
+              <a:t> 1</a:t>
             </a:r>
             <a:br/>
             <a:r>
@@ -1905,7 +1937,7 @@
                 <a:ea typeface="맑은 고딕"/>
                 <a:cs typeface="맑은 고딕"/>
               </a:rPr>
-              <a:t> [RMS] 2차 테스트</a:t>
+              <a:t> 2</a:t>
             </a:r>
             <a:br/>
           </a:p>
@@ -1913,7 +1945,7 @@
       </p:sp>
       <p:sp>
         <p:nvSpPr>
-          <p:cNvPr id="1697409970" name="Text">
+          <p:cNvPr id="800320396" name="Text">
     </p:cNvPr>
           <p:cNvSpPr>
             <a:spLocks noGrp="1"/>
@@ -1965,7 +1997,7 @@
       </p:sp>
       <p:sp>
         <p:nvSpPr>
-          <p:cNvPr id="1570176275" name="Rectangle"/>
+          <p:cNvPr id="957455067" name="Rectangle"/>
           <p:cNvSpPr>
             <a:spLocks noGrp="1"/>
           </p:cNvSpPr>
@@ -1999,7 +2031,7 @@
       </p:sp>
       <p:sp>
         <p:nvSpPr>
-          <p:cNvPr id="64068056" name="Rectangle"/>
+          <p:cNvPr id="1046377909" name="Rectangle"/>
           <p:cNvSpPr>
             <a:spLocks noGrp="1"/>
           </p:cNvSpPr>
@@ -2033,7 +2065,7 @@
       </p:sp>
       <p:sp>
         <p:nvSpPr>
-          <p:cNvPr id="1102556584" name="Text">
+          <p:cNvPr id="1770043571" name="Text">
     </p:cNvPr>
           <p:cNvSpPr>
             <a:spLocks noGrp="1"/>
@@ -2082,7 +2114,7 @@
       </p:sp>
       <p:sp>
         <p:nvSpPr>
-          <p:cNvPr id="1203781591" name="Text">
+          <p:cNvPr id="1507836292" name="Text">
     </p:cNvPr>
           <p:cNvSpPr>
             <a:spLocks noGrp="1"/>
@@ -2127,14 +2159,14 @@
                 <a:ea typeface="맑은 고딕"/>
                 <a:cs typeface="맑은 고딕"/>
               </a:rPr>
-              <a:t>4718</a:t>
-            </a:r>
-          </a:p>
-        </p:txBody>
-      </p:sp>
-      <p:sp>
-        <p:nvSpPr>
-          <p:cNvPr id="760495193" name="Text">
+              <a:t>76</a:t>
+            </a:r>
+          </a:p>
+        </p:txBody>
+      </p:sp>
+      <p:sp>
+        <p:nvSpPr>
+          <p:cNvPr id="1823297318" name="Text">
     </p:cNvPr>
           <p:cNvSpPr>
             <a:spLocks noGrp="1"/>
@@ -2179,14 +2211,14 @@
                 <a:ea typeface="맑은 고딕"/>
                 <a:cs typeface="맑은 고딕"/>
               </a:rPr>
-              <a:t>update summary set sign="승인" where sum_id=1</a:t>
-            </a:r>
-          </a:p>
-        </p:txBody>
-      </p:sp>
-      <p:sp>
-        <p:nvSpPr>
-          <p:cNvPr id="583303026" name="Text">
+              <a:t>66</a:t>
+            </a:r>
+          </a:p>
+        </p:txBody>
+      </p:sp>
+      <p:sp>
+        <p:nvSpPr>
+          <p:cNvPr id="563313883" name="Text">
     </p:cNvPr>
           <p:cNvSpPr>
             <a:spLocks noGrp="1"/>
@@ -2231,14 +2263,14 @@
                 <a:ea typeface="맑은 고딕"/>
                 <a:cs typeface="맑은 고딕"/>
               </a:rPr>
-              <a:t>2023-01-05</a:t>
-            </a:r>
-          </a:p>
-        </p:txBody>
-      </p:sp>
-      <p:sp>
-        <p:nvSpPr>
-          <p:cNvPr id="1583504495" name="Text">
+              <a:t>22</a:t>
+            </a:r>
+          </a:p>
+        </p:txBody>
+      </p:sp>
+      <p:sp>
+        <p:nvSpPr>
+          <p:cNvPr id="1295654266" name="Text">
     </p:cNvPr>
           <p:cNvSpPr>
             <a:spLocks noGrp="1"/>
@@ -2293,7 +2325,7 @@
       </p:sp>
       <p:sp>
         <p:nvSpPr>
-          <p:cNvPr id="412810995" name="Text">
+          <p:cNvPr id="1783510712" name="Text">
     </p:cNvPr>
           <p:cNvSpPr>
             <a:spLocks noGrp="1"/>
@@ -2348,7 +2380,7 @@
       </p:sp>
       <p:sp>
         <p:nvSpPr>
-          <p:cNvPr id="346079053" name="Text">
+          <p:cNvPr id="1813811368" name="Text">
     </p:cNvPr>
           <p:cNvSpPr>
             <a:spLocks noGrp="1"/>
@@ -2403,7 +2435,7 @@
       </p:sp>
       <p:sp>
         <p:nvSpPr>
-          <p:cNvPr id="354319684" name="Text">
+          <p:cNvPr id="1456692308" name="Text">
     </p:cNvPr>
           <p:cNvSpPr>
             <a:spLocks noGrp="1"/>
@@ -2448,14 +2480,14 @@
                 <a:ea typeface="맑은 고딕"/>
                 <a:cs typeface="맑은 고딕"/>
               </a:rPr>
-              <a:t> </a:t>
-            </a:r>
-          </a:p>
-        </p:txBody>
-      </p:sp>
-      <p:sp>
-        <p:nvSpPr>
-          <p:cNvPr id="1498667692" name="Text">
+              <a:t>tt</a:t>
+            </a:r>
+          </a:p>
+        </p:txBody>
+      </p:sp>
+      <p:sp>
+        <p:nvSpPr>
+          <p:cNvPr id="1260341817" name="Text">
     </p:cNvPr>
           <p:cNvSpPr>
             <a:spLocks noGrp="1"/>
@@ -2500,14 +2532,14 @@
                 <a:ea typeface="맑은 고딕"/>
                 <a:cs typeface="맑은 고딕"/>
               </a:rPr>
-              <a:t> </a:t>
-            </a:r>
-          </a:p>
-        </p:txBody>
-      </p:sp>
-      <p:sp>
-        <p:nvSpPr>
-          <p:cNvPr id="384944659" name="Text">
+              <a:t>w</a:t>
+            </a:r>
+          </a:p>
+        </p:txBody>
+      </p:sp>
+      <p:sp>
+        <p:nvSpPr>
+          <p:cNvPr id="1358908948" name="Text">
     </p:cNvPr>
           <p:cNvSpPr>
             <a:spLocks noGrp="1"/>
@@ -2552,14 +2584,14 @@
                 <a:ea typeface="맑은 고딕"/>
                 <a:cs typeface="맑은 고딕"/>
               </a:rPr>
-              <a:t> </a:t>
-            </a:r>
-          </a:p>
-        </p:txBody>
-      </p:sp>
-      <p:sp>
-        <p:nvSpPr>
-          <p:cNvPr id="121259351" name="Text">
+              <a:t>gere</a:t>
+            </a:r>
+          </a:p>
+        </p:txBody>
+      </p:sp>
+      <p:sp>
+        <p:nvSpPr>
+          <p:cNvPr id="1483607411" name="Text">
     </p:cNvPr>
           <p:cNvSpPr>
             <a:spLocks noGrp="1"/>
@@ -2604,14 +2636,14 @@
                 <a:ea typeface="맑은 고딕"/>
                 <a:cs typeface="맑은 고딕"/>
               </a:rPr>
-              <a:t> </a:t>
-            </a:r>
-          </a:p>
-        </p:txBody>
-      </p:sp>
-      <p:sp>
-        <p:nvSpPr>
-          <p:cNvPr id="1630076073" name="Text">
+              <a:t>sds</a:t>
+            </a:r>
+          </a:p>
+        </p:txBody>
+      </p:sp>
+      <p:sp>
+        <p:nvSpPr>
+          <p:cNvPr id="345230294" name="Text">
     </p:cNvPr>
           <p:cNvSpPr>
             <a:spLocks noGrp="1"/>
@@ -2656,14 +2688,14 @@
                 <a:ea typeface="맑은 고딕"/>
                 <a:cs typeface="맑은 고딕"/>
               </a:rPr>
-              <a:t>jelee01</a:t>
-            </a:r>
-          </a:p>
-        </p:txBody>
-      </p:sp>
-      <p:sp>
-        <p:nvSpPr>
-          <p:cNvPr id="652856474" name="Text">
+              <a:t>44</a:t>
+            </a:r>
+          </a:p>
+        </p:txBody>
+      </p:sp>
+      <p:sp>
+        <p:nvSpPr>
+          <p:cNvPr id="627840511" name="Text">
     </p:cNvPr>
           <p:cNvSpPr>
             <a:spLocks noGrp="1"/>
@@ -2718,7 +2750,7 @@
       </p:sp>
       <p:sp>
         <p:nvSpPr>
-          <p:cNvPr id="1053833990" name="Text">
+          <p:cNvPr id="256471208" name="Text">
     </p:cNvPr>
           <p:cNvSpPr>
             <a:spLocks noGrp="1"/>
@@ -2763,14 +2795,14 @@
                 <a:ea typeface="맑은 고딕"/>
                 <a:cs typeface="맑은 고딕"/>
               </a:rPr>
-              <a:t> </a:t>
-            </a:r>
-          </a:p>
-        </p:txBody>
-      </p:sp>
-      <p:sp>
-        <p:nvSpPr>
-          <p:cNvPr id="1804976502" name="Text">
+              <a:t>ewefw</a:t>
+            </a:r>
+          </a:p>
+        </p:txBody>
+      </p:sp>
+      <p:sp>
+        <p:nvSpPr>
+          <p:cNvPr id="660926887" name="Text">
     </p:cNvPr>
           <p:cNvSpPr>
             <a:spLocks noGrp="1"/>
@@ -2825,7 +2857,7 @@
       </p:sp>
       <p:sp>
         <p:nvSpPr>
-          <p:cNvPr id="1300145433" name="Text">
+          <p:cNvPr id="765678566" name="Text">
     </p:cNvPr>
           <p:cNvSpPr>
             <a:spLocks noGrp="1"/>
@@ -2870,14 +2902,14 @@
                 <a:ea typeface="맑은 고딕"/>
                 <a:cs typeface="맑은 고딕"/>
               </a:rPr>
-              <a:t>일반</a:t>
-            </a:r>
-          </a:p>
-        </p:txBody>
-      </p:sp>
-      <p:sp>
-        <p:nvSpPr>
-          <p:cNvPr id="630926640" name="Text">
+              <a:t>435</a:t>
+            </a:r>
+          </a:p>
+        </p:txBody>
+      </p:sp>
+      <p:sp>
+        <p:nvSpPr>
+          <p:cNvPr id="1747281984" name="Text">
     </p:cNvPr>
           <p:cNvSpPr>
             <a:spLocks noGrp="1"/>
@@ -2923,7 +2955,7 @@
       </p:sp>
       <p:pic>
         <p:nvPicPr>
-          <p:cNvPr id="436320864" name="Picture">
+          <p:cNvPr id="1483467371" name="Picture">
     </p:cNvPr>
           <p:cNvPicPr>
             <a:picLocks noChangeAspect="1"/>

--- a/src/main/webapp/WEB-INF/Files/요약본_sample.pptx
+++ b/src/main/webapp/WEB-INF/Files/요약본_sample.pptx
@@ -6,6 +6,9 @@
   </p:sldMasterIdLst>
   <p:sldIdLst>
     <p:sldId id="2561" r:id="rId1"/>
+    <p:sldId id="2562" r:id="rId2"/>
+    <p:sldId id="2563" r:id="rId3"/>
+    <p:sldId id="2564" r:id="rId4"/>
   </p:sldIdLst>
   <p:sldSz cx="10680700" cy="7556500" type="custom"/>
   <p:notesSz cx="6858000" cy="9144000"/>
@@ -84,7 +87,7 @@
       </p:grpSpPr>
       <p:sp>
         <p:nvSpPr>
-          <p:cNvPr id="284016454" name="Text">
+          <p:cNvPr id="1897631921" name="Text">
     </p:cNvPr>
           <p:cNvSpPr>
             <a:spLocks noGrp="1"/>
@@ -130,7 +133,7 @@
       </p:sp>
       <p:sp>
         <p:nvSpPr>
-          <p:cNvPr id="185311536" name="Line"/>
+          <p:cNvPr id="1797791687" name="Line"/>
           <p:cNvSpPr>
             <a:spLocks noGrp="1"/>
           </p:cNvSpPr>
@@ -164,7 +167,7 @@
       </p:sp>
       <p:sp>
         <p:nvSpPr>
-          <p:cNvPr id="971119736" name="Text">
+          <p:cNvPr id="1839197364" name="Text">
     </p:cNvPr>
           <p:cNvSpPr>
             <a:spLocks noGrp="1"/>
@@ -228,7 +231,7 @@
       </p:sp>
       <p:sp>
         <p:nvSpPr>
-          <p:cNvPr id="1421658963" name="Rectangle"/>
+          <p:cNvPr id="2055433278" name="Rectangle"/>
           <p:cNvSpPr>
             <a:spLocks noGrp="1"/>
           </p:cNvSpPr>
@@ -262,7 +265,7 @@
       </p:sp>
       <p:sp>
         <p:nvSpPr>
-          <p:cNvPr id="701909261" name="Rectangle"/>
+          <p:cNvPr id="671039309" name="Rectangle"/>
           <p:cNvSpPr>
             <a:spLocks noGrp="1"/>
           </p:cNvSpPr>
@@ -296,7 +299,7 @@
       </p:sp>
       <p:sp>
         <p:nvSpPr>
-          <p:cNvPr id="2130870054" name="Rectangle"/>
+          <p:cNvPr id="209902162" name="Rectangle"/>
           <p:cNvSpPr>
             <a:spLocks noGrp="1"/>
           </p:cNvSpPr>
@@ -330,7 +333,7 @@
       </p:sp>
       <p:sp>
         <p:nvSpPr>
-          <p:cNvPr id="1445637474" name="Text">
+          <p:cNvPr id="518679866" name="Text">
     </p:cNvPr>
           <p:cNvSpPr>
             <a:spLocks noGrp="1"/>
@@ -370,20 +373,12 @@
               </a:defRPr>
             </a:pPr>
             <a:br/>
-            <a:r>
-              <a:rPr lang="ko" sz="1100">
-                <a:latin typeface="맑은 고딕"/>
-                <a:ea typeface="맑은 고딕"/>
-                <a:cs typeface="맑은 고딕"/>
-              </a:rPr>
-              <a:t>5678</a:t>
-            </a:r>
-          </a:p>
-        </p:txBody>
-      </p:sp>
-      <p:sp>
-        <p:nvSpPr>
-          <p:cNvPr id="1694372519" name="Text">
+          </a:p>
+        </p:txBody>
+      </p:sp>
+      <p:sp>
+        <p:nvSpPr>
+          <p:cNvPr id="2145976389" name="Text">
     </p:cNvPr>
           <p:cNvSpPr>
             <a:spLocks noGrp="1"/>
@@ -429,23 +424,15 @@
                 <a:ea typeface="맑은 고딕"/>
                 <a:cs typeface="맑은 고딕"/>
               </a:rPr>
-              <a:t>01/16</a:t>
+              <a:t>[보류]</a:t>
             </a:r>
             <a:br/>
-            <a:r>
-              <a:rPr lang="ko" sz="1100">
-                <a:latin typeface="맑은 고딕"/>
-                <a:ea typeface="맑은 고딕"/>
-                <a:cs typeface="맑은 고딕"/>
-              </a:rPr>
-              <a:t>01/16</a:t>
-            </a:r>
-          </a:p>
-        </p:txBody>
-      </p:sp>
-      <p:sp>
-        <p:nvSpPr>
-          <p:cNvPr id="2138808596" name="Text">
+          </a:p>
+        </p:txBody>
+      </p:sp>
+      <p:sp>
+        <p:nvSpPr>
+          <p:cNvPr id="565337506" name="Text">
     </p:cNvPr>
           <p:cNvSpPr>
             <a:spLocks noGrp="1"/>
@@ -491,24 +478,15 @@
                 <a:ea typeface="맑은 고딕"/>
                 <a:cs typeface="맑은 고딕"/>
               </a:rPr>
-              <a:t> 다</a:t>
+              <a:t> 123123</a:t>
             </a:r>
             <a:br/>
-            <a:r>
-              <a:rPr lang="ko" sz="1100">
-                <a:latin typeface="맑은 고딕"/>
-                <a:ea typeface="맑은 고딕"/>
-                <a:cs typeface="맑은 고딕"/>
-              </a:rPr>
-              <a:t> 라</a:t>
-            </a:r>
-            <a:br/>
-          </a:p>
-        </p:txBody>
-      </p:sp>
-      <p:sp>
-        <p:nvSpPr>
-          <p:cNvPr id="334240402" name="Text">
+          </a:p>
+        </p:txBody>
+      </p:sp>
+      <p:sp>
+        <p:nvSpPr>
+          <p:cNvPr id="1006125964" name="Text">
     </p:cNvPr>
           <p:cNvSpPr>
             <a:spLocks noGrp="1"/>
@@ -560,7 +538,7 @@
       </p:sp>
       <p:sp>
         <p:nvSpPr>
-          <p:cNvPr id="279897136" name="Text">
+          <p:cNvPr id="1991670388" name="Text">
     </p:cNvPr>
           <p:cNvSpPr>
             <a:spLocks noGrp="1"/>
@@ -612,7 +590,7 @@
       </p:sp>
       <p:sp>
         <p:nvSpPr>
-          <p:cNvPr id="72460200" name="Text">
+          <p:cNvPr id="1097508815" name="Text">
     </p:cNvPr>
           <p:cNvSpPr>
             <a:spLocks noGrp="1"/>
@@ -658,7 +636,7 @@
                 <a:ea typeface="맑은 고딕"/>
                 <a:cs typeface="맑은 고딕"/>
               </a:rPr>
-              <a:t> 가</a:t>
+              <a:t> erw</a:t>
             </a:r>
             <a:br/>
             <a:r>
@@ -667,7 +645,7 @@
                 <a:ea typeface="맑은 고딕"/>
                 <a:cs typeface="맑은 고딕"/>
               </a:rPr>
-              <a:t> 나</a:t>
+              <a:t> fsdfqw</a:t>
             </a:r>
             <a:br/>
           </a:p>
@@ -675,7 +653,7 @@
       </p:sp>
       <p:sp>
         <p:nvSpPr>
-          <p:cNvPr id="645973303" name="Text">
+          <p:cNvPr id="1320929839" name="Text">
     </p:cNvPr>
           <p:cNvSpPr>
             <a:spLocks noGrp="1"/>
@@ -721,14 +699,14 @@
                 <a:ea typeface="맑은 고딕"/>
                 <a:cs typeface="맑은 고딕"/>
               </a:rPr>
-              <a:t>1234</a:t>
-            </a:r>
-          </a:p>
-        </p:txBody>
-      </p:sp>
-      <p:sp>
-        <p:nvSpPr>
-          <p:cNvPr id="1439396863" name="Text">
+              <a:t>1</a:t>
+            </a:r>
+          </a:p>
+        </p:txBody>
+      </p:sp>
+      <p:sp>
+        <p:nvSpPr>
+          <p:cNvPr id="1518033128" name="Text">
     </p:cNvPr>
           <p:cNvSpPr>
             <a:spLocks noGrp="1"/>
@@ -773,14 +751,14 @@
                 <a:ea typeface="맑은 고딕"/>
                 <a:cs typeface="맑은 고딕"/>
               </a:rPr>
-              <a:t>완료</a:t>
-            </a:r>
-          </a:p>
-        </p:txBody>
-      </p:sp>
-      <p:sp>
-        <p:nvSpPr>
-          <p:cNvPr id="841191954" name="Text">
+              <a:t>1</a:t>
+            </a:r>
+          </a:p>
+        </p:txBody>
+      </p:sp>
+      <p:sp>
+        <p:nvSpPr>
+          <p:cNvPr id="500332655" name="Text">
     </p:cNvPr>
           <p:cNvSpPr>
             <a:spLocks noGrp="1"/>
@@ -829,7 +807,7 @@
       </p:sp>
       <p:sp>
         <p:nvSpPr>
-          <p:cNvPr id="994451225" name="Text">
+          <p:cNvPr id="1295922131" name="Text">
     </p:cNvPr>
           <p:cNvSpPr>
             <a:spLocks noGrp="1"/>
@@ -878,7 +856,7 @@
       </p:sp>
       <p:sp>
         <p:nvSpPr>
-          <p:cNvPr id="466603067" name="Text">
+          <p:cNvPr id="1573151465" name="Text">
     </p:cNvPr>
           <p:cNvSpPr>
             <a:spLocks noGrp="1"/>
@@ -933,7 +911,7 @@
       </p:sp>
       <p:sp>
         <p:nvSpPr>
-          <p:cNvPr id="362090550" name="Text">
+          <p:cNvPr id="1576586657" name="Text">
     </p:cNvPr>
           <p:cNvSpPr>
             <a:spLocks noGrp="1"/>
@@ -988,7 +966,7 @@
       </p:sp>
       <p:sp>
         <p:nvSpPr>
-          <p:cNvPr id="990421908" name="Text">
+          <p:cNvPr id="1399310193" name="Text">
     </p:cNvPr>
           <p:cNvSpPr>
             <a:spLocks noGrp="1"/>
@@ -1043,7 +1021,7 @@
       </p:sp>
       <p:sp>
         <p:nvSpPr>
-          <p:cNvPr id="817745211" name="Text">
+          <p:cNvPr id="1870382693" name="Text">
     </p:cNvPr>
           <p:cNvSpPr>
             <a:spLocks noGrp="1"/>
@@ -1107,7 +1085,7 @@
       </p:sp>
       <p:sp>
         <p:nvSpPr>
-          <p:cNvPr id="1433825539" name="Text">
+          <p:cNvPr id="299246153" name="Text">
     </p:cNvPr>
           <p:cNvSpPr>
             <a:spLocks noGrp="1"/>
@@ -1162,7 +1140,7 @@
       </p:sp>
       <p:sp>
         <p:nvSpPr>
-          <p:cNvPr id="1759498043" name="Text">
+          <p:cNvPr id="173563927" name="Text">
     </p:cNvPr>
           <p:cNvSpPr>
             <a:spLocks noGrp="1"/>
@@ -1217,7 +1195,7 @@
       </p:sp>
       <p:sp>
         <p:nvSpPr>
-          <p:cNvPr id="381011383" name="Text">
+          <p:cNvPr id="1734959714" name="Text">
     </p:cNvPr>
           <p:cNvSpPr>
             <a:spLocks noGrp="1"/>
@@ -1272,7 +1250,7 @@
       </p:sp>
       <p:sp>
         <p:nvSpPr>
-          <p:cNvPr id="1220482639" name="Text">
+          <p:cNvPr id="1443944452" name="Text">
     </p:cNvPr>
           <p:cNvSpPr>
             <a:spLocks noGrp="1"/>
@@ -1327,7 +1305,7 @@
       </p:sp>
       <p:sp>
         <p:nvSpPr>
-          <p:cNvPr id="782731314" name="Text">
+          <p:cNvPr id="1995730149" name="Text">
     </p:cNvPr>
           <p:cNvSpPr>
             <a:spLocks noGrp="1"/>
@@ -1382,7 +1360,7 @@
       </p:sp>
       <p:sp>
         <p:nvSpPr>
-          <p:cNvPr id="941042890" name="Text">
+          <p:cNvPr id="1072034548" name="Text">
     </p:cNvPr>
           <p:cNvSpPr>
             <a:spLocks noGrp="1"/>
@@ -1437,7 +1415,7 @@
       </p:sp>
       <p:sp>
         <p:nvSpPr>
-          <p:cNvPr id="12049922" name="Text">
+          <p:cNvPr id="322170136" name="Text">
     </p:cNvPr>
           <p:cNvSpPr>
             <a:spLocks noGrp="1"/>
@@ -1483,7 +1461,7 @@
                 <a:ea typeface="맑은 고딕"/>
                 <a:cs typeface="맑은 고딕"/>
               </a:rPr>
-              <a:t>01/06</a:t>
+              <a:t>[보류]</a:t>
             </a:r>
             <a:br/>
             <a:r>
@@ -1492,14 +1470,15 @@
                 <a:ea typeface="맑은 고딕"/>
                 <a:cs typeface="맑은 고딕"/>
               </a:rPr>
-              <a:t>01/06</a:t>
-            </a:r>
-          </a:p>
-        </p:txBody>
-      </p:sp>
-      <p:sp>
-        <p:nvSpPr>
-          <p:cNvPr id="806006069" name="Text">
+              <a:t>[보류]</a:t>
+            </a:r>
+            <a:br/>
+          </a:p>
+        </p:txBody>
+      </p:sp>
+      <p:sp>
+        <p:nvSpPr>
+          <p:cNvPr id="1135855490" name="Text">
     </p:cNvPr>
           <p:cNvSpPr>
             <a:spLocks noGrp="1"/>
@@ -1551,7 +1530,7 @@
       </p:sp>
       <p:sp>
         <p:nvSpPr>
-          <p:cNvPr id="578704670" name="Text">
+          <p:cNvPr id="376772693" name="Text">
     </p:cNvPr>
           <p:cNvSpPr>
             <a:spLocks noGrp="1"/>
@@ -1597,7 +1576,7 @@
                 <a:ea typeface="맑은 고딕"/>
                 <a:cs typeface="맑은 고딕"/>
               </a:rPr>
-              <a:t>ㄱ</a:t>
+              <a:t> 2</a:t>
             </a:r>
             <a:br/>
             <a:r>
@@ -1606,7 +1585,7 @@
                 <a:ea typeface="맑은 고딕"/>
                 <a:cs typeface="맑은 고딕"/>
               </a:rPr>
-              <a:t>ㄴ</a:t>
+              <a:t> 가나다</a:t>
             </a:r>
             <a:br/>
           </a:p>
@@ -1614,7 +1593,7 @@
       </p:sp>
       <p:sp>
         <p:nvSpPr>
-          <p:cNvPr id="588139751" name="Text">
+          <p:cNvPr id="110574141" name="Text">
     </p:cNvPr>
           <p:cNvSpPr>
             <a:spLocks noGrp="1"/>
@@ -1654,12 +1633,20 @@
               </a:defRPr>
             </a:pPr>
             <a:br/>
-          </a:p>
-        </p:txBody>
-      </p:sp>
-      <p:sp>
-        <p:nvSpPr>
-          <p:cNvPr id="494391626" name="Text">
+            <a:r>
+              <a:rPr lang="ko" sz="1100">
+                <a:latin typeface="맑은 고딕"/>
+                <a:ea typeface="맑은 고딕"/>
+                <a:cs typeface="맑은 고딕"/>
+              </a:rPr>
+              <a:t>1</a:t>
+            </a:r>
+          </a:p>
+        </p:txBody>
+      </p:sp>
+      <p:sp>
+        <p:nvSpPr>
+          <p:cNvPr id="171990234" name="Text">
     </p:cNvPr>
           <p:cNvSpPr>
             <a:spLocks noGrp="1"/>
@@ -1704,14 +1691,14 @@
                 <a:ea typeface="맑은 고딕"/>
                 <a:cs typeface="맑은 고딕"/>
               </a:rPr>
-              <a:t>보류</a:t>
-            </a:r>
-          </a:p>
-        </p:txBody>
-      </p:sp>
-      <p:sp>
-        <p:nvSpPr>
-          <p:cNvPr id="2020713684" name="Text">
+              <a:t>1</a:t>
+            </a:r>
+          </a:p>
+        </p:txBody>
+      </p:sp>
+      <p:sp>
+        <p:nvSpPr>
+          <p:cNvPr id="1460798919" name="Text">
     </p:cNvPr>
           <p:cNvSpPr>
             <a:spLocks noGrp="1"/>
@@ -1774,7 +1761,7 @@
       </p:sp>
       <p:sp>
         <p:nvSpPr>
-          <p:cNvPr id="687327329" name="Text">
+          <p:cNvPr id="1763383488" name="Text">
     </p:cNvPr>
           <p:cNvSpPr>
             <a:spLocks noGrp="1"/>
@@ -1819,7 +1806,7 @@
       </p:sp>
       <p:sp>
         <p:nvSpPr>
-          <p:cNvPr id="2035269868" name="Text">
+          <p:cNvPr id="1449296140" name="Text">
     </p:cNvPr>
           <p:cNvSpPr>
             <a:spLocks noGrp="1"/>
@@ -1882,7 +1869,7 @@
       </p:sp>
       <p:sp>
         <p:nvSpPr>
-          <p:cNvPr id="1519497998" name="Text">
+          <p:cNvPr id="1590469014" name="Text">
     </p:cNvPr>
           <p:cNvSpPr>
             <a:spLocks noGrp="1"/>
@@ -1928,7 +1915,7 @@
                 <a:ea typeface="맑은 고딕"/>
                 <a:cs typeface="맑은 고딕"/>
               </a:rPr>
-              <a:t> 1</a:t>
+              <a:t> s</a:t>
             </a:r>
             <a:br/>
             <a:r>
@@ -1937,7 +1924,7 @@
                 <a:ea typeface="맑은 고딕"/>
                 <a:cs typeface="맑은 고딕"/>
               </a:rPr>
-              <a:t> 2</a:t>
+              <a:t> ㅓㅕㅗㅛㅜㅠ</a:t>
             </a:r>
             <a:br/>
           </a:p>
@@ -1945,7 +1932,7 @@
       </p:sp>
       <p:sp>
         <p:nvSpPr>
-          <p:cNvPr id="800320396" name="Text">
+          <p:cNvPr id="431467445" name="Text">
     </p:cNvPr>
           <p:cNvSpPr>
             <a:spLocks noGrp="1"/>
@@ -1997,7 +1984,7 @@
       </p:sp>
       <p:sp>
         <p:nvSpPr>
-          <p:cNvPr id="957455067" name="Rectangle"/>
+          <p:cNvPr id="685469019" name="Rectangle"/>
           <p:cNvSpPr>
             <a:spLocks noGrp="1"/>
           </p:cNvSpPr>
@@ -2012,7 +1999,7 @@
             <a:avLst/>
           </a:prstGeom>
           <a:solidFill>
-            <a:srgbClr val="FFFFFF"/>
+            <a:srgbClr val="FFFF00"/>
           </a:solidFill>
           <a:ln w="12700">
             <a:solidFill>
@@ -2031,7 +2018,7 @@
       </p:sp>
       <p:sp>
         <p:nvSpPr>
-          <p:cNvPr id="1046377909" name="Rectangle"/>
+          <p:cNvPr id="1794372525" name="Rectangle"/>
           <p:cNvSpPr>
             <a:spLocks noGrp="1"/>
           </p:cNvSpPr>
@@ -2046,7 +2033,7 @@
             <a:avLst/>
           </a:prstGeom>
           <a:solidFill>
-            <a:srgbClr val="FFFFFF"/>
+            <a:srgbClr val="00FF00"/>
           </a:solidFill>
           <a:ln w="12700">
             <a:solidFill>
@@ -2065,7 +2052,7 @@
       </p:sp>
       <p:sp>
         <p:nvSpPr>
-          <p:cNvPr id="1770043571" name="Text">
+          <p:cNvPr id="1359495028" name="Text">
     </p:cNvPr>
           <p:cNvSpPr>
             <a:spLocks noGrp="1"/>
@@ -2114,7 +2101,7 @@
       </p:sp>
       <p:sp>
         <p:nvSpPr>
-          <p:cNvPr id="1507836292" name="Text">
+          <p:cNvPr id="1967574243" name="Text">
     </p:cNvPr>
           <p:cNvSpPr>
             <a:spLocks noGrp="1"/>
@@ -2159,14 +2146,14 @@
                 <a:ea typeface="맑은 고딕"/>
                 <a:cs typeface="맑은 고딕"/>
               </a:rPr>
-              <a:t>76</a:t>
-            </a:r>
-          </a:p>
-        </p:txBody>
-      </p:sp>
-      <p:sp>
-        <p:nvSpPr>
-          <p:cNvPr id="1823297318" name="Text">
+              <a:t>4</a:t>
+            </a:r>
+          </a:p>
+        </p:txBody>
+      </p:sp>
+      <p:sp>
+        <p:nvSpPr>
+          <p:cNvPr id="109364901" name="Text">
     </p:cNvPr>
           <p:cNvSpPr>
             <a:spLocks noGrp="1"/>
@@ -2211,14 +2198,14 @@
                 <a:ea typeface="맑은 고딕"/>
                 <a:cs typeface="맑은 고딕"/>
               </a:rPr>
-              <a:t>66</a:t>
-            </a:r>
-          </a:p>
-        </p:txBody>
-      </p:sp>
-      <p:sp>
-        <p:nvSpPr>
-          <p:cNvPr id="563313883" name="Text">
+              <a:t>3</a:t>
+            </a:r>
+          </a:p>
+        </p:txBody>
+      </p:sp>
+      <p:sp>
+        <p:nvSpPr>
+          <p:cNvPr id="1939813187" name="Text">
     </p:cNvPr>
           <p:cNvSpPr>
             <a:spLocks noGrp="1"/>
@@ -2263,14 +2250,14 @@
                 <a:ea typeface="맑은 고딕"/>
                 <a:cs typeface="맑은 고딕"/>
               </a:rPr>
-              <a:t>22</a:t>
-            </a:r>
-          </a:p>
-        </p:txBody>
-      </p:sp>
-      <p:sp>
-        <p:nvSpPr>
-          <p:cNvPr id="1295654266" name="Text">
+              <a:t>1</a:t>
+            </a:r>
+          </a:p>
+        </p:txBody>
+      </p:sp>
+      <p:sp>
+        <p:nvSpPr>
+          <p:cNvPr id="1677480411" name="Text">
     </p:cNvPr>
           <p:cNvSpPr>
             <a:spLocks noGrp="1"/>
@@ -2325,7 +2312,7 @@
       </p:sp>
       <p:sp>
         <p:nvSpPr>
-          <p:cNvPr id="1783510712" name="Text">
+          <p:cNvPr id="547272851" name="Text">
     </p:cNvPr>
           <p:cNvSpPr>
             <a:spLocks noGrp="1"/>
@@ -2380,7 +2367,7 @@
       </p:sp>
       <p:sp>
         <p:nvSpPr>
-          <p:cNvPr id="1813811368" name="Text">
+          <p:cNvPr id="1045451" name="Text">
     </p:cNvPr>
           <p:cNvSpPr>
             <a:spLocks noGrp="1"/>
@@ -2435,7 +2422,7 @@
       </p:sp>
       <p:sp>
         <p:nvSpPr>
-          <p:cNvPr id="1456692308" name="Text">
+          <p:cNvPr id="176213410" name="Text">
     </p:cNvPr>
           <p:cNvSpPr>
             <a:spLocks noGrp="1"/>
@@ -2480,14 +2467,14 @@
                 <a:ea typeface="맑은 고딕"/>
                 <a:cs typeface="맑은 고딕"/>
               </a:rPr>
-              <a:t>tt</a:t>
-            </a:r>
-          </a:p>
-        </p:txBody>
-      </p:sp>
-      <p:sp>
-        <p:nvSpPr>
-          <p:cNvPr id="1260341817" name="Text">
+              <a:t>r</a:t>
+            </a:r>
+          </a:p>
+        </p:txBody>
+      </p:sp>
+      <p:sp>
+        <p:nvSpPr>
+          <p:cNvPr id="200488864" name="Text">
     </p:cNvPr>
           <p:cNvSpPr>
             <a:spLocks noGrp="1"/>
@@ -2532,14 +2519,14 @@
                 <a:ea typeface="맑은 고딕"/>
                 <a:cs typeface="맑은 고딕"/>
               </a:rPr>
-              <a:t>w</a:t>
-            </a:r>
-          </a:p>
-        </p:txBody>
-      </p:sp>
-      <p:sp>
-        <p:nvSpPr>
-          <p:cNvPr id="1358908948" name="Text">
+              <a:t>f</a:t>
+            </a:r>
+          </a:p>
+        </p:txBody>
+      </p:sp>
+      <p:sp>
+        <p:nvSpPr>
+          <p:cNvPr id="1593592941" name="Text">
     </p:cNvPr>
           <p:cNvSpPr>
             <a:spLocks noGrp="1"/>
@@ -2584,14 +2571,14 @@
                 <a:ea typeface="맑은 고딕"/>
                 <a:cs typeface="맑은 고딕"/>
               </a:rPr>
-              <a:t>gere</a:t>
-            </a:r>
-          </a:p>
-        </p:txBody>
-      </p:sp>
-      <p:sp>
-        <p:nvSpPr>
-          <p:cNvPr id="1483607411" name="Text">
+              <a:t>e</a:t>
+            </a:r>
+          </a:p>
+        </p:txBody>
+      </p:sp>
+      <p:sp>
+        <p:nvSpPr>
+          <p:cNvPr id="563248594" name="Text">
     </p:cNvPr>
           <p:cNvSpPr>
             <a:spLocks noGrp="1"/>
@@ -2636,14 +2623,14 @@
                 <a:ea typeface="맑은 고딕"/>
                 <a:cs typeface="맑은 고딕"/>
               </a:rPr>
-              <a:t>sds</a:t>
-            </a:r>
-          </a:p>
-        </p:txBody>
-      </p:sp>
-      <p:sp>
-        <p:nvSpPr>
-          <p:cNvPr id="345230294" name="Text">
+              <a:t>s</a:t>
+            </a:r>
+          </a:p>
+        </p:txBody>
+      </p:sp>
+      <p:sp>
+        <p:nvSpPr>
+          <p:cNvPr id="762534303" name="Text">
     </p:cNvPr>
           <p:cNvSpPr>
             <a:spLocks noGrp="1"/>
@@ -2688,14 +2675,14 @@
                 <a:ea typeface="맑은 고딕"/>
                 <a:cs typeface="맑은 고딕"/>
               </a:rPr>
-              <a:t>44</a:t>
-            </a:r>
-          </a:p>
-        </p:txBody>
-      </p:sp>
-      <p:sp>
-        <p:nvSpPr>
-          <p:cNvPr id="627840511" name="Text">
+              <a:t>2</a:t>
+            </a:r>
+          </a:p>
+        </p:txBody>
+      </p:sp>
+      <p:sp>
+        <p:nvSpPr>
+          <p:cNvPr id="1068447142" name="Text">
     </p:cNvPr>
           <p:cNvSpPr>
             <a:spLocks noGrp="1"/>
@@ -2750,7 +2737,7 @@
       </p:sp>
       <p:sp>
         <p:nvSpPr>
-          <p:cNvPr id="256471208" name="Text">
+          <p:cNvPr id="59541786" name="Text">
     </p:cNvPr>
           <p:cNvSpPr>
             <a:spLocks noGrp="1"/>
@@ -2795,14 +2782,14 @@
                 <a:ea typeface="맑은 고딕"/>
                 <a:cs typeface="맑은 고딕"/>
               </a:rPr>
-              <a:t>ewefw</a:t>
-            </a:r>
-          </a:p>
-        </p:txBody>
-      </p:sp>
-      <p:sp>
-        <p:nvSpPr>
-          <p:cNvPr id="660926887" name="Text">
+              <a:t>a</a:t>
+            </a:r>
+          </a:p>
+        </p:txBody>
+      </p:sp>
+      <p:sp>
+        <p:nvSpPr>
+          <p:cNvPr id="834799700" name="Text">
     </p:cNvPr>
           <p:cNvSpPr>
             <a:spLocks noGrp="1"/>
@@ -2857,7 +2844,7 @@
       </p:sp>
       <p:sp>
         <p:nvSpPr>
-          <p:cNvPr id="765678566" name="Text">
+          <p:cNvPr id="105513042" name="Text">
     </p:cNvPr>
           <p:cNvSpPr>
             <a:spLocks noGrp="1"/>
@@ -2902,14 +2889,14 @@
                 <a:ea typeface="맑은 고딕"/>
                 <a:cs typeface="맑은 고딕"/>
               </a:rPr>
-              <a:t>435</a:t>
-            </a:r>
-          </a:p>
-        </p:txBody>
-      </p:sp>
-      <p:sp>
-        <p:nvSpPr>
-          <p:cNvPr id="1747281984" name="Text">
+              <a:t>5</a:t>
+            </a:r>
+          </a:p>
+        </p:txBody>
+      </p:sp>
+      <p:sp>
+        <p:nvSpPr>
+          <p:cNvPr id="1074665272" name="Text">
     </p:cNvPr>
           <p:cNvSpPr>
             <a:spLocks noGrp="1"/>
@@ -2955,7 +2942,8725 @@
       </p:sp>
       <p:pic>
         <p:nvPicPr>
-          <p:cNvPr id="1483467371" name="Picture">
+          <p:cNvPr id="324379058" name="Picture">
+    </p:cNvPr>
+          <p:cNvPicPr>
+            <a:picLocks noChangeAspect="1"/>
+          </p:cNvPicPr>
+          <p:nvPr/>
+        </p:nvPicPr>
+        <p:blipFill>
+          <a:blip r:embed="img_0_0_55.jpg"/>
+          <a:srcRect/>
+          <a:stretch>
+            <a:fillRect l="0" t="0" r="0" b="5555"/>
+          </a:stretch>
+        </p:blipFill>
+        <p:spPr>
+          <a:xfrm rot="0">
+            <a:off x="254000" y="6845300"/>
+            <a:ext cx="1143000" cy="457200"/>
+          </a:xfrm>
+          <a:prstGeom prst="rect">
+            <a:avLst/>
+          </a:prstGeom>
+        </p:spPr>
+      </p:pic>
+    </p:spTree>
+  </p:cSld>
+  <p:clrMapOvr>
+    <a:masterClrMapping/>
+  </p:clrMapOvr>
+</p:sld>
+</file>
+
+<file path=ppt/slides/slide2.xml><?xml version="1.0" encoding="utf-8"?>
+<p:sld xmlns:a="http://schemas.openxmlformats.org/drawingml/2006/main" xmlns:r="http://schemas.openxmlformats.org/officeDocument/2006/relationships" xmlns:p="http://schemas.openxmlformats.org/presentationml/2006/main">
+  <p:cSld>
+    <p:spTree>
+      <p:nvGrpSpPr>
+        <p:cNvPr id="1" name=""/>
+        <p:cNvGrpSpPr/>
+        <p:nvPr/>
+      </p:nvGrpSpPr>
+      <p:grpSpPr>
+        <a:xfrm>
+          <a:off x="0" y="0"/>
+          <a:ext cx="0" cy="0"/>
+          <a:chOff x="0" y="0"/>
+          <a:chExt cx="0" cy="0"/>
+        </a:xfrm>
+      </p:grpSpPr>
+      <p:sp>
+        <p:nvSpPr>
+          <p:cNvPr id="905560679" name="Text">
+    </p:cNvPr>
+          <p:cNvSpPr>
+            <a:spLocks noGrp="1"/>
+          </p:cNvSpPr>
+          <p:nvPr/>
+        </p:nvSpPr>
+        <p:spPr>
+          <a:xfrm rot="0">
+            <a:off x="127000" y="381000"/>
+            <a:ext cx="5181600" cy="381000"/>
+          </a:xfrm>
+          <a:prstGeom prst="rect">
+            <a:avLst/>
+          </a:prstGeom>
+        </p:spPr>
+        <p:txBody>
+          <a:bodyPr wrap="square" lIns="0" tIns="0" rIns="0" bIns="0" rtlCol="0" anchor="t"/>
+          <a:lstStyle/>
+          <a:p>
+            <a:pPr algn="l">
+              <a:lnSpc>
+                <a:spcPct val="100%"/>
+              </a:lnSpc>
+              <a:defRPr sz="1800" b="1">
+                <a:solidFill>
+                  <a:srgbClr val="000000"/>
+                </a:solidFill>
+                <a:latin typeface="맑은 고딕"/>
+                <a:ea typeface="맑은 고딕"/>
+                <a:cs typeface="맑은 고딕"/>
+              </a:defRPr>
+            </a:pPr>
+            <a:r>
+              <a:rPr lang="ko" sz="1800" b="1">
+                <a:latin typeface="맑은 고딕"/>
+                <a:ea typeface="맑은 고딕"/>
+                <a:cs typeface="맑은 고딕"/>
+              </a:rPr>
+              <a:t>2. Summary - ①Baynex</a:t>
+            </a:r>
+          </a:p>
+        </p:txBody>
+      </p:sp>
+      <p:sp>
+        <p:nvSpPr>
+          <p:cNvPr id="1290700276" name="Line"/>
+          <p:cNvSpPr>
+            <a:spLocks noGrp="1"/>
+          </p:cNvSpPr>
+          <p:nvPr/>
+        </p:nvSpPr>
+        <p:spPr>
+          <a:xfrm>
+            <a:off x="127000" y="762000"/>
+            <a:ext cx="10287000" cy="0"/>
+          </a:xfrm>
+          <a:prstGeom prst="line">
+            <a:avLst/>
+          </a:prstGeom>
+          <a:solidFill>
+            <a:srgbClr val="FFFFFF"/>
+          </a:solidFill>
+          <a:ln w="12700">
+            <a:solidFill>
+              <a:srgbClr val="000000"/>
+            </a:solidFill>
+            <a:prstDash val="solid"/>
+          </a:ln>
+        </p:spPr>
+        <p:txBody>
+          <a:bodyPr rtlCol="0" anchor="ctr"/>
+          <a:lstStyle/>
+          <a:p>
+            <a:pPr algn="ctr"/>
+          </a:p>
+        </p:txBody>
+      </p:sp>
+      <p:sp>
+        <p:nvSpPr>
+          <p:cNvPr id="608500577" name="Text">
+    </p:cNvPr>
+          <p:cNvSpPr>
+            <a:spLocks noGrp="1"/>
+          </p:cNvSpPr>
+          <p:nvPr/>
+        </p:nvSpPr>
+        <p:spPr>
+          <a:xfrm rot="0">
+            <a:off x="9652000" y="292100"/>
+            <a:ext cx="762000" cy="508000"/>
+          </a:xfrm>
+          <a:prstGeom prst="rect">
+            <a:avLst/>
+          </a:prstGeom>
+        </p:spPr>
+        <p:txBody>
+          <a:bodyPr wrap="square" lIns="0" tIns="0" rIns="0" bIns="0" rtlCol="0" anchor="t"/>
+          <a:lstStyle/>
+          <a:p>
+            <a:pPr algn="l">
+              <a:lnSpc>
+                <a:spcPct val="100%"/>
+              </a:lnSpc>
+              <a:defRPr sz="800">
+                <a:solidFill>
+                  <a:srgbClr val="000000"/>
+                </a:solidFill>
+                <a:latin typeface="맑은 고딕"/>
+                <a:ea typeface="맑은 고딕"/>
+                <a:cs typeface="맑은 고딕"/>
+              </a:defRPr>
+            </a:pPr>
+            <a:r>
+              <a:rPr lang="ko" sz="800">
+                <a:latin typeface="맑은 고딕"/>
+                <a:ea typeface="맑은 고딕"/>
+                <a:cs typeface="맑은 고딕"/>
+              </a:rPr>
+              <a:t>: 완료</a:t>
+            </a:r>
+            <a:br/>
+            <a:r>
+              <a:rPr lang="ko" sz="800">
+                <a:latin typeface="맑은 고딕"/>
+                <a:ea typeface="맑은 고딕"/>
+                <a:cs typeface="맑은 고딕"/>
+              </a:rPr>
+              <a:t>:진행중</a:t>
+            </a:r>
+            <a:br/>
+            <a:r>
+              <a:rPr lang="ko" sz="800">
+                <a:latin typeface="맑은 고딕"/>
+                <a:ea typeface="맑은 고딕"/>
+                <a:cs typeface="맑은 고딕"/>
+              </a:rPr>
+              <a:t>:미완료(문제)</a:t>
+            </a:r>
+          </a:p>
+        </p:txBody>
+      </p:sp>
+      <p:sp>
+        <p:nvSpPr>
+          <p:cNvPr id="438470250" name="Rectangle"/>
+          <p:cNvSpPr>
+            <a:spLocks noGrp="1"/>
+          </p:cNvSpPr>
+          <p:nvPr/>
+        </p:nvSpPr>
+        <p:spPr>
+          <a:xfrm>
+            <a:off x="9271000" y="266700"/>
+            <a:ext cx="266700" cy="139700"/>
+          </a:xfrm>
+          <a:prstGeom prst="rect">
+            <a:avLst/>
+          </a:prstGeom>
+          <a:solidFill>
+            <a:srgbClr val="00FF00"/>
+          </a:solidFill>
+          <a:ln w="12700">
+            <a:solidFill>
+              <a:srgbClr val="FFFFFF"/>
+            </a:solidFill>
+            <a:prstDash val="solid"/>
+          </a:ln>
+        </p:spPr>
+        <p:txBody>
+          <a:bodyPr rtlCol="0" anchor="ctr"/>
+          <a:lstStyle/>
+          <a:p>
+            <a:pPr algn="ctr"/>
+          </a:p>
+        </p:txBody>
+      </p:sp>
+      <p:sp>
+        <p:nvSpPr>
+          <p:cNvPr id="1630766515" name="Rectangle"/>
+          <p:cNvSpPr>
+            <a:spLocks noGrp="1"/>
+          </p:cNvSpPr>
+          <p:nvPr/>
+        </p:nvSpPr>
+        <p:spPr>
+          <a:xfrm>
+            <a:off x="9271000" y="419100"/>
+            <a:ext cx="266700" cy="139700"/>
+          </a:xfrm>
+          <a:prstGeom prst="rect">
+            <a:avLst/>
+          </a:prstGeom>
+          <a:solidFill>
+            <a:srgbClr val="FFFF00"/>
+          </a:solidFill>
+          <a:ln w="12700">
+            <a:solidFill>
+              <a:srgbClr val="FFFFFF"/>
+            </a:solidFill>
+            <a:prstDash val="solid"/>
+          </a:ln>
+        </p:spPr>
+        <p:txBody>
+          <a:bodyPr rtlCol="0" anchor="ctr"/>
+          <a:lstStyle/>
+          <a:p>
+            <a:pPr algn="ctr"/>
+          </a:p>
+        </p:txBody>
+      </p:sp>
+      <p:sp>
+        <p:nvSpPr>
+          <p:cNvPr id="1498049860" name="Rectangle"/>
+          <p:cNvSpPr>
+            <a:spLocks noGrp="1"/>
+          </p:cNvSpPr>
+          <p:nvPr/>
+        </p:nvSpPr>
+        <p:spPr>
+          <a:xfrm>
+            <a:off x="9271000" y="571500"/>
+            <a:ext cx="266700" cy="139700"/>
+          </a:xfrm>
+          <a:prstGeom prst="rect">
+            <a:avLst/>
+          </a:prstGeom>
+          <a:solidFill>
+            <a:srgbClr val="FF0000"/>
+          </a:solidFill>
+          <a:ln w="12700">
+            <a:solidFill>
+              <a:srgbClr val="FFFFFF"/>
+            </a:solidFill>
+            <a:prstDash val="solid"/>
+          </a:ln>
+        </p:spPr>
+        <p:txBody>
+          <a:bodyPr rtlCol="0" anchor="ctr"/>
+          <a:lstStyle/>
+          <a:p>
+            <a:pPr algn="ctr"/>
+          </a:p>
+        </p:txBody>
+      </p:sp>
+      <p:sp>
+        <p:nvSpPr>
+          <p:cNvPr id="1515592447" name="Text">
+    </p:cNvPr>
+          <p:cNvSpPr>
+            <a:spLocks noGrp="1"/>
+          </p:cNvSpPr>
+          <p:nvPr/>
+        </p:nvSpPr>
+        <p:spPr>
+          <a:xfrm rot="0">
+            <a:off x="6553200" y="3771900"/>
+            <a:ext cx="3670300" cy="800100"/>
+          </a:xfrm>
+          <a:prstGeom prst="rect">
+            <a:avLst/>
+          </a:prstGeom>
+          <a:ln w="12700">
+            <a:solidFill>
+              <a:srgbClr val="000000"/>
+            </a:solidFill>
+            <a:prstDash val="solid"/>
+          </a:ln>
+        </p:spPr>
+        <p:txBody>
+          <a:bodyPr wrap="square" lIns="0" tIns="0" rIns="0" bIns="0" rtlCol="0" anchor="t"/>
+          <a:lstStyle/>
+          <a:p>
+            <a:pPr algn="l">
+              <a:lnSpc>
+                <a:spcPct val="100%"/>
+              </a:lnSpc>
+              <a:defRPr sz="1100">
+                <a:solidFill>
+                  <a:srgbClr val="000000"/>
+                </a:solidFill>
+                <a:latin typeface="맑은 고딕"/>
+                <a:ea typeface="맑은 고딕"/>
+                <a:cs typeface="맑은 고딕"/>
+              </a:defRPr>
+            </a:pPr>
+            <a:br/>
+          </a:p>
+        </p:txBody>
+      </p:sp>
+      <p:sp>
+        <p:nvSpPr>
+          <p:cNvPr id="1422513673" name="Text">
+    </p:cNvPr>
+          <p:cNvSpPr>
+            <a:spLocks noGrp="1"/>
+          </p:cNvSpPr>
+          <p:nvPr/>
+        </p:nvSpPr>
+        <p:spPr>
+          <a:xfrm rot="0">
+            <a:off x="5791200" y="3771900"/>
+            <a:ext cx="762000" cy="800100"/>
+          </a:xfrm>
+          <a:prstGeom prst="rect">
+            <a:avLst/>
+          </a:prstGeom>
+          <a:ln w="12700">
+            <a:solidFill>
+              <a:srgbClr val="000000"/>
+            </a:solidFill>
+            <a:prstDash val="solid"/>
+          </a:ln>
+        </p:spPr>
+        <p:txBody>
+          <a:bodyPr wrap="square" lIns="0" tIns="0" rIns="0" bIns="0" rtlCol="0" anchor="t"/>
+          <a:lstStyle/>
+          <a:p>
+            <a:pPr algn="ctr">
+              <a:lnSpc>
+                <a:spcPct val="100%"/>
+              </a:lnSpc>
+              <a:defRPr sz="1100">
+                <a:solidFill>
+                  <a:srgbClr val="000000"/>
+                </a:solidFill>
+                <a:latin typeface="맑은 고딕"/>
+                <a:ea typeface="맑은 고딕"/>
+                <a:cs typeface="맑은 고딕"/>
+              </a:defRPr>
+            </a:pPr>
+            <a:br/>
+            <a:r>
+              <a:rPr lang="ko" sz="1100">
+                <a:latin typeface="맑은 고딕"/>
+                <a:ea typeface="맑은 고딕"/>
+                <a:cs typeface="맑은 고딕"/>
+              </a:rPr>
+              <a:t>[보류]</a:t>
+            </a:r>
+            <a:br/>
+          </a:p>
+        </p:txBody>
+      </p:sp>
+      <p:sp>
+        <p:nvSpPr>
+          <p:cNvPr id="690671422" name="Text">
+    </p:cNvPr>
+          <p:cNvSpPr>
+            <a:spLocks noGrp="1"/>
+          </p:cNvSpPr>
+          <p:nvPr/>
+        </p:nvSpPr>
+        <p:spPr>
+          <a:xfrm rot="0">
+            <a:off x="1181100" y="3771900"/>
+            <a:ext cx="4610100" cy="800100"/>
+          </a:xfrm>
+          <a:prstGeom prst="rect">
+            <a:avLst/>
+          </a:prstGeom>
+          <a:ln w="12700">
+            <a:solidFill>
+              <a:srgbClr val="000000"/>
+            </a:solidFill>
+            <a:prstDash val="solid"/>
+          </a:ln>
+        </p:spPr>
+        <p:txBody>
+          <a:bodyPr wrap="square" lIns="0" tIns="0" rIns="0" bIns="0" rtlCol="0" anchor="t"/>
+          <a:lstStyle/>
+          <a:p>
+            <a:pPr algn="l">
+              <a:lnSpc>
+                <a:spcPct val="100%"/>
+              </a:lnSpc>
+              <a:defRPr sz="1100">
+                <a:solidFill>
+                  <a:srgbClr val="000000"/>
+                </a:solidFill>
+                <a:latin typeface="맑은 고딕"/>
+                <a:ea typeface="맑은 고딕"/>
+                <a:cs typeface="맑은 고딕"/>
+              </a:defRPr>
+            </a:pPr>
+            <a:br/>
+            <a:r>
+              <a:rPr lang="ko" sz="1100">
+                <a:latin typeface="맑은 고딕"/>
+                <a:ea typeface="맑은 고딕"/>
+                <a:cs typeface="맑은 고딕"/>
+              </a:rPr>
+              <a:t> 123123</a:t>
+            </a:r>
+            <a:br/>
+          </a:p>
+        </p:txBody>
+      </p:sp>
+      <p:sp>
+        <p:nvSpPr>
+          <p:cNvPr id="595633938" name="Text">
+    </p:cNvPr>
+          <p:cNvSpPr>
+            <a:spLocks noGrp="1"/>
+          </p:cNvSpPr>
+          <p:nvPr/>
+        </p:nvSpPr>
+        <p:spPr>
+          <a:xfrm rot="0">
+            <a:off x="368300" y="3771900"/>
+            <a:ext cx="812800" cy="800100"/>
+          </a:xfrm>
+          <a:prstGeom prst="rect">
+            <a:avLst/>
+          </a:prstGeom>
+          <a:ln w="12700">
+            <a:solidFill>
+              <a:srgbClr val="000000"/>
+            </a:solidFill>
+            <a:prstDash val="solid"/>
+          </a:ln>
+        </p:spPr>
+        <p:txBody>
+          <a:bodyPr wrap="square" lIns="0" tIns="0" rIns="0" bIns="0" rtlCol="0" anchor="ctr"/>
+          <a:lstStyle/>
+          <a:p>
+            <a:pPr algn="ctr">
+              <a:lnSpc>
+                <a:spcPct val="100%"/>
+              </a:lnSpc>
+              <a:defRPr sz="1100">
+                <a:solidFill>
+                  <a:srgbClr val="000000"/>
+                </a:solidFill>
+                <a:latin typeface="맑은 고딕"/>
+                <a:ea typeface="맑은 고딕"/>
+                <a:cs typeface="맑은 고딕"/>
+              </a:defRPr>
+            </a:pPr>
+            <a:r>
+              <a:rPr lang="ko" sz="1100">
+                <a:latin typeface="맑은 고딕"/>
+                <a:ea typeface="맑은 고딕"/>
+                <a:cs typeface="맑은 고딕"/>
+              </a:rPr>
+              <a:t>ERP</a:t>
+            </a:r>
+          </a:p>
+        </p:txBody>
+      </p:sp>
+      <p:sp>
+        <p:nvSpPr>
+          <p:cNvPr id="1240191103" name="Text">
+    </p:cNvPr>
+          <p:cNvSpPr>
+            <a:spLocks noGrp="1"/>
+          </p:cNvSpPr>
+          <p:nvPr/>
+        </p:nvSpPr>
+        <p:spPr>
+          <a:xfrm rot="0">
+            <a:off x="368300" y="1473200"/>
+            <a:ext cx="812800" cy="787400"/>
+          </a:xfrm>
+          <a:prstGeom prst="rect">
+            <a:avLst/>
+          </a:prstGeom>
+          <a:ln w="12700">
+            <a:solidFill>
+              <a:srgbClr val="000000"/>
+            </a:solidFill>
+            <a:prstDash val="solid"/>
+          </a:ln>
+        </p:spPr>
+        <p:txBody>
+          <a:bodyPr wrap="square" lIns="0" tIns="0" rIns="0" bIns="0" rtlCol="0" anchor="ctr"/>
+          <a:lstStyle/>
+          <a:p>
+            <a:pPr algn="ctr">
+              <a:lnSpc>
+                <a:spcPct val="100%"/>
+              </a:lnSpc>
+              <a:defRPr sz="1100">
+                <a:solidFill>
+                  <a:srgbClr val="000000"/>
+                </a:solidFill>
+                <a:latin typeface="맑은 고딕"/>
+                <a:ea typeface="맑은 고딕"/>
+                <a:cs typeface="맑은 고딕"/>
+              </a:defRPr>
+            </a:pPr>
+            <a:r>
+              <a:rPr lang="ko" sz="1100">
+                <a:latin typeface="맑은 고딕"/>
+                <a:ea typeface="맑은 고딕"/>
+                <a:cs typeface="맑은 고딕"/>
+              </a:rPr>
+              <a:t>ERP</a:t>
+            </a:r>
+          </a:p>
+        </p:txBody>
+      </p:sp>
+      <p:sp>
+        <p:nvSpPr>
+          <p:cNvPr id="1393049301" name="Text">
+    </p:cNvPr>
+          <p:cNvSpPr>
+            <a:spLocks noGrp="1"/>
+          </p:cNvSpPr>
+          <p:nvPr/>
+        </p:nvSpPr>
+        <p:spPr>
+          <a:xfrm rot="0">
+            <a:off x="1181100" y="1473200"/>
+            <a:ext cx="4572000" cy="787400"/>
+          </a:xfrm>
+          <a:prstGeom prst="rect">
+            <a:avLst/>
+          </a:prstGeom>
+          <a:ln w="12700">
+            <a:solidFill>
+              <a:srgbClr val="000000"/>
+            </a:solidFill>
+            <a:prstDash val="solid"/>
+          </a:ln>
+        </p:spPr>
+        <p:txBody>
+          <a:bodyPr wrap="square" lIns="0" tIns="0" rIns="0" bIns="0" rtlCol="0" anchor="t"/>
+          <a:lstStyle/>
+          <a:p>
+            <a:pPr algn="l">
+              <a:lnSpc>
+                <a:spcPct val="100%"/>
+              </a:lnSpc>
+              <a:defRPr sz="1100">
+                <a:solidFill>
+                  <a:srgbClr val="000000"/>
+                </a:solidFill>
+                <a:latin typeface="맑은 고딕"/>
+                <a:ea typeface="맑은 고딕"/>
+                <a:cs typeface="맑은 고딕"/>
+              </a:defRPr>
+            </a:pPr>
+            <a:br/>
+            <a:r>
+              <a:rPr lang="ko" sz="1100">
+                <a:latin typeface="맑은 고딕"/>
+                <a:ea typeface="맑은 고딕"/>
+                <a:cs typeface="맑은 고딕"/>
+              </a:rPr>
+              <a:t> erw</a:t>
+            </a:r>
+            <a:br/>
+            <a:r>
+              <a:rPr lang="ko" sz="1100">
+                <a:latin typeface="맑은 고딕"/>
+                <a:ea typeface="맑은 고딕"/>
+                <a:cs typeface="맑은 고딕"/>
+              </a:rPr>
+              <a:t> fsdfqw</a:t>
+            </a:r>
+            <a:br/>
+          </a:p>
+        </p:txBody>
+      </p:sp>
+      <p:sp>
+        <p:nvSpPr>
+          <p:cNvPr id="740575413" name="Text">
+    </p:cNvPr>
+          <p:cNvSpPr>
+            <a:spLocks noGrp="1"/>
+          </p:cNvSpPr>
+          <p:nvPr/>
+        </p:nvSpPr>
+        <p:spPr>
+          <a:xfrm rot="0">
+            <a:off x="7543800" y="1473200"/>
+            <a:ext cx="2667000" cy="787400"/>
+          </a:xfrm>
+          <a:prstGeom prst="rect">
+            <a:avLst/>
+          </a:prstGeom>
+          <a:ln w="12700">
+            <a:solidFill>
+              <a:srgbClr val="000000"/>
+            </a:solidFill>
+            <a:prstDash val="solid"/>
+          </a:ln>
+        </p:spPr>
+        <p:txBody>
+          <a:bodyPr wrap="square" lIns="0" tIns="0" rIns="0" bIns="0" rtlCol="0" anchor="t"/>
+          <a:lstStyle/>
+          <a:p>
+            <a:pPr algn="l">
+              <a:lnSpc>
+                <a:spcPct val="100%"/>
+              </a:lnSpc>
+              <a:defRPr sz="1100">
+                <a:solidFill>
+                  <a:srgbClr val="000000"/>
+                </a:solidFill>
+                <a:latin typeface="맑은 고딕"/>
+                <a:ea typeface="맑은 고딕"/>
+                <a:cs typeface="맑은 고딕"/>
+              </a:defRPr>
+            </a:pPr>
+            <a:br/>
+            <a:r>
+              <a:rPr lang="ko" sz="1100">
+                <a:latin typeface="맑은 고딕"/>
+                <a:ea typeface="맑은 고딕"/>
+                <a:cs typeface="맑은 고딕"/>
+              </a:rPr>
+              <a:t>1</a:t>
+            </a:r>
+          </a:p>
+        </p:txBody>
+      </p:sp>
+      <p:sp>
+        <p:nvSpPr>
+          <p:cNvPr id="171627028" name="Text">
+    </p:cNvPr>
+          <p:cNvSpPr>
+            <a:spLocks noGrp="1"/>
+          </p:cNvSpPr>
+          <p:nvPr/>
+        </p:nvSpPr>
+        <p:spPr>
+          <a:xfrm rot="0">
+            <a:off x="6527800" y="1473200"/>
+            <a:ext cx="749300" cy="787400"/>
+          </a:xfrm>
+          <a:prstGeom prst="rect">
+            <a:avLst/>
+          </a:prstGeom>
+          <a:ln w="12700">
+            <a:solidFill>
+              <a:srgbClr val="000000"/>
+            </a:solidFill>
+            <a:prstDash val="solid"/>
+          </a:ln>
+        </p:spPr>
+        <p:txBody>
+          <a:bodyPr wrap="square" lIns="0" tIns="0" rIns="0" bIns="0" rtlCol="0" anchor="ctr"/>
+          <a:lstStyle/>
+          <a:p>
+            <a:pPr algn="ctr">
+              <a:lnSpc>
+                <a:spcPct val="100%"/>
+              </a:lnSpc>
+              <a:defRPr sz="1100">
+                <a:solidFill>
+                  <a:srgbClr val="000000"/>
+                </a:solidFill>
+                <a:latin typeface="맑은 고딕"/>
+                <a:ea typeface="맑은 고딕"/>
+                <a:cs typeface="맑은 고딕"/>
+              </a:defRPr>
+            </a:pPr>
+            <a:r>
+              <a:rPr lang="ko" sz="1100">
+                <a:latin typeface="맑은 고딕"/>
+                <a:ea typeface="맑은 고딕"/>
+                <a:cs typeface="맑은 고딕"/>
+              </a:rPr>
+              <a:t>1</a:t>
+            </a:r>
+          </a:p>
+        </p:txBody>
+      </p:sp>
+      <p:sp>
+        <p:nvSpPr>
+          <p:cNvPr id="491098884" name="Text">
+    </p:cNvPr>
+          <p:cNvSpPr>
+            <a:spLocks noGrp="1"/>
+          </p:cNvSpPr>
+          <p:nvPr/>
+        </p:nvSpPr>
+        <p:spPr>
+          <a:xfrm rot="0">
+            <a:off x="177800" y="838200"/>
+            <a:ext cx="2489200" cy="215900"/>
+          </a:xfrm>
+          <a:prstGeom prst="rect">
+            <a:avLst/>
+          </a:prstGeom>
+          <a:solidFill>
+            <a:srgbClr val="C7CDFD"/>
+          </a:solidFill>
+        </p:spPr>
+        <p:txBody>
+          <a:bodyPr wrap="square" lIns="0" tIns="0" rIns="0" bIns="0" rtlCol="0" anchor="ctr"/>
+          <a:lstStyle/>
+          <a:p>
+            <a:pPr algn="ctr">
+              <a:lnSpc>
+                <a:spcPct val="100%"/>
+              </a:lnSpc>
+              <a:defRPr sz="1000" b="1">
+                <a:solidFill>
+                  <a:srgbClr val="000000"/>
+                </a:solidFill>
+                <a:latin typeface="맑은 고딕"/>
+                <a:ea typeface="맑은 고딕"/>
+                <a:cs typeface="맑은 고딕"/>
+              </a:defRPr>
+            </a:pPr>
+            <a:r>
+              <a:rPr lang="ko" sz="1000" b="1">
+                <a:latin typeface="맑은 고딕"/>
+                <a:ea typeface="맑은 고딕"/>
+                <a:cs typeface="맑은 고딕"/>
+              </a:rPr>
+              <a:t>금주 업무 실적</a:t>
+            </a:r>
+          </a:p>
+        </p:txBody>
+      </p:sp>
+      <p:sp>
+        <p:nvSpPr>
+          <p:cNvPr id="254408943" name="Text">
+    </p:cNvPr>
+          <p:cNvSpPr>
+            <a:spLocks noGrp="1"/>
+          </p:cNvSpPr>
+          <p:nvPr/>
+        </p:nvSpPr>
+        <p:spPr>
+          <a:xfrm rot="0">
+            <a:off x="190500" y="3175000"/>
+            <a:ext cx="2476500" cy="228600"/>
+          </a:xfrm>
+          <a:prstGeom prst="rect">
+            <a:avLst/>
+          </a:prstGeom>
+          <a:solidFill>
+            <a:srgbClr val="FF9900"/>
+          </a:solidFill>
+        </p:spPr>
+        <p:txBody>
+          <a:bodyPr wrap="square" lIns="0" tIns="0" rIns="0" bIns="0" rtlCol="0" anchor="ctr"/>
+          <a:lstStyle/>
+          <a:p>
+            <a:pPr algn="ctr">
+              <a:lnSpc>
+                <a:spcPct val="100%"/>
+              </a:lnSpc>
+              <a:defRPr sz="1000" b="1">
+                <a:solidFill>
+                  <a:srgbClr val="000000"/>
+                </a:solidFill>
+                <a:latin typeface="맑은 고딕"/>
+                <a:ea typeface="맑은 고딕"/>
+                <a:cs typeface="맑은 고딕"/>
+              </a:defRPr>
+            </a:pPr>
+            <a:r>
+              <a:rPr lang="ko" sz="1000" b="1">
+                <a:latin typeface="맑은 고딕"/>
+                <a:ea typeface="맑은 고딕"/>
+                <a:cs typeface="맑은 고딕"/>
+              </a:rPr>
+              <a:t>차주 업무 계획</a:t>
+            </a:r>
+          </a:p>
+        </p:txBody>
+      </p:sp>
+      <p:sp>
+        <p:nvSpPr>
+          <p:cNvPr id="29780063" name="Text">
+    </p:cNvPr>
+          <p:cNvSpPr>
+            <a:spLocks noGrp="1"/>
+          </p:cNvSpPr>
+          <p:nvPr/>
+        </p:nvSpPr>
+        <p:spPr>
+          <a:xfrm rot="0">
+            <a:off x="355600" y="1079500"/>
+            <a:ext cx="825500" cy="393700"/>
+          </a:xfrm>
+          <a:prstGeom prst="rect">
+            <a:avLst/>
+          </a:prstGeom>
+          <a:solidFill>
+            <a:srgbClr val="FFCC99"/>
+          </a:solidFill>
+          <a:ln w="12700">
+            <a:solidFill>
+              <a:srgbClr val="000000"/>
+            </a:solidFill>
+            <a:prstDash val="solid"/>
+          </a:ln>
+        </p:spPr>
+        <p:txBody>
+          <a:bodyPr wrap="square" lIns="0" tIns="0" rIns="0" bIns="0" rtlCol="0" anchor="ctr"/>
+          <a:lstStyle/>
+          <a:p>
+            <a:pPr algn="ctr">
+              <a:lnSpc>
+                <a:spcPct val="100%"/>
+              </a:lnSpc>
+              <a:defRPr sz="1000">
+                <a:solidFill>
+                  <a:srgbClr val="000000"/>
+                </a:solidFill>
+                <a:latin typeface="맑은 고딕"/>
+                <a:ea typeface="맑은 고딕"/>
+                <a:cs typeface="맑은 고딕"/>
+              </a:defRPr>
+            </a:pPr>
+            <a:r>
+              <a:rPr lang="ko" sz="1000">
+                <a:latin typeface="맑은 고딕"/>
+                <a:ea typeface="맑은 고딕"/>
+                <a:cs typeface="맑은 고딕"/>
+              </a:rPr>
+              <a:t>구분</a:t>
+            </a:r>
+          </a:p>
+        </p:txBody>
+      </p:sp>
+      <p:sp>
+        <p:nvSpPr>
+          <p:cNvPr id="1571860481" name="Text">
+    </p:cNvPr>
+          <p:cNvSpPr>
+            <a:spLocks noGrp="1"/>
+          </p:cNvSpPr>
+          <p:nvPr/>
+        </p:nvSpPr>
+        <p:spPr>
+          <a:xfrm rot="0">
+            <a:off x="1181100" y="1079500"/>
+            <a:ext cx="4572000" cy="393700"/>
+          </a:xfrm>
+          <a:prstGeom prst="rect">
+            <a:avLst/>
+          </a:prstGeom>
+          <a:solidFill>
+            <a:srgbClr val="FFCC99"/>
+          </a:solidFill>
+          <a:ln w="12700">
+            <a:solidFill>
+              <a:srgbClr val="000000"/>
+            </a:solidFill>
+            <a:prstDash val="solid"/>
+          </a:ln>
+        </p:spPr>
+        <p:txBody>
+          <a:bodyPr wrap="square" lIns="0" tIns="0" rIns="0" bIns="0" rtlCol="0" anchor="ctr"/>
+          <a:lstStyle/>
+          <a:p>
+            <a:pPr algn="ctr">
+              <a:lnSpc>
+                <a:spcPct val="100%"/>
+              </a:lnSpc>
+              <a:defRPr sz="1000">
+                <a:solidFill>
+                  <a:srgbClr val="000000"/>
+                </a:solidFill>
+                <a:latin typeface="맑은 고딕"/>
+                <a:ea typeface="맑은 고딕"/>
+                <a:cs typeface="맑은 고딕"/>
+              </a:defRPr>
+            </a:pPr>
+            <a:r>
+              <a:rPr lang="ko" sz="1000">
+                <a:latin typeface="맑은 고딕"/>
+                <a:ea typeface="맑은 고딕"/>
+                <a:cs typeface="맑은 고딕"/>
+              </a:rPr>
+              <a:t>업무 내용</a:t>
+            </a:r>
+          </a:p>
+        </p:txBody>
+      </p:sp>
+      <p:sp>
+        <p:nvSpPr>
+          <p:cNvPr id="1818019072" name="Text">
+    </p:cNvPr>
+          <p:cNvSpPr>
+            <a:spLocks noGrp="1"/>
+          </p:cNvSpPr>
+          <p:nvPr/>
+        </p:nvSpPr>
+        <p:spPr>
+          <a:xfrm rot="0">
+            <a:off x="6527800" y="1079500"/>
+            <a:ext cx="762000" cy="393700"/>
+          </a:xfrm>
+          <a:prstGeom prst="rect">
+            <a:avLst/>
+          </a:prstGeom>
+          <a:solidFill>
+            <a:srgbClr val="FFCC99"/>
+          </a:solidFill>
+          <a:ln w="12700">
+            <a:solidFill>
+              <a:srgbClr val="000000"/>
+            </a:solidFill>
+            <a:prstDash val="solid"/>
+          </a:ln>
+        </p:spPr>
+        <p:txBody>
+          <a:bodyPr wrap="square" lIns="0" tIns="0" rIns="0" bIns="0" rtlCol="0" anchor="ctr"/>
+          <a:lstStyle/>
+          <a:p>
+            <a:pPr algn="ctr">
+              <a:lnSpc>
+                <a:spcPct val="100%"/>
+              </a:lnSpc>
+              <a:defRPr sz="1000">
+                <a:solidFill>
+                  <a:srgbClr val="000000"/>
+                </a:solidFill>
+                <a:latin typeface="맑은 고딕"/>
+                <a:ea typeface="맑은 고딕"/>
+                <a:cs typeface="맑은 고딕"/>
+              </a:defRPr>
+            </a:pPr>
+            <a:r>
+              <a:rPr lang="ko" sz="1000">
+                <a:latin typeface="맑은 고딕"/>
+                <a:ea typeface="맑은 고딕"/>
+                <a:cs typeface="맑은 고딕"/>
+              </a:rPr>
+              <a:t>진행율</a:t>
+            </a:r>
+          </a:p>
+        </p:txBody>
+      </p:sp>
+      <p:sp>
+        <p:nvSpPr>
+          <p:cNvPr id="745715428" name="Text">
+    </p:cNvPr>
+          <p:cNvSpPr>
+            <a:spLocks noGrp="1"/>
+          </p:cNvSpPr>
+          <p:nvPr/>
+        </p:nvSpPr>
+        <p:spPr>
+          <a:xfrm rot="0">
+            <a:off x="7289800" y="1079500"/>
+            <a:ext cx="254000" cy="393700"/>
+          </a:xfrm>
+          <a:prstGeom prst="rect">
+            <a:avLst/>
+          </a:prstGeom>
+          <a:solidFill>
+            <a:srgbClr val="FFCC99"/>
+          </a:solidFill>
+          <a:ln w="12700">
+            <a:solidFill>
+              <a:srgbClr val="000000"/>
+            </a:solidFill>
+            <a:prstDash val="solid"/>
+          </a:ln>
+        </p:spPr>
+        <p:txBody>
+          <a:bodyPr wrap="square" lIns="0" tIns="0" rIns="0" bIns="0" rtlCol="0" anchor="ctr"/>
+          <a:lstStyle/>
+          <a:p>
+            <a:pPr algn="ctr">
+              <a:lnSpc>
+                <a:spcPct val="100%"/>
+              </a:lnSpc>
+              <a:defRPr sz="1000">
+                <a:solidFill>
+                  <a:srgbClr val="000000"/>
+                </a:solidFill>
+                <a:latin typeface="맑은 고딕"/>
+                <a:ea typeface="맑은 고딕"/>
+                <a:cs typeface="맑은 고딕"/>
+              </a:defRPr>
+            </a:pPr>
+            <a:r>
+              <a:rPr lang="ko" sz="1000">
+                <a:latin typeface="맑은 고딕"/>
+                <a:ea typeface="맑은 고딕"/>
+                <a:cs typeface="맑은 고딕"/>
+              </a:rPr>
+              <a:t>상</a:t>
+            </a:r>
+            <a:br/>
+            <a:r>
+              <a:rPr lang="ko" sz="1000">
+                <a:latin typeface="맑은 고딕"/>
+                <a:ea typeface="맑은 고딕"/>
+                <a:cs typeface="맑은 고딕"/>
+              </a:rPr>
+              <a:t>태</a:t>
+            </a:r>
+          </a:p>
+        </p:txBody>
+      </p:sp>
+      <p:sp>
+        <p:nvSpPr>
+          <p:cNvPr id="516204453" name="Text">
+    </p:cNvPr>
+          <p:cNvSpPr>
+            <a:spLocks noGrp="1"/>
+          </p:cNvSpPr>
+          <p:nvPr/>
+        </p:nvSpPr>
+        <p:spPr>
+          <a:xfrm rot="0">
+            <a:off x="368300" y="3429000"/>
+            <a:ext cx="812800" cy="342900"/>
+          </a:xfrm>
+          <a:prstGeom prst="rect">
+            <a:avLst/>
+          </a:prstGeom>
+          <a:solidFill>
+            <a:srgbClr val="FFCC99"/>
+          </a:solidFill>
+          <a:ln w="12700">
+            <a:solidFill>
+              <a:srgbClr val="000000"/>
+            </a:solidFill>
+            <a:prstDash val="solid"/>
+          </a:ln>
+        </p:spPr>
+        <p:txBody>
+          <a:bodyPr wrap="square" lIns="0" tIns="0" rIns="0" bIns="0" rtlCol="0" anchor="ctr"/>
+          <a:lstStyle/>
+          <a:p>
+            <a:pPr algn="ctr">
+              <a:lnSpc>
+                <a:spcPct val="100%"/>
+              </a:lnSpc>
+              <a:defRPr sz="1000">
+                <a:solidFill>
+                  <a:srgbClr val="000000"/>
+                </a:solidFill>
+                <a:latin typeface="맑은 고딕"/>
+                <a:ea typeface="맑은 고딕"/>
+                <a:cs typeface="맑은 고딕"/>
+              </a:defRPr>
+            </a:pPr>
+            <a:r>
+              <a:rPr lang="ko" sz="1000">
+                <a:latin typeface="맑은 고딕"/>
+                <a:ea typeface="맑은 고딕"/>
+                <a:cs typeface="맑은 고딕"/>
+              </a:rPr>
+              <a:t>구분</a:t>
+            </a:r>
+          </a:p>
+        </p:txBody>
+      </p:sp>
+      <p:sp>
+        <p:nvSpPr>
+          <p:cNvPr id="1185688772" name="Text">
+    </p:cNvPr>
+          <p:cNvSpPr>
+            <a:spLocks noGrp="1"/>
+          </p:cNvSpPr>
+          <p:nvPr/>
+        </p:nvSpPr>
+        <p:spPr>
+          <a:xfrm rot="0">
+            <a:off x="1181100" y="3429000"/>
+            <a:ext cx="4610100" cy="342900"/>
+          </a:xfrm>
+          <a:prstGeom prst="rect">
+            <a:avLst/>
+          </a:prstGeom>
+          <a:solidFill>
+            <a:srgbClr val="FFCC99"/>
+          </a:solidFill>
+          <a:ln w="12700">
+            <a:solidFill>
+              <a:srgbClr val="000000"/>
+            </a:solidFill>
+            <a:prstDash val="solid"/>
+          </a:ln>
+        </p:spPr>
+        <p:txBody>
+          <a:bodyPr wrap="square" lIns="0" tIns="0" rIns="0" bIns="0" rtlCol="0" anchor="ctr"/>
+          <a:lstStyle/>
+          <a:p>
+            <a:pPr algn="ctr">
+              <a:lnSpc>
+                <a:spcPct val="100%"/>
+              </a:lnSpc>
+              <a:defRPr sz="1000">
+                <a:solidFill>
+                  <a:srgbClr val="000000"/>
+                </a:solidFill>
+                <a:latin typeface="맑은 고딕"/>
+                <a:ea typeface="맑은 고딕"/>
+                <a:cs typeface="맑은 고딕"/>
+              </a:defRPr>
+            </a:pPr>
+            <a:r>
+              <a:rPr lang="ko" sz="1000">
+                <a:latin typeface="맑은 고딕"/>
+                <a:ea typeface="맑은 고딕"/>
+                <a:cs typeface="맑은 고딕"/>
+              </a:rPr>
+              <a:t>업무 내용</a:t>
+            </a:r>
+          </a:p>
+        </p:txBody>
+      </p:sp>
+      <p:sp>
+        <p:nvSpPr>
+          <p:cNvPr id="1288869332" name="Text">
+    </p:cNvPr>
+          <p:cNvSpPr>
+            <a:spLocks noGrp="1"/>
+          </p:cNvSpPr>
+          <p:nvPr/>
+        </p:nvSpPr>
+        <p:spPr>
+          <a:xfrm rot="0">
+            <a:off x="5791200" y="3429000"/>
+            <a:ext cx="762000" cy="342900"/>
+          </a:xfrm>
+          <a:prstGeom prst="rect">
+            <a:avLst/>
+          </a:prstGeom>
+          <a:solidFill>
+            <a:srgbClr val="FFCC99"/>
+          </a:solidFill>
+          <a:ln w="12700">
+            <a:solidFill>
+              <a:srgbClr val="000000"/>
+            </a:solidFill>
+            <a:prstDash val="solid"/>
+          </a:ln>
+        </p:spPr>
+        <p:txBody>
+          <a:bodyPr wrap="square" lIns="0" tIns="0" rIns="0" bIns="0" rtlCol="0" anchor="ctr"/>
+          <a:lstStyle/>
+          <a:p>
+            <a:pPr algn="ctr">
+              <a:lnSpc>
+                <a:spcPct val="100%"/>
+              </a:lnSpc>
+              <a:defRPr sz="1000">
+                <a:solidFill>
+                  <a:srgbClr val="000000"/>
+                </a:solidFill>
+                <a:latin typeface="맑은 고딕"/>
+                <a:ea typeface="맑은 고딕"/>
+                <a:cs typeface="맑은 고딕"/>
+              </a:defRPr>
+            </a:pPr>
+            <a:r>
+              <a:rPr lang="ko" sz="1000">
+                <a:latin typeface="맑은 고딕"/>
+                <a:ea typeface="맑은 고딕"/>
+                <a:cs typeface="맑은 고딕"/>
+              </a:rPr>
+              <a:t>완료예정</a:t>
+            </a:r>
+          </a:p>
+        </p:txBody>
+      </p:sp>
+      <p:sp>
+        <p:nvSpPr>
+          <p:cNvPr id="1974390588" name="Text">
+    </p:cNvPr>
+          <p:cNvSpPr>
+            <a:spLocks noGrp="1"/>
+          </p:cNvSpPr>
+          <p:nvPr/>
+        </p:nvSpPr>
+        <p:spPr>
+          <a:xfrm rot="0">
+            <a:off x="7543800" y="1079500"/>
+            <a:ext cx="2667000" cy="393700"/>
+          </a:xfrm>
+          <a:prstGeom prst="rect">
+            <a:avLst/>
+          </a:prstGeom>
+          <a:solidFill>
+            <a:srgbClr val="FFCC99"/>
+          </a:solidFill>
+          <a:ln w="12700">
+            <a:solidFill>
+              <a:srgbClr val="000000"/>
+            </a:solidFill>
+            <a:prstDash val="solid"/>
+          </a:ln>
+        </p:spPr>
+        <p:txBody>
+          <a:bodyPr wrap="square" lIns="0" tIns="0" rIns="0" bIns="0" rtlCol="0" anchor="ctr"/>
+          <a:lstStyle/>
+          <a:p>
+            <a:pPr algn="ctr">
+              <a:lnSpc>
+                <a:spcPct val="100%"/>
+              </a:lnSpc>
+              <a:defRPr sz="1000">
+                <a:solidFill>
+                  <a:srgbClr val="000000"/>
+                </a:solidFill>
+                <a:latin typeface="맑은 고딕"/>
+                <a:ea typeface="맑은 고딕"/>
+                <a:cs typeface="맑은 고딕"/>
+              </a:defRPr>
+            </a:pPr>
+            <a:r>
+              <a:rPr lang="ko" sz="1000">
+                <a:latin typeface="맑은 고딕"/>
+                <a:ea typeface="맑은 고딕"/>
+                <a:cs typeface="맑은 고딕"/>
+              </a:rPr>
+              <a:t>비고</a:t>
+            </a:r>
+          </a:p>
+        </p:txBody>
+      </p:sp>
+      <p:sp>
+        <p:nvSpPr>
+          <p:cNvPr id="1315743651" name="Text">
+    </p:cNvPr>
+          <p:cNvSpPr>
+            <a:spLocks noGrp="1"/>
+          </p:cNvSpPr>
+          <p:nvPr/>
+        </p:nvSpPr>
+        <p:spPr>
+          <a:xfrm rot="0">
+            <a:off x="6553200" y="3429000"/>
+            <a:ext cx="3670300" cy="342900"/>
+          </a:xfrm>
+          <a:prstGeom prst="rect">
+            <a:avLst/>
+          </a:prstGeom>
+          <a:solidFill>
+            <a:srgbClr val="FFCC99"/>
+          </a:solidFill>
+          <a:ln w="12700">
+            <a:solidFill>
+              <a:srgbClr val="000000"/>
+            </a:solidFill>
+            <a:prstDash val="solid"/>
+          </a:ln>
+        </p:spPr>
+        <p:txBody>
+          <a:bodyPr wrap="square" lIns="0" tIns="0" rIns="0" bIns="0" rtlCol="0" anchor="ctr"/>
+          <a:lstStyle/>
+          <a:p>
+            <a:pPr algn="ctr">
+              <a:lnSpc>
+                <a:spcPct val="100%"/>
+              </a:lnSpc>
+              <a:defRPr sz="1000">
+                <a:solidFill>
+                  <a:srgbClr val="000000"/>
+                </a:solidFill>
+                <a:latin typeface="맑은 고딕"/>
+                <a:ea typeface="맑은 고딕"/>
+                <a:cs typeface="맑은 고딕"/>
+              </a:defRPr>
+            </a:pPr>
+            <a:r>
+              <a:rPr lang="ko" sz="1000">
+                <a:latin typeface="맑은 고딕"/>
+                <a:ea typeface="맑은 고딕"/>
+                <a:cs typeface="맑은 고딕"/>
+              </a:rPr>
+              <a:t>비고</a:t>
+            </a:r>
+          </a:p>
+        </p:txBody>
+      </p:sp>
+      <p:sp>
+        <p:nvSpPr>
+          <p:cNvPr id="1770092710" name="Text">
+    </p:cNvPr>
+          <p:cNvSpPr>
+            <a:spLocks noGrp="1"/>
+          </p:cNvSpPr>
+          <p:nvPr/>
+        </p:nvSpPr>
+        <p:spPr>
+          <a:xfrm rot="0">
+            <a:off x="5753100" y="1079500"/>
+            <a:ext cx="774700" cy="393700"/>
+          </a:xfrm>
+          <a:prstGeom prst="rect">
+            <a:avLst/>
+          </a:prstGeom>
+          <a:solidFill>
+            <a:srgbClr val="FFCC99"/>
+          </a:solidFill>
+          <a:ln w="12700">
+            <a:solidFill>
+              <a:srgbClr val="000000"/>
+            </a:solidFill>
+            <a:prstDash val="solid"/>
+          </a:ln>
+        </p:spPr>
+        <p:txBody>
+          <a:bodyPr wrap="square" lIns="0" tIns="0" rIns="0" bIns="0" rtlCol="0" anchor="ctr"/>
+          <a:lstStyle/>
+          <a:p>
+            <a:pPr algn="ctr">
+              <a:lnSpc>
+                <a:spcPct val="100%"/>
+              </a:lnSpc>
+              <a:defRPr sz="1000">
+                <a:solidFill>
+                  <a:srgbClr val="000000"/>
+                </a:solidFill>
+                <a:latin typeface="맑은 고딕"/>
+                <a:ea typeface="맑은 고딕"/>
+                <a:cs typeface="맑은 고딕"/>
+              </a:defRPr>
+            </a:pPr>
+            <a:r>
+              <a:rPr lang="ko" sz="1000">
+                <a:latin typeface="맑은 고딕"/>
+                <a:ea typeface="맑은 고딕"/>
+                <a:cs typeface="맑은 고딕"/>
+              </a:rPr>
+              <a:t>완료일</a:t>
+            </a:r>
+          </a:p>
+        </p:txBody>
+      </p:sp>
+      <p:sp>
+        <p:nvSpPr>
+          <p:cNvPr id="824519799" name="Text">
+    </p:cNvPr>
+          <p:cNvSpPr>
+            <a:spLocks noGrp="1"/>
+          </p:cNvSpPr>
+          <p:nvPr/>
+        </p:nvSpPr>
+        <p:spPr>
+          <a:xfrm rot="0">
+            <a:off x="5753100" y="1473200"/>
+            <a:ext cx="774700" cy="787400"/>
+          </a:xfrm>
+          <a:prstGeom prst="rect">
+            <a:avLst/>
+          </a:prstGeom>
+          <a:ln w="12700">
+            <a:solidFill>
+              <a:srgbClr val="000000"/>
+            </a:solidFill>
+            <a:prstDash val="solid"/>
+          </a:ln>
+        </p:spPr>
+        <p:txBody>
+          <a:bodyPr wrap="square" lIns="0" tIns="0" rIns="0" bIns="0" rtlCol="0" anchor="t"/>
+          <a:lstStyle/>
+          <a:p>
+            <a:pPr algn="ctr">
+              <a:lnSpc>
+                <a:spcPct val="100%"/>
+              </a:lnSpc>
+              <a:defRPr sz="1100">
+                <a:solidFill>
+                  <a:srgbClr val="000000"/>
+                </a:solidFill>
+                <a:latin typeface="맑은 고딕"/>
+                <a:ea typeface="맑은 고딕"/>
+                <a:cs typeface="맑은 고딕"/>
+              </a:defRPr>
+            </a:pPr>
+            <a:br/>
+            <a:r>
+              <a:rPr lang="ko" sz="1100">
+                <a:latin typeface="맑은 고딕"/>
+                <a:ea typeface="맑은 고딕"/>
+                <a:cs typeface="맑은 고딕"/>
+              </a:rPr>
+              <a:t>[보류]</a:t>
+            </a:r>
+            <a:br/>
+            <a:r>
+              <a:rPr lang="ko" sz="1100">
+                <a:latin typeface="맑은 고딕"/>
+                <a:ea typeface="맑은 고딕"/>
+                <a:cs typeface="맑은 고딕"/>
+              </a:rPr>
+              <a:t>[보류]</a:t>
+            </a:r>
+            <a:br/>
+          </a:p>
+        </p:txBody>
+      </p:sp>
+      <p:sp>
+        <p:nvSpPr>
+          <p:cNvPr id="846320192" name="Text">
+    </p:cNvPr>
+          <p:cNvSpPr>
+            <a:spLocks noGrp="1"/>
+          </p:cNvSpPr>
+          <p:nvPr/>
+        </p:nvSpPr>
+        <p:spPr>
+          <a:xfrm rot="0">
+            <a:off x="368300" y="2260600"/>
+            <a:ext cx="812800" cy="812800"/>
+          </a:xfrm>
+          <a:prstGeom prst="rect">
+            <a:avLst/>
+          </a:prstGeom>
+          <a:ln w="12700">
+            <a:solidFill>
+              <a:srgbClr val="000000"/>
+            </a:solidFill>
+            <a:prstDash val="solid"/>
+          </a:ln>
+        </p:spPr>
+        <p:txBody>
+          <a:bodyPr wrap="square" lIns="0" tIns="0" rIns="0" bIns="0" rtlCol="0" anchor="ctr"/>
+          <a:lstStyle/>
+          <a:p>
+            <a:pPr algn="ctr">
+              <a:lnSpc>
+                <a:spcPct val="100%"/>
+              </a:lnSpc>
+              <a:defRPr sz="1100">
+                <a:solidFill>
+                  <a:srgbClr val="000000"/>
+                </a:solidFill>
+                <a:latin typeface="맑은 고딕"/>
+                <a:ea typeface="맑은 고딕"/>
+                <a:cs typeface="맑은 고딕"/>
+              </a:defRPr>
+            </a:pPr>
+            <a:r>
+              <a:rPr lang="ko" sz="1100">
+                <a:latin typeface="맑은 고딕"/>
+                <a:ea typeface="맑은 고딕"/>
+                <a:cs typeface="맑은 고딕"/>
+              </a:rPr>
+              <a:t>WEB</a:t>
+            </a:r>
+          </a:p>
+        </p:txBody>
+      </p:sp>
+      <p:sp>
+        <p:nvSpPr>
+          <p:cNvPr id="428550674" name="Text">
+    </p:cNvPr>
+          <p:cNvSpPr>
+            <a:spLocks noGrp="1"/>
+          </p:cNvSpPr>
+          <p:nvPr/>
+        </p:nvSpPr>
+        <p:spPr>
+          <a:xfrm rot="0">
+            <a:off x="1181100" y="2260600"/>
+            <a:ext cx="4572000" cy="812800"/>
+          </a:xfrm>
+          <a:prstGeom prst="rect">
+            <a:avLst/>
+          </a:prstGeom>
+          <a:ln w="12700">
+            <a:solidFill>
+              <a:srgbClr val="000000"/>
+            </a:solidFill>
+            <a:prstDash val="solid"/>
+          </a:ln>
+        </p:spPr>
+        <p:txBody>
+          <a:bodyPr wrap="square" lIns="0" tIns="0" rIns="0" bIns="0" rtlCol="0" anchor="t"/>
+          <a:lstStyle/>
+          <a:p>
+            <a:pPr algn="l">
+              <a:lnSpc>
+                <a:spcPct val="100%"/>
+              </a:lnSpc>
+              <a:defRPr sz="1100">
+                <a:solidFill>
+                  <a:srgbClr val="000000"/>
+                </a:solidFill>
+                <a:latin typeface="맑은 고딕"/>
+                <a:ea typeface="맑은 고딕"/>
+                <a:cs typeface="맑은 고딕"/>
+              </a:defRPr>
+            </a:pPr>
+            <a:br/>
+            <a:r>
+              <a:rPr lang="ko" sz="1100">
+                <a:latin typeface="맑은 고딕"/>
+                <a:ea typeface="맑은 고딕"/>
+                <a:cs typeface="맑은 고딕"/>
+              </a:rPr>
+              <a:t> 2</a:t>
+            </a:r>
+            <a:br/>
+            <a:r>
+              <a:rPr lang="ko" sz="1100">
+                <a:latin typeface="맑은 고딕"/>
+                <a:ea typeface="맑은 고딕"/>
+                <a:cs typeface="맑은 고딕"/>
+              </a:rPr>
+              <a:t> 가나다</a:t>
+            </a:r>
+            <a:br/>
+          </a:p>
+        </p:txBody>
+      </p:sp>
+      <p:sp>
+        <p:nvSpPr>
+          <p:cNvPr id="2066556365" name="Text">
+    </p:cNvPr>
+          <p:cNvSpPr>
+            <a:spLocks noGrp="1"/>
+          </p:cNvSpPr>
+          <p:nvPr/>
+        </p:nvSpPr>
+        <p:spPr>
+          <a:xfrm rot="0">
+            <a:off x="7543800" y="2260600"/>
+            <a:ext cx="2667000" cy="812800"/>
+          </a:xfrm>
+          <a:prstGeom prst="rect">
+            <a:avLst/>
+          </a:prstGeom>
+          <a:ln w="12700">
+            <a:solidFill>
+              <a:srgbClr val="000000"/>
+            </a:solidFill>
+            <a:prstDash val="solid"/>
+          </a:ln>
+        </p:spPr>
+        <p:txBody>
+          <a:bodyPr wrap="square" lIns="0" tIns="0" rIns="0" bIns="0" rtlCol="0" anchor="t"/>
+          <a:lstStyle/>
+          <a:p>
+            <a:pPr algn="l">
+              <a:lnSpc>
+                <a:spcPct val="100%"/>
+              </a:lnSpc>
+              <a:defRPr sz="1100">
+                <a:solidFill>
+                  <a:srgbClr val="000000"/>
+                </a:solidFill>
+                <a:latin typeface="맑은 고딕"/>
+                <a:ea typeface="맑은 고딕"/>
+                <a:cs typeface="맑은 고딕"/>
+              </a:defRPr>
+            </a:pPr>
+            <a:br/>
+            <a:r>
+              <a:rPr lang="ko" sz="1100">
+                <a:latin typeface="맑은 고딕"/>
+                <a:ea typeface="맑은 고딕"/>
+                <a:cs typeface="맑은 고딕"/>
+              </a:rPr>
+              <a:t>1</a:t>
+            </a:r>
+          </a:p>
+        </p:txBody>
+      </p:sp>
+      <p:sp>
+        <p:nvSpPr>
+          <p:cNvPr id="1668540491" name="Text">
+    </p:cNvPr>
+          <p:cNvSpPr>
+            <a:spLocks noGrp="1"/>
+          </p:cNvSpPr>
+          <p:nvPr/>
+        </p:nvSpPr>
+        <p:spPr>
+          <a:xfrm rot="0">
+            <a:off x="6527800" y="2260600"/>
+            <a:ext cx="749300" cy="812800"/>
+          </a:xfrm>
+          <a:prstGeom prst="rect">
+            <a:avLst/>
+          </a:prstGeom>
+          <a:ln w="12700">
+            <a:solidFill>
+              <a:srgbClr val="000000"/>
+            </a:solidFill>
+            <a:prstDash val="solid"/>
+          </a:ln>
+        </p:spPr>
+        <p:txBody>
+          <a:bodyPr wrap="square" lIns="0" tIns="0" rIns="0" bIns="0" rtlCol="0" anchor="ctr"/>
+          <a:lstStyle/>
+          <a:p>
+            <a:pPr algn="ctr">
+              <a:lnSpc>
+                <a:spcPct val="100%"/>
+              </a:lnSpc>
+              <a:defRPr sz="1100">
+                <a:solidFill>
+                  <a:srgbClr val="000000"/>
+                </a:solidFill>
+                <a:latin typeface="맑은 고딕"/>
+                <a:ea typeface="맑은 고딕"/>
+                <a:cs typeface="맑은 고딕"/>
+              </a:defRPr>
+            </a:pPr>
+            <a:r>
+              <a:rPr lang="ko" sz="1100">
+                <a:latin typeface="맑은 고딕"/>
+                <a:ea typeface="맑은 고딕"/>
+                <a:cs typeface="맑은 고딕"/>
+              </a:rPr>
+              <a:t>1</a:t>
+            </a:r>
+          </a:p>
+        </p:txBody>
+      </p:sp>
+      <p:sp>
+        <p:nvSpPr>
+          <p:cNvPr id="1605158327" name="Text">
+    </p:cNvPr>
+          <p:cNvSpPr>
+            <a:spLocks noGrp="1"/>
+          </p:cNvSpPr>
+          <p:nvPr/>
+        </p:nvSpPr>
+        <p:spPr>
+          <a:xfrm rot="0">
+            <a:off x="5753100" y="2260600"/>
+            <a:ext cx="774700" cy="812800"/>
+          </a:xfrm>
+          <a:prstGeom prst="rect">
+            <a:avLst/>
+          </a:prstGeom>
+          <a:ln w="12700">
+            <a:solidFill>
+              <a:srgbClr val="000000"/>
+            </a:solidFill>
+            <a:prstDash val="solid"/>
+          </a:ln>
+        </p:spPr>
+        <p:txBody>
+          <a:bodyPr wrap="square" lIns="0" tIns="0" rIns="0" bIns="0" rtlCol="0" anchor="t"/>
+          <a:lstStyle/>
+          <a:p>
+            <a:pPr algn="ctr">
+              <a:lnSpc>
+                <a:spcPct val="100%"/>
+              </a:lnSpc>
+              <a:defRPr sz="1100">
+                <a:solidFill>
+                  <a:srgbClr val="000000"/>
+                </a:solidFill>
+                <a:latin typeface="맑은 고딕"/>
+                <a:ea typeface="맑은 고딕"/>
+                <a:cs typeface="맑은 고딕"/>
+              </a:defRPr>
+            </a:pPr>
+            <a:br/>
+            <a:r>
+              <a:rPr lang="ko" sz="1100">
+                <a:latin typeface="맑은 고딕"/>
+                <a:ea typeface="맑은 고딕"/>
+                <a:cs typeface="맑은 고딕"/>
+              </a:rPr>
+              <a:t>[보류]</a:t>
+            </a:r>
+            <a:br/>
+            <a:r>
+              <a:rPr lang="ko" sz="1100">
+                <a:latin typeface="맑은 고딕"/>
+                <a:ea typeface="맑은 고딕"/>
+                <a:cs typeface="맑은 고딕"/>
+              </a:rPr>
+              <a:t>[보류]</a:t>
+            </a:r>
+            <a:br/>
+          </a:p>
+        </p:txBody>
+      </p:sp>
+      <p:sp>
+        <p:nvSpPr>
+          <p:cNvPr id="523747306" name="Text">
+    </p:cNvPr>
+          <p:cNvSpPr>
+            <a:spLocks noGrp="1"/>
+          </p:cNvSpPr>
+          <p:nvPr/>
+        </p:nvSpPr>
+        <p:spPr>
+          <a:xfrm rot="0">
+            <a:off x="6553200" y="4572000"/>
+            <a:ext cx="3670300" cy="800100"/>
+          </a:xfrm>
+          <a:prstGeom prst="rect">
+            <a:avLst/>
+          </a:prstGeom>
+          <a:ln w="12700">
+            <a:solidFill>
+              <a:srgbClr val="000000"/>
+            </a:solidFill>
+            <a:prstDash val="solid"/>
+          </a:ln>
+        </p:spPr>
+        <p:txBody>
+          <a:bodyPr wrap="square" lIns="0" tIns="0" rIns="0" bIns="0" rtlCol="0" anchor="t"/>
+          <a:lstStyle/>
+          <a:p>
+            <a:pPr algn="l">
+              <a:lnSpc>
+                <a:spcPct val="100%"/>
+              </a:lnSpc>
+              <a:defRPr sz="1100">
+                <a:solidFill>
+                  <a:srgbClr val="000000"/>
+                </a:solidFill>
+                <a:latin typeface="맑은 고딕"/>
+                <a:ea typeface="맑은 고딕"/>
+                <a:cs typeface="맑은 고딕"/>
+              </a:defRPr>
+            </a:pPr>
+            <a:br/>
+          </a:p>
+        </p:txBody>
+      </p:sp>
+      <p:sp>
+        <p:nvSpPr>
+          <p:cNvPr id="229040780" name="Text">
+    </p:cNvPr>
+          <p:cNvSpPr>
+            <a:spLocks noGrp="1"/>
+          </p:cNvSpPr>
+          <p:nvPr/>
+        </p:nvSpPr>
+        <p:spPr>
+          <a:xfrm rot="0">
+            <a:off x="5791200" y="4572000"/>
+            <a:ext cx="762000" cy="800100"/>
+          </a:xfrm>
+          <a:prstGeom prst="rect">
+            <a:avLst/>
+          </a:prstGeom>
+          <a:ln w="12700">
+            <a:solidFill>
+              <a:srgbClr val="000000"/>
+            </a:solidFill>
+            <a:prstDash val="solid"/>
+          </a:ln>
+        </p:spPr>
+        <p:txBody>
+          <a:bodyPr wrap="square" lIns="0" tIns="0" rIns="0" bIns="0" rtlCol="0" anchor="t"/>
+          <a:lstStyle/>
+          <a:p>
+            <a:pPr algn="ctr">
+              <a:lnSpc>
+                <a:spcPct val="100%"/>
+              </a:lnSpc>
+              <a:defRPr sz="1100">
+                <a:solidFill>
+                  <a:srgbClr val="000000"/>
+                </a:solidFill>
+                <a:latin typeface="맑은 고딕"/>
+                <a:ea typeface="맑은 고딕"/>
+                <a:cs typeface="맑은 고딕"/>
+              </a:defRPr>
+            </a:pPr>
+            <a:br/>
+            <a:r>
+              <a:rPr lang="ko" sz="1100">
+                <a:latin typeface="맑은 고딕"/>
+                <a:ea typeface="맑은 고딕"/>
+                <a:cs typeface="맑은 고딕"/>
+              </a:rPr>
+              <a:t>[보류]</a:t>
+            </a:r>
+            <a:br/>
+            <a:r>
+              <a:rPr lang="ko" sz="1100">
+                <a:latin typeface="맑은 고딕"/>
+                <a:ea typeface="맑은 고딕"/>
+                <a:cs typeface="맑은 고딕"/>
+              </a:rPr>
+              <a:t>[보류]</a:t>
+            </a:r>
+            <a:br/>
+          </a:p>
+        </p:txBody>
+      </p:sp>
+      <p:sp>
+        <p:nvSpPr>
+          <p:cNvPr id="1911251651" name="Text">
+    </p:cNvPr>
+          <p:cNvSpPr>
+            <a:spLocks noGrp="1"/>
+          </p:cNvSpPr>
+          <p:nvPr/>
+        </p:nvSpPr>
+        <p:spPr>
+          <a:xfrm rot="0">
+            <a:off x="1181100" y="4572000"/>
+            <a:ext cx="4610100" cy="800100"/>
+          </a:xfrm>
+          <a:prstGeom prst="rect">
+            <a:avLst/>
+          </a:prstGeom>
+          <a:ln w="12700">
+            <a:solidFill>
+              <a:srgbClr val="000000"/>
+            </a:solidFill>
+            <a:prstDash val="solid"/>
+          </a:ln>
+        </p:spPr>
+        <p:txBody>
+          <a:bodyPr wrap="square" lIns="0" tIns="0" rIns="0" bIns="0" rtlCol="0" anchor="t"/>
+          <a:lstStyle/>
+          <a:p>
+            <a:pPr algn="l">
+              <a:lnSpc>
+                <a:spcPct val="100%"/>
+              </a:lnSpc>
+              <a:defRPr sz="1100">
+                <a:solidFill>
+                  <a:srgbClr val="000000"/>
+                </a:solidFill>
+                <a:latin typeface="맑은 고딕"/>
+                <a:ea typeface="맑은 고딕"/>
+                <a:cs typeface="맑은 고딕"/>
+              </a:defRPr>
+            </a:pPr>
+            <a:br/>
+            <a:r>
+              <a:rPr lang="ko" sz="1100">
+                <a:latin typeface="맑은 고딕"/>
+                <a:ea typeface="맑은 고딕"/>
+                <a:cs typeface="맑은 고딕"/>
+              </a:rPr>
+              <a:t> s</a:t>
+            </a:r>
+            <a:br/>
+            <a:r>
+              <a:rPr lang="ko" sz="1100">
+                <a:latin typeface="맑은 고딕"/>
+                <a:ea typeface="맑은 고딕"/>
+                <a:cs typeface="맑은 고딕"/>
+              </a:rPr>
+              <a:t> ㅓㅕㅗㅛㅜㅠ</a:t>
+            </a:r>
+            <a:br/>
+          </a:p>
+        </p:txBody>
+      </p:sp>
+      <p:sp>
+        <p:nvSpPr>
+          <p:cNvPr id="1221824564" name="Text">
+    </p:cNvPr>
+          <p:cNvSpPr>
+            <a:spLocks noGrp="1"/>
+          </p:cNvSpPr>
+          <p:nvPr/>
+        </p:nvSpPr>
+        <p:spPr>
+          <a:xfrm rot="0">
+            <a:off x="368300" y="4572000"/>
+            <a:ext cx="812800" cy="800100"/>
+          </a:xfrm>
+          <a:prstGeom prst="rect">
+            <a:avLst/>
+          </a:prstGeom>
+          <a:ln w="12700">
+            <a:solidFill>
+              <a:srgbClr val="000000"/>
+            </a:solidFill>
+            <a:prstDash val="solid"/>
+          </a:ln>
+        </p:spPr>
+        <p:txBody>
+          <a:bodyPr wrap="square" lIns="0" tIns="0" rIns="0" bIns="0" rtlCol="0" anchor="ctr"/>
+          <a:lstStyle/>
+          <a:p>
+            <a:pPr algn="ctr">
+              <a:lnSpc>
+                <a:spcPct val="100%"/>
+              </a:lnSpc>
+              <a:defRPr sz="1100">
+                <a:solidFill>
+                  <a:srgbClr val="000000"/>
+                </a:solidFill>
+                <a:latin typeface="맑은 고딕"/>
+                <a:ea typeface="맑은 고딕"/>
+                <a:cs typeface="맑은 고딕"/>
+              </a:defRPr>
+            </a:pPr>
+            <a:r>
+              <a:rPr lang="ko" sz="1100">
+                <a:latin typeface="맑은 고딕"/>
+                <a:ea typeface="맑은 고딕"/>
+                <a:cs typeface="맑은 고딕"/>
+              </a:rPr>
+              <a:t>WEB</a:t>
+            </a:r>
+          </a:p>
+        </p:txBody>
+      </p:sp>
+      <p:sp>
+        <p:nvSpPr>
+          <p:cNvPr id="1782165035" name="Rectangle"/>
+          <p:cNvSpPr>
+            <a:spLocks noGrp="1"/>
+          </p:cNvSpPr>
+          <p:nvPr/>
+        </p:nvSpPr>
+        <p:spPr>
+          <a:xfrm>
+            <a:off x="7277100" y="1473200"/>
+            <a:ext cx="266700" cy="787400"/>
+          </a:xfrm>
+          <a:prstGeom prst="rect">
+            <a:avLst/>
+          </a:prstGeom>
+          <a:solidFill>
+            <a:srgbClr val="FFFF00"/>
+          </a:solidFill>
+          <a:ln w="12700">
+            <a:solidFill>
+              <a:srgbClr val="000000"/>
+            </a:solidFill>
+            <a:prstDash val="solid"/>
+          </a:ln>
+        </p:spPr>
+        <p:txBody>
+          <a:bodyPr rtlCol="0" anchor="ctr"/>
+          <a:lstStyle/>
+          <a:p>
+            <a:pPr algn="ctr"/>
+          </a:p>
+        </p:txBody>
+      </p:sp>
+      <p:sp>
+        <p:nvSpPr>
+          <p:cNvPr id="1353810786" name="Rectangle"/>
+          <p:cNvSpPr>
+            <a:spLocks noGrp="1"/>
+          </p:cNvSpPr>
+          <p:nvPr/>
+        </p:nvSpPr>
+        <p:spPr>
+          <a:xfrm>
+            <a:off x="7277100" y="2260600"/>
+            <a:ext cx="266700" cy="812800"/>
+          </a:xfrm>
+          <a:prstGeom prst="rect">
+            <a:avLst/>
+          </a:prstGeom>
+          <a:solidFill>
+            <a:srgbClr val="00FF00"/>
+          </a:solidFill>
+          <a:ln w="12700">
+            <a:solidFill>
+              <a:srgbClr val="000000"/>
+            </a:solidFill>
+            <a:prstDash val="solid"/>
+          </a:ln>
+        </p:spPr>
+        <p:txBody>
+          <a:bodyPr rtlCol="0" anchor="ctr"/>
+          <a:lstStyle/>
+          <a:p>
+            <a:pPr algn="ctr"/>
+          </a:p>
+        </p:txBody>
+      </p:sp>
+      <p:sp>
+        <p:nvSpPr>
+          <p:cNvPr id="2053512909" name="Text">
+    </p:cNvPr>
+          <p:cNvSpPr>
+            <a:spLocks noGrp="1"/>
+          </p:cNvSpPr>
+          <p:nvPr/>
+        </p:nvSpPr>
+        <p:spPr>
+          <a:xfrm rot="0">
+            <a:off x="190500" y="5473700"/>
+            <a:ext cx="2476500" cy="228600"/>
+          </a:xfrm>
+          <a:prstGeom prst="rect">
+            <a:avLst/>
+          </a:prstGeom>
+          <a:solidFill>
+            <a:srgbClr val="CCFFCC"/>
+          </a:solidFill>
+        </p:spPr>
+        <p:txBody>
+          <a:bodyPr wrap="square" lIns="0" tIns="0" rIns="0" bIns="0" rtlCol="0" anchor="ctr"/>
+          <a:lstStyle/>
+          <a:p>
+            <a:pPr algn="ctr">
+              <a:lnSpc>
+                <a:spcPct val="100%"/>
+              </a:lnSpc>
+              <a:defRPr sz="1000" b="1">
+                <a:solidFill>
+                  <a:srgbClr val="000000"/>
+                </a:solidFill>
+                <a:latin typeface="맑은 고딕"/>
+                <a:ea typeface="맑은 고딕"/>
+                <a:cs typeface="맑은 고딕"/>
+              </a:defRPr>
+            </a:pPr>
+            <a:r>
+              <a:rPr lang="ko" sz="1000" b="1">
+                <a:latin typeface="맑은 고딕"/>
+                <a:ea typeface="맑은 고딕"/>
+                <a:cs typeface="맑은 고딕"/>
+              </a:rPr>
+              <a:t>ERP 디버깅 권한신청 처리현황</a:t>
+            </a:r>
+          </a:p>
+        </p:txBody>
+      </p:sp>
+      <p:sp>
+        <p:nvSpPr>
+          <p:cNvPr id="778068869" name="Text">
+    </p:cNvPr>
+          <p:cNvSpPr>
+            <a:spLocks noGrp="1"/>
+          </p:cNvSpPr>
+          <p:nvPr/>
+        </p:nvSpPr>
+        <p:spPr>
+          <a:xfrm rot="0">
+            <a:off x="6858000" y="6007100"/>
+            <a:ext cx="1651000" cy="292100"/>
+          </a:xfrm>
+          <a:prstGeom prst="rect">
+            <a:avLst/>
+          </a:prstGeom>
+          <a:ln w="12700">
+            <a:solidFill>
+              <a:srgbClr val="000000"/>
+            </a:solidFill>
+            <a:prstDash val="solid"/>
+          </a:ln>
+        </p:spPr>
+        <p:txBody>
+          <a:bodyPr wrap="square" lIns="0" tIns="0" rIns="0" bIns="0" rtlCol="0" anchor="ctr"/>
+          <a:lstStyle/>
+          <a:p>
+            <a:pPr algn="ctr">
+              <a:lnSpc>
+                <a:spcPct val="100%"/>
+              </a:lnSpc>
+              <a:defRPr sz="1100">
+                <a:solidFill>
+                  <a:srgbClr val="000000"/>
+                </a:solidFill>
+                <a:latin typeface="맑은 고딕"/>
+                <a:ea typeface="맑은 고딕"/>
+                <a:cs typeface="맑은 고딕"/>
+              </a:defRPr>
+            </a:pPr>
+            <a:r>
+              <a:rPr lang="ko" sz="1100">
+                <a:latin typeface="맑은 고딕"/>
+                <a:ea typeface="맑은 고딕"/>
+                <a:cs typeface="맑은 고딕"/>
+              </a:rPr>
+              <a:t>4</a:t>
+            </a:r>
+          </a:p>
+        </p:txBody>
+      </p:sp>
+      <p:sp>
+        <p:nvSpPr>
+          <p:cNvPr id="152029332" name="Text">
+    </p:cNvPr>
+          <p:cNvSpPr>
+            <a:spLocks noGrp="1"/>
+          </p:cNvSpPr>
+          <p:nvPr/>
+        </p:nvSpPr>
+        <p:spPr>
+          <a:xfrm rot="0">
+            <a:off x="2463800" y="6007100"/>
+            <a:ext cx="4394200" cy="292100"/>
+          </a:xfrm>
+          <a:prstGeom prst="rect">
+            <a:avLst/>
+          </a:prstGeom>
+          <a:ln w="12700">
+            <a:solidFill>
+              <a:srgbClr val="000000"/>
+            </a:solidFill>
+            <a:prstDash val="solid"/>
+          </a:ln>
+        </p:spPr>
+        <p:txBody>
+          <a:bodyPr wrap="square" lIns="0" tIns="0" rIns="0" bIns="0" rtlCol="0" anchor="ctr"/>
+          <a:lstStyle/>
+          <a:p>
+            <a:pPr algn="ctr">
+              <a:lnSpc>
+                <a:spcPct val="100%"/>
+              </a:lnSpc>
+              <a:defRPr sz="1100">
+                <a:solidFill>
+                  <a:srgbClr val="000000"/>
+                </a:solidFill>
+                <a:latin typeface="맑은 고딕"/>
+                <a:ea typeface="맑은 고딕"/>
+                <a:cs typeface="맑은 고딕"/>
+              </a:defRPr>
+            </a:pPr>
+            <a:r>
+              <a:rPr lang="ko" sz="1100">
+                <a:latin typeface="맑은 고딕"/>
+                <a:ea typeface="맑은 고딕"/>
+                <a:cs typeface="맑은 고딕"/>
+              </a:rPr>
+              <a:t>3</a:t>
+            </a:r>
+          </a:p>
+        </p:txBody>
+      </p:sp>
+      <p:sp>
+        <p:nvSpPr>
+          <p:cNvPr id="1442439236" name="Text">
+    </p:cNvPr>
+          <p:cNvSpPr>
+            <a:spLocks noGrp="1"/>
+          </p:cNvSpPr>
+          <p:nvPr/>
+        </p:nvSpPr>
+        <p:spPr>
+          <a:xfrm rot="0">
+            <a:off x="381000" y="6007100"/>
+            <a:ext cx="1270000" cy="292100"/>
+          </a:xfrm>
+          <a:prstGeom prst="rect">
+            <a:avLst/>
+          </a:prstGeom>
+          <a:ln w="12700">
+            <a:solidFill>
+              <a:srgbClr val="000000"/>
+            </a:solidFill>
+            <a:prstDash val="solid"/>
+          </a:ln>
+        </p:spPr>
+        <p:txBody>
+          <a:bodyPr wrap="square" lIns="0" tIns="0" rIns="0" bIns="0" rtlCol="0" anchor="ctr"/>
+          <a:lstStyle/>
+          <a:p>
+            <a:pPr algn="ctr">
+              <a:lnSpc>
+                <a:spcPct val="100%"/>
+              </a:lnSpc>
+              <a:defRPr sz="1100">
+                <a:solidFill>
+                  <a:srgbClr val="000000"/>
+                </a:solidFill>
+                <a:latin typeface="맑은 고딕"/>
+                <a:ea typeface="맑은 고딕"/>
+                <a:cs typeface="맑은 고딕"/>
+              </a:defRPr>
+            </a:pPr>
+            <a:r>
+              <a:rPr lang="ko" sz="1100">
+                <a:latin typeface="맑은 고딕"/>
+                <a:ea typeface="맑은 고딕"/>
+                <a:cs typeface="맑은 고딕"/>
+              </a:rPr>
+              <a:t>1</a:t>
+            </a:r>
+          </a:p>
+        </p:txBody>
+      </p:sp>
+      <p:sp>
+        <p:nvSpPr>
+          <p:cNvPr id="530783296" name="Text">
+    </p:cNvPr>
+          <p:cNvSpPr>
+            <a:spLocks noGrp="1"/>
+          </p:cNvSpPr>
+          <p:nvPr/>
+        </p:nvSpPr>
+        <p:spPr>
+          <a:xfrm rot="0">
+            <a:off x="381000" y="5765800"/>
+            <a:ext cx="1270000" cy="241300"/>
+          </a:xfrm>
+          <a:prstGeom prst="rect">
+            <a:avLst/>
+          </a:prstGeom>
+          <a:solidFill>
+            <a:srgbClr val="FF9933"/>
+          </a:solidFill>
+          <a:ln w="12700">
+            <a:solidFill>
+              <a:srgbClr val="000000"/>
+            </a:solidFill>
+            <a:prstDash val="solid"/>
+          </a:ln>
+        </p:spPr>
+        <p:txBody>
+          <a:bodyPr wrap="square" lIns="0" tIns="0" rIns="0" bIns="0" rtlCol="0" anchor="ctr"/>
+          <a:lstStyle/>
+          <a:p>
+            <a:pPr algn="ctr">
+              <a:lnSpc>
+                <a:spcPct val="100%"/>
+              </a:lnSpc>
+              <a:defRPr sz="1000">
+                <a:solidFill>
+                  <a:srgbClr val="000000"/>
+                </a:solidFill>
+                <a:latin typeface="맑은 고딕"/>
+                <a:ea typeface="맑은 고딕"/>
+                <a:cs typeface="맑은 고딕"/>
+              </a:defRPr>
+            </a:pPr>
+            <a:r>
+              <a:rPr lang="ko" sz="1000">
+                <a:latin typeface="맑은 고딕"/>
+                <a:ea typeface="맑은 고딕"/>
+                <a:cs typeface="맑은 고딕"/>
+              </a:rPr>
+              <a:t>Date</a:t>
+            </a:r>
+          </a:p>
+        </p:txBody>
+      </p:sp>
+      <p:sp>
+        <p:nvSpPr>
+          <p:cNvPr id="846342266" name="Text">
+    </p:cNvPr>
+          <p:cNvSpPr>
+            <a:spLocks noGrp="1"/>
+          </p:cNvSpPr>
+          <p:nvPr/>
+        </p:nvSpPr>
+        <p:spPr>
+          <a:xfrm rot="0">
+            <a:off x="2463800" y="5765800"/>
+            <a:ext cx="4394200" cy="241300"/>
+          </a:xfrm>
+          <a:prstGeom prst="rect">
+            <a:avLst/>
+          </a:prstGeom>
+          <a:solidFill>
+            <a:srgbClr val="FF9933"/>
+          </a:solidFill>
+          <a:ln w="12700">
+            <a:solidFill>
+              <a:srgbClr val="000000"/>
+            </a:solidFill>
+            <a:prstDash val="solid"/>
+          </a:ln>
+        </p:spPr>
+        <p:txBody>
+          <a:bodyPr wrap="square" lIns="0" tIns="0" rIns="0" bIns="0" rtlCol="0" anchor="ctr"/>
+          <a:lstStyle/>
+          <a:p>
+            <a:pPr algn="ctr">
+              <a:lnSpc>
+                <a:spcPct val="100%"/>
+              </a:lnSpc>
+              <a:defRPr sz="1000">
+                <a:solidFill>
+                  <a:srgbClr val="000000"/>
+                </a:solidFill>
+                <a:latin typeface="맑은 고딕"/>
+                <a:ea typeface="맑은 고딕"/>
+                <a:cs typeface="맑은 고딕"/>
+              </a:defRPr>
+            </a:pPr>
+            <a:r>
+              <a:rPr lang="ko" sz="1000">
+                <a:latin typeface="맑은 고딕"/>
+                <a:ea typeface="맑은 고딕"/>
+                <a:cs typeface="맑은 고딕"/>
+              </a:rPr>
+              <a:t>Text (변경값)</a:t>
+            </a:r>
+          </a:p>
+        </p:txBody>
+      </p:sp>
+      <p:sp>
+        <p:nvSpPr>
+          <p:cNvPr id="1171135944" name="Text">
+    </p:cNvPr>
+          <p:cNvSpPr>
+            <a:spLocks noGrp="1"/>
+          </p:cNvSpPr>
+          <p:nvPr/>
+        </p:nvSpPr>
+        <p:spPr>
+          <a:xfrm rot="0">
+            <a:off x="6858000" y="5765800"/>
+            <a:ext cx="1651000" cy="241300"/>
+          </a:xfrm>
+          <a:prstGeom prst="rect">
+            <a:avLst/>
+          </a:prstGeom>
+          <a:solidFill>
+            <a:srgbClr val="FF9933"/>
+          </a:solidFill>
+          <a:ln w="12700">
+            <a:solidFill>
+              <a:srgbClr val="000000"/>
+            </a:solidFill>
+            <a:prstDash val="solid"/>
+          </a:ln>
+        </p:spPr>
+        <p:txBody>
+          <a:bodyPr wrap="square" lIns="0" tIns="0" rIns="0" bIns="0" rtlCol="0" anchor="ctr"/>
+          <a:lstStyle/>
+          <a:p>
+            <a:pPr algn="ctr">
+              <a:lnSpc>
+                <a:spcPct val="100%"/>
+              </a:lnSpc>
+              <a:defRPr sz="1000">
+                <a:solidFill>
+                  <a:srgbClr val="000000"/>
+                </a:solidFill>
+                <a:latin typeface="맑은 고딕"/>
+                <a:ea typeface="맑은 고딕"/>
+                <a:cs typeface="맑은 고딕"/>
+              </a:defRPr>
+            </a:pPr>
+            <a:r>
+              <a:rPr lang="ko" sz="1000">
+                <a:latin typeface="맑은 고딕"/>
+                <a:ea typeface="맑은 고딕"/>
+                <a:cs typeface="맑은 고딕"/>
+              </a:rPr>
+              <a:t>ERP 권한신청서번호</a:t>
+            </a:r>
+          </a:p>
+        </p:txBody>
+      </p:sp>
+      <p:sp>
+        <p:nvSpPr>
+          <p:cNvPr id="1596927733" name="Text">
+    </p:cNvPr>
+          <p:cNvSpPr>
+            <a:spLocks noGrp="1"/>
+          </p:cNvSpPr>
+          <p:nvPr/>
+        </p:nvSpPr>
+        <p:spPr>
+          <a:xfrm rot="0">
+            <a:off x="381000" y="6299200"/>
+            <a:ext cx="1270000" cy="292100"/>
+          </a:xfrm>
+          <a:prstGeom prst="rect">
+            <a:avLst/>
+          </a:prstGeom>
+          <a:ln w="12700">
+            <a:solidFill>
+              <a:srgbClr val="000000"/>
+            </a:solidFill>
+            <a:prstDash val="solid"/>
+          </a:ln>
+        </p:spPr>
+        <p:txBody>
+          <a:bodyPr wrap="square" lIns="0" tIns="0" rIns="0" bIns="0" rtlCol="0" anchor="ctr"/>
+          <a:lstStyle/>
+          <a:p>
+            <a:pPr algn="ctr">
+              <a:lnSpc>
+                <a:spcPct val="100%"/>
+              </a:lnSpc>
+              <a:defRPr sz="1100">
+                <a:solidFill>
+                  <a:srgbClr val="000000"/>
+                </a:solidFill>
+                <a:latin typeface="맑은 고딕"/>
+                <a:ea typeface="맑은 고딕"/>
+                <a:cs typeface="맑은 고딕"/>
+              </a:defRPr>
+            </a:pPr>
+            <a:r>
+              <a:rPr lang="ko" sz="1100">
+                <a:latin typeface="맑은 고딕"/>
+                <a:ea typeface="맑은 고딕"/>
+                <a:cs typeface="맑은 고딕"/>
+              </a:rPr>
+              <a:t>r</a:t>
+            </a:r>
+          </a:p>
+        </p:txBody>
+      </p:sp>
+      <p:sp>
+        <p:nvSpPr>
+          <p:cNvPr id="1483307084" name="Text">
+    </p:cNvPr>
+          <p:cNvSpPr>
+            <a:spLocks noGrp="1"/>
+          </p:cNvSpPr>
+          <p:nvPr/>
+        </p:nvSpPr>
+        <p:spPr>
+          <a:xfrm rot="0">
+            <a:off x="6858000" y="6299200"/>
+            <a:ext cx="1651000" cy="292100"/>
+          </a:xfrm>
+          <a:prstGeom prst="rect">
+            <a:avLst/>
+          </a:prstGeom>
+          <a:ln w="12700">
+            <a:solidFill>
+              <a:srgbClr val="000000"/>
+            </a:solidFill>
+            <a:prstDash val="solid"/>
+          </a:ln>
+        </p:spPr>
+        <p:txBody>
+          <a:bodyPr wrap="square" lIns="0" tIns="0" rIns="0" bIns="0" rtlCol="0" anchor="ctr"/>
+          <a:lstStyle/>
+          <a:p>
+            <a:pPr algn="ctr">
+              <a:lnSpc>
+                <a:spcPct val="100%"/>
+              </a:lnSpc>
+              <a:defRPr sz="1100">
+                <a:solidFill>
+                  <a:srgbClr val="000000"/>
+                </a:solidFill>
+                <a:latin typeface="맑은 고딕"/>
+                <a:ea typeface="맑은 고딕"/>
+                <a:cs typeface="맑은 고딕"/>
+              </a:defRPr>
+            </a:pPr>
+            <a:r>
+              <a:rPr lang="ko" sz="1100">
+                <a:latin typeface="맑은 고딕"/>
+                <a:ea typeface="맑은 고딕"/>
+                <a:cs typeface="맑은 고딕"/>
+              </a:rPr>
+              <a:t>f</a:t>
+            </a:r>
+          </a:p>
+        </p:txBody>
+      </p:sp>
+      <p:sp>
+        <p:nvSpPr>
+          <p:cNvPr id="2071706307" name="Text">
+    </p:cNvPr>
+          <p:cNvSpPr>
+            <a:spLocks noGrp="1"/>
+          </p:cNvSpPr>
+          <p:nvPr/>
+        </p:nvSpPr>
+        <p:spPr>
+          <a:xfrm rot="0">
+            <a:off x="2463800" y="6299200"/>
+            <a:ext cx="4394200" cy="292100"/>
+          </a:xfrm>
+          <a:prstGeom prst="rect">
+            <a:avLst/>
+          </a:prstGeom>
+          <a:ln w="12700">
+            <a:solidFill>
+              <a:srgbClr val="000000"/>
+            </a:solidFill>
+            <a:prstDash val="solid"/>
+          </a:ln>
+        </p:spPr>
+        <p:txBody>
+          <a:bodyPr wrap="square" lIns="0" tIns="0" rIns="0" bIns="0" rtlCol="0" anchor="ctr"/>
+          <a:lstStyle/>
+          <a:p>
+            <a:pPr algn="ctr">
+              <a:lnSpc>
+                <a:spcPct val="100%"/>
+              </a:lnSpc>
+              <a:defRPr sz="1100">
+                <a:solidFill>
+                  <a:srgbClr val="000000"/>
+                </a:solidFill>
+                <a:latin typeface="맑은 고딕"/>
+                <a:ea typeface="맑은 고딕"/>
+                <a:cs typeface="맑은 고딕"/>
+              </a:defRPr>
+            </a:pPr>
+            <a:r>
+              <a:rPr lang="ko" sz="1100">
+                <a:latin typeface="맑은 고딕"/>
+                <a:ea typeface="맑은 고딕"/>
+                <a:cs typeface="맑은 고딕"/>
+              </a:rPr>
+              <a:t>e</a:t>
+            </a:r>
+          </a:p>
+        </p:txBody>
+      </p:sp>
+      <p:sp>
+        <p:nvSpPr>
+          <p:cNvPr id="1315883065" name="Text">
+    </p:cNvPr>
+          <p:cNvSpPr>
+            <a:spLocks noGrp="1"/>
+          </p:cNvSpPr>
+          <p:nvPr/>
+        </p:nvSpPr>
+        <p:spPr>
+          <a:xfrm rot="0">
+            <a:off x="1651000" y="6299200"/>
+            <a:ext cx="812800" cy="292100"/>
+          </a:xfrm>
+          <a:prstGeom prst="rect">
+            <a:avLst/>
+          </a:prstGeom>
+          <a:ln w="12700">
+            <a:solidFill>
+              <a:srgbClr val="000000"/>
+            </a:solidFill>
+            <a:prstDash val="solid"/>
+          </a:ln>
+        </p:spPr>
+        <p:txBody>
+          <a:bodyPr wrap="square" lIns="0" tIns="0" rIns="0" bIns="0" rtlCol="0" anchor="ctr"/>
+          <a:lstStyle/>
+          <a:p>
+            <a:pPr algn="ctr">
+              <a:lnSpc>
+                <a:spcPct val="100%"/>
+              </a:lnSpc>
+              <a:defRPr sz="1100">
+                <a:solidFill>
+                  <a:srgbClr val="000000"/>
+                </a:solidFill>
+                <a:latin typeface="맑은 고딕"/>
+                <a:ea typeface="맑은 고딕"/>
+                <a:cs typeface="맑은 고딕"/>
+              </a:defRPr>
+            </a:pPr>
+            <a:r>
+              <a:rPr lang="ko" sz="1100">
+                <a:latin typeface="맑은 고딕"/>
+                <a:ea typeface="맑은 고딕"/>
+                <a:cs typeface="맑은 고딕"/>
+              </a:rPr>
+              <a:t>s</a:t>
+            </a:r>
+          </a:p>
+        </p:txBody>
+      </p:sp>
+      <p:sp>
+        <p:nvSpPr>
+          <p:cNvPr id="1745887111" name="Text">
+    </p:cNvPr>
+          <p:cNvSpPr>
+            <a:spLocks noGrp="1"/>
+          </p:cNvSpPr>
+          <p:nvPr/>
+        </p:nvSpPr>
+        <p:spPr>
+          <a:xfrm rot="0">
+            <a:off x="1651000" y="6007100"/>
+            <a:ext cx="812800" cy="292100"/>
+          </a:xfrm>
+          <a:prstGeom prst="rect">
+            <a:avLst/>
+          </a:prstGeom>
+          <a:ln w="12700">
+            <a:solidFill>
+              <a:srgbClr val="000000"/>
+            </a:solidFill>
+            <a:prstDash val="solid"/>
+          </a:ln>
+        </p:spPr>
+        <p:txBody>
+          <a:bodyPr wrap="square" lIns="0" tIns="0" rIns="0" bIns="0" rtlCol="0" anchor="ctr"/>
+          <a:lstStyle/>
+          <a:p>
+            <a:pPr algn="ctr">
+              <a:lnSpc>
+                <a:spcPct val="100%"/>
+              </a:lnSpc>
+              <a:defRPr sz="1100">
+                <a:solidFill>
+                  <a:srgbClr val="000000"/>
+                </a:solidFill>
+                <a:latin typeface="맑은 고딕"/>
+                <a:ea typeface="맑은 고딕"/>
+                <a:cs typeface="맑은 고딕"/>
+              </a:defRPr>
+            </a:pPr>
+            <a:r>
+              <a:rPr lang="ko" sz="1100">
+                <a:latin typeface="맑은 고딕"/>
+                <a:ea typeface="맑은 고딕"/>
+                <a:cs typeface="맑은 고딕"/>
+              </a:rPr>
+              <a:t>2</a:t>
+            </a:r>
+          </a:p>
+        </p:txBody>
+      </p:sp>
+      <p:sp>
+        <p:nvSpPr>
+          <p:cNvPr id="2074649041" name="Text">
+    </p:cNvPr>
+          <p:cNvSpPr>
+            <a:spLocks noGrp="1"/>
+          </p:cNvSpPr>
+          <p:nvPr/>
+        </p:nvSpPr>
+        <p:spPr>
+          <a:xfrm rot="0">
+            <a:off x="1651000" y="5765800"/>
+            <a:ext cx="812800" cy="241300"/>
+          </a:xfrm>
+          <a:prstGeom prst="rect">
+            <a:avLst/>
+          </a:prstGeom>
+          <a:solidFill>
+            <a:srgbClr val="FF9933"/>
+          </a:solidFill>
+          <a:ln w="12700">
+            <a:solidFill>
+              <a:srgbClr val="000000"/>
+            </a:solidFill>
+            <a:prstDash val="solid"/>
+          </a:ln>
+        </p:spPr>
+        <p:txBody>
+          <a:bodyPr wrap="square" lIns="0" tIns="0" rIns="0" bIns="0" rtlCol="0" anchor="ctr"/>
+          <a:lstStyle/>
+          <a:p>
+            <a:pPr algn="ctr">
+              <a:lnSpc>
+                <a:spcPct val="100%"/>
+              </a:lnSpc>
+              <a:defRPr sz="1000">
+                <a:solidFill>
+                  <a:srgbClr val="000000"/>
+                </a:solidFill>
+                <a:latin typeface="맑은 고딕"/>
+                <a:ea typeface="맑은 고딕"/>
+                <a:cs typeface="맑은 고딕"/>
+              </a:defRPr>
+            </a:pPr>
+            <a:r>
+              <a:rPr lang="ko" sz="1000">
+                <a:latin typeface="맑은 고딕"/>
+                <a:ea typeface="맑은 고딕"/>
+                <a:cs typeface="맑은 고딕"/>
+              </a:rPr>
+              <a:t>User</a:t>
+            </a:r>
+          </a:p>
+        </p:txBody>
+      </p:sp>
+      <p:sp>
+        <p:nvSpPr>
+          <p:cNvPr id="1571004869" name="Text">
+    </p:cNvPr>
+          <p:cNvSpPr>
+            <a:spLocks noGrp="1"/>
+          </p:cNvSpPr>
+          <p:nvPr/>
+        </p:nvSpPr>
+        <p:spPr>
+          <a:xfrm rot="0">
+            <a:off x="8509000" y="6299200"/>
+            <a:ext cx="1701800" cy="292100"/>
+          </a:xfrm>
+          <a:prstGeom prst="rect">
+            <a:avLst/>
+          </a:prstGeom>
+          <a:ln w="12700">
+            <a:solidFill>
+              <a:srgbClr val="000000"/>
+            </a:solidFill>
+            <a:prstDash val="solid"/>
+          </a:ln>
+        </p:spPr>
+        <p:txBody>
+          <a:bodyPr wrap="square" lIns="0" tIns="0" rIns="0" bIns="0" rtlCol="0" anchor="ctr"/>
+          <a:lstStyle/>
+          <a:p>
+            <a:pPr algn="ctr">
+              <a:lnSpc>
+                <a:spcPct val="100%"/>
+              </a:lnSpc>
+              <a:defRPr sz="1100">
+                <a:solidFill>
+                  <a:srgbClr val="000000"/>
+                </a:solidFill>
+                <a:latin typeface="맑은 고딕"/>
+                <a:ea typeface="맑은 고딕"/>
+                <a:cs typeface="맑은 고딕"/>
+              </a:defRPr>
+            </a:pPr>
+            <a:r>
+              <a:rPr lang="ko" sz="1100">
+                <a:latin typeface="맑은 고딕"/>
+                <a:ea typeface="맑은 고딕"/>
+                <a:cs typeface="맑은 고딕"/>
+              </a:rPr>
+              <a:t>a</a:t>
+            </a:r>
+          </a:p>
+        </p:txBody>
+      </p:sp>
+      <p:sp>
+        <p:nvSpPr>
+          <p:cNvPr id="1706333512" name="Text">
+    </p:cNvPr>
+          <p:cNvSpPr>
+            <a:spLocks noGrp="1"/>
+          </p:cNvSpPr>
+          <p:nvPr/>
+        </p:nvSpPr>
+        <p:spPr>
+          <a:xfrm rot="0">
+            <a:off x="8509000" y="5765800"/>
+            <a:ext cx="1701800" cy="241300"/>
+          </a:xfrm>
+          <a:prstGeom prst="rect">
+            <a:avLst/>
+          </a:prstGeom>
+          <a:solidFill>
+            <a:srgbClr val="FF9933"/>
+          </a:solidFill>
+          <a:ln w="12700">
+            <a:solidFill>
+              <a:srgbClr val="000000"/>
+            </a:solidFill>
+            <a:prstDash val="solid"/>
+          </a:ln>
+        </p:spPr>
+        <p:txBody>
+          <a:bodyPr wrap="square" lIns="0" tIns="0" rIns="0" bIns="0" rtlCol="0" anchor="ctr"/>
+          <a:lstStyle/>
+          <a:p>
+            <a:pPr algn="ctr">
+              <a:lnSpc>
+                <a:spcPct val="100%"/>
+              </a:lnSpc>
+              <a:defRPr sz="1000">
+                <a:solidFill>
+                  <a:srgbClr val="000000"/>
+                </a:solidFill>
+                <a:latin typeface="맑은 고딕"/>
+                <a:ea typeface="맑은 고딕"/>
+                <a:cs typeface="맑은 고딕"/>
+              </a:defRPr>
+            </a:pPr>
+            <a:r>
+              <a:rPr lang="ko" sz="1000">
+                <a:latin typeface="맑은 고딕"/>
+                <a:ea typeface="맑은 고딕"/>
+                <a:cs typeface="맑은 고딕"/>
+              </a:rPr>
+              <a:t>구분(일반/긴급)</a:t>
+            </a:r>
+          </a:p>
+        </p:txBody>
+      </p:sp>
+      <p:sp>
+        <p:nvSpPr>
+          <p:cNvPr id="229655134" name="Text">
+    </p:cNvPr>
+          <p:cNvSpPr>
+            <a:spLocks noGrp="1"/>
+          </p:cNvSpPr>
+          <p:nvPr/>
+        </p:nvSpPr>
+        <p:spPr>
+          <a:xfrm rot="0">
+            <a:off x="8509000" y="6007100"/>
+            <a:ext cx="1701800" cy="292100"/>
+          </a:xfrm>
+          <a:prstGeom prst="rect">
+            <a:avLst/>
+          </a:prstGeom>
+          <a:ln w="12700">
+            <a:solidFill>
+              <a:srgbClr val="000000"/>
+            </a:solidFill>
+            <a:prstDash val="solid"/>
+          </a:ln>
+        </p:spPr>
+        <p:txBody>
+          <a:bodyPr wrap="square" lIns="0" tIns="0" rIns="0" bIns="0" rtlCol="0" anchor="ctr"/>
+          <a:lstStyle/>
+          <a:p>
+            <a:pPr algn="ctr">
+              <a:lnSpc>
+                <a:spcPct val="100%"/>
+              </a:lnSpc>
+              <a:defRPr sz="1100">
+                <a:solidFill>
+                  <a:srgbClr val="000000"/>
+                </a:solidFill>
+                <a:latin typeface="맑은 고딕"/>
+                <a:ea typeface="맑은 고딕"/>
+                <a:cs typeface="맑은 고딕"/>
+              </a:defRPr>
+            </a:pPr>
+            <a:r>
+              <a:rPr lang="ko" sz="1100">
+                <a:latin typeface="맑은 고딕"/>
+                <a:ea typeface="맑은 고딕"/>
+                <a:cs typeface="맑은 고딕"/>
+              </a:rPr>
+              <a:t>5</a:t>
+            </a:r>
+          </a:p>
+        </p:txBody>
+      </p:sp>
+      <p:sp>
+        <p:nvSpPr>
+          <p:cNvPr id="858311696" name="Text">
+    </p:cNvPr>
+          <p:cNvSpPr>
+            <a:spLocks noGrp="1"/>
+          </p:cNvSpPr>
+          <p:nvPr/>
+        </p:nvSpPr>
+        <p:spPr>
+          <a:xfrm rot="0">
+            <a:off x="4826000" y="6921500"/>
+            <a:ext cx="1270000" cy="381000"/>
+          </a:xfrm>
+          <a:prstGeom prst="rect">
+            <a:avLst/>
+          </a:prstGeom>
+        </p:spPr>
+        <p:txBody>
+          <a:bodyPr wrap="square" lIns="0" tIns="0" rIns="0" bIns="0" rtlCol="0" anchor="b"/>
+          <a:lstStyle/>
+          <a:p>
+            <a:pPr algn="ctr">
+              <a:lnSpc>
+                <a:spcPct val="100%"/>
+              </a:lnSpc>
+              <a:defRPr sz="1000" b="1">
+                <a:solidFill>
+                  <a:srgbClr val="000000"/>
+                </a:solidFill>
+                <a:latin typeface="SansSerif"/>
+                <a:ea typeface="SansSerif"/>
+                <a:cs typeface="SansSerif"/>
+              </a:defRPr>
+            </a:pPr>
+            <a:r>
+              <a:rPr lang="ko" sz="1000" b="1">
+                <a:latin typeface="SansSerif"/>
+                <a:ea typeface="SansSerif"/>
+                <a:cs typeface="SansSerif"/>
+              </a:rPr>
+              <a:t>5</a:t>
+            </a:r>
+          </a:p>
+        </p:txBody>
+      </p:sp>
+      <p:pic>
+        <p:nvPicPr>
+          <p:cNvPr id="1933962809" name="Picture">
+    </p:cNvPr>
+          <p:cNvPicPr>
+            <a:picLocks noChangeAspect="1"/>
+          </p:cNvPicPr>
+          <p:nvPr/>
+        </p:nvPicPr>
+        <p:blipFill>
+          <a:blip r:embed="img_0_0_55.jpg"/>
+          <a:srcRect/>
+          <a:stretch>
+            <a:fillRect l="0" t="0" r="0" b="5555"/>
+          </a:stretch>
+        </p:blipFill>
+        <p:spPr>
+          <a:xfrm rot="0">
+            <a:off x="254000" y="6845300"/>
+            <a:ext cx="1143000" cy="457200"/>
+          </a:xfrm>
+          <a:prstGeom prst="rect">
+            <a:avLst/>
+          </a:prstGeom>
+        </p:spPr>
+      </p:pic>
+    </p:spTree>
+  </p:cSld>
+  <p:clrMapOvr>
+    <a:masterClrMapping/>
+  </p:clrMapOvr>
+</p:sld>
+</file>
+
+<file path=ppt/slides/slide3.xml><?xml version="1.0" encoding="utf-8"?>
+<p:sld xmlns:a="http://schemas.openxmlformats.org/drawingml/2006/main" xmlns:r="http://schemas.openxmlformats.org/officeDocument/2006/relationships" xmlns:p="http://schemas.openxmlformats.org/presentationml/2006/main">
+  <p:cSld>
+    <p:spTree>
+      <p:nvGrpSpPr>
+        <p:cNvPr id="1" name=""/>
+        <p:cNvGrpSpPr/>
+        <p:nvPr/>
+      </p:nvGrpSpPr>
+      <p:grpSpPr>
+        <a:xfrm>
+          <a:off x="0" y="0"/>
+          <a:ext cx="0" cy="0"/>
+          <a:chOff x="0" y="0"/>
+          <a:chExt cx="0" cy="0"/>
+        </a:xfrm>
+      </p:grpSpPr>
+      <p:sp>
+        <p:nvSpPr>
+          <p:cNvPr id="840580044" name="Text">
+    </p:cNvPr>
+          <p:cNvSpPr>
+            <a:spLocks noGrp="1"/>
+          </p:cNvSpPr>
+          <p:nvPr/>
+        </p:nvSpPr>
+        <p:spPr>
+          <a:xfrm rot="0">
+            <a:off x="127000" y="381000"/>
+            <a:ext cx="5181600" cy="381000"/>
+          </a:xfrm>
+          <a:prstGeom prst="rect">
+            <a:avLst/>
+          </a:prstGeom>
+        </p:spPr>
+        <p:txBody>
+          <a:bodyPr wrap="square" lIns="0" tIns="0" rIns="0" bIns="0" rtlCol="0" anchor="t"/>
+          <a:lstStyle/>
+          <a:p>
+            <a:pPr algn="l">
+              <a:lnSpc>
+                <a:spcPct val="100%"/>
+              </a:lnSpc>
+              <a:defRPr sz="1800" b="1">
+                <a:solidFill>
+                  <a:srgbClr val="000000"/>
+                </a:solidFill>
+                <a:latin typeface="맑은 고딕"/>
+                <a:ea typeface="맑은 고딕"/>
+                <a:cs typeface="맑은 고딕"/>
+              </a:defRPr>
+            </a:pPr>
+            <a:r>
+              <a:rPr lang="ko" sz="1800" b="1">
+                <a:latin typeface="맑은 고딕"/>
+                <a:ea typeface="맑은 고딕"/>
+                <a:cs typeface="맑은 고딕"/>
+              </a:rPr>
+              <a:t>2. Summary - ①Baynex</a:t>
+            </a:r>
+          </a:p>
+        </p:txBody>
+      </p:sp>
+      <p:sp>
+        <p:nvSpPr>
+          <p:cNvPr id="1027030371" name="Line"/>
+          <p:cNvSpPr>
+            <a:spLocks noGrp="1"/>
+          </p:cNvSpPr>
+          <p:nvPr/>
+        </p:nvSpPr>
+        <p:spPr>
+          <a:xfrm>
+            <a:off x="127000" y="762000"/>
+            <a:ext cx="10287000" cy="0"/>
+          </a:xfrm>
+          <a:prstGeom prst="line">
+            <a:avLst/>
+          </a:prstGeom>
+          <a:solidFill>
+            <a:srgbClr val="FFFFFF"/>
+          </a:solidFill>
+          <a:ln w="12700">
+            <a:solidFill>
+              <a:srgbClr val="000000"/>
+            </a:solidFill>
+            <a:prstDash val="solid"/>
+          </a:ln>
+        </p:spPr>
+        <p:txBody>
+          <a:bodyPr rtlCol="0" anchor="ctr"/>
+          <a:lstStyle/>
+          <a:p>
+            <a:pPr algn="ctr"/>
+          </a:p>
+        </p:txBody>
+      </p:sp>
+      <p:sp>
+        <p:nvSpPr>
+          <p:cNvPr id="1208630937" name="Text">
+    </p:cNvPr>
+          <p:cNvSpPr>
+            <a:spLocks noGrp="1"/>
+          </p:cNvSpPr>
+          <p:nvPr/>
+        </p:nvSpPr>
+        <p:spPr>
+          <a:xfrm rot="0">
+            <a:off x="9652000" y="292100"/>
+            <a:ext cx="762000" cy="508000"/>
+          </a:xfrm>
+          <a:prstGeom prst="rect">
+            <a:avLst/>
+          </a:prstGeom>
+        </p:spPr>
+        <p:txBody>
+          <a:bodyPr wrap="square" lIns="0" tIns="0" rIns="0" bIns="0" rtlCol="0" anchor="t"/>
+          <a:lstStyle/>
+          <a:p>
+            <a:pPr algn="l">
+              <a:lnSpc>
+                <a:spcPct val="100%"/>
+              </a:lnSpc>
+              <a:defRPr sz="800">
+                <a:solidFill>
+                  <a:srgbClr val="000000"/>
+                </a:solidFill>
+                <a:latin typeface="맑은 고딕"/>
+                <a:ea typeface="맑은 고딕"/>
+                <a:cs typeface="맑은 고딕"/>
+              </a:defRPr>
+            </a:pPr>
+            <a:r>
+              <a:rPr lang="ko" sz="800">
+                <a:latin typeface="맑은 고딕"/>
+                <a:ea typeface="맑은 고딕"/>
+                <a:cs typeface="맑은 고딕"/>
+              </a:rPr>
+              <a:t>: 완료</a:t>
+            </a:r>
+            <a:br/>
+            <a:r>
+              <a:rPr lang="ko" sz="800">
+                <a:latin typeface="맑은 고딕"/>
+                <a:ea typeface="맑은 고딕"/>
+                <a:cs typeface="맑은 고딕"/>
+              </a:rPr>
+              <a:t>:진행중</a:t>
+            </a:r>
+            <a:br/>
+            <a:r>
+              <a:rPr lang="ko" sz="800">
+                <a:latin typeface="맑은 고딕"/>
+                <a:ea typeface="맑은 고딕"/>
+                <a:cs typeface="맑은 고딕"/>
+              </a:rPr>
+              <a:t>:미완료(문제)</a:t>
+            </a:r>
+          </a:p>
+        </p:txBody>
+      </p:sp>
+      <p:sp>
+        <p:nvSpPr>
+          <p:cNvPr id="350365063" name="Rectangle"/>
+          <p:cNvSpPr>
+            <a:spLocks noGrp="1"/>
+          </p:cNvSpPr>
+          <p:nvPr/>
+        </p:nvSpPr>
+        <p:spPr>
+          <a:xfrm>
+            <a:off x="9271000" y="266700"/>
+            <a:ext cx="266700" cy="139700"/>
+          </a:xfrm>
+          <a:prstGeom prst="rect">
+            <a:avLst/>
+          </a:prstGeom>
+          <a:solidFill>
+            <a:srgbClr val="00FF00"/>
+          </a:solidFill>
+          <a:ln w="12700">
+            <a:solidFill>
+              <a:srgbClr val="FFFFFF"/>
+            </a:solidFill>
+            <a:prstDash val="solid"/>
+          </a:ln>
+        </p:spPr>
+        <p:txBody>
+          <a:bodyPr rtlCol="0" anchor="ctr"/>
+          <a:lstStyle/>
+          <a:p>
+            <a:pPr algn="ctr"/>
+          </a:p>
+        </p:txBody>
+      </p:sp>
+      <p:sp>
+        <p:nvSpPr>
+          <p:cNvPr id="2001053836" name="Rectangle"/>
+          <p:cNvSpPr>
+            <a:spLocks noGrp="1"/>
+          </p:cNvSpPr>
+          <p:nvPr/>
+        </p:nvSpPr>
+        <p:spPr>
+          <a:xfrm>
+            <a:off x="9271000" y="419100"/>
+            <a:ext cx="266700" cy="139700"/>
+          </a:xfrm>
+          <a:prstGeom prst="rect">
+            <a:avLst/>
+          </a:prstGeom>
+          <a:solidFill>
+            <a:srgbClr val="FFFF00"/>
+          </a:solidFill>
+          <a:ln w="12700">
+            <a:solidFill>
+              <a:srgbClr val="FFFFFF"/>
+            </a:solidFill>
+            <a:prstDash val="solid"/>
+          </a:ln>
+        </p:spPr>
+        <p:txBody>
+          <a:bodyPr rtlCol="0" anchor="ctr"/>
+          <a:lstStyle/>
+          <a:p>
+            <a:pPr algn="ctr"/>
+          </a:p>
+        </p:txBody>
+      </p:sp>
+      <p:sp>
+        <p:nvSpPr>
+          <p:cNvPr id="1931300642" name="Rectangle"/>
+          <p:cNvSpPr>
+            <a:spLocks noGrp="1"/>
+          </p:cNvSpPr>
+          <p:nvPr/>
+        </p:nvSpPr>
+        <p:spPr>
+          <a:xfrm>
+            <a:off x="9271000" y="571500"/>
+            <a:ext cx="266700" cy="139700"/>
+          </a:xfrm>
+          <a:prstGeom prst="rect">
+            <a:avLst/>
+          </a:prstGeom>
+          <a:solidFill>
+            <a:srgbClr val="FF0000"/>
+          </a:solidFill>
+          <a:ln w="12700">
+            <a:solidFill>
+              <a:srgbClr val="FFFFFF"/>
+            </a:solidFill>
+            <a:prstDash val="solid"/>
+          </a:ln>
+        </p:spPr>
+        <p:txBody>
+          <a:bodyPr rtlCol="0" anchor="ctr"/>
+          <a:lstStyle/>
+          <a:p>
+            <a:pPr algn="ctr"/>
+          </a:p>
+        </p:txBody>
+      </p:sp>
+      <p:sp>
+        <p:nvSpPr>
+          <p:cNvPr id="1794787630" name="Text">
+    </p:cNvPr>
+          <p:cNvSpPr>
+            <a:spLocks noGrp="1"/>
+          </p:cNvSpPr>
+          <p:nvPr/>
+        </p:nvSpPr>
+        <p:spPr>
+          <a:xfrm rot="0">
+            <a:off x="6553200" y="3771900"/>
+            <a:ext cx="3670300" cy="800100"/>
+          </a:xfrm>
+          <a:prstGeom prst="rect">
+            <a:avLst/>
+          </a:prstGeom>
+          <a:ln w="12700">
+            <a:solidFill>
+              <a:srgbClr val="000000"/>
+            </a:solidFill>
+            <a:prstDash val="solid"/>
+          </a:ln>
+        </p:spPr>
+        <p:txBody>
+          <a:bodyPr wrap="square" lIns="0" tIns="0" rIns="0" bIns="0" rtlCol="0" anchor="t"/>
+          <a:lstStyle/>
+          <a:p>
+            <a:pPr algn="l">
+              <a:lnSpc>
+                <a:spcPct val="100%"/>
+              </a:lnSpc>
+              <a:defRPr sz="1100">
+                <a:solidFill>
+                  <a:srgbClr val="000000"/>
+                </a:solidFill>
+                <a:latin typeface="맑은 고딕"/>
+                <a:ea typeface="맑은 고딕"/>
+                <a:cs typeface="맑은 고딕"/>
+              </a:defRPr>
+            </a:pPr>
+            <a:br/>
+          </a:p>
+        </p:txBody>
+      </p:sp>
+      <p:sp>
+        <p:nvSpPr>
+          <p:cNvPr id="1873909739" name="Text">
+    </p:cNvPr>
+          <p:cNvSpPr>
+            <a:spLocks noGrp="1"/>
+          </p:cNvSpPr>
+          <p:nvPr/>
+        </p:nvSpPr>
+        <p:spPr>
+          <a:xfrm rot="0">
+            <a:off x="5791200" y="3771900"/>
+            <a:ext cx="762000" cy="800100"/>
+          </a:xfrm>
+          <a:prstGeom prst="rect">
+            <a:avLst/>
+          </a:prstGeom>
+          <a:ln w="12700">
+            <a:solidFill>
+              <a:srgbClr val="000000"/>
+            </a:solidFill>
+            <a:prstDash val="solid"/>
+          </a:ln>
+        </p:spPr>
+        <p:txBody>
+          <a:bodyPr wrap="square" lIns="0" tIns="0" rIns="0" bIns="0" rtlCol="0" anchor="t"/>
+          <a:lstStyle/>
+          <a:p>
+            <a:pPr algn="ctr">
+              <a:lnSpc>
+                <a:spcPct val="100%"/>
+              </a:lnSpc>
+              <a:defRPr sz="1100">
+                <a:solidFill>
+                  <a:srgbClr val="000000"/>
+                </a:solidFill>
+                <a:latin typeface="맑은 고딕"/>
+                <a:ea typeface="맑은 고딕"/>
+                <a:cs typeface="맑은 고딕"/>
+              </a:defRPr>
+            </a:pPr>
+            <a:br/>
+            <a:r>
+              <a:rPr lang="ko" sz="1100">
+                <a:latin typeface="맑은 고딕"/>
+                <a:ea typeface="맑은 고딕"/>
+                <a:cs typeface="맑은 고딕"/>
+              </a:rPr>
+              <a:t>[보류]</a:t>
+            </a:r>
+            <a:br/>
+          </a:p>
+        </p:txBody>
+      </p:sp>
+      <p:sp>
+        <p:nvSpPr>
+          <p:cNvPr id="896156505" name="Text">
+    </p:cNvPr>
+          <p:cNvSpPr>
+            <a:spLocks noGrp="1"/>
+          </p:cNvSpPr>
+          <p:nvPr/>
+        </p:nvSpPr>
+        <p:spPr>
+          <a:xfrm rot="0">
+            <a:off x="1181100" y="3771900"/>
+            <a:ext cx="4610100" cy="800100"/>
+          </a:xfrm>
+          <a:prstGeom prst="rect">
+            <a:avLst/>
+          </a:prstGeom>
+          <a:ln w="12700">
+            <a:solidFill>
+              <a:srgbClr val="000000"/>
+            </a:solidFill>
+            <a:prstDash val="solid"/>
+          </a:ln>
+        </p:spPr>
+        <p:txBody>
+          <a:bodyPr wrap="square" lIns="0" tIns="0" rIns="0" bIns="0" rtlCol="0" anchor="t"/>
+          <a:lstStyle/>
+          <a:p>
+            <a:pPr algn="l">
+              <a:lnSpc>
+                <a:spcPct val="100%"/>
+              </a:lnSpc>
+              <a:defRPr sz="1100">
+                <a:solidFill>
+                  <a:srgbClr val="000000"/>
+                </a:solidFill>
+                <a:latin typeface="맑은 고딕"/>
+                <a:ea typeface="맑은 고딕"/>
+                <a:cs typeface="맑은 고딕"/>
+              </a:defRPr>
+            </a:pPr>
+            <a:br/>
+            <a:r>
+              <a:rPr lang="ko" sz="1100">
+                <a:latin typeface="맑은 고딕"/>
+                <a:ea typeface="맑은 고딕"/>
+                <a:cs typeface="맑은 고딕"/>
+              </a:rPr>
+              <a:t> 123123</a:t>
+            </a:r>
+            <a:br/>
+          </a:p>
+        </p:txBody>
+      </p:sp>
+      <p:sp>
+        <p:nvSpPr>
+          <p:cNvPr id="748125833" name="Text">
+    </p:cNvPr>
+          <p:cNvSpPr>
+            <a:spLocks noGrp="1"/>
+          </p:cNvSpPr>
+          <p:nvPr/>
+        </p:nvSpPr>
+        <p:spPr>
+          <a:xfrm rot="0">
+            <a:off x="368300" y="3771900"/>
+            <a:ext cx="812800" cy="800100"/>
+          </a:xfrm>
+          <a:prstGeom prst="rect">
+            <a:avLst/>
+          </a:prstGeom>
+          <a:ln w="12700">
+            <a:solidFill>
+              <a:srgbClr val="000000"/>
+            </a:solidFill>
+            <a:prstDash val="solid"/>
+          </a:ln>
+        </p:spPr>
+        <p:txBody>
+          <a:bodyPr wrap="square" lIns="0" tIns="0" rIns="0" bIns="0" rtlCol="0" anchor="ctr"/>
+          <a:lstStyle/>
+          <a:p>
+            <a:pPr algn="ctr">
+              <a:lnSpc>
+                <a:spcPct val="100%"/>
+              </a:lnSpc>
+              <a:defRPr sz="1100">
+                <a:solidFill>
+                  <a:srgbClr val="000000"/>
+                </a:solidFill>
+                <a:latin typeface="맑은 고딕"/>
+                <a:ea typeface="맑은 고딕"/>
+                <a:cs typeface="맑은 고딕"/>
+              </a:defRPr>
+            </a:pPr>
+            <a:r>
+              <a:rPr lang="ko" sz="1100">
+                <a:latin typeface="맑은 고딕"/>
+                <a:ea typeface="맑은 고딕"/>
+                <a:cs typeface="맑은 고딕"/>
+              </a:rPr>
+              <a:t>ERP</a:t>
+            </a:r>
+          </a:p>
+        </p:txBody>
+      </p:sp>
+      <p:sp>
+        <p:nvSpPr>
+          <p:cNvPr id="345825548" name="Text">
+    </p:cNvPr>
+          <p:cNvSpPr>
+            <a:spLocks noGrp="1"/>
+          </p:cNvSpPr>
+          <p:nvPr/>
+        </p:nvSpPr>
+        <p:spPr>
+          <a:xfrm rot="0">
+            <a:off x="368300" y="1473200"/>
+            <a:ext cx="812800" cy="787400"/>
+          </a:xfrm>
+          <a:prstGeom prst="rect">
+            <a:avLst/>
+          </a:prstGeom>
+          <a:ln w="12700">
+            <a:solidFill>
+              <a:srgbClr val="000000"/>
+            </a:solidFill>
+            <a:prstDash val="solid"/>
+          </a:ln>
+        </p:spPr>
+        <p:txBody>
+          <a:bodyPr wrap="square" lIns="0" tIns="0" rIns="0" bIns="0" rtlCol="0" anchor="ctr"/>
+          <a:lstStyle/>
+          <a:p>
+            <a:pPr algn="ctr">
+              <a:lnSpc>
+                <a:spcPct val="100%"/>
+              </a:lnSpc>
+              <a:defRPr sz="1100">
+                <a:solidFill>
+                  <a:srgbClr val="000000"/>
+                </a:solidFill>
+                <a:latin typeface="맑은 고딕"/>
+                <a:ea typeface="맑은 고딕"/>
+                <a:cs typeface="맑은 고딕"/>
+              </a:defRPr>
+            </a:pPr>
+            <a:r>
+              <a:rPr lang="ko" sz="1100">
+                <a:latin typeface="맑은 고딕"/>
+                <a:ea typeface="맑은 고딕"/>
+                <a:cs typeface="맑은 고딕"/>
+              </a:rPr>
+              <a:t>ERP</a:t>
+            </a:r>
+          </a:p>
+        </p:txBody>
+      </p:sp>
+      <p:sp>
+        <p:nvSpPr>
+          <p:cNvPr id="2012291771" name="Text">
+    </p:cNvPr>
+          <p:cNvSpPr>
+            <a:spLocks noGrp="1"/>
+          </p:cNvSpPr>
+          <p:nvPr/>
+        </p:nvSpPr>
+        <p:spPr>
+          <a:xfrm rot="0">
+            <a:off x="1181100" y="1473200"/>
+            <a:ext cx="4572000" cy="787400"/>
+          </a:xfrm>
+          <a:prstGeom prst="rect">
+            <a:avLst/>
+          </a:prstGeom>
+          <a:ln w="12700">
+            <a:solidFill>
+              <a:srgbClr val="000000"/>
+            </a:solidFill>
+            <a:prstDash val="solid"/>
+          </a:ln>
+        </p:spPr>
+        <p:txBody>
+          <a:bodyPr wrap="square" lIns="0" tIns="0" rIns="0" bIns="0" rtlCol="0" anchor="t"/>
+          <a:lstStyle/>
+          <a:p>
+            <a:pPr algn="l">
+              <a:lnSpc>
+                <a:spcPct val="100%"/>
+              </a:lnSpc>
+              <a:defRPr sz="1100">
+                <a:solidFill>
+                  <a:srgbClr val="000000"/>
+                </a:solidFill>
+                <a:latin typeface="맑은 고딕"/>
+                <a:ea typeface="맑은 고딕"/>
+                <a:cs typeface="맑은 고딕"/>
+              </a:defRPr>
+            </a:pPr>
+            <a:br/>
+            <a:r>
+              <a:rPr lang="ko" sz="1100">
+                <a:latin typeface="맑은 고딕"/>
+                <a:ea typeface="맑은 고딕"/>
+                <a:cs typeface="맑은 고딕"/>
+              </a:rPr>
+              <a:t> erw</a:t>
+            </a:r>
+            <a:br/>
+            <a:r>
+              <a:rPr lang="ko" sz="1100">
+                <a:latin typeface="맑은 고딕"/>
+                <a:ea typeface="맑은 고딕"/>
+                <a:cs typeface="맑은 고딕"/>
+              </a:rPr>
+              <a:t> fsdfqw</a:t>
+            </a:r>
+            <a:br/>
+          </a:p>
+        </p:txBody>
+      </p:sp>
+      <p:sp>
+        <p:nvSpPr>
+          <p:cNvPr id="283563927" name="Text">
+    </p:cNvPr>
+          <p:cNvSpPr>
+            <a:spLocks noGrp="1"/>
+          </p:cNvSpPr>
+          <p:nvPr/>
+        </p:nvSpPr>
+        <p:spPr>
+          <a:xfrm rot="0">
+            <a:off x="7543800" y="1473200"/>
+            <a:ext cx="2667000" cy="787400"/>
+          </a:xfrm>
+          <a:prstGeom prst="rect">
+            <a:avLst/>
+          </a:prstGeom>
+          <a:ln w="12700">
+            <a:solidFill>
+              <a:srgbClr val="000000"/>
+            </a:solidFill>
+            <a:prstDash val="solid"/>
+          </a:ln>
+        </p:spPr>
+        <p:txBody>
+          <a:bodyPr wrap="square" lIns="0" tIns="0" rIns="0" bIns="0" rtlCol="0" anchor="t"/>
+          <a:lstStyle/>
+          <a:p>
+            <a:pPr algn="l">
+              <a:lnSpc>
+                <a:spcPct val="100%"/>
+              </a:lnSpc>
+              <a:defRPr sz="1100">
+                <a:solidFill>
+                  <a:srgbClr val="000000"/>
+                </a:solidFill>
+                <a:latin typeface="맑은 고딕"/>
+                <a:ea typeface="맑은 고딕"/>
+                <a:cs typeface="맑은 고딕"/>
+              </a:defRPr>
+            </a:pPr>
+            <a:br/>
+            <a:r>
+              <a:rPr lang="ko" sz="1100">
+                <a:latin typeface="맑은 고딕"/>
+                <a:ea typeface="맑은 고딕"/>
+                <a:cs typeface="맑은 고딕"/>
+              </a:rPr>
+              <a:t>1</a:t>
+            </a:r>
+          </a:p>
+        </p:txBody>
+      </p:sp>
+      <p:sp>
+        <p:nvSpPr>
+          <p:cNvPr id="127041588" name="Text">
+    </p:cNvPr>
+          <p:cNvSpPr>
+            <a:spLocks noGrp="1"/>
+          </p:cNvSpPr>
+          <p:nvPr/>
+        </p:nvSpPr>
+        <p:spPr>
+          <a:xfrm rot="0">
+            <a:off x="6527800" y="1473200"/>
+            <a:ext cx="749300" cy="787400"/>
+          </a:xfrm>
+          <a:prstGeom prst="rect">
+            <a:avLst/>
+          </a:prstGeom>
+          <a:ln w="12700">
+            <a:solidFill>
+              <a:srgbClr val="000000"/>
+            </a:solidFill>
+            <a:prstDash val="solid"/>
+          </a:ln>
+        </p:spPr>
+        <p:txBody>
+          <a:bodyPr wrap="square" lIns="0" tIns="0" rIns="0" bIns="0" rtlCol="0" anchor="ctr"/>
+          <a:lstStyle/>
+          <a:p>
+            <a:pPr algn="ctr">
+              <a:lnSpc>
+                <a:spcPct val="100%"/>
+              </a:lnSpc>
+              <a:defRPr sz="1100">
+                <a:solidFill>
+                  <a:srgbClr val="000000"/>
+                </a:solidFill>
+                <a:latin typeface="맑은 고딕"/>
+                <a:ea typeface="맑은 고딕"/>
+                <a:cs typeface="맑은 고딕"/>
+              </a:defRPr>
+            </a:pPr>
+            <a:r>
+              <a:rPr lang="ko" sz="1100">
+                <a:latin typeface="맑은 고딕"/>
+                <a:ea typeface="맑은 고딕"/>
+                <a:cs typeface="맑은 고딕"/>
+              </a:rPr>
+              <a:t>1</a:t>
+            </a:r>
+          </a:p>
+        </p:txBody>
+      </p:sp>
+      <p:sp>
+        <p:nvSpPr>
+          <p:cNvPr id="1962251595" name="Text">
+    </p:cNvPr>
+          <p:cNvSpPr>
+            <a:spLocks noGrp="1"/>
+          </p:cNvSpPr>
+          <p:nvPr/>
+        </p:nvSpPr>
+        <p:spPr>
+          <a:xfrm rot="0">
+            <a:off x="177800" y="838200"/>
+            <a:ext cx="2489200" cy="215900"/>
+          </a:xfrm>
+          <a:prstGeom prst="rect">
+            <a:avLst/>
+          </a:prstGeom>
+          <a:solidFill>
+            <a:srgbClr val="C7CDFD"/>
+          </a:solidFill>
+        </p:spPr>
+        <p:txBody>
+          <a:bodyPr wrap="square" lIns="0" tIns="0" rIns="0" bIns="0" rtlCol="0" anchor="ctr"/>
+          <a:lstStyle/>
+          <a:p>
+            <a:pPr algn="ctr">
+              <a:lnSpc>
+                <a:spcPct val="100%"/>
+              </a:lnSpc>
+              <a:defRPr sz="1000" b="1">
+                <a:solidFill>
+                  <a:srgbClr val="000000"/>
+                </a:solidFill>
+                <a:latin typeface="맑은 고딕"/>
+                <a:ea typeface="맑은 고딕"/>
+                <a:cs typeface="맑은 고딕"/>
+              </a:defRPr>
+            </a:pPr>
+            <a:r>
+              <a:rPr lang="ko" sz="1000" b="1">
+                <a:latin typeface="맑은 고딕"/>
+                <a:ea typeface="맑은 고딕"/>
+                <a:cs typeface="맑은 고딕"/>
+              </a:rPr>
+              <a:t>금주 업무 실적</a:t>
+            </a:r>
+          </a:p>
+        </p:txBody>
+      </p:sp>
+      <p:sp>
+        <p:nvSpPr>
+          <p:cNvPr id="183473556" name="Text">
+    </p:cNvPr>
+          <p:cNvSpPr>
+            <a:spLocks noGrp="1"/>
+          </p:cNvSpPr>
+          <p:nvPr/>
+        </p:nvSpPr>
+        <p:spPr>
+          <a:xfrm rot="0">
+            <a:off x="190500" y="3175000"/>
+            <a:ext cx="2476500" cy="228600"/>
+          </a:xfrm>
+          <a:prstGeom prst="rect">
+            <a:avLst/>
+          </a:prstGeom>
+          <a:solidFill>
+            <a:srgbClr val="FF9900"/>
+          </a:solidFill>
+        </p:spPr>
+        <p:txBody>
+          <a:bodyPr wrap="square" lIns="0" tIns="0" rIns="0" bIns="0" rtlCol="0" anchor="ctr"/>
+          <a:lstStyle/>
+          <a:p>
+            <a:pPr algn="ctr">
+              <a:lnSpc>
+                <a:spcPct val="100%"/>
+              </a:lnSpc>
+              <a:defRPr sz="1000" b="1">
+                <a:solidFill>
+                  <a:srgbClr val="000000"/>
+                </a:solidFill>
+                <a:latin typeface="맑은 고딕"/>
+                <a:ea typeface="맑은 고딕"/>
+                <a:cs typeface="맑은 고딕"/>
+              </a:defRPr>
+            </a:pPr>
+            <a:r>
+              <a:rPr lang="ko" sz="1000" b="1">
+                <a:latin typeface="맑은 고딕"/>
+                <a:ea typeface="맑은 고딕"/>
+                <a:cs typeface="맑은 고딕"/>
+              </a:rPr>
+              <a:t>차주 업무 계획</a:t>
+            </a:r>
+          </a:p>
+        </p:txBody>
+      </p:sp>
+      <p:sp>
+        <p:nvSpPr>
+          <p:cNvPr id="747872561" name="Text">
+    </p:cNvPr>
+          <p:cNvSpPr>
+            <a:spLocks noGrp="1"/>
+          </p:cNvSpPr>
+          <p:nvPr/>
+        </p:nvSpPr>
+        <p:spPr>
+          <a:xfrm rot="0">
+            <a:off x="355600" y="1079500"/>
+            <a:ext cx="825500" cy="393700"/>
+          </a:xfrm>
+          <a:prstGeom prst="rect">
+            <a:avLst/>
+          </a:prstGeom>
+          <a:solidFill>
+            <a:srgbClr val="FFCC99"/>
+          </a:solidFill>
+          <a:ln w="12700">
+            <a:solidFill>
+              <a:srgbClr val="000000"/>
+            </a:solidFill>
+            <a:prstDash val="solid"/>
+          </a:ln>
+        </p:spPr>
+        <p:txBody>
+          <a:bodyPr wrap="square" lIns="0" tIns="0" rIns="0" bIns="0" rtlCol="0" anchor="ctr"/>
+          <a:lstStyle/>
+          <a:p>
+            <a:pPr algn="ctr">
+              <a:lnSpc>
+                <a:spcPct val="100%"/>
+              </a:lnSpc>
+              <a:defRPr sz="1000">
+                <a:solidFill>
+                  <a:srgbClr val="000000"/>
+                </a:solidFill>
+                <a:latin typeface="맑은 고딕"/>
+                <a:ea typeface="맑은 고딕"/>
+                <a:cs typeface="맑은 고딕"/>
+              </a:defRPr>
+            </a:pPr>
+            <a:r>
+              <a:rPr lang="ko" sz="1000">
+                <a:latin typeface="맑은 고딕"/>
+                <a:ea typeface="맑은 고딕"/>
+                <a:cs typeface="맑은 고딕"/>
+              </a:rPr>
+              <a:t>구분</a:t>
+            </a:r>
+          </a:p>
+        </p:txBody>
+      </p:sp>
+      <p:sp>
+        <p:nvSpPr>
+          <p:cNvPr id="1066604471" name="Text">
+    </p:cNvPr>
+          <p:cNvSpPr>
+            <a:spLocks noGrp="1"/>
+          </p:cNvSpPr>
+          <p:nvPr/>
+        </p:nvSpPr>
+        <p:spPr>
+          <a:xfrm rot="0">
+            <a:off x="1181100" y="1079500"/>
+            <a:ext cx="4572000" cy="393700"/>
+          </a:xfrm>
+          <a:prstGeom prst="rect">
+            <a:avLst/>
+          </a:prstGeom>
+          <a:solidFill>
+            <a:srgbClr val="FFCC99"/>
+          </a:solidFill>
+          <a:ln w="12700">
+            <a:solidFill>
+              <a:srgbClr val="000000"/>
+            </a:solidFill>
+            <a:prstDash val="solid"/>
+          </a:ln>
+        </p:spPr>
+        <p:txBody>
+          <a:bodyPr wrap="square" lIns="0" tIns="0" rIns="0" bIns="0" rtlCol="0" anchor="ctr"/>
+          <a:lstStyle/>
+          <a:p>
+            <a:pPr algn="ctr">
+              <a:lnSpc>
+                <a:spcPct val="100%"/>
+              </a:lnSpc>
+              <a:defRPr sz="1000">
+                <a:solidFill>
+                  <a:srgbClr val="000000"/>
+                </a:solidFill>
+                <a:latin typeface="맑은 고딕"/>
+                <a:ea typeface="맑은 고딕"/>
+                <a:cs typeface="맑은 고딕"/>
+              </a:defRPr>
+            </a:pPr>
+            <a:r>
+              <a:rPr lang="ko" sz="1000">
+                <a:latin typeface="맑은 고딕"/>
+                <a:ea typeface="맑은 고딕"/>
+                <a:cs typeface="맑은 고딕"/>
+              </a:rPr>
+              <a:t>업무 내용</a:t>
+            </a:r>
+          </a:p>
+        </p:txBody>
+      </p:sp>
+      <p:sp>
+        <p:nvSpPr>
+          <p:cNvPr id="1737790147" name="Text">
+    </p:cNvPr>
+          <p:cNvSpPr>
+            <a:spLocks noGrp="1"/>
+          </p:cNvSpPr>
+          <p:nvPr/>
+        </p:nvSpPr>
+        <p:spPr>
+          <a:xfrm rot="0">
+            <a:off x="6527800" y="1079500"/>
+            <a:ext cx="762000" cy="393700"/>
+          </a:xfrm>
+          <a:prstGeom prst="rect">
+            <a:avLst/>
+          </a:prstGeom>
+          <a:solidFill>
+            <a:srgbClr val="FFCC99"/>
+          </a:solidFill>
+          <a:ln w="12700">
+            <a:solidFill>
+              <a:srgbClr val="000000"/>
+            </a:solidFill>
+            <a:prstDash val="solid"/>
+          </a:ln>
+        </p:spPr>
+        <p:txBody>
+          <a:bodyPr wrap="square" lIns="0" tIns="0" rIns="0" bIns="0" rtlCol="0" anchor="ctr"/>
+          <a:lstStyle/>
+          <a:p>
+            <a:pPr algn="ctr">
+              <a:lnSpc>
+                <a:spcPct val="100%"/>
+              </a:lnSpc>
+              <a:defRPr sz="1000">
+                <a:solidFill>
+                  <a:srgbClr val="000000"/>
+                </a:solidFill>
+                <a:latin typeface="맑은 고딕"/>
+                <a:ea typeface="맑은 고딕"/>
+                <a:cs typeface="맑은 고딕"/>
+              </a:defRPr>
+            </a:pPr>
+            <a:r>
+              <a:rPr lang="ko" sz="1000">
+                <a:latin typeface="맑은 고딕"/>
+                <a:ea typeface="맑은 고딕"/>
+                <a:cs typeface="맑은 고딕"/>
+              </a:rPr>
+              <a:t>진행율</a:t>
+            </a:r>
+          </a:p>
+        </p:txBody>
+      </p:sp>
+      <p:sp>
+        <p:nvSpPr>
+          <p:cNvPr id="295827600" name="Text">
+    </p:cNvPr>
+          <p:cNvSpPr>
+            <a:spLocks noGrp="1"/>
+          </p:cNvSpPr>
+          <p:nvPr/>
+        </p:nvSpPr>
+        <p:spPr>
+          <a:xfrm rot="0">
+            <a:off x="7289800" y="1079500"/>
+            <a:ext cx="254000" cy="393700"/>
+          </a:xfrm>
+          <a:prstGeom prst="rect">
+            <a:avLst/>
+          </a:prstGeom>
+          <a:solidFill>
+            <a:srgbClr val="FFCC99"/>
+          </a:solidFill>
+          <a:ln w="12700">
+            <a:solidFill>
+              <a:srgbClr val="000000"/>
+            </a:solidFill>
+            <a:prstDash val="solid"/>
+          </a:ln>
+        </p:spPr>
+        <p:txBody>
+          <a:bodyPr wrap="square" lIns="0" tIns="0" rIns="0" bIns="0" rtlCol="0" anchor="ctr"/>
+          <a:lstStyle/>
+          <a:p>
+            <a:pPr algn="ctr">
+              <a:lnSpc>
+                <a:spcPct val="100%"/>
+              </a:lnSpc>
+              <a:defRPr sz="1000">
+                <a:solidFill>
+                  <a:srgbClr val="000000"/>
+                </a:solidFill>
+                <a:latin typeface="맑은 고딕"/>
+                <a:ea typeface="맑은 고딕"/>
+                <a:cs typeface="맑은 고딕"/>
+              </a:defRPr>
+            </a:pPr>
+            <a:r>
+              <a:rPr lang="ko" sz="1000">
+                <a:latin typeface="맑은 고딕"/>
+                <a:ea typeface="맑은 고딕"/>
+                <a:cs typeface="맑은 고딕"/>
+              </a:rPr>
+              <a:t>상</a:t>
+            </a:r>
+            <a:br/>
+            <a:r>
+              <a:rPr lang="ko" sz="1000">
+                <a:latin typeface="맑은 고딕"/>
+                <a:ea typeface="맑은 고딕"/>
+                <a:cs typeface="맑은 고딕"/>
+              </a:rPr>
+              <a:t>태</a:t>
+            </a:r>
+          </a:p>
+        </p:txBody>
+      </p:sp>
+      <p:sp>
+        <p:nvSpPr>
+          <p:cNvPr id="545937852" name="Text">
+    </p:cNvPr>
+          <p:cNvSpPr>
+            <a:spLocks noGrp="1"/>
+          </p:cNvSpPr>
+          <p:nvPr/>
+        </p:nvSpPr>
+        <p:spPr>
+          <a:xfrm rot="0">
+            <a:off x="368300" y="3429000"/>
+            <a:ext cx="812800" cy="342900"/>
+          </a:xfrm>
+          <a:prstGeom prst="rect">
+            <a:avLst/>
+          </a:prstGeom>
+          <a:solidFill>
+            <a:srgbClr val="FFCC99"/>
+          </a:solidFill>
+          <a:ln w="12700">
+            <a:solidFill>
+              <a:srgbClr val="000000"/>
+            </a:solidFill>
+            <a:prstDash val="solid"/>
+          </a:ln>
+        </p:spPr>
+        <p:txBody>
+          <a:bodyPr wrap="square" lIns="0" tIns="0" rIns="0" bIns="0" rtlCol="0" anchor="ctr"/>
+          <a:lstStyle/>
+          <a:p>
+            <a:pPr algn="ctr">
+              <a:lnSpc>
+                <a:spcPct val="100%"/>
+              </a:lnSpc>
+              <a:defRPr sz="1000">
+                <a:solidFill>
+                  <a:srgbClr val="000000"/>
+                </a:solidFill>
+                <a:latin typeface="맑은 고딕"/>
+                <a:ea typeface="맑은 고딕"/>
+                <a:cs typeface="맑은 고딕"/>
+              </a:defRPr>
+            </a:pPr>
+            <a:r>
+              <a:rPr lang="ko" sz="1000">
+                <a:latin typeface="맑은 고딕"/>
+                <a:ea typeface="맑은 고딕"/>
+                <a:cs typeface="맑은 고딕"/>
+              </a:rPr>
+              <a:t>구분</a:t>
+            </a:r>
+          </a:p>
+        </p:txBody>
+      </p:sp>
+      <p:sp>
+        <p:nvSpPr>
+          <p:cNvPr id="126082229" name="Text">
+    </p:cNvPr>
+          <p:cNvSpPr>
+            <a:spLocks noGrp="1"/>
+          </p:cNvSpPr>
+          <p:nvPr/>
+        </p:nvSpPr>
+        <p:spPr>
+          <a:xfrm rot="0">
+            <a:off x="1181100" y="3429000"/>
+            <a:ext cx="4610100" cy="342900"/>
+          </a:xfrm>
+          <a:prstGeom prst="rect">
+            <a:avLst/>
+          </a:prstGeom>
+          <a:solidFill>
+            <a:srgbClr val="FFCC99"/>
+          </a:solidFill>
+          <a:ln w="12700">
+            <a:solidFill>
+              <a:srgbClr val="000000"/>
+            </a:solidFill>
+            <a:prstDash val="solid"/>
+          </a:ln>
+        </p:spPr>
+        <p:txBody>
+          <a:bodyPr wrap="square" lIns="0" tIns="0" rIns="0" bIns="0" rtlCol="0" anchor="ctr"/>
+          <a:lstStyle/>
+          <a:p>
+            <a:pPr algn="ctr">
+              <a:lnSpc>
+                <a:spcPct val="100%"/>
+              </a:lnSpc>
+              <a:defRPr sz="1000">
+                <a:solidFill>
+                  <a:srgbClr val="000000"/>
+                </a:solidFill>
+                <a:latin typeface="맑은 고딕"/>
+                <a:ea typeface="맑은 고딕"/>
+                <a:cs typeface="맑은 고딕"/>
+              </a:defRPr>
+            </a:pPr>
+            <a:r>
+              <a:rPr lang="ko" sz="1000">
+                <a:latin typeface="맑은 고딕"/>
+                <a:ea typeface="맑은 고딕"/>
+                <a:cs typeface="맑은 고딕"/>
+              </a:rPr>
+              <a:t>업무 내용</a:t>
+            </a:r>
+          </a:p>
+        </p:txBody>
+      </p:sp>
+      <p:sp>
+        <p:nvSpPr>
+          <p:cNvPr id="1153586188" name="Text">
+    </p:cNvPr>
+          <p:cNvSpPr>
+            <a:spLocks noGrp="1"/>
+          </p:cNvSpPr>
+          <p:nvPr/>
+        </p:nvSpPr>
+        <p:spPr>
+          <a:xfrm rot="0">
+            <a:off x="5791200" y="3429000"/>
+            <a:ext cx="762000" cy="342900"/>
+          </a:xfrm>
+          <a:prstGeom prst="rect">
+            <a:avLst/>
+          </a:prstGeom>
+          <a:solidFill>
+            <a:srgbClr val="FFCC99"/>
+          </a:solidFill>
+          <a:ln w="12700">
+            <a:solidFill>
+              <a:srgbClr val="000000"/>
+            </a:solidFill>
+            <a:prstDash val="solid"/>
+          </a:ln>
+        </p:spPr>
+        <p:txBody>
+          <a:bodyPr wrap="square" lIns="0" tIns="0" rIns="0" bIns="0" rtlCol="0" anchor="ctr"/>
+          <a:lstStyle/>
+          <a:p>
+            <a:pPr algn="ctr">
+              <a:lnSpc>
+                <a:spcPct val="100%"/>
+              </a:lnSpc>
+              <a:defRPr sz="1000">
+                <a:solidFill>
+                  <a:srgbClr val="000000"/>
+                </a:solidFill>
+                <a:latin typeface="맑은 고딕"/>
+                <a:ea typeface="맑은 고딕"/>
+                <a:cs typeface="맑은 고딕"/>
+              </a:defRPr>
+            </a:pPr>
+            <a:r>
+              <a:rPr lang="ko" sz="1000">
+                <a:latin typeface="맑은 고딕"/>
+                <a:ea typeface="맑은 고딕"/>
+                <a:cs typeface="맑은 고딕"/>
+              </a:rPr>
+              <a:t>완료예정</a:t>
+            </a:r>
+          </a:p>
+        </p:txBody>
+      </p:sp>
+      <p:sp>
+        <p:nvSpPr>
+          <p:cNvPr id="1513701756" name="Text">
+    </p:cNvPr>
+          <p:cNvSpPr>
+            <a:spLocks noGrp="1"/>
+          </p:cNvSpPr>
+          <p:nvPr/>
+        </p:nvSpPr>
+        <p:spPr>
+          <a:xfrm rot="0">
+            <a:off x="7543800" y="1079500"/>
+            <a:ext cx="2667000" cy="393700"/>
+          </a:xfrm>
+          <a:prstGeom prst="rect">
+            <a:avLst/>
+          </a:prstGeom>
+          <a:solidFill>
+            <a:srgbClr val="FFCC99"/>
+          </a:solidFill>
+          <a:ln w="12700">
+            <a:solidFill>
+              <a:srgbClr val="000000"/>
+            </a:solidFill>
+            <a:prstDash val="solid"/>
+          </a:ln>
+        </p:spPr>
+        <p:txBody>
+          <a:bodyPr wrap="square" lIns="0" tIns="0" rIns="0" bIns="0" rtlCol="0" anchor="ctr"/>
+          <a:lstStyle/>
+          <a:p>
+            <a:pPr algn="ctr">
+              <a:lnSpc>
+                <a:spcPct val="100%"/>
+              </a:lnSpc>
+              <a:defRPr sz="1000">
+                <a:solidFill>
+                  <a:srgbClr val="000000"/>
+                </a:solidFill>
+                <a:latin typeface="맑은 고딕"/>
+                <a:ea typeface="맑은 고딕"/>
+                <a:cs typeface="맑은 고딕"/>
+              </a:defRPr>
+            </a:pPr>
+            <a:r>
+              <a:rPr lang="ko" sz="1000">
+                <a:latin typeface="맑은 고딕"/>
+                <a:ea typeface="맑은 고딕"/>
+                <a:cs typeface="맑은 고딕"/>
+              </a:rPr>
+              <a:t>비고</a:t>
+            </a:r>
+          </a:p>
+        </p:txBody>
+      </p:sp>
+      <p:sp>
+        <p:nvSpPr>
+          <p:cNvPr id="671917118" name="Text">
+    </p:cNvPr>
+          <p:cNvSpPr>
+            <a:spLocks noGrp="1"/>
+          </p:cNvSpPr>
+          <p:nvPr/>
+        </p:nvSpPr>
+        <p:spPr>
+          <a:xfrm rot="0">
+            <a:off x="6553200" y="3429000"/>
+            <a:ext cx="3670300" cy="342900"/>
+          </a:xfrm>
+          <a:prstGeom prst="rect">
+            <a:avLst/>
+          </a:prstGeom>
+          <a:solidFill>
+            <a:srgbClr val="FFCC99"/>
+          </a:solidFill>
+          <a:ln w="12700">
+            <a:solidFill>
+              <a:srgbClr val="000000"/>
+            </a:solidFill>
+            <a:prstDash val="solid"/>
+          </a:ln>
+        </p:spPr>
+        <p:txBody>
+          <a:bodyPr wrap="square" lIns="0" tIns="0" rIns="0" bIns="0" rtlCol="0" anchor="ctr"/>
+          <a:lstStyle/>
+          <a:p>
+            <a:pPr algn="ctr">
+              <a:lnSpc>
+                <a:spcPct val="100%"/>
+              </a:lnSpc>
+              <a:defRPr sz="1000">
+                <a:solidFill>
+                  <a:srgbClr val="000000"/>
+                </a:solidFill>
+                <a:latin typeface="맑은 고딕"/>
+                <a:ea typeface="맑은 고딕"/>
+                <a:cs typeface="맑은 고딕"/>
+              </a:defRPr>
+            </a:pPr>
+            <a:r>
+              <a:rPr lang="ko" sz="1000">
+                <a:latin typeface="맑은 고딕"/>
+                <a:ea typeface="맑은 고딕"/>
+                <a:cs typeface="맑은 고딕"/>
+              </a:rPr>
+              <a:t>비고</a:t>
+            </a:r>
+          </a:p>
+        </p:txBody>
+      </p:sp>
+      <p:sp>
+        <p:nvSpPr>
+          <p:cNvPr id="829662206" name="Text">
+    </p:cNvPr>
+          <p:cNvSpPr>
+            <a:spLocks noGrp="1"/>
+          </p:cNvSpPr>
+          <p:nvPr/>
+        </p:nvSpPr>
+        <p:spPr>
+          <a:xfrm rot="0">
+            <a:off x="5753100" y="1079500"/>
+            <a:ext cx="774700" cy="393700"/>
+          </a:xfrm>
+          <a:prstGeom prst="rect">
+            <a:avLst/>
+          </a:prstGeom>
+          <a:solidFill>
+            <a:srgbClr val="FFCC99"/>
+          </a:solidFill>
+          <a:ln w="12700">
+            <a:solidFill>
+              <a:srgbClr val="000000"/>
+            </a:solidFill>
+            <a:prstDash val="solid"/>
+          </a:ln>
+        </p:spPr>
+        <p:txBody>
+          <a:bodyPr wrap="square" lIns="0" tIns="0" rIns="0" bIns="0" rtlCol="0" anchor="ctr"/>
+          <a:lstStyle/>
+          <a:p>
+            <a:pPr algn="ctr">
+              <a:lnSpc>
+                <a:spcPct val="100%"/>
+              </a:lnSpc>
+              <a:defRPr sz="1000">
+                <a:solidFill>
+                  <a:srgbClr val="000000"/>
+                </a:solidFill>
+                <a:latin typeface="맑은 고딕"/>
+                <a:ea typeface="맑은 고딕"/>
+                <a:cs typeface="맑은 고딕"/>
+              </a:defRPr>
+            </a:pPr>
+            <a:r>
+              <a:rPr lang="ko" sz="1000">
+                <a:latin typeface="맑은 고딕"/>
+                <a:ea typeface="맑은 고딕"/>
+                <a:cs typeface="맑은 고딕"/>
+              </a:rPr>
+              <a:t>완료일</a:t>
+            </a:r>
+          </a:p>
+        </p:txBody>
+      </p:sp>
+      <p:sp>
+        <p:nvSpPr>
+          <p:cNvPr id="1732764648" name="Text">
+    </p:cNvPr>
+          <p:cNvSpPr>
+            <a:spLocks noGrp="1"/>
+          </p:cNvSpPr>
+          <p:nvPr/>
+        </p:nvSpPr>
+        <p:spPr>
+          <a:xfrm rot="0">
+            <a:off x="5753100" y="1473200"/>
+            <a:ext cx="774700" cy="787400"/>
+          </a:xfrm>
+          <a:prstGeom prst="rect">
+            <a:avLst/>
+          </a:prstGeom>
+          <a:ln w="12700">
+            <a:solidFill>
+              <a:srgbClr val="000000"/>
+            </a:solidFill>
+            <a:prstDash val="solid"/>
+          </a:ln>
+        </p:spPr>
+        <p:txBody>
+          <a:bodyPr wrap="square" lIns="0" tIns="0" rIns="0" bIns="0" rtlCol="0" anchor="t"/>
+          <a:lstStyle/>
+          <a:p>
+            <a:pPr algn="ctr">
+              <a:lnSpc>
+                <a:spcPct val="100%"/>
+              </a:lnSpc>
+              <a:defRPr sz="1100">
+                <a:solidFill>
+                  <a:srgbClr val="000000"/>
+                </a:solidFill>
+                <a:latin typeface="맑은 고딕"/>
+                <a:ea typeface="맑은 고딕"/>
+                <a:cs typeface="맑은 고딕"/>
+              </a:defRPr>
+            </a:pPr>
+            <a:br/>
+            <a:r>
+              <a:rPr lang="ko" sz="1100">
+                <a:latin typeface="맑은 고딕"/>
+                <a:ea typeface="맑은 고딕"/>
+                <a:cs typeface="맑은 고딕"/>
+              </a:rPr>
+              <a:t>[보류]</a:t>
+            </a:r>
+            <a:br/>
+            <a:r>
+              <a:rPr lang="ko" sz="1100">
+                <a:latin typeface="맑은 고딕"/>
+                <a:ea typeface="맑은 고딕"/>
+                <a:cs typeface="맑은 고딕"/>
+              </a:rPr>
+              <a:t>[보류]</a:t>
+            </a:r>
+            <a:br/>
+          </a:p>
+        </p:txBody>
+      </p:sp>
+      <p:sp>
+        <p:nvSpPr>
+          <p:cNvPr id="2003135709" name="Text">
+    </p:cNvPr>
+          <p:cNvSpPr>
+            <a:spLocks noGrp="1"/>
+          </p:cNvSpPr>
+          <p:nvPr/>
+        </p:nvSpPr>
+        <p:spPr>
+          <a:xfrm rot="0">
+            <a:off x="368300" y="2260600"/>
+            <a:ext cx="812800" cy="812800"/>
+          </a:xfrm>
+          <a:prstGeom prst="rect">
+            <a:avLst/>
+          </a:prstGeom>
+          <a:ln w="12700">
+            <a:solidFill>
+              <a:srgbClr val="000000"/>
+            </a:solidFill>
+            <a:prstDash val="solid"/>
+          </a:ln>
+        </p:spPr>
+        <p:txBody>
+          <a:bodyPr wrap="square" lIns="0" tIns="0" rIns="0" bIns="0" rtlCol="0" anchor="ctr"/>
+          <a:lstStyle/>
+          <a:p>
+            <a:pPr algn="ctr">
+              <a:lnSpc>
+                <a:spcPct val="100%"/>
+              </a:lnSpc>
+              <a:defRPr sz="1100">
+                <a:solidFill>
+                  <a:srgbClr val="000000"/>
+                </a:solidFill>
+                <a:latin typeface="맑은 고딕"/>
+                <a:ea typeface="맑은 고딕"/>
+                <a:cs typeface="맑은 고딕"/>
+              </a:defRPr>
+            </a:pPr>
+            <a:r>
+              <a:rPr lang="ko" sz="1100">
+                <a:latin typeface="맑은 고딕"/>
+                <a:ea typeface="맑은 고딕"/>
+                <a:cs typeface="맑은 고딕"/>
+              </a:rPr>
+              <a:t>WEB</a:t>
+            </a:r>
+          </a:p>
+        </p:txBody>
+      </p:sp>
+      <p:sp>
+        <p:nvSpPr>
+          <p:cNvPr id="981797723" name="Text">
+    </p:cNvPr>
+          <p:cNvSpPr>
+            <a:spLocks noGrp="1"/>
+          </p:cNvSpPr>
+          <p:nvPr/>
+        </p:nvSpPr>
+        <p:spPr>
+          <a:xfrm rot="0">
+            <a:off x="1181100" y="2260600"/>
+            <a:ext cx="4572000" cy="812800"/>
+          </a:xfrm>
+          <a:prstGeom prst="rect">
+            <a:avLst/>
+          </a:prstGeom>
+          <a:ln w="12700">
+            <a:solidFill>
+              <a:srgbClr val="000000"/>
+            </a:solidFill>
+            <a:prstDash val="solid"/>
+          </a:ln>
+        </p:spPr>
+        <p:txBody>
+          <a:bodyPr wrap="square" lIns="0" tIns="0" rIns="0" bIns="0" rtlCol="0" anchor="t"/>
+          <a:lstStyle/>
+          <a:p>
+            <a:pPr algn="l">
+              <a:lnSpc>
+                <a:spcPct val="100%"/>
+              </a:lnSpc>
+              <a:defRPr sz="1100">
+                <a:solidFill>
+                  <a:srgbClr val="000000"/>
+                </a:solidFill>
+                <a:latin typeface="맑은 고딕"/>
+                <a:ea typeface="맑은 고딕"/>
+                <a:cs typeface="맑은 고딕"/>
+              </a:defRPr>
+            </a:pPr>
+            <a:br/>
+            <a:r>
+              <a:rPr lang="ko" sz="1100">
+                <a:latin typeface="맑은 고딕"/>
+                <a:ea typeface="맑은 고딕"/>
+                <a:cs typeface="맑은 고딕"/>
+              </a:rPr>
+              <a:t> 2</a:t>
+            </a:r>
+            <a:br/>
+            <a:r>
+              <a:rPr lang="ko" sz="1100">
+                <a:latin typeface="맑은 고딕"/>
+                <a:ea typeface="맑은 고딕"/>
+                <a:cs typeface="맑은 고딕"/>
+              </a:rPr>
+              <a:t> 가나다</a:t>
+            </a:r>
+            <a:br/>
+          </a:p>
+        </p:txBody>
+      </p:sp>
+      <p:sp>
+        <p:nvSpPr>
+          <p:cNvPr id="382022566" name="Text">
+    </p:cNvPr>
+          <p:cNvSpPr>
+            <a:spLocks noGrp="1"/>
+          </p:cNvSpPr>
+          <p:nvPr/>
+        </p:nvSpPr>
+        <p:spPr>
+          <a:xfrm rot="0">
+            <a:off x="7543800" y="2260600"/>
+            <a:ext cx="2667000" cy="812800"/>
+          </a:xfrm>
+          <a:prstGeom prst="rect">
+            <a:avLst/>
+          </a:prstGeom>
+          <a:ln w="12700">
+            <a:solidFill>
+              <a:srgbClr val="000000"/>
+            </a:solidFill>
+            <a:prstDash val="solid"/>
+          </a:ln>
+        </p:spPr>
+        <p:txBody>
+          <a:bodyPr wrap="square" lIns="0" tIns="0" rIns="0" bIns="0" rtlCol="0" anchor="t"/>
+          <a:lstStyle/>
+          <a:p>
+            <a:pPr algn="l">
+              <a:lnSpc>
+                <a:spcPct val="100%"/>
+              </a:lnSpc>
+              <a:defRPr sz="1100">
+                <a:solidFill>
+                  <a:srgbClr val="000000"/>
+                </a:solidFill>
+                <a:latin typeface="맑은 고딕"/>
+                <a:ea typeface="맑은 고딕"/>
+                <a:cs typeface="맑은 고딕"/>
+              </a:defRPr>
+            </a:pPr>
+            <a:br/>
+            <a:r>
+              <a:rPr lang="ko" sz="1100">
+                <a:latin typeface="맑은 고딕"/>
+                <a:ea typeface="맑은 고딕"/>
+                <a:cs typeface="맑은 고딕"/>
+              </a:rPr>
+              <a:t>1</a:t>
+            </a:r>
+          </a:p>
+        </p:txBody>
+      </p:sp>
+      <p:sp>
+        <p:nvSpPr>
+          <p:cNvPr id="1313196597" name="Text">
+    </p:cNvPr>
+          <p:cNvSpPr>
+            <a:spLocks noGrp="1"/>
+          </p:cNvSpPr>
+          <p:nvPr/>
+        </p:nvSpPr>
+        <p:spPr>
+          <a:xfrm rot="0">
+            <a:off x="6527800" y="2260600"/>
+            <a:ext cx="749300" cy="812800"/>
+          </a:xfrm>
+          <a:prstGeom prst="rect">
+            <a:avLst/>
+          </a:prstGeom>
+          <a:ln w="12700">
+            <a:solidFill>
+              <a:srgbClr val="000000"/>
+            </a:solidFill>
+            <a:prstDash val="solid"/>
+          </a:ln>
+        </p:spPr>
+        <p:txBody>
+          <a:bodyPr wrap="square" lIns="0" tIns="0" rIns="0" bIns="0" rtlCol="0" anchor="ctr"/>
+          <a:lstStyle/>
+          <a:p>
+            <a:pPr algn="ctr">
+              <a:lnSpc>
+                <a:spcPct val="100%"/>
+              </a:lnSpc>
+              <a:defRPr sz="1100">
+                <a:solidFill>
+                  <a:srgbClr val="000000"/>
+                </a:solidFill>
+                <a:latin typeface="맑은 고딕"/>
+                <a:ea typeface="맑은 고딕"/>
+                <a:cs typeface="맑은 고딕"/>
+              </a:defRPr>
+            </a:pPr>
+            <a:r>
+              <a:rPr lang="ko" sz="1100">
+                <a:latin typeface="맑은 고딕"/>
+                <a:ea typeface="맑은 고딕"/>
+                <a:cs typeface="맑은 고딕"/>
+              </a:rPr>
+              <a:t>1</a:t>
+            </a:r>
+          </a:p>
+        </p:txBody>
+      </p:sp>
+      <p:sp>
+        <p:nvSpPr>
+          <p:cNvPr id="312104100" name="Text">
+    </p:cNvPr>
+          <p:cNvSpPr>
+            <a:spLocks noGrp="1"/>
+          </p:cNvSpPr>
+          <p:nvPr/>
+        </p:nvSpPr>
+        <p:spPr>
+          <a:xfrm rot="0">
+            <a:off x="5753100" y="2260600"/>
+            <a:ext cx="774700" cy="812800"/>
+          </a:xfrm>
+          <a:prstGeom prst="rect">
+            <a:avLst/>
+          </a:prstGeom>
+          <a:ln w="12700">
+            <a:solidFill>
+              <a:srgbClr val="000000"/>
+            </a:solidFill>
+            <a:prstDash val="solid"/>
+          </a:ln>
+        </p:spPr>
+        <p:txBody>
+          <a:bodyPr wrap="square" lIns="0" tIns="0" rIns="0" bIns="0" rtlCol="0" anchor="t"/>
+          <a:lstStyle/>
+          <a:p>
+            <a:pPr algn="ctr">
+              <a:lnSpc>
+                <a:spcPct val="100%"/>
+              </a:lnSpc>
+              <a:defRPr sz="1100">
+                <a:solidFill>
+                  <a:srgbClr val="000000"/>
+                </a:solidFill>
+                <a:latin typeface="맑은 고딕"/>
+                <a:ea typeface="맑은 고딕"/>
+                <a:cs typeface="맑은 고딕"/>
+              </a:defRPr>
+            </a:pPr>
+            <a:br/>
+            <a:r>
+              <a:rPr lang="ko" sz="1100">
+                <a:latin typeface="맑은 고딕"/>
+                <a:ea typeface="맑은 고딕"/>
+                <a:cs typeface="맑은 고딕"/>
+              </a:rPr>
+              <a:t>[보류]</a:t>
+            </a:r>
+            <a:br/>
+            <a:r>
+              <a:rPr lang="ko" sz="1100">
+                <a:latin typeface="맑은 고딕"/>
+                <a:ea typeface="맑은 고딕"/>
+                <a:cs typeface="맑은 고딕"/>
+              </a:rPr>
+              <a:t>[보류]</a:t>
+            </a:r>
+            <a:br/>
+          </a:p>
+        </p:txBody>
+      </p:sp>
+      <p:sp>
+        <p:nvSpPr>
+          <p:cNvPr id="5724799" name="Text">
+    </p:cNvPr>
+          <p:cNvSpPr>
+            <a:spLocks noGrp="1"/>
+          </p:cNvSpPr>
+          <p:nvPr/>
+        </p:nvSpPr>
+        <p:spPr>
+          <a:xfrm rot="0">
+            <a:off x="6553200" y="4572000"/>
+            <a:ext cx="3670300" cy="800100"/>
+          </a:xfrm>
+          <a:prstGeom prst="rect">
+            <a:avLst/>
+          </a:prstGeom>
+          <a:ln w="12700">
+            <a:solidFill>
+              <a:srgbClr val="000000"/>
+            </a:solidFill>
+            <a:prstDash val="solid"/>
+          </a:ln>
+        </p:spPr>
+        <p:txBody>
+          <a:bodyPr wrap="square" lIns="0" tIns="0" rIns="0" bIns="0" rtlCol="0" anchor="t"/>
+          <a:lstStyle/>
+          <a:p>
+            <a:pPr algn="l">
+              <a:lnSpc>
+                <a:spcPct val="100%"/>
+              </a:lnSpc>
+              <a:defRPr sz="1100">
+                <a:solidFill>
+                  <a:srgbClr val="000000"/>
+                </a:solidFill>
+                <a:latin typeface="맑은 고딕"/>
+                <a:ea typeface="맑은 고딕"/>
+                <a:cs typeface="맑은 고딕"/>
+              </a:defRPr>
+            </a:pPr>
+            <a:br/>
+          </a:p>
+        </p:txBody>
+      </p:sp>
+      <p:sp>
+        <p:nvSpPr>
+          <p:cNvPr id="1060110800" name="Text">
+    </p:cNvPr>
+          <p:cNvSpPr>
+            <a:spLocks noGrp="1"/>
+          </p:cNvSpPr>
+          <p:nvPr/>
+        </p:nvSpPr>
+        <p:spPr>
+          <a:xfrm rot="0">
+            <a:off x="5791200" y="4572000"/>
+            <a:ext cx="762000" cy="800100"/>
+          </a:xfrm>
+          <a:prstGeom prst="rect">
+            <a:avLst/>
+          </a:prstGeom>
+          <a:ln w="12700">
+            <a:solidFill>
+              <a:srgbClr val="000000"/>
+            </a:solidFill>
+            <a:prstDash val="solid"/>
+          </a:ln>
+        </p:spPr>
+        <p:txBody>
+          <a:bodyPr wrap="square" lIns="0" tIns="0" rIns="0" bIns="0" rtlCol="0" anchor="t"/>
+          <a:lstStyle/>
+          <a:p>
+            <a:pPr algn="ctr">
+              <a:lnSpc>
+                <a:spcPct val="100%"/>
+              </a:lnSpc>
+              <a:defRPr sz="1100">
+                <a:solidFill>
+                  <a:srgbClr val="000000"/>
+                </a:solidFill>
+                <a:latin typeface="맑은 고딕"/>
+                <a:ea typeface="맑은 고딕"/>
+                <a:cs typeface="맑은 고딕"/>
+              </a:defRPr>
+            </a:pPr>
+            <a:br/>
+            <a:r>
+              <a:rPr lang="ko" sz="1100">
+                <a:latin typeface="맑은 고딕"/>
+                <a:ea typeface="맑은 고딕"/>
+                <a:cs typeface="맑은 고딕"/>
+              </a:rPr>
+              <a:t>[보류]</a:t>
+            </a:r>
+            <a:br/>
+            <a:r>
+              <a:rPr lang="ko" sz="1100">
+                <a:latin typeface="맑은 고딕"/>
+                <a:ea typeface="맑은 고딕"/>
+                <a:cs typeface="맑은 고딕"/>
+              </a:rPr>
+              <a:t>[보류]</a:t>
+            </a:r>
+            <a:br/>
+          </a:p>
+        </p:txBody>
+      </p:sp>
+      <p:sp>
+        <p:nvSpPr>
+          <p:cNvPr id="1606709345" name="Text">
+    </p:cNvPr>
+          <p:cNvSpPr>
+            <a:spLocks noGrp="1"/>
+          </p:cNvSpPr>
+          <p:nvPr/>
+        </p:nvSpPr>
+        <p:spPr>
+          <a:xfrm rot="0">
+            <a:off x="1181100" y="4572000"/>
+            <a:ext cx="4610100" cy="800100"/>
+          </a:xfrm>
+          <a:prstGeom prst="rect">
+            <a:avLst/>
+          </a:prstGeom>
+          <a:ln w="12700">
+            <a:solidFill>
+              <a:srgbClr val="000000"/>
+            </a:solidFill>
+            <a:prstDash val="solid"/>
+          </a:ln>
+        </p:spPr>
+        <p:txBody>
+          <a:bodyPr wrap="square" lIns="0" tIns="0" rIns="0" bIns="0" rtlCol="0" anchor="t"/>
+          <a:lstStyle/>
+          <a:p>
+            <a:pPr algn="l">
+              <a:lnSpc>
+                <a:spcPct val="100%"/>
+              </a:lnSpc>
+              <a:defRPr sz="1100">
+                <a:solidFill>
+                  <a:srgbClr val="000000"/>
+                </a:solidFill>
+                <a:latin typeface="맑은 고딕"/>
+                <a:ea typeface="맑은 고딕"/>
+                <a:cs typeface="맑은 고딕"/>
+              </a:defRPr>
+            </a:pPr>
+            <a:br/>
+            <a:r>
+              <a:rPr lang="ko" sz="1100">
+                <a:latin typeface="맑은 고딕"/>
+                <a:ea typeface="맑은 고딕"/>
+                <a:cs typeface="맑은 고딕"/>
+              </a:rPr>
+              <a:t> s</a:t>
+            </a:r>
+            <a:br/>
+            <a:r>
+              <a:rPr lang="ko" sz="1100">
+                <a:latin typeface="맑은 고딕"/>
+                <a:ea typeface="맑은 고딕"/>
+                <a:cs typeface="맑은 고딕"/>
+              </a:rPr>
+              <a:t> ㅓㅕㅗㅛㅜㅠ</a:t>
+            </a:r>
+            <a:br/>
+          </a:p>
+        </p:txBody>
+      </p:sp>
+      <p:sp>
+        <p:nvSpPr>
+          <p:cNvPr id="523968585" name="Text">
+    </p:cNvPr>
+          <p:cNvSpPr>
+            <a:spLocks noGrp="1"/>
+          </p:cNvSpPr>
+          <p:nvPr/>
+        </p:nvSpPr>
+        <p:spPr>
+          <a:xfrm rot="0">
+            <a:off x="368300" y="4572000"/>
+            <a:ext cx="812800" cy="800100"/>
+          </a:xfrm>
+          <a:prstGeom prst="rect">
+            <a:avLst/>
+          </a:prstGeom>
+          <a:ln w="12700">
+            <a:solidFill>
+              <a:srgbClr val="000000"/>
+            </a:solidFill>
+            <a:prstDash val="solid"/>
+          </a:ln>
+        </p:spPr>
+        <p:txBody>
+          <a:bodyPr wrap="square" lIns="0" tIns="0" rIns="0" bIns="0" rtlCol="0" anchor="ctr"/>
+          <a:lstStyle/>
+          <a:p>
+            <a:pPr algn="ctr">
+              <a:lnSpc>
+                <a:spcPct val="100%"/>
+              </a:lnSpc>
+              <a:defRPr sz="1100">
+                <a:solidFill>
+                  <a:srgbClr val="000000"/>
+                </a:solidFill>
+                <a:latin typeface="맑은 고딕"/>
+                <a:ea typeface="맑은 고딕"/>
+                <a:cs typeface="맑은 고딕"/>
+              </a:defRPr>
+            </a:pPr>
+            <a:r>
+              <a:rPr lang="ko" sz="1100">
+                <a:latin typeface="맑은 고딕"/>
+                <a:ea typeface="맑은 고딕"/>
+                <a:cs typeface="맑은 고딕"/>
+              </a:rPr>
+              <a:t>WEB</a:t>
+            </a:r>
+          </a:p>
+        </p:txBody>
+      </p:sp>
+      <p:sp>
+        <p:nvSpPr>
+          <p:cNvPr id="621086067" name="Rectangle"/>
+          <p:cNvSpPr>
+            <a:spLocks noGrp="1"/>
+          </p:cNvSpPr>
+          <p:nvPr/>
+        </p:nvSpPr>
+        <p:spPr>
+          <a:xfrm>
+            <a:off x="7277100" y="1473200"/>
+            <a:ext cx="266700" cy="787400"/>
+          </a:xfrm>
+          <a:prstGeom prst="rect">
+            <a:avLst/>
+          </a:prstGeom>
+          <a:solidFill>
+            <a:srgbClr val="FFFF00"/>
+          </a:solidFill>
+          <a:ln w="12700">
+            <a:solidFill>
+              <a:srgbClr val="000000"/>
+            </a:solidFill>
+            <a:prstDash val="solid"/>
+          </a:ln>
+        </p:spPr>
+        <p:txBody>
+          <a:bodyPr rtlCol="0" anchor="ctr"/>
+          <a:lstStyle/>
+          <a:p>
+            <a:pPr algn="ctr"/>
+          </a:p>
+        </p:txBody>
+      </p:sp>
+      <p:sp>
+        <p:nvSpPr>
+          <p:cNvPr id="444903042" name="Rectangle"/>
+          <p:cNvSpPr>
+            <a:spLocks noGrp="1"/>
+          </p:cNvSpPr>
+          <p:nvPr/>
+        </p:nvSpPr>
+        <p:spPr>
+          <a:xfrm>
+            <a:off x="7277100" y="2260600"/>
+            <a:ext cx="266700" cy="812800"/>
+          </a:xfrm>
+          <a:prstGeom prst="rect">
+            <a:avLst/>
+          </a:prstGeom>
+          <a:solidFill>
+            <a:srgbClr val="00FF00"/>
+          </a:solidFill>
+          <a:ln w="12700">
+            <a:solidFill>
+              <a:srgbClr val="000000"/>
+            </a:solidFill>
+            <a:prstDash val="solid"/>
+          </a:ln>
+        </p:spPr>
+        <p:txBody>
+          <a:bodyPr rtlCol="0" anchor="ctr"/>
+          <a:lstStyle/>
+          <a:p>
+            <a:pPr algn="ctr"/>
+          </a:p>
+        </p:txBody>
+      </p:sp>
+      <p:sp>
+        <p:nvSpPr>
+          <p:cNvPr id="1715442379" name="Text">
+    </p:cNvPr>
+          <p:cNvSpPr>
+            <a:spLocks noGrp="1"/>
+          </p:cNvSpPr>
+          <p:nvPr/>
+        </p:nvSpPr>
+        <p:spPr>
+          <a:xfrm rot="0">
+            <a:off x="190500" y="5473700"/>
+            <a:ext cx="2476500" cy="228600"/>
+          </a:xfrm>
+          <a:prstGeom prst="rect">
+            <a:avLst/>
+          </a:prstGeom>
+          <a:solidFill>
+            <a:srgbClr val="CCFFCC"/>
+          </a:solidFill>
+        </p:spPr>
+        <p:txBody>
+          <a:bodyPr wrap="square" lIns="0" tIns="0" rIns="0" bIns="0" rtlCol="0" anchor="ctr"/>
+          <a:lstStyle/>
+          <a:p>
+            <a:pPr algn="ctr">
+              <a:lnSpc>
+                <a:spcPct val="100%"/>
+              </a:lnSpc>
+              <a:defRPr sz="1000" b="1">
+                <a:solidFill>
+                  <a:srgbClr val="000000"/>
+                </a:solidFill>
+                <a:latin typeface="맑은 고딕"/>
+                <a:ea typeface="맑은 고딕"/>
+                <a:cs typeface="맑은 고딕"/>
+              </a:defRPr>
+            </a:pPr>
+            <a:r>
+              <a:rPr lang="ko" sz="1000" b="1">
+                <a:latin typeface="맑은 고딕"/>
+                <a:ea typeface="맑은 고딕"/>
+                <a:cs typeface="맑은 고딕"/>
+              </a:rPr>
+              <a:t>ERP 디버깅 권한신청 처리현황</a:t>
+            </a:r>
+          </a:p>
+        </p:txBody>
+      </p:sp>
+      <p:sp>
+        <p:nvSpPr>
+          <p:cNvPr id="549510957" name="Text">
+    </p:cNvPr>
+          <p:cNvSpPr>
+            <a:spLocks noGrp="1"/>
+          </p:cNvSpPr>
+          <p:nvPr/>
+        </p:nvSpPr>
+        <p:spPr>
+          <a:xfrm rot="0">
+            <a:off x="6858000" y="6007100"/>
+            <a:ext cx="1651000" cy="292100"/>
+          </a:xfrm>
+          <a:prstGeom prst="rect">
+            <a:avLst/>
+          </a:prstGeom>
+          <a:ln w="12700">
+            <a:solidFill>
+              <a:srgbClr val="000000"/>
+            </a:solidFill>
+            <a:prstDash val="solid"/>
+          </a:ln>
+        </p:spPr>
+        <p:txBody>
+          <a:bodyPr wrap="square" lIns="0" tIns="0" rIns="0" bIns="0" rtlCol="0" anchor="ctr"/>
+          <a:lstStyle/>
+          <a:p>
+            <a:pPr algn="ctr">
+              <a:lnSpc>
+                <a:spcPct val="100%"/>
+              </a:lnSpc>
+              <a:defRPr sz="1100">
+                <a:solidFill>
+                  <a:srgbClr val="000000"/>
+                </a:solidFill>
+                <a:latin typeface="맑은 고딕"/>
+                <a:ea typeface="맑은 고딕"/>
+                <a:cs typeface="맑은 고딕"/>
+              </a:defRPr>
+            </a:pPr>
+            <a:r>
+              <a:rPr lang="ko" sz="1100">
+                <a:latin typeface="맑은 고딕"/>
+                <a:ea typeface="맑은 고딕"/>
+                <a:cs typeface="맑은 고딕"/>
+              </a:rPr>
+              <a:t>4</a:t>
+            </a:r>
+          </a:p>
+        </p:txBody>
+      </p:sp>
+      <p:sp>
+        <p:nvSpPr>
+          <p:cNvPr id="761489627" name="Text">
+    </p:cNvPr>
+          <p:cNvSpPr>
+            <a:spLocks noGrp="1"/>
+          </p:cNvSpPr>
+          <p:nvPr/>
+        </p:nvSpPr>
+        <p:spPr>
+          <a:xfrm rot="0">
+            <a:off x="2463800" y="6007100"/>
+            <a:ext cx="4394200" cy="292100"/>
+          </a:xfrm>
+          <a:prstGeom prst="rect">
+            <a:avLst/>
+          </a:prstGeom>
+          <a:ln w="12700">
+            <a:solidFill>
+              <a:srgbClr val="000000"/>
+            </a:solidFill>
+            <a:prstDash val="solid"/>
+          </a:ln>
+        </p:spPr>
+        <p:txBody>
+          <a:bodyPr wrap="square" lIns="0" tIns="0" rIns="0" bIns="0" rtlCol="0" anchor="ctr"/>
+          <a:lstStyle/>
+          <a:p>
+            <a:pPr algn="ctr">
+              <a:lnSpc>
+                <a:spcPct val="100%"/>
+              </a:lnSpc>
+              <a:defRPr sz="1100">
+                <a:solidFill>
+                  <a:srgbClr val="000000"/>
+                </a:solidFill>
+                <a:latin typeface="맑은 고딕"/>
+                <a:ea typeface="맑은 고딕"/>
+                <a:cs typeface="맑은 고딕"/>
+              </a:defRPr>
+            </a:pPr>
+            <a:r>
+              <a:rPr lang="ko" sz="1100">
+                <a:latin typeface="맑은 고딕"/>
+                <a:ea typeface="맑은 고딕"/>
+                <a:cs typeface="맑은 고딕"/>
+              </a:rPr>
+              <a:t>3</a:t>
+            </a:r>
+          </a:p>
+        </p:txBody>
+      </p:sp>
+      <p:sp>
+        <p:nvSpPr>
+          <p:cNvPr id="313275211" name="Text">
+    </p:cNvPr>
+          <p:cNvSpPr>
+            <a:spLocks noGrp="1"/>
+          </p:cNvSpPr>
+          <p:nvPr/>
+        </p:nvSpPr>
+        <p:spPr>
+          <a:xfrm rot="0">
+            <a:off x="381000" y="6007100"/>
+            <a:ext cx="1270000" cy="292100"/>
+          </a:xfrm>
+          <a:prstGeom prst="rect">
+            <a:avLst/>
+          </a:prstGeom>
+          <a:ln w="12700">
+            <a:solidFill>
+              <a:srgbClr val="000000"/>
+            </a:solidFill>
+            <a:prstDash val="solid"/>
+          </a:ln>
+        </p:spPr>
+        <p:txBody>
+          <a:bodyPr wrap="square" lIns="0" tIns="0" rIns="0" bIns="0" rtlCol="0" anchor="ctr"/>
+          <a:lstStyle/>
+          <a:p>
+            <a:pPr algn="ctr">
+              <a:lnSpc>
+                <a:spcPct val="100%"/>
+              </a:lnSpc>
+              <a:defRPr sz="1100">
+                <a:solidFill>
+                  <a:srgbClr val="000000"/>
+                </a:solidFill>
+                <a:latin typeface="맑은 고딕"/>
+                <a:ea typeface="맑은 고딕"/>
+                <a:cs typeface="맑은 고딕"/>
+              </a:defRPr>
+            </a:pPr>
+            <a:r>
+              <a:rPr lang="ko" sz="1100">
+                <a:latin typeface="맑은 고딕"/>
+                <a:ea typeface="맑은 고딕"/>
+                <a:cs typeface="맑은 고딕"/>
+              </a:rPr>
+              <a:t>1</a:t>
+            </a:r>
+          </a:p>
+        </p:txBody>
+      </p:sp>
+      <p:sp>
+        <p:nvSpPr>
+          <p:cNvPr id="136266271" name="Text">
+    </p:cNvPr>
+          <p:cNvSpPr>
+            <a:spLocks noGrp="1"/>
+          </p:cNvSpPr>
+          <p:nvPr/>
+        </p:nvSpPr>
+        <p:spPr>
+          <a:xfrm rot="0">
+            <a:off x="381000" y="5765800"/>
+            <a:ext cx="1270000" cy="241300"/>
+          </a:xfrm>
+          <a:prstGeom prst="rect">
+            <a:avLst/>
+          </a:prstGeom>
+          <a:solidFill>
+            <a:srgbClr val="FF9933"/>
+          </a:solidFill>
+          <a:ln w="12700">
+            <a:solidFill>
+              <a:srgbClr val="000000"/>
+            </a:solidFill>
+            <a:prstDash val="solid"/>
+          </a:ln>
+        </p:spPr>
+        <p:txBody>
+          <a:bodyPr wrap="square" lIns="0" tIns="0" rIns="0" bIns="0" rtlCol="0" anchor="ctr"/>
+          <a:lstStyle/>
+          <a:p>
+            <a:pPr algn="ctr">
+              <a:lnSpc>
+                <a:spcPct val="100%"/>
+              </a:lnSpc>
+              <a:defRPr sz="1000">
+                <a:solidFill>
+                  <a:srgbClr val="000000"/>
+                </a:solidFill>
+                <a:latin typeface="맑은 고딕"/>
+                <a:ea typeface="맑은 고딕"/>
+                <a:cs typeface="맑은 고딕"/>
+              </a:defRPr>
+            </a:pPr>
+            <a:r>
+              <a:rPr lang="ko" sz="1000">
+                <a:latin typeface="맑은 고딕"/>
+                <a:ea typeface="맑은 고딕"/>
+                <a:cs typeface="맑은 고딕"/>
+              </a:rPr>
+              <a:t>Date</a:t>
+            </a:r>
+          </a:p>
+        </p:txBody>
+      </p:sp>
+      <p:sp>
+        <p:nvSpPr>
+          <p:cNvPr id="771808646" name="Text">
+    </p:cNvPr>
+          <p:cNvSpPr>
+            <a:spLocks noGrp="1"/>
+          </p:cNvSpPr>
+          <p:nvPr/>
+        </p:nvSpPr>
+        <p:spPr>
+          <a:xfrm rot="0">
+            <a:off x="2463800" y="5765800"/>
+            <a:ext cx="4394200" cy="241300"/>
+          </a:xfrm>
+          <a:prstGeom prst="rect">
+            <a:avLst/>
+          </a:prstGeom>
+          <a:solidFill>
+            <a:srgbClr val="FF9933"/>
+          </a:solidFill>
+          <a:ln w="12700">
+            <a:solidFill>
+              <a:srgbClr val="000000"/>
+            </a:solidFill>
+            <a:prstDash val="solid"/>
+          </a:ln>
+        </p:spPr>
+        <p:txBody>
+          <a:bodyPr wrap="square" lIns="0" tIns="0" rIns="0" bIns="0" rtlCol="0" anchor="ctr"/>
+          <a:lstStyle/>
+          <a:p>
+            <a:pPr algn="ctr">
+              <a:lnSpc>
+                <a:spcPct val="100%"/>
+              </a:lnSpc>
+              <a:defRPr sz="1000">
+                <a:solidFill>
+                  <a:srgbClr val="000000"/>
+                </a:solidFill>
+                <a:latin typeface="맑은 고딕"/>
+                <a:ea typeface="맑은 고딕"/>
+                <a:cs typeface="맑은 고딕"/>
+              </a:defRPr>
+            </a:pPr>
+            <a:r>
+              <a:rPr lang="ko" sz="1000">
+                <a:latin typeface="맑은 고딕"/>
+                <a:ea typeface="맑은 고딕"/>
+                <a:cs typeface="맑은 고딕"/>
+              </a:rPr>
+              <a:t>Text (변경값)</a:t>
+            </a:r>
+          </a:p>
+        </p:txBody>
+      </p:sp>
+      <p:sp>
+        <p:nvSpPr>
+          <p:cNvPr id="412310829" name="Text">
+    </p:cNvPr>
+          <p:cNvSpPr>
+            <a:spLocks noGrp="1"/>
+          </p:cNvSpPr>
+          <p:nvPr/>
+        </p:nvSpPr>
+        <p:spPr>
+          <a:xfrm rot="0">
+            <a:off x="6858000" y="5765800"/>
+            <a:ext cx="1651000" cy="241300"/>
+          </a:xfrm>
+          <a:prstGeom prst="rect">
+            <a:avLst/>
+          </a:prstGeom>
+          <a:solidFill>
+            <a:srgbClr val="FF9933"/>
+          </a:solidFill>
+          <a:ln w="12700">
+            <a:solidFill>
+              <a:srgbClr val="000000"/>
+            </a:solidFill>
+            <a:prstDash val="solid"/>
+          </a:ln>
+        </p:spPr>
+        <p:txBody>
+          <a:bodyPr wrap="square" lIns="0" tIns="0" rIns="0" bIns="0" rtlCol="0" anchor="ctr"/>
+          <a:lstStyle/>
+          <a:p>
+            <a:pPr algn="ctr">
+              <a:lnSpc>
+                <a:spcPct val="100%"/>
+              </a:lnSpc>
+              <a:defRPr sz="1000">
+                <a:solidFill>
+                  <a:srgbClr val="000000"/>
+                </a:solidFill>
+                <a:latin typeface="맑은 고딕"/>
+                <a:ea typeface="맑은 고딕"/>
+                <a:cs typeface="맑은 고딕"/>
+              </a:defRPr>
+            </a:pPr>
+            <a:r>
+              <a:rPr lang="ko" sz="1000">
+                <a:latin typeface="맑은 고딕"/>
+                <a:ea typeface="맑은 고딕"/>
+                <a:cs typeface="맑은 고딕"/>
+              </a:rPr>
+              <a:t>ERP 권한신청서번호</a:t>
+            </a:r>
+          </a:p>
+        </p:txBody>
+      </p:sp>
+      <p:sp>
+        <p:nvSpPr>
+          <p:cNvPr id="1800799007" name="Text">
+    </p:cNvPr>
+          <p:cNvSpPr>
+            <a:spLocks noGrp="1"/>
+          </p:cNvSpPr>
+          <p:nvPr/>
+        </p:nvSpPr>
+        <p:spPr>
+          <a:xfrm rot="0">
+            <a:off x="381000" y="6299200"/>
+            <a:ext cx="1270000" cy="292100"/>
+          </a:xfrm>
+          <a:prstGeom prst="rect">
+            <a:avLst/>
+          </a:prstGeom>
+          <a:ln w="12700">
+            <a:solidFill>
+              <a:srgbClr val="000000"/>
+            </a:solidFill>
+            <a:prstDash val="solid"/>
+          </a:ln>
+        </p:spPr>
+        <p:txBody>
+          <a:bodyPr wrap="square" lIns="0" tIns="0" rIns="0" bIns="0" rtlCol="0" anchor="ctr"/>
+          <a:lstStyle/>
+          <a:p>
+            <a:pPr algn="ctr">
+              <a:lnSpc>
+                <a:spcPct val="100%"/>
+              </a:lnSpc>
+              <a:defRPr sz="1100">
+                <a:solidFill>
+                  <a:srgbClr val="000000"/>
+                </a:solidFill>
+                <a:latin typeface="맑은 고딕"/>
+                <a:ea typeface="맑은 고딕"/>
+                <a:cs typeface="맑은 고딕"/>
+              </a:defRPr>
+            </a:pPr>
+            <a:r>
+              <a:rPr lang="ko" sz="1100">
+                <a:latin typeface="맑은 고딕"/>
+                <a:ea typeface="맑은 고딕"/>
+                <a:cs typeface="맑은 고딕"/>
+              </a:rPr>
+              <a:t>r</a:t>
+            </a:r>
+          </a:p>
+        </p:txBody>
+      </p:sp>
+      <p:sp>
+        <p:nvSpPr>
+          <p:cNvPr id="422292432" name="Text">
+    </p:cNvPr>
+          <p:cNvSpPr>
+            <a:spLocks noGrp="1"/>
+          </p:cNvSpPr>
+          <p:nvPr/>
+        </p:nvSpPr>
+        <p:spPr>
+          <a:xfrm rot="0">
+            <a:off x="6858000" y="6299200"/>
+            <a:ext cx="1651000" cy="292100"/>
+          </a:xfrm>
+          <a:prstGeom prst="rect">
+            <a:avLst/>
+          </a:prstGeom>
+          <a:ln w="12700">
+            <a:solidFill>
+              <a:srgbClr val="000000"/>
+            </a:solidFill>
+            <a:prstDash val="solid"/>
+          </a:ln>
+        </p:spPr>
+        <p:txBody>
+          <a:bodyPr wrap="square" lIns="0" tIns="0" rIns="0" bIns="0" rtlCol="0" anchor="ctr"/>
+          <a:lstStyle/>
+          <a:p>
+            <a:pPr algn="ctr">
+              <a:lnSpc>
+                <a:spcPct val="100%"/>
+              </a:lnSpc>
+              <a:defRPr sz="1100">
+                <a:solidFill>
+                  <a:srgbClr val="000000"/>
+                </a:solidFill>
+                <a:latin typeface="맑은 고딕"/>
+                <a:ea typeface="맑은 고딕"/>
+                <a:cs typeface="맑은 고딕"/>
+              </a:defRPr>
+            </a:pPr>
+            <a:r>
+              <a:rPr lang="ko" sz="1100">
+                <a:latin typeface="맑은 고딕"/>
+                <a:ea typeface="맑은 고딕"/>
+                <a:cs typeface="맑은 고딕"/>
+              </a:rPr>
+              <a:t>f</a:t>
+            </a:r>
+          </a:p>
+        </p:txBody>
+      </p:sp>
+      <p:sp>
+        <p:nvSpPr>
+          <p:cNvPr id="829405598" name="Text">
+    </p:cNvPr>
+          <p:cNvSpPr>
+            <a:spLocks noGrp="1"/>
+          </p:cNvSpPr>
+          <p:nvPr/>
+        </p:nvSpPr>
+        <p:spPr>
+          <a:xfrm rot="0">
+            <a:off x="2463800" y="6299200"/>
+            <a:ext cx="4394200" cy="292100"/>
+          </a:xfrm>
+          <a:prstGeom prst="rect">
+            <a:avLst/>
+          </a:prstGeom>
+          <a:ln w="12700">
+            <a:solidFill>
+              <a:srgbClr val="000000"/>
+            </a:solidFill>
+            <a:prstDash val="solid"/>
+          </a:ln>
+        </p:spPr>
+        <p:txBody>
+          <a:bodyPr wrap="square" lIns="0" tIns="0" rIns="0" bIns="0" rtlCol="0" anchor="ctr"/>
+          <a:lstStyle/>
+          <a:p>
+            <a:pPr algn="ctr">
+              <a:lnSpc>
+                <a:spcPct val="100%"/>
+              </a:lnSpc>
+              <a:defRPr sz="1100">
+                <a:solidFill>
+                  <a:srgbClr val="000000"/>
+                </a:solidFill>
+                <a:latin typeface="맑은 고딕"/>
+                <a:ea typeface="맑은 고딕"/>
+                <a:cs typeface="맑은 고딕"/>
+              </a:defRPr>
+            </a:pPr>
+            <a:r>
+              <a:rPr lang="ko" sz="1100">
+                <a:latin typeface="맑은 고딕"/>
+                <a:ea typeface="맑은 고딕"/>
+                <a:cs typeface="맑은 고딕"/>
+              </a:rPr>
+              <a:t>e</a:t>
+            </a:r>
+          </a:p>
+        </p:txBody>
+      </p:sp>
+      <p:sp>
+        <p:nvSpPr>
+          <p:cNvPr id="865595563" name="Text">
+    </p:cNvPr>
+          <p:cNvSpPr>
+            <a:spLocks noGrp="1"/>
+          </p:cNvSpPr>
+          <p:nvPr/>
+        </p:nvSpPr>
+        <p:spPr>
+          <a:xfrm rot="0">
+            <a:off x="1651000" y="6299200"/>
+            <a:ext cx="812800" cy="292100"/>
+          </a:xfrm>
+          <a:prstGeom prst="rect">
+            <a:avLst/>
+          </a:prstGeom>
+          <a:ln w="12700">
+            <a:solidFill>
+              <a:srgbClr val="000000"/>
+            </a:solidFill>
+            <a:prstDash val="solid"/>
+          </a:ln>
+        </p:spPr>
+        <p:txBody>
+          <a:bodyPr wrap="square" lIns="0" tIns="0" rIns="0" bIns="0" rtlCol="0" anchor="ctr"/>
+          <a:lstStyle/>
+          <a:p>
+            <a:pPr algn="ctr">
+              <a:lnSpc>
+                <a:spcPct val="100%"/>
+              </a:lnSpc>
+              <a:defRPr sz="1100">
+                <a:solidFill>
+                  <a:srgbClr val="000000"/>
+                </a:solidFill>
+                <a:latin typeface="맑은 고딕"/>
+                <a:ea typeface="맑은 고딕"/>
+                <a:cs typeface="맑은 고딕"/>
+              </a:defRPr>
+            </a:pPr>
+            <a:r>
+              <a:rPr lang="ko" sz="1100">
+                <a:latin typeface="맑은 고딕"/>
+                <a:ea typeface="맑은 고딕"/>
+                <a:cs typeface="맑은 고딕"/>
+              </a:rPr>
+              <a:t>s</a:t>
+            </a:r>
+          </a:p>
+        </p:txBody>
+      </p:sp>
+      <p:sp>
+        <p:nvSpPr>
+          <p:cNvPr id="1753371453" name="Text">
+    </p:cNvPr>
+          <p:cNvSpPr>
+            <a:spLocks noGrp="1"/>
+          </p:cNvSpPr>
+          <p:nvPr/>
+        </p:nvSpPr>
+        <p:spPr>
+          <a:xfrm rot="0">
+            <a:off x="1651000" y="6007100"/>
+            <a:ext cx="812800" cy="292100"/>
+          </a:xfrm>
+          <a:prstGeom prst="rect">
+            <a:avLst/>
+          </a:prstGeom>
+          <a:ln w="12700">
+            <a:solidFill>
+              <a:srgbClr val="000000"/>
+            </a:solidFill>
+            <a:prstDash val="solid"/>
+          </a:ln>
+        </p:spPr>
+        <p:txBody>
+          <a:bodyPr wrap="square" lIns="0" tIns="0" rIns="0" bIns="0" rtlCol="0" anchor="ctr"/>
+          <a:lstStyle/>
+          <a:p>
+            <a:pPr algn="ctr">
+              <a:lnSpc>
+                <a:spcPct val="100%"/>
+              </a:lnSpc>
+              <a:defRPr sz="1100">
+                <a:solidFill>
+                  <a:srgbClr val="000000"/>
+                </a:solidFill>
+                <a:latin typeface="맑은 고딕"/>
+                <a:ea typeface="맑은 고딕"/>
+                <a:cs typeface="맑은 고딕"/>
+              </a:defRPr>
+            </a:pPr>
+            <a:r>
+              <a:rPr lang="ko" sz="1100">
+                <a:latin typeface="맑은 고딕"/>
+                <a:ea typeface="맑은 고딕"/>
+                <a:cs typeface="맑은 고딕"/>
+              </a:rPr>
+              <a:t>2</a:t>
+            </a:r>
+          </a:p>
+        </p:txBody>
+      </p:sp>
+      <p:sp>
+        <p:nvSpPr>
+          <p:cNvPr id="741544150" name="Text">
+    </p:cNvPr>
+          <p:cNvSpPr>
+            <a:spLocks noGrp="1"/>
+          </p:cNvSpPr>
+          <p:nvPr/>
+        </p:nvSpPr>
+        <p:spPr>
+          <a:xfrm rot="0">
+            <a:off x="1651000" y="5765800"/>
+            <a:ext cx="812800" cy="241300"/>
+          </a:xfrm>
+          <a:prstGeom prst="rect">
+            <a:avLst/>
+          </a:prstGeom>
+          <a:solidFill>
+            <a:srgbClr val="FF9933"/>
+          </a:solidFill>
+          <a:ln w="12700">
+            <a:solidFill>
+              <a:srgbClr val="000000"/>
+            </a:solidFill>
+            <a:prstDash val="solid"/>
+          </a:ln>
+        </p:spPr>
+        <p:txBody>
+          <a:bodyPr wrap="square" lIns="0" tIns="0" rIns="0" bIns="0" rtlCol="0" anchor="ctr"/>
+          <a:lstStyle/>
+          <a:p>
+            <a:pPr algn="ctr">
+              <a:lnSpc>
+                <a:spcPct val="100%"/>
+              </a:lnSpc>
+              <a:defRPr sz="1000">
+                <a:solidFill>
+                  <a:srgbClr val="000000"/>
+                </a:solidFill>
+                <a:latin typeface="맑은 고딕"/>
+                <a:ea typeface="맑은 고딕"/>
+                <a:cs typeface="맑은 고딕"/>
+              </a:defRPr>
+            </a:pPr>
+            <a:r>
+              <a:rPr lang="ko" sz="1000">
+                <a:latin typeface="맑은 고딕"/>
+                <a:ea typeface="맑은 고딕"/>
+                <a:cs typeface="맑은 고딕"/>
+              </a:rPr>
+              <a:t>User</a:t>
+            </a:r>
+          </a:p>
+        </p:txBody>
+      </p:sp>
+      <p:sp>
+        <p:nvSpPr>
+          <p:cNvPr id="1625096071" name="Text">
+    </p:cNvPr>
+          <p:cNvSpPr>
+            <a:spLocks noGrp="1"/>
+          </p:cNvSpPr>
+          <p:nvPr/>
+        </p:nvSpPr>
+        <p:spPr>
+          <a:xfrm rot="0">
+            <a:off x="8509000" y="6299200"/>
+            <a:ext cx="1701800" cy="292100"/>
+          </a:xfrm>
+          <a:prstGeom prst="rect">
+            <a:avLst/>
+          </a:prstGeom>
+          <a:ln w="12700">
+            <a:solidFill>
+              <a:srgbClr val="000000"/>
+            </a:solidFill>
+            <a:prstDash val="solid"/>
+          </a:ln>
+        </p:spPr>
+        <p:txBody>
+          <a:bodyPr wrap="square" lIns="0" tIns="0" rIns="0" bIns="0" rtlCol="0" anchor="ctr"/>
+          <a:lstStyle/>
+          <a:p>
+            <a:pPr algn="ctr">
+              <a:lnSpc>
+                <a:spcPct val="100%"/>
+              </a:lnSpc>
+              <a:defRPr sz="1100">
+                <a:solidFill>
+                  <a:srgbClr val="000000"/>
+                </a:solidFill>
+                <a:latin typeface="맑은 고딕"/>
+                <a:ea typeface="맑은 고딕"/>
+                <a:cs typeface="맑은 고딕"/>
+              </a:defRPr>
+            </a:pPr>
+            <a:r>
+              <a:rPr lang="ko" sz="1100">
+                <a:latin typeface="맑은 고딕"/>
+                <a:ea typeface="맑은 고딕"/>
+                <a:cs typeface="맑은 고딕"/>
+              </a:rPr>
+              <a:t>a</a:t>
+            </a:r>
+          </a:p>
+        </p:txBody>
+      </p:sp>
+      <p:sp>
+        <p:nvSpPr>
+          <p:cNvPr id="1824672159" name="Text">
+    </p:cNvPr>
+          <p:cNvSpPr>
+            <a:spLocks noGrp="1"/>
+          </p:cNvSpPr>
+          <p:nvPr/>
+        </p:nvSpPr>
+        <p:spPr>
+          <a:xfrm rot="0">
+            <a:off x="8509000" y="5765800"/>
+            <a:ext cx="1701800" cy="241300"/>
+          </a:xfrm>
+          <a:prstGeom prst="rect">
+            <a:avLst/>
+          </a:prstGeom>
+          <a:solidFill>
+            <a:srgbClr val="FF9933"/>
+          </a:solidFill>
+          <a:ln w="12700">
+            <a:solidFill>
+              <a:srgbClr val="000000"/>
+            </a:solidFill>
+            <a:prstDash val="solid"/>
+          </a:ln>
+        </p:spPr>
+        <p:txBody>
+          <a:bodyPr wrap="square" lIns="0" tIns="0" rIns="0" bIns="0" rtlCol="0" anchor="ctr"/>
+          <a:lstStyle/>
+          <a:p>
+            <a:pPr algn="ctr">
+              <a:lnSpc>
+                <a:spcPct val="100%"/>
+              </a:lnSpc>
+              <a:defRPr sz="1000">
+                <a:solidFill>
+                  <a:srgbClr val="000000"/>
+                </a:solidFill>
+                <a:latin typeface="맑은 고딕"/>
+                <a:ea typeface="맑은 고딕"/>
+                <a:cs typeface="맑은 고딕"/>
+              </a:defRPr>
+            </a:pPr>
+            <a:r>
+              <a:rPr lang="ko" sz="1000">
+                <a:latin typeface="맑은 고딕"/>
+                <a:ea typeface="맑은 고딕"/>
+                <a:cs typeface="맑은 고딕"/>
+              </a:rPr>
+              <a:t>구분(일반/긴급)</a:t>
+            </a:r>
+          </a:p>
+        </p:txBody>
+      </p:sp>
+      <p:sp>
+        <p:nvSpPr>
+          <p:cNvPr id="371451009" name="Text">
+    </p:cNvPr>
+          <p:cNvSpPr>
+            <a:spLocks noGrp="1"/>
+          </p:cNvSpPr>
+          <p:nvPr/>
+        </p:nvSpPr>
+        <p:spPr>
+          <a:xfrm rot="0">
+            <a:off x="8509000" y="6007100"/>
+            <a:ext cx="1701800" cy="292100"/>
+          </a:xfrm>
+          <a:prstGeom prst="rect">
+            <a:avLst/>
+          </a:prstGeom>
+          <a:ln w="12700">
+            <a:solidFill>
+              <a:srgbClr val="000000"/>
+            </a:solidFill>
+            <a:prstDash val="solid"/>
+          </a:ln>
+        </p:spPr>
+        <p:txBody>
+          <a:bodyPr wrap="square" lIns="0" tIns="0" rIns="0" bIns="0" rtlCol="0" anchor="ctr"/>
+          <a:lstStyle/>
+          <a:p>
+            <a:pPr algn="ctr">
+              <a:lnSpc>
+                <a:spcPct val="100%"/>
+              </a:lnSpc>
+              <a:defRPr sz="1100">
+                <a:solidFill>
+                  <a:srgbClr val="000000"/>
+                </a:solidFill>
+                <a:latin typeface="맑은 고딕"/>
+                <a:ea typeface="맑은 고딕"/>
+                <a:cs typeface="맑은 고딕"/>
+              </a:defRPr>
+            </a:pPr>
+            <a:r>
+              <a:rPr lang="ko" sz="1100">
+                <a:latin typeface="맑은 고딕"/>
+                <a:ea typeface="맑은 고딕"/>
+                <a:cs typeface="맑은 고딕"/>
+              </a:rPr>
+              <a:t>5</a:t>
+            </a:r>
+          </a:p>
+        </p:txBody>
+      </p:sp>
+      <p:sp>
+        <p:nvSpPr>
+          <p:cNvPr id="572711731" name="Text">
+    </p:cNvPr>
+          <p:cNvSpPr>
+            <a:spLocks noGrp="1"/>
+          </p:cNvSpPr>
+          <p:nvPr/>
+        </p:nvSpPr>
+        <p:spPr>
+          <a:xfrm rot="0">
+            <a:off x="4826000" y="6921500"/>
+            <a:ext cx="1270000" cy="381000"/>
+          </a:xfrm>
+          <a:prstGeom prst="rect">
+            <a:avLst/>
+          </a:prstGeom>
+        </p:spPr>
+        <p:txBody>
+          <a:bodyPr wrap="square" lIns="0" tIns="0" rIns="0" bIns="0" rtlCol="0" anchor="b"/>
+          <a:lstStyle/>
+          <a:p>
+            <a:pPr algn="ctr">
+              <a:lnSpc>
+                <a:spcPct val="100%"/>
+              </a:lnSpc>
+              <a:defRPr sz="1000" b="1">
+                <a:solidFill>
+                  <a:srgbClr val="000000"/>
+                </a:solidFill>
+                <a:latin typeface="SansSerif"/>
+                <a:ea typeface="SansSerif"/>
+                <a:cs typeface="SansSerif"/>
+              </a:defRPr>
+            </a:pPr>
+            <a:r>
+              <a:rPr lang="ko" sz="1000" b="1">
+                <a:latin typeface="SansSerif"/>
+                <a:ea typeface="SansSerif"/>
+                <a:cs typeface="SansSerif"/>
+              </a:rPr>
+              <a:t>6</a:t>
+            </a:r>
+          </a:p>
+        </p:txBody>
+      </p:sp>
+      <p:pic>
+        <p:nvPicPr>
+          <p:cNvPr id="629473335" name="Picture">
+    </p:cNvPr>
+          <p:cNvPicPr>
+            <a:picLocks noChangeAspect="1"/>
+          </p:cNvPicPr>
+          <p:nvPr/>
+        </p:nvPicPr>
+        <p:blipFill>
+          <a:blip r:embed="img_0_0_55.jpg"/>
+          <a:srcRect/>
+          <a:stretch>
+            <a:fillRect l="0" t="0" r="0" b="5555"/>
+          </a:stretch>
+        </p:blipFill>
+        <p:spPr>
+          <a:xfrm rot="0">
+            <a:off x="254000" y="6845300"/>
+            <a:ext cx="1143000" cy="457200"/>
+          </a:xfrm>
+          <a:prstGeom prst="rect">
+            <a:avLst/>
+          </a:prstGeom>
+        </p:spPr>
+      </p:pic>
+    </p:spTree>
+  </p:cSld>
+  <p:clrMapOvr>
+    <a:masterClrMapping/>
+  </p:clrMapOvr>
+</p:sld>
+</file>
+
+<file path=ppt/slides/slide4.xml><?xml version="1.0" encoding="utf-8"?>
+<p:sld xmlns:a="http://schemas.openxmlformats.org/drawingml/2006/main" xmlns:r="http://schemas.openxmlformats.org/officeDocument/2006/relationships" xmlns:p="http://schemas.openxmlformats.org/presentationml/2006/main">
+  <p:cSld>
+    <p:spTree>
+      <p:nvGrpSpPr>
+        <p:cNvPr id="1" name=""/>
+        <p:cNvGrpSpPr/>
+        <p:nvPr/>
+      </p:nvGrpSpPr>
+      <p:grpSpPr>
+        <a:xfrm>
+          <a:off x="0" y="0"/>
+          <a:ext cx="0" cy="0"/>
+          <a:chOff x="0" y="0"/>
+          <a:chExt cx="0" cy="0"/>
+        </a:xfrm>
+      </p:grpSpPr>
+      <p:sp>
+        <p:nvSpPr>
+          <p:cNvPr id="1534405545" name="Text">
+    </p:cNvPr>
+          <p:cNvSpPr>
+            <a:spLocks noGrp="1"/>
+          </p:cNvSpPr>
+          <p:nvPr/>
+        </p:nvSpPr>
+        <p:spPr>
+          <a:xfrm rot="0">
+            <a:off x="127000" y="381000"/>
+            <a:ext cx="5181600" cy="381000"/>
+          </a:xfrm>
+          <a:prstGeom prst="rect">
+            <a:avLst/>
+          </a:prstGeom>
+        </p:spPr>
+        <p:txBody>
+          <a:bodyPr wrap="square" lIns="0" tIns="0" rIns="0" bIns="0" rtlCol="0" anchor="t"/>
+          <a:lstStyle/>
+          <a:p>
+            <a:pPr algn="l">
+              <a:lnSpc>
+                <a:spcPct val="100%"/>
+              </a:lnSpc>
+              <a:defRPr sz="1800" b="1">
+                <a:solidFill>
+                  <a:srgbClr val="000000"/>
+                </a:solidFill>
+                <a:latin typeface="맑은 고딕"/>
+                <a:ea typeface="맑은 고딕"/>
+                <a:cs typeface="맑은 고딕"/>
+              </a:defRPr>
+            </a:pPr>
+            <a:r>
+              <a:rPr lang="ko" sz="1800" b="1">
+                <a:latin typeface="맑은 고딕"/>
+                <a:ea typeface="맑은 고딕"/>
+                <a:cs typeface="맑은 고딕"/>
+              </a:rPr>
+              <a:t>2. Summary - ①Baynex</a:t>
+            </a:r>
+          </a:p>
+        </p:txBody>
+      </p:sp>
+      <p:sp>
+        <p:nvSpPr>
+          <p:cNvPr id="1392237482" name="Line"/>
+          <p:cNvSpPr>
+            <a:spLocks noGrp="1"/>
+          </p:cNvSpPr>
+          <p:nvPr/>
+        </p:nvSpPr>
+        <p:spPr>
+          <a:xfrm>
+            <a:off x="127000" y="762000"/>
+            <a:ext cx="10287000" cy="0"/>
+          </a:xfrm>
+          <a:prstGeom prst="line">
+            <a:avLst/>
+          </a:prstGeom>
+          <a:solidFill>
+            <a:srgbClr val="FFFFFF"/>
+          </a:solidFill>
+          <a:ln w="12700">
+            <a:solidFill>
+              <a:srgbClr val="000000"/>
+            </a:solidFill>
+            <a:prstDash val="solid"/>
+          </a:ln>
+        </p:spPr>
+        <p:txBody>
+          <a:bodyPr rtlCol="0" anchor="ctr"/>
+          <a:lstStyle/>
+          <a:p>
+            <a:pPr algn="ctr"/>
+          </a:p>
+        </p:txBody>
+      </p:sp>
+      <p:sp>
+        <p:nvSpPr>
+          <p:cNvPr id="1744146877" name="Text">
+    </p:cNvPr>
+          <p:cNvSpPr>
+            <a:spLocks noGrp="1"/>
+          </p:cNvSpPr>
+          <p:nvPr/>
+        </p:nvSpPr>
+        <p:spPr>
+          <a:xfrm rot="0">
+            <a:off x="9652000" y="292100"/>
+            <a:ext cx="762000" cy="508000"/>
+          </a:xfrm>
+          <a:prstGeom prst="rect">
+            <a:avLst/>
+          </a:prstGeom>
+        </p:spPr>
+        <p:txBody>
+          <a:bodyPr wrap="square" lIns="0" tIns="0" rIns="0" bIns="0" rtlCol="0" anchor="t"/>
+          <a:lstStyle/>
+          <a:p>
+            <a:pPr algn="l">
+              <a:lnSpc>
+                <a:spcPct val="100%"/>
+              </a:lnSpc>
+              <a:defRPr sz="800">
+                <a:solidFill>
+                  <a:srgbClr val="000000"/>
+                </a:solidFill>
+                <a:latin typeface="맑은 고딕"/>
+                <a:ea typeface="맑은 고딕"/>
+                <a:cs typeface="맑은 고딕"/>
+              </a:defRPr>
+            </a:pPr>
+            <a:r>
+              <a:rPr lang="ko" sz="800">
+                <a:latin typeface="맑은 고딕"/>
+                <a:ea typeface="맑은 고딕"/>
+                <a:cs typeface="맑은 고딕"/>
+              </a:rPr>
+              <a:t>: 완료</a:t>
+            </a:r>
+            <a:br/>
+            <a:r>
+              <a:rPr lang="ko" sz="800">
+                <a:latin typeface="맑은 고딕"/>
+                <a:ea typeface="맑은 고딕"/>
+                <a:cs typeface="맑은 고딕"/>
+              </a:rPr>
+              <a:t>:진행중</a:t>
+            </a:r>
+            <a:br/>
+            <a:r>
+              <a:rPr lang="ko" sz="800">
+                <a:latin typeface="맑은 고딕"/>
+                <a:ea typeface="맑은 고딕"/>
+                <a:cs typeface="맑은 고딕"/>
+              </a:rPr>
+              <a:t>:미완료(문제)</a:t>
+            </a:r>
+          </a:p>
+        </p:txBody>
+      </p:sp>
+      <p:sp>
+        <p:nvSpPr>
+          <p:cNvPr id="1794941388" name="Rectangle"/>
+          <p:cNvSpPr>
+            <a:spLocks noGrp="1"/>
+          </p:cNvSpPr>
+          <p:nvPr/>
+        </p:nvSpPr>
+        <p:spPr>
+          <a:xfrm>
+            <a:off x="9271000" y="266700"/>
+            <a:ext cx="266700" cy="139700"/>
+          </a:xfrm>
+          <a:prstGeom prst="rect">
+            <a:avLst/>
+          </a:prstGeom>
+          <a:solidFill>
+            <a:srgbClr val="00FF00"/>
+          </a:solidFill>
+          <a:ln w="12700">
+            <a:solidFill>
+              <a:srgbClr val="FFFFFF"/>
+            </a:solidFill>
+            <a:prstDash val="solid"/>
+          </a:ln>
+        </p:spPr>
+        <p:txBody>
+          <a:bodyPr rtlCol="0" anchor="ctr"/>
+          <a:lstStyle/>
+          <a:p>
+            <a:pPr algn="ctr"/>
+          </a:p>
+        </p:txBody>
+      </p:sp>
+      <p:sp>
+        <p:nvSpPr>
+          <p:cNvPr id="413595481" name="Rectangle"/>
+          <p:cNvSpPr>
+            <a:spLocks noGrp="1"/>
+          </p:cNvSpPr>
+          <p:nvPr/>
+        </p:nvSpPr>
+        <p:spPr>
+          <a:xfrm>
+            <a:off x="9271000" y="419100"/>
+            <a:ext cx="266700" cy="139700"/>
+          </a:xfrm>
+          <a:prstGeom prst="rect">
+            <a:avLst/>
+          </a:prstGeom>
+          <a:solidFill>
+            <a:srgbClr val="FFFF00"/>
+          </a:solidFill>
+          <a:ln w="12700">
+            <a:solidFill>
+              <a:srgbClr val="FFFFFF"/>
+            </a:solidFill>
+            <a:prstDash val="solid"/>
+          </a:ln>
+        </p:spPr>
+        <p:txBody>
+          <a:bodyPr rtlCol="0" anchor="ctr"/>
+          <a:lstStyle/>
+          <a:p>
+            <a:pPr algn="ctr"/>
+          </a:p>
+        </p:txBody>
+      </p:sp>
+      <p:sp>
+        <p:nvSpPr>
+          <p:cNvPr id="336349548" name="Rectangle"/>
+          <p:cNvSpPr>
+            <a:spLocks noGrp="1"/>
+          </p:cNvSpPr>
+          <p:nvPr/>
+        </p:nvSpPr>
+        <p:spPr>
+          <a:xfrm>
+            <a:off x="9271000" y="571500"/>
+            <a:ext cx="266700" cy="139700"/>
+          </a:xfrm>
+          <a:prstGeom prst="rect">
+            <a:avLst/>
+          </a:prstGeom>
+          <a:solidFill>
+            <a:srgbClr val="FF0000"/>
+          </a:solidFill>
+          <a:ln w="12700">
+            <a:solidFill>
+              <a:srgbClr val="FFFFFF"/>
+            </a:solidFill>
+            <a:prstDash val="solid"/>
+          </a:ln>
+        </p:spPr>
+        <p:txBody>
+          <a:bodyPr rtlCol="0" anchor="ctr"/>
+          <a:lstStyle/>
+          <a:p>
+            <a:pPr algn="ctr"/>
+          </a:p>
+        </p:txBody>
+      </p:sp>
+      <p:sp>
+        <p:nvSpPr>
+          <p:cNvPr id="1606371881" name="Text">
+    </p:cNvPr>
+          <p:cNvSpPr>
+            <a:spLocks noGrp="1"/>
+          </p:cNvSpPr>
+          <p:nvPr/>
+        </p:nvSpPr>
+        <p:spPr>
+          <a:xfrm rot="0">
+            <a:off x="6553200" y="3771900"/>
+            <a:ext cx="3670300" cy="800100"/>
+          </a:xfrm>
+          <a:prstGeom prst="rect">
+            <a:avLst/>
+          </a:prstGeom>
+          <a:ln w="12700">
+            <a:solidFill>
+              <a:srgbClr val="000000"/>
+            </a:solidFill>
+            <a:prstDash val="solid"/>
+          </a:ln>
+        </p:spPr>
+        <p:txBody>
+          <a:bodyPr wrap="square" lIns="0" tIns="0" rIns="0" bIns="0" rtlCol="0" anchor="t"/>
+          <a:lstStyle/>
+          <a:p>
+            <a:pPr algn="l">
+              <a:lnSpc>
+                <a:spcPct val="100%"/>
+              </a:lnSpc>
+              <a:defRPr sz="1100">
+                <a:solidFill>
+                  <a:srgbClr val="000000"/>
+                </a:solidFill>
+                <a:latin typeface="맑은 고딕"/>
+                <a:ea typeface="맑은 고딕"/>
+                <a:cs typeface="맑은 고딕"/>
+              </a:defRPr>
+            </a:pPr>
+            <a:br/>
+          </a:p>
+        </p:txBody>
+      </p:sp>
+      <p:sp>
+        <p:nvSpPr>
+          <p:cNvPr id="1346527955" name="Text">
+    </p:cNvPr>
+          <p:cNvSpPr>
+            <a:spLocks noGrp="1"/>
+          </p:cNvSpPr>
+          <p:nvPr/>
+        </p:nvSpPr>
+        <p:spPr>
+          <a:xfrm rot="0">
+            <a:off x="5791200" y="3771900"/>
+            <a:ext cx="762000" cy="800100"/>
+          </a:xfrm>
+          <a:prstGeom prst="rect">
+            <a:avLst/>
+          </a:prstGeom>
+          <a:ln w="12700">
+            <a:solidFill>
+              <a:srgbClr val="000000"/>
+            </a:solidFill>
+            <a:prstDash val="solid"/>
+          </a:ln>
+        </p:spPr>
+        <p:txBody>
+          <a:bodyPr wrap="square" lIns="0" tIns="0" rIns="0" bIns="0" rtlCol="0" anchor="t"/>
+          <a:lstStyle/>
+          <a:p>
+            <a:pPr algn="ctr">
+              <a:lnSpc>
+                <a:spcPct val="100%"/>
+              </a:lnSpc>
+              <a:defRPr sz="1100">
+                <a:solidFill>
+                  <a:srgbClr val="000000"/>
+                </a:solidFill>
+                <a:latin typeface="맑은 고딕"/>
+                <a:ea typeface="맑은 고딕"/>
+                <a:cs typeface="맑은 고딕"/>
+              </a:defRPr>
+            </a:pPr>
+            <a:br/>
+            <a:r>
+              <a:rPr lang="ko" sz="1100">
+                <a:latin typeface="맑은 고딕"/>
+                <a:ea typeface="맑은 고딕"/>
+                <a:cs typeface="맑은 고딕"/>
+              </a:rPr>
+              <a:t>[보류]</a:t>
+            </a:r>
+            <a:br/>
+          </a:p>
+        </p:txBody>
+      </p:sp>
+      <p:sp>
+        <p:nvSpPr>
+          <p:cNvPr id="2146524093" name="Text">
+    </p:cNvPr>
+          <p:cNvSpPr>
+            <a:spLocks noGrp="1"/>
+          </p:cNvSpPr>
+          <p:nvPr/>
+        </p:nvSpPr>
+        <p:spPr>
+          <a:xfrm rot="0">
+            <a:off x="1181100" y="3771900"/>
+            <a:ext cx="4610100" cy="800100"/>
+          </a:xfrm>
+          <a:prstGeom prst="rect">
+            <a:avLst/>
+          </a:prstGeom>
+          <a:ln w="12700">
+            <a:solidFill>
+              <a:srgbClr val="000000"/>
+            </a:solidFill>
+            <a:prstDash val="solid"/>
+          </a:ln>
+        </p:spPr>
+        <p:txBody>
+          <a:bodyPr wrap="square" lIns="0" tIns="0" rIns="0" bIns="0" rtlCol="0" anchor="t"/>
+          <a:lstStyle/>
+          <a:p>
+            <a:pPr algn="l">
+              <a:lnSpc>
+                <a:spcPct val="100%"/>
+              </a:lnSpc>
+              <a:defRPr sz="1100">
+                <a:solidFill>
+                  <a:srgbClr val="000000"/>
+                </a:solidFill>
+                <a:latin typeface="맑은 고딕"/>
+                <a:ea typeface="맑은 고딕"/>
+                <a:cs typeface="맑은 고딕"/>
+              </a:defRPr>
+            </a:pPr>
+            <a:br/>
+            <a:r>
+              <a:rPr lang="ko" sz="1100">
+                <a:latin typeface="맑은 고딕"/>
+                <a:ea typeface="맑은 고딕"/>
+                <a:cs typeface="맑은 고딕"/>
+              </a:rPr>
+              <a:t> 123123</a:t>
+            </a:r>
+            <a:br/>
+          </a:p>
+        </p:txBody>
+      </p:sp>
+      <p:sp>
+        <p:nvSpPr>
+          <p:cNvPr id="163592710" name="Text">
+    </p:cNvPr>
+          <p:cNvSpPr>
+            <a:spLocks noGrp="1"/>
+          </p:cNvSpPr>
+          <p:nvPr/>
+        </p:nvSpPr>
+        <p:spPr>
+          <a:xfrm rot="0">
+            <a:off x="368300" y="3771900"/>
+            <a:ext cx="812800" cy="800100"/>
+          </a:xfrm>
+          <a:prstGeom prst="rect">
+            <a:avLst/>
+          </a:prstGeom>
+          <a:ln w="12700">
+            <a:solidFill>
+              <a:srgbClr val="000000"/>
+            </a:solidFill>
+            <a:prstDash val="solid"/>
+          </a:ln>
+        </p:spPr>
+        <p:txBody>
+          <a:bodyPr wrap="square" lIns="0" tIns="0" rIns="0" bIns="0" rtlCol="0" anchor="ctr"/>
+          <a:lstStyle/>
+          <a:p>
+            <a:pPr algn="ctr">
+              <a:lnSpc>
+                <a:spcPct val="100%"/>
+              </a:lnSpc>
+              <a:defRPr sz="1100">
+                <a:solidFill>
+                  <a:srgbClr val="000000"/>
+                </a:solidFill>
+                <a:latin typeface="맑은 고딕"/>
+                <a:ea typeface="맑은 고딕"/>
+                <a:cs typeface="맑은 고딕"/>
+              </a:defRPr>
+            </a:pPr>
+            <a:r>
+              <a:rPr lang="ko" sz="1100">
+                <a:latin typeface="맑은 고딕"/>
+                <a:ea typeface="맑은 고딕"/>
+                <a:cs typeface="맑은 고딕"/>
+              </a:rPr>
+              <a:t>ERP</a:t>
+            </a:r>
+          </a:p>
+        </p:txBody>
+      </p:sp>
+      <p:sp>
+        <p:nvSpPr>
+          <p:cNvPr id="738973461" name="Text">
+    </p:cNvPr>
+          <p:cNvSpPr>
+            <a:spLocks noGrp="1"/>
+          </p:cNvSpPr>
+          <p:nvPr/>
+        </p:nvSpPr>
+        <p:spPr>
+          <a:xfrm rot="0">
+            <a:off x="368300" y="1473200"/>
+            <a:ext cx="812800" cy="787400"/>
+          </a:xfrm>
+          <a:prstGeom prst="rect">
+            <a:avLst/>
+          </a:prstGeom>
+          <a:ln w="12700">
+            <a:solidFill>
+              <a:srgbClr val="000000"/>
+            </a:solidFill>
+            <a:prstDash val="solid"/>
+          </a:ln>
+        </p:spPr>
+        <p:txBody>
+          <a:bodyPr wrap="square" lIns="0" tIns="0" rIns="0" bIns="0" rtlCol="0" anchor="ctr"/>
+          <a:lstStyle/>
+          <a:p>
+            <a:pPr algn="ctr">
+              <a:lnSpc>
+                <a:spcPct val="100%"/>
+              </a:lnSpc>
+              <a:defRPr sz="1100">
+                <a:solidFill>
+                  <a:srgbClr val="000000"/>
+                </a:solidFill>
+                <a:latin typeface="맑은 고딕"/>
+                <a:ea typeface="맑은 고딕"/>
+                <a:cs typeface="맑은 고딕"/>
+              </a:defRPr>
+            </a:pPr>
+            <a:r>
+              <a:rPr lang="ko" sz="1100">
+                <a:latin typeface="맑은 고딕"/>
+                <a:ea typeface="맑은 고딕"/>
+                <a:cs typeface="맑은 고딕"/>
+              </a:rPr>
+              <a:t>ERP</a:t>
+            </a:r>
+          </a:p>
+        </p:txBody>
+      </p:sp>
+      <p:sp>
+        <p:nvSpPr>
+          <p:cNvPr id="1872526525" name="Text">
+    </p:cNvPr>
+          <p:cNvSpPr>
+            <a:spLocks noGrp="1"/>
+          </p:cNvSpPr>
+          <p:nvPr/>
+        </p:nvSpPr>
+        <p:spPr>
+          <a:xfrm rot="0">
+            <a:off x="1181100" y="1473200"/>
+            <a:ext cx="4572000" cy="787400"/>
+          </a:xfrm>
+          <a:prstGeom prst="rect">
+            <a:avLst/>
+          </a:prstGeom>
+          <a:ln w="12700">
+            <a:solidFill>
+              <a:srgbClr val="000000"/>
+            </a:solidFill>
+            <a:prstDash val="solid"/>
+          </a:ln>
+        </p:spPr>
+        <p:txBody>
+          <a:bodyPr wrap="square" lIns="0" tIns="0" rIns="0" bIns="0" rtlCol="0" anchor="t"/>
+          <a:lstStyle/>
+          <a:p>
+            <a:pPr algn="l">
+              <a:lnSpc>
+                <a:spcPct val="100%"/>
+              </a:lnSpc>
+              <a:defRPr sz="1100">
+                <a:solidFill>
+                  <a:srgbClr val="000000"/>
+                </a:solidFill>
+                <a:latin typeface="맑은 고딕"/>
+                <a:ea typeface="맑은 고딕"/>
+                <a:cs typeface="맑은 고딕"/>
+              </a:defRPr>
+            </a:pPr>
+            <a:br/>
+            <a:r>
+              <a:rPr lang="ko" sz="1100">
+                <a:latin typeface="맑은 고딕"/>
+                <a:ea typeface="맑은 고딕"/>
+                <a:cs typeface="맑은 고딕"/>
+              </a:rPr>
+              <a:t> erw</a:t>
+            </a:r>
+            <a:br/>
+            <a:r>
+              <a:rPr lang="ko" sz="1100">
+                <a:latin typeface="맑은 고딕"/>
+                <a:ea typeface="맑은 고딕"/>
+                <a:cs typeface="맑은 고딕"/>
+              </a:rPr>
+              <a:t> fsdfqw</a:t>
+            </a:r>
+            <a:br/>
+          </a:p>
+        </p:txBody>
+      </p:sp>
+      <p:sp>
+        <p:nvSpPr>
+          <p:cNvPr id="440794688" name="Text">
+    </p:cNvPr>
+          <p:cNvSpPr>
+            <a:spLocks noGrp="1"/>
+          </p:cNvSpPr>
+          <p:nvPr/>
+        </p:nvSpPr>
+        <p:spPr>
+          <a:xfrm rot="0">
+            <a:off x="7543800" y="1473200"/>
+            <a:ext cx="2667000" cy="787400"/>
+          </a:xfrm>
+          <a:prstGeom prst="rect">
+            <a:avLst/>
+          </a:prstGeom>
+          <a:ln w="12700">
+            <a:solidFill>
+              <a:srgbClr val="000000"/>
+            </a:solidFill>
+            <a:prstDash val="solid"/>
+          </a:ln>
+        </p:spPr>
+        <p:txBody>
+          <a:bodyPr wrap="square" lIns="0" tIns="0" rIns="0" bIns="0" rtlCol="0" anchor="t"/>
+          <a:lstStyle/>
+          <a:p>
+            <a:pPr algn="l">
+              <a:lnSpc>
+                <a:spcPct val="100%"/>
+              </a:lnSpc>
+              <a:defRPr sz="1100">
+                <a:solidFill>
+                  <a:srgbClr val="000000"/>
+                </a:solidFill>
+                <a:latin typeface="맑은 고딕"/>
+                <a:ea typeface="맑은 고딕"/>
+                <a:cs typeface="맑은 고딕"/>
+              </a:defRPr>
+            </a:pPr>
+            <a:br/>
+            <a:r>
+              <a:rPr lang="ko" sz="1100">
+                <a:latin typeface="맑은 고딕"/>
+                <a:ea typeface="맑은 고딕"/>
+                <a:cs typeface="맑은 고딕"/>
+              </a:rPr>
+              <a:t>1</a:t>
+            </a:r>
+          </a:p>
+        </p:txBody>
+      </p:sp>
+      <p:sp>
+        <p:nvSpPr>
+          <p:cNvPr id="308143876" name="Text">
+    </p:cNvPr>
+          <p:cNvSpPr>
+            <a:spLocks noGrp="1"/>
+          </p:cNvSpPr>
+          <p:nvPr/>
+        </p:nvSpPr>
+        <p:spPr>
+          <a:xfrm rot="0">
+            <a:off x="6527800" y="1473200"/>
+            <a:ext cx="749300" cy="787400"/>
+          </a:xfrm>
+          <a:prstGeom prst="rect">
+            <a:avLst/>
+          </a:prstGeom>
+          <a:ln w="12700">
+            <a:solidFill>
+              <a:srgbClr val="000000"/>
+            </a:solidFill>
+            <a:prstDash val="solid"/>
+          </a:ln>
+        </p:spPr>
+        <p:txBody>
+          <a:bodyPr wrap="square" lIns="0" tIns="0" rIns="0" bIns="0" rtlCol="0" anchor="ctr"/>
+          <a:lstStyle/>
+          <a:p>
+            <a:pPr algn="ctr">
+              <a:lnSpc>
+                <a:spcPct val="100%"/>
+              </a:lnSpc>
+              <a:defRPr sz="1100">
+                <a:solidFill>
+                  <a:srgbClr val="000000"/>
+                </a:solidFill>
+                <a:latin typeface="맑은 고딕"/>
+                <a:ea typeface="맑은 고딕"/>
+                <a:cs typeface="맑은 고딕"/>
+              </a:defRPr>
+            </a:pPr>
+            <a:r>
+              <a:rPr lang="ko" sz="1100">
+                <a:latin typeface="맑은 고딕"/>
+                <a:ea typeface="맑은 고딕"/>
+                <a:cs typeface="맑은 고딕"/>
+              </a:rPr>
+              <a:t>1</a:t>
+            </a:r>
+          </a:p>
+        </p:txBody>
+      </p:sp>
+      <p:sp>
+        <p:nvSpPr>
+          <p:cNvPr id="1620846885" name="Text">
+    </p:cNvPr>
+          <p:cNvSpPr>
+            <a:spLocks noGrp="1"/>
+          </p:cNvSpPr>
+          <p:nvPr/>
+        </p:nvSpPr>
+        <p:spPr>
+          <a:xfrm rot="0">
+            <a:off x="177800" y="838200"/>
+            <a:ext cx="2489200" cy="215900"/>
+          </a:xfrm>
+          <a:prstGeom prst="rect">
+            <a:avLst/>
+          </a:prstGeom>
+          <a:solidFill>
+            <a:srgbClr val="C7CDFD"/>
+          </a:solidFill>
+        </p:spPr>
+        <p:txBody>
+          <a:bodyPr wrap="square" lIns="0" tIns="0" rIns="0" bIns="0" rtlCol="0" anchor="ctr"/>
+          <a:lstStyle/>
+          <a:p>
+            <a:pPr algn="ctr">
+              <a:lnSpc>
+                <a:spcPct val="100%"/>
+              </a:lnSpc>
+              <a:defRPr sz="1000" b="1">
+                <a:solidFill>
+                  <a:srgbClr val="000000"/>
+                </a:solidFill>
+                <a:latin typeface="맑은 고딕"/>
+                <a:ea typeface="맑은 고딕"/>
+                <a:cs typeface="맑은 고딕"/>
+              </a:defRPr>
+            </a:pPr>
+            <a:r>
+              <a:rPr lang="ko" sz="1000" b="1">
+                <a:latin typeface="맑은 고딕"/>
+                <a:ea typeface="맑은 고딕"/>
+                <a:cs typeface="맑은 고딕"/>
+              </a:rPr>
+              <a:t>금주 업무 실적</a:t>
+            </a:r>
+          </a:p>
+        </p:txBody>
+      </p:sp>
+      <p:sp>
+        <p:nvSpPr>
+          <p:cNvPr id="1827260447" name="Text">
+    </p:cNvPr>
+          <p:cNvSpPr>
+            <a:spLocks noGrp="1"/>
+          </p:cNvSpPr>
+          <p:nvPr/>
+        </p:nvSpPr>
+        <p:spPr>
+          <a:xfrm rot="0">
+            <a:off x="190500" y="3175000"/>
+            <a:ext cx="2476500" cy="228600"/>
+          </a:xfrm>
+          <a:prstGeom prst="rect">
+            <a:avLst/>
+          </a:prstGeom>
+          <a:solidFill>
+            <a:srgbClr val="FF9900"/>
+          </a:solidFill>
+        </p:spPr>
+        <p:txBody>
+          <a:bodyPr wrap="square" lIns="0" tIns="0" rIns="0" bIns="0" rtlCol="0" anchor="ctr"/>
+          <a:lstStyle/>
+          <a:p>
+            <a:pPr algn="ctr">
+              <a:lnSpc>
+                <a:spcPct val="100%"/>
+              </a:lnSpc>
+              <a:defRPr sz="1000" b="1">
+                <a:solidFill>
+                  <a:srgbClr val="000000"/>
+                </a:solidFill>
+                <a:latin typeface="맑은 고딕"/>
+                <a:ea typeface="맑은 고딕"/>
+                <a:cs typeface="맑은 고딕"/>
+              </a:defRPr>
+            </a:pPr>
+            <a:r>
+              <a:rPr lang="ko" sz="1000" b="1">
+                <a:latin typeface="맑은 고딕"/>
+                <a:ea typeface="맑은 고딕"/>
+                <a:cs typeface="맑은 고딕"/>
+              </a:rPr>
+              <a:t>차주 업무 계획</a:t>
+            </a:r>
+          </a:p>
+        </p:txBody>
+      </p:sp>
+      <p:sp>
+        <p:nvSpPr>
+          <p:cNvPr id="1500220476" name="Text">
+    </p:cNvPr>
+          <p:cNvSpPr>
+            <a:spLocks noGrp="1"/>
+          </p:cNvSpPr>
+          <p:nvPr/>
+        </p:nvSpPr>
+        <p:spPr>
+          <a:xfrm rot="0">
+            <a:off x="355600" y="1079500"/>
+            <a:ext cx="825500" cy="393700"/>
+          </a:xfrm>
+          <a:prstGeom prst="rect">
+            <a:avLst/>
+          </a:prstGeom>
+          <a:solidFill>
+            <a:srgbClr val="FFCC99"/>
+          </a:solidFill>
+          <a:ln w="12700">
+            <a:solidFill>
+              <a:srgbClr val="000000"/>
+            </a:solidFill>
+            <a:prstDash val="solid"/>
+          </a:ln>
+        </p:spPr>
+        <p:txBody>
+          <a:bodyPr wrap="square" lIns="0" tIns="0" rIns="0" bIns="0" rtlCol="0" anchor="ctr"/>
+          <a:lstStyle/>
+          <a:p>
+            <a:pPr algn="ctr">
+              <a:lnSpc>
+                <a:spcPct val="100%"/>
+              </a:lnSpc>
+              <a:defRPr sz="1000">
+                <a:solidFill>
+                  <a:srgbClr val="000000"/>
+                </a:solidFill>
+                <a:latin typeface="맑은 고딕"/>
+                <a:ea typeface="맑은 고딕"/>
+                <a:cs typeface="맑은 고딕"/>
+              </a:defRPr>
+            </a:pPr>
+            <a:r>
+              <a:rPr lang="ko" sz="1000">
+                <a:latin typeface="맑은 고딕"/>
+                <a:ea typeface="맑은 고딕"/>
+                <a:cs typeface="맑은 고딕"/>
+              </a:rPr>
+              <a:t>구분</a:t>
+            </a:r>
+          </a:p>
+        </p:txBody>
+      </p:sp>
+      <p:sp>
+        <p:nvSpPr>
+          <p:cNvPr id="619914706" name="Text">
+    </p:cNvPr>
+          <p:cNvSpPr>
+            <a:spLocks noGrp="1"/>
+          </p:cNvSpPr>
+          <p:nvPr/>
+        </p:nvSpPr>
+        <p:spPr>
+          <a:xfrm rot="0">
+            <a:off x="1181100" y="1079500"/>
+            <a:ext cx="4572000" cy="393700"/>
+          </a:xfrm>
+          <a:prstGeom prst="rect">
+            <a:avLst/>
+          </a:prstGeom>
+          <a:solidFill>
+            <a:srgbClr val="FFCC99"/>
+          </a:solidFill>
+          <a:ln w="12700">
+            <a:solidFill>
+              <a:srgbClr val="000000"/>
+            </a:solidFill>
+            <a:prstDash val="solid"/>
+          </a:ln>
+        </p:spPr>
+        <p:txBody>
+          <a:bodyPr wrap="square" lIns="0" tIns="0" rIns="0" bIns="0" rtlCol="0" anchor="ctr"/>
+          <a:lstStyle/>
+          <a:p>
+            <a:pPr algn="ctr">
+              <a:lnSpc>
+                <a:spcPct val="100%"/>
+              </a:lnSpc>
+              <a:defRPr sz="1000">
+                <a:solidFill>
+                  <a:srgbClr val="000000"/>
+                </a:solidFill>
+                <a:latin typeface="맑은 고딕"/>
+                <a:ea typeface="맑은 고딕"/>
+                <a:cs typeface="맑은 고딕"/>
+              </a:defRPr>
+            </a:pPr>
+            <a:r>
+              <a:rPr lang="ko" sz="1000">
+                <a:latin typeface="맑은 고딕"/>
+                <a:ea typeface="맑은 고딕"/>
+                <a:cs typeface="맑은 고딕"/>
+              </a:rPr>
+              <a:t>업무 내용</a:t>
+            </a:r>
+          </a:p>
+        </p:txBody>
+      </p:sp>
+      <p:sp>
+        <p:nvSpPr>
+          <p:cNvPr id="631760232" name="Text">
+    </p:cNvPr>
+          <p:cNvSpPr>
+            <a:spLocks noGrp="1"/>
+          </p:cNvSpPr>
+          <p:nvPr/>
+        </p:nvSpPr>
+        <p:spPr>
+          <a:xfrm rot="0">
+            <a:off x="6527800" y="1079500"/>
+            <a:ext cx="762000" cy="393700"/>
+          </a:xfrm>
+          <a:prstGeom prst="rect">
+            <a:avLst/>
+          </a:prstGeom>
+          <a:solidFill>
+            <a:srgbClr val="FFCC99"/>
+          </a:solidFill>
+          <a:ln w="12700">
+            <a:solidFill>
+              <a:srgbClr val="000000"/>
+            </a:solidFill>
+            <a:prstDash val="solid"/>
+          </a:ln>
+        </p:spPr>
+        <p:txBody>
+          <a:bodyPr wrap="square" lIns="0" tIns="0" rIns="0" bIns="0" rtlCol="0" anchor="ctr"/>
+          <a:lstStyle/>
+          <a:p>
+            <a:pPr algn="ctr">
+              <a:lnSpc>
+                <a:spcPct val="100%"/>
+              </a:lnSpc>
+              <a:defRPr sz="1000">
+                <a:solidFill>
+                  <a:srgbClr val="000000"/>
+                </a:solidFill>
+                <a:latin typeface="맑은 고딕"/>
+                <a:ea typeface="맑은 고딕"/>
+                <a:cs typeface="맑은 고딕"/>
+              </a:defRPr>
+            </a:pPr>
+            <a:r>
+              <a:rPr lang="ko" sz="1000">
+                <a:latin typeface="맑은 고딕"/>
+                <a:ea typeface="맑은 고딕"/>
+                <a:cs typeface="맑은 고딕"/>
+              </a:rPr>
+              <a:t>진행율</a:t>
+            </a:r>
+          </a:p>
+        </p:txBody>
+      </p:sp>
+      <p:sp>
+        <p:nvSpPr>
+          <p:cNvPr id="120355059" name="Text">
+    </p:cNvPr>
+          <p:cNvSpPr>
+            <a:spLocks noGrp="1"/>
+          </p:cNvSpPr>
+          <p:nvPr/>
+        </p:nvSpPr>
+        <p:spPr>
+          <a:xfrm rot="0">
+            <a:off x="7289800" y="1079500"/>
+            <a:ext cx="254000" cy="393700"/>
+          </a:xfrm>
+          <a:prstGeom prst="rect">
+            <a:avLst/>
+          </a:prstGeom>
+          <a:solidFill>
+            <a:srgbClr val="FFCC99"/>
+          </a:solidFill>
+          <a:ln w="12700">
+            <a:solidFill>
+              <a:srgbClr val="000000"/>
+            </a:solidFill>
+            <a:prstDash val="solid"/>
+          </a:ln>
+        </p:spPr>
+        <p:txBody>
+          <a:bodyPr wrap="square" lIns="0" tIns="0" rIns="0" bIns="0" rtlCol="0" anchor="ctr"/>
+          <a:lstStyle/>
+          <a:p>
+            <a:pPr algn="ctr">
+              <a:lnSpc>
+                <a:spcPct val="100%"/>
+              </a:lnSpc>
+              <a:defRPr sz="1000">
+                <a:solidFill>
+                  <a:srgbClr val="000000"/>
+                </a:solidFill>
+                <a:latin typeface="맑은 고딕"/>
+                <a:ea typeface="맑은 고딕"/>
+                <a:cs typeface="맑은 고딕"/>
+              </a:defRPr>
+            </a:pPr>
+            <a:r>
+              <a:rPr lang="ko" sz="1000">
+                <a:latin typeface="맑은 고딕"/>
+                <a:ea typeface="맑은 고딕"/>
+                <a:cs typeface="맑은 고딕"/>
+              </a:rPr>
+              <a:t>상</a:t>
+            </a:r>
+            <a:br/>
+            <a:r>
+              <a:rPr lang="ko" sz="1000">
+                <a:latin typeface="맑은 고딕"/>
+                <a:ea typeface="맑은 고딕"/>
+                <a:cs typeface="맑은 고딕"/>
+              </a:rPr>
+              <a:t>태</a:t>
+            </a:r>
+          </a:p>
+        </p:txBody>
+      </p:sp>
+      <p:sp>
+        <p:nvSpPr>
+          <p:cNvPr id="35855942" name="Text">
+    </p:cNvPr>
+          <p:cNvSpPr>
+            <a:spLocks noGrp="1"/>
+          </p:cNvSpPr>
+          <p:nvPr/>
+        </p:nvSpPr>
+        <p:spPr>
+          <a:xfrm rot="0">
+            <a:off x="368300" y="3429000"/>
+            <a:ext cx="812800" cy="342900"/>
+          </a:xfrm>
+          <a:prstGeom prst="rect">
+            <a:avLst/>
+          </a:prstGeom>
+          <a:solidFill>
+            <a:srgbClr val="FFCC99"/>
+          </a:solidFill>
+          <a:ln w="12700">
+            <a:solidFill>
+              <a:srgbClr val="000000"/>
+            </a:solidFill>
+            <a:prstDash val="solid"/>
+          </a:ln>
+        </p:spPr>
+        <p:txBody>
+          <a:bodyPr wrap="square" lIns="0" tIns="0" rIns="0" bIns="0" rtlCol="0" anchor="ctr"/>
+          <a:lstStyle/>
+          <a:p>
+            <a:pPr algn="ctr">
+              <a:lnSpc>
+                <a:spcPct val="100%"/>
+              </a:lnSpc>
+              <a:defRPr sz="1000">
+                <a:solidFill>
+                  <a:srgbClr val="000000"/>
+                </a:solidFill>
+                <a:latin typeface="맑은 고딕"/>
+                <a:ea typeface="맑은 고딕"/>
+                <a:cs typeface="맑은 고딕"/>
+              </a:defRPr>
+            </a:pPr>
+            <a:r>
+              <a:rPr lang="ko" sz="1000">
+                <a:latin typeface="맑은 고딕"/>
+                <a:ea typeface="맑은 고딕"/>
+                <a:cs typeface="맑은 고딕"/>
+              </a:rPr>
+              <a:t>구분</a:t>
+            </a:r>
+          </a:p>
+        </p:txBody>
+      </p:sp>
+      <p:sp>
+        <p:nvSpPr>
+          <p:cNvPr id="1069774437" name="Text">
+    </p:cNvPr>
+          <p:cNvSpPr>
+            <a:spLocks noGrp="1"/>
+          </p:cNvSpPr>
+          <p:nvPr/>
+        </p:nvSpPr>
+        <p:spPr>
+          <a:xfrm rot="0">
+            <a:off x="1181100" y="3429000"/>
+            <a:ext cx="4610100" cy="342900"/>
+          </a:xfrm>
+          <a:prstGeom prst="rect">
+            <a:avLst/>
+          </a:prstGeom>
+          <a:solidFill>
+            <a:srgbClr val="FFCC99"/>
+          </a:solidFill>
+          <a:ln w="12700">
+            <a:solidFill>
+              <a:srgbClr val="000000"/>
+            </a:solidFill>
+            <a:prstDash val="solid"/>
+          </a:ln>
+        </p:spPr>
+        <p:txBody>
+          <a:bodyPr wrap="square" lIns="0" tIns="0" rIns="0" bIns="0" rtlCol="0" anchor="ctr"/>
+          <a:lstStyle/>
+          <a:p>
+            <a:pPr algn="ctr">
+              <a:lnSpc>
+                <a:spcPct val="100%"/>
+              </a:lnSpc>
+              <a:defRPr sz="1000">
+                <a:solidFill>
+                  <a:srgbClr val="000000"/>
+                </a:solidFill>
+                <a:latin typeface="맑은 고딕"/>
+                <a:ea typeface="맑은 고딕"/>
+                <a:cs typeface="맑은 고딕"/>
+              </a:defRPr>
+            </a:pPr>
+            <a:r>
+              <a:rPr lang="ko" sz="1000">
+                <a:latin typeface="맑은 고딕"/>
+                <a:ea typeface="맑은 고딕"/>
+                <a:cs typeface="맑은 고딕"/>
+              </a:rPr>
+              <a:t>업무 내용</a:t>
+            </a:r>
+          </a:p>
+        </p:txBody>
+      </p:sp>
+      <p:sp>
+        <p:nvSpPr>
+          <p:cNvPr id="626350160" name="Text">
+    </p:cNvPr>
+          <p:cNvSpPr>
+            <a:spLocks noGrp="1"/>
+          </p:cNvSpPr>
+          <p:nvPr/>
+        </p:nvSpPr>
+        <p:spPr>
+          <a:xfrm rot="0">
+            <a:off x="5791200" y="3429000"/>
+            <a:ext cx="762000" cy="342900"/>
+          </a:xfrm>
+          <a:prstGeom prst="rect">
+            <a:avLst/>
+          </a:prstGeom>
+          <a:solidFill>
+            <a:srgbClr val="FFCC99"/>
+          </a:solidFill>
+          <a:ln w="12700">
+            <a:solidFill>
+              <a:srgbClr val="000000"/>
+            </a:solidFill>
+            <a:prstDash val="solid"/>
+          </a:ln>
+        </p:spPr>
+        <p:txBody>
+          <a:bodyPr wrap="square" lIns="0" tIns="0" rIns="0" bIns="0" rtlCol="0" anchor="ctr"/>
+          <a:lstStyle/>
+          <a:p>
+            <a:pPr algn="ctr">
+              <a:lnSpc>
+                <a:spcPct val="100%"/>
+              </a:lnSpc>
+              <a:defRPr sz="1000">
+                <a:solidFill>
+                  <a:srgbClr val="000000"/>
+                </a:solidFill>
+                <a:latin typeface="맑은 고딕"/>
+                <a:ea typeface="맑은 고딕"/>
+                <a:cs typeface="맑은 고딕"/>
+              </a:defRPr>
+            </a:pPr>
+            <a:r>
+              <a:rPr lang="ko" sz="1000">
+                <a:latin typeface="맑은 고딕"/>
+                <a:ea typeface="맑은 고딕"/>
+                <a:cs typeface="맑은 고딕"/>
+              </a:rPr>
+              <a:t>완료예정</a:t>
+            </a:r>
+          </a:p>
+        </p:txBody>
+      </p:sp>
+      <p:sp>
+        <p:nvSpPr>
+          <p:cNvPr id="1104828393" name="Text">
+    </p:cNvPr>
+          <p:cNvSpPr>
+            <a:spLocks noGrp="1"/>
+          </p:cNvSpPr>
+          <p:nvPr/>
+        </p:nvSpPr>
+        <p:spPr>
+          <a:xfrm rot="0">
+            <a:off x="7543800" y="1079500"/>
+            <a:ext cx="2667000" cy="393700"/>
+          </a:xfrm>
+          <a:prstGeom prst="rect">
+            <a:avLst/>
+          </a:prstGeom>
+          <a:solidFill>
+            <a:srgbClr val="FFCC99"/>
+          </a:solidFill>
+          <a:ln w="12700">
+            <a:solidFill>
+              <a:srgbClr val="000000"/>
+            </a:solidFill>
+            <a:prstDash val="solid"/>
+          </a:ln>
+        </p:spPr>
+        <p:txBody>
+          <a:bodyPr wrap="square" lIns="0" tIns="0" rIns="0" bIns="0" rtlCol="0" anchor="ctr"/>
+          <a:lstStyle/>
+          <a:p>
+            <a:pPr algn="ctr">
+              <a:lnSpc>
+                <a:spcPct val="100%"/>
+              </a:lnSpc>
+              <a:defRPr sz="1000">
+                <a:solidFill>
+                  <a:srgbClr val="000000"/>
+                </a:solidFill>
+                <a:latin typeface="맑은 고딕"/>
+                <a:ea typeface="맑은 고딕"/>
+                <a:cs typeface="맑은 고딕"/>
+              </a:defRPr>
+            </a:pPr>
+            <a:r>
+              <a:rPr lang="ko" sz="1000">
+                <a:latin typeface="맑은 고딕"/>
+                <a:ea typeface="맑은 고딕"/>
+                <a:cs typeface="맑은 고딕"/>
+              </a:rPr>
+              <a:t>비고</a:t>
+            </a:r>
+          </a:p>
+        </p:txBody>
+      </p:sp>
+      <p:sp>
+        <p:nvSpPr>
+          <p:cNvPr id="1527881914" name="Text">
+    </p:cNvPr>
+          <p:cNvSpPr>
+            <a:spLocks noGrp="1"/>
+          </p:cNvSpPr>
+          <p:nvPr/>
+        </p:nvSpPr>
+        <p:spPr>
+          <a:xfrm rot="0">
+            <a:off x="6553200" y="3429000"/>
+            <a:ext cx="3670300" cy="342900"/>
+          </a:xfrm>
+          <a:prstGeom prst="rect">
+            <a:avLst/>
+          </a:prstGeom>
+          <a:solidFill>
+            <a:srgbClr val="FFCC99"/>
+          </a:solidFill>
+          <a:ln w="12700">
+            <a:solidFill>
+              <a:srgbClr val="000000"/>
+            </a:solidFill>
+            <a:prstDash val="solid"/>
+          </a:ln>
+        </p:spPr>
+        <p:txBody>
+          <a:bodyPr wrap="square" lIns="0" tIns="0" rIns="0" bIns="0" rtlCol="0" anchor="ctr"/>
+          <a:lstStyle/>
+          <a:p>
+            <a:pPr algn="ctr">
+              <a:lnSpc>
+                <a:spcPct val="100%"/>
+              </a:lnSpc>
+              <a:defRPr sz="1000">
+                <a:solidFill>
+                  <a:srgbClr val="000000"/>
+                </a:solidFill>
+                <a:latin typeface="맑은 고딕"/>
+                <a:ea typeface="맑은 고딕"/>
+                <a:cs typeface="맑은 고딕"/>
+              </a:defRPr>
+            </a:pPr>
+            <a:r>
+              <a:rPr lang="ko" sz="1000">
+                <a:latin typeface="맑은 고딕"/>
+                <a:ea typeface="맑은 고딕"/>
+                <a:cs typeface="맑은 고딕"/>
+              </a:rPr>
+              <a:t>비고</a:t>
+            </a:r>
+          </a:p>
+        </p:txBody>
+      </p:sp>
+      <p:sp>
+        <p:nvSpPr>
+          <p:cNvPr id="2135262691" name="Text">
+    </p:cNvPr>
+          <p:cNvSpPr>
+            <a:spLocks noGrp="1"/>
+          </p:cNvSpPr>
+          <p:nvPr/>
+        </p:nvSpPr>
+        <p:spPr>
+          <a:xfrm rot="0">
+            <a:off x="5753100" y="1079500"/>
+            <a:ext cx="774700" cy="393700"/>
+          </a:xfrm>
+          <a:prstGeom prst="rect">
+            <a:avLst/>
+          </a:prstGeom>
+          <a:solidFill>
+            <a:srgbClr val="FFCC99"/>
+          </a:solidFill>
+          <a:ln w="12700">
+            <a:solidFill>
+              <a:srgbClr val="000000"/>
+            </a:solidFill>
+            <a:prstDash val="solid"/>
+          </a:ln>
+        </p:spPr>
+        <p:txBody>
+          <a:bodyPr wrap="square" lIns="0" tIns="0" rIns="0" bIns="0" rtlCol="0" anchor="ctr"/>
+          <a:lstStyle/>
+          <a:p>
+            <a:pPr algn="ctr">
+              <a:lnSpc>
+                <a:spcPct val="100%"/>
+              </a:lnSpc>
+              <a:defRPr sz="1000">
+                <a:solidFill>
+                  <a:srgbClr val="000000"/>
+                </a:solidFill>
+                <a:latin typeface="맑은 고딕"/>
+                <a:ea typeface="맑은 고딕"/>
+                <a:cs typeface="맑은 고딕"/>
+              </a:defRPr>
+            </a:pPr>
+            <a:r>
+              <a:rPr lang="ko" sz="1000">
+                <a:latin typeface="맑은 고딕"/>
+                <a:ea typeface="맑은 고딕"/>
+                <a:cs typeface="맑은 고딕"/>
+              </a:rPr>
+              <a:t>완료일</a:t>
+            </a:r>
+          </a:p>
+        </p:txBody>
+      </p:sp>
+      <p:sp>
+        <p:nvSpPr>
+          <p:cNvPr id="1885193603" name="Text">
+    </p:cNvPr>
+          <p:cNvSpPr>
+            <a:spLocks noGrp="1"/>
+          </p:cNvSpPr>
+          <p:nvPr/>
+        </p:nvSpPr>
+        <p:spPr>
+          <a:xfrm rot="0">
+            <a:off x="5753100" y="1473200"/>
+            <a:ext cx="774700" cy="787400"/>
+          </a:xfrm>
+          <a:prstGeom prst="rect">
+            <a:avLst/>
+          </a:prstGeom>
+          <a:ln w="12700">
+            <a:solidFill>
+              <a:srgbClr val="000000"/>
+            </a:solidFill>
+            <a:prstDash val="solid"/>
+          </a:ln>
+        </p:spPr>
+        <p:txBody>
+          <a:bodyPr wrap="square" lIns="0" tIns="0" rIns="0" bIns="0" rtlCol="0" anchor="t"/>
+          <a:lstStyle/>
+          <a:p>
+            <a:pPr algn="ctr">
+              <a:lnSpc>
+                <a:spcPct val="100%"/>
+              </a:lnSpc>
+              <a:defRPr sz="1100">
+                <a:solidFill>
+                  <a:srgbClr val="000000"/>
+                </a:solidFill>
+                <a:latin typeface="맑은 고딕"/>
+                <a:ea typeface="맑은 고딕"/>
+                <a:cs typeface="맑은 고딕"/>
+              </a:defRPr>
+            </a:pPr>
+            <a:br/>
+            <a:r>
+              <a:rPr lang="ko" sz="1100">
+                <a:latin typeface="맑은 고딕"/>
+                <a:ea typeface="맑은 고딕"/>
+                <a:cs typeface="맑은 고딕"/>
+              </a:rPr>
+              <a:t>[보류]</a:t>
+            </a:r>
+            <a:br/>
+            <a:r>
+              <a:rPr lang="ko" sz="1100">
+                <a:latin typeface="맑은 고딕"/>
+                <a:ea typeface="맑은 고딕"/>
+                <a:cs typeface="맑은 고딕"/>
+              </a:rPr>
+              <a:t>[보류]</a:t>
+            </a:r>
+            <a:br/>
+          </a:p>
+        </p:txBody>
+      </p:sp>
+      <p:sp>
+        <p:nvSpPr>
+          <p:cNvPr id="1672192382" name="Text">
+    </p:cNvPr>
+          <p:cNvSpPr>
+            <a:spLocks noGrp="1"/>
+          </p:cNvSpPr>
+          <p:nvPr/>
+        </p:nvSpPr>
+        <p:spPr>
+          <a:xfrm rot="0">
+            <a:off x="368300" y="2260600"/>
+            <a:ext cx="812800" cy="812800"/>
+          </a:xfrm>
+          <a:prstGeom prst="rect">
+            <a:avLst/>
+          </a:prstGeom>
+          <a:ln w="12700">
+            <a:solidFill>
+              <a:srgbClr val="000000"/>
+            </a:solidFill>
+            <a:prstDash val="solid"/>
+          </a:ln>
+        </p:spPr>
+        <p:txBody>
+          <a:bodyPr wrap="square" lIns="0" tIns="0" rIns="0" bIns="0" rtlCol="0" anchor="ctr"/>
+          <a:lstStyle/>
+          <a:p>
+            <a:pPr algn="ctr">
+              <a:lnSpc>
+                <a:spcPct val="100%"/>
+              </a:lnSpc>
+              <a:defRPr sz="1100">
+                <a:solidFill>
+                  <a:srgbClr val="000000"/>
+                </a:solidFill>
+                <a:latin typeface="맑은 고딕"/>
+                <a:ea typeface="맑은 고딕"/>
+                <a:cs typeface="맑은 고딕"/>
+              </a:defRPr>
+            </a:pPr>
+            <a:r>
+              <a:rPr lang="ko" sz="1100">
+                <a:latin typeface="맑은 고딕"/>
+                <a:ea typeface="맑은 고딕"/>
+                <a:cs typeface="맑은 고딕"/>
+              </a:rPr>
+              <a:t>WEB</a:t>
+            </a:r>
+          </a:p>
+        </p:txBody>
+      </p:sp>
+      <p:sp>
+        <p:nvSpPr>
+          <p:cNvPr id="896125377" name="Text">
+    </p:cNvPr>
+          <p:cNvSpPr>
+            <a:spLocks noGrp="1"/>
+          </p:cNvSpPr>
+          <p:nvPr/>
+        </p:nvSpPr>
+        <p:spPr>
+          <a:xfrm rot="0">
+            <a:off x="1181100" y="2260600"/>
+            <a:ext cx="4572000" cy="812800"/>
+          </a:xfrm>
+          <a:prstGeom prst="rect">
+            <a:avLst/>
+          </a:prstGeom>
+          <a:ln w="12700">
+            <a:solidFill>
+              <a:srgbClr val="000000"/>
+            </a:solidFill>
+            <a:prstDash val="solid"/>
+          </a:ln>
+        </p:spPr>
+        <p:txBody>
+          <a:bodyPr wrap="square" lIns="0" tIns="0" rIns="0" bIns="0" rtlCol="0" anchor="t"/>
+          <a:lstStyle/>
+          <a:p>
+            <a:pPr algn="l">
+              <a:lnSpc>
+                <a:spcPct val="100%"/>
+              </a:lnSpc>
+              <a:defRPr sz="1100">
+                <a:solidFill>
+                  <a:srgbClr val="000000"/>
+                </a:solidFill>
+                <a:latin typeface="맑은 고딕"/>
+                <a:ea typeface="맑은 고딕"/>
+                <a:cs typeface="맑은 고딕"/>
+              </a:defRPr>
+            </a:pPr>
+            <a:br/>
+            <a:r>
+              <a:rPr lang="ko" sz="1100">
+                <a:latin typeface="맑은 고딕"/>
+                <a:ea typeface="맑은 고딕"/>
+                <a:cs typeface="맑은 고딕"/>
+              </a:rPr>
+              <a:t> 2</a:t>
+            </a:r>
+            <a:br/>
+            <a:r>
+              <a:rPr lang="ko" sz="1100">
+                <a:latin typeface="맑은 고딕"/>
+                <a:ea typeface="맑은 고딕"/>
+                <a:cs typeface="맑은 고딕"/>
+              </a:rPr>
+              <a:t> 가나다</a:t>
+            </a:r>
+            <a:br/>
+          </a:p>
+        </p:txBody>
+      </p:sp>
+      <p:sp>
+        <p:nvSpPr>
+          <p:cNvPr id="1716529170" name="Text">
+    </p:cNvPr>
+          <p:cNvSpPr>
+            <a:spLocks noGrp="1"/>
+          </p:cNvSpPr>
+          <p:nvPr/>
+        </p:nvSpPr>
+        <p:spPr>
+          <a:xfrm rot="0">
+            <a:off x="7543800" y="2260600"/>
+            <a:ext cx="2667000" cy="812800"/>
+          </a:xfrm>
+          <a:prstGeom prst="rect">
+            <a:avLst/>
+          </a:prstGeom>
+          <a:ln w="12700">
+            <a:solidFill>
+              <a:srgbClr val="000000"/>
+            </a:solidFill>
+            <a:prstDash val="solid"/>
+          </a:ln>
+        </p:spPr>
+        <p:txBody>
+          <a:bodyPr wrap="square" lIns="0" tIns="0" rIns="0" bIns="0" rtlCol="0" anchor="t"/>
+          <a:lstStyle/>
+          <a:p>
+            <a:pPr algn="l">
+              <a:lnSpc>
+                <a:spcPct val="100%"/>
+              </a:lnSpc>
+              <a:defRPr sz="1100">
+                <a:solidFill>
+                  <a:srgbClr val="000000"/>
+                </a:solidFill>
+                <a:latin typeface="맑은 고딕"/>
+                <a:ea typeface="맑은 고딕"/>
+                <a:cs typeface="맑은 고딕"/>
+              </a:defRPr>
+            </a:pPr>
+            <a:br/>
+            <a:r>
+              <a:rPr lang="ko" sz="1100">
+                <a:latin typeface="맑은 고딕"/>
+                <a:ea typeface="맑은 고딕"/>
+                <a:cs typeface="맑은 고딕"/>
+              </a:rPr>
+              <a:t>1</a:t>
+            </a:r>
+          </a:p>
+        </p:txBody>
+      </p:sp>
+      <p:sp>
+        <p:nvSpPr>
+          <p:cNvPr id="2017433734" name="Text">
+    </p:cNvPr>
+          <p:cNvSpPr>
+            <a:spLocks noGrp="1"/>
+          </p:cNvSpPr>
+          <p:nvPr/>
+        </p:nvSpPr>
+        <p:spPr>
+          <a:xfrm rot="0">
+            <a:off x="6527800" y="2260600"/>
+            <a:ext cx="749300" cy="812800"/>
+          </a:xfrm>
+          <a:prstGeom prst="rect">
+            <a:avLst/>
+          </a:prstGeom>
+          <a:ln w="12700">
+            <a:solidFill>
+              <a:srgbClr val="000000"/>
+            </a:solidFill>
+            <a:prstDash val="solid"/>
+          </a:ln>
+        </p:spPr>
+        <p:txBody>
+          <a:bodyPr wrap="square" lIns="0" tIns="0" rIns="0" bIns="0" rtlCol="0" anchor="ctr"/>
+          <a:lstStyle/>
+          <a:p>
+            <a:pPr algn="ctr">
+              <a:lnSpc>
+                <a:spcPct val="100%"/>
+              </a:lnSpc>
+              <a:defRPr sz="1100">
+                <a:solidFill>
+                  <a:srgbClr val="000000"/>
+                </a:solidFill>
+                <a:latin typeface="맑은 고딕"/>
+                <a:ea typeface="맑은 고딕"/>
+                <a:cs typeface="맑은 고딕"/>
+              </a:defRPr>
+            </a:pPr>
+            <a:r>
+              <a:rPr lang="ko" sz="1100">
+                <a:latin typeface="맑은 고딕"/>
+                <a:ea typeface="맑은 고딕"/>
+                <a:cs typeface="맑은 고딕"/>
+              </a:rPr>
+              <a:t>1</a:t>
+            </a:r>
+          </a:p>
+        </p:txBody>
+      </p:sp>
+      <p:sp>
+        <p:nvSpPr>
+          <p:cNvPr id="1184986798" name="Text">
+    </p:cNvPr>
+          <p:cNvSpPr>
+            <a:spLocks noGrp="1"/>
+          </p:cNvSpPr>
+          <p:nvPr/>
+        </p:nvSpPr>
+        <p:spPr>
+          <a:xfrm rot="0">
+            <a:off x="5753100" y="2260600"/>
+            <a:ext cx="774700" cy="812800"/>
+          </a:xfrm>
+          <a:prstGeom prst="rect">
+            <a:avLst/>
+          </a:prstGeom>
+          <a:ln w="12700">
+            <a:solidFill>
+              <a:srgbClr val="000000"/>
+            </a:solidFill>
+            <a:prstDash val="solid"/>
+          </a:ln>
+        </p:spPr>
+        <p:txBody>
+          <a:bodyPr wrap="square" lIns="0" tIns="0" rIns="0" bIns="0" rtlCol="0" anchor="t"/>
+          <a:lstStyle/>
+          <a:p>
+            <a:pPr algn="ctr">
+              <a:lnSpc>
+                <a:spcPct val="100%"/>
+              </a:lnSpc>
+              <a:defRPr sz="1100">
+                <a:solidFill>
+                  <a:srgbClr val="000000"/>
+                </a:solidFill>
+                <a:latin typeface="맑은 고딕"/>
+                <a:ea typeface="맑은 고딕"/>
+                <a:cs typeface="맑은 고딕"/>
+              </a:defRPr>
+            </a:pPr>
+            <a:br/>
+            <a:r>
+              <a:rPr lang="ko" sz="1100">
+                <a:latin typeface="맑은 고딕"/>
+                <a:ea typeface="맑은 고딕"/>
+                <a:cs typeface="맑은 고딕"/>
+              </a:rPr>
+              <a:t>[보류]</a:t>
+            </a:r>
+            <a:br/>
+            <a:r>
+              <a:rPr lang="ko" sz="1100">
+                <a:latin typeface="맑은 고딕"/>
+                <a:ea typeface="맑은 고딕"/>
+                <a:cs typeface="맑은 고딕"/>
+              </a:rPr>
+              <a:t>[보류]</a:t>
+            </a:r>
+            <a:br/>
+          </a:p>
+        </p:txBody>
+      </p:sp>
+      <p:sp>
+        <p:nvSpPr>
+          <p:cNvPr id="1031637114" name="Text">
+    </p:cNvPr>
+          <p:cNvSpPr>
+            <a:spLocks noGrp="1"/>
+          </p:cNvSpPr>
+          <p:nvPr/>
+        </p:nvSpPr>
+        <p:spPr>
+          <a:xfrm rot="0">
+            <a:off x="6553200" y="4572000"/>
+            <a:ext cx="3670300" cy="800100"/>
+          </a:xfrm>
+          <a:prstGeom prst="rect">
+            <a:avLst/>
+          </a:prstGeom>
+          <a:ln w="12700">
+            <a:solidFill>
+              <a:srgbClr val="000000"/>
+            </a:solidFill>
+            <a:prstDash val="solid"/>
+          </a:ln>
+        </p:spPr>
+        <p:txBody>
+          <a:bodyPr wrap="square" lIns="0" tIns="0" rIns="0" bIns="0" rtlCol="0" anchor="t"/>
+          <a:lstStyle/>
+          <a:p>
+            <a:pPr algn="l">
+              <a:lnSpc>
+                <a:spcPct val="100%"/>
+              </a:lnSpc>
+              <a:defRPr sz="1100">
+                <a:solidFill>
+                  <a:srgbClr val="000000"/>
+                </a:solidFill>
+                <a:latin typeface="맑은 고딕"/>
+                <a:ea typeface="맑은 고딕"/>
+                <a:cs typeface="맑은 고딕"/>
+              </a:defRPr>
+            </a:pPr>
+            <a:br/>
+          </a:p>
+        </p:txBody>
+      </p:sp>
+      <p:sp>
+        <p:nvSpPr>
+          <p:cNvPr id="1510614911" name="Text">
+    </p:cNvPr>
+          <p:cNvSpPr>
+            <a:spLocks noGrp="1"/>
+          </p:cNvSpPr>
+          <p:nvPr/>
+        </p:nvSpPr>
+        <p:spPr>
+          <a:xfrm rot="0">
+            <a:off x="5791200" y="4572000"/>
+            <a:ext cx="762000" cy="800100"/>
+          </a:xfrm>
+          <a:prstGeom prst="rect">
+            <a:avLst/>
+          </a:prstGeom>
+          <a:ln w="12700">
+            <a:solidFill>
+              <a:srgbClr val="000000"/>
+            </a:solidFill>
+            <a:prstDash val="solid"/>
+          </a:ln>
+        </p:spPr>
+        <p:txBody>
+          <a:bodyPr wrap="square" lIns="0" tIns="0" rIns="0" bIns="0" rtlCol="0" anchor="t"/>
+          <a:lstStyle/>
+          <a:p>
+            <a:pPr algn="ctr">
+              <a:lnSpc>
+                <a:spcPct val="100%"/>
+              </a:lnSpc>
+              <a:defRPr sz="1100">
+                <a:solidFill>
+                  <a:srgbClr val="000000"/>
+                </a:solidFill>
+                <a:latin typeface="맑은 고딕"/>
+                <a:ea typeface="맑은 고딕"/>
+                <a:cs typeface="맑은 고딕"/>
+              </a:defRPr>
+            </a:pPr>
+            <a:br/>
+            <a:r>
+              <a:rPr lang="ko" sz="1100">
+                <a:latin typeface="맑은 고딕"/>
+                <a:ea typeface="맑은 고딕"/>
+                <a:cs typeface="맑은 고딕"/>
+              </a:rPr>
+              <a:t>[보류]</a:t>
+            </a:r>
+            <a:br/>
+            <a:r>
+              <a:rPr lang="ko" sz="1100">
+                <a:latin typeface="맑은 고딕"/>
+                <a:ea typeface="맑은 고딕"/>
+                <a:cs typeface="맑은 고딕"/>
+              </a:rPr>
+              <a:t>[보류]</a:t>
+            </a:r>
+            <a:br/>
+          </a:p>
+        </p:txBody>
+      </p:sp>
+      <p:sp>
+        <p:nvSpPr>
+          <p:cNvPr id="1593147152" name="Text">
+    </p:cNvPr>
+          <p:cNvSpPr>
+            <a:spLocks noGrp="1"/>
+          </p:cNvSpPr>
+          <p:nvPr/>
+        </p:nvSpPr>
+        <p:spPr>
+          <a:xfrm rot="0">
+            <a:off x="1181100" y="4572000"/>
+            <a:ext cx="4610100" cy="800100"/>
+          </a:xfrm>
+          <a:prstGeom prst="rect">
+            <a:avLst/>
+          </a:prstGeom>
+          <a:ln w="12700">
+            <a:solidFill>
+              <a:srgbClr val="000000"/>
+            </a:solidFill>
+            <a:prstDash val="solid"/>
+          </a:ln>
+        </p:spPr>
+        <p:txBody>
+          <a:bodyPr wrap="square" lIns="0" tIns="0" rIns="0" bIns="0" rtlCol="0" anchor="t"/>
+          <a:lstStyle/>
+          <a:p>
+            <a:pPr algn="l">
+              <a:lnSpc>
+                <a:spcPct val="100%"/>
+              </a:lnSpc>
+              <a:defRPr sz="1100">
+                <a:solidFill>
+                  <a:srgbClr val="000000"/>
+                </a:solidFill>
+                <a:latin typeface="맑은 고딕"/>
+                <a:ea typeface="맑은 고딕"/>
+                <a:cs typeface="맑은 고딕"/>
+              </a:defRPr>
+            </a:pPr>
+            <a:br/>
+            <a:r>
+              <a:rPr lang="ko" sz="1100">
+                <a:latin typeface="맑은 고딕"/>
+                <a:ea typeface="맑은 고딕"/>
+                <a:cs typeface="맑은 고딕"/>
+              </a:rPr>
+              <a:t> s</a:t>
+            </a:r>
+            <a:br/>
+            <a:r>
+              <a:rPr lang="ko" sz="1100">
+                <a:latin typeface="맑은 고딕"/>
+                <a:ea typeface="맑은 고딕"/>
+                <a:cs typeface="맑은 고딕"/>
+              </a:rPr>
+              <a:t> ㅓㅕㅗㅛㅜㅠ</a:t>
+            </a:r>
+            <a:br/>
+          </a:p>
+        </p:txBody>
+      </p:sp>
+      <p:sp>
+        <p:nvSpPr>
+          <p:cNvPr id="321676902" name="Text">
+    </p:cNvPr>
+          <p:cNvSpPr>
+            <a:spLocks noGrp="1"/>
+          </p:cNvSpPr>
+          <p:nvPr/>
+        </p:nvSpPr>
+        <p:spPr>
+          <a:xfrm rot="0">
+            <a:off x="368300" y="4572000"/>
+            <a:ext cx="812800" cy="800100"/>
+          </a:xfrm>
+          <a:prstGeom prst="rect">
+            <a:avLst/>
+          </a:prstGeom>
+          <a:ln w="12700">
+            <a:solidFill>
+              <a:srgbClr val="000000"/>
+            </a:solidFill>
+            <a:prstDash val="solid"/>
+          </a:ln>
+        </p:spPr>
+        <p:txBody>
+          <a:bodyPr wrap="square" lIns="0" tIns="0" rIns="0" bIns="0" rtlCol="0" anchor="ctr"/>
+          <a:lstStyle/>
+          <a:p>
+            <a:pPr algn="ctr">
+              <a:lnSpc>
+                <a:spcPct val="100%"/>
+              </a:lnSpc>
+              <a:defRPr sz="1100">
+                <a:solidFill>
+                  <a:srgbClr val="000000"/>
+                </a:solidFill>
+                <a:latin typeface="맑은 고딕"/>
+                <a:ea typeface="맑은 고딕"/>
+                <a:cs typeface="맑은 고딕"/>
+              </a:defRPr>
+            </a:pPr>
+            <a:r>
+              <a:rPr lang="ko" sz="1100">
+                <a:latin typeface="맑은 고딕"/>
+                <a:ea typeface="맑은 고딕"/>
+                <a:cs typeface="맑은 고딕"/>
+              </a:rPr>
+              <a:t>WEB</a:t>
+            </a:r>
+          </a:p>
+        </p:txBody>
+      </p:sp>
+      <p:sp>
+        <p:nvSpPr>
+          <p:cNvPr id="1120080417" name="Rectangle"/>
+          <p:cNvSpPr>
+            <a:spLocks noGrp="1"/>
+          </p:cNvSpPr>
+          <p:nvPr/>
+        </p:nvSpPr>
+        <p:spPr>
+          <a:xfrm>
+            <a:off x="7277100" y="1473200"/>
+            <a:ext cx="266700" cy="787400"/>
+          </a:xfrm>
+          <a:prstGeom prst="rect">
+            <a:avLst/>
+          </a:prstGeom>
+          <a:solidFill>
+            <a:srgbClr val="FFFF00"/>
+          </a:solidFill>
+          <a:ln w="12700">
+            <a:solidFill>
+              <a:srgbClr val="000000"/>
+            </a:solidFill>
+            <a:prstDash val="solid"/>
+          </a:ln>
+        </p:spPr>
+        <p:txBody>
+          <a:bodyPr rtlCol="0" anchor="ctr"/>
+          <a:lstStyle/>
+          <a:p>
+            <a:pPr algn="ctr"/>
+          </a:p>
+        </p:txBody>
+      </p:sp>
+      <p:sp>
+        <p:nvSpPr>
+          <p:cNvPr id="1241117913" name="Rectangle"/>
+          <p:cNvSpPr>
+            <a:spLocks noGrp="1"/>
+          </p:cNvSpPr>
+          <p:nvPr/>
+        </p:nvSpPr>
+        <p:spPr>
+          <a:xfrm>
+            <a:off x="7277100" y="2260600"/>
+            <a:ext cx="266700" cy="812800"/>
+          </a:xfrm>
+          <a:prstGeom prst="rect">
+            <a:avLst/>
+          </a:prstGeom>
+          <a:solidFill>
+            <a:srgbClr val="00FF00"/>
+          </a:solidFill>
+          <a:ln w="12700">
+            <a:solidFill>
+              <a:srgbClr val="000000"/>
+            </a:solidFill>
+            <a:prstDash val="solid"/>
+          </a:ln>
+        </p:spPr>
+        <p:txBody>
+          <a:bodyPr rtlCol="0" anchor="ctr"/>
+          <a:lstStyle/>
+          <a:p>
+            <a:pPr algn="ctr"/>
+          </a:p>
+        </p:txBody>
+      </p:sp>
+      <p:sp>
+        <p:nvSpPr>
+          <p:cNvPr id="1006702345" name="Text">
+    </p:cNvPr>
+          <p:cNvSpPr>
+            <a:spLocks noGrp="1"/>
+          </p:cNvSpPr>
+          <p:nvPr/>
+        </p:nvSpPr>
+        <p:spPr>
+          <a:xfrm rot="0">
+            <a:off x="190500" y="5473700"/>
+            <a:ext cx="2476500" cy="228600"/>
+          </a:xfrm>
+          <a:prstGeom prst="rect">
+            <a:avLst/>
+          </a:prstGeom>
+          <a:solidFill>
+            <a:srgbClr val="CCFFCC"/>
+          </a:solidFill>
+        </p:spPr>
+        <p:txBody>
+          <a:bodyPr wrap="square" lIns="0" tIns="0" rIns="0" bIns="0" rtlCol="0" anchor="ctr"/>
+          <a:lstStyle/>
+          <a:p>
+            <a:pPr algn="ctr">
+              <a:lnSpc>
+                <a:spcPct val="100%"/>
+              </a:lnSpc>
+              <a:defRPr sz="1000" b="1">
+                <a:solidFill>
+                  <a:srgbClr val="000000"/>
+                </a:solidFill>
+                <a:latin typeface="맑은 고딕"/>
+                <a:ea typeface="맑은 고딕"/>
+                <a:cs typeface="맑은 고딕"/>
+              </a:defRPr>
+            </a:pPr>
+            <a:r>
+              <a:rPr lang="ko" sz="1000" b="1">
+                <a:latin typeface="맑은 고딕"/>
+                <a:ea typeface="맑은 고딕"/>
+                <a:cs typeface="맑은 고딕"/>
+              </a:rPr>
+              <a:t>ERP 디버깅 권한신청 처리현황</a:t>
+            </a:r>
+          </a:p>
+        </p:txBody>
+      </p:sp>
+      <p:sp>
+        <p:nvSpPr>
+          <p:cNvPr id="1290686905" name="Text">
+    </p:cNvPr>
+          <p:cNvSpPr>
+            <a:spLocks noGrp="1"/>
+          </p:cNvSpPr>
+          <p:nvPr/>
+        </p:nvSpPr>
+        <p:spPr>
+          <a:xfrm rot="0">
+            <a:off x="6858000" y="6007100"/>
+            <a:ext cx="1651000" cy="292100"/>
+          </a:xfrm>
+          <a:prstGeom prst="rect">
+            <a:avLst/>
+          </a:prstGeom>
+          <a:ln w="12700">
+            <a:solidFill>
+              <a:srgbClr val="000000"/>
+            </a:solidFill>
+            <a:prstDash val="solid"/>
+          </a:ln>
+        </p:spPr>
+        <p:txBody>
+          <a:bodyPr wrap="square" lIns="0" tIns="0" rIns="0" bIns="0" rtlCol="0" anchor="ctr"/>
+          <a:lstStyle/>
+          <a:p>
+            <a:pPr algn="ctr">
+              <a:lnSpc>
+                <a:spcPct val="100%"/>
+              </a:lnSpc>
+              <a:defRPr sz="1100">
+                <a:solidFill>
+                  <a:srgbClr val="000000"/>
+                </a:solidFill>
+                <a:latin typeface="맑은 고딕"/>
+                <a:ea typeface="맑은 고딕"/>
+                <a:cs typeface="맑은 고딕"/>
+              </a:defRPr>
+            </a:pPr>
+            <a:r>
+              <a:rPr lang="ko" sz="1100">
+                <a:latin typeface="맑은 고딕"/>
+                <a:ea typeface="맑은 고딕"/>
+                <a:cs typeface="맑은 고딕"/>
+              </a:rPr>
+              <a:t>4</a:t>
+            </a:r>
+          </a:p>
+        </p:txBody>
+      </p:sp>
+      <p:sp>
+        <p:nvSpPr>
+          <p:cNvPr id="384176159" name="Text">
+    </p:cNvPr>
+          <p:cNvSpPr>
+            <a:spLocks noGrp="1"/>
+          </p:cNvSpPr>
+          <p:nvPr/>
+        </p:nvSpPr>
+        <p:spPr>
+          <a:xfrm rot="0">
+            <a:off x="2463800" y="6007100"/>
+            <a:ext cx="4394200" cy="292100"/>
+          </a:xfrm>
+          <a:prstGeom prst="rect">
+            <a:avLst/>
+          </a:prstGeom>
+          <a:ln w="12700">
+            <a:solidFill>
+              <a:srgbClr val="000000"/>
+            </a:solidFill>
+            <a:prstDash val="solid"/>
+          </a:ln>
+        </p:spPr>
+        <p:txBody>
+          <a:bodyPr wrap="square" lIns="0" tIns="0" rIns="0" bIns="0" rtlCol="0" anchor="ctr"/>
+          <a:lstStyle/>
+          <a:p>
+            <a:pPr algn="ctr">
+              <a:lnSpc>
+                <a:spcPct val="100%"/>
+              </a:lnSpc>
+              <a:defRPr sz="1100">
+                <a:solidFill>
+                  <a:srgbClr val="000000"/>
+                </a:solidFill>
+                <a:latin typeface="맑은 고딕"/>
+                <a:ea typeface="맑은 고딕"/>
+                <a:cs typeface="맑은 고딕"/>
+              </a:defRPr>
+            </a:pPr>
+            <a:r>
+              <a:rPr lang="ko" sz="1100">
+                <a:latin typeface="맑은 고딕"/>
+                <a:ea typeface="맑은 고딕"/>
+                <a:cs typeface="맑은 고딕"/>
+              </a:rPr>
+              <a:t>3</a:t>
+            </a:r>
+          </a:p>
+        </p:txBody>
+      </p:sp>
+      <p:sp>
+        <p:nvSpPr>
+          <p:cNvPr id="272593190" name="Text">
+    </p:cNvPr>
+          <p:cNvSpPr>
+            <a:spLocks noGrp="1"/>
+          </p:cNvSpPr>
+          <p:nvPr/>
+        </p:nvSpPr>
+        <p:spPr>
+          <a:xfrm rot="0">
+            <a:off x="381000" y="6007100"/>
+            <a:ext cx="1270000" cy="292100"/>
+          </a:xfrm>
+          <a:prstGeom prst="rect">
+            <a:avLst/>
+          </a:prstGeom>
+          <a:ln w="12700">
+            <a:solidFill>
+              <a:srgbClr val="000000"/>
+            </a:solidFill>
+            <a:prstDash val="solid"/>
+          </a:ln>
+        </p:spPr>
+        <p:txBody>
+          <a:bodyPr wrap="square" lIns="0" tIns="0" rIns="0" bIns="0" rtlCol="0" anchor="ctr"/>
+          <a:lstStyle/>
+          <a:p>
+            <a:pPr algn="ctr">
+              <a:lnSpc>
+                <a:spcPct val="100%"/>
+              </a:lnSpc>
+              <a:defRPr sz="1100">
+                <a:solidFill>
+                  <a:srgbClr val="000000"/>
+                </a:solidFill>
+                <a:latin typeface="맑은 고딕"/>
+                <a:ea typeface="맑은 고딕"/>
+                <a:cs typeface="맑은 고딕"/>
+              </a:defRPr>
+            </a:pPr>
+            <a:r>
+              <a:rPr lang="ko" sz="1100">
+                <a:latin typeface="맑은 고딕"/>
+                <a:ea typeface="맑은 고딕"/>
+                <a:cs typeface="맑은 고딕"/>
+              </a:rPr>
+              <a:t>1</a:t>
+            </a:r>
+          </a:p>
+        </p:txBody>
+      </p:sp>
+      <p:sp>
+        <p:nvSpPr>
+          <p:cNvPr id="619863407" name="Text">
+    </p:cNvPr>
+          <p:cNvSpPr>
+            <a:spLocks noGrp="1"/>
+          </p:cNvSpPr>
+          <p:nvPr/>
+        </p:nvSpPr>
+        <p:spPr>
+          <a:xfrm rot="0">
+            <a:off x="381000" y="5765800"/>
+            <a:ext cx="1270000" cy="241300"/>
+          </a:xfrm>
+          <a:prstGeom prst="rect">
+            <a:avLst/>
+          </a:prstGeom>
+          <a:solidFill>
+            <a:srgbClr val="FF9933"/>
+          </a:solidFill>
+          <a:ln w="12700">
+            <a:solidFill>
+              <a:srgbClr val="000000"/>
+            </a:solidFill>
+            <a:prstDash val="solid"/>
+          </a:ln>
+        </p:spPr>
+        <p:txBody>
+          <a:bodyPr wrap="square" lIns="0" tIns="0" rIns="0" bIns="0" rtlCol="0" anchor="ctr"/>
+          <a:lstStyle/>
+          <a:p>
+            <a:pPr algn="ctr">
+              <a:lnSpc>
+                <a:spcPct val="100%"/>
+              </a:lnSpc>
+              <a:defRPr sz="1000">
+                <a:solidFill>
+                  <a:srgbClr val="000000"/>
+                </a:solidFill>
+                <a:latin typeface="맑은 고딕"/>
+                <a:ea typeface="맑은 고딕"/>
+                <a:cs typeface="맑은 고딕"/>
+              </a:defRPr>
+            </a:pPr>
+            <a:r>
+              <a:rPr lang="ko" sz="1000">
+                <a:latin typeface="맑은 고딕"/>
+                <a:ea typeface="맑은 고딕"/>
+                <a:cs typeface="맑은 고딕"/>
+              </a:rPr>
+              <a:t>Date</a:t>
+            </a:r>
+          </a:p>
+        </p:txBody>
+      </p:sp>
+      <p:sp>
+        <p:nvSpPr>
+          <p:cNvPr id="447718353" name="Text">
+    </p:cNvPr>
+          <p:cNvSpPr>
+            <a:spLocks noGrp="1"/>
+          </p:cNvSpPr>
+          <p:nvPr/>
+        </p:nvSpPr>
+        <p:spPr>
+          <a:xfrm rot="0">
+            <a:off x="2463800" y="5765800"/>
+            <a:ext cx="4394200" cy="241300"/>
+          </a:xfrm>
+          <a:prstGeom prst="rect">
+            <a:avLst/>
+          </a:prstGeom>
+          <a:solidFill>
+            <a:srgbClr val="FF9933"/>
+          </a:solidFill>
+          <a:ln w="12700">
+            <a:solidFill>
+              <a:srgbClr val="000000"/>
+            </a:solidFill>
+            <a:prstDash val="solid"/>
+          </a:ln>
+        </p:spPr>
+        <p:txBody>
+          <a:bodyPr wrap="square" lIns="0" tIns="0" rIns="0" bIns="0" rtlCol="0" anchor="ctr"/>
+          <a:lstStyle/>
+          <a:p>
+            <a:pPr algn="ctr">
+              <a:lnSpc>
+                <a:spcPct val="100%"/>
+              </a:lnSpc>
+              <a:defRPr sz="1000">
+                <a:solidFill>
+                  <a:srgbClr val="000000"/>
+                </a:solidFill>
+                <a:latin typeface="맑은 고딕"/>
+                <a:ea typeface="맑은 고딕"/>
+                <a:cs typeface="맑은 고딕"/>
+              </a:defRPr>
+            </a:pPr>
+            <a:r>
+              <a:rPr lang="ko" sz="1000">
+                <a:latin typeface="맑은 고딕"/>
+                <a:ea typeface="맑은 고딕"/>
+                <a:cs typeface="맑은 고딕"/>
+              </a:rPr>
+              <a:t>Text (변경값)</a:t>
+            </a:r>
+          </a:p>
+        </p:txBody>
+      </p:sp>
+      <p:sp>
+        <p:nvSpPr>
+          <p:cNvPr id="1022307955" name="Text">
+    </p:cNvPr>
+          <p:cNvSpPr>
+            <a:spLocks noGrp="1"/>
+          </p:cNvSpPr>
+          <p:nvPr/>
+        </p:nvSpPr>
+        <p:spPr>
+          <a:xfrm rot="0">
+            <a:off x="6858000" y="5765800"/>
+            <a:ext cx="1651000" cy="241300"/>
+          </a:xfrm>
+          <a:prstGeom prst="rect">
+            <a:avLst/>
+          </a:prstGeom>
+          <a:solidFill>
+            <a:srgbClr val="FF9933"/>
+          </a:solidFill>
+          <a:ln w="12700">
+            <a:solidFill>
+              <a:srgbClr val="000000"/>
+            </a:solidFill>
+            <a:prstDash val="solid"/>
+          </a:ln>
+        </p:spPr>
+        <p:txBody>
+          <a:bodyPr wrap="square" lIns="0" tIns="0" rIns="0" bIns="0" rtlCol="0" anchor="ctr"/>
+          <a:lstStyle/>
+          <a:p>
+            <a:pPr algn="ctr">
+              <a:lnSpc>
+                <a:spcPct val="100%"/>
+              </a:lnSpc>
+              <a:defRPr sz="1000">
+                <a:solidFill>
+                  <a:srgbClr val="000000"/>
+                </a:solidFill>
+                <a:latin typeface="맑은 고딕"/>
+                <a:ea typeface="맑은 고딕"/>
+                <a:cs typeface="맑은 고딕"/>
+              </a:defRPr>
+            </a:pPr>
+            <a:r>
+              <a:rPr lang="ko" sz="1000">
+                <a:latin typeface="맑은 고딕"/>
+                <a:ea typeface="맑은 고딕"/>
+                <a:cs typeface="맑은 고딕"/>
+              </a:rPr>
+              <a:t>ERP 권한신청서번호</a:t>
+            </a:r>
+          </a:p>
+        </p:txBody>
+      </p:sp>
+      <p:sp>
+        <p:nvSpPr>
+          <p:cNvPr id="1462951561" name="Text">
+    </p:cNvPr>
+          <p:cNvSpPr>
+            <a:spLocks noGrp="1"/>
+          </p:cNvSpPr>
+          <p:nvPr/>
+        </p:nvSpPr>
+        <p:spPr>
+          <a:xfrm rot="0">
+            <a:off x="381000" y="6299200"/>
+            <a:ext cx="1270000" cy="292100"/>
+          </a:xfrm>
+          <a:prstGeom prst="rect">
+            <a:avLst/>
+          </a:prstGeom>
+          <a:ln w="12700">
+            <a:solidFill>
+              <a:srgbClr val="000000"/>
+            </a:solidFill>
+            <a:prstDash val="solid"/>
+          </a:ln>
+        </p:spPr>
+        <p:txBody>
+          <a:bodyPr wrap="square" lIns="0" tIns="0" rIns="0" bIns="0" rtlCol="0" anchor="ctr"/>
+          <a:lstStyle/>
+          <a:p>
+            <a:pPr algn="ctr">
+              <a:lnSpc>
+                <a:spcPct val="100%"/>
+              </a:lnSpc>
+              <a:defRPr sz="1100">
+                <a:solidFill>
+                  <a:srgbClr val="000000"/>
+                </a:solidFill>
+                <a:latin typeface="맑은 고딕"/>
+                <a:ea typeface="맑은 고딕"/>
+                <a:cs typeface="맑은 고딕"/>
+              </a:defRPr>
+            </a:pPr>
+            <a:r>
+              <a:rPr lang="ko" sz="1100">
+                <a:latin typeface="맑은 고딕"/>
+                <a:ea typeface="맑은 고딕"/>
+                <a:cs typeface="맑은 고딕"/>
+              </a:rPr>
+              <a:t>r</a:t>
+            </a:r>
+          </a:p>
+        </p:txBody>
+      </p:sp>
+      <p:sp>
+        <p:nvSpPr>
+          <p:cNvPr id="1637738533" name="Text">
+    </p:cNvPr>
+          <p:cNvSpPr>
+            <a:spLocks noGrp="1"/>
+          </p:cNvSpPr>
+          <p:nvPr/>
+        </p:nvSpPr>
+        <p:spPr>
+          <a:xfrm rot="0">
+            <a:off x="6858000" y="6299200"/>
+            <a:ext cx="1651000" cy="292100"/>
+          </a:xfrm>
+          <a:prstGeom prst="rect">
+            <a:avLst/>
+          </a:prstGeom>
+          <a:ln w="12700">
+            <a:solidFill>
+              <a:srgbClr val="000000"/>
+            </a:solidFill>
+            <a:prstDash val="solid"/>
+          </a:ln>
+        </p:spPr>
+        <p:txBody>
+          <a:bodyPr wrap="square" lIns="0" tIns="0" rIns="0" bIns="0" rtlCol="0" anchor="ctr"/>
+          <a:lstStyle/>
+          <a:p>
+            <a:pPr algn="ctr">
+              <a:lnSpc>
+                <a:spcPct val="100%"/>
+              </a:lnSpc>
+              <a:defRPr sz="1100">
+                <a:solidFill>
+                  <a:srgbClr val="000000"/>
+                </a:solidFill>
+                <a:latin typeface="맑은 고딕"/>
+                <a:ea typeface="맑은 고딕"/>
+                <a:cs typeface="맑은 고딕"/>
+              </a:defRPr>
+            </a:pPr>
+            <a:r>
+              <a:rPr lang="ko" sz="1100">
+                <a:latin typeface="맑은 고딕"/>
+                <a:ea typeface="맑은 고딕"/>
+                <a:cs typeface="맑은 고딕"/>
+              </a:rPr>
+              <a:t>f</a:t>
+            </a:r>
+          </a:p>
+        </p:txBody>
+      </p:sp>
+      <p:sp>
+        <p:nvSpPr>
+          <p:cNvPr id="105606892" name="Text">
+    </p:cNvPr>
+          <p:cNvSpPr>
+            <a:spLocks noGrp="1"/>
+          </p:cNvSpPr>
+          <p:nvPr/>
+        </p:nvSpPr>
+        <p:spPr>
+          <a:xfrm rot="0">
+            <a:off x="2463800" y="6299200"/>
+            <a:ext cx="4394200" cy="292100"/>
+          </a:xfrm>
+          <a:prstGeom prst="rect">
+            <a:avLst/>
+          </a:prstGeom>
+          <a:ln w="12700">
+            <a:solidFill>
+              <a:srgbClr val="000000"/>
+            </a:solidFill>
+            <a:prstDash val="solid"/>
+          </a:ln>
+        </p:spPr>
+        <p:txBody>
+          <a:bodyPr wrap="square" lIns="0" tIns="0" rIns="0" bIns="0" rtlCol="0" anchor="ctr"/>
+          <a:lstStyle/>
+          <a:p>
+            <a:pPr algn="ctr">
+              <a:lnSpc>
+                <a:spcPct val="100%"/>
+              </a:lnSpc>
+              <a:defRPr sz="1100">
+                <a:solidFill>
+                  <a:srgbClr val="000000"/>
+                </a:solidFill>
+                <a:latin typeface="맑은 고딕"/>
+                <a:ea typeface="맑은 고딕"/>
+                <a:cs typeface="맑은 고딕"/>
+              </a:defRPr>
+            </a:pPr>
+            <a:r>
+              <a:rPr lang="ko" sz="1100">
+                <a:latin typeface="맑은 고딕"/>
+                <a:ea typeface="맑은 고딕"/>
+                <a:cs typeface="맑은 고딕"/>
+              </a:rPr>
+              <a:t>e</a:t>
+            </a:r>
+          </a:p>
+        </p:txBody>
+      </p:sp>
+      <p:sp>
+        <p:nvSpPr>
+          <p:cNvPr id="1133663456" name="Text">
+    </p:cNvPr>
+          <p:cNvSpPr>
+            <a:spLocks noGrp="1"/>
+          </p:cNvSpPr>
+          <p:nvPr/>
+        </p:nvSpPr>
+        <p:spPr>
+          <a:xfrm rot="0">
+            <a:off x="1651000" y="6299200"/>
+            <a:ext cx="812800" cy="292100"/>
+          </a:xfrm>
+          <a:prstGeom prst="rect">
+            <a:avLst/>
+          </a:prstGeom>
+          <a:ln w="12700">
+            <a:solidFill>
+              <a:srgbClr val="000000"/>
+            </a:solidFill>
+            <a:prstDash val="solid"/>
+          </a:ln>
+        </p:spPr>
+        <p:txBody>
+          <a:bodyPr wrap="square" lIns="0" tIns="0" rIns="0" bIns="0" rtlCol="0" anchor="ctr"/>
+          <a:lstStyle/>
+          <a:p>
+            <a:pPr algn="ctr">
+              <a:lnSpc>
+                <a:spcPct val="100%"/>
+              </a:lnSpc>
+              <a:defRPr sz="1100">
+                <a:solidFill>
+                  <a:srgbClr val="000000"/>
+                </a:solidFill>
+                <a:latin typeface="맑은 고딕"/>
+                <a:ea typeface="맑은 고딕"/>
+                <a:cs typeface="맑은 고딕"/>
+              </a:defRPr>
+            </a:pPr>
+            <a:r>
+              <a:rPr lang="ko" sz="1100">
+                <a:latin typeface="맑은 고딕"/>
+                <a:ea typeface="맑은 고딕"/>
+                <a:cs typeface="맑은 고딕"/>
+              </a:rPr>
+              <a:t>s</a:t>
+            </a:r>
+          </a:p>
+        </p:txBody>
+      </p:sp>
+      <p:sp>
+        <p:nvSpPr>
+          <p:cNvPr id="43326605" name="Text">
+    </p:cNvPr>
+          <p:cNvSpPr>
+            <a:spLocks noGrp="1"/>
+          </p:cNvSpPr>
+          <p:nvPr/>
+        </p:nvSpPr>
+        <p:spPr>
+          <a:xfrm rot="0">
+            <a:off x="1651000" y="6007100"/>
+            <a:ext cx="812800" cy="292100"/>
+          </a:xfrm>
+          <a:prstGeom prst="rect">
+            <a:avLst/>
+          </a:prstGeom>
+          <a:ln w="12700">
+            <a:solidFill>
+              <a:srgbClr val="000000"/>
+            </a:solidFill>
+            <a:prstDash val="solid"/>
+          </a:ln>
+        </p:spPr>
+        <p:txBody>
+          <a:bodyPr wrap="square" lIns="0" tIns="0" rIns="0" bIns="0" rtlCol="0" anchor="ctr"/>
+          <a:lstStyle/>
+          <a:p>
+            <a:pPr algn="ctr">
+              <a:lnSpc>
+                <a:spcPct val="100%"/>
+              </a:lnSpc>
+              <a:defRPr sz="1100">
+                <a:solidFill>
+                  <a:srgbClr val="000000"/>
+                </a:solidFill>
+                <a:latin typeface="맑은 고딕"/>
+                <a:ea typeface="맑은 고딕"/>
+                <a:cs typeface="맑은 고딕"/>
+              </a:defRPr>
+            </a:pPr>
+            <a:r>
+              <a:rPr lang="ko" sz="1100">
+                <a:latin typeface="맑은 고딕"/>
+                <a:ea typeface="맑은 고딕"/>
+                <a:cs typeface="맑은 고딕"/>
+              </a:rPr>
+              <a:t>2</a:t>
+            </a:r>
+          </a:p>
+        </p:txBody>
+      </p:sp>
+      <p:sp>
+        <p:nvSpPr>
+          <p:cNvPr id="205979706" name="Text">
+    </p:cNvPr>
+          <p:cNvSpPr>
+            <a:spLocks noGrp="1"/>
+          </p:cNvSpPr>
+          <p:nvPr/>
+        </p:nvSpPr>
+        <p:spPr>
+          <a:xfrm rot="0">
+            <a:off x="1651000" y="5765800"/>
+            <a:ext cx="812800" cy="241300"/>
+          </a:xfrm>
+          <a:prstGeom prst="rect">
+            <a:avLst/>
+          </a:prstGeom>
+          <a:solidFill>
+            <a:srgbClr val="FF9933"/>
+          </a:solidFill>
+          <a:ln w="12700">
+            <a:solidFill>
+              <a:srgbClr val="000000"/>
+            </a:solidFill>
+            <a:prstDash val="solid"/>
+          </a:ln>
+        </p:spPr>
+        <p:txBody>
+          <a:bodyPr wrap="square" lIns="0" tIns="0" rIns="0" bIns="0" rtlCol="0" anchor="ctr"/>
+          <a:lstStyle/>
+          <a:p>
+            <a:pPr algn="ctr">
+              <a:lnSpc>
+                <a:spcPct val="100%"/>
+              </a:lnSpc>
+              <a:defRPr sz="1000">
+                <a:solidFill>
+                  <a:srgbClr val="000000"/>
+                </a:solidFill>
+                <a:latin typeface="맑은 고딕"/>
+                <a:ea typeface="맑은 고딕"/>
+                <a:cs typeface="맑은 고딕"/>
+              </a:defRPr>
+            </a:pPr>
+            <a:r>
+              <a:rPr lang="ko" sz="1000">
+                <a:latin typeface="맑은 고딕"/>
+                <a:ea typeface="맑은 고딕"/>
+                <a:cs typeface="맑은 고딕"/>
+              </a:rPr>
+              <a:t>User</a:t>
+            </a:r>
+          </a:p>
+        </p:txBody>
+      </p:sp>
+      <p:sp>
+        <p:nvSpPr>
+          <p:cNvPr id="1369846608" name="Text">
+    </p:cNvPr>
+          <p:cNvSpPr>
+            <a:spLocks noGrp="1"/>
+          </p:cNvSpPr>
+          <p:nvPr/>
+        </p:nvSpPr>
+        <p:spPr>
+          <a:xfrm rot="0">
+            <a:off x="8509000" y="6299200"/>
+            <a:ext cx="1701800" cy="292100"/>
+          </a:xfrm>
+          <a:prstGeom prst="rect">
+            <a:avLst/>
+          </a:prstGeom>
+          <a:ln w="12700">
+            <a:solidFill>
+              <a:srgbClr val="000000"/>
+            </a:solidFill>
+            <a:prstDash val="solid"/>
+          </a:ln>
+        </p:spPr>
+        <p:txBody>
+          <a:bodyPr wrap="square" lIns="0" tIns="0" rIns="0" bIns="0" rtlCol="0" anchor="ctr"/>
+          <a:lstStyle/>
+          <a:p>
+            <a:pPr algn="ctr">
+              <a:lnSpc>
+                <a:spcPct val="100%"/>
+              </a:lnSpc>
+              <a:defRPr sz="1100">
+                <a:solidFill>
+                  <a:srgbClr val="000000"/>
+                </a:solidFill>
+                <a:latin typeface="맑은 고딕"/>
+                <a:ea typeface="맑은 고딕"/>
+                <a:cs typeface="맑은 고딕"/>
+              </a:defRPr>
+            </a:pPr>
+            <a:r>
+              <a:rPr lang="ko" sz="1100">
+                <a:latin typeface="맑은 고딕"/>
+                <a:ea typeface="맑은 고딕"/>
+                <a:cs typeface="맑은 고딕"/>
+              </a:rPr>
+              <a:t>a</a:t>
+            </a:r>
+          </a:p>
+        </p:txBody>
+      </p:sp>
+      <p:sp>
+        <p:nvSpPr>
+          <p:cNvPr id="12732624" name="Text">
+    </p:cNvPr>
+          <p:cNvSpPr>
+            <a:spLocks noGrp="1"/>
+          </p:cNvSpPr>
+          <p:nvPr/>
+        </p:nvSpPr>
+        <p:spPr>
+          <a:xfrm rot="0">
+            <a:off x="8509000" y="5765800"/>
+            <a:ext cx="1701800" cy="241300"/>
+          </a:xfrm>
+          <a:prstGeom prst="rect">
+            <a:avLst/>
+          </a:prstGeom>
+          <a:solidFill>
+            <a:srgbClr val="FF9933"/>
+          </a:solidFill>
+          <a:ln w="12700">
+            <a:solidFill>
+              <a:srgbClr val="000000"/>
+            </a:solidFill>
+            <a:prstDash val="solid"/>
+          </a:ln>
+        </p:spPr>
+        <p:txBody>
+          <a:bodyPr wrap="square" lIns="0" tIns="0" rIns="0" bIns="0" rtlCol="0" anchor="ctr"/>
+          <a:lstStyle/>
+          <a:p>
+            <a:pPr algn="ctr">
+              <a:lnSpc>
+                <a:spcPct val="100%"/>
+              </a:lnSpc>
+              <a:defRPr sz="1000">
+                <a:solidFill>
+                  <a:srgbClr val="000000"/>
+                </a:solidFill>
+                <a:latin typeface="맑은 고딕"/>
+                <a:ea typeface="맑은 고딕"/>
+                <a:cs typeface="맑은 고딕"/>
+              </a:defRPr>
+            </a:pPr>
+            <a:r>
+              <a:rPr lang="ko" sz="1000">
+                <a:latin typeface="맑은 고딕"/>
+                <a:ea typeface="맑은 고딕"/>
+                <a:cs typeface="맑은 고딕"/>
+              </a:rPr>
+              <a:t>구분(일반/긴급)</a:t>
+            </a:r>
+          </a:p>
+        </p:txBody>
+      </p:sp>
+      <p:sp>
+        <p:nvSpPr>
+          <p:cNvPr id="706305329" name="Text">
+    </p:cNvPr>
+          <p:cNvSpPr>
+            <a:spLocks noGrp="1"/>
+          </p:cNvSpPr>
+          <p:nvPr/>
+        </p:nvSpPr>
+        <p:spPr>
+          <a:xfrm rot="0">
+            <a:off x="8509000" y="6007100"/>
+            <a:ext cx="1701800" cy="292100"/>
+          </a:xfrm>
+          <a:prstGeom prst="rect">
+            <a:avLst/>
+          </a:prstGeom>
+          <a:ln w="12700">
+            <a:solidFill>
+              <a:srgbClr val="000000"/>
+            </a:solidFill>
+            <a:prstDash val="solid"/>
+          </a:ln>
+        </p:spPr>
+        <p:txBody>
+          <a:bodyPr wrap="square" lIns="0" tIns="0" rIns="0" bIns="0" rtlCol="0" anchor="ctr"/>
+          <a:lstStyle/>
+          <a:p>
+            <a:pPr algn="ctr">
+              <a:lnSpc>
+                <a:spcPct val="100%"/>
+              </a:lnSpc>
+              <a:defRPr sz="1100">
+                <a:solidFill>
+                  <a:srgbClr val="000000"/>
+                </a:solidFill>
+                <a:latin typeface="맑은 고딕"/>
+                <a:ea typeface="맑은 고딕"/>
+                <a:cs typeface="맑은 고딕"/>
+              </a:defRPr>
+            </a:pPr>
+            <a:r>
+              <a:rPr lang="ko" sz="1100">
+                <a:latin typeface="맑은 고딕"/>
+                <a:ea typeface="맑은 고딕"/>
+                <a:cs typeface="맑은 고딕"/>
+              </a:rPr>
+              <a:t>5</a:t>
+            </a:r>
+          </a:p>
+        </p:txBody>
+      </p:sp>
+      <p:sp>
+        <p:nvSpPr>
+          <p:cNvPr id="510381720" name="Text">
+    </p:cNvPr>
+          <p:cNvSpPr>
+            <a:spLocks noGrp="1"/>
+          </p:cNvSpPr>
+          <p:nvPr/>
+        </p:nvSpPr>
+        <p:spPr>
+          <a:xfrm rot="0">
+            <a:off x="4826000" y="6921500"/>
+            <a:ext cx="1270000" cy="381000"/>
+          </a:xfrm>
+          <a:prstGeom prst="rect">
+            <a:avLst/>
+          </a:prstGeom>
+        </p:spPr>
+        <p:txBody>
+          <a:bodyPr wrap="square" lIns="0" tIns="0" rIns="0" bIns="0" rtlCol="0" anchor="b"/>
+          <a:lstStyle/>
+          <a:p>
+            <a:pPr algn="ctr">
+              <a:lnSpc>
+                <a:spcPct val="100%"/>
+              </a:lnSpc>
+              <a:defRPr sz="1000" b="1">
+                <a:solidFill>
+                  <a:srgbClr val="000000"/>
+                </a:solidFill>
+                <a:latin typeface="SansSerif"/>
+                <a:ea typeface="SansSerif"/>
+                <a:cs typeface="SansSerif"/>
+              </a:defRPr>
+            </a:pPr>
+            <a:r>
+              <a:rPr lang="ko" sz="1000" b="1">
+                <a:latin typeface="SansSerif"/>
+                <a:ea typeface="SansSerif"/>
+                <a:cs typeface="SansSerif"/>
+              </a:rPr>
+              <a:t>7</a:t>
+            </a:r>
+          </a:p>
+        </p:txBody>
+      </p:sp>
+      <p:pic>
+        <p:nvPicPr>
+          <p:cNvPr id="2125939382" name="Picture">
     </p:cNvPr>
           <p:cNvPicPr>
             <a:picLocks noChangeAspect="1"/>

--- a/src/main/webapp/WEB-INF/Files/요약본_sample.pptx
+++ b/src/main/webapp/WEB-INF/Files/요약본_sample.pptx
@@ -6,6 +6,9 @@
   </p:sldMasterIdLst>
   <p:sldIdLst>
     <p:sldId id="2561" r:id="rId1"/>
+    <p:sldId id="2562" r:id="rId2"/>
+    <p:sldId id="2563" r:id="rId3"/>
+    <p:sldId id="2564" r:id="rId4"/>
   </p:sldIdLst>
   <p:sldSz cx="10680700" cy="7556500" type="custom"/>
   <p:notesSz cx="6858000" cy="9144000"/>
@@ -84,7 +87,7 @@
       </p:grpSpPr>
       <p:sp>
         <p:nvSpPr>
-          <p:cNvPr id="284016454" name="Text">
+          <p:cNvPr id="1798784767" name="Text">
     </p:cNvPr>
           <p:cNvSpPr>
             <a:spLocks noGrp="1"/>
@@ -130,7 +133,7 @@
       </p:sp>
       <p:sp>
         <p:nvSpPr>
-          <p:cNvPr id="185311536" name="Line"/>
+          <p:cNvPr id="1100330901" name="Line"/>
           <p:cNvSpPr>
             <a:spLocks noGrp="1"/>
           </p:cNvSpPr>
@@ -164,7 +167,7 @@
       </p:sp>
       <p:sp>
         <p:nvSpPr>
-          <p:cNvPr id="971119736" name="Text">
+          <p:cNvPr id="538598938" name="Text">
     </p:cNvPr>
           <p:cNvSpPr>
             <a:spLocks noGrp="1"/>
@@ -228,7 +231,7 @@
       </p:sp>
       <p:sp>
         <p:nvSpPr>
-          <p:cNvPr id="1421658963" name="Rectangle"/>
+          <p:cNvPr id="92060412" name="Rectangle"/>
           <p:cNvSpPr>
             <a:spLocks noGrp="1"/>
           </p:cNvSpPr>
@@ -262,7 +265,7 @@
       </p:sp>
       <p:sp>
         <p:nvSpPr>
-          <p:cNvPr id="701909261" name="Rectangle"/>
+          <p:cNvPr id="1412240402" name="Rectangle"/>
           <p:cNvSpPr>
             <a:spLocks noGrp="1"/>
           </p:cNvSpPr>
@@ -296,7 +299,7 @@
       </p:sp>
       <p:sp>
         <p:nvSpPr>
-          <p:cNvPr id="2130870054" name="Rectangle"/>
+          <p:cNvPr id="954742813" name="Rectangle"/>
           <p:cNvSpPr>
             <a:spLocks noGrp="1"/>
           </p:cNvSpPr>
@@ -330,7 +333,7 @@
       </p:sp>
       <p:sp>
         <p:nvSpPr>
-          <p:cNvPr id="1445637474" name="Text">
+          <p:cNvPr id="1257266068" name="Text">
     </p:cNvPr>
           <p:cNvSpPr>
             <a:spLocks noGrp="1"/>
@@ -370,20 +373,12 @@
               </a:defRPr>
             </a:pPr>
             <a:br/>
-            <a:r>
-              <a:rPr lang="ko" sz="1100">
-                <a:latin typeface="맑은 고딕"/>
-                <a:ea typeface="맑은 고딕"/>
-                <a:cs typeface="맑은 고딕"/>
-              </a:rPr>
-              <a:t>5678</a:t>
-            </a:r>
-          </a:p>
-        </p:txBody>
-      </p:sp>
-      <p:sp>
-        <p:nvSpPr>
-          <p:cNvPr id="1694372519" name="Text">
+          </a:p>
+        </p:txBody>
+      </p:sp>
+      <p:sp>
+        <p:nvSpPr>
+          <p:cNvPr id="708555628" name="Text">
     </p:cNvPr>
           <p:cNvSpPr>
             <a:spLocks noGrp="1"/>
@@ -429,23 +424,15 @@
                 <a:ea typeface="맑은 고딕"/>
                 <a:cs typeface="맑은 고딕"/>
               </a:rPr>
-              <a:t>01/16</a:t>
+              <a:t>[보류]</a:t>
             </a:r>
             <a:br/>
-            <a:r>
-              <a:rPr lang="ko" sz="1100">
-                <a:latin typeface="맑은 고딕"/>
-                <a:ea typeface="맑은 고딕"/>
-                <a:cs typeface="맑은 고딕"/>
-              </a:rPr>
-              <a:t>01/16</a:t>
-            </a:r>
-          </a:p>
-        </p:txBody>
-      </p:sp>
-      <p:sp>
-        <p:nvSpPr>
-          <p:cNvPr id="2138808596" name="Text">
+          </a:p>
+        </p:txBody>
+      </p:sp>
+      <p:sp>
+        <p:nvSpPr>
+          <p:cNvPr id="369799101" name="Text">
     </p:cNvPr>
           <p:cNvSpPr>
             <a:spLocks noGrp="1"/>
@@ -491,24 +478,15 @@
                 <a:ea typeface="맑은 고딕"/>
                 <a:cs typeface="맑은 고딕"/>
               </a:rPr>
-              <a:t> 다</a:t>
+              <a:t> 123123</a:t>
             </a:r>
             <a:br/>
-            <a:r>
-              <a:rPr lang="ko" sz="1100">
-                <a:latin typeface="맑은 고딕"/>
-                <a:ea typeface="맑은 고딕"/>
-                <a:cs typeface="맑은 고딕"/>
-              </a:rPr>
-              <a:t> 라</a:t>
-            </a:r>
-            <a:br/>
-          </a:p>
-        </p:txBody>
-      </p:sp>
-      <p:sp>
-        <p:nvSpPr>
-          <p:cNvPr id="334240402" name="Text">
+          </a:p>
+        </p:txBody>
+      </p:sp>
+      <p:sp>
+        <p:nvSpPr>
+          <p:cNvPr id="1868256689" name="Text">
     </p:cNvPr>
           <p:cNvSpPr>
             <a:spLocks noGrp="1"/>
@@ -560,7 +538,7 @@
       </p:sp>
       <p:sp>
         <p:nvSpPr>
-          <p:cNvPr id="279897136" name="Text">
+          <p:cNvPr id="658476853" name="Text">
     </p:cNvPr>
           <p:cNvSpPr>
             <a:spLocks noGrp="1"/>
@@ -612,7 +590,7 @@
       </p:sp>
       <p:sp>
         <p:nvSpPr>
-          <p:cNvPr id="72460200" name="Text">
+          <p:cNvPr id="1357445229" name="Text">
     </p:cNvPr>
           <p:cNvSpPr>
             <a:spLocks noGrp="1"/>
@@ -658,7 +636,7 @@
                 <a:ea typeface="맑은 고딕"/>
                 <a:cs typeface="맑은 고딕"/>
               </a:rPr>
-              <a:t> 가</a:t>
+              <a:t> erw</a:t>
             </a:r>
             <a:br/>
             <a:r>
@@ -667,7 +645,7 @@
                 <a:ea typeface="맑은 고딕"/>
                 <a:cs typeface="맑은 고딕"/>
               </a:rPr>
-              <a:t> 나</a:t>
+              <a:t> fsdfqw</a:t>
             </a:r>
             <a:br/>
           </a:p>
@@ -675,7 +653,7 @@
       </p:sp>
       <p:sp>
         <p:nvSpPr>
-          <p:cNvPr id="645973303" name="Text">
+          <p:cNvPr id="333234826" name="Text">
     </p:cNvPr>
           <p:cNvSpPr>
             <a:spLocks noGrp="1"/>
@@ -721,14 +699,14 @@
                 <a:ea typeface="맑은 고딕"/>
                 <a:cs typeface="맑은 고딕"/>
               </a:rPr>
-              <a:t>1234</a:t>
-            </a:r>
-          </a:p>
-        </p:txBody>
-      </p:sp>
-      <p:sp>
-        <p:nvSpPr>
-          <p:cNvPr id="1439396863" name="Text">
+              <a:t>1</a:t>
+            </a:r>
+          </a:p>
+        </p:txBody>
+      </p:sp>
+      <p:sp>
+        <p:nvSpPr>
+          <p:cNvPr id="648014749" name="Text">
     </p:cNvPr>
           <p:cNvSpPr>
             <a:spLocks noGrp="1"/>
@@ -773,14 +751,14 @@
                 <a:ea typeface="맑은 고딕"/>
                 <a:cs typeface="맑은 고딕"/>
               </a:rPr>
-              <a:t>완료</a:t>
-            </a:r>
-          </a:p>
-        </p:txBody>
-      </p:sp>
-      <p:sp>
-        <p:nvSpPr>
-          <p:cNvPr id="841191954" name="Text">
+              <a:t>1</a:t>
+            </a:r>
+          </a:p>
+        </p:txBody>
+      </p:sp>
+      <p:sp>
+        <p:nvSpPr>
+          <p:cNvPr id="2097323612" name="Text">
     </p:cNvPr>
           <p:cNvSpPr>
             <a:spLocks noGrp="1"/>
@@ -829,7 +807,7 @@
       </p:sp>
       <p:sp>
         <p:nvSpPr>
-          <p:cNvPr id="994451225" name="Text">
+          <p:cNvPr id="1782458881" name="Text">
     </p:cNvPr>
           <p:cNvSpPr>
             <a:spLocks noGrp="1"/>
@@ -878,7 +856,7 @@
       </p:sp>
       <p:sp>
         <p:nvSpPr>
-          <p:cNvPr id="466603067" name="Text">
+          <p:cNvPr id="520322398" name="Text">
     </p:cNvPr>
           <p:cNvSpPr>
             <a:spLocks noGrp="1"/>
@@ -933,7 +911,7 @@
       </p:sp>
       <p:sp>
         <p:nvSpPr>
-          <p:cNvPr id="362090550" name="Text">
+          <p:cNvPr id="1184476704" name="Text">
     </p:cNvPr>
           <p:cNvSpPr>
             <a:spLocks noGrp="1"/>
@@ -988,7 +966,7 @@
       </p:sp>
       <p:sp>
         <p:nvSpPr>
-          <p:cNvPr id="990421908" name="Text">
+          <p:cNvPr id="788543697" name="Text">
     </p:cNvPr>
           <p:cNvSpPr>
             <a:spLocks noGrp="1"/>
@@ -1043,7 +1021,7 @@
       </p:sp>
       <p:sp>
         <p:nvSpPr>
-          <p:cNvPr id="817745211" name="Text">
+          <p:cNvPr id="888496402" name="Text">
     </p:cNvPr>
           <p:cNvSpPr>
             <a:spLocks noGrp="1"/>
@@ -1107,7 +1085,7 @@
       </p:sp>
       <p:sp>
         <p:nvSpPr>
-          <p:cNvPr id="1433825539" name="Text">
+          <p:cNvPr id="815268703" name="Text">
     </p:cNvPr>
           <p:cNvSpPr>
             <a:spLocks noGrp="1"/>
@@ -1162,7 +1140,7 @@
       </p:sp>
       <p:sp>
         <p:nvSpPr>
-          <p:cNvPr id="1759498043" name="Text">
+          <p:cNvPr id="997938114" name="Text">
     </p:cNvPr>
           <p:cNvSpPr>
             <a:spLocks noGrp="1"/>
@@ -1217,7 +1195,7 @@
       </p:sp>
       <p:sp>
         <p:nvSpPr>
-          <p:cNvPr id="381011383" name="Text">
+          <p:cNvPr id="353579724" name="Text">
     </p:cNvPr>
           <p:cNvSpPr>
             <a:spLocks noGrp="1"/>
@@ -1272,7 +1250,7 @@
       </p:sp>
       <p:sp>
         <p:nvSpPr>
-          <p:cNvPr id="1220482639" name="Text">
+          <p:cNvPr id="175193229" name="Text">
     </p:cNvPr>
           <p:cNvSpPr>
             <a:spLocks noGrp="1"/>
@@ -1327,7 +1305,7 @@
       </p:sp>
       <p:sp>
         <p:nvSpPr>
-          <p:cNvPr id="782731314" name="Text">
+          <p:cNvPr id="2055427175" name="Text">
     </p:cNvPr>
           <p:cNvSpPr>
             <a:spLocks noGrp="1"/>
@@ -1382,7 +1360,7 @@
       </p:sp>
       <p:sp>
         <p:nvSpPr>
-          <p:cNvPr id="941042890" name="Text">
+          <p:cNvPr id="453504438" name="Text">
     </p:cNvPr>
           <p:cNvSpPr>
             <a:spLocks noGrp="1"/>
@@ -1437,7 +1415,7 @@
       </p:sp>
       <p:sp>
         <p:nvSpPr>
-          <p:cNvPr id="12049922" name="Text">
+          <p:cNvPr id="386804040" name="Text">
     </p:cNvPr>
           <p:cNvSpPr>
             <a:spLocks noGrp="1"/>
@@ -1483,7 +1461,7 @@
                 <a:ea typeface="맑은 고딕"/>
                 <a:cs typeface="맑은 고딕"/>
               </a:rPr>
-              <a:t>01/06</a:t>
+              <a:t>[보류]</a:t>
             </a:r>
             <a:br/>
             <a:r>
@@ -1492,14 +1470,15 @@
                 <a:ea typeface="맑은 고딕"/>
                 <a:cs typeface="맑은 고딕"/>
               </a:rPr>
-              <a:t>01/06</a:t>
-            </a:r>
-          </a:p>
-        </p:txBody>
-      </p:sp>
-      <p:sp>
-        <p:nvSpPr>
-          <p:cNvPr id="806006069" name="Text">
+              <a:t>[보류]</a:t>
+            </a:r>
+            <a:br/>
+          </a:p>
+        </p:txBody>
+      </p:sp>
+      <p:sp>
+        <p:nvSpPr>
+          <p:cNvPr id="345565808" name="Text">
     </p:cNvPr>
           <p:cNvSpPr>
             <a:spLocks noGrp="1"/>
@@ -1551,7 +1530,7 @@
       </p:sp>
       <p:sp>
         <p:nvSpPr>
-          <p:cNvPr id="578704670" name="Text">
+          <p:cNvPr id="1951966440" name="Text">
     </p:cNvPr>
           <p:cNvSpPr>
             <a:spLocks noGrp="1"/>
@@ -1597,7 +1576,7 @@
                 <a:ea typeface="맑은 고딕"/>
                 <a:cs typeface="맑은 고딕"/>
               </a:rPr>
-              <a:t>ㄱ</a:t>
+              <a:t> 2</a:t>
             </a:r>
             <a:br/>
             <a:r>
@@ -1606,7 +1585,7 @@
                 <a:ea typeface="맑은 고딕"/>
                 <a:cs typeface="맑은 고딕"/>
               </a:rPr>
-              <a:t>ㄴ</a:t>
+              <a:t> 가나다</a:t>
             </a:r>
             <a:br/>
           </a:p>
@@ -1614,7 +1593,7 @@
       </p:sp>
       <p:sp>
         <p:nvSpPr>
-          <p:cNvPr id="588139751" name="Text">
+          <p:cNvPr id="1352043912" name="Text">
     </p:cNvPr>
           <p:cNvSpPr>
             <a:spLocks noGrp="1"/>
@@ -1654,12 +1633,20 @@
               </a:defRPr>
             </a:pPr>
             <a:br/>
-          </a:p>
-        </p:txBody>
-      </p:sp>
-      <p:sp>
-        <p:nvSpPr>
-          <p:cNvPr id="494391626" name="Text">
+            <a:r>
+              <a:rPr lang="ko" sz="1100">
+                <a:latin typeface="맑은 고딕"/>
+                <a:ea typeface="맑은 고딕"/>
+                <a:cs typeface="맑은 고딕"/>
+              </a:rPr>
+              <a:t>1</a:t>
+            </a:r>
+          </a:p>
+        </p:txBody>
+      </p:sp>
+      <p:sp>
+        <p:nvSpPr>
+          <p:cNvPr id="917809851" name="Text">
     </p:cNvPr>
           <p:cNvSpPr>
             <a:spLocks noGrp="1"/>
@@ -1704,14 +1691,14 @@
                 <a:ea typeface="맑은 고딕"/>
                 <a:cs typeface="맑은 고딕"/>
               </a:rPr>
-              <a:t>보류</a:t>
-            </a:r>
-          </a:p>
-        </p:txBody>
-      </p:sp>
-      <p:sp>
-        <p:nvSpPr>
-          <p:cNvPr id="2020713684" name="Text">
+              <a:t>1</a:t>
+            </a:r>
+          </a:p>
+        </p:txBody>
+      </p:sp>
+      <p:sp>
+        <p:nvSpPr>
+          <p:cNvPr id="1705774455" name="Text">
     </p:cNvPr>
           <p:cNvSpPr>
             <a:spLocks noGrp="1"/>
@@ -1774,7 +1761,7 @@
       </p:sp>
       <p:sp>
         <p:nvSpPr>
-          <p:cNvPr id="687327329" name="Text">
+          <p:cNvPr id="1424132814" name="Text">
     </p:cNvPr>
           <p:cNvSpPr>
             <a:spLocks noGrp="1"/>
@@ -1819,7 +1806,7 @@
       </p:sp>
       <p:sp>
         <p:nvSpPr>
-          <p:cNvPr id="2035269868" name="Text">
+          <p:cNvPr id="821864215" name="Text">
     </p:cNvPr>
           <p:cNvSpPr>
             <a:spLocks noGrp="1"/>
@@ -1882,7 +1869,7 @@
       </p:sp>
       <p:sp>
         <p:nvSpPr>
-          <p:cNvPr id="1519497998" name="Text">
+          <p:cNvPr id="596521665" name="Text">
     </p:cNvPr>
           <p:cNvSpPr>
             <a:spLocks noGrp="1"/>
@@ -1928,7 +1915,7 @@
                 <a:ea typeface="맑은 고딕"/>
                 <a:cs typeface="맑은 고딕"/>
               </a:rPr>
-              <a:t> 1</a:t>
+              <a:t> s</a:t>
             </a:r>
             <a:br/>
             <a:r>
@@ -1937,7 +1924,7 @@
                 <a:ea typeface="맑은 고딕"/>
                 <a:cs typeface="맑은 고딕"/>
               </a:rPr>
-              <a:t> 2</a:t>
+              <a:t> ㅓㅕㅗㅛㅜㅠ</a:t>
             </a:r>
             <a:br/>
           </a:p>
@@ -1945,7 +1932,7 @@
       </p:sp>
       <p:sp>
         <p:nvSpPr>
-          <p:cNvPr id="800320396" name="Text">
+          <p:cNvPr id="650925170" name="Text">
     </p:cNvPr>
           <p:cNvSpPr>
             <a:spLocks noGrp="1"/>
@@ -1997,7 +1984,7 @@
       </p:sp>
       <p:sp>
         <p:nvSpPr>
-          <p:cNvPr id="957455067" name="Rectangle"/>
+          <p:cNvPr id="1723342495" name="Rectangle"/>
           <p:cNvSpPr>
             <a:spLocks noGrp="1"/>
           </p:cNvSpPr>
@@ -2012,7 +1999,7 @@
             <a:avLst/>
           </a:prstGeom>
           <a:solidFill>
-            <a:srgbClr val="FFFFFF"/>
+            <a:srgbClr val="FFFF00"/>
           </a:solidFill>
           <a:ln w="12700">
             <a:solidFill>
@@ -2031,7 +2018,7 @@
       </p:sp>
       <p:sp>
         <p:nvSpPr>
-          <p:cNvPr id="1046377909" name="Rectangle"/>
+          <p:cNvPr id="866769216" name="Rectangle"/>
           <p:cNvSpPr>
             <a:spLocks noGrp="1"/>
           </p:cNvSpPr>
@@ -2046,7 +2033,7 @@
             <a:avLst/>
           </a:prstGeom>
           <a:solidFill>
-            <a:srgbClr val="FFFFFF"/>
+            <a:srgbClr val="00FF00"/>
           </a:solidFill>
           <a:ln w="12700">
             <a:solidFill>
@@ -2065,7 +2052,7 @@
       </p:sp>
       <p:sp>
         <p:nvSpPr>
-          <p:cNvPr id="1770043571" name="Text">
+          <p:cNvPr id="1633942990" name="Text">
     </p:cNvPr>
           <p:cNvSpPr>
             <a:spLocks noGrp="1"/>
@@ -2114,7 +2101,7 @@
       </p:sp>
       <p:sp>
         <p:nvSpPr>
-          <p:cNvPr id="1507836292" name="Text">
+          <p:cNvPr id="625494612" name="Text">
     </p:cNvPr>
           <p:cNvSpPr>
             <a:spLocks noGrp="1"/>
@@ -2159,14 +2146,14 @@
                 <a:ea typeface="맑은 고딕"/>
                 <a:cs typeface="맑은 고딕"/>
               </a:rPr>
-              <a:t>76</a:t>
-            </a:r>
-          </a:p>
-        </p:txBody>
-      </p:sp>
-      <p:sp>
-        <p:nvSpPr>
-          <p:cNvPr id="1823297318" name="Text">
+              <a:t>4</a:t>
+            </a:r>
+          </a:p>
+        </p:txBody>
+      </p:sp>
+      <p:sp>
+        <p:nvSpPr>
+          <p:cNvPr id="52622468" name="Text">
     </p:cNvPr>
           <p:cNvSpPr>
             <a:spLocks noGrp="1"/>
@@ -2211,14 +2198,14 @@
                 <a:ea typeface="맑은 고딕"/>
                 <a:cs typeface="맑은 고딕"/>
               </a:rPr>
-              <a:t>66</a:t>
-            </a:r>
-          </a:p>
-        </p:txBody>
-      </p:sp>
-      <p:sp>
-        <p:nvSpPr>
-          <p:cNvPr id="563313883" name="Text">
+              <a:t>3</a:t>
+            </a:r>
+          </a:p>
+        </p:txBody>
+      </p:sp>
+      <p:sp>
+        <p:nvSpPr>
+          <p:cNvPr id="2117885561" name="Text">
     </p:cNvPr>
           <p:cNvSpPr>
             <a:spLocks noGrp="1"/>
@@ -2263,14 +2250,14 @@
                 <a:ea typeface="맑은 고딕"/>
                 <a:cs typeface="맑은 고딕"/>
               </a:rPr>
-              <a:t>22</a:t>
-            </a:r>
-          </a:p>
-        </p:txBody>
-      </p:sp>
-      <p:sp>
-        <p:nvSpPr>
-          <p:cNvPr id="1295654266" name="Text">
+              <a:t>1</a:t>
+            </a:r>
+          </a:p>
+        </p:txBody>
+      </p:sp>
+      <p:sp>
+        <p:nvSpPr>
+          <p:cNvPr id="5194237" name="Text">
     </p:cNvPr>
           <p:cNvSpPr>
             <a:spLocks noGrp="1"/>
@@ -2325,7 +2312,7 @@
       </p:sp>
       <p:sp>
         <p:nvSpPr>
-          <p:cNvPr id="1783510712" name="Text">
+          <p:cNvPr id="1739764042" name="Text">
     </p:cNvPr>
           <p:cNvSpPr>
             <a:spLocks noGrp="1"/>
@@ -2380,7 +2367,7 @@
       </p:sp>
       <p:sp>
         <p:nvSpPr>
-          <p:cNvPr id="1813811368" name="Text">
+          <p:cNvPr id="1939931116" name="Text">
     </p:cNvPr>
           <p:cNvSpPr>
             <a:spLocks noGrp="1"/>
@@ -2435,7 +2422,7 @@
       </p:sp>
       <p:sp>
         <p:nvSpPr>
-          <p:cNvPr id="1456692308" name="Text">
+          <p:cNvPr id="1869850743" name="Text">
     </p:cNvPr>
           <p:cNvSpPr>
             <a:spLocks noGrp="1"/>
@@ -2480,14 +2467,14 @@
                 <a:ea typeface="맑은 고딕"/>
                 <a:cs typeface="맑은 고딕"/>
               </a:rPr>
-              <a:t>tt</a:t>
-            </a:r>
-          </a:p>
-        </p:txBody>
-      </p:sp>
-      <p:sp>
-        <p:nvSpPr>
-          <p:cNvPr id="1260341817" name="Text">
+              <a:t>r</a:t>
+            </a:r>
+          </a:p>
+        </p:txBody>
+      </p:sp>
+      <p:sp>
+        <p:nvSpPr>
+          <p:cNvPr id="357125325" name="Text">
     </p:cNvPr>
           <p:cNvSpPr>
             <a:spLocks noGrp="1"/>
@@ -2532,14 +2519,14 @@
                 <a:ea typeface="맑은 고딕"/>
                 <a:cs typeface="맑은 고딕"/>
               </a:rPr>
-              <a:t>w</a:t>
-            </a:r>
-          </a:p>
-        </p:txBody>
-      </p:sp>
-      <p:sp>
-        <p:nvSpPr>
-          <p:cNvPr id="1358908948" name="Text">
+              <a:t>f</a:t>
+            </a:r>
+          </a:p>
+        </p:txBody>
+      </p:sp>
+      <p:sp>
+        <p:nvSpPr>
+          <p:cNvPr id="1728288719" name="Text">
     </p:cNvPr>
           <p:cNvSpPr>
             <a:spLocks noGrp="1"/>
@@ -2584,14 +2571,14 @@
                 <a:ea typeface="맑은 고딕"/>
                 <a:cs typeface="맑은 고딕"/>
               </a:rPr>
-              <a:t>gere</a:t>
-            </a:r>
-          </a:p>
-        </p:txBody>
-      </p:sp>
-      <p:sp>
-        <p:nvSpPr>
-          <p:cNvPr id="1483607411" name="Text">
+              <a:t>e</a:t>
+            </a:r>
+          </a:p>
+        </p:txBody>
+      </p:sp>
+      <p:sp>
+        <p:nvSpPr>
+          <p:cNvPr id="321411932" name="Text">
     </p:cNvPr>
           <p:cNvSpPr>
             <a:spLocks noGrp="1"/>
@@ -2636,14 +2623,14 @@
                 <a:ea typeface="맑은 고딕"/>
                 <a:cs typeface="맑은 고딕"/>
               </a:rPr>
-              <a:t>sds</a:t>
-            </a:r>
-          </a:p>
-        </p:txBody>
-      </p:sp>
-      <p:sp>
-        <p:nvSpPr>
-          <p:cNvPr id="345230294" name="Text">
+              <a:t>s</a:t>
+            </a:r>
+          </a:p>
+        </p:txBody>
+      </p:sp>
+      <p:sp>
+        <p:nvSpPr>
+          <p:cNvPr id="1642756446" name="Text">
     </p:cNvPr>
           <p:cNvSpPr>
             <a:spLocks noGrp="1"/>
@@ -2688,14 +2675,14 @@
                 <a:ea typeface="맑은 고딕"/>
                 <a:cs typeface="맑은 고딕"/>
               </a:rPr>
-              <a:t>44</a:t>
-            </a:r>
-          </a:p>
-        </p:txBody>
-      </p:sp>
-      <p:sp>
-        <p:nvSpPr>
-          <p:cNvPr id="627840511" name="Text">
+              <a:t>2</a:t>
+            </a:r>
+          </a:p>
+        </p:txBody>
+      </p:sp>
+      <p:sp>
+        <p:nvSpPr>
+          <p:cNvPr id="1050308234" name="Text">
     </p:cNvPr>
           <p:cNvSpPr>
             <a:spLocks noGrp="1"/>
@@ -2750,7 +2737,7 @@
       </p:sp>
       <p:sp>
         <p:nvSpPr>
-          <p:cNvPr id="256471208" name="Text">
+          <p:cNvPr id="1163668345" name="Text">
     </p:cNvPr>
           <p:cNvSpPr>
             <a:spLocks noGrp="1"/>
@@ -2795,14 +2782,14 @@
                 <a:ea typeface="맑은 고딕"/>
                 <a:cs typeface="맑은 고딕"/>
               </a:rPr>
-              <a:t>ewefw</a:t>
-            </a:r>
-          </a:p>
-        </p:txBody>
-      </p:sp>
-      <p:sp>
-        <p:nvSpPr>
-          <p:cNvPr id="660926887" name="Text">
+              <a:t>a</a:t>
+            </a:r>
+          </a:p>
+        </p:txBody>
+      </p:sp>
+      <p:sp>
+        <p:nvSpPr>
+          <p:cNvPr id="352287285" name="Text">
     </p:cNvPr>
           <p:cNvSpPr>
             <a:spLocks noGrp="1"/>
@@ -2857,7 +2844,7 @@
       </p:sp>
       <p:sp>
         <p:nvSpPr>
-          <p:cNvPr id="765678566" name="Text">
+          <p:cNvPr id="644727165" name="Text">
     </p:cNvPr>
           <p:cNvSpPr>
             <a:spLocks noGrp="1"/>
@@ -2902,14 +2889,14 @@
                 <a:ea typeface="맑은 고딕"/>
                 <a:cs typeface="맑은 고딕"/>
               </a:rPr>
-              <a:t>435</a:t>
-            </a:r>
-          </a:p>
-        </p:txBody>
-      </p:sp>
-      <p:sp>
-        <p:nvSpPr>
-          <p:cNvPr id="1747281984" name="Text">
+              <a:t>5</a:t>
+            </a:r>
+          </a:p>
+        </p:txBody>
+      </p:sp>
+      <p:sp>
+        <p:nvSpPr>
+          <p:cNvPr id="1273894148" name="Text">
     </p:cNvPr>
           <p:cNvSpPr>
             <a:spLocks noGrp="1"/>
@@ -2955,7 +2942,8725 @@
       </p:sp>
       <p:pic>
         <p:nvPicPr>
-          <p:cNvPr id="1483467371" name="Picture">
+          <p:cNvPr id="1944009885" name="Picture">
+    </p:cNvPr>
+          <p:cNvPicPr>
+            <a:picLocks noChangeAspect="1"/>
+          </p:cNvPicPr>
+          <p:nvPr/>
+        </p:nvPicPr>
+        <p:blipFill>
+          <a:blip r:embed="img_0_0_55.jpg"/>
+          <a:srcRect/>
+          <a:stretch>
+            <a:fillRect l="0" t="0" r="0" b="5555"/>
+          </a:stretch>
+        </p:blipFill>
+        <p:spPr>
+          <a:xfrm rot="0">
+            <a:off x="254000" y="6845300"/>
+            <a:ext cx="1143000" cy="457200"/>
+          </a:xfrm>
+          <a:prstGeom prst="rect">
+            <a:avLst/>
+          </a:prstGeom>
+        </p:spPr>
+      </p:pic>
+    </p:spTree>
+  </p:cSld>
+  <p:clrMapOvr>
+    <a:masterClrMapping/>
+  </p:clrMapOvr>
+</p:sld>
+</file>
+
+<file path=ppt/slides/slide2.xml><?xml version="1.0" encoding="utf-8"?>
+<p:sld xmlns:a="http://schemas.openxmlformats.org/drawingml/2006/main" xmlns:r="http://schemas.openxmlformats.org/officeDocument/2006/relationships" xmlns:p="http://schemas.openxmlformats.org/presentationml/2006/main">
+  <p:cSld>
+    <p:spTree>
+      <p:nvGrpSpPr>
+        <p:cNvPr id="1" name=""/>
+        <p:cNvGrpSpPr/>
+        <p:nvPr/>
+      </p:nvGrpSpPr>
+      <p:grpSpPr>
+        <a:xfrm>
+          <a:off x="0" y="0"/>
+          <a:ext cx="0" cy="0"/>
+          <a:chOff x="0" y="0"/>
+          <a:chExt cx="0" cy="0"/>
+        </a:xfrm>
+      </p:grpSpPr>
+      <p:sp>
+        <p:nvSpPr>
+          <p:cNvPr id="1943394533" name="Text">
+    </p:cNvPr>
+          <p:cNvSpPr>
+            <a:spLocks noGrp="1"/>
+          </p:cNvSpPr>
+          <p:nvPr/>
+        </p:nvSpPr>
+        <p:spPr>
+          <a:xfrm rot="0">
+            <a:off x="127000" y="381000"/>
+            <a:ext cx="5181600" cy="381000"/>
+          </a:xfrm>
+          <a:prstGeom prst="rect">
+            <a:avLst/>
+          </a:prstGeom>
+        </p:spPr>
+        <p:txBody>
+          <a:bodyPr wrap="square" lIns="0" tIns="0" rIns="0" bIns="0" rtlCol="0" anchor="t"/>
+          <a:lstStyle/>
+          <a:p>
+            <a:pPr algn="l">
+              <a:lnSpc>
+                <a:spcPct val="100%"/>
+              </a:lnSpc>
+              <a:defRPr sz="1800" b="1">
+                <a:solidFill>
+                  <a:srgbClr val="000000"/>
+                </a:solidFill>
+                <a:latin typeface="맑은 고딕"/>
+                <a:ea typeface="맑은 고딕"/>
+                <a:cs typeface="맑은 고딕"/>
+              </a:defRPr>
+            </a:pPr>
+            <a:r>
+              <a:rPr lang="ko" sz="1800" b="1">
+                <a:latin typeface="맑은 고딕"/>
+                <a:ea typeface="맑은 고딕"/>
+                <a:cs typeface="맑은 고딕"/>
+              </a:rPr>
+              <a:t>2. Summary - ①Baynex</a:t>
+            </a:r>
+          </a:p>
+        </p:txBody>
+      </p:sp>
+      <p:sp>
+        <p:nvSpPr>
+          <p:cNvPr id="326562947" name="Line"/>
+          <p:cNvSpPr>
+            <a:spLocks noGrp="1"/>
+          </p:cNvSpPr>
+          <p:nvPr/>
+        </p:nvSpPr>
+        <p:spPr>
+          <a:xfrm>
+            <a:off x="127000" y="762000"/>
+            <a:ext cx="10287000" cy="0"/>
+          </a:xfrm>
+          <a:prstGeom prst="line">
+            <a:avLst/>
+          </a:prstGeom>
+          <a:solidFill>
+            <a:srgbClr val="FFFFFF"/>
+          </a:solidFill>
+          <a:ln w="12700">
+            <a:solidFill>
+              <a:srgbClr val="000000"/>
+            </a:solidFill>
+            <a:prstDash val="solid"/>
+          </a:ln>
+        </p:spPr>
+        <p:txBody>
+          <a:bodyPr rtlCol="0" anchor="ctr"/>
+          <a:lstStyle/>
+          <a:p>
+            <a:pPr algn="ctr"/>
+          </a:p>
+        </p:txBody>
+      </p:sp>
+      <p:sp>
+        <p:nvSpPr>
+          <p:cNvPr id="1237051347" name="Text">
+    </p:cNvPr>
+          <p:cNvSpPr>
+            <a:spLocks noGrp="1"/>
+          </p:cNvSpPr>
+          <p:nvPr/>
+        </p:nvSpPr>
+        <p:spPr>
+          <a:xfrm rot="0">
+            <a:off x="9652000" y="292100"/>
+            <a:ext cx="762000" cy="508000"/>
+          </a:xfrm>
+          <a:prstGeom prst="rect">
+            <a:avLst/>
+          </a:prstGeom>
+        </p:spPr>
+        <p:txBody>
+          <a:bodyPr wrap="square" lIns="0" tIns="0" rIns="0" bIns="0" rtlCol="0" anchor="t"/>
+          <a:lstStyle/>
+          <a:p>
+            <a:pPr algn="l">
+              <a:lnSpc>
+                <a:spcPct val="100%"/>
+              </a:lnSpc>
+              <a:defRPr sz="800">
+                <a:solidFill>
+                  <a:srgbClr val="000000"/>
+                </a:solidFill>
+                <a:latin typeface="맑은 고딕"/>
+                <a:ea typeface="맑은 고딕"/>
+                <a:cs typeface="맑은 고딕"/>
+              </a:defRPr>
+            </a:pPr>
+            <a:r>
+              <a:rPr lang="ko" sz="800">
+                <a:latin typeface="맑은 고딕"/>
+                <a:ea typeface="맑은 고딕"/>
+                <a:cs typeface="맑은 고딕"/>
+              </a:rPr>
+              <a:t>: 완료</a:t>
+            </a:r>
+            <a:br/>
+            <a:r>
+              <a:rPr lang="ko" sz="800">
+                <a:latin typeface="맑은 고딕"/>
+                <a:ea typeface="맑은 고딕"/>
+                <a:cs typeface="맑은 고딕"/>
+              </a:rPr>
+              <a:t>:진행중</a:t>
+            </a:r>
+            <a:br/>
+            <a:r>
+              <a:rPr lang="ko" sz="800">
+                <a:latin typeface="맑은 고딕"/>
+                <a:ea typeface="맑은 고딕"/>
+                <a:cs typeface="맑은 고딕"/>
+              </a:rPr>
+              <a:t>:미완료(문제)</a:t>
+            </a:r>
+          </a:p>
+        </p:txBody>
+      </p:sp>
+      <p:sp>
+        <p:nvSpPr>
+          <p:cNvPr id="1124729261" name="Rectangle"/>
+          <p:cNvSpPr>
+            <a:spLocks noGrp="1"/>
+          </p:cNvSpPr>
+          <p:nvPr/>
+        </p:nvSpPr>
+        <p:spPr>
+          <a:xfrm>
+            <a:off x="9271000" y="266700"/>
+            <a:ext cx="266700" cy="139700"/>
+          </a:xfrm>
+          <a:prstGeom prst="rect">
+            <a:avLst/>
+          </a:prstGeom>
+          <a:solidFill>
+            <a:srgbClr val="00FF00"/>
+          </a:solidFill>
+          <a:ln w="12700">
+            <a:solidFill>
+              <a:srgbClr val="FFFFFF"/>
+            </a:solidFill>
+            <a:prstDash val="solid"/>
+          </a:ln>
+        </p:spPr>
+        <p:txBody>
+          <a:bodyPr rtlCol="0" anchor="ctr"/>
+          <a:lstStyle/>
+          <a:p>
+            <a:pPr algn="ctr"/>
+          </a:p>
+        </p:txBody>
+      </p:sp>
+      <p:sp>
+        <p:nvSpPr>
+          <p:cNvPr id="516291545" name="Rectangle"/>
+          <p:cNvSpPr>
+            <a:spLocks noGrp="1"/>
+          </p:cNvSpPr>
+          <p:nvPr/>
+        </p:nvSpPr>
+        <p:spPr>
+          <a:xfrm>
+            <a:off x="9271000" y="419100"/>
+            <a:ext cx="266700" cy="139700"/>
+          </a:xfrm>
+          <a:prstGeom prst="rect">
+            <a:avLst/>
+          </a:prstGeom>
+          <a:solidFill>
+            <a:srgbClr val="FFFF00"/>
+          </a:solidFill>
+          <a:ln w="12700">
+            <a:solidFill>
+              <a:srgbClr val="FFFFFF"/>
+            </a:solidFill>
+            <a:prstDash val="solid"/>
+          </a:ln>
+        </p:spPr>
+        <p:txBody>
+          <a:bodyPr rtlCol="0" anchor="ctr"/>
+          <a:lstStyle/>
+          <a:p>
+            <a:pPr algn="ctr"/>
+          </a:p>
+        </p:txBody>
+      </p:sp>
+      <p:sp>
+        <p:nvSpPr>
+          <p:cNvPr id="984860270" name="Rectangle"/>
+          <p:cNvSpPr>
+            <a:spLocks noGrp="1"/>
+          </p:cNvSpPr>
+          <p:nvPr/>
+        </p:nvSpPr>
+        <p:spPr>
+          <a:xfrm>
+            <a:off x="9271000" y="571500"/>
+            <a:ext cx="266700" cy="139700"/>
+          </a:xfrm>
+          <a:prstGeom prst="rect">
+            <a:avLst/>
+          </a:prstGeom>
+          <a:solidFill>
+            <a:srgbClr val="FF0000"/>
+          </a:solidFill>
+          <a:ln w="12700">
+            <a:solidFill>
+              <a:srgbClr val="FFFFFF"/>
+            </a:solidFill>
+            <a:prstDash val="solid"/>
+          </a:ln>
+        </p:spPr>
+        <p:txBody>
+          <a:bodyPr rtlCol="0" anchor="ctr"/>
+          <a:lstStyle/>
+          <a:p>
+            <a:pPr algn="ctr"/>
+          </a:p>
+        </p:txBody>
+      </p:sp>
+      <p:sp>
+        <p:nvSpPr>
+          <p:cNvPr id="748694420" name="Text">
+    </p:cNvPr>
+          <p:cNvSpPr>
+            <a:spLocks noGrp="1"/>
+          </p:cNvSpPr>
+          <p:nvPr/>
+        </p:nvSpPr>
+        <p:spPr>
+          <a:xfrm rot="0">
+            <a:off x="6553200" y="3771900"/>
+            <a:ext cx="3670300" cy="800100"/>
+          </a:xfrm>
+          <a:prstGeom prst="rect">
+            <a:avLst/>
+          </a:prstGeom>
+          <a:ln w="12700">
+            <a:solidFill>
+              <a:srgbClr val="000000"/>
+            </a:solidFill>
+            <a:prstDash val="solid"/>
+          </a:ln>
+        </p:spPr>
+        <p:txBody>
+          <a:bodyPr wrap="square" lIns="0" tIns="0" rIns="0" bIns="0" rtlCol="0" anchor="t"/>
+          <a:lstStyle/>
+          <a:p>
+            <a:pPr algn="l">
+              <a:lnSpc>
+                <a:spcPct val="100%"/>
+              </a:lnSpc>
+              <a:defRPr sz="1100">
+                <a:solidFill>
+                  <a:srgbClr val="000000"/>
+                </a:solidFill>
+                <a:latin typeface="맑은 고딕"/>
+                <a:ea typeface="맑은 고딕"/>
+                <a:cs typeface="맑은 고딕"/>
+              </a:defRPr>
+            </a:pPr>
+            <a:br/>
+          </a:p>
+        </p:txBody>
+      </p:sp>
+      <p:sp>
+        <p:nvSpPr>
+          <p:cNvPr id="1060389060" name="Text">
+    </p:cNvPr>
+          <p:cNvSpPr>
+            <a:spLocks noGrp="1"/>
+          </p:cNvSpPr>
+          <p:nvPr/>
+        </p:nvSpPr>
+        <p:spPr>
+          <a:xfrm rot="0">
+            <a:off x="5791200" y="3771900"/>
+            <a:ext cx="762000" cy="800100"/>
+          </a:xfrm>
+          <a:prstGeom prst="rect">
+            <a:avLst/>
+          </a:prstGeom>
+          <a:ln w="12700">
+            <a:solidFill>
+              <a:srgbClr val="000000"/>
+            </a:solidFill>
+            <a:prstDash val="solid"/>
+          </a:ln>
+        </p:spPr>
+        <p:txBody>
+          <a:bodyPr wrap="square" lIns="0" tIns="0" rIns="0" bIns="0" rtlCol="0" anchor="t"/>
+          <a:lstStyle/>
+          <a:p>
+            <a:pPr algn="ctr">
+              <a:lnSpc>
+                <a:spcPct val="100%"/>
+              </a:lnSpc>
+              <a:defRPr sz="1100">
+                <a:solidFill>
+                  <a:srgbClr val="000000"/>
+                </a:solidFill>
+                <a:latin typeface="맑은 고딕"/>
+                <a:ea typeface="맑은 고딕"/>
+                <a:cs typeface="맑은 고딕"/>
+              </a:defRPr>
+            </a:pPr>
+            <a:br/>
+            <a:r>
+              <a:rPr lang="ko" sz="1100">
+                <a:latin typeface="맑은 고딕"/>
+                <a:ea typeface="맑은 고딕"/>
+                <a:cs typeface="맑은 고딕"/>
+              </a:rPr>
+              <a:t>[보류]</a:t>
+            </a:r>
+            <a:br/>
+          </a:p>
+        </p:txBody>
+      </p:sp>
+      <p:sp>
+        <p:nvSpPr>
+          <p:cNvPr id="236879816" name="Text">
+    </p:cNvPr>
+          <p:cNvSpPr>
+            <a:spLocks noGrp="1"/>
+          </p:cNvSpPr>
+          <p:nvPr/>
+        </p:nvSpPr>
+        <p:spPr>
+          <a:xfrm rot="0">
+            <a:off x="1181100" y="3771900"/>
+            <a:ext cx="4610100" cy="800100"/>
+          </a:xfrm>
+          <a:prstGeom prst="rect">
+            <a:avLst/>
+          </a:prstGeom>
+          <a:ln w="12700">
+            <a:solidFill>
+              <a:srgbClr val="000000"/>
+            </a:solidFill>
+            <a:prstDash val="solid"/>
+          </a:ln>
+        </p:spPr>
+        <p:txBody>
+          <a:bodyPr wrap="square" lIns="0" tIns="0" rIns="0" bIns="0" rtlCol="0" anchor="t"/>
+          <a:lstStyle/>
+          <a:p>
+            <a:pPr algn="l">
+              <a:lnSpc>
+                <a:spcPct val="100%"/>
+              </a:lnSpc>
+              <a:defRPr sz="1100">
+                <a:solidFill>
+                  <a:srgbClr val="000000"/>
+                </a:solidFill>
+                <a:latin typeface="맑은 고딕"/>
+                <a:ea typeface="맑은 고딕"/>
+                <a:cs typeface="맑은 고딕"/>
+              </a:defRPr>
+            </a:pPr>
+            <a:br/>
+            <a:r>
+              <a:rPr lang="ko" sz="1100">
+                <a:latin typeface="맑은 고딕"/>
+                <a:ea typeface="맑은 고딕"/>
+                <a:cs typeface="맑은 고딕"/>
+              </a:rPr>
+              <a:t> 123123</a:t>
+            </a:r>
+            <a:br/>
+          </a:p>
+        </p:txBody>
+      </p:sp>
+      <p:sp>
+        <p:nvSpPr>
+          <p:cNvPr id="716855507" name="Text">
+    </p:cNvPr>
+          <p:cNvSpPr>
+            <a:spLocks noGrp="1"/>
+          </p:cNvSpPr>
+          <p:nvPr/>
+        </p:nvSpPr>
+        <p:spPr>
+          <a:xfrm rot="0">
+            <a:off x="368300" y="3771900"/>
+            <a:ext cx="812800" cy="800100"/>
+          </a:xfrm>
+          <a:prstGeom prst="rect">
+            <a:avLst/>
+          </a:prstGeom>
+          <a:ln w="12700">
+            <a:solidFill>
+              <a:srgbClr val="000000"/>
+            </a:solidFill>
+            <a:prstDash val="solid"/>
+          </a:ln>
+        </p:spPr>
+        <p:txBody>
+          <a:bodyPr wrap="square" lIns="0" tIns="0" rIns="0" bIns="0" rtlCol="0" anchor="ctr"/>
+          <a:lstStyle/>
+          <a:p>
+            <a:pPr algn="ctr">
+              <a:lnSpc>
+                <a:spcPct val="100%"/>
+              </a:lnSpc>
+              <a:defRPr sz="1100">
+                <a:solidFill>
+                  <a:srgbClr val="000000"/>
+                </a:solidFill>
+                <a:latin typeface="맑은 고딕"/>
+                <a:ea typeface="맑은 고딕"/>
+                <a:cs typeface="맑은 고딕"/>
+              </a:defRPr>
+            </a:pPr>
+            <a:r>
+              <a:rPr lang="ko" sz="1100">
+                <a:latin typeface="맑은 고딕"/>
+                <a:ea typeface="맑은 고딕"/>
+                <a:cs typeface="맑은 고딕"/>
+              </a:rPr>
+              <a:t>ERP</a:t>
+            </a:r>
+          </a:p>
+        </p:txBody>
+      </p:sp>
+      <p:sp>
+        <p:nvSpPr>
+          <p:cNvPr id="124467867" name="Text">
+    </p:cNvPr>
+          <p:cNvSpPr>
+            <a:spLocks noGrp="1"/>
+          </p:cNvSpPr>
+          <p:nvPr/>
+        </p:nvSpPr>
+        <p:spPr>
+          <a:xfrm rot="0">
+            <a:off x="368300" y="1473200"/>
+            <a:ext cx="812800" cy="787400"/>
+          </a:xfrm>
+          <a:prstGeom prst="rect">
+            <a:avLst/>
+          </a:prstGeom>
+          <a:ln w="12700">
+            <a:solidFill>
+              <a:srgbClr val="000000"/>
+            </a:solidFill>
+            <a:prstDash val="solid"/>
+          </a:ln>
+        </p:spPr>
+        <p:txBody>
+          <a:bodyPr wrap="square" lIns="0" tIns="0" rIns="0" bIns="0" rtlCol="0" anchor="ctr"/>
+          <a:lstStyle/>
+          <a:p>
+            <a:pPr algn="ctr">
+              <a:lnSpc>
+                <a:spcPct val="100%"/>
+              </a:lnSpc>
+              <a:defRPr sz="1100">
+                <a:solidFill>
+                  <a:srgbClr val="000000"/>
+                </a:solidFill>
+                <a:latin typeface="맑은 고딕"/>
+                <a:ea typeface="맑은 고딕"/>
+                <a:cs typeface="맑은 고딕"/>
+              </a:defRPr>
+            </a:pPr>
+            <a:r>
+              <a:rPr lang="ko" sz="1100">
+                <a:latin typeface="맑은 고딕"/>
+                <a:ea typeface="맑은 고딕"/>
+                <a:cs typeface="맑은 고딕"/>
+              </a:rPr>
+              <a:t>ERP</a:t>
+            </a:r>
+          </a:p>
+        </p:txBody>
+      </p:sp>
+      <p:sp>
+        <p:nvSpPr>
+          <p:cNvPr id="440694994" name="Text">
+    </p:cNvPr>
+          <p:cNvSpPr>
+            <a:spLocks noGrp="1"/>
+          </p:cNvSpPr>
+          <p:nvPr/>
+        </p:nvSpPr>
+        <p:spPr>
+          <a:xfrm rot="0">
+            <a:off x="1181100" y="1473200"/>
+            <a:ext cx="4572000" cy="787400"/>
+          </a:xfrm>
+          <a:prstGeom prst="rect">
+            <a:avLst/>
+          </a:prstGeom>
+          <a:ln w="12700">
+            <a:solidFill>
+              <a:srgbClr val="000000"/>
+            </a:solidFill>
+            <a:prstDash val="solid"/>
+          </a:ln>
+        </p:spPr>
+        <p:txBody>
+          <a:bodyPr wrap="square" lIns="0" tIns="0" rIns="0" bIns="0" rtlCol="0" anchor="t"/>
+          <a:lstStyle/>
+          <a:p>
+            <a:pPr algn="l">
+              <a:lnSpc>
+                <a:spcPct val="100%"/>
+              </a:lnSpc>
+              <a:defRPr sz="1100">
+                <a:solidFill>
+                  <a:srgbClr val="000000"/>
+                </a:solidFill>
+                <a:latin typeface="맑은 고딕"/>
+                <a:ea typeface="맑은 고딕"/>
+                <a:cs typeface="맑은 고딕"/>
+              </a:defRPr>
+            </a:pPr>
+            <a:br/>
+            <a:r>
+              <a:rPr lang="ko" sz="1100">
+                <a:latin typeface="맑은 고딕"/>
+                <a:ea typeface="맑은 고딕"/>
+                <a:cs typeface="맑은 고딕"/>
+              </a:rPr>
+              <a:t> erw</a:t>
+            </a:r>
+            <a:br/>
+            <a:r>
+              <a:rPr lang="ko" sz="1100">
+                <a:latin typeface="맑은 고딕"/>
+                <a:ea typeface="맑은 고딕"/>
+                <a:cs typeface="맑은 고딕"/>
+              </a:rPr>
+              <a:t> fsdfqw</a:t>
+            </a:r>
+            <a:br/>
+          </a:p>
+        </p:txBody>
+      </p:sp>
+      <p:sp>
+        <p:nvSpPr>
+          <p:cNvPr id="1742320749" name="Text">
+    </p:cNvPr>
+          <p:cNvSpPr>
+            <a:spLocks noGrp="1"/>
+          </p:cNvSpPr>
+          <p:nvPr/>
+        </p:nvSpPr>
+        <p:spPr>
+          <a:xfrm rot="0">
+            <a:off x="7543800" y="1473200"/>
+            <a:ext cx="2667000" cy="787400"/>
+          </a:xfrm>
+          <a:prstGeom prst="rect">
+            <a:avLst/>
+          </a:prstGeom>
+          <a:ln w="12700">
+            <a:solidFill>
+              <a:srgbClr val="000000"/>
+            </a:solidFill>
+            <a:prstDash val="solid"/>
+          </a:ln>
+        </p:spPr>
+        <p:txBody>
+          <a:bodyPr wrap="square" lIns="0" tIns="0" rIns="0" bIns="0" rtlCol="0" anchor="t"/>
+          <a:lstStyle/>
+          <a:p>
+            <a:pPr algn="l">
+              <a:lnSpc>
+                <a:spcPct val="100%"/>
+              </a:lnSpc>
+              <a:defRPr sz="1100">
+                <a:solidFill>
+                  <a:srgbClr val="000000"/>
+                </a:solidFill>
+                <a:latin typeface="맑은 고딕"/>
+                <a:ea typeface="맑은 고딕"/>
+                <a:cs typeface="맑은 고딕"/>
+              </a:defRPr>
+            </a:pPr>
+            <a:br/>
+            <a:r>
+              <a:rPr lang="ko" sz="1100">
+                <a:latin typeface="맑은 고딕"/>
+                <a:ea typeface="맑은 고딕"/>
+                <a:cs typeface="맑은 고딕"/>
+              </a:rPr>
+              <a:t>1</a:t>
+            </a:r>
+          </a:p>
+        </p:txBody>
+      </p:sp>
+      <p:sp>
+        <p:nvSpPr>
+          <p:cNvPr id="534582405" name="Text">
+    </p:cNvPr>
+          <p:cNvSpPr>
+            <a:spLocks noGrp="1"/>
+          </p:cNvSpPr>
+          <p:nvPr/>
+        </p:nvSpPr>
+        <p:spPr>
+          <a:xfrm rot="0">
+            <a:off x="6527800" y="1473200"/>
+            <a:ext cx="749300" cy="787400"/>
+          </a:xfrm>
+          <a:prstGeom prst="rect">
+            <a:avLst/>
+          </a:prstGeom>
+          <a:ln w="12700">
+            <a:solidFill>
+              <a:srgbClr val="000000"/>
+            </a:solidFill>
+            <a:prstDash val="solid"/>
+          </a:ln>
+        </p:spPr>
+        <p:txBody>
+          <a:bodyPr wrap="square" lIns="0" tIns="0" rIns="0" bIns="0" rtlCol="0" anchor="ctr"/>
+          <a:lstStyle/>
+          <a:p>
+            <a:pPr algn="ctr">
+              <a:lnSpc>
+                <a:spcPct val="100%"/>
+              </a:lnSpc>
+              <a:defRPr sz="1100">
+                <a:solidFill>
+                  <a:srgbClr val="000000"/>
+                </a:solidFill>
+                <a:latin typeface="맑은 고딕"/>
+                <a:ea typeface="맑은 고딕"/>
+                <a:cs typeface="맑은 고딕"/>
+              </a:defRPr>
+            </a:pPr>
+            <a:r>
+              <a:rPr lang="ko" sz="1100">
+                <a:latin typeface="맑은 고딕"/>
+                <a:ea typeface="맑은 고딕"/>
+                <a:cs typeface="맑은 고딕"/>
+              </a:rPr>
+              <a:t>1</a:t>
+            </a:r>
+          </a:p>
+        </p:txBody>
+      </p:sp>
+      <p:sp>
+        <p:nvSpPr>
+          <p:cNvPr id="1102862855" name="Text">
+    </p:cNvPr>
+          <p:cNvSpPr>
+            <a:spLocks noGrp="1"/>
+          </p:cNvSpPr>
+          <p:nvPr/>
+        </p:nvSpPr>
+        <p:spPr>
+          <a:xfrm rot="0">
+            <a:off x="177800" y="838200"/>
+            <a:ext cx="2489200" cy="215900"/>
+          </a:xfrm>
+          <a:prstGeom prst="rect">
+            <a:avLst/>
+          </a:prstGeom>
+          <a:solidFill>
+            <a:srgbClr val="C7CDFD"/>
+          </a:solidFill>
+        </p:spPr>
+        <p:txBody>
+          <a:bodyPr wrap="square" lIns="0" tIns="0" rIns="0" bIns="0" rtlCol="0" anchor="ctr"/>
+          <a:lstStyle/>
+          <a:p>
+            <a:pPr algn="ctr">
+              <a:lnSpc>
+                <a:spcPct val="100%"/>
+              </a:lnSpc>
+              <a:defRPr sz="1000" b="1">
+                <a:solidFill>
+                  <a:srgbClr val="000000"/>
+                </a:solidFill>
+                <a:latin typeface="맑은 고딕"/>
+                <a:ea typeface="맑은 고딕"/>
+                <a:cs typeface="맑은 고딕"/>
+              </a:defRPr>
+            </a:pPr>
+            <a:r>
+              <a:rPr lang="ko" sz="1000" b="1">
+                <a:latin typeface="맑은 고딕"/>
+                <a:ea typeface="맑은 고딕"/>
+                <a:cs typeface="맑은 고딕"/>
+              </a:rPr>
+              <a:t>금주 업무 실적</a:t>
+            </a:r>
+          </a:p>
+        </p:txBody>
+      </p:sp>
+      <p:sp>
+        <p:nvSpPr>
+          <p:cNvPr id="2022127626" name="Text">
+    </p:cNvPr>
+          <p:cNvSpPr>
+            <a:spLocks noGrp="1"/>
+          </p:cNvSpPr>
+          <p:nvPr/>
+        </p:nvSpPr>
+        <p:spPr>
+          <a:xfrm rot="0">
+            <a:off x="190500" y="3175000"/>
+            <a:ext cx="2476500" cy="228600"/>
+          </a:xfrm>
+          <a:prstGeom prst="rect">
+            <a:avLst/>
+          </a:prstGeom>
+          <a:solidFill>
+            <a:srgbClr val="FF9900"/>
+          </a:solidFill>
+        </p:spPr>
+        <p:txBody>
+          <a:bodyPr wrap="square" lIns="0" tIns="0" rIns="0" bIns="0" rtlCol="0" anchor="ctr"/>
+          <a:lstStyle/>
+          <a:p>
+            <a:pPr algn="ctr">
+              <a:lnSpc>
+                <a:spcPct val="100%"/>
+              </a:lnSpc>
+              <a:defRPr sz="1000" b="1">
+                <a:solidFill>
+                  <a:srgbClr val="000000"/>
+                </a:solidFill>
+                <a:latin typeface="맑은 고딕"/>
+                <a:ea typeface="맑은 고딕"/>
+                <a:cs typeface="맑은 고딕"/>
+              </a:defRPr>
+            </a:pPr>
+            <a:r>
+              <a:rPr lang="ko" sz="1000" b="1">
+                <a:latin typeface="맑은 고딕"/>
+                <a:ea typeface="맑은 고딕"/>
+                <a:cs typeface="맑은 고딕"/>
+              </a:rPr>
+              <a:t>차주 업무 계획</a:t>
+            </a:r>
+          </a:p>
+        </p:txBody>
+      </p:sp>
+      <p:sp>
+        <p:nvSpPr>
+          <p:cNvPr id="1389855147" name="Text">
+    </p:cNvPr>
+          <p:cNvSpPr>
+            <a:spLocks noGrp="1"/>
+          </p:cNvSpPr>
+          <p:nvPr/>
+        </p:nvSpPr>
+        <p:spPr>
+          <a:xfrm rot="0">
+            <a:off x="355600" y="1079500"/>
+            <a:ext cx="825500" cy="393700"/>
+          </a:xfrm>
+          <a:prstGeom prst="rect">
+            <a:avLst/>
+          </a:prstGeom>
+          <a:solidFill>
+            <a:srgbClr val="FFCC99"/>
+          </a:solidFill>
+          <a:ln w="12700">
+            <a:solidFill>
+              <a:srgbClr val="000000"/>
+            </a:solidFill>
+            <a:prstDash val="solid"/>
+          </a:ln>
+        </p:spPr>
+        <p:txBody>
+          <a:bodyPr wrap="square" lIns="0" tIns="0" rIns="0" bIns="0" rtlCol="0" anchor="ctr"/>
+          <a:lstStyle/>
+          <a:p>
+            <a:pPr algn="ctr">
+              <a:lnSpc>
+                <a:spcPct val="100%"/>
+              </a:lnSpc>
+              <a:defRPr sz="1000">
+                <a:solidFill>
+                  <a:srgbClr val="000000"/>
+                </a:solidFill>
+                <a:latin typeface="맑은 고딕"/>
+                <a:ea typeface="맑은 고딕"/>
+                <a:cs typeface="맑은 고딕"/>
+              </a:defRPr>
+            </a:pPr>
+            <a:r>
+              <a:rPr lang="ko" sz="1000">
+                <a:latin typeface="맑은 고딕"/>
+                <a:ea typeface="맑은 고딕"/>
+                <a:cs typeface="맑은 고딕"/>
+              </a:rPr>
+              <a:t>구분</a:t>
+            </a:r>
+          </a:p>
+        </p:txBody>
+      </p:sp>
+      <p:sp>
+        <p:nvSpPr>
+          <p:cNvPr id="635035208" name="Text">
+    </p:cNvPr>
+          <p:cNvSpPr>
+            <a:spLocks noGrp="1"/>
+          </p:cNvSpPr>
+          <p:nvPr/>
+        </p:nvSpPr>
+        <p:spPr>
+          <a:xfrm rot="0">
+            <a:off x="1181100" y="1079500"/>
+            <a:ext cx="4572000" cy="393700"/>
+          </a:xfrm>
+          <a:prstGeom prst="rect">
+            <a:avLst/>
+          </a:prstGeom>
+          <a:solidFill>
+            <a:srgbClr val="FFCC99"/>
+          </a:solidFill>
+          <a:ln w="12700">
+            <a:solidFill>
+              <a:srgbClr val="000000"/>
+            </a:solidFill>
+            <a:prstDash val="solid"/>
+          </a:ln>
+        </p:spPr>
+        <p:txBody>
+          <a:bodyPr wrap="square" lIns="0" tIns="0" rIns="0" bIns="0" rtlCol="0" anchor="ctr"/>
+          <a:lstStyle/>
+          <a:p>
+            <a:pPr algn="ctr">
+              <a:lnSpc>
+                <a:spcPct val="100%"/>
+              </a:lnSpc>
+              <a:defRPr sz="1000">
+                <a:solidFill>
+                  <a:srgbClr val="000000"/>
+                </a:solidFill>
+                <a:latin typeface="맑은 고딕"/>
+                <a:ea typeface="맑은 고딕"/>
+                <a:cs typeface="맑은 고딕"/>
+              </a:defRPr>
+            </a:pPr>
+            <a:r>
+              <a:rPr lang="ko" sz="1000">
+                <a:latin typeface="맑은 고딕"/>
+                <a:ea typeface="맑은 고딕"/>
+                <a:cs typeface="맑은 고딕"/>
+              </a:rPr>
+              <a:t>업무 내용</a:t>
+            </a:r>
+          </a:p>
+        </p:txBody>
+      </p:sp>
+      <p:sp>
+        <p:nvSpPr>
+          <p:cNvPr id="102155414" name="Text">
+    </p:cNvPr>
+          <p:cNvSpPr>
+            <a:spLocks noGrp="1"/>
+          </p:cNvSpPr>
+          <p:nvPr/>
+        </p:nvSpPr>
+        <p:spPr>
+          <a:xfrm rot="0">
+            <a:off x="6527800" y="1079500"/>
+            <a:ext cx="762000" cy="393700"/>
+          </a:xfrm>
+          <a:prstGeom prst="rect">
+            <a:avLst/>
+          </a:prstGeom>
+          <a:solidFill>
+            <a:srgbClr val="FFCC99"/>
+          </a:solidFill>
+          <a:ln w="12700">
+            <a:solidFill>
+              <a:srgbClr val="000000"/>
+            </a:solidFill>
+            <a:prstDash val="solid"/>
+          </a:ln>
+        </p:spPr>
+        <p:txBody>
+          <a:bodyPr wrap="square" lIns="0" tIns="0" rIns="0" bIns="0" rtlCol="0" anchor="ctr"/>
+          <a:lstStyle/>
+          <a:p>
+            <a:pPr algn="ctr">
+              <a:lnSpc>
+                <a:spcPct val="100%"/>
+              </a:lnSpc>
+              <a:defRPr sz="1000">
+                <a:solidFill>
+                  <a:srgbClr val="000000"/>
+                </a:solidFill>
+                <a:latin typeface="맑은 고딕"/>
+                <a:ea typeface="맑은 고딕"/>
+                <a:cs typeface="맑은 고딕"/>
+              </a:defRPr>
+            </a:pPr>
+            <a:r>
+              <a:rPr lang="ko" sz="1000">
+                <a:latin typeface="맑은 고딕"/>
+                <a:ea typeface="맑은 고딕"/>
+                <a:cs typeface="맑은 고딕"/>
+              </a:rPr>
+              <a:t>진행율</a:t>
+            </a:r>
+          </a:p>
+        </p:txBody>
+      </p:sp>
+      <p:sp>
+        <p:nvSpPr>
+          <p:cNvPr id="1200679734" name="Text">
+    </p:cNvPr>
+          <p:cNvSpPr>
+            <a:spLocks noGrp="1"/>
+          </p:cNvSpPr>
+          <p:nvPr/>
+        </p:nvSpPr>
+        <p:spPr>
+          <a:xfrm rot="0">
+            <a:off x="7289800" y="1079500"/>
+            <a:ext cx="254000" cy="393700"/>
+          </a:xfrm>
+          <a:prstGeom prst="rect">
+            <a:avLst/>
+          </a:prstGeom>
+          <a:solidFill>
+            <a:srgbClr val="FFCC99"/>
+          </a:solidFill>
+          <a:ln w="12700">
+            <a:solidFill>
+              <a:srgbClr val="000000"/>
+            </a:solidFill>
+            <a:prstDash val="solid"/>
+          </a:ln>
+        </p:spPr>
+        <p:txBody>
+          <a:bodyPr wrap="square" lIns="0" tIns="0" rIns="0" bIns="0" rtlCol="0" anchor="ctr"/>
+          <a:lstStyle/>
+          <a:p>
+            <a:pPr algn="ctr">
+              <a:lnSpc>
+                <a:spcPct val="100%"/>
+              </a:lnSpc>
+              <a:defRPr sz="1000">
+                <a:solidFill>
+                  <a:srgbClr val="000000"/>
+                </a:solidFill>
+                <a:latin typeface="맑은 고딕"/>
+                <a:ea typeface="맑은 고딕"/>
+                <a:cs typeface="맑은 고딕"/>
+              </a:defRPr>
+            </a:pPr>
+            <a:r>
+              <a:rPr lang="ko" sz="1000">
+                <a:latin typeface="맑은 고딕"/>
+                <a:ea typeface="맑은 고딕"/>
+                <a:cs typeface="맑은 고딕"/>
+              </a:rPr>
+              <a:t>상</a:t>
+            </a:r>
+            <a:br/>
+            <a:r>
+              <a:rPr lang="ko" sz="1000">
+                <a:latin typeface="맑은 고딕"/>
+                <a:ea typeface="맑은 고딕"/>
+                <a:cs typeface="맑은 고딕"/>
+              </a:rPr>
+              <a:t>태</a:t>
+            </a:r>
+          </a:p>
+        </p:txBody>
+      </p:sp>
+      <p:sp>
+        <p:nvSpPr>
+          <p:cNvPr id="690286774" name="Text">
+    </p:cNvPr>
+          <p:cNvSpPr>
+            <a:spLocks noGrp="1"/>
+          </p:cNvSpPr>
+          <p:nvPr/>
+        </p:nvSpPr>
+        <p:spPr>
+          <a:xfrm rot="0">
+            <a:off x="368300" y="3429000"/>
+            <a:ext cx="812800" cy="342900"/>
+          </a:xfrm>
+          <a:prstGeom prst="rect">
+            <a:avLst/>
+          </a:prstGeom>
+          <a:solidFill>
+            <a:srgbClr val="FFCC99"/>
+          </a:solidFill>
+          <a:ln w="12700">
+            <a:solidFill>
+              <a:srgbClr val="000000"/>
+            </a:solidFill>
+            <a:prstDash val="solid"/>
+          </a:ln>
+        </p:spPr>
+        <p:txBody>
+          <a:bodyPr wrap="square" lIns="0" tIns="0" rIns="0" bIns="0" rtlCol="0" anchor="ctr"/>
+          <a:lstStyle/>
+          <a:p>
+            <a:pPr algn="ctr">
+              <a:lnSpc>
+                <a:spcPct val="100%"/>
+              </a:lnSpc>
+              <a:defRPr sz="1000">
+                <a:solidFill>
+                  <a:srgbClr val="000000"/>
+                </a:solidFill>
+                <a:latin typeface="맑은 고딕"/>
+                <a:ea typeface="맑은 고딕"/>
+                <a:cs typeface="맑은 고딕"/>
+              </a:defRPr>
+            </a:pPr>
+            <a:r>
+              <a:rPr lang="ko" sz="1000">
+                <a:latin typeface="맑은 고딕"/>
+                <a:ea typeface="맑은 고딕"/>
+                <a:cs typeface="맑은 고딕"/>
+              </a:rPr>
+              <a:t>구분</a:t>
+            </a:r>
+          </a:p>
+        </p:txBody>
+      </p:sp>
+      <p:sp>
+        <p:nvSpPr>
+          <p:cNvPr id="1113870404" name="Text">
+    </p:cNvPr>
+          <p:cNvSpPr>
+            <a:spLocks noGrp="1"/>
+          </p:cNvSpPr>
+          <p:nvPr/>
+        </p:nvSpPr>
+        <p:spPr>
+          <a:xfrm rot="0">
+            <a:off x="1181100" y="3429000"/>
+            <a:ext cx="4610100" cy="342900"/>
+          </a:xfrm>
+          <a:prstGeom prst="rect">
+            <a:avLst/>
+          </a:prstGeom>
+          <a:solidFill>
+            <a:srgbClr val="FFCC99"/>
+          </a:solidFill>
+          <a:ln w="12700">
+            <a:solidFill>
+              <a:srgbClr val="000000"/>
+            </a:solidFill>
+            <a:prstDash val="solid"/>
+          </a:ln>
+        </p:spPr>
+        <p:txBody>
+          <a:bodyPr wrap="square" lIns="0" tIns="0" rIns="0" bIns="0" rtlCol="0" anchor="ctr"/>
+          <a:lstStyle/>
+          <a:p>
+            <a:pPr algn="ctr">
+              <a:lnSpc>
+                <a:spcPct val="100%"/>
+              </a:lnSpc>
+              <a:defRPr sz="1000">
+                <a:solidFill>
+                  <a:srgbClr val="000000"/>
+                </a:solidFill>
+                <a:latin typeface="맑은 고딕"/>
+                <a:ea typeface="맑은 고딕"/>
+                <a:cs typeface="맑은 고딕"/>
+              </a:defRPr>
+            </a:pPr>
+            <a:r>
+              <a:rPr lang="ko" sz="1000">
+                <a:latin typeface="맑은 고딕"/>
+                <a:ea typeface="맑은 고딕"/>
+                <a:cs typeface="맑은 고딕"/>
+              </a:rPr>
+              <a:t>업무 내용</a:t>
+            </a:r>
+          </a:p>
+        </p:txBody>
+      </p:sp>
+      <p:sp>
+        <p:nvSpPr>
+          <p:cNvPr id="1927679722" name="Text">
+    </p:cNvPr>
+          <p:cNvSpPr>
+            <a:spLocks noGrp="1"/>
+          </p:cNvSpPr>
+          <p:nvPr/>
+        </p:nvSpPr>
+        <p:spPr>
+          <a:xfrm rot="0">
+            <a:off x="5791200" y="3429000"/>
+            <a:ext cx="762000" cy="342900"/>
+          </a:xfrm>
+          <a:prstGeom prst="rect">
+            <a:avLst/>
+          </a:prstGeom>
+          <a:solidFill>
+            <a:srgbClr val="FFCC99"/>
+          </a:solidFill>
+          <a:ln w="12700">
+            <a:solidFill>
+              <a:srgbClr val="000000"/>
+            </a:solidFill>
+            <a:prstDash val="solid"/>
+          </a:ln>
+        </p:spPr>
+        <p:txBody>
+          <a:bodyPr wrap="square" lIns="0" tIns="0" rIns="0" bIns="0" rtlCol="0" anchor="ctr"/>
+          <a:lstStyle/>
+          <a:p>
+            <a:pPr algn="ctr">
+              <a:lnSpc>
+                <a:spcPct val="100%"/>
+              </a:lnSpc>
+              <a:defRPr sz="1000">
+                <a:solidFill>
+                  <a:srgbClr val="000000"/>
+                </a:solidFill>
+                <a:latin typeface="맑은 고딕"/>
+                <a:ea typeface="맑은 고딕"/>
+                <a:cs typeface="맑은 고딕"/>
+              </a:defRPr>
+            </a:pPr>
+            <a:r>
+              <a:rPr lang="ko" sz="1000">
+                <a:latin typeface="맑은 고딕"/>
+                <a:ea typeface="맑은 고딕"/>
+                <a:cs typeface="맑은 고딕"/>
+              </a:rPr>
+              <a:t>완료예정</a:t>
+            </a:r>
+          </a:p>
+        </p:txBody>
+      </p:sp>
+      <p:sp>
+        <p:nvSpPr>
+          <p:cNvPr id="846172891" name="Text">
+    </p:cNvPr>
+          <p:cNvSpPr>
+            <a:spLocks noGrp="1"/>
+          </p:cNvSpPr>
+          <p:nvPr/>
+        </p:nvSpPr>
+        <p:spPr>
+          <a:xfrm rot="0">
+            <a:off x="7543800" y="1079500"/>
+            <a:ext cx="2667000" cy="393700"/>
+          </a:xfrm>
+          <a:prstGeom prst="rect">
+            <a:avLst/>
+          </a:prstGeom>
+          <a:solidFill>
+            <a:srgbClr val="FFCC99"/>
+          </a:solidFill>
+          <a:ln w="12700">
+            <a:solidFill>
+              <a:srgbClr val="000000"/>
+            </a:solidFill>
+            <a:prstDash val="solid"/>
+          </a:ln>
+        </p:spPr>
+        <p:txBody>
+          <a:bodyPr wrap="square" lIns="0" tIns="0" rIns="0" bIns="0" rtlCol="0" anchor="ctr"/>
+          <a:lstStyle/>
+          <a:p>
+            <a:pPr algn="ctr">
+              <a:lnSpc>
+                <a:spcPct val="100%"/>
+              </a:lnSpc>
+              <a:defRPr sz="1000">
+                <a:solidFill>
+                  <a:srgbClr val="000000"/>
+                </a:solidFill>
+                <a:latin typeface="맑은 고딕"/>
+                <a:ea typeface="맑은 고딕"/>
+                <a:cs typeface="맑은 고딕"/>
+              </a:defRPr>
+            </a:pPr>
+            <a:r>
+              <a:rPr lang="ko" sz="1000">
+                <a:latin typeface="맑은 고딕"/>
+                <a:ea typeface="맑은 고딕"/>
+                <a:cs typeface="맑은 고딕"/>
+              </a:rPr>
+              <a:t>비고</a:t>
+            </a:r>
+          </a:p>
+        </p:txBody>
+      </p:sp>
+      <p:sp>
+        <p:nvSpPr>
+          <p:cNvPr id="1010857312" name="Text">
+    </p:cNvPr>
+          <p:cNvSpPr>
+            <a:spLocks noGrp="1"/>
+          </p:cNvSpPr>
+          <p:nvPr/>
+        </p:nvSpPr>
+        <p:spPr>
+          <a:xfrm rot="0">
+            <a:off x="6553200" y="3429000"/>
+            <a:ext cx="3670300" cy="342900"/>
+          </a:xfrm>
+          <a:prstGeom prst="rect">
+            <a:avLst/>
+          </a:prstGeom>
+          <a:solidFill>
+            <a:srgbClr val="FFCC99"/>
+          </a:solidFill>
+          <a:ln w="12700">
+            <a:solidFill>
+              <a:srgbClr val="000000"/>
+            </a:solidFill>
+            <a:prstDash val="solid"/>
+          </a:ln>
+        </p:spPr>
+        <p:txBody>
+          <a:bodyPr wrap="square" lIns="0" tIns="0" rIns="0" bIns="0" rtlCol="0" anchor="ctr"/>
+          <a:lstStyle/>
+          <a:p>
+            <a:pPr algn="ctr">
+              <a:lnSpc>
+                <a:spcPct val="100%"/>
+              </a:lnSpc>
+              <a:defRPr sz="1000">
+                <a:solidFill>
+                  <a:srgbClr val="000000"/>
+                </a:solidFill>
+                <a:latin typeface="맑은 고딕"/>
+                <a:ea typeface="맑은 고딕"/>
+                <a:cs typeface="맑은 고딕"/>
+              </a:defRPr>
+            </a:pPr>
+            <a:r>
+              <a:rPr lang="ko" sz="1000">
+                <a:latin typeface="맑은 고딕"/>
+                <a:ea typeface="맑은 고딕"/>
+                <a:cs typeface="맑은 고딕"/>
+              </a:rPr>
+              <a:t>비고</a:t>
+            </a:r>
+          </a:p>
+        </p:txBody>
+      </p:sp>
+      <p:sp>
+        <p:nvSpPr>
+          <p:cNvPr id="1548154076" name="Text">
+    </p:cNvPr>
+          <p:cNvSpPr>
+            <a:spLocks noGrp="1"/>
+          </p:cNvSpPr>
+          <p:nvPr/>
+        </p:nvSpPr>
+        <p:spPr>
+          <a:xfrm rot="0">
+            <a:off x="5753100" y="1079500"/>
+            <a:ext cx="774700" cy="393700"/>
+          </a:xfrm>
+          <a:prstGeom prst="rect">
+            <a:avLst/>
+          </a:prstGeom>
+          <a:solidFill>
+            <a:srgbClr val="FFCC99"/>
+          </a:solidFill>
+          <a:ln w="12700">
+            <a:solidFill>
+              <a:srgbClr val="000000"/>
+            </a:solidFill>
+            <a:prstDash val="solid"/>
+          </a:ln>
+        </p:spPr>
+        <p:txBody>
+          <a:bodyPr wrap="square" lIns="0" tIns="0" rIns="0" bIns="0" rtlCol="0" anchor="ctr"/>
+          <a:lstStyle/>
+          <a:p>
+            <a:pPr algn="ctr">
+              <a:lnSpc>
+                <a:spcPct val="100%"/>
+              </a:lnSpc>
+              <a:defRPr sz="1000">
+                <a:solidFill>
+                  <a:srgbClr val="000000"/>
+                </a:solidFill>
+                <a:latin typeface="맑은 고딕"/>
+                <a:ea typeface="맑은 고딕"/>
+                <a:cs typeface="맑은 고딕"/>
+              </a:defRPr>
+            </a:pPr>
+            <a:r>
+              <a:rPr lang="ko" sz="1000">
+                <a:latin typeface="맑은 고딕"/>
+                <a:ea typeface="맑은 고딕"/>
+                <a:cs typeface="맑은 고딕"/>
+              </a:rPr>
+              <a:t>완료일</a:t>
+            </a:r>
+          </a:p>
+        </p:txBody>
+      </p:sp>
+      <p:sp>
+        <p:nvSpPr>
+          <p:cNvPr id="513093856" name="Text">
+    </p:cNvPr>
+          <p:cNvSpPr>
+            <a:spLocks noGrp="1"/>
+          </p:cNvSpPr>
+          <p:nvPr/>
+        </p:nvSpPr>
+        <p:spPr>
+          <a:xfrm rot="0">
+            <a:off x="5753100" y="1473200"/>
+            <a:ext cx="774700" cy="787400"/>
+          </a:xfrm>
+          <a:prstGeom prst="rect">
+            <a:avLst/>
+          </a:prstGeom>
+          <a:ln w="12700">
+            <a:solidFill>
+              <a:srgbClr val="000000"/>
+            </a:solidFill>
+            <a:prstDash val="solid"/>
+          </a:ln>
+        </p:spPr>
+        <p:txBody>
+          <a:bodyPr wrap="square" lIns="0" tIns="0" rIns="0" bIns="0" rtlCol="0" anchor="t"/>
+          <a:lstStyle/>
+          <a:p>
+            <a:pPr algn="ctr">
+              <a:lnSpc>
+                <a:spcPct val="100%"/>
+              </a:lnSpc>
+              <a:defRPr sz="1100">
+                <a:solidFill>
+                  <a:srgbClr val="000000"/>
+                </a:solidFill>
+                <a:latin typeface="맑은 고딕"/>
+                <a:ea typeface="맑은 고딕"/>
+                <a:cs typeface="맑은 고딕"/>
+              </a:defRPr>
+            </a:pPr>
+            <a:br/>
+            <a:r>
+              <a:rPr lang="ko" sz="1100">
+                <a:latin typeface="맑은 고딕"/>
+                <a:ea typeface="맑은 고딕"/>
+                <a:cs typeface="맑은 고딕"/>
+              </a:rPr>
+              <a:t>[보류]</a:t>
+            </a:r>
+            <a:br/>
+            <a:r>
+              <a:rPr lang="ko" sz="1100">
+                <a:latin typeface="맑은 고딕"/>
+                <a:ea typeface="맑은 고딕"/>
+                <a:cs typeface="맑은 고딕"/>
+              </a:rPr>
+              <a:t>[보류]</a:t>
+            </a:r>
+            <a:br/>
+          </a:p>
+        </p:txBody>
+      </p:sp>
+      <p:sp>
+        <p:nvSpPr>
+          <p:cNvPr id="1344438435" name="Text">
+    </p:cNvPr>
+          <p:cNvSpPr>
+            <a:spLocks noGrp="1"/>
+          </p:cNvSpPr>
+          <p:nvPr/>
+        </p:nvSpPr>
+        <p:spPr>
+          <a:xfrm rot="0">
+            <a:off x="368300" y="2260600"/>
+            <a:ext cx="812800" cy="812800"/>
+          </a:xfrm>
+          <a:prstGeom prst="rect">
+            <a:avLst/>
+          </a:prstGeom>
+          <a:ln w="12700">
+            <a:solidFill>
+              <a:srgbClr val="000000"/>
+            </a:solidFill>
+            <a:prstDash val="solid"/>
+          </a:ln>
+        </p:spPr>
+        <p:txBody>
+          <a:bodyPr wrap="square" lIns="0" tIns="0" rIns="0" bIns="0" rtlCol="0" anchor="ctr"/>
+          <a:lstStyle/>
+          <a:p>
+            <a:pPr algn="ctr">
+              <a:lnSpc>
+                <a:spcPct val="100%"/>
+              </a:lnSpc>
+              <a:defRPr sz="1100">
+                <a:solidFill>
+                  <a:srgbClr val="000000"/>
+                </a:solidFill>
+                <a:latin typeface="맑은 고딕"/>
+                <a:ea typeface="맑은 고딕"/>
+                <a:cs typeface="맑은 고딕"/>
+              </a:defRPr>
+            </a:pPr>
+            <a:r>
+              <a:rPr lang="ko" sz="1100">
+                <a:latin typeface="맑은 고딕"/>
+                <a:ea typeface="맑은 고딕"/>
+                <a:cs typeface="맑은 고딕"/>
+              </a:rPr>
+              <a:t>WEB</a:t>
+            </a:r>
+          </a:p>
+        </p:txBody>
+      </p:sp>
+      <p:sp>
+        <p:nvSpPr>
+          <p:cNvPr id="1870009522" name="Text">
+    </p:cNvPr>
+          <p:cNvSpPr>
+            <a:spLocks noGrp="1"/>
+          </p:cNvSpPr>
+          <p:nvPr/>
+        </p:nvSpPr>
+        <p:spPr>
+          <a:xfrm rot="0">
+            <a:off x="1181100" y="2260600"/>
+            <a:ext cx="4572000" cy="812800"/>
+          </a:xfrm>
+          <a:prstGeom prst="rect">
+            <a:avLst/>
+          </a:prstGeom>
+          <a:ln w="12700">
+            <a:solidFill>
+              <a:srgbClr val="000000"/>
+            </a:solidFill>
+            <a:prstDash val="solid"/>
+          </a:ln>
+        </p:spPr>
+        <p:txBody>
+          <a:bodyPr wrap="square" lIns="0" tIns="0" rIns="0" bIns="0" rtlCol="0" anchor="t"/>
+          <a:lstStyle/>
+          <a:p>
+            <a:pPr algn="l">
+              <a:lnSpc>
+                <a:spcPct val="100%"/>
+              </a:lnSpc>
+              <a:defRPr sz="1100">
+                <a:solidFill>
+                  <a:srgbClr val="000000"/>
+                </a:solidFill>
+                <a:latin typeface="맑은 고딕"/>
+                <a:ea typeface="맑은 고딕"/>
+                <a:cs typeface="맑은 고딕"/>
+              </a:defRPr>
+            </a:pPr>
+            <a:br/>
+            <a:r>
+              <a:rPr lang="ko" sz="1100">
+                <a:latin typeface="맑은 고딕"/>
+                <a:ea typeface="맑은 고딕"/>
+                <a:cs typeface="맑은 고딕"/>
+              </a:rPr>
+              <a:t> 2</a:t>
+            </a:r>
+            <a:br/>
+            <a:r>
+              <a:rPr lang="ko" sz="1100">
+                <a:latin typeface="맑은 고딕"/>
+                <a:ea typeface="맑은 고딕"/>
+                <a:cs typeface="맑은 고딕"/>
+              </a:rPr>
+              <a:t> 가나다</a:t>
+            </a:r>
+            <a:br/>
+          </a:p>
+        </p:txBody>
+      </p:sp>
+      <p:sp>
+        <p:nvSpPr>
+          <p:cNvPr id="83754388" name="Text">
+    </p:cNvPr>
+          <p:cNvSpPr>
+            <a:spLocks noGrp="1"/>
+          </p:cNvSpPr>
+          <p:nvPr/>
+        </p:nvSpPr>
+        <p:spPr>
+          <a:xfrm rot="0">
+            <a:off x="7543800" y="2260600"/>
+            <a:ext cx="2667000" cy="812800"/>
+          </a:xfrm>
+          <a:prstGeom prst="rect">
+            <a:avLst/>
+          </a:prstGeom>
+          <a:ln w="12700">
+            <a:solidFill>
+              <a:srgbClr val="000000"/>
+            </a:solidFill>
+            <a:prstDash val="solid"/>
+          </a:ln>
+        </p:spPr>
+        <p:txBody>
+          <a:bodyPr wrap="square" lIns="0" tIns="0" rIns="0" bIns="0" rtlCol="0" anchor="t"/>
+          <a:lstStyle/>
+          <a:p>
+            <a:pPr algn="l">
+              <a:lnSpc>
+                <a:spcPct val="100%"/>
+              </a:lnSpc>
+              <a:defRPr sz="1100">
+                <a:solidFill>
+                  <a:srgbClr val="000000"/>
+                </a:solidFill>
+                <a:latin typeface="맑은 고딕"/>
+                <a:ea typeface="맑은 고딕"/>
+                <a:cs typeface="맑은 고딕"/>
+              </a:defRPr>
+            </a:pPr>
+            <a:br/>
+            <a:r>
+              <a:rPr lang="ko" sz="1100">
+                <a:latin typeface="맑은 고딕"/>
+                <a:ea typeface="맑은 고딕"/>
+                <a:cs typeface="맑은 고딕"/>
+              </a:rPr>
+              <a:t>1</a:t>
+            </a:r>
+          </a:p>
+        </p:txBody>
+      </p:sp>
+      <p:sp>
+        <p:nvSpPr>
+          <p:cNvPr id="861458395" name="Text">
+    </p:cNvPr>
+          <p:cNvSpPr>
+            <a:spLocks noGrp="1"/>
+          </p:cNvSpPr>
+          <p:nvPr/>
+        </p:nvSpPr>
+        <p:spPr>
+          <a:xfrm rot="0">
+            <a:off x="6527800" y="2260600"/>
+            <a:ext cx="749300" cy="812800"/>
+          </a:xfrm>
+          <a:prstGeom prst="rect">
+            <a:avLst/>
+          </a:prstGeom>
+          <a:ln w="12700">
+            <a:solidFill>
+              <a:srgbClr val="000000"/>
+            </a:solidFill>
+            <a:prstDash val="solid"/>
+          </a:ln>
+        </p:spPr>
+        <p:txBody>
+          <a:bodyPr wrap="square" lIns="0" tIns="0" rIns="0" bIns="0" rtlCol="0" anchor="ctr"/>
+          <a:lstStyle/>
+          <a:p>
+            <a:pPr algn="ctr">
+              <a:lnSpc>
+                <a:spcPct val="100%"/>
+              </a:lnSpc>
+              <a:defRPr sz="1100">
+                <a:solidFill>
+                  <a:srgbClr val="000000"/>
+                </a:solidFill>
+                <a:latin typeface="맑은 고딕"/>
+                <a:ea typeface="맑은 고딕"/>
+                <a:cs typeface="맑은 고딕"/>
+              </a:defRPr>
+            </a:pPr>
+            <a:r>
+              <a:rPr lang="ko" sz="1100">
+                <a:latin typeface="맑은 고딕"/>
+                <a:ea typeface="맑은 고딕"/>
+                <a:cs typeface="맑은 고딕"/>
+              </a:rPr>
+              <a:t>1</a:t>
+            </a:r>
+          </a:p>
+        </p:txBody>
+      </p:sp>
+      <p:sp>
+        <p:nvSpPr>
+          <p:cNvPr id="2000385675" name="Text">
+    </p:cNvPr>
+          <p:cNvSpPr>
+            <a:spLocks noGrp="1"/>
+          </p:cNvSpPr>
+          <p:nvPr/>
+        </p:nvSpPr>
+        <p:spPr>
+          <a:xfrm rot="0">
+            <a:off x="5753100" y="2260600"/>
+            <a:ext cx="774700" cy="812800"/>
+          </a:xfrm>
+          <a:prstGeom prst="rect">
+            <a:avLst/>
+          </a:prstGeom>
+          <a:ln w="12700">
+            <a:solidFill>
+              <a:srgbClr val="000000"/>
+            </a:solidFill>
+            <a:prstDash val="solid"/>
+          </a:ln>
+        </p:spPr>
+        <p:txBody>
+          <a:bodyPr wrap="square" lIns="0" tIns="0" rIns="0" bIns="0" rtlCol="0" anchor="t"/>
+          <a:lstStyle/>
+          <a:p>
+            <a:pPr algn="ctr">
+              <a:lnSpc>
+                <a:spcPct val="100%"/>
+              </a:lnSpc>
+              <a:defRPr sz="1100">
+                <a:solidFill>
+                  <a:srgbClr val="000000"/>
+                </a:solidFill>
+                <a:latin typeface="맑은 고딕"/>
+                <a:ea typeface="맑은 고딕"/>
+                <a:cs typeface="맑은 고딕"/>
+              </a:defRPr>
+            </a:pPr>
+            <a:br/>
+            <a:r>
+              <a:rPr lang="ko" sz="1100">
+                <a:latin typeface="맑은 고딕"/>
+                <a:ea typeface="맑은 고딕"/>
+                <a:cs typeface="맑은 고딕"/>
+              </a:rPr>
+              <a:t>[보류]</a:t>
+            </a:r>
+            <a:br/>
+            <a:r>
+              <a:rPr lang="ko" sz="1100">
+                <a:latin typeface="맑은 고딕"/>
+                <a:ea typeface="맑은 고딕"/>
+                <a:cs typeface="맑은 고딕"/>
+              </a:rPr>
+              <a:t>[보류]</a:t>
+            </a:r>
+            <a:br/>
+          </a:p>
+        </p:txBody>
+      </p:sp>
+      <p:sp>
+        <p:nvSpPr>
+          <p:cNvPr id="683093850" name="Text">
+    </p:cNvPr>
+          <p:cNvSpPr>
+            <a:spLocks noGrp="1"/>
+          </p:cNvSpPr>
+          <p:nvPr/>
+        </p:nvSpPr>
+        <p:spPr>
+          <a:xfrm rot="0">
+            <a:off x="6553200" y="4572000"/>
+            <a:ext cx="3670300" cy="800100"/>
+          </a:xfrm>
+          <a:prstGeom prst="rect">
+            <a:avLst/>
+          </a:prstGeom>
+          <a:ln w="12700">
+            <a:solidFill>
+              <a:srgbClr val="000000"/>
+            </a:solidFill>
+            <a:prstDash val="solid"/>
+          </a:ln>
+        </p:spPr>
+        <p:txBody>
+          <a:bodyPr wrap="square" lIns="0" tIns="0" rIns="0" bIns="0" rtlCol="0" anchor="t"/>
+          <a:lstStyle/>
+          <a:p>
+            <a:pPr algn="l">
+              <a:lnSpc>
+                <a:spcPct val="100%"/>
+              </a:lnSpc>
+              <a:defRPr sz="1100">
+                <a:solidFill>
+                  <a:srgbClr val="000000"/>
+                </a:solidFill>
+                <a:latin typeface="맑은 고딕"/>
+                <a:ea typeface="맑은 고딕"/>
+                <a:cs typeface="맑은 고딕"/>
+              </a:defRPr>
+            </a:pPr>
+            <a:br/>
+          </a:p>
+        </p:txBody>
+      </p:sp>
+      <p:sp>
+        <p:nvSpPr>
+          <p:cNvPr id="1137534597" name="Text">
+    </p:cNvPr>
+          <p:cNvSpPr>
+            <a:spLocks noGrp="1"/>
+          </p:cNvSpPr>
+          <p:nvPr/>
+        </p:nvSpPr>
+        <p:spPr>
+          <a:xfrm rot="0">
+            <a:off x="5791200" y="4572000"/>
+            <a:ext cx="762000" cy="800100"/>
+          </a:xfrm>
+          <a:prstGeom prst="rect">
+            <a:avLst/>
+          </a:prstGeom>
+          <a:ln w="12700">
+            <a:solidFill>
+              <a:srgbClr val="000000"/>
+            </a:solidFill>
+            <a:prstDash val="solid"/>
+          </a:ln>
+        </p:spPr>
+        <p:txBody>
+          <a:bodyPr wrap="square" lIns="0" tIns="0" rIns="0" bIns="0" rtlCol="0" anchor="t"/>
+          <a:lstStyle/>
+          <a:p>
+            <a:pPr algn="ctr">
+              <a:lnSpc>
+                <a:spcPct val="100%"/>
+              </a:lnSpc>
+              <a:defRPr sz="1100">
+                <a:solidFill>
+                  <a:srgbClr val="000000"/>
+                </a:solidFill>
+                <a:latin typeface="맑은 고딕"/>
+                <a:ea typeface="맑은 고딕"/>
+                <a:cs typeface="맑은 고딕"/>
+              </a:defRPr>
+            </a:pPr>
+            <a:br/>
+            <a:r>
+              <a:rPr lang="ko" sz="1100">
+                <a:latin typeface="맑은 고딕"/>
+                <a:ea typeface="맑은 고딕"/>
+                <a:cs typeface="맑은 고딕"/>
+              </a:rPr>
+              <a:t>[보류]</a:t>
+            </a:r>
+            <a:br/>
+            <a:r>
+              <a:rPr lang="ko" sz="1100">
+                <a:latin typeface="맑은 고딕"/>
+                <a:ea typeface="맑은 고딕"/>
+                <a:cs typeface="맑은 고딕"/>
+              </a:rPr>
+              <a:t>[보류]</a:t>
+            </a:r>
+            <a:br/>
+          </a:p>
+        </p:txBody>
+      </p:sp>
+      <p:sp>
+        <p:nvSpPr>
+          <p:cNvPr id="907960112" name="Text">
+    </p:cNvPr>
+          <p:cNvSpPr>
+            <a:spLocks noGrp="1"/>
+          </p:cNvSpPr>
+          <p:nvPr/>
+        </p:nvSpPr>
+        <p:spPr>
+          <a:xfrm rot="0">
+            <a:off x="1181100" y="4572000"/>
+            <a:ext cx="4610100" cy="800100"/>
+          </a:xfrm>
+          <a:prstGeom prst="rect">
+            <a:avLst/>
+          </a:prstGeom>
+          <a:ln w="12700">
+            <a:solidFill>
+              <a:srgbClr val="000000"/>
+            </a:solidFill>
+            <a:prstDash val="solid"/>
+          </a:ln>
+        </p:spPr>
+        <p:txBody>
+          <a:bodyPr wrap="square" lIns="0" tIns="0" rIns="0" bIns="0" rtlCol="0" anchor="t"/>
+          <a:lstStyle/>
+          <a:p>
+            <a:pPr algn="l">
+              <a:lnSpc>
+                <a:spcPct val="100%"/>
+              </a:lnSpc>
+              <a:defRPr sz="1100">
+                <a:solidFill>
+                  <a:srgbClr val="000000"/>
+                </a:solidFill>
+                <a:latin typeface="맑은 고딕"/>
+                <a:ea typeface="맑은 고딕"/>
+                <a:cs typeface="맑은 고딕"/>
+              </a:defRPr>
+            </a:pPr>
+            <a:br/>
+            <a:r>
+              <a:rPr lang="ko" sz="1100">
+                <a:latin typeface="맑은 고딕"/>
+                <a:ea typeface="맑은 고딕"/>
+                <a:cs typeface="맑은 고딕"/>
+              </a:rPr>
+              <a:t> s</a:t>
+            </a:r>
+            <a:br/>
+            <a:r>
+              <a:rPr lang="ko" sz="1100">
+                <a:latin typeface="맑은 고딕"/>
+                <a:ea typeface="맑은 고딕"/>
+                <a:cs typeface="맑은 고딕"/>
+              </a:rPr>
+              <a:t> ㅓㅕㅗㅛㅜㅠ</a:t>
+            </a:r>
+            <a:br/>
+          </a:p>
+        </p:txBody>
+      </p:sp>
+      <p:sp>
+        <p:nvSpPr>
+          <p:cNvPr id="440264790" name="Text">
+    </p:cNvPr>
+          <p:cNvSpPr>
+            <a:spLocks noGrp="1"/>
+          </p:cNvSpPr>
+          <p:nvPr/>
+        </p:nvSpPr>
+        <p:spPr>
+          <a:xfrm rot="0">
+            <a:off x="368300" y="4572000"/>
+            <a:ext cx="812800" cy="800100"/>
+          </a:xfrm>
+          <a:prstGeom prst="rect">
+            <a:avLst/>
+          </a:prstGeom>
+          <a:ln w="12700">
+            <a:solidFill>
+              <a:srgbClr val="000000"/>
+            </a:solidFill>
+            <a:prstDash val="solid"/>
+          </a:ln>
+        </p:spPr>
+        <p:txBody>
+          <a:bodyPr wrap="square" lIns="0" tIns="0" rIns="0" bIns="0" rtlCol="0" anchor="ctr"/>
+          <a:lstStyle/>
+          <a:p>
+            <a:pPr algn="ctr">
+              <a:lnSpc>
+                <a:spcPct val="100%"/>
+              </a:lnSpc>
+              <a:defRPr sz="1100">
+                <a:solidFill>
+                  <a:srgbClr val="000000"/>
+                </a:solidFill>
+                <a:latin typeface="맑은 고딕"/>
+                <a:ea typeface="맑은 고딕"/>
+                <a:cs typeface="맑은 고딕"/>
+              </a:defRPr>
+            </a:pPr>
+            <a:r>
+              <a:rPr lang="ko" sz="1100">
+                <a:latin typeface="맑은 고딕"/>
+                <a:ea typeface="맑은 고딕"/>
+                <a:cs typeface="맑은 고딕"/>
+              </a:rPr>
+              <a:t>WEB</a:t>
+            </a:r>
+          </a:p>
+        </p:txBody>
+      </p:sp>
+      <p:sp>
+        <p:nvSpPr>
+          <p:cNvPr id="190962100" name="Rectangle"/>
+          <p:cNvSpPr>
+            <a:spLocks noGrp="1"/>
+          </p:cNvSpPr>
+          <p:nvPr/>
+        </p:nvSpPr>
+        <p:spPr>
+          <a:xfrm>
+            <a:off x="7277100" y="1473200"/>
+            <a:ext cx="266700" cy="787400"/>
+          </a:xfrm>
+          <a:prstGeom prst="rect">
+            <a:avLst/>
+          </a:prstGeom>
+          <a:solidFill>
+            <a:srgbClr val="FFFF00"/>
+          </a:solidFill>
+          <a:ln w="12700">
+            <a:solidFill>
+              <a:srgbClr val="000000"/>
+            </a:solidFill>
+            <a:prstDash val="solid"/>
+          </a:ln>
+        </p:spPr>
+        <p:txBody>
+          <a:bodyPr rtlCol="0" anchor="ctr"/>
+          <a:lstStyle/>
+          <a:p>
+            <a:pPr algn="ctr"/>
+          </a:p>
+        </p:txBody>
+      </p:sp>
+      <p:sp>
+        <p:nvSpPr>
+          <p:cNvPr id="598769427" name="Rectangle"/>
+          <p:cNvSpPr>
+            <a:spLocks noGrp="1"/>
+          </p:cNvSpPr>
+          <p:nvPr/>
+        </p:nvSpPr>
+        <p:spPr>
+          <a:xfrm>
+            <a:off x="7277100" y="2260600"/>
+            <a:ext cx="266700" cy="812800"/>
+          </a:xfrm>
+          <a:prstGeom prst="rect">
+            <a:avLst/>
+          </a:prstGeom>
+          <a:solidFill>
+            <a:srgbClr val="00FF00"/>
+          </a:solidFill>
+          <a:ln w="12700">
+            <a:solidFill>
+              <a:srgbClr val="000000"/>
+            </a:solidFill>
+            <a:prstDash val="solid"/>
+          </a:ln>
+        </p:spPr>
+        <p:txBody>
+          <a:bodyPr rtlCol="0" anchor="ctr"/>
+          <a:lstStyle/>
+          <a:p>
+            <a:pPr algn="ctr"/>
+          </a:p>
+        </p:txBody>
+      </p:sp>
+      <p:sp>
+        <p:nvSpPr>
+          <p:cNvPr id="1729319818" name="Text">
+    </p:cNvPr>
+          <p:cNvSpPr>
+            <a:spLocks noGrp="1"/>
+          </p:cNvSpPr>
+          <p:nvPr/>
+        </p:nvSpPr>
+        <p:spPr>
+          <a:xfrm rot="0">
+            <a:off x="190500" y="5473700"/>
+            <a:ext cx="2476500" cy="228600"/>
+          </a:xfrm>
+          <a:prstGeom prst="rect">
+            <a:avLst/>
+          </a:prstGeom>
+          <a:solidFill>
+            <a:srgbClr val="CCFFCC"/>
+          </a:solidFill>
+        </p:spPr>
+        <p:txBody>
+          <a:bodyPr wrap="square" lIns="0" tIns="0" rIns="0" bIns="0" rtlCol="0" anchor="ctr"/>
+          <a:lstStyle/>
+          <a:p>
+            <a:pPr algn="ctr">
+              <a:lnSpc>
+                <a:spcPct val="100%"/>
+              </a:lnSpc>
+              <a:defRPr sz="1000" b="1">
+                <a:solidFill>
+                  <a:srgbClr val="000000"/>
+                </a:solidFill>
+                <a:latin typeface="맑은 고딕"/>
+                <a:ea typeface="맑은 고딕"/>
+                <a:cs typeface="맑은 고딕"/>
+              </a:defRPr>
+            </a:pPr>
+            <a:r>
+              <a:rPr lang="ko" sz="1000" b="1">
+                <a:latin typeface="맑은 고딕"/>
+                <a:ea typeface="맑은 고딕"/>
+                <a:cs typeface="맑은 고딕"/>
+              </a:rPr>
+              <a:t>ERP 디버깅 권한신청 처리현황</a:t>
+            </a:r>
+          </a:p>
+        </p:txBody>
+      </p:sp>
+      <p:sp>
+        <p:nvSpPr>
+          <p:cNvPr id="312043622" name="Text">
+    </p:cNvPr>
+          <p:cNvSpPr>
+            <a:spLocks noGrp="1"/>
+          </p:cNvSpPr>
+          <p:nvPr/>
+        </p:nvSpPr>
+        <p:spPr>
+          <a:xfrm rot="0">
+            <a:off x="6858000" y="6007100"/>
+            <a:ext cx="1651000" cy="292100"/>
+          </a:xfrm>
+          <a:prstGeom prst="rect">
+            <a:avLst/>
+          </a:prstGeom>
+          <a:ln w="12700">
+            <a:solidFill>
+              <a:srgbClr val="000000"/>
+            </a:solidFill>
+            <a:prstDash val="solid"/>
+          </a:ln>
+        </p:spPr>
+        <p:txBody>
+          <a:bodyPr wrap="square" lIns="0" tIns="0" rIns="0" bIns="0" rtlCol="0" anchor="ctr"/>
+          <a:lstStyle/>
+          <a:p>
+            <a:pPr algn="ctr">
+              <a:lnSpc>
+                <a:spcPct val="100%"/>
+              </a:lnSpc>
+              <a:defRPr sz="1100">
+                <a:solidFill>
+                  <a:srgbClr val="000000"/>
+                </a:solidFill>
+                <a:latin typeface="맑은 고딕"/>
+                <a:ea typeface="맑은 고딕"/>
+                <a:cs typeface="맑은 고딕"/>
+              </a:defRPr>
+            </a:pPr>
+            <a:r>
+              <a:rPr lang="ko" sz="1100">
+                <a:latin typeface="맑은 고딕"/>
+                <a:ea typeface="맑은 고딕"/>
+                <a:cs typeface="맑은 고딕"/>
+              </a:rPr>
+              <a:t>4</a:t>
+            </a:r>
+          </a:p>
+        </p:txBody>
+      </p:sp>
+      <p:sp>
+        <p:nvSpPr>
+          <p:cNvPr id="397459448" name="Text">
+    </p:cNvPr>
+          <p:cNvSpPr>
+            <a:spLocks noGrp="1"/>
+          </p:cNvSpPr>
+          <p:nvPr/>
+        </p:nvSpPr>
+        <p:spPr>
+          <a:xfrm rot="0">
+            <a:off x="2463800" y="6007100"/>
+            <a:ext cx="4394200" cy="292100"/>
+          </a:xfrm>
+          <a:prstGeom prst="rect">
+            <a:avLst/>
+          </a:prstGeom>
+          <a:ln w="12700">
+            <a:solidFill>
+              <a:srgbClr val="000000"/>
+            </a:solidFill>
+            <a:prstDash val="solid"/>
+          </a:ln>
+        </p:spPr>
+        <p:txBody>
+          <a:bodyPr wrap="square" lIns="0" tIns="0" rIns="0" bIns="0" rtlCol="0" anchor="ctr"/>
+          <a:lstStyle/>
+          <a:p>
+            <a:pPr algn="ctr">
+              <a:lnSpc>
+                <a:spcPct val="100%"/>
+              </a:lnSpc>
+              <a:defRPr sz="1100">
+                <a:solidFill>
+                  <a:srgbClr val="000000"/>
+                </a:solidFill>
+                <a:latin typeface="맑은 고딕"/>
+                <a:ea typeface="맑은 고딕"/>
+                <a:cs typeface="맑은 고딕"/>
+              </a:defRPr>
+            </a:pPr>
+            <a:r>
+              <a:rPr lang="ko" sz="1100">
+                <a:latin typeface="맑은 고딕"/>
+                <a:ea typeface="맑은 고딕"/>
+                <a:cs typeface="맑은 고딕"/>
+              </a:rPr>
+              <a:t>3</a:t>
+            </a:r>
+          </a:p>
+        </p:txBody>
+      </p:sp>
+      <p:sp>
+        <p:nvSpPr>
+          <p:cNvPr id="936903418" name="Text">
+    </p:cNvPr>
+          <p:cNvSpPr>
+            <a:spLocks noGrp="1"/>
+          </p:cNvSpPr>
+          <p:nvPr/>
+        </p:nvSpPr>
+        <p:spPr>
+          <a:xfrm rot="0">
+            <a:off x="381000" y="6007100"/>
+            <a:ext cx="1270000" cy="292100"/>
+          </a:xfrm>
+          <a:prstGeom prst="rect">
+            <a:avLst/>
+          </a:prstGeom>
+          <a:ln w="12700">
+            <a:solidFill>
+              <a:srgbClr val="000000"/>
+            </a:solidFill>
+            <a:prstDash val="solid"/>
+          </a:ln>
+        </p:spPr>
+        <p:txBody>
+          <a:bodyPr wrap="square" lIns="0" tIns="0" rIns="0" bIns="0" rtlCol="0" anchor="ctr"/>
+          <a:lstStyle/>
+          <a:p>
+            <a:pPr algn="ctr">
+              <a:lnSpc>
+                <a:spcPct val="100%"/>
+              </a:lnSpc>
+              <a:defRPr sz="1100">
+                <a:solidFill>
+                  <a:srgbClr val="000000"/>
+                </a:solidFill>
+                <a:latin typeface="맑은 고딕"/>
+                <a:ea typeface="맑은 고딕"/>
+                <a:cs typeface="맑은 고딕"/>
+              </a:defRPr>
+            </a:pPr>
+            <a:r>
+              <a:rPr lang="ko" sz="1100">
+                <a:latin typeface="맑은 고딕"/>
+                <a:ea typeface="맑은 고딕"/>
+                <a:cs typeface="맑은 고딕"/>
+              </a:rPr>
+              <a:t>1</a:t>
+            </a:r>
+          </a:p>
+        </p:txBody>
+      </p:sp>
+      <p:sp>
+        <p:nvSpPr>
+          <p:cNvPr id="1244305544" name="Text">
+    </p:cNvPr>
+          <p:cNvSpPr>
+            <a:spLocks noGrp="1"/>
+          </p:cNvSpPr>
+          <p:nvPr/>
+        </p:nvSpPr>
+        <p:spPr>
+          <a:xfrm rot="0">
+            <a:off x="381000" y="5765800"/>
+            <a:ext cx="1270000" cy="241300"/>
+          </a:xfrm>
+          <a:prstGeom prst="rect">
+            <a:avLst/>
+          </a:prstGeom>
+          <a:solidFill>
+            <a:srgbClr val="FF9933"/>
+          </a:solidFill>
+          <a:ln w="12700">
+            <a:solidFill>
+              <a:srgbClr val="000000"/>
+            </a:solidFill>
+            <a:prstDash val="solid"/>
+          </a:ln>
+        </p:spPr>
+        <p:txBody>
+          <a:bodyPr wrap="square" lIns="0" tIns="0" rIns="0" bIns="0" rtlCol="0" anchor="ctr"/>
+          <a:lstStyle/>
+          <a:p>
+            <a:pPr algn="ctr">
+              <a:lnSpc>
+                <a:spcPct val="100%"/>
+              </a:lnSpc>
+              <a:defRPr sz="1000">
+                <a:solidFill>
+                  <a:srgbClr val="000000"/>
+                </a:solidFill>
+                <a:latin typeface="맑은 고딕"/>
+                <a:ea typeface="맑은 고딕"/>
+                <a:cs typeface="맑은 고딕"/>
+              </a:defRPr>
+            </a:pPr>
+            <a:r>
+              <a:rPr lang="ko" sz="1000">
+                <a:latin typeface="맑은 고딕"/>
+                <a:ea typeface="맑은 고딕"/>
+                <a:cs typeface="맑은 고딕"/>
+              </a:rPr>
+              <a:t>Date</a:t>
+            </a:r>
+          </a:p>
+        </p:txBody>
+      </p:sp>
+      <p:sp>
+        <p:nvSpPr>
+          <p:cNvPr id="321455091" name="Text">
+    </p:cNvPr>
+          <p:cNvSpPr>
+            <a:spLocks noGrp="1"/>
+          </p:cNvSpPr>
+          <p:nvPr/>
+        </p:nvSpPr>
+        <p:spPr>
+          <a:xfrm rot="0">
+            <a:off x="2463800" y="5765800"/>
+            <a:ext cx="4394200" cy="241300"/>
+          </a:xfrm>
+          <a:prstGeom prst="rect">
+            <a:avLst/>
+          </a:prstGeom>
+          <a:solidFill>
+            <a:srgbClr val="FF9933"/>
+          </a:solidFill>
+          <a:ln w="12700">
+            <a:solidFill>
+              <a:srgbClr val="000000"/>
+            </a:solidFill>
+            <a:prstDash val="solid"/>
+          </a:ln>
+        </p:spPr>
+        <p:txBody>
+          <a:bodyPr wrap="square" lIns="0" tIns="0" rIns="0" bIns="0" rtlCol="0" anchor="ctr"/>
+          <a:lstStyle/>
+          <a:p>
+            <a:pPr algn="ctr">
+              <a:lnSpc>
+                <a:spcPct val="100%"/>
+              </a:lnSpc>
+              <a:defRPr sz="1000">
+                <a:solidFill>
+                  <a:srgbClr val="000000"/>
+                </a:solidFill>
+                <a:latin typeface="맑은 고딕"/>
+                <a:ea typeface="맑은 고딕"/>
+                <a:cs typeface="맑은 고딕"/>
+              </a:defRPr>
+            </a:pPr>
+            <a:r>
+              <a:rPr lang="ko" sz="1000">
+                <a:latin typeface="맑은 고딕"/>
+                <a:ea typeface="맑은 고딕"/>
+                <a:cs typeface="맑은 고딕"/>
+              </a:rPr>
+              <a:t>Text (변경값)</a:t>
+            </a:r>
+          </a:p>
+        </p:txBody>
+      </p:sp>
+      <p:sp>
+        <p:nvSpPr>
+          <p:cNvPr id="24391953" name="Text">
+    </p:cNvPr>
+          <p:cNvSpPr>
+            <a:spLocks noGrp="1"/>
+          </p:cNvSpPr>
+          <p:nvPr/>
+        </p:nvSpPr>
+        <p:spPr>
+          <a:xfrm rot="0">
+            <a:off x="6858000" y="5765800"/>
+            <a:ext cx="1651000" cy="241300"/>
+          </a:xfrm>
+          <a:prstGeom prst="rect">
+            <a:avLst/>
+          </a:prstGeom>
+          <a:solidFill>
+            <a:srgbClr val="FF9933"/>
+          </a:solidFill>
+          <a:ln w="12700">
+            <a:solidFill>
+              <a:srgbClr val="000000"/>
+            </a:solidFill>
+            <a:prstDash val="solid"/>
+          </a:ln>
+        </p:spPr>
+        <p:txBody>
+          <a:bodyPr wrap="square" lIns="0" tIns="0" rIns="0" bIns="0" rtlCol="0" anchor="ctr"/>
+          <a:lstStyle/>
+          <a:p>
+            <a:pPr algn="ctr">
+              <a:lnSpc>
+                <a:spcPct val="100%"/>
+              </a:lnSpc>
+              <a:defRPr sz="1000">
+                <a:solidFill>
+                  <a:srgbClr val="000000"/>
+                </a:solidFill>
+                <a:latin typeface="맑은 고딕"/>
+                <a:ea typeface="맑은 고딕"/>
+                <a:cs typeface="맑은 고딕"/>
+              </a:defRPr>
+            </a:pPr>
+            <a:r>
+              <a:rPr lang="ko" sz="1000">
+                <a:latin typeface="맑은 고딕"/>
+                <a:ea typeface="맑은 고딕"/>
+                <a:cs typeface="맑은 고딕"/>
+              </a:rPr>
+              <a:t>ERP 권한신청서번호</a:t>
+            </a:r>
+          </a:p>
+        </p:txBody>
+      </p:sp>
+      <p:sp>
+        <p:nvSpPr>
+          <p:cNvPr id="1993092119" name="Text">
+    </p:cNvPr>
+          <p:cNvSpPr>
+            <a:spLocks noGrp="1"/>
+          </p:cNvSpPr>
+          <p:nvPr/>
+        </p:nvSpPr>
+        <p:spPr>
+          <a:xfrm rot="0">
+            <a:off x="381000" y="6299200"/>
+            <a:ext cx="1270000" cy="292100"/>
+          </a:xfrm>
+          <a:prstGeom prst="rect">
+            <a:avLst/>
+          </a:prstGeom>
+          <a:ln w="12700">
+            <a:solidFill>
+              <a:srgbClr val="000000"/>
+            </a:solidFill>
+            <a:prstDash val="solid"/>
+          </a:ln>
+        </p:spPr>
+        <p:txBody>
+          <a:bodyPr wrap="square" lIns="0" tIns="0" rIns="0" bIns="0" rtlCol="0" anchor="ctr"/>
+          <a:lstStyle/>
+          <a:p>
+            <a:pPr algn="ctr">
+              <a:lnSpc>
+                <a:spcPct val="100%"/>
+              </a:lnSpc>
+              <a:defRPr sz="1100">
+                <a:solidFill>
+                  <a:srgbClr val="000000"/>
+                </a:solidFill>
+                <a:latin typeface="맑은 고딕"/>
+                <a:ea typeface="맑은 고딕"/>
+                <a:cs typeface="맑은 고딕"/>
+              </a:defRPr>
+            </a:pPr>
+            <a:r>
+              <a:rPr lang="ko" sz="1100">
+                <a:latin typeface="맑은 고딕"/>
+                <a:ea typeface="맑은 고딕"/>
+                <a:cs typeface="맑은 고딕"/>
+              </a:rPr>
+              <a:t>r</a:t>
+            </a:r>
+          </a:p>
+        </p:txBody>
+      </p:sp>
+      <p:sp>
+        <p:nvSpPr>
+          <p:cNvPr id="1757156510" name="Text">
+    </p:cNvPr>
+          <p:cNvSpPr>
+            <a:spLocks noGrp="1"/>
+          </p:cNvSpPr>
+          <p:nvPr/>
+        </p:nvSpPr>
+        <p:spPr>
+          <a:xfrm rot="0">
+            <a:off x="6858000" y="6299200"/>
+            <a:ext cx="1651000" cy="292100"/>
+          </a:xfrm>
+          <a:prstGeom prst="rect">
+            <a:avLst/>
+          </a:prstGeom>
+          <a:ln w="12700">
+            <a:solidFill>
+              <a:srgbClr val="000000"/>
+            </a:solidFill>
+            <a:prstDash val="solid"/>
+          </a:ln>
+        </p:spPr>
+        <p:txBody>
+          <a:bodyPr wrap="square" lIns="0" tIns="0" rIns="0" bIns="0" rtlCol="0" anchor="ctr"/>
+          <a:lstStyle/>
+          <a:p>
+            <a:pPr algn="ctr">
+              <a:lnSpc>
+                <a:spcPct val="100%"/>
+              </a:lnSpc>
+              <a:defRPr sz="1100">
+                <a:solidFill>
+                  <a:srgbClr val="000000"/>
+                </a:solidFill>
+                <a:latin typeface="맑은 고딕"/>
+                <a:ea typeface="맑은 고딕"/>
+                <a:cs typeface="맑은 고딕"/>
+              </a:defRPr>
+            </a:pPr>
+            <a:r>
+              <a:rPr lang="ko" sz="1100">
+                <a:latin typeface="맑은 고딕"/>
+                <a:ea typeface="맑은 고딕"/>
+                <a:cs typeface="맑은 고딕"/>
+              </a:rPr>
+              <a:t>f</a:t>
+            </a:r>
+          </a:p>
+        </p:txBody>
+      </p:sp>
+      <p:sp>
+        <p:nvSpPr>
+          <p:cNvPr id="869377249" name="Text">
+    </p:cNvPr>
+          <p:cNvSpPr>
+            <a:spLocks noGrp="1"/>
+          </p:cNvSpPr>
+          <p:nvPr/>
+        </p:nvSpPr>
+        <p:spPr>
+          <a:xfrm rot="0">
+            <a:off x="2463800" y="6299200"/>
+            <a:ext cx="4394200" cy="292100"/>
+          </a:xfrm>
+          <a:prstGeom prst="rect">
+            <a:avLst/>
+          </a:prstGeom>
+          <a:ln w="12700">
+            <a:solidFill>
+              <a:srgbClr val="000000"/>
+            </a:solidFill>
+            <a:prstDash val="solid"/>
+          </a:ln>
+        </p:spPr>
+        <p:txBody>
+          <a:bodyPr wrap="square" lIns="0" tIns="0" rIns="0" bIns="0" rtlCol="0" anchor="ctr"/>
+          <a:lstStyle/>
+          <a:p>
+            <a:pPr algn="ctr">
+              <a:lnSpc>
+                <a:spcPct val="100%"/>
+              </a:lnSpc>
+              <a:defRPr sz="1100">
+                <a:solidFill>
+                  <a:srgbClr val="000000"/>
+                </a:solidFill>
+                <a:latin typeface="맑은 고딕"/>
+                <a:ea typeface="맑은 고딕"/>
+                <a:cs typeface="맑은 고딕"/>
+              </a:defRPr>
+            </a:pPr>
+            <a:r>
+              <a:rPr lang="ko" sz="1100">
+                <a:latin typeface="맑은 고딕"/>
+                <a:ea typeface="맑은 고딕"/>
+                <a:cs typeface="맑은 고딕"/>
+              </a:rPr>
+              <a:t>e</a:t>
+            </a:r>
+          </a:p>
+        </p:txBody>
+      </p:sp>
+      <p:sp>
+        <p:nvSpPr>
+          <p:cNvPr id="328070963" name="Text">
+    </p:cNvPr>
+          <p:cNvSpPr>
+            <a:spLocks noGrp="1"/>
+          </p:cNvSpPr>
+          <p:nvPr/>
+        </p:nvSpPr>
+        <p:spPr>
+          <a:xfrm rot="0">
+            <a:off x="1651000" y="6299200"/>
+            <a:ext cx="812800" cy="292100"/>
+          </a:xfrm>
+          <a:prstGeom prst="rect">
+            <a:avLst/>
+          </a:prstGeom>
+          <a:ln w="12700">
+            <a:solidFill>
+              <a:srgbClr val="000000"/>
+            </a:solidFill>
+            <a:prstDash val="solid"/>
+          </a:ln>
+        </p:spPr>
+        <p:txBody>
+          <a:bodyPr wrap="square" lIns="0" tIns="0" rIns="0" bIns="0" rtlCol="0" anchor="ctr"/>
+          <a:lstStyle/>
+          <a:p>
+            <a:pPr algn="ctr">
+              <a:lnSpc>
+                <a:spcPct val="100%"/>
+              </a:lnSpc>
+              <a:defRPr sz="1100">
+                <a:solidFill>
+                  <a:srgbClr val="000000"/>
+                </a:solidFill>
+                <a:latin typeface="맑은 고딕"/>
+                <a:ea typeface="맑은 고딕"/>
+                <a:cs typeface="맑은 고딕"/>
+              </a:defRPr>
+            </a:pPr>
+            <a:r>
+              <a:rPr lang="ko" sz="1100">
+                <a:latin typeface="맑은 고딕"/>
+                <a:ea typeface="맑은 고딕"/>
+                <a:cs typeface="맑은 고딕"/>
+              </a:rPr>
+              <a:t>s</a:t>
+            </a:r>
+          </a:p>
+        </p:txBody>
+      </p:sp>
+      <p:sp>
+        <p:nvSpPr>
+          <p:cNvPr id="70700481" name="Text">
+    </p:cNvPr>
+          <p:cNvSpPr>
+            <a:spLocks noGrp="1"/>
+          </p:cNvSpPr>
+          <p:nvPr/>
+        </p:nvSpPr>
+        <p:spPr>
+          <a:xfrm rot="0">
+            <a:off x="1651000" y="6007100"/>
+            <a:ext cx="812800" cy="292100"/>
+          </a:xfrm>
+          <a:prstGeom prst="rect">
+            <a:avLst/>
+          </a:prstGeom>
+          <a:ln w="12700">
+            <a:solidFill>
+              <a:srgbClr val="000000"/>
+            </a:solidFill>
+            <a:prstDash val="solid"/>
+          </a:ln>
+        </p:spPr>
+        <p:txBody>
+          <a:bodyPr wrap="square" lIns="0" tIns="0" rIns="0" bIns="0" rtlCol="0" anchor="ctr"/>
+          <a:lstStyle/>
+          <a:p>
+            <a:pPr algn="ctr">
+              <a:lnSpc>
+                <a:spcPct val="100%"/>
+              </a:lnSpc>
+              <a:defRPr sz="1100">
+                <a:solidFill>
+                  <a:srgbClr val="000000"/>
+                </a:solidFill>
+                <a:latin typeface="맑은 고딕"/>
+                <a:ea typeface="맑은 고딕"/>
+                <a:cs typeface="맑은 고딕"/>
+              </a:defRPr>
+            </a:pPr>
+            <a:r>
+              <a:rPr lang="ko" sz="1100">
+                <a:latin typeface="맑은 고딕"/>
+                <a:ea typeface="맑은 고딕"/>
+                <a:cs typeface="맑은 고딕"/>
+              </a:rPr>
+              <a:t>2</a:t>
+            </a:r>
+          </a:p>
+        </p:txBody>
+      </p:sp>
+      <p:sp>
+        <p:nvSpPr>
+          <p:cNvPr id="203829565" name="Text">
+    </p:cNvPr>
+          <p:cNvSpPr>
+            <a:spLocks noGrp="1"/>
+          </p:cNvSpPr>
+          <p:nvPr/>
+        </p:nvSpPr>
+        <p:spPr>
+          <a:xfrm rot="0">
+            <a:off x="1651000" y="5765800"/>
+            <a:ext cx="812800" cy="241300"/>
+          </a:xfrm>
+          <a:prstGeom prst="rect">
+            <a:avLst/>
+          </a:prstGeom>
+          <a:solidFill>
+            <a:srgbClr val="FF9933"/>
+          </a:solidFill>
+          <a:ln w="12700">
+            <a:solidFill>
+              <a:srgbClr val="000000"/>
+            </a:solidFill>
+            <a:prstDash val="solid"/>
+          </a:ln>
+        </p:spPr>
+        <p:txBody>
+          <a:bodyPr wrap="square" lIns="0" tIns="0" rIns="0" bIns="0" rtlCol="0" anchor="ctr"/>
+          <a:lstStyle/>
+          <a:p>
+            <a:pPr algn="ctr">
+              <a:lnSpc>
+                <a:spcPct val="100%"/>
+              </a:lnSpc>
+              <a:defRPr sz="1000">
+                <a:solidFill>
+                  <a:srgbClr val="000000"/>
+                </a:solidFill>
+                <a:latin typeface="맑은 고딕"/>
+                <a:ea typeface="맑은 고딕"/>
+                <a:cs typeface="맑은 고딕"/>
+              </a:defRPr>
+            </a:pPr>
+            <a:r>
+              <a:rPr lang="ko" sz="1000">
+                <a:latin typeface="맑은 고딕"/>
+                <a:ea typeface="맑은 고딕"/>
+                <a:cs typeface="맑은 고딕"/>
+              </a:rPr>
+              <a:t>User</a:t>
+            </a:r>
+          </a:p>
+        </p:txBody>
+      </p:sp>
+      <p:sp>
+        <p:nvSpPr>
+          <p:cNvPr id="854485748" name="Text">
+    </p:cNvPr>
+          <p:cNvSpPr>
+            <a:spLocks noGrp="1"/>
+          </p:cNvSpPr>
+          <p:nvPr/>
+        </p:nvSpPr>
+        <p:spPr>
+          <a:xfrm rot="0">
+            <a:off x="8509000" y="6299200"/>
+            <a:ext cx="1701800" cy="292100"/>
+          </a:xfrm>
+          <a:prstGeom prst="rect">
+            <a:avLst/>
+          </a:prstGeom>
+          <a:ln w="12700">
+            <a:solidFill>
+              <a:srgbClr val="000000"/>
+            </a:solidFill>
+            <a:prstDash val="solid"/>
+          </a:ln>
+        </p:spPr>
+        <p:txBody>
+          <a:bodyPr wrap="square" lIns="0" tIns="0" rIns="0" bIns="0" rtlCol="0" anchor="ctr"/>
+          <a:lstStyle/>
+          <a:p>
+            <a:pPr algn="ctr">
+              <a:lnSpc>
+                <a:spcPct val="100%"/>
+              </a:lnSpc>
+              <a:defRPr sz="1100">
+                <a:solidFill>
+                  <a:srgbClr val="000000"/>
+                </a:solidFill>
+                <a:latin typeface="맑은 고딕"/>
+                <a:ea typeface="맑은 고딕"/>
+                <a:cs typeface="맑은 고딕"/>
+              </a:defRPr>
+            </a:pPr>
+            <a:r>
+              <a:rPr lang="ko" sz="1100">
+                <a:latin typeface="맑은 고딕"/>
+                <a:ea typeface="맑은 고딕"/>
+                <a:cs typeface="맑은 고딕"/>
+              </a:rPr>
+              <a:t>a</a:t>
+            </a:r>
+          </a:p>
+        </p:txBody>
+      </p:sp>
+      <p:sp>
+        <p:nvSpPr>
+          <p:cNvPr id="1319516149" name="Text">
+    </p:cNvPr>
+          <p:cNvSpPr>
+            <a:spLocks noGrp="1"/>
+          </p:cNvSpPr>
+          <p:nvPr/>
+        </p:nvSpPr>
+        <p:spPr>
+          <a:xfrm rot="0">
+            <a:off x="8509000" y="5765800"/>
+            <a:ext cx="1701800" cy="241300"/>
+          </a:xfrm>
+          <a:prstGeom prst="rect">
+            <a:avLst/>
+          </a:prstGeom>
+          <a:solidFill>
+            <a:srgbClr val="FF9933"/>
+          </a:solidFill>
+          <a:ln w="12700">
+            <a:solidFill>
+              <a:srgbClr val="000000"/>
+            </a:solidFill>
+            <a:prstDash val="solid"/>
+          </a:ln>
+        </p:spPr>
+        <p:txBody>
+          <a:bodyPr wrap="square" lIns="0" tIns="0" rIns="0" bIns="0" rtlCol="0" anchor="ctr"/>
+          <a:lstStyle/>
+          <a:p>
+            <a:pPr algn="ctr">
+              <a:lnSpc>
+                <a:spcPct val="100%"/>
+              </a:lnSpc>
+              <a:defRPr sz="1000">
+                <a:solidFill>
+                  <a:srgbClr val="000000"/>
+                </a:solidFill>
+                <a:latin typeface="맑은 고딕"/>
+                <a:ea typeface="맑은 고딕"/>
+                <a:cs typeface="맑은 고딕"/>
+              </a:defRPr>
+            </a:pPr>
+            <a:r>
+              <a:rPr lang="ko" sz="1000">
+                <a:latin typeface="맑은 고딕"/>
+                <a:ea typeface="맑은 고딕"/>
+                <a:cs typeface="맑은 고딕"/>
+              </a:rPr>
+              <a:t>구분(일반/긴급)</a:t>
+            </a:r>
+          </a:p>
+        </p:txBody>
+      </p:sp>
+      <p:sp>
+        <p:nvSpPr>
+          <p:cNvPr id="2085397285" name="Text">
+    </p:cNvPr>
+          <p:cNvSpPr>
+            <a:spLocks noGrp="1"/>
+          </p:cNvSpPr>
+          <p:nvPr/>
+        </p:nvSpPr>
+        <p:spPr>
+          <a:xfrm rot="0">
+            <a:off x="8509000" y="6007100"/>
+            <a:ext cx="1701800" cy="292100"/>
+          </a:xfrm>
+          <a:prstGeom prst="rect">
+            <a:avLst/>
+          </a:prstGeom>
+          <a:ln w="12700">
+            <a:solidFill>
+              <a:srgbClr val="000000"/>
+            </a:solidFill>
+            <a:prstDash val="solid"/>
+          </a:ln>
+        </p:spPr>
+        <p:txBody>
+          <a:bodyPr wrap="square" lIns="0" tIns="0" rIns="0" bIns="0" rtlCol="0" anchor="ctr"/>
+          <a:lstStyle/>
+          <a:p>
+            <a:pPr algn="ctr">
+              <a:lnSpc>
+                <a:spcPct val="100%"/>
+              </a:lnSpc>
+              <a:defRPr sz="1100">
+                <a:solidFill>
+                  <a:srgbClr val="000000"/>
+                </a:solidFill>
+                <a:latin typeface="맑은 고딕"/>
+                <a:ea typeface="맑은 고딕"/>
+                <a:cs typeface="맑은 고딕"/>
+              </a:defRPr>
+            </a:pPr>
+            <a:r>
+              <a:rPr lang="ko" sz="1100">
+                <a:latin typeface="맑은 고딕"/>
+                <a:ea typeface="맑은 고딕"/>
+                <a:cs typeface="맑은 고딕"/>
+              </a:rPr>
+              <a:t>5</a:t>
+            </a:r>
+          </a:p>
+        </p:txBody>
+      </p:sp>
+      <p:sp>
+        <p:nvSpPr>
+          <p:cNvPr id="1105119816" name="Text">
+    </p:cNvPr>
+          <p:cNvSpPr>
+            <a:spLocks noGrp="1"/>
+          </p:cNvSpPr>
+          <p:nvPr/>
+        </p:nvSpPr>
+        <p:spPr>
+          <a:xfrm rot="0">
+            <a:off x="4826000" y="6921500"/>
+            <a:ext cx="1270000" cy="381000"/>
+          </a:xfrm>
+          <a:prstGeom prst="rect">
+            <a:avLst/>
+          </a:prstGeom>
+        </p:spPr>
+        <p:txBody>
+          <a:bodyPr wrap="square" lIns="0" tIns="0" rIns="0" bIns="0" rtlCol="0" anchor="b"/>
+          <a:lstStyle/>
+          <a:p>
+            <a:pPr algn="ctr">
+              <a:lnSpc>
+                <a:spcPct val="100%"/>
+              </a:lnSpc>
+              <a:defRPr sz="1000" b="1">
+                <a:solidFill>
+                  <a:srgbClr val="000000"/>
+                </a:solidFill>
+                <a:latin typeface="SansSerif"/>
+                <a:ea typeface="SansSerif"/>
+                <a:cs typeface="SansSerif"/>
+              </a:defRPr>
+            </a:pPr>
+            <a:r>
+              <a:rPr lang="ko" sz="1000" b="1">
+                <a:latin typeface="SansSerif"/>
+                <a:ea typeface="SansSerif"/>
+                <a:cs typeface="SansSerif"/>
+              </a:rPr>
+              <a:t>5</a:t>
+            </a:r>
+          </a:p>
+        </p:txBody>
+      </p:sp>
+      <p:pic>
+        <p:nvPicPr>
+          <p:cNvPr id="2531661" name="Picture">
+    </p:cNvPr>
+          <p:cNvPicPr>
+            <a:picLocks noChangeAspect="1"/>
+          </p:cNvPicPr>
+          <p:nvPr/>
+        </p:nvPicPr>
+        <p:blipFill>
+          <a:blip r:embed="img_0_0_55.jpg"/>
+          <a:srcRect/>
+          <a:stretch>
+            <a:fillRect l="0" t="0" r="0" b="5555"/>
+          </a:stretch>
+        </p:blipFill>
+        <p:spPr>
+          <a:xfrm rot="0">
+            <a:off x="254000" y="6845300"/>
+            <a:ext cx="1143000" cy="457200"/>
+          </a:xfrm>
+          <a:prstGeom prst="rect">
+            <a:avLst/>
+          </a:prstGeom>
+        </p:spPr>
+      </p:pic>
+    </p:spTree>
+  </p:cSld>
+  <p:clrMapOvr>
+    <a:masterClrMapping/>
+  </p:clrMapOvr>
+</p:sld>
+</file>
+
+<file path=ppt/slides/slide3.xml><?xml version="1.0" encoding="utf-8"?>
+<p:sld xmlns:a="http://schemas.openxmlformats.org/drawingml/2006/main" xmlns:r="http://schemas.openxmlformats.org/officeDocument/2006/relationships" xmlns:p="http://schemas.openxmlformats.org/presentationml/2006/main">
+  <p:cSld>
+    <p:spTree>
+      <p:nvGrpSpPr>
+        <p:cNvPr id="1" name=""/>
+        <p:cNvGrpSpPr/>
+        <p:nvPr/>
+      </p:nvGrpSpPr>
+      <p:grpSpPr>
+        <a:xfrm>
+          <a:off x="0" y="0"/>
+          <a:ext cx="0" cy="0"/>
+          <a:chOff x="0" y="0"/>
+          <a:chExt cx="0" cy="0"/>
+        </a:xfrm>
+      </p:grpSpPr>
+      <p:sp>
+        <p:nvSpPr>
+          <p:cNvPr id="1362623606" name="Text">
+    </p:cNvPr>
+          <p:cNvSpPr>
+            <a:spLocks noGrp="1"/>
+          </p:cNvSpPr>
+          <p:nvPr/>
+        </p:nvSpPr>
+        <p:spPr>
+          <a:xfrm rot="0">
+            <a:off x="127000" y="381000"/>
+            <a:ext cx="5181600" cy="381000"/>
+          </a:xfrm>
+          <a:prstGeom prst="rect">
+            <a:avLst/>
+          </a:prstGeom>
+        </p:spPr>
+        <p:txBody>
+          <a:bodyPr wrap="square" lIns="0" tIns="0" rIns="0" bIns="0" rtlCol="0" anchor="t"/>
+          <a:lstStyle/>
+          <a:p>
+            <a:pPr algn="l">
+              <a:lnSpc>
+                <a:spcPct val="100%"/>
+              </a:lnSpc>
+              <a:defRPr sz="1800" b="1">
+                <a:solidFill>
+                  <a:srgbClr val="000000"/>
+                </a:solidFill>
+                <a:latin typeface="맑은 고딕"/>
+                <a:ea typeface="맑은 고딕"/>
+                <a:cs typeface="맑은 고딕"/>
+              </a:defRPr>
+            </a:pPr>
+            <a:r>
+              <a:rPr lang="ko" sz="1800" b="1">
+                <a:latin typeface="맑은 고딕"/>
+                <a:ea typeface="맑은 고딕"/>
+                <a:cs typeface="맑은 고딕"/>
+              </a:rPr>
+              <a:t>2. Summary - ①Baynex</a:t>
+            </a:r>
+          </a:p>
+        </p:txBody>
+      </p:sp>
+      <p:sp>
+        <p:nvSpPr>
+          <p:cNvPr id="1689129940" name="Line"/>
+          <p:cNvSpPr>
+            <a:spLocks noGrp="1"/>
+          </p:cNvSpPr>
+          <p:nvPr/>
+        </p:nvSpPr>
+        <p:spPr>
+          <a:xfrm>
+            <a:off x="127000" y="762000"/>
+            <a:ext cx="10287000" cy="0"/>
+          </a:xfrm>
+          <a:prstGeom prst="line">
+            <a:avLst/>
+          </a:prstGeom>
+          <a:solidFill>
+            <a:srgbClr val="FFFFFF"/>
+          </a:solidFill>
+          <a:ln w="12700">
+            <a:solidFill>
+              <a:srgbClr val="000000"/>
+            </a:solidFill>
+            <a:prstDash val="solid"/>
+          </a:ln>
+        </p:spPr>
+        <p:txBody>
+          <a:bodyPr rtlCol="0" anchor="ctr"/>
+          <a:lstStyle/>
+          <a:p>
+            <a:pPr algn="ctr"/>
+          </a:p>
+        </p:txBody>
+      </p:sp>
+      <p:sp>
+        <p:nvSpPr>
+          <p:cNvPr id="447338829" name="Text">
+    </p:cNvPr>
+          <p:cNvSpPr>
+            <a:spLocks noGrp="1"/>
+          </p:cNvSpPr>
+          <p:nvPr/>
+        </p:nvSpPr>
+        <p:spPr>
+          <a:xfrm rot="0">
+            <a:off x="9652000" y="292100"/>
+            <a:ext cx="762000" cy="508000"/>
+          </a:xfrm>
+          <a:prstGeom prst="rect">
+            <a:avLst/>
+          </a:prstGeom>
+        </p:spPr>
+        <p:txBody>
+          <a:bodyPr wrap="square" lIns="0" tIns="0" rIns="0" bIns="0" rtlCol="0" anchor="t"/>
+          <a:lstStyle/>
+          <a:p>
+            <a:pPr algn="l">
+              <a:lnSpc>
+                <a:spcPct val="100%"/>
+              </a:lnSpc>
+              <a:defRPr sz="800">
+                <a:solidFill>
+                  <a:srgbClr val="000000"/>
+                </a:solidFill>
+                <a:latin typeface="맑은 고딕"/>
+                <a:ea typeface="맑은 고딕"/>
+                <a:cs typeface="맑은 고딕"/>
+              </a:defRPr>
+            </a:pPr>
+            <a:r>
+              <a:rPr lang="ko" sz="800">
+                <a:latin typeface="맑은 고딕"/>
+                <a:ea typeface="맑은 고딕"/>
+                <a:cs typeface="맑은 고딕"/>
+              </a:rPr>
+              <a:t>: 완료</a:t>
+            </a:r>
+            <a:br/>
+            <a:r>
+              <a:rPr lang="ko" sz="800">
+                <a:latin typeface="맑은 고딕"/>
+                <a:ea typeface="맑은 고딕"/>
+                <a:cs typeface="맑은 고딕"/>
+              </a:rPr>
+              <a:t>:진행중</a:t>
+            </a:r>
+            <a:br/>
+            <a:r>
+              <a:rPr lang="ko" sz="800">
+                <a:latin typeface="맑은 고딕"/>
+                <a:ea typeface="맑은 고딕"/>
+                <a:cs typeface="맑은 고딕"/>
+              </a:rPr>
+              <a:t>:미완료(문제)</a:t>
+            </a:r>
+          </a:p>
+        </p:txBody>
+      </p:sp>
+      <p:sp>
+        <p:nvSpPr>
+          <p:cNvPr id="462896035" name="Rectangle"/>
+          <p:cNvSpPr>
+            <a:spLocks noGrp="1"/>
+          </p:cNvSpPr>
+          <p:nvPr/>
+        </p:nvSpPr>
+        <p:spPr>
+          <a:xfrm>
+            <a:off x="9271000" y="266700"/>
+            <a:ext cx="266700" cy="139700"/>
+          </a:xfrm>
+          <a:prstGeom prst="rect">
+            <a:avLst/>
+          </a:prstGeom>
+          <a:solidFill>
+            <a:srgbClr val="00FF00"/>
+          </a:solidFill>
+          <a:ln w="12700">
+            <a:solidFill>
+              <a:srgbClr val="FFFFFF"/>
+            </a:solidFill>
+            <a:prstDash val="solid"/>
+          </a:ln>
+        </p:spPr>
+        <p:txBody>
+          <a:bodyPr rtlCol="0" anchor="ctr"/>
+          <a:lstStyle/>
+          <a:p>
+            <a:pPr algn="ctr"/>
+          </a:p>
+        </p:txBody>
+      </p:sp>
+      <p:sp>
+        <p:nvSpPr>
+          <p:cNvPr id="1974313195" name="Rectangle"/>
+          <p:cNvSpPr>
+            <a:spLocks noGrp="1"/>
+          </p:cNvSpPr>
+          <p:nvPr/>
+        </p:nvSpPr>
+        <p:spPr>
+          <a:xfrm>
+            <a:off x="9271000" y="419100"/>
+            <a:ext cx="266700" cy="139700"/>
+          </a:xfrm>
+          <a:prstGeom prst="rect">
+            <a:avLst/>
+          </a:prstGeom>
+          <a:solidFill>
+            <a:srgbClr val="FFFF00"/>
+          </a:solidFill>
+          <a:ln w="12700">
+            <a:solidFill>
+              <a:srgbClr val="FFFFFF"/>
+            </a:solidFill>
+            <a:prstDash val="solid"/>
+          </a:ln>
+        </p:spPr>
+        <p:txBody>
+          <a:bodyPr rtlCol="0" anchor="ctr"/>
+          <a:lstStyle/>
+          <a:p>
+            <a:pPr algn="ctr"/>
+          </a:p>
+        </p:txBody>
+      </p:sp>
+      <p:sp>
+        <p:nvSpPr>
+          <p:cNvPr id="1627995449" name="Rectangle"/>
+          <p:cNvSpPr>
+            <a:spLocks noGrp="1"/>
+          </p:cNvSpPr>
+          <p:nvPr/>
+        </p:nvSpPr>
+        <p:spPr>
+          <a:xfrm>
+            <a:off x="9271000" y="571500"/>
+            <a:ext cx="266700" cy="139700"/>
+          </a:xfrm>
+          <a:prstGeom prst="rect">
+            <a:avLst/>
+          </a:prstGeom>
+          <a:solidFill>
+            <a:srgbClr val="FF0000"/>
+          </a:solidFill>
+          <a:ln w="12700">
+            <a:solidFill>
+              <a:srgbClr val="FFFFFF"/>
+            </a:solidFill>
+            <a:prstDash val="solid"/>
+          </a:ln>
+        </p:spPr>
+        <p:txBody>
+          <a:bodyPr rtlCol="0" anchor="ctr"/>
+          <a:lstStyle/>
+          <a:p>
+            <a:pPr algn="ctr"/>
+          </a:p>
+        </p:txBody>
+      </p:sp>
+      <p:sp>
+        <p:nvSpPr>
+          <p:cNvPr id="893314020" name="Text">
+    </p:cNvPr>
+          <p:cNvSpPr>
+            <a:spLocks noGrp="1"/>
+          </p:cNvSpPr>
+          <p:nvPr/>
+        </p:nvSpPr>
+        <p:spPr>
+          <a:xfrm rot="0">
+            <a:off x="6553200" y="3771900"/>
+            <a:ext cx="3670300" cy="800100"/>
+          </a:xfrm>
+          <a:prstGeom prst="rect">
+            <a:avLst/>
+          </a:prstGeom>
+          <a:ln w="12700">
+            <a:solidFill>
+              <a:srgbClr val="000000"/>
+            </a:solidFill>
+            <a:prstDash val="solid"/>
+          </a:ln>
+        </p:spPr>
+        <p:txBody>
+          <a:bodyPr wrap="square" lIns="0" tIns="0" rIns="0" bIns="0" rtlCol="0" anchor="t"/>
+          <a:lstStyle/>
+          <a:p>
+            <a:pPr algn="l">
+              <a:lnSpc>
+                <a:spcPct val="100%"/>
+              </a:lnSpc>
+              <a:defRPr sz="1100">
+                <a:solidFill>
+                  <a:srgbClr val="000000"/>
+                </a:solidFill>
+                <a:latin typeface="맑은 고딕"/>
+                <a:ea typeface="맑은 고딕"/>
+                <a:cs typeface="맑은 고딕"/>
+              </a:defRPr>
+            </a:pPr>
+            <a:br/>
+          </a:p>
+        </p:txBody>
+      </p:sp>
+      <p:sp>
+        <p:nvSpPr>
+          <p:cNvPr id="399936707" name="Text">
+    </p:cNvPr>
+          <p:cNvSpPr>
+            <a:spLocks noGrp="1"/>
+          </p:cNvSpPr>
+          <p:nvPr/>
+        </p:nvSpPr>
+        <p:spPr>
+          <a:xfrm rot="0">
+            <a:off x="5791200" y="3771900"/>
+            <a:ext cx="762000" cy="800100"/>
+          </a:xfrm>
+          <a:prstGeom prst="rect">
+            <a:avLst/>
+          </a:prstGeom>
+          <a:ln w="12700">
+            <a:solidFill>
+              <a:srgbClr val="000000"/>
+            </a:solidFill>
+            <a:prstDash val="solid"/>
+          </a:ln>
+        </p:spPr>
+        <p:txBody>
+          <a:bodyPr wrap="square" lIns="0" tIns="0" rIns="0" bIns="0" rtlCol="0" anchor="t"/>
+          <a:lstStyle/>
+          <a:p>
+            <a:pPr algn="ctr">
+              <a:lnSpc>
+                <a:spcPct val="100%"/>
+              </a:lnSpc>
+              <a:defRPr sz="1100">
+                <a:solidFill>
+                  <a:srgbClr val="000000"/>
+                </a:solidFill>
+                <a:latin typeface="맑은 고딕"/>
+                <a:ea typeface="맑은 고딕"/>
+                <a:cs typeface="맑은 고딕"/>
+              </a:defRPr>
+            </a:pPr>
+            <a:br/>
+            <a:r>
+              <a:rPr lang="ko" sz="1100">
+                <a:latin typeface="맑은 고딕"/>
+                <a:ea typeface="맑은 고딕"/>
+                <a:cs typeface="맑은 고딕"/>
+              </a:rPr>
+              <a:t>[보류]</a:t>
+            </a:r>
+            <a:br/>
+          </a:p>
+        </p:txBody>
+      </p:sp>
+      <p:sp>
+        <p:nvSpPr>
+          <p:cNvPr id="266652714" name="Text">
+    </p:cNvPr>
+          <p:cNvSpPr>
+            <a:spLocks noGrp="1"/>
+          </p:cNvSpPr>
+          <p:nvPr/>
+        </p:nvSpPr>
+        <p:spPr>
+          <a:xfrm rot="0">
+            <a:off x="1181100" y="3771900"/>
+            <a:ext cx="4610100" cy="800100"/>
+          </a:xfrm>
+          <a:prstGeom prst="rect">
+            <a:avLst/>
+          </a:prstGeom>
+          <a:ln w="12700">
+            <a:solidFill>
+              <a:srgbClr val="000000"/>
+            </a:solidFill>
+            <a:prstDash val="solid"/>
+          </a:ln>
+        </p:spPr>
+        <p:txBody>
+          <a:bodyPr wrap="square" lIns="0" tIns="0" rIns="0" bIns="0" rtlCol="0" anchor="t"/>
+          <a:lstStyle/>
+          <a:p>
+            <a:pPr algn="l">
+              <a:lnSpc>
+                <a:spcPct val="100%"/>
+              </a:lnSpc>
+              <a:defRPr sz="1100">
+                <a:solidFill>
+                  <a:srgbClr val="000000"/>
+                </a:solidFill>
+                <a:latin typeface="맑은 고딕"/>
+                <a:ea typeface="맑은 고딕"/>
+                <a:cs typeface="맑은 고딕"/>
+              </a:defRPr>
+            </a:pPr>
+            <a:br/>
+            <a:r>
+              <a:rPr lang="ko" sz="1100">
+                <a:latin typeface="맑은 고딕"/>
+                <a:ea typeface="맑은 고딕"/>
+                <a:cs typeface="맑은 고딕"/>
+              </a:rPr>
+              <a:t> 123123</a:t>
+            </a:r>
+            <a:br/>
+          </a:p>
+        </p:txBody>
+      </p:sp>
+      <p:sp>
+        <p:nvSpPr>
+          <p:cNvPr id="657250330" name="Text">
+    </p:cNvPr>
+          <p:cNvSpPr>
+            <a:spLocks noGrp="1"/>
+          </p:cNvSpPr>
+          <p:nvPr/>
+        </p:nvSpPr>
+        <p:spPr>
+          <a:xfrm rot="0">
+            <a:off x="368300" y="3771900"/>
+            <a:ext cx="812800" cy="800100"/>
+          </a:xfrm>
+          <a:prstGeom prst="rect">
+            <a:avLst/>
+          </a:prstGeom>
+          <a:ln w="12700">
+            <a:solidFill>
+              <a:srgbClr val="000000"/>
+            </a:solidFill>
+            <a:prstDash val="solid"/>
+          </a:ln>
+        </p:spPr>
+        <p:txBody>
+          <a:bodyPr wrap="square" lIns="0" tIns="0" rIns="0" bIns="0" rtlCol="0" anchor="ctr"/>
+          <a:lstStyle/>
+          <a:p>
+            <a:pPr algn="ctr">
+              <a:lnSpc>
+                <a:spcPct val="100%"/>
+              </a:lnSpc>
+              <a:defRPr sz="1100">
+                <a:solidFill>
+                  <a:srgbClr val="000000"/>
+                </a:solidFill>
+                <a:latin typeface="맑은 고딕"/>
+                <a:ea typeface="맑은 고딕"/>
+                <a:cs typeface="맑은 고딕"/>
+              </a:defRPr>
+            </a:pPr>
+            <a:r>
+              <a:rPr lang="ko" sz="1100">
+                <a:latin typeface="맑은 고딕"/>
+                <a:ea typeface="맑은 고딕"/>
+                <a:cs typeface="맑은 고딕"/>
+              </a:rPr>
+              <a:t>ERP</a:t>
+            </a:r>
+          </a:p>
+        </p:txBody>
+      </p:sp>
+      <p:sp>
+        <p:nvSpPr>
+          <p:cNvPr id="1708080856" name="Text">
+    </p:cNvPr>
+          <p:cNvSpPr>
+            <a:spLocks noGrp="1"/>
+          </p:cNvSpPr>
+          <p:nvPr/>
+        </p:nvSpPr>
+        <p:spPr>
+          <a:xfrm rot="0">
+            <a:off x="368300" y="1473200"/>
+            <a:ext cx="812800" cy="787400"/>
+          </a:xfrm>
+          <a:prstGeom prst="rect">
+            <a:avLst/>
+          </a:prstGeom>
+          <a:ln w="12700">
+            <a:solidFill>
+              <a:srgbClr val="000000"/>
+            </a:solidFill>
+            <a:prstDash val="solid"/>
+          </a:ln>
+        </p:spPr>
+        <p:txBody>
+          <a:bodyPr wrap="square" lIns="0" tIns="0" rIns="0" bIns="0" rtlCol="0" anchor="ctr"/>
+          <a:lstStyle/>
+          <a:p>
+            <a:pPr algn="ctr">
+              <a:lnSpc>
+                <a:spcPct val="100%"/>
+              </a:lnSpc>
+              <a:defRPr sz="1100">
+                <a:solidFill>
+                  <a:srgbClr val="000000"/>
+                </a:solidFill>
+                <a:latin typeface="맑은 고딕"/>
+                <a:ea typeface="맑은 고딕"/>
+                <a:cs typeface="맑은 고딕"/>
+              </a:defRPr>
+            </a:pPr>
+            <a:r>
+              <a:rPr lang="ko" sz="1100">
+                <a:latin typeface="맑은 고딕"/>
+                <a:ea typeface="맑은 고딕"/>
+                <a:cs typeface="맑은 고딕"/>
+              </a:rPr>
+              <a:t>ERP</a:t>
+            </a:r>
+          </a:p>
+        </p:txBody>
+      </p:sp>
+      <p:sp>
+        <p:nvSpPr>
+          <p:cNvPr id="1180436022" name="Text">
+    </p:cNvPr>
+          <p:cNvSpPr>
+            <a:spLocks noGrp="1"/>
+          </p:cNvSpPr>
+          <p:nvPr/>
+        </p:nvSpPr>
+        <p:spPr>
+          <a:xfrm rot="0">
+            <a:off x="1181100" y="1473200"/>
+            <a:ext cx="4572000" cy="787400"/>
+          </a:xfrm>
+          <a:prstGeom prst="rect">
+            <a:avLst/>
+          </a:prstGeom>
+          <a:ln w="12700">
+            <a:solidFill>
+              <a:srgbClr val="000000"/>
+            </a:solidFill>
+            <a:prstDash val="solid"/>
+          </a:ln>
+        </p:spPr>
+        <p:txBody>
+          <a:bodyPr wrap="square" lIns="0" tIns="0" rIns="0" bIns="0" rtlCol="0" anchor="t"/>
+          <a:lstStyle/>
+          <a:p>
+            <a:pPr algn="l">
+              <a:lnSpc>
+                <a:spcPct val="100%"/>
+              </a:lnSpc>
+              <a:defRPr sz="1100">
+                <a:solidFill>
+                  <a:srgbClr val="000000"/>
+                </a:solidFill>
+                <a:latin typeface="맑은 고딕"/>
+                <a:ea typeface="맑은 고딕"/>
+                <a:cs typeface="맑은 고딕"/>
+              </a:defRPr>
+            </a:pPr>
+            <a:br/>
+            <a:r>
+              <a:rPr lang="ko" sz="1100">
+                <a:latin typeface="맑은 고딕"/>
+                <a:ea typeface="맑은 고딕"/>
+                <a:cs typeface="맑은 고딕"/>
+              </a:rPr>
+              <a:t> erw</a:t>
+            </a:r>
+            <a:br/>
+            <a:r>
+              <a:rPr lang="ko" sz="1100">
+                <a:latin typeface="맑은 고딕"/>
+                <a:ea typeface="맑은 고딕"/>
+                <a:cs typeface="맑은 고딕"/>
+              </a:rPr>
+              <a:t> fsdfqw</a:t>
+            </a:r>
+            <a:br/>
+          </a:p>
+        </p:txBody>
+      </p:sp>
+      <p:sp>
+        <p:nvSpPr>
+          <p:cNvPr id="1878001483" name="Text">
+    </p:cNvPr>
+          <p:cNvSpPr>
+            <a:spLocks noGrp="1"/>
+          </p:cNvSpPr>
+          <p:nvPr/>
+        </p:nvSpPr>
+        <p:spPr>
+          <a:xfrm rot="0">
+            <a:off x="7543800" y="1473200"/>
+            <a:ext cx="2667000" cy="787400"/>
+          </a:xfrm>
+          <a:prstGeom prst="rect">
+            <a:avLst/>
+          </a:prstGeom>
+          <a:ln w="12700">
+            <a:solidFill>
+              <a:srgbClr val="000000"/>
+            </a:solidFill>
+            <a:prstDash val="solid"/>
+          </a:ln>
+        </p:spPr>
+        <p:txBody>
+          <a:bodyPr wrap="square" lIns="0" tIns="0" rIns="0" bIns="0" rtlCol="0" anchor="t"/>
+          <a:lstStyle/>
+          <a:p>
+            <a:pPr algn="l">
+              <a:lnSpc>
+                <a:spcPct val="100%"/>
+              </a:lnSpc>
+              <a:defRPr sz="1100">
+                <a:solidFill>
+                  <a:srgbClr val="000000"/>
+                </a:solidFill>
+                <a:latin typeface="맑은 고딕"/>
+                <a:ea typeface="맑은 고딕"/>
+                <a:cs typeface="맑은 고딕"/>
+              </a:defRPr>
+            </a:pPr>
+            <a:br/>
+            <a:r>
+              <a:rPr lang="ko" sz="1100">
+                <a:latin typeface="맑은 고딕"/>
+                <a:ea typeface="맑은 고딕"/>
+                <a:cs typeface="맑은 고딕"/>
+              </a:rPr>
+              <a:t>1</a:t>
+            </a:r>
+          </a:p>
+        </p:txBody>
+      </p:sp>
+      <p:sp>
+        <p:nvSpPr>
+          <p:cNvPr id="777911975" name="Text">
+    </p:cNvPr>
+          <p:cNvSpPr>
+            <a:spLocks noGrp="1"/>
+          </p:cNvSpPr>
+          <p:nvPr/>
+        </p:nvSpPr>
+        <p:spPr>
+          <a:xfrm rot="0">
+            <a:off x="6527800" y="1473200"/>
+            <a:ext cx="749300" cy="787400"/>
+          </a:xfrm>
+          <a:prstGeom prst="rect">
+            <a:avLst/>
+          </a:prstGeom>
+          <a:ln w="12700">
+            <a:solidFill>
+              <a:srgbClr val="000000"/>
+            </a:solidFill>
+            <a:prstDash val="solid"/>
+          </a:ln>
+        </p:spPr>
+        <p:txBody>
+          <a:bodyPr wrap="square" lIns="0" tIns="0" rIns="0" bIns="0" rtlCol="0" anchor="ctr"/>
+          <a:lstStyle/>
+          <a:p>
+            <a:pPr algn="ctr">
+              <a:lnSpc>
+                <a:spcPct val="100%"/>
+              </a:lnSpc>
+              <a:defRPr sz="1100">
+                <a:solidFill>
+                  <a:srgbClr val="000000"/>
+                </a:solidFill>
+                <a:latin typeface="맑은 고딕"/>
+                <a:ea typeface="맑은 고딕"/>
+                <a:cs typeface="맑은 고딕"/>
+              </a:defRPr>
+            </a:pPr>
+            <a:r>
+              <a:rPr lang="ko" sz="1100">
+                <a:latin typeface="맑은 고딕"/>
+                <a:ea typeface="맑은 고딕"/>
+                <a:cs typeface="맑은 고딕"/>
+              </a:rPr>
+              <a:t>1</a:t>
+            </a:r>
+          </a:p>
+        </p:txBody>
+      </p:sp>
+      <p:sp>
+        <p:nvSpPr>
+          <p:cNvPr id="855125066" name="Text">
+    </p:cNvPr>
+          <p:cNvSpPr>
+            <a:spLocks noGrp="1"/>
+          </p:cNvSpPr>
+          <p:nvPr/>
+        </p:nvSpPr>
+        <p:spPr>
+          <a:xfrm rot="0">
+            <a:off x="177800" y="838200"/>
+            <a:ext cx="2489200" cy="215900"/>
+          </a:xfrm>
+          <a:prstGeom prst="rect">
+            <a:avLst/>
+          </a:prstGeom>
+          <a:solidFill>
+            <a:srgbClr val="C7CDFD"/>
+          </a:solidFill>
+        </p:spPr>
+        <p:txBody>
+          <a:bodyPr wrap="square" lIns="0" tIns="0" rIns="0" bIns="0" rtlCol="0" anchor="ctr"/>
+          <a:lstStyle/>
+          <a:p>
+            <a:pPr algn="ctr">
+              <a:lnSpc>
+                <a:spcPct val="100%"/>
+              </a:lnSpc>
+              <a:defRPr sz="1000" b="1">
+                <a:solidFill>
+                  <a:srgbClr val="000000"/>
+                </a:solidFill>
+                <a:latin typeface="맑은 고딕"/>
+                <a:ea typeface="맑은 고딕"/>
+                <a:cs typeface="맑은 고딕"/>
+              </a:defRPr>
+            </a:pPr>
+            <a:r>
+              <a:rPr lang="ko" sz="1000" b="1">
+                <a:latin typeface="맑은 고딕"/>
+                <a:ea typeface="맑은 고딕"/>
+                <a:cs typeface="맑은 고딕"/>
+              </a:rPr>
+              <a:t>금주 업무 실적</a:t>
+            </a:r>
+          </a:p>
+        </p:txBody>
+      </p:sp>
+      <p:sp>
+        <p:nvSpPr>
+          <p:cNvPr id="347337109" name="Text">
+    </p:cNvPr>
+          <p:cNvSpPr>
+            <a:spLocks noGrp="1"/>
+          </p:cNvSpPr>
+          <p:nvPr/>
+        </p:nvSpPr>
+        <p:spPr>
+          <a:xfrm rot="0">
+            <a:off x="190500" y="3175000"/>
+            <a:ext cx="2476500" cy="228600"/>
+          </a:xfrm>
+          <a:prstGeom prst="rect">
+            <a:avLst/>
+          </a:prstGeom>
+          <a:solidFill>
+            <a:srgbClr val="FF9900"/>
+          </a:solidFill>
+        </p:spPr>
+        <p:txBody>
+          <a:bodyPr wrap="square" lIns="0" tIns="0" rIns="0" bIns="0" rtlCol="0" anchor="ctr"/>
+          <a:lstStyle/>
+          <a:p>
+            <a:pPr algn="ctr">
+              <a:lnSpc>
+                <a:spcPct val="100%"/>
+              </a:lnSpc>
+              <a:defRPr sz="1000" b="1">
+                <a:solidFill>
+                  <a:srgbClr val="000000"/>
+                </a:solidFill>
+                <a:latin typeface="맑은 고딕"/>
+                <a:ea typeface="맑은 고딕"/>
+                <a:cs typeface="맑은 고딕"/>
+              </a:defRPr>
+            </a:pPr>
+            <a:r>
+              <a:rPr lang="ko" sz="1000" b="1">
+                <a:latin typeface="맑은 고딕"/>
+                <a:ea typeface="맑은 고딕"/>
+                <a:cs typeface="맑은 고딕"/>
+              </a:rPr>
+              <a:t>차주 업무 계획</a:t>
+            </a:r>
+          </a:p>
+        </p:txBody>
+      </p:sp>
+      <p:sp>
+        <p:nvSpPr>
+          <p:cNvPr id="2065065495" name="Text">
+    </p:cNvPr>
+          <p:cNvSpPr>
+            <a:spLocks noGrp="1"/>
+          </p:cNvSpPr>
+          <p:nvPr/>
+        </p:nvSpPr>
+        <p:spPr>
+          <a:xfrm rot="0">
+            <a:off x="355600" y="1079500"/>
+            <a:ext cx="825500" cy="393700"/>
+          </a:xfrm>
+          <a:prstGeom prst="rect">
+            <a:avLst/>
+          </a:prstGeom>
+          <a:solidFill>
+            <a:srgbClr val="FFCC99"/>
+          </a:solidFill>
+          <a:ln w="12700">
+            <a:solidFill>
+              <a:srgbClr val="000000"/>
+            </a:solidFill>
+            <a:prstDash val="solid"/>
+          </a:ln>
+        </p:spPr>
+        <p:txBody>
+          <a:bodyPr wrap="square" lIns="0" tIns="0" rIns="0" bIns="0" rtlCol="0" anchor="ctr"/>
+          <a:lstStyle/>
+          <a:p>
+            <a:pPr algn="ctr">
+              <a:lnSpc>
+                <a:spcPct val="100%"/>
+              </a:lnSpc>
+              <a:defRPr sz="1000">
+                <a:solidFill>
+                  <a:srgbClr val="000000"/>
+                </a:solidFill>
+                <a:latin typeface="맑은 고딕"/>
+                <a:ea typeface="맑은 고딕"/>
+                <a:cs typeface="맑은 고딕"/>
+              </a:defRPr>
+            </a:pPr>
+            <a:r>
+              <a:rPr lang="ko" sz="1000">
+                <a:latin typeface="맑은 고딕"/>
+                <a:ea typeface="맑은 고딕"/>
+                <a:cs typeface="맑은 고딕"/>
+              </a:rPr>
+              <a:t>구분</a:t>
+            </a:r>
+          </a:p>
+        </p:txBody>
+      </p:sp>
+      <p:sp>
+        <p:nvSpPr>
+          <p:cNvPr id="989792020" name="Text">
+    </p:cNvPr>
+          <p:cNvSpPr>
+            <a:spLocks noGrp="1"/>
+          </p:cNvSpPr>
+          <p:nvPr/>
+        </p:nvSpPr>
+        <p:spPr>
+          <a:xfrm rot="0">
+            <a:off x="1181100" y="1079500"/>
+            <a:ext cx="4572000" cy="393700"/>
+          </a:xfrm>
+          <a:prstGeom prst="rect">
+            <a:avLst/>
+          </a:prstGeom>
+          <a:solidFill>
+            <a:srgbClr val="FFCC99"/>
+          </a:solidFill>
+          <a:ln w="12700">
+            <a:solidFill>
+              <a:srgbClr val="000000"/>
+            </a:solidFill>
+            <a:prstDash val="solid"/>
+          </a:ln>
+        </p:spPr>
+        <p:txBody>
+          <a:bodyPr wrap="square" lIns="0" tIns="0" rIns="0" bIns="0" rtlCol="0" anchor="ctr"/>
+          <a:lstStyle/>
+          <a:p>
+            <a:pPr algn="ctr">
+              <a:lnSpc>
+                <a:spcPct val="100%"/>
+              </a:lnSpc>
+              <a:defRPr sz="1000">
+                <a:solidFill>
+                  <a:srgbClr val="000000"/>
+                </a:solidFill>
+                <a:latin typeface="맑은 고딕"/>
+                <a:ea typeface="맑은 고딕"/>
+                <a:cs typeface="맑은 고딕"/>
+              </a:defRPr>
+            </a:pPr>
+            <a:r>
+              <a:rPr lang="ko" sz="1000">
+                <a:latin typeface="맑은 고딕"/>
+                <a:ea typeface="맑은 고딕"/>
+                <a:cs typeface="맑은 고딕"/>
+              </a:rPr>
+              <a:t>업무 내용</a:t>
+            </a:r>
+          </a:p>
+        </p:txBody>
+      </p:sp>
+      <p:sp>
+        <p:nvSpPr>
+          <p:cNvPr id="1234626173" name="Text">
+    </p:cNvPr>
+          <p:cNvSpPr>
+            <a:spLocks noGrp="1"/>
+          </p:cNvSpPr>
+          <p:nvPr/>
+        </p:nvSpPr>
+        <p:spPr>
+          <a:xfrm rot="0">
+            <a:off x="6527800" y="1079500"/>
+            <a:ext cx="762000" cy="393700"/>
+          </a:xfrm>
+          <a:prstGeom prst="rect">
+            <a:avLst/>
+          </a:prstGeom>
+          <a:solidFill>
+            <a:srgbClr val="FFCC99"/>
+          </a:solidFill>
+          <a:ln w="12700">
+            <a:solidFill>
+              <a:srgbClr val="000000"/>
+            </a:solidFill>
+            <a:prstDash val="solid"/>
+          </a:ln>
+        </p:spPr>
+        <p:txBody>
+          <a:bodyPr wrap="square" lIns="0" tIns="0" rIns="0" bIns="0" rtlCol="0" anchor="ctr"/>
+          <a:lstStyle/>
+          <a:p>
+            <a:pPr algn="ctr">
+              <a:lnSpc>
+                <a:spcPct val="100%"/>
+              </a:lnSpc>
+              <a:defRPr sz="1000">
+                <a:solidFill>
+                  <a:srgbClr val="000000"/>
+                </a:solidFill>
+                <a:latin typeface="맑은 고딕"/>
+                <a:ea typeface="맑은 고딕"/>
+                <a:cs typeface="맑은 고딕"/>
+              </a:defRPr>
+            </a:pPr>
+            <a:r>
+              <a:rPr lang="ko" sz="1000">
+                <a:latin typeface="맑은 고딕"/>
+                <a:ea typeface="맑은 고딕"/>
+                <a:cs typeface="맑은 고딕"/>
+              </a:rPr>
+              <a:t>진행율</a:t>
+            </a:r>
+          </a:p>
+        </p:txBody>
+      </p:sp>
+      <p:sp>
+        <p:nvSpPr>
+          <p:cNvPr id="1109563779" name="Text">
+    </p:cNvPr>
+          <p:cNvSpPr>
+            <a:spLocks noGrp="1"/>
+          </p:cNvSpPr>
+          <p:nvPr/>
+        </p:nvSpPr>
+        <p:spPr>
+          <a:xfrm rot="0">
+            <a:off x="7289800" y="1079500"/>
+            <a:ext cx="254000" cy="393700"/>
+          </a:xfrm>
+          <a:prstGeom prst="rect">
+            <a:avLst/>
+          </a:prstGeom>
+          <a:solidFill>
+            <a:srgbClr val="FFCC99"/>
+          </a:solidFill>
+          <a:ln w="12700">
+            <a:solidFill>
+              <a:srgbClr val="000000"/>
+            </a:solidFill>
+            <a:prstDash val="solid"/>
+          </a:ln>
+        </p:spPr>
+        <p:txBody>
+          <a:bodyPr wrap="square" lIns="0" tIns="0" rIns="0" bIns="0" rtlCol="0" anchor="ctr"/>
+          <a:lstStyle/>
+          <a:p>
+            <a:pPr algn="ctr">
+              <a:lnSpc>
+                <a:spcPct val="100%"/>
+              </a:lnSpc>
+              <a:defRPr sz="1000">
+                <a:solidFill>
+                  <a:srgbClr val="000000"/>
+                </a:solidFill>
+                <a:latin typeface="맑은 고딕"/>
+                <a:ea typeface="맑은 고딕"/>
+                <a:cs typeface="맑은 고딕"/>
+              </a:defRPr>
+            </a:pPr>
+            <a:r>
+              <a:rPr lang="ko" sz="1000">
+                <a:latin typeface="맑은 고딕"/>
+                <a:ea typeface="맑은 고딕"/>
+                <a:cs typeface="맑은 고딕"/>
+              </a:rPr>
+              <a:t>상</a:t>
+            </a:r>
+            <a:br/>
+            <a:r>
+              <a:rPr lang="ko" sz="1000">
+                <a:latin typeface="맑은 고딕"/>
+                <a:ea typeface="맑은 고딕"/>
+                <a:cs typeface="맑은 고딕"/>
+              </a:rPr>
+              <a:t>태</a:t>
+            </a:r>
+          </a:p>
+        </p:txBody>
+      </p:sp>
+      <p:sp>
+        <p:nvSpPr>
+          <p:cNvPr id="181168398" name="Text">
+    </p:cNvPr>
+          <p:cNvSpPr>
+            <a:spLocks noGrp="1"/>
+          </p:cNvSpPr>
+          <p:nvPr/>
+        </p:nvSpPr>
+        <p:spPr>
+          <a:xfrm rot="0">
+            <a:off x="368300" y="3429000"/>
+            <a:ext cx="812800" cy="342900"/>
+          </a:xfrm>
+          <a:prstGeom prst="rect">
+            <a:avLst/>
+          </a:prstGeom>
+          <a:solidFill>
+            <a:srgbClr val="FFCC99"/>
+          </a:solidFill>
+          <a:ln w="12700">
+            <a:solidFill>
+              <a:srgbClr val="000000"/>
+            </a:solidFill>
+            <a:prstDash val="solid"/>
+          </a:ln>
+        </p:spPr>
+        <p:txBody>
+          <a:bodyPr wrap="square" lIns="0" tIns="0" rIns="0" bIns="0" rtlCol="0" anchor="ctr"/>
+          <a:lstStyle/>
+          <a:p>
+            <a:pPr algn="ctr">
+              <a:lnSpc>
+                <a:spcPct val="100%"/>
+              </a:lnSpc>
+              <a:defRPr sz="1000">
+                <a:solidFill>
+                  <a:srgbClr val="000000"/>
+                </a:solidFill>
+                <a:latin typeface="맑은 고딕"/>
+                <a:ea typeface="맑은 고딕"/>
+                <a:cs typeface="맑은 고딕"/>
+              </a:defRPr>
+            </a:pPr>
+            <a:r>
+              <a:rPr lang="ko" sz="1000">
+                <a:latin typeface="맑은 고딕"/>
+                <a:ea typeface="맑은 고딕"/>
+                <a:cs typeface="맑은 고딕"/>
+              </a:rPr>
+              <a:t>구분</a:t>
+            </a:r>
+          </a:p>
+        </p:txBody>
+      </p:sp>
+      <p:sp>
+        <p:nvSpPr>
+          <p:cNvPr id="1221138660" name="Text">
+    </p:cNvPr>
+          <p:cNvSpPr>
+            <a:spLocks noGrp="1"/>
+          </p:cNvSpPr>
+          <p:nvPr/>
+        </p:nvSpPr>
+        <p:spPr>
+          <a:xfrm rot="0">
+            <a:off x="1181100" y="3429000"/>
+            <a:ext cx="4610100" cy="342900"/>
+          </a:xfrm>
+          <a:prstGeom prst="rect">
+            <a:avLst/>
+          </a:prstGeom>
+          <a:solidFill>
+            <a:srgbClr val="FFCC99"/>
+          </a:solidFill>
+          <a:ln w="12700">
+            <a:solidFill>
+              <a:srgbClr val="000000"/>
+            </a:solidFill>
+            <a:prstDash val="solid"/>
+          </a:ln>
+        </p:spPr>
+        <p:txBody>
+          <a:bodyPr wrap="square" lIns="0" tIns="0" rIns="0" bIns="0" rtlCol="0" anchor="ctr"/>
+          <a:lstStyle/>
+          <a:p>
+            <a:pPr algn="ctr">
+              <a:lnSpc>
+                <a:spcPct val="100%"/>
+              </a:lnSpc>
+              <a:defRPr sz="1000">
+                <a:solidFill>
+                  <a:srgbClr val="000000"/>
+                </a:solidFill>
+                <a:latin typeface="맑은 고딕"/>
+                <a:ea typeface="맑은 고딕"/>
+                <a:cs typeface="맑은 고딕"/>
+              </a:defRPr>
+            </a:pPr>
+            <a:r>
+              <a:rPr lang="ko" sz="1000">
+                <a:latin typeface="맑은 고딕"/>
+                <a:ea typeface="맑은 고딕"/>
+                <a:cs typeface="맑은 고딕"/>
+              </a:rPr>
+              <a:t>업무 내용</a:t>
+            </a:r>
+          </a:p>
+        </p:txBody>
+      </p:sp>
+      <p:sp>
+        <p:nvSpPr>
+          <p:cNvPr id="907197070" name="Text">
+    </p:cNvPr>
+          <p:cNvSpPr>
+            <a:spLocks noGrp="1"/>
+          </p:cNvSpPr>
+          <p:nvPr/>
+        </p:nvSpPr>
+        <p:spPr>
+          <a:xfrm rot="0">
+            <a:off x="5791200" y="3429000"/>
+            <a:ext cx="762000" cy="342900"/>
+          </a:xfrm>
+          <a:prstGeom prst="rect">
+            <a:avLst/>
+          </a:prstGeom>
+          <a:solidFill>
+            <a:srgbClr val="FFCC99"/>
+          </a:solidFill>
+          <a:ln w="12700">
+            <a:solidFill>
+              <a:srgbClr val="000000"/>
+            </a:solidFill>
+            <a:prstDash val="solid"/>
+          </a:ln>
+        </p:spPr>
+        <p:txBody>
+          <a:bodyPr wrap="square" lIns="0" tIns="0" rIns="0" bIns="0" rtlCol="0" anchor="ctr"/>
+          <a:lstStyle/>
+          <a:p>
+            <a:pPr algn="ctr">
+              <a:lnSpc>
+                <a:spcPct val="100%"/>
+              </a:lnSpc>
+              <a:defRPr sz="1000">
+                <a:solidFill>
+                  <a:srgbClr val="000000"/>
+                </a:solidFill>
+                <a:latin typeface="맑은 고딕"/>
+                <a:ea typeface="맑은 고딕"/>
+                <a:cs typeface="맑은 고딕"/>
+              </a:defRPr>
+            </a:pPr>
+            <a:r>
+              <a:rPr lang="ko" sz="1000">
+                <a:latin typeface="맑은 고딕"/>
+                <a:ea typeface="맑은 고딕"/>
+                <a:cs typeface="맑은 고딕"/>
+              </a:rPr>
+              <a:t>완료예정</a:t>
+            </a:r>
+          </a:p>
+        </p:txBody>
+      </p:sp>
+      <p:sp>
+        <p:nvSpPr>
+          <p:cNvPr id="1621807950" name="Text">
+    </p:cNvPr>
+          <p:cNvSpPr>
+            <a:spLocks noGrp="1"/>
+          </p:cNvSpPr>
+          <p:nvPr/>
+        </p:nvSpPr>
+        <p:spPr>
+          <a:xfrm rot="0">
+            <a:off x="7543800" y="1079500"/>
+            <a:ext cx="2667000" cy="393700"/>
+          </a:xfrm>
+          <a:prstGeom prst="rect">
+            <a:avLst/>
+          </a:prstGeom>
+          <a:solidFill>
+            <a:srgbClr val="FFCC99"/>
+          </a:solidFill>
+          <a:ln w="12700">
+            <a:solidFill>
+              <a:srgbClr val="000000"/>
+            </a:solidFill>
+            <a:prstDash val="solid"/>
+          </a:ln>
+        </p:spPr>
+        <p:txBody>
+          <a:bodyPr wrap="square" lIns="0" tIns="0" rIns="0" bIns="0" rtlCol="0" anchor="ctr"/>
+          <a:lstStyle/>
+          <a:p>
+            <a:pPr algn="ctr">
+              <a:lnSpc>
+                <a:spcPct val="100%"/>
+              </a:lnSpc>
+              <a:defRPr sz="1000">
+                <a:solidFill>
+                  <a:srgbClr val="000000"/>
+                </a:solidFill>
+                <a:latin typeface="맑은 고딕"/>
+                <a:ea typeface="맑은 고딕"/>
+                <a:cs typeface="맑은 고딕"/>
+              </a:defRPr>
+            </a:pPr>
+            <a:r>
+              <a:rPr lang="ko" sz="1000">
+                <a:latin typeface="맑은 고딕"/>
+                <a:ea typeface="맑은 고딕"/>
+                <a:cs typeface="맑은 고딕"/>
+              </a:rPr>
+              <a:t>비고</a:t>
+            </a:r>
+          </a:p>
+        </p:txBody>
+      </p:sp>
+      <p:sp>
+        <p:nvSpPr>
+          <p:cNvPr id="164053580" name="Text">
+    </p:cNvPr>
+          <p:cNvSpPr>
+            <a:spLocks noGrp="1"/>
+          </p:cNvSpPr>
+          <p:nvPr/>
+        </p:nvSpPr>
+        <p:spPr>
+          <a:xfrm rot="0">
+            <a:off x="6553200" y="3429000"/>
+            <a:ext cx="3670300" cy="342900"/>
+          </a:xfrm>
+          <a:prstGeom prst="rect">
+            <a:avLst/>
+          </a:prstGeom>
+          <a:solidFill>
+            <a:srgbClr val="FFCC99"/>
+          </a:solidFill>
+          <a:ln w="12700">
+            <a:solidFill>
+              <a:srgbClr val="000000"/>
+            </a:solidFill>
+            <a:prstDash val="solid"/>
+          </a:ln>
+        </p:spPr>
+        <p:txBody>
+          <a:bodyPr wrap="square" lIns="0" tIns="0" rIns="0" bIns="0" rtlCol="0" anchor="ctr"/>
+          <a:lstStyle/>
+          <a:p>
+            <a:pPr algn="ctr">
+              <a:lnSpc>
+                <a:spcPct val="100%"/>
+              </a:lnSpc>
+              <a:defRPr sz="1000">
+                <a:solidFill>
+                  <a:srgbClr val="000000"/>
+                </a:solidFill>
+                <a:latin typeface="맑은 고딕"/>
+                <a:ea typeface="맑은 고딕"/>
+                <a:cs typeface="맑은 고딕"/>
+              </a:defRPr>
+            </a:pPr>
+            <a:r>
+              <a:rPr lang="ko" sz="1000">
+                <a:latin typeface="맑은 고딕"/>
+                <a:ea typeface="맑은 고딕"/>
+                <a:cs typeface="맑은 고딕"/>
+              </a:rPr>
+              <a:t>비고</a:t>
+            </a:r>
+          </a:p>
+        </p:txBody>
+      </p:sp>
+      <p:sp>
+        <p:nvSpPr>
+          <p:cNvPr id="164193704" name="Text">
+    </p:cNvPr>
+          <p:cNvSpPr>
+            <a:spLocks noGrp="1"/>
+          </p:cNvSpPr>
+          <p:nvPr/>
+        </p:nvSpPr>
+        <p:spPr>
+          <a:xfrm rot="0">
+            <a:off x="5753100" y="1079500"/>
+            <a:ext cx="774700" cy="393700"/>
+          </a:xfrm>
+          <a:prstGeom prst="rect">
+            <a:avLst/>
+          </a:prstGeom>
+          <a:solidFill>
+            <a:srgbClr val="FFCC99"/>
+          </a:solidFill>
+          <a:ln w="12700">
+            <a:solidFill>
+              <a:srgbClr val="000000"/>
+            </a:solidFill>
+            <a:prstDash val="solid"/>
+          </a:ln>
+        </p:spPr>
+        <p:txBody>
+          <a:bodyPr wrap="square" lIns="0" tIns="0" rIns="0" bIns="0" rtlCol="0" anchor="ctr"/>
+          <a:lstStyle/>
+          <a:p>
+            <a:pPr algn="ctr">
+              <a:lnSpc>
+                <a:spcPct val="100%"/>
+              </a:lnSpc>
+              <a:defRPr sz="1000">
+                <a:solidFill>
+                  <a:srgbClr val="000000"/>
+                </a:solidFill>
+                <a:latin typeface="맑은 고딕"/>
+                <a:ea typeface="맑은 고딕"/>
+                <a:cs typeface="맑은 고딕"/>
+              </a:defRPr>
+            </a:pPr>
+            <a:r>
+              <a:rPr lang="ko" sz="1000">
+                <a:latin typeface="맑은 고딕"/>
+                <a:ea typeface="맑은 고딕"/>
+                <a:cs typeface="맑은 고딕"/>
+              </a:rPr>
+              <a:t>완료일</a:t>
+            </a:r>
+          </a:p>
+        </p:txBody>
+      </p:sp>
+      <p:sp>
+        <p:nvSpPr>
+          <p:cNvPr id="715946197" name="Text">
+    </p:cNvPr>
+          <p:cNvSpPr>
+            <a:spLocks noGrp="1"/>
+          </p:cNvSpPr>
+          <p:nvPr/>
+        </p:nvSpPr>
+        <p:spPr>
+          <a:xfrm rot="0">
+            <a:off x="5753100" y="1473200"/>
+            <a:ext cx="774700" cy="787400"/>
+          </a:xfrm>
+          <a:prstGeom prst="rect">
+            <a:avLst/>
+          </a:prstGeom>
+          <a:ln w="12700">
+            <a:solidFill>
+              <a:srgbClr val="000000"/>
+            </a:solidFill>
+            <a:prstDash val="solid"/>
+          </a:ln>
+        </p:spPr>
+        <p:txBody>
+          <a:bodyPr wrap="square" lIns="0" tIns="0" rIns="0" bIns="0" rtlCol="0" anchor="t"/>
+          <a:lstStyle/>
+          <a:p>
+            <a:pPr algn="ctr">
+              <a:lnSpc>
+                <a:spcPct val="100%"/>
+              </a:lnSpc>
+              <a:defRPr sz="1100">
+                <a:solidFill>
+                  <a:srgbClr val="000000"/>
+                </a:solidFill>
+                <a:latin typeface="맑은 고딕"/>
+                <a:ea typeface="맑은 고딕"/>
+                <a:cs typeface="맑은 고딕"/>
+              </a:defRPr>
+            </a:pPr>
+            <a:br/>
+            <a:r>
+              <a:rPr lang="ko" sz="1100">
+                <a:latin typeface="맑은 고딕"/>
+                <a:ea typeface="맑은 고딕"/>
+                <a:cs typeface="맑은 고딕"/>
+              </a:rPr>
+              <a:t>[보류]</a:t>
+            </a:r>
+            <a:br/>
+            <a:r>
+              <a:rPr lang="ko" sz="1100">
+                <a:latin typeface="맑은 고딕"/>
+                <a:ea typeface="맑은 고딕"/>
+                <a:cs typeface="맑은 고딕"/>
+              </a:rPr>
+              <a:t>[보류]</a:t>
+            </a:r>
+            <a:br/>
+          </a:p>
+        </p:txBody>
+      </p:sp>
+      <p:sp>
+        <p:nvSpPr>
+          <p:cNvPr id="480964205" name="Text">
+    </p:cNvPr>
+          <p:cNvSpPr>
+            <a:spLocks noGrp="1"/>
+          </p:cNvSpPr>
+          <p:nvPr/>
+        </p:nvSpPr>
+        <p:spPr>
+          <a:xfrm rot="0">
+            <a:off x="368300" y="2260600"/>
+            <a:ext cx="812800" cy="812800"/>
+          </a:xfrm>
+          <a:prstGeom prst="rect">
+            <a:avLst/>
+          </a:prstGeom>
+          <a:ln w="12700">
+            <a:solidFill>
+              <a:srgbClr val="000000"/>
+            </a:solidFill>
+            <a:prstDash val="solid"/>
+          </a:ln>
+        </p:spPr>
+        <p:txBody>
+          <a:bodyPr wrap="square" lIns="0" tIns="0" rIns="0" bIns="0" rtlCol="0" anchor="ctr"/>
+          <a:lstStyle/>
+          <a:p>
+            <a:pPr algn="ctr">
+              <a:lnSpc>
+                <a:spcPct val="100%"/>
+              </a:lnSpc>
+              <a:defRPr sz="1100">
+                <a:solidFill>
+                  <a:srgbClr val="000000"/>
+                </a:solidFill>
+                <a:latin typeface="맑은 고딕"/>
+                <a:ea typeface="맑은 고딕"/>
+                <a:cs typeface="맑은 고딕"/>
+              </a:defRPr>
+            </a:pPr>
+            <a:r>
+              <a:rPr lang="ko" sz="1100">
+                <a:latin typeface="맑은 고딕"/>
+                <a:ea typeface="맑은 고딕"/>
+                <a:cs typeface="맑은 고딕"/>
+              </a:rPr>
+              <a:t>WEB</a:t>
+            </a:r>
+          </a:p>
+        </p:txBody>
+      </p:sp>
+      <p:sp>
+        <p:nvSpPr>
+          <p:cNvPr id="801905302" name="Text">
+    </p:cNvPr>
+          <p:cNvSpPr>
+            <a:spLocks noGrp="1"/>
+          </p:cNvSpPr>
+          <p:nvPr/>
+        </p:nvSpPr>
+        <p:spPr>
+          <a:xfrm rot="0">
+            <a:off x="1181100" y="2260600"/>
+            <a:ext cx="4572000" cy="812800"/>
+          </a:xfrm>
+          <a:prstGeom prst="rect">
+            <a:avLst/>
+          </a:prstGeom>
+          <a:ln w="12700">
+            <a:solidFill>
+              <a:srgbClr val="000000"/>
+            </a:solidFill>
+            <a:prstDash val="solid"/>
+          </a:ln>
+        </p:spPr>
+        <p:txBody>
+          <a:bodyPr wrap="square" lIns="0" tIns="0" rIns="0" bIns="0" rtlCol="0" anchor="t"/>
+          <a:lstStyle/>
+          <a:p>
+            <a:pPr algn="l">
+              <a:lnSpc>
+                <a:spcPct val="100%"/>
+              </a:lnSpc>
+              <a:defRPr sz="1100">
+                <a:solidFill>
+                  <a:srgbClr val="000000"/>
+                </a:solidFill>
+                <a:latin typeface="맑은 고딕"/>
+                <a:ea typeface="맑은 고딕"/>
+                <a:cs typeface="맑은 고딕"/>
+              </a:defRPr>
+            </a:pPr>
+            <a:br/>
+            <a:r>
+              <a:rPr lang="ko" sz="1100">
+                <a:latin typeface="맑은 고딕"/>
+                <a:ea typeface="맑은 고딕"/>
+                <a:cs typeface="맑은 고딕"/>
+              </a:rPr>
+              <a:t> 2</a:t>
+            </a:r>
+            <a:br/>
+            <a:r>
+              <a:rPr lang="ko" sz="1100">
+                <a:latin typeface="맑은 고딕"/>
+                <a:ea typeface="맑은 고딕"/>
+                <a:cs typeface="맑은 고딕"/>
+              </a:rPr>
+              <a:t> 가나다</a:t>
+            </a:r>
+            <a:br/>
+          </a:p>
+        </p:txBody>
+      </p:sp>
+      <p:sp>
+        <p:nvSpPr>
+          <p:cNvPr id="1844104930" name="Text">
+    </p:cNvPr>
+          <p:cNvSpPr>
+            <a:spLocks noGrp="1"/>
+          </p:cNvSpPr>
+          <p:nvPr/>
+        </p:nvSpPr>
+        <p:spPr>
+          <a:xfrm rot="0">
+            <a:off x="7543800" y="2260600"/>
+            <a:ext cx="2667000" cy="812800"/>
+          </a:xfrm>
+          <a:prstGeom prst="rect">
+            <a:avLst/>
+          </a:prstGeom>
+          <a:ln w="12700">
+            <a:solidFill>
+              <a:srgbClr val="000000"/>
+            </a:solidFill>
+            <a:prstDash val="solid"/>
+          </a:ln>
+        </p:spPr>
+        <p:txBody>
+          <a:bodyPr wrap="square" lIns="0" tIns="0" rIns="0" bIns="0" rtlCol="0" anchor="t"/>
+          <a:lstStyle/>
+          <a:p>
+            <a:pPr algn="l">
+              <a:lnSpc>
+                <a:spcPct val="100%"/>
+              </a:lnSpc>
+              <a:defRPr sz="1100">
+                <a:solidFill>
+                  <a:srgbClr val="000000"/>
+                </a:solidFill>
+                <a:latin typeface="맑은 고딕"/>
+                <a:ea typeface="맑은 고딕"/>
+                <a:cs typeface="맑은 고딕"/>
+              </a:defRPr>
+            </a:pPr>
+            <a:br/>
+            <a:r>
+              <a:rPr lang="ko" sz="1100">
+                <a:latin typeface="맑은 고딕"/>
+                <a:ea typeface="맑은 고딕"/>
+                <a:cs typeface="맑은 고딕"/>
+              </a:rPr>
+              <a:t>1</a:t>
+            </a:r>
+          </a:p>
+        </p:txBody>
+      </p:sp>
+      <p:sp>
+        <p:nvSpPr>
+          <p:cNvPr id="617183578" name="Text">
+    </p:cNvPr>
+          <p:cNvSpPr>
+            <a:spLocks noGrp="1"/>
+          </p:cNvSpPr>
+          <p:nvPr/>
+        </p:nvSpPr>
+        <p:spPr>
+          <a:xfrm rot="0">
+            <a:off x="6527800" y="2260600"/>
+            <a:ext cx="749300" cy="812800"/>
+          </a:xfrm>
+          <a:prstGeom prst="rect">
+            <a:avLst/>
+          </a:prstGeom>
+          <a:ln w="12700">
+            <a:solidFill>
+              <a:srgbClr val="000000"/>
+            </a:solidFill>
+            <a:prstDash val="solid"/>
+          </a:ln>
+        </p:spPr>
+        <p:txBody>
+          <a:bodyPr wrap="square" lIns="0" tIns="0" rIns="0" bIns="0" rtlCol="0" anchor="ctr"/>
+          <a:lstStyle/>
+          <a:p>
+            <a:pPr algn="ctr">
+              <a:lnSpc>
+                <a:spcPct val="100%"/>
+              </a:lnSpc>
+              <a:defRPr sz="1100">
+                <a:solidFill>
+                  <a:srgbClr val="000000"/>
+                </a:solidFill>
+                <a:latin typeface="맑은 고딕"/>
+                <a:ea typeface="맑은 고딕"/>
+                <a:cs typeface="맑은 고딕"/>
+              </a:defRPr>
+            </a:pPr>
+            <a:r>
+              <a:rPr lang="ko" sz="1100">
+                <a:latin typeface="맑은 고딕"/>
+                <a:ea typeface="맑은 고딕"/>
+                <a:cs typeface="맑은 고딕"/>
+              </a:rPr>
+              <a:t>1</a:t>
+            </a:r>
+          </a:p>
+        </p:txBody>
+      </p:sp>
+      <p:sp>
+        <p:nvSpPr>
+          <p:cNvPr id="1868243496" name="Text">
+    </p:cNvPr>
+          <p:cNvSpPr>
+            <a:spLocks noGrp="1"/>
+          </p:cNvSpPr>
+          <p:nvPr/>
+        </p:nvSpPr>
+        <p:spPr>
+          <a:xfrm rot="0">
+            <a:off x="5753100" y="2260600"/>
+            <a:ext cx="774700" cy="812800"/>
+          </a:xfrm>
+          <a:prstGeom prst="rect">
+            <a:avLst/>
+          </a:prstGeom>
+          <a:ln w="12700">
+            <a:solidFill>
+              <a:srgbClr val="000000"/>
+            </a:solidFill>
+            <a:prstDash val="solid"/>
+          </a:ln>
+        </p:spPr>
+        <p:txBody>
+          <a:bodyPr wrap="square" lIns="0" tIns="0" rIns="0" bIns="0" rtlCol="0" anchor="t"/>
+          <a:lstStyle/>
+          <a:p>
+            <a:pPr algn="ctr">
+              <a:lnSpc>
+                <a:spcPct val="100%"/>
+              </a:lnSpc>
+              <a:defRPr sz="1100">
+                <a:solidFill>
+                  <a:srgbClr val="000000"/>
+                </a:solidFill>
+                <a:latin typeface="맑은 고딕"/>
+                <a:ea typeface="맑은 고딕"/>
+                <a:cs typeface="맑은 고딕"/>
+              </a:defRPr>
+            </a:pPr>
+            <a:br/>
+            <a:r>
+              <a:rPr lang="ko" sz="1100">
+                <a:latin typeface="맑은 고딕"/>
+                <a:ea typeface="맑은 고딕"/>
+                <a:cs typeface="맑은 고딕"/>
+              </a:rPr>
+              <a:t>[보류]</a:t>
+            </a:r>
+            <a:br/>
+            <a:r>
+              <a:rPr lang="ko" sz="1100">
+                <a:latin typeface="맑은 고딕"/>
+                <a:ea typeface="맑은 고딕"/>
+                <a:cs typeface="맑은 고딕"/>
+              </a:rPr>
+              <a:t>[보류]</a:t>
+            </a:r>
+            <a:br/>
+          </a:p>
+        </p:txBody>
+      </p:sp>
+      <p:sp>
+        <p:nvSpPr>
+          <p:cNvPr id="546086399" name="Text">
+    </p:cNvPr>
+          <p:cNvSpPr>
+            <a:spLocks noGrp="1"/>
+          </p:cNvSpPr>
+          <p:nvPr/>
+        </p:nvSpPr>
+        <p:spPr>
+          <a:xfrm rot="0">
+            <a:off x="6553200" y="4572000"/>
+            <a:ext cx="3670300" cy="800100"/>
+          </a:xfrm>
+          <a:prstGeom prst="rect">
+            <a:avLst/>
+          </a:prstGeom>
+          <a:ln w="12700">
+            <a:solidFill>
+              <a:srgbClr val="000000"/>
+            </a:solidFill>
+            <a:prstDash val="solid"/>
+          </a:ln>
+        </p:spPr>
+        <p:txBody>
+          <a:bodyPr wrap="square" lIns="0" tIns="0" rIns="0" bIns="0" rtlCol="0" anchor="t"/>
+          <a:lstStyle/>
+          <a:p>
+            <a:pPr algn="l">
+              <a:lnSpc>
+                <a:spcPct val="100%"/>
+              </a:lnSpc>
+              <a:defRPr sz="1100">
+                <a:solidFill>
+                  <a:srgbClr val="000000"/>
+                </a:solidFill>
+                <a:latin typeface="맑은 고딕"/>
+                <a:ea typeface="맑은 고딕"/>
+                <a:cs typeface="맑은 고딕"/>
+              </a:defRPr>
+            </a:pPr>
+            <a:br/>
+          </a:p>
+        </p:txBody>
+      </p:sp>
+      <p:sp>
+        <p:nvSpPr>
+          <p:cNvPr id="455789266" name="Text">
+    </p:cNvPr>
+          <p:cNvSpPr>
+            <a:spLocks noGrp="1"/>
+          </p:cNvSpPr>
+          <p:nvPr/>
+        </p:nvSpPr>
+        <p:spPr>
+          <a:xfrm rot="0">
+            <a:off x="5791200" y="4572000"/>
+            <a:ext cx="762000" cy="800100"/>
+          </a:xfrm>
+          <a:prstGeom prst="rect">
+            <a:avLst/>
+          </a:prstGeom>
+          <a:ln w="12700">
+            <a:solidFill>
+              <a:srgbClr val="000000"/>
+            </a:solidFill>
+            <a:prstDash val="solid"/>
+          </a:ln>
+        </p:spPr>
+        <p:txBody>
+          <a:bodyPr wrap="square" lIns="0" tIns="0" rIns="0" bIns="0" rtlCol="0" anchor="t"/>
+          <a:lstStyle/>
+          <a:p>
+            <a:pPr algn="ctr">
+              <a:lnSpc>
+                <a:spcPct val="100%"/>
+              </a:lnSpc>
+              <a:defRPr sz="1100">
+                <a:solidFill>
+                  <a:srgbClr val="000000"/>
+                </a:solidFill>
+                <a:latin typeface="맑은 고딕"/>
+                <a:ea typeface="맑은 고딕"/>
+                <a:cs typeface="맑은 고딕"/>
+              </a:defRPr>
+            </a:pPr>
+            <a:br/>
+            <a:r>
+              <a:rPr lang="ko" sz="1100">
+                <a:latin typeface="맑은 고딕"/>
+                <a:ea typeface="맑은 고딕"/>
+                <a:cs typeface="맑은 고딕"/>
+              </a:rPr>
+              <a:t>[보류]</a:t>
+            </a:r>
+            <a:br/>
+            <a:r>
+              <a:rPr lang="ko" sz="1100">
+                <a:latin typeface="맑은 고딕"/>
+                <a:ea typeface="맑은 고딕"/>
+                <a:cs typeface="맑은 고딕"/>
+              </a:rPr>
+              <a:t>[보류]</a:t>
+            </a:r>
+            <a:br/>
+          </a:p>
+        </p:txBody>
+      </p:sp>
+      <p:sp>
+        <p:nvSpPr>
+          <p:cNvPr id="1950774084" name="Text">
+    </p:cNvPr>
+          <p:cNvSpPr>
+            <a:spLocks noGrp="1"/>
+          </p:cNvSpPr>
+          <p:nvPr/>
+        </p:nvSpPr>
+        <p:spPr>
+          <a:xfrm rot="0">
+            <a:off x="1181100" y="4572000"/>
+            <a:ext cx="4610100" cy="800100"/>
+          </a:xfrm>
+          <a:prstGeom prst="rect">
+            <a:avLst/>
+          </a:prstGeom>
+          <a:ln w="12700">
+            <a:solidFill>
+              <a:srgbClr val="000000"/>
+            </a:solidFill>
+            <a:prstDash val="solid"/>
+          </a:ln>
+        </p:spPr>
+        <p:txBody>
+          <a:bodyPr wrap="square" lIns="0" tIns="0" rIns="0" bIns="0" rtlCol="0" anchor="t"/>
+          <a:lstStyle/>
+          <a:p>
+            <a:pPr algn="l">
+              <a:lnSpc>
+                <a:spcPct val="100%"/>
+              </a:lnSpc>
+              <a:defRPr sz="1100">
+                <a:solidFill>
+                  <a:srgbClr val="000000"/>
+                </a:solidFill>
+                <a:latin typeface="맑은 고딕"/>
+                <a:ea typeface="맑은 고딕"/>
+                <a:cs typeface="맑은 고딕"/>
+              </a:defRPr>
+            </a:pPr>
+            <a:br/>
+            <a:r>
+              <a:rPr lang="ko" sz="1100">
+                <a:latin typeface="맑은 고딕"/>
+                <a:ea typeface="맑은 고딕"/>
+                <a:cs typeface="맑은 고딕"/>
+              </a:rPr>
+              <a:t> s</a:t>
+            </a:r>
+            <a:br/>
+            <a:r>
+              <a:rPr lang="ko" sz="1100">
+                <a:latin typeface="맑은 고딕"/>
+                <a:ea typeface="맑은 고딕"/>
+                <a:cs typeface="맑은 고딕"/>
+              </a:rPr>
+              <a:t> ㅓㅕㅗㅛㅜㅠ</a:t>
+            </a:r>
+            <a:br/>
+          </a:p>
+        </p:txBody>
+      </p:sp>
+      <p:sp>
+        <p:nvSpPr>
+          <p:cNvPr id="1119503750" name="Text">
+    </p:cNvPr>
+          <p:cNvSpPr>
+            <a:spLocks noGrp="1"/>
+          </p:cNvSpPr>
+          <p:nvPr/>
+        </p:nvSpPr>
+        <p:spPr>
+          <a:xfrm rot="0">
+            <a:off x="368300" y="4572000"/>
+            <a:ext cx="812800" cy="800100"/>
+          </a:xfrm>
+          <a:prstGeom prst="rect">
+            <a:avLst/>
+          </a:prstGeom>
+          <a:ln w="12700">
+            <a:solidFill>
+              <a:srgbClr val="000000"/>
+            </a:solidFill>
+            <a:prstDash val="solid"/>
+          </a:ln>
+        </p:spPr>
+        <p:txBody>
+          <a:bodyPr wrap="square" lIns="0" tIns="0" rIns="0" bIns="0" rtlCol="0" anchor="ctr"/>
+          <a:lstStyle/>
+          <a:p>
+            <a:pPr algn="ctr">
+              <a:lnSpc>
+                <a:spcPct val="100%"/>
+              </a:lnSpc>
+              <a:defRPr sz="1100">
+                <a:solidFill>
+                  <a:srgbClr val="000000"/>
+                </a:solidFill>
+                <a:latin typeface="맑은 고딕"/>
+                <a:ea typeface="맑은 고딕"/>
+                <a:cs typeface="맑은 고딕"/>
+              </a:defRPr>
+            </a:pPr>
+            <a:r>
+              <a:rPr lang="ko" sz="1100">
+                <a:latin typeface="맑은 고딕"/>
+                <a:ea typeface="맑은 고딕"/>
+                <a:cs typeface="맑은 고딕"/>
+              </a:rPr>
+              <a:t>WEB</a:t>
+            </a:r>
+          </a:p>
+        </p:txBody>
+      </p:sp>
+      <p:sp>
+        <p:nvSpPr>
+          <p:cNvPr id="102583115" name="Rectangle"/>
+          <p:cNvSpPr>
+            <a:spLocks noGrp="1"/>
+          </p:cNvSpPr>
+          <p:nvPr/>
+        </p:nvSpPr>
+        <p:spPr>
+          <a:xfrm>
+            <a:off x="7277100" y="1473200"/>
+            <a:ext cx="266700" cy="787400"/>
+          </a:xfrm>
+          <a:prstGeom prst="rect">
+            <a:avLst/>
+          </a:prstGeom>
+          <a:solidFill>
+            <a:srgbClr val="FFFF00"/>
+          </a:solidFill>
+          <a:ln w="12700">
+            <a:solidFill>
+              <a:srgbClr val="000000"/>
+            </a:solidFill>
+            <a:prstDash val="solid"/>
+          </a:ln>
+        </p:spPr>
+        <p:txBody>
+          <a:bodyPr rtlCol="0" anchor="ctr"/>
+          <a:lstStyle/>
+          <a:p>
+            <a:pPr algn="ctr"/>
+          </a:p>
+        </p:txBody>
+      </p:sp>
+      <p:sp>
+        <p:nvSpPr>
+          <p:cNvPr id="1269595392" name="Rectangle"/>
+          <p:cNvSpPr>
+            <a:spLocks noGrp="1"/>
+          </p:cNvSpPr>
+          <p:nvPr/>
+        </p:nvSpPr>
+        <p:spPr>
+          <a:xfrm>
+            <a:off x="7277100" y="2260600"/>
+            <a:ext cx="266700" cy="812800"/>
+          </a:xfrm>
+          <a:prstGeom prst="rect">
+            <a:avLst/>
+          </a:prstGeom>
+          <a:solidFill>
+            <a:srgbClr val="00FF00"/>
+          </a:solidFill>
+          <a:ln w="12700">
+            <a:solidFill>
+              <a:srgbClr val="000000"/>
+            </a:solidFill>
+            <a:prstDash val="solid"/>
+          </a:ln>
+        </p:spPr>
+        <p:txBody>
+          <a:bodyPr rtlCol="0" anchor="ctr"/>
+          <a:lstStyle/>
+          <a:p>
+            <a:pPr algn="ctr"/>
+          </a:p>
+        </p:txBody>
+      </p:sp>
+      <p:sp>
+        <p:nvSpPr>
+          <p:cNvPr id="213384034" name="Text">
+    </p:cNvPr>
+          <p:cNvSpPr>
+            <a:spLocks noGrp="1"/>
+          </p:cNvSpPr>
+          <p:nvPr/>
+        </p:nvSpPr>
+        <p:spPr>
+          <a:xfrm rot="0">
+            <a:off x="190500" y="5473700"/>
+            <a:ext cx="2476500" cy="228600"/>
+          </a:xfrm>
+          <a:prstGeom prst="rect">
+            <a:avLst/>
+          </a:prstGeom>
+          <a:solidFill>
+            <a:srgbClr val="CCFFCC"/>
+          </a:solidFill>
+        </p:spPr>
+        <p:txBody>
+          <a:bodyPr wrap="square" lIns="0" tIns="0" rIns="0" bIns="0" rtlCol="0" anchor="ctr"/>
+          <a:lstStyle/>
+          <a:p>
+            <a:pPr algn="ctr">
+              <a:lnSpc>
+                <a:spcPct val="100%"/>
+              </a:lnSpc>
+              <a:defRPr sz="1000" b="1">
+                <a:solidFill>
+                  <a:srgbClr val="000000"/>
+                </a:solidFill>
+                <a:latin typeface="맑은 고딕"/>
+                <a:ea typeface="맑은 고딕"/>
+                <a:cs typeface="맑은 고딕"/>
+              </a:defRPr>
+            </a:pPr>
+            <a:r>
+              <a:rPr lang="ko" sz="1000" b="1">
+                <a:latin typeface="맑은 고딕"/>
+                <a:ea typeface="맑은 고딕"/>
+                <a:cs typeface="맑은 고딕"/>
+              </a:rPr>
+              <a:t>ERP 디버깅 권한신청 처리현황</a:t>
+            </a:r>
+          </a:p>
+        </p:txBody>
+      </p:sp>
+      <p:sp>
+        <p:nvSpPr>
+          <p:cNvPr id="481364231" name="Text">
+    </p:cNvPr>
+          <p:cNvSpPr>
+            <a:spLocks noGrp="1"/>
+          </p:cNvSpPr>
+          <p:nvPr/>
+        </p:nvSpPr>
+        <p:spPr>
+          <a:xfrm rot="0">
+            <a:off x="6858000" y="6007100"/>
+            <a:ext cx="1651000" cy="292100"/>
+          </a:xfrm>
+          <a:prstGeom prst="rect">
+            <a:avLst/>
+          </a:prstGeom>
+          <a:ln w="12700">
+            <a:solidFill>
+              <a:srgbClr val="000000"/>
+            </a:solidFill>
+            <a:prstDash val="solid"/>
+          </a:ln>
+        </p:spPr>
+        <p:txBody>
+          <a:bodyPr wrap="square" lIns="0" tIns="0" rIns="0" bIns="0" rtlCol="0" anchor="ctr"/>
+          <a:lstStyle/>
+          <a:p>
+            <a:pPr algn="ctr">
+              <a:lnSpc>
+                <a:spcPct val="100%"/>
+              </a:lnSpc>
+              <a:defRPr sz="1100">
+                <a:solidFill>
+                  <a:srgbClr val="000000"/>
+                </a:solidFill>
+                <a:latin typeface="맑은 고딕"/>
+                <a:ea typeface="맑은 고딕"/>
+                <a:cs typeface="맑은 고딕"/>
+              </a:defRPr>
+            </a:pPr>
+            <a:r>
+              <a:rPr lang="ko" sz="1100">
+                <a:latin typeface="맑은 고딕"/>
+                <a:ea typeface="맑은 고딕"/>
+                <a:cs typeface="맑은 고딕"/>
+              </a:rPr>
+              <a:t>4</a:t>
+            </a:r>
+          </a:p>
+        </p:txBody>
+      </p:sp>
+      <p:sp>
+        <p:nvSpPr>
+          <p:cNvPr id="1889165001" name="Text">
+    </p:cNvPr>
+          <p:cNvSpPr>
+            <a:spLocks noGrp="1"/>
+          </p:cNvSpPr>
+          <p:nvPr/>
+        </p:nvSpPr>
+        <p:spPr>
+          <a:xfrm rot="0">
+            <a:off x="2463800" y="6007100"/>
+            <a:ext cx="4394200" cy="292100"/>
+          </a:xfrm>
+          <a:prstGeom prst="rect">
+            <a:avLst/>
+          </a:prstGeom>
+          <a:ln w="12700">
+            <a:solidFill>
+              <a:srgbClr val="000000"/>
+            </a:solidFill>
+            <a:prstDash val="solid"/>
+          </a:ln>
+        </p:spPr>
+        <p:txBody>
+          <a:bodyPr wrap="square" lIns="0" tIns="0" rIns="0" bIns="0" rtlCol="0" anchor="ctr"/>
+          <a:lstStyle/>
+          <a:p>
+            <a:pPr algn="ctr">
+              <a:lnSpc>
+                <a:spcPct val="100%"/>
+              </a:lnSpc>
+              <a:defRPr sz="1100">
+                <a:solidFill>
+                  <a:srgbClr val="000000"/>
+                </a:solidFill>
+                <a:latin typeface="맑은 고딕"/>
+                <a:ea typeface="맑은 고딕"/>
+                <a:cs typeface="맑은 고딕"/>
+              </a:defRPr>
+            </a:pPr>
+            <a:r>
+              <a:rPr lang="ko" sz="1100">
+                <a:latin typeface="맑은 고딕"/>
+                <a:ea typeface="맑은 고딕"/>
+                <a:cs typeface="맑은 고딕"/>
+              </a:rPr>
+              <a:t>3</a:t>
+            </a:r>
+          </a:p>
+        </p:txBody>
+      </p:sp>
+      <p:sp>
+        <p:nvSpPr>
+          <p:cNvPr id="1492543911" name="Text">
+    </p:cNvPr>
+          <p:cNvSpPr>
+            <a:spLocks noGrp="1"/>
+          </p:cNvSpPr>
+          <p:nvPr/>
+        </p:nvSpPr>
+        <p:spPr>
+          <a:xfrm rot="0">
+            <a:off x="381000" y="6007100"/>
+            <a:ext cx="1270000" cy="292100"/>
+          </a:xfrm>
+          <a:prstGeom prst="rect">
+            <a:avLst/>
+          </a:prstGeom>
+          <a:ln w="12700">
+            <a:solidFill>
+              <a:srgbClr val="000000"/>
+            </a:solidFill>
+            <a:prstDash val="solid"/>
+          </a:ln>
+        </p:spPr>
+        <p:txBody>
+          <a:bodyPr wrap="square" lIns="0" tIns="0" rIns="0" bIns="0" rtlCol="0" anchor="ctr"/>
+          <a:lstStyle/>
+          <a:p>
+            <a:pPr algn="ctr">
+              <a:lnSpc>
+                <a:spcPct val="100%"/>
+              </a:lnSpc>
+              <a:defRPr sz="1100">
+                <a:solidFill>
+                  <a:srgbClr val="000000"/>
+                </a:solidFill>
+                <a:latin typeface="맑은 고딕"/>
+                <a:ea typeface="맑은 고딕"/>
+                <a:cs typeface="맑은 고딕"/>
+              </a:defRPr>
+            </a:pPr>
+            <a:r>
+              <a:rPr lang="ko" sz="1100">
+                <a:latin typeface="맑은 고딕"/>
+                <a:ea typeface="맑은 고딕"/>
+                <a:cs typeface="맑은 고딕"/>
+              </a:rPr>
+              <a:t>1</a:t>
+            </a:r>
+          </a:p>
+        </p:txBody>
+      </p:sp>
+      <p:sp>
+        <p:nvSpPr>
+          <p:cNvPr id="1806296368" name="Text">
+    </p:cNvPr>
+          <p:cNvSpPr>
+            <a:spLocks noGrp="1"/>
+          </p:cNvSpPr>
+          <p:nvPr/>
+        </p:nvSpPr>
+        <p:spPr>
+          <a:xfrm rot="0">
+            <a:off x="381000" y="5765800"/>
+            <a:ext cx="1270000" cy="241300"/>
+          </a:xfrm>
+          <a:prstGeom prst="rect">
+            <a:avLst/>
+          </a:prstGeom>
+          <a:solidFill>
+            <a:srgbClr val="FF9933"/>
+          </a:solidFill>
+          <a:ln w="12700">
+            <a:solidFill>
+              <a:srgbClr val="000000"/>
+            </a:solidFill>
+            <a:prstDash val="solid"/>
+          </a:ln>
+        </p:spPr>
+        <p:txBody>
+          <a:bodyPr wrap="square" lIns="0" tIns="0" rIns="0" bIns="0" rtlCol="0" anchor="ctr"/>
+          <a:lstStyle/>
+          <a:p>
+            <a:pPr algn="ctr">
+              <a:lnSpc>
+                <a:spcPct val="100%"/>
+              </a:lnSpc>
+              <a:defRPr sz="1000">
+                <a:solidFill>
+                  <a:srgbClr val="000000"/>
+                </a:solidFill>
+                <a:latin typeface="맑은 고딕"/>
+                <a:ea typeface="맑은 고딕"/>
+                <a:cs typeface="맑은 고딕"/>
+              </a:defRPr>
+            </a:pPr>
+            <a:r>
+              <a:rPr lang="ko" sz="1000">
+                <a:latin typeface="맑은 고딕"/>
+                <a:ea typeface="맑은 고딕"/>
+                <a:cs typeface="맑은 고딕"/>
+              </a:rPr>
+              <a:t>Date</a:t>
+            </a:r>
+          </a:p>
+        </p:txBody>
+      </p:sp>
+      <p:sp>
+        <p:nvSpPr>
+          <p:cNvPr id="2143559795" name="Text">
+    </p:cNvPr>
+          <p:cNvSpPr>
+            <a:spLocks noGrp="1"/>
+          </p:cNvSpPr>
+          <p:nvPr/>
+        </p:nvSpPr>
+        <p:spPr>
+          <a:xfrm rot="0">
+            <a:off x="2463800" y="5765800"/>
+            <a:ext cx="4394200" cy="241300"/>
+          </a:xfrm>
+          <a:prstGeom prst="rect">
+            <a:avLst/>
+          </a:prstGeom>
+          <a:solidFill>
+            <a:srgbClr val="FF9933"/>
+          </a:solidFill>
+          <a:ln w="12700">
+            <a:solidFill>
+              <a:srgbClr val="000000"/>
+            </a:solidFill>
+            <a:prstDash val="solid"/>
+          </a:ln>
+        </p:spPr>
+        <p:txBody>
+          <a:bodyPr wrap="square" lIns="0" tIns="0" rIns="0" bIns="0" rtlCol="0" anchor="ctr"/>
+          <a:lstStyle/>
+          <a:p>
+            <a:pPr algn="ctr">
+              <a:lnSpc>
+                <a:spcPct val="100%"/>
+              </a:lnSpc>
+              <a:defRPr sz="1000">
+                <a:solidFill>
+                  <a:srgbClr val="000000"/>
+                </a:solidFill>
+                <a:latin typeface="맑은 고딕"/>
+                <a:ea typeface="맑은 고딕"/>
+                <a:cs typeface="맑은 고딕"/>
+              </a:defRPr>
+            </a:pPr>
+            <a:r>
+              <a:rPr lang="ko" sz="1000">
+                <a:latin typeface="맑은 고딕"/>
+                <a:ea typeface="맑은 고딕"/>
+                <a:cs typeface="맑은 고딕"/>
+              </a:rPr>
+              <a:t>Text (변경값)</a:t>
+            </a:r>
+          </a:p>
+        </p:txBody>
+      </p:sp>
+      <p:sp>
+        <p:nvSpPr>
+          <p:cNvPr id="1560954196" name="Text">
+    </p:cNvPr>
+          <p:cNvSpPr>
+            <a:spLocks noGrp="1"/>
+          </p:cNvSpPr>
+          <p:nvPr/>
+        </p:nvSpPr>
+        <p:spPr>
+          <a:xfrm rot="0">
+            <a:off x="6858000" y="5765800"/>
+            <a:ext cx="1651000" cy="241300"/>
+          </a:xfrm>
+          <a:prstGeom prst="rect">
+            <a:avLst/>
+          </a:prstGeom>
+          <a:solidFill>
+            <a:srgbClr val="FF9933"/>
+          </a:solidFill>
+          <a:ln w="12700">
+            <a:solidFill>
+              <a:srgbClr val="000000"/>
+            </a:solidFill>
+            <a:prstDash val="solid"/>
+          </a:ln>
+        </p:spPr>
+        <p:txBody>
+          <a:bodyPr wrap="square" lIns="0" tIns="0" rIns="0" bIns="0" rtlCol="0" anchor="ctr"/>
+          <a:lstStyle/>
+          <a:p>
+            <a:pPr algn="ctr">
+              <a:lnSpc>
+                <a:spcPct val="100%"/>
+              </a:lnSpc>
+              <a:defRPr sz="1000">
+                <a:solidFill>
+                  <a:srgbClr val="000000"/>
+                </a:solidFill>
+                <a:latin typeface="맑은 고딕"/>
+                <a:ea typeface="맑은 고딕"/>
+                <a:cs typeface="맑은 고딕"/>
+              </a:defRPr>
+            </a:pPr>
+            <a:r>
+              <a:rPr lang="ko" sz="1000">
+                <a:latin typeface="맑은 고딕"/>
+                <a:ea typeface="맑은 고딕"/>
+                <a:cs typeface="맑은 고딕"/>
+              </a:rPr>
+              <a:t>ERP 권한신청서번호</a:t>
+            </a:r>
+          </a:p>
+        </p:txBody>
+      </p:sp>
+      <p:sp>
+        <p:nvSpPr>
+          <p:cNvPr id="911909891" name="Text">
+    </p:cNvPr>
+          <p:cNvSpPr>
+            <a:spLocks noGrp="1"/>
+          </p:cNvSpPr>
+          <p:nvPr/>
+        </p:nvSpPr>
+        <p:spPr>
+          <a:xfrm rot="0">
+            <a:off x="381000" y="6299200"/>
+            <a:ext cx="1270000" cy="292100"/>
+          </a:xfrm>
+          <a:prstGeom prst="rect">
+            <a:avLst/>
+          </a:prstGeom>
+          <a:ln w="12700">
+            <a:solidFill>
+              <a:srgbClr val="000000"/>
+            </a:solidFill>
+            <a:prstDash val="solid"/>
+          </a:ln>
+        </p:spPr>
+        <p:txBody>
+          <a:bodyPr wrap="square" lIns="0" tIns="0" rIns="0" bIns="0" rtlCol="0" anchor="ctr"/>
+          <a:lstStyle/>
+          <a:p>
+            <a:pPr algn="ctr">
+              <a:lnSpc>
+                <a:spcPct val="100%"/>
+              </a:lnSpc>
+              <a:defRPr sz="1100">
+                <a:solidFill>
+                  <a:srgbClr val="000000"/>
+                </a:solidFill>
+                <a:latin typeface="맑은 고딕"/>
+                <a:ea typeface="맑은 고딕"/>
+                <a:cs typeface="맑은 고딕"/>
+              </a:defRPr>
+            </a:pPr>
+            <a:r>
+              <a:rPr lang="ko" sz="1100">
+                <a:latin typeface="맑은 고딕"/>
+                <a:ea typeface="맑은 고딕"/>
+                <a:cs typeface="맑은 고딕"/>
+              </a:rPr>
+              <a:t>r</a:t>
+            </a:r>
+          </a:p>
+        </p:txBody>
+      </p:sp>
+      <p:sp>
+        <p:nvSpPr>
+          <p:cNvPr id="318658461" name="Text">
+    </p:cNvPr>
+          <p:cNvSpPr>
+            <a:spLocks noGrp="1"/>
+          </p:cNvSpPr>
+          <p:nvPr/>
+        </p:nvSpPr>
+        <p:spPr>
+          <a:xfrm rot="0">
+            <a:off x="6858000" y="6299200"/>
+            <a:ext cx="1651000" cy="292100"/>
+          </a:xfrm>
+          <a:prstGeom prst="rect">
+            <a:avLst/>
+          </a:prstGeom>
+          <a:ln w="12700">
+            <a:solidFill>
+              <a:srgbClr val="000000"/>
+            </a:solidFill>
+            <a:prstDash val="solid"/>
+          </a:ln>
+        </p:spPr>
+        <p:txBody>
+          <a:bodyPr wrap="square" lIns="0" tIns="0" rIns="0" bIns="0" rtlCol="0" anchor="ctr"/>
+          <a:lstStyle/>
+          <a:p>
+            <a:pPr algn="ctr">
+              <a:lnSpc>
+                <a:spcPct val="100%"/>
+              </a:lnSpc>
+              <a:defRPr sz="1100">
+                <a:solidFill>
+                  <a:srgbClr val="000000"/>
+                </a:solidFill>
+                <a:latin typeface="맑은 고딕"/>
+                <a:ea typeface="맑은 고딕"/>
+                <a:cs typeface="맑은 고딕"/>
+              </a:defRPr>
+            </a:pPr>
+            <a:r>
+              <a:rPr lang="ko" sz="1100">
+                <a:latin typeface="맑은 고딕"/>
+                <a:ea typeface="맑은 고딕"/>
+                <a:cs typeface="맑은 고딕"/>
+              </a:rPr>
+              <a:t>f</a:t>
+            </a:r>
+          </a:p>
+        </p:txBody>
+      </p:sp>
+      <p:sp>
+        <p:nvSpPr>
+          <p:cNvPr id="1290222089" name="Text">
+    </p:cNvPr>
+          <p:cNvSpPr>
+            <a:spLocks noGrp="1"/>
+          </p:cNvSpPr>
+          <p:nvPr/>
+        </p:nvSpPr>
+        <p:spPr>
+          <a:xfrm rot="0">
+            <a:off x="2463800" y="6299200"/>
+            <a:ext cx="4394200" cy="292100"/>
+          </a:xfrm>
+          <a:prstGeom prst="rect">
+            <a:avLst/>
+          </a:prstGeom>
+          <a:ln w="12700">
+            <a:solidFill>
+              <a:srgbClr val="000000"/>
+            </a:solidFill>
+            <a:prstDash val="solid"/>
+          </a:ln>
+        </p:spPr>
+        <p:txBody>
+          <a:bodyPr wrap="square" lIns="0" tIns="0" rIns="0" bIns="0" rtlCol="0" anchor="ctr"/>
+          <a:lstStyle/>
+          <a:p>
+            <a:pPr algn="ctr">
+              <a:lnSpc>
+                <a:spcPct val="100%"/>
+              </a:lnSpc>
+              <a:defRPr sz="1100">
+                <a:solidFill>
+                  <a:srgbClr val="000000"/>
+                </a:solidFill>
+                <a:latin typeface="맑은 고딕"/>
+                <a:ea typeface="맑은 고딕"/>
+                <a:cs typeface="맑은 고딕"/>
+              </a:defRPr>
+            </a:pPr>
+            <a:r>
+              <a:rPr lang="ko" sz="1100">
+                <a:latin typeface="맑은 고딕"/>
+                <a:ea typeface="맑은 고딕"/>
+                <a:cs typeface="맑은 고딕"/>
+              </a:rPr>
+              <a:t>e</a:t>
+            </a:r>
+          </a:p>
+        </p:txBody>
+      </p:sp>
+      <p:sp>
+        <p:nvSpPr>
+          <p:cNvPr id="1137243684" name="Text">
+    </p:cNvPr>
+          <p:cNvSpPr>
+            <a:spLocks noGrp="1"/>
+          </p:cNvSpPr>
+          <p:nvPr/>
+        </p:nvSpPr>
+        <p:spPr>
+          <a:xfrm rot="0">
+            <a:off x="1651000" y="6299200"/>
+            <a:ext cx="812800" cy="292100"/>
+          </a:xfrm>
+          <a:prstGeom prst="rect">
+            <a:avLst/>
+          </a:prstGeom>
+          <a:ln w="12700">
+            <a:solidFill>
+              <a:srgbClr val="000000"/>
+            </a:solidFill>
+            <a:prstDash val="solid"/>
+          </a:ln>
+        </p:spPr>
+        <p:txBody>
+          <a:bodyPr wrap="square" lIns="0" tIns="0" rIns="0" bIns="0" rtlCol="0" anchor="ctr"/>
+          <a:lstStyle/>
+          <a:p>
+            <a:pPr algn="ctr">
+              <a:lnSpc>
+                <a:spcPct val="100%"/>
+              </a:lnSpc>
+              <a:defRPr sz="1100">
+                <a:solidFill>
+                  <a:srgbClr val="000000"/>
+                </a:solidFill>
+                <a:latin typeface="맑은 고딕"/>
+                <a:ea typeface="맑은 고딕"/>
+                <a:cs typeface="맑은 고딕"/>
+              </a:defRPr>
+            </a:pPr>
+            <a:r>
+              <a:rPr lang="ko" sz="1100">
+                <a:latin typeface="맑은 고딕"/>
+                <a:ea typeface="맑은 고딕"/>
+                <a:cs typeface="맑은 고딕"/>
+              </a:rPr>
+              <a:t>s</a:t>
+            </a:r>
+          </a:p>
+        </p:txBody>
+      </p:sp>
+      <p:sp>
+        <p:nvSpPr>
+          <p:cNvPr id="550582498" name="Text">
+    </p:cNvPr>
+          <p:cNvSpPr>
+            <a:spLocks noGrp="1"/>
+          </p:cNvSpPr>
+          <p:nvPr/>
+        </p:nvSpPr>
+        <p:spPr>
+          <a:xfrm rot="0">
+            <a:off x="1651000" y="6007100"/>
+            <a:ext cx="812800" cy="292100"/>
+          </a:xfrm>
+          <a:prstGeom prst="rect">
+            <a:avLst/>
+          </a:prstGeom>
+          <a:ln w="12700">
+            <a:solidFill>
+              <a:srgbClr val="000000"/>
+            </a:solidFill>
+            <a:prstDash val="solid"/>
+          </a:ln>
+        </p:spPr>
+        <p:txBody>
+          <a:bodyPr wrap="square" lIns="0" tIns="0" rIns="0" bIns="0" rtlCol="0" anchor="ctr"/>
+          <a:lstStyle/>
+          <a:p>
+            <a:pPr algn="ctr">
+              <a:lnSpc>
+                <a:spcPct val="100%"/>
+              </a:lnSpc>
+              <a:defRPr sz="1100">
+                <a:solidFill>
+                  <a:srgbClr val="000000"/>
+                </a:solidFill>
+                <a:latin typeface="맑은 고딕"/>
+                <a:ea typeface="맑은 고딕"/>
+                <a:cs typeface="맑은 고딕"/>
+              </a:defRPr>
+            </a:pPr>
+            <a:r>
+              <a:rPr lang="ko" sz="1100">
+                <a:latin typeface="맑은 고딕"/>
+                <a:ea typeface="맑은 고딕"/>
+                <a:cs typeface="맑은 고딕"/>
+              </a:rPr>
+              <a:t>2</a:t>
+            </a:r>
+          </a:p>
+        </p:txBody>
+      </p:sp>
+      <p:sp>
+        <p:nvSpPr>
+          <p:cNvPr id="1089716698" name="Text">
+    </p:cNvPr>
+          <p:cNvSpPr>
+            <a:spLocks noGrp="1"/>
+          </p:cNvSpPr>
+          <p:nvPr/>
+        </p:nvSpPr>
+        <p:spPr>
+          <a:xfrm rot="0">
+            <a:off x="1651000" y="5765800"/>
+            <a:ext cx="812800" cy="241300"/>
+          </a:xfrm>
+          <a:prstGeom prst="rect">
+            <a:avLst/>
+          </a:prstGeom>
+          <a:solidFill>
+            <a:srgbClr val="FF9933"/>
+          </a:solidFill>
+          <a:ln w="12700">
+            <a:solidFill>
+              <a:srgbClr val="000000"/>
+            </a:solidFill>
+            <a:prstDash val="solid"/>
+          </a:ln>
+        </p:spPr>
+        <p:txBody>
+          <a:bodyPr wrap="square" lIns="0" tIns="0" rIns="0" bIns="0" rtlCol="0" anchor="ctr"/>
+          <a:lstStyle/>
+          <a:p>
+            <a:pPr algn="ctr">
+              <a:lnSpc>
+                <a:spcPct val="100%"/>
+              </a:lnSpc>
+              <a:defRPr sz="1000">
+                <a:solidFill>
+                  <a:srgbClr val="000000"/>
+                </a:solidFill>
+                <a:latin typeface="맑은 고딕"/>
+                <a:ea typeface="맑은 고딕"/>
+                <a:cs typeface="맑은 고딕"/>
+              </a:defRPr>
+            </a:pPr>
+            <a:r>
+              <a:rPr lang="ko" sz="1000">
+                <a:latin typeface="맑은 고딕"/>
+                <a:ea typeface="맑은 고딕"/>
+                <a:cs typeface="맑은 고딕"/>
+              </a:rPr>
+              <a:t>User</a:t>
+            </a:r>
+          </a:p>
+        </p:txBody>
+      </p:sp>
+      <p:sp>
+        <p:nvSpPr>
+          <p:cNvPr id="900828351" name="Text">
+    </p:cNvPr>
+          <p:cNvSpPr>
+            <a:spLocks noGrp="1"/>
+          </p:cNvSpPr>
+          <p:nvPr/>
+        </p:nvSpPr>
+        <p:spPr>
+          <a:xfrm rot="0">
+            <a:off x="8509000" y="6299200"/>
+            <a:ext cx="1701800" cy="292100"/>
+          </a:xfrm>
+          <a:prstGeom prst="rect">
+            <a:avLst/>
+          </a:prstGeom>
+          <a:ln w="12700">
+            <a:solidFill>
+              <a:srgbClr val="000000"/>
+            </a:solidFill>
+            <a:prstDash val="solid"/>
+          </a:ln>
+        </p:spPr>
+        <p:txBody>
+          <a:bodyPr wrap="square" lIns="0" tIns="0" rIns="0" bIns="0" rtlCol="0" anchor="ctr"/>
+          <a:lstStyle/>
+          <a:p>
+            <a:pPr algn="ctr">
+              <a:lnSpc>
+                <a:spcPct val="100%"/>
+              </a:lnSpc>
+              <a:defRPr sz="1100">
+                <a:solidFill>
+                  <a:srgbClr val="000000"/>
+                </a:solidFill>
+                <a:latin typeface="맑은 고딕"/>
+                <a:ea typeface="맑은 고딕"/>
+                <a:cs typeface="맑은 고딕"/>
+              </a:defRPr>
+            </a:pPr>
+            <a:r>
+              <a:rPr lang="ko" sz="1100">
+                <a:latin typeface="맑은 고딕"/>
+                <a:ea typeface="맑은 고딕"/>
+                <a:cs typeface="맑은 고딕"/>
+              </a:rPr>
+              <a:t>a</a:t>
+            </a:r>
+          </a:p>
+        </p:txBody>
+      </p:sp>
+      <p:sp>
+        <p:nvSpPr>
+          <p:cNvPr id="835462651" name="Text">
+    </p:cNvPr>
+          <p:cNvSpPr>
+            <a:spLocks noGrp="1"/>
+          </p:cNvSpPr>
+          <p:nvPr/>
+        </p:nvSpPr>
+        <p:spPr>
+          <a:xfrm rot="0">
+            <a:off x="8509000" y="5765800"/>
+            <a:ext cx="1701800" cy="241300"/>
+          </a:xfrm>
+          <a:prstGeom prst="rect">
+            <a:avLst/>
+          </a:prstGeom>
+          <a:solidFill>
+            <a:srgbClr val="FF9933"/>
+          </a:solidFill>
+          <a:ln w="12700">
+            <a:solidFill>
+              <a:srgbClr val="000000"/>
+            </a:solidFill>
+            <a:prstDash val="solid"/>
+          </a:ln>
+        </p:spPr>
+        <p:txBody>
+          <a:bodyPr wrap="square" lIns="0" tIns="0" rIns="0" bIns="0" rtlCol="0" anchor="ctr"/>
+          <a:lstStyle/>
+          <a:p>
+            <a:pPr algn="ctr">
+              <a:lnSpc>
+                <a:spcPct val="100%"/>
+              </a:lnSpc>
+              <a:defRPr sz="1000">
+                <a:solidFill>
+                  <a:srgbClr val="000000"/>
+                </a:solidFill>
+                <a:latin typeface="맑은 고딕"/>
+                <a:ea typeface="맑은 고딕"/>
+                <a:cs typeface="맑은 고딕"/>
+              </a:defRPr>
+            </a:pPr>
+            <a:r>
+              <a:rPr lang="ko" sz="1000">
+                <a:latin typeface="맑은 고딕"/>
+                <a:ea typeface="맑은 고딕"/>
+                <a:cs typeface="맑은 고딕"/>
+              </a:rPr>
+              <a:t>구분(일반/긴급)</a:t>
+            </a:r>
+          </a:p>
+        </p:txBody>
+      </p:sp>
+      <p:sp>
+        <p:nvSpPr>
+          <p:cNvPr id="410197256" name="Text">
+    </p:cNvPr>
+          <p:cNvSpPr>
+            <a:spLocks noGrp="1"/>
+          </p:cNvSpPr>
+          <p:nvPr/>
+        </p:nvSpPr>
+        <p:spPr>
+          <a:xfrm rot="0">
+            <a:off x="8509000" y="6007100"/>
+            <a:ext cx="1701800" cy="292100"/>
+          </a:xfrm>
+          <a:prstGeom prst="rect">
+            <a:avLst/>
+          </a:prstGeom>
+          <a:ln w="12700">
+            <a:solidFill>
+              <a:srgbClr val="000000"/>
+            </a:solidFill>
+            <a:prstDash val="solid"/>
+          </a:ln>
+        </p:spPr>
+        <p:txBody>
+          <a:bodyPr wrap="square" lIns="0" tIns="0" rIns="0" bIns="0" rtlCol="0" anchor="ctr"/>
+          <a:lstStyle/>
+          <a:p>
+            <a:pPr algn="ctr">
+              <a:lnSpc>
+                <a:spcPct val="100%"/>
+              </a:lnSpc>
+              <a:defRPr sz="1100">
+                <a:solidFill>
+                  <a:srgbClr val="000000"/>
+                </a:solidFill>
+                <a:latin typeface="맑은 고딕"/>
+                <a:ea typeface="맑은 고딕"/>
+                <a:cs typeface="맑은 고딕"/>
+              </a:defRPr>
+            </a:pPr>
+            <a:r>
+              <a:rPr lang="ko" sz="1100">
+                <a:latin typeface="맑은 고딕"/>
+                <a:ea typeface="맑은 고딕"/>
+                <a:cs typeface="맑은 고딕"/>
+              </a:rPr>
+              <a:t>5</a:t>
+            </a:r>
+          </a:p>
+        </p:txBody>
+      </p:sp>
+      <p:sp>
+        <p:nvSpPr>
+          <p:cNvPr id="1179706061" name="Text">
+    </p:cNvPr>
+          <p:cNvSpPr>
+            <a:spLocks noGrp="1"/>
+          </p:cNvSpPr>
+          <p:nvPr/>
+        </p:nvSpPr>
+        <p:spPr>
+          <a:xfrm rot="0">
+            <a:off x="4826000" y="6921500"/>
+            <a:ext cx="1270000" cy="381000"/>
+          </a:xfrm>
+          <a:prstGeom prst="rect">
+            <a:avLst/>
+          </a:prstGeom>
+        </p:spPr>
+        <p:txBody>
+          <a:bodyPr wrap="square" lIns="0" tIns="0" rIns="0" bIns="0" rtlCol="0" anchor="b"/>
+          <a:lstStyle/>
+          <a:p>
+            <a:pPr algn="ctr">
+              <a:lnSpc>
+                <a:spcPct val="100%"/>
+              </a:lnSpc>
+              <a:defRPr sz="1000" b="1">
+                <a:solidFill>
+                  <a:srgbClr val="000000"/>
+                </a:solidFill>
+                <a:latin typeface="SansSerif"/>
+                <a:ea typeface="SansSerif"/>
+                <a:cs typeface="SansSerif"/>
+              </a:defRPr>
+            </a:pPr>
+            <a:r>
+              <a:rPr lang="ko" sz="1000" b="1">
+                <a:latin typeface="SansSerif"/>
+                <a:ea typeface="SansSerif"/>
+                <a:cs typeface="SansSerif"/>
+              </a:rPr>
+              <a:t>6</a:t>
+            </a:r>
+          </a:p>
+        </p:txBody>
+      </p:sp>
+      <p:pic>
+        <p:nvPicPr>
+          <p:cNvPr id="2134723276" name="Picture">
+    </p:cNvPr>
+          <p:cNvPicPr>
+            <a:picLocks noChangeAspect="1"/>
+          </p:cNvPicPr>
+          <p:nvPr/>
+        </p:nvPicPr>
+        <p:blipFill>
+          <a:blip r:embed="img_0_0_55.jpg"/>
+          <a:srcRect/>
+          <a:stretch>
+            <a:fillRect l="0" t="0" r="0" b="5555"/>
+          </a:stretch>
+        </p:blipFill>
+        <p:spPr>
+          <a:xfrm rot="0">
+            <a:off x="254000" y="6845300"/>
+            <a:ext cx="1143000" cy="457200"/>
+          </a:xfrm>
+          <a:prstGeom prst="rect">
+            <a:avLst/>
+          </a:prstGeom>
+        </p:spPr>
+      </p:pic>
+    </p:spTree>
+  </p:cSld>
+  <p:clrMapOvr>
+    <a:masterClrMapping/>
+  </p:clrMapOvr>
+</p:sld>
+</file>
+
+<file path=ppt/slides/slide4.xml><?xml version="1.0" encoding="utf-8"?>
+<p:sld xmlns:a="http://schemas.openxmlformats.org/drawingml/2006/main" xmlns:r="http://schemas.openxmlformats.org/officeDocument/2006/relationships" xmlns:p="http://schemas.openxmlformats.org/presentationml/2006/main">
+  <p:cSld>
+    <p:spTree>
+      <p:nvGrpSpPr>
+        <p:cNvPr id="1" name=""/>
+        <p:cNvGrpSpPr/>
+        <p:nvPr/>
+      </p:nvGrpSpPr>
+      <p:grpSpPr>
+        <a:xfrm>
+          <a:off x="0" y="0"/>
+          <a:ext cx="0" cy="0"/>
+          <a:chOff x="0" y="0"/>
+          <a:chExt cx="0" cy="0"/>
+        </a:xfrm>
+      </p:grpSpPr>
+      <p:sp>
+        <p:nvSpPr>
+          <p:cNvPr id="797854509" name="Text">
+    </p:cNvPr>
+          <p:cNvSpPr>
+            <a:spLocks noGrp="1"/>
+          </p:cNvSpPr>
+          <p:nvPr/>
+        </p:nvSpPr>
+        <p:spPr>
+          <a:xfrm rot="0">
+            <a:off x="127000" y="381000"/>
+            <a:ext cx="5181600" cy="381000"/>
+          </a:xfrm>
+          <a:prstGeom prst="rect">
+            <a:avLst/>
+          </a:prstGeom>
+        </p:spPr>
+        <p:txBody>
+          <a:bodyPr wrap="square" lIns="0" tIns="0" rIns="0" bIns="0" rtlCol="0" anchor="t"/>
+          <a:lstStyle/>
+          <a:p>
+            <a:pPr algn="l">
+              <a:lnSpc>
+                <a:spcPct val="100%"/>
+              </a:lnSpc>
+              <a:defRPr sz="1800" b="1">
+                <a:solidFill>
+                  <a:srgbClr val="000000"/>
+                </a:solidFill>
+                <a:latin typeface="맑은 고딕"/>
+                <a:ea typeface="맑은 고딕"/>
+                <a:cs typeface="맑은 고딕"/>
+              </a:defRPr>
+            </a:pPr>
+            <a:r>
+              <a:rPr lang="ko" sz="1800" b="1">
+                <a:latin typeface="맑은 고딕"/>
+                <a:ea typeface="맑은 고딕"/>
+                <a:cs typeface="맑은 고딕"/>
+              </a:rPr>
+              <a:t>2. Summary - ①Baynex</a:t>
+            </a:r>
+          </a:p>
+        </p:txBody>
+      </p:sp>
+      <p:sp>
+        <p:nvSpPr>
+          <p:cNvPr id="789944457" name="Line"/>
+          <p:cNvSpPr>
+            <a:spLocks noGrp="1"/>
+          </p:cNvSpPr>
+          <p:nvPr/>
+        </p:nvSpPr>
+        <p:spPr>
+          <a:xfrm>
+            <a:off x="127000" y="762000"/>
+            <a:ext cx="10287000" cy="0"/>
+          </a:xfrm>
+          <a:prstGeom prst="line">
+            <a:avLst/>
+          </a:prstGeom>
+          <a:solidFill>
+            <a:srgbClr val="FFFFFF"/>
+          </a:solidFill>
+          <a:ln w="12700">
+            <a:solidFill>
+              <a:srgbClr val="000000"/>
+            </a:solidFill>
+            <a:prstDash val="solid"/>
+          </a:ln>
+        </p:spPr>
+        <p:txBody>
+          <a:bodyPr rtlCol="0" anchor="ctr"/>
+          <a:lstStyle/>
+          <a:p>
+            <a:pPr algn="ctr"/>
+          </a:p>
+        </p:txBody>
+      </p:sp>
+      <p:sp>
+        <p:nvSpPr>
+          <p:cNvPr id="1855078700" name="Text">
+    </p:cNvPr>
+          <p:cNvSpPr>
+            <a:spLocks noGrp="1"/>
+          </p:cNvSpPr>
+          <p:nvPr/>
+        </p:nvSpPr>
+        <p:spPr>
+          <a:xfrm rot="0">
+            <a:off x="9652000" y="292100"/>
+            <a:ext cx="762000" cy="508000"/>
+          </a:xfrm>
+          <a:prstGeom prst="rect">
+            <a:avLst/>
+          </a:prstGeom>
+        </p:spPr>
+        <p:txBody>
+          <a:bodyPr wrap="square" lIns="0" tIns="0" rIns="0" bIns="0" rtlCol="0" anchor="t"/>
+          <a:lstStyle/>
+          <a:p>
+            <a:pPr algn="l">
+              <a:lnSpc>
+                <a:spcPct val="100%"/>
+              </a:lnSpc>
+              <a:defRPr sz="800">
+                <a:solidFill>
+                  <a:srgbClr val="000000"/>
+                </a:solidFill>
+                <a:latin typeface="맑은 고딕"/>
+                <a:ea typeface="맑은 고딕"/>
+                <a:cs typeface="맑은 고딕"/>
+              </a:defRPr>
+            </a:pPr>
+            <a:r>
+              <a:rPr lang="ko" sz="800">
+                <a:latin typeface="맑은 고딕"/>
+                <a:ea typeface="맑은 고딕"/>
+                <a:cs typeface="맑은 고딕"/>
+              </a:rPr>
+              <a:t>: 완료</a:t>
+            </a:r>
+            <a:br/>
+            <a:r>
+              <a:rPr lang="ko" sz="800">
+                <a:latin typeface="맑은 고딕"/>
+                <a:ea typeface="맑은 고딕"/>
+                <a:cs typeface="맑은 고딕"/>
+              </a:rPr>
+              <a:t>:진행중</a:t>
+            </a:r>
+            <a:br/>
+            <a:r>
+              <a:rPr lang="ko" sz="800">
+                <a:latin typeface="맑은 고딕"/>
+                <a:ea typeface="맑은 고딕"/>
+                <a:cs typeface="맑은 고딕"/>
+              </a:rPr>
+              <a:t>:미완료(문제)</a:t>
+            </a:r>
+          </a:p>
+        </p:txBody>
+      </p:sp>
+      <p:sp>
+        <p:nvSpPr>
+          <p:cNvPr id="2079067416" name="Rectangle"/>
+          <p:cNvSpPr>
+            <a:spLocks noGrp="1"/>
+          </p:cNvSpPr>
+          <p:nvPr/>
+        </p:nvSpPr>
+        <p:spPr>
+          <a:xfrm>
+            <a:off x="9271000" y="266700"/>
+            <a:ext cx="266700" cy="139700"/>
+          </a:xfrm>
+          <a:prstGeom prst="rect">
+            <a:avLst/>
+          </a:prstGeom>
+          <a:solidFill>
+            <a:srgbClr val="00FF00"/>
+          </a:solidFill>
+          <a:ln w="12700">
+            <a:solidFill>
+              <a:srgbClr val="FFFFFF"/>
+            </a:solidFill>
+            <a:prstDash val="solid"/>
+          </a:ln>
+        </p:spPr>
+        <p:txBody>
+          <a:bodyPr rtlCol="0" anchor="ctr"/>
+          <a:lstStyle/>
+          <a:p>
+            <a:pPr algn="ctr"/>
+          </a:p>
+        </p:txBody>
+      </p:sp>
+      <p:sp>
+        <p:nvSpPr>
+          <p:cNvPr id="652670571" name="Rectangle"/>
+          <p:cNvSpPr>
+            <a:spLocks noGrp="1"/>
+          </p:cNvSpPr>
+          <p:nvPr/>
+        </p:nvSpPr>
+        <p:spPr>
+          <a:xfrm>
+            <a:off x="9271000" y="419100"/>
+            <a:ext cx="266700" cy="139700"/>
+          </a:xfrm>
+          <a:prstGeom prst="rect">
+            <a:avLst/>
+          </a:prstGeom>
+          <a:solidFill>
+            <a:srgbClr val="FFFF00"/>
+          </a:solidFill>
+          <a:ln w="12700">
+            <a:solidFill>
+              <a:srgbClr val="FFFFFF"/>
+            </a:solidFill>
+            <a:prstDash val="solid"/>
+          </a:ln>
+        </p:spPr>
+        <p:txBody>
+          <a:bodyPr rtlCol="0" anchor="ctr"/>
+          <a:lstStyle/>
+          <a:p>
+            <a:pPr algn="ctr"/>
+          </a:p>
+        </p:txBody>
+      </p:sp>
+      <p:sp>
+        <p:nvSpPr>
+          <p:cNvPr id="624223214" name="Rectangle"/>
+          <p:cNvSpPr>
+            <a:spLocks noGrp="1"/>
+          </p:cNvSpPr>
+          <p:nvPr/>
+        </p:nvSpPr>
+        <p:spPr>
+          <a:xfrm>
+            <a:off x="9271000" y="571500"/>
+            <a:ext cx="266700" cy="139700"/>
+          </a:xfrm>
+          <a:prstGeom prst="rect">
+            <a:avLst/>
+          </a:prstGeom>
+          <a:solidFill>
+            <a:srgbClr val="FF0000"/>
+          </a:solidFill>
+          <a:ln w="12700">
+            <a:solidFill>
+              <a:srgbClr val="FFFFFF"/>
+            </a:solidFill>
+            <a:prstDash val="solid"/>
+          </a:ln>
+        </p:spPr>
+        <p:txBody>
+          <a:bodyPr rtlCol="0" anchor="ctr"/>
+          <a:lstStyle/>
+          <a:p>
+            <a:pPr algn="ctr"/>
+          </a:p>
+        </p:txBody>
+      </p:sp>
+      <p:sp>
+        <p:nvSpPr>
+          <p:cNvPr id="1498631493" name="Text">
+    </p:cNvPr>
+          <p:cNvSpPr>
+            <a:spLocks noGrp="1"/>
+          </p:cNvSpPr>
+          <p:nvPr/>
+        </p:nvSpPr>
+        <p:spPr>
+          <a:xfrm rot="0">
+            <a:off x="6553200" y="3771900"/>
+            <a:ext cx="3670300" cy="800100"/>
+          </a:xfrm>
+          <a:prstGeom prst="rect">
+            <a:avLst/>
+          </a:prstGeom>
+          <a:ln w="12700">
+            <a:solidFill>
+              <a:srgbClr val="000000"/>
+            </a:solidFill>
+            <a:prstDash val="solid"/>
+          </a:ln>
+        </p:spPr>
+        <p:txBody>
+          <a:bodyPr wrap="square" lIns="0" tIns="0" rIns="0" bIns="0" rtlCol="0" anchor="t"/>
+          <a:lstStyle/>
+          <a:p>
+            <a:pPr algn="l">
+              <a:lnSpc>
+                <a:spcPct val="100%"/>
+              </a:lnSpc>
+              <a:defRPr sz="1100">
+                <a:solidFill>
+                  <a:srgbClr val="000000"/>
+                </a:solidFill>
+                <a:latin typeface="맑은 고딕"/>
+                <a:ea typeface="맑은 고딕"/>
+                <a:cs typeface="맑은 고딕"/>
+              </a:defRPr>
+            </a:pPr>
+            <a:br/>
+          </a:p>
+        </p:txBody>
+      </p:sp>
+      <p:sp>
+        <p:nvSpPr>
+          <p:cNvPr id="1120669626" name="Text">
+    </p:cNvPr>
+          <p:cNvSpPr>
+            <a:spLocks noGrp="1"/>
+          </p:cNvSpPr>
+          <p:nvPr/>
+        </p:nvSpPr>
+        <p:spPr>
+          <a:xfrm rot="0">
+            <a:off x="5791200" y="3771900"/>
+            <a:ext cx="762000" cy="800100"/>
+          </a:xfrm>
+          <a:prstGeom prst="rect">
+            <a:avLst/>
+          </a:prstGeom>
+          <a:ln w="12700">
+            <a:solidFill>
+              <a:srgbClr val="000000"/>
+            </a:solidFill>
+            <a:prstDash val="solid"/>
+          </a:ln>
+        </p:spPr>
+        <p:txBody>
+          <a:bodyPr wrap="square" lIns="0" tIns="0" rIns="0" bIns="0" rtlCol="0" anchor="t"/>
+          <a:lstStyle/>
+          <a:p>
+            <a:pPr algn="ctr">
+              <a:lnSpc>
+                <a:spcPct val="100%"/>
+              </a:lnSpc>
+              <a:defRPr sz="1100">
+                <a:solidFill>
+                  <a:srgbClr val="000000"/>
+                </a:solidFill>
+                <a:latin typeface="맑은 고딕"/>
+                <a:ea typeface="맑은 고딕"/>
+                <a:cs typeface="맑은 고딕"/>
+              </a:defRPr>
+            </a:pPr>
+            <a:br/>
+            <a:r>
+              <a:rPr lang="ko" sz="1100">
+                <a:latin typeface="맑은 고딕"/>
+                <a:ea typeface="맑은 고딕"/>
+                <a:cs typeface="맑은 고딕"/>
+              </a:rPr>
+              <a:t>[보류]</a:t>
+            </a:r>
+            <a:br/>
+          </a:p>
+        </p:txBody>
+      </p:sp>
+      <p:sp>
+        <p:nvSpPr>
+          <p:cNvPr id="1393097766" name="Text">
+    </p:cNvPr>
+          <p:cNvSpPr>
+            <a:spLocks noGrp="1"/>
+          </p:cNvSpPr>
+          <p:nvPr/>
+        </p:nvSpPr>
+        <p:spPr>
+          <a:xfrm rot="0">
+            <a:off x="1181100" y="3771900"/>
+            <a:ext cx="4610100" cy="800100"/>
+          </a:xfrm>
+          <a:prstGeom prst="rect">
+            <a:avLst/>
+          </a:prstGeom>
+          <a:ln w="12700">
+            <a:solidFill>
+              <a:srgbClr val="000000"/>
+            </a:solidFill>
+            <a:prstDash val="solid"/>
+          </a:ln>
+        </p:spPr>
+        <p:txBody>
+          <a:bodyPr wrap="square" lIns="0" tIns="0" rIns="0" bIns="0" rtlCol="0" anchor="t"/>
+          <a:lstStyle/>
+          <a:p>
+            <a:pPr algn="l">
+              <a:lnSpc>
+                <a:spcPct val="100%"/>
+              </a:lnSpc>
+              <a:defRPr sz="1100">
+                <a:solidFill>
+                  <a:srgbClr val="000000"/>
+                </a:solidFill>
+                <a:latin typeface="맑은 고딕"/>
+                <a:ea typeface="맑은 고딕"/>
+                <a:cs typeface="맑은 고딕"/>
+              </a:defRPr>
+            </a:pPr>
+            <a:br/>
+            <a:r>
+              <a:rPr lang="ko" sz="1100">
+                <a:latin typeface="맑은 고딕"/>
+                <a:ea typeface="맑은 고딕"/>
+                <a:cs typeface="맑은 고딕"/>
+              </a:rPr>
+              <a:t> 123123</a:t>
+            </a:r>
+            <a:br/>
+          </a:p>
+        </p:txBody>
+      </p:sp>
+      <p:sp>
+        <p:nvSpPr>
+          <p:cNvPr id="1361141306" name="Text">
+    </p:cNvPr>
+          <p:cNvSpPr>
+            <a:spLocks noGrp="1"/>
+          </p:cNvSpPr>
+          <p:nvPr/>
+        </p:nvSpPr>
+        <p:spPr>
+          <a:xfrm rot="0">
+            <a:off x="368300" y="3771900"/>
+            <a:ext cx="812800" cy="800100"/>
+          </a:xfrm>
+          <a:prstGeom prst="rect">
+            <a:avLst/>
+          </a:prstGeom>
+          <a:ln w="12700">
+            <a:solidFill>
+              <a:srgbClr val="000000"/>
+            </a:solidFill>
+            <a:prstDash val="solid"/>
+          </a:ln>
+        </p:spPr>
+        <p:txBody>
+          <a:bodyPr wrap="square" lIns="0" tIns="0" rIns="0" bIns="0" rtlCol="0" anchor="ctr"/>
+          <a:lstStyle/>
+          <a:p>
+            <a:pPr algn="ctr">
+              <a:lnSpc>
+                <a:spcPct val="100%"/>
+              </a:lnSpc>
+              <a:defRPr sz="1100">
+                <a:solidFill>
+                  <a:srgbClr val="000000"/>
+                </a:solidFill>
+                <a:latin typeface="맑은 고딕"/>
+                <a:ea typeface="맑은 고딕"/>
+                <a:cs typeface="맑은 고딕"/>
+              </a:defRPr>
+            </a:pPr>
+            <a:r>
+              <a:rPr lang="ko" sz="1100">
+                <a:latin typeface="맑은 고딕"/>
+                <a:ea typeface="맑은 고딕"/>
+                <a:cs typeface="맑은 고딕"/>
+              </a:rPr>
+              <a:t>ERP</a:t>
+            </a:r>
+          </a:p>
+        </p:txBody>
+      </p:sp>
+      <p:sp>
+        <p:nvSpPr>
+          <p:cNvPr id="316348478" name="Text">
+    </p:cNvPr>
+          <p:cNvSpPr>
+            <a:spLocks noGrp="1"/>
+          </p:cNvSpPr>
+          <p:nvPr/>
+        </p:nvSpPr>
+        <p:spPr>
+          <a:xfrm rot="0">
+            <a:off x="368300" y="1473200"/>
+            <a:ext cx="812800" cy="787400"/>
+          </a:xfrm>
+          <a:prstGeom prst="rect">
+            <a:avLst/>
+          </a:prstGeom>
+          <a:ln w="12700">
+            <a:solidFill>
+              <a:srgbClr val="000000"/>
+            </a:solidFill>
+            <a:prstDash val="solid"/>
+          </a:ln>
+        </p:spPr>
+        <p:txBody>
+          <a:bodyPr wrap="square" lIns="0" tIns="0" rIns="0" bIns="0" rtlCol="0" anchor="ctr"/>
+          <a:lstStyle/>
+          <a:p>
+            <a:pPr algn="ctr">
+              <a:lnSpc>
+                <a:spcPct val="100%"/>
+              </a:lnSpc>
+              <a:defRPr sz="1100">
+                <a:solidFill>
+                  <a:srgbClr val="000000"/>
+                </a:solidFill>
+                <a:latin typeface="맑은 고딕"/>
+                <a:ea typeface="맑은 고딕"/>
+                <a:cs typeface="맑은 고딕"/>
+              </a:defRPr>
+            </a:pPr>
+            <a:r>
+              <a:rPr lang="ko" sz="1100">
+                <a:latin typeface="맑은 고딕"/>
+                <a:ea typeface="맑은 고딕"/>
+                <a:cs typeface="맑은 고딕"/>
+              </a:rPr>
+              <a:t>ERP</a:t>
+            </a:r>
+          </a:p>
+        </p:txBody>
+      </p:sp>
+      <p:sp>
+        <p:nvSpPr>
+          <p:cNvPr id="810054656" name="Text">
+    </p:cNvPr>
+          <p:cNvSpPr>
+            <a:spLocks noGrp="1"/>
+          </p:cNvSpPr>
+          <p:nvPr/>
+        </p:nvSpPr>
+        <p:spPr>
+          <a:xfrm rot="0">
+            <a:off x="1181100" y="1473200"/>
+            <a:ext cx="4572000" cy="787400"/>
+          </a:xfrm>
+          <a:prstGeom prst="rect">
+            <a:avLst/>
+          </a:prstGeom>
+          <a:ln w="12700">
+            <a:solidFill>
+              <a:srgbClr val="000000"/>
+            </a:solidFill>
+            <a:prstDash val="solid"/>
+          </a:ln>
+        </p:spPr>
+        <p:txBody>
+          <a:bodyPr wrap="square" lIns="0" tIns="0" rIns="0" bIns="0" rtlCol="0" anchor="t"/>
+          <a:lstStyle/>
+          <a:p>
+            <a:pPr algn="l">
+              <a:lnSpc>
+                <a:spcPct val="100%"/>
+              </a:lnSpc>
+              <a:defRPr sz="1100">
+                <a:solidFill>
+                  <a:srgbClr val="000000"/>
+                </a:solidFill>
+                <a:latin typeface="맑은 고딕"/>
+                <a:ea typeface="맑은 고딕"/>
+                <a:cs typeface="맑은 고딕"/>
+              </a:defRPr>
+            </a:pPr>
+            <a:br/>
+            <a:r>
+              <a:rPr lang="ko" sz="1100">
+                <a:latin typeface="맑은 고딕"/>
+                <a:ea typeface="맑은 고딕"/>
+                <a:cs typeface="맑은 고딕"/>
+              </a:rPr>
+              <a:t> erw</a:t>
+            </a:r>
+            <a:br/>
+            <a:r>
+              <a:rPr lang="ko" sz="1100">
+                <a:latin typeface="맑은 고딕"/>
+                <a:ea typeface="맑은 고딕"/>
+                <a:cs typeface="맑은 고딕"/>
+              </a:rPr>
+              <a:t> fsdfqw</a:t>
+            </a:r>
+            <a:br/>
+          </a:p>
+        </p:txBody>
+      </p:sp>
+      <p:sp>
+        <p:nvSpPr>
+          <p:cNvPr id="607475683" name="Text">
+    </p:cNvPr>
+          <p:cNvSpPr>
+            <a:spLocks noGrp="1"/>
+          </p:cNvSpPr>
+          <p:nvPr/>
+        </p:nvSpPr>
+        <p:spPr>
+          <a:xfrm rot="0">
+            <a:off x="7543800" y="1473200"/>
+            <a:ext cx="2667000" cy="787400"/>
+          </a:xfrm>
+          <a:prstGeom prst="rect">
+            <a:avLst/>
+          </a:prstGeom>
+          <a:ln w="12700">
+            <a:solidFill>
+              <a:srgbClr val="000000"/>
+            </a:solidFill>
+            <a:prstDash val="solid"/>
+          </a:ln>
+        </p:spPr>
+        <p:txBody>
+          <a:bodyPr wrap="square" lIns="0" tIns="0" rIns="0" bIns="0" rtlCol="0" anchor="t"/>
+          <a:lstStyle/>
+          <a:p>
+            <a:pPr algn="l">
+              <a:lnSpc>
+                <a:spcPct val="100%"/>
+              </a:lnSpc>
+              <a:defRPr sz="1100">
+                <a:solidFill>
+                  <a:srgbClr val="000000"/>
+                </a:solidFill>
+                <a:latin typeface="맑은 고딕"/>
+                <a:ea typeface="맑은 고딕"/>
+                <a:cs typeface="맑은 고딕"/>
+              </a:defRPr>
+            </a:pPr>
+            <a:br/>
+            <a:r>
+              <a:rPr lang="ko" sz="1100">
+                <a:latin typeface="맑은 고딕"/>
+                <a:ea typeface="맑은 고딕"/>
+                <a:cs typeface="맑은 고딕"/>
+              </a:rPr>
+              <a:t>1</a:t>
+            </a:r>
+          </a:p>
+        </p:txBody>
+      </p:sp>
+      <p:sp>
+        <p:nvSpPr>
+          <p:cNvPr id="2134777297" name="Text">
+    </p:cNvPr>
+          <p:cNvSpPr>
+            <a:spLocks noGrp="1"/>
+          </p:cNvSpPr>
+          <p:nvPr/>
+        </p:nvSpPr>
+        <p:spPr>
+          <a:xfrm rot="0">
+            <a:off x="6527800" y="1473200"/>
+            <a:ext cx="749300" cy="787400"/>
+          </a:xfrm>
+          <a:prstGeom prst="rect">
+            <a:avLst/>
+          </a:prstGeom>
+          <a:ln w="12700">
+            <a:solidFill>
+              <a:srgbClr val="000000"/>
+            </a:solidFill>
+            <a:prstDash val="solid"/>
+          </a:ln>
+        </p:spPr>
+        <p:txBody>
+          <a:bodyPr wrap="square" lIns="0" tIns="0" rIns="0" bIns="0" rtlCol="0" anchor="ctr"/>
+          <a:lstStyle/>
+          <a:p>
+            <a:pPr algn="ctr">
+              <a:lnSpc>
+                <a:spcPct val="100%"/>
+              </a:lnSpc>
+              <a:defRPr sz="1100">
+                <a:solidFill>
+                  <a:srgbClr val="000000"/>
+                </a:solidFill>
+                <a:latin typeface="맑은 고딕"/>
+                <a:ea typeface="맑은 고딕"/>
+                <a:cs typeface="맑은 고딕"/>
+              </a:defRPr>
+            </a:pPr>
+            <a:r>
+              <a:rPr lang="ko" sz="1100">
+                <a:latin typeface="맑은 고딕"/>
+                <a:ea typeface="맑은 고딕"/>
+                <a:cs typeface="맑은 고딕"/>
+              </a:rPr>
+              <a:t>1</a:t>
+            </a:r>
+          </a:p>
+        </p:txBody>
+      </p:sp>
+      <p:sp>
+        <p:nvSpPr>
+          <p:cNvPr id="904847584" name="Text">
+    </p:cNvPr>
+          <p:cNvSpPr>
+            <a:spLocks noGrp="1"/>
+          </p:cNvSpPr>
+          <p:nvPr/>
+        </p:nvSpPr>
+        <p:spPr>
+          <a:xfrm rot="0">
+            <a:off x="177800" y="838200"/>
+            <a:ext cx="2489200" cy="215900"/>
+          </a:xfrm>
+          <a:prstGeom prst="rect">
+            <a:avLst/>
+          </a:prstGeom>
+          <a:solidFill>
+            <a:srgbClr val="C7CDFD"/>
+          </a:solidFill>
+        </p:spPr>
+        <p:txBody>
+          <a:bodyPr wrap="square" lIns="0" tIns="0" rIns="0" bIns="0" rtlCol="0" anchor="ctr"/>
+          <a:lstStyle/>
+          <a:p>
+            <a:pPr algn="ctr">
+              <a:lnSpc>
+                <a:spcPct val="100%"/>
+              </a:lnSpc>
+              <a:defRPr sz="1000" b="1">
+                <a:solidFill>
+                  <a:srgbClr val="000000"/>
+                </a:solidFill>
+                <a:latin typeface="맑은 고딕"/>
+                <a:ea typeface="맑은 고딕"/>
+                <a:cs typeface="맑은 고딕"/>
+              </a:defRPr>
+            </a:pPr>
+            <a:r>
+              <a:rPr lang="ko" sz="1000" b="1">
+                <a:latin typeface="맑은 고딕"/>
+                <a:ea typeface="맑은 고딕"/>
+                <a:cs typeface="맑은 고딕"/>
+              </a:rPr>
+              <a:t>금주 업무 실적</a:t>
+            </a:r>
+          </a:p>
+        </p:txBody>
+      </p:sp>
+      <p:sp>
+        <p:nvSpPr>
+          <p:cNvPr id="1182100009" name="Text">
+    </p:cNvPr>
+          <p:cNvSpPr>
+            <a:spLocks noGrp="1"/>
+          </p:cNvSpPr>
+          <p:nvPr/>
+        </p:nvSpPr>
+        <p:spPr>
+          <a:xfrm rot="0">
+            <a:off x="190500" y="3175000"/>
+            <a:ext cx="2476500" cy="228600"/>
+          </a:xfrm>
+          <a:prstGeom prst="rect">
+            <a:avLst/>
+          </a:prstGeom>
+          <a:solidFill>
+            <a:srgbClr val="FF9900"/>
+          </a:solidFill>
+        </p:spPr>
+        <p:txBody>
+          <a:bodyPr wrap="square" lIns="0" tIns="0" rIns="0" bIns="0" rtlCol="0" anchor="ctr"/>
+          <a:lstStyle/>
+          <a:p>
+            <a:pPr algn="ctr">
+              <a:lnSpc>
+                <a:spcPct val="100%"/>
+              </a:lnSpc>
+              <a:defRPr sz="1000" b="1">
+                <a:solidFill>
+                  <a:srgbClr val="000000"/>
+                </a:solidFill>
+                <a:latin typeface="맑은 고딕"/>
+                <a:ea typeface="맑은 고딕"/>
+                <a:cs typeface="맑은 고딕"/>
+              </a:defRPr>
+            </a:pPr>
+            <a:r>
+              <a:rPr lang="ko" sz="1000" b="1">
+                <a:latin typeface="맑은 고딕"/>
+                <a:ea typeface="맑은 고딕"/>
+                <a:cs typeface="맑은 고딕"/>
+              </a:rPr>
+              <a:t>차주 업무 계획</a:t>
+            </a:r>
+          </a:p>
+        </p:txBody>
+      </p:sp>
+      <p:sp>
+        <p:nvSpPr>
+          <p:cNvPr id="1223800651" name="Text">
+    </p:cNvPr>
+          <p:cNvSpPr>
+            <a:spLocks noGrp="1"/>
+          </p:cNvSpPr>
+          <p:nvPr/>
+        </p:nvSpPr>
+        <p:spPr>
+          <a:xfrm rot="0">
+            <a:off x="355600" y="1079500"/>
+            <a:ext cx="825500" cy="393700"/>
+          </a:xfrm>
+          <a:prstGeom prst="rect">
+            <a:avLst/>
+          </a:prstGeom>
+          <a:solidFill>
+            <a:srgbClr val="FFCC99"/>
+          </a:solidFill>
+          <a:ln w="12700">
+            <a:solidFill>
+              <a:srgbClr val="000000"/>
+            </a:solidFill>
+            <a:prstDash val="solid"/>
+          </a:ln>
+        </p:spPr>
+        <p:txBody>
+          <a:bodyPr wrap="square" lIns="0" tIns="0" rIns="0" bIns="0" rtlCol="0" anchor="ctr"/>
+          <a:lstStyle/>
+          <a:p>
+            <a:pPr algn="ctr">
+              <a:lnSpc>
+                <a:spcPct val="100%"/>
+              </a:lnSpc>
+              <a:defRPr sz="1000">
+                <a:solidFill>
+                  <a:srgbClr val="000000"/>
+                </a:solidFill>
+                <a:latin typeface="맑은 고딕"/>
+                <a:ea typeface="맑은 고딕"/>
+                <a:cs typeface="맑은 고딕"/>
+              </a:defRPr>
+            </a:pPr>
+            <a:r>
+              <a:rPr lang="ko" sz="1000">
+                <a:latin typeface="맑은 고딕"/>
+                <a:ea typeface="맑은 고딕"/>
+                <a:cs typeface="맑은 고딕"/>
+              </a:rPr>
+              <a:t>구분</a:t>
+            </a:r>
+          </a:p>
+        </p:txBody>
+      </p:sp>
+      <p:sp>
+        <p:nvSpPr>
+          <p:cNvPr id="1202645777" name="Text">
+    </p:cNvPr>
+          <p:cNvSpPr>
+            <a:spLocks noGrp="1"/>
+          </p:cNvSpPr>
+          <p:nvPr/>
+        </p:nvSpPr>
+        <p:spPr>
+          <a:xfrm rot="0">
+            <a:off x="1181100" y="1079500"/>
+            <a:ext cx="4572000" cy="393700"/>
+          </a:xfrm>
+          <a:prstGeom prst="rect">
+            <a:avLst/>
+          </a:prstGeom>
+          <a:solidFill>
+            <a:srgbClr val="FFCC99"/>
+          </a:solidFill>
+          <a:ln w="12700">
+            <a:solidFill>
+              <a:srgbClr val="000000"/>
+            </a:solidFill>
+            <a:prstDash val="solid"/>
+          </a:ln>
+        </p:spPr>
+        <p:txBody>
+          <a:bodyPr wrap="square" lIns="0" tIns="0" rIns="0" bIns="0" rtlCol="0" anchor="ctr"/>
+          <a:lstStyle/>
+          <a:p>
+            <a:pPr algn="ctr">
+              <a:lnSpc>
+                <a:spcPct val="100%"/>
+              </a:lnSpc>
+              <a:defRPr sz="1000">
+                <a:solidFill>
+                  <a:srgbClr val="000000"/>
+                </a:solidFill>
+                <a:latin typeface="맑은 고딕"/>
+                <a:ea typeface="맑은 고딕"/>
+                <a:cs typeface="맑은 고딕"/>
+              </a:defRPr>
+            </a:pPr>
+            <a:r>
+              <a:rPr lang="ko" sz="1000">
+                <a:latin typeface="맑은 고딕"/>
+                <a:ea typeface="맑은 고딕"/>
+                <a:cs typeface="맑은 고딕"/>
+              </a:rPr>
+              <a:t>업무 내용</a:t>
+            </a:r>
+          </a:p>
+        </p:txBody>
+      </p:sp>
+      <p:sp>
+        <p:nvSpPr>
+          <p:cNvPr id="92662500" name="Text">
+    </p:cNvPr>
+          <p:cNvSpPr>
+            <a:spLocks noGrp="1"/>
+          </p:cNvSpPr>
+          <p:nvPr/>
+        </p:nvSpPr>
+        <p:spPr>
+          <a:xfrm rot="0">
+            <a:off x="6527800" y="1079500"/>
+            <a:ext cx="762000" cy="393700"/>
+          </a:xfrm>
+          <a:prstGeom prst="rect">
+            <a:avLst/>
+          </a:prstGeom>
+          <a:solidFill>
+            <a:srgbClr val="FFCC99"/>
+          </a:solidFill>
+          <a:ln w="12700">
+            <a:solidFill>
+              <a:srgbClr val="000000"/>
+            </a:solidFill>
+            <a:prstDash val="solid"/>
+          </a:ln>
+        </p:spPr>
+        <p:txBody>
+          <a:bodyPr wrap="square" lIns="0" tIns="0" rIns="0" bIns="0" rtlCol="0" anchor="ctr"/>
+          <a:lstStyle/>
+          <a:p>
+            <a:pPr algn="ctr">
+              <a:lnSpc>
+                <a:spcPct val="100%"/>
+              </a:lnSpc>
+              <a:defRPr sz="1000">
+                <a:solidFill>
+                  <a:srgbClr val="000000"/>
+                </a:solidFill>
+                <a:latin typeface="맑은 고딕"/>
+                <a:ea typeface="맑은 고딕"/>
+                <a:cs typeface="맑은 고딕"/>
+              </a:defRPr>
+            </a:pPr>
+            <a:r>
+              <a:rPr lang="ko" sz="1000">
+                <a:latin typeface="맑은 고딕"/>
+                <a:ea typeface="맑은 고딕"/>
+                <a:cs typeface="맑은 고딕"/>
+              </a:rPr>
+              <a:t>진행율</a:t>
+            </a:r>
+          </a:p>
+        </p:txBody>
+      </p:sp>
+      <p:sp>
+        <p:nvSpPr>
+          <p:cNvPr id="1758264415" name="Text">
+    </p:cNvPr>
+          <p:cNvSpPr>
+            <a:spLocks noGrp="1"/>
+          </p:cNvSpPr>
+          <p:nvPr/>
+        </p:nvSpPr>
+        <p:spPr>
+          <a:xfrm rot="0">
+            <a:off x="7289800" y="1079500"/>
+            <a:ext cx="254000" cy="393700"/>
+          </a:xfrm>
+          <a:prstGeom prst="rect">
+            <a:avLst/>
+          </a:prstGeom>
+          <a:solidFill>
+            <a:srgbClr val="FFCC99"/>
+          </a:solidFill>
+          <a:ln w="12700">
+            <a:solidFill>
+              <a:srgbClr val="000000"/>
+            </a:solidFill>
+            <a:prstDash val="solid"/>
+          </a:ln>
+        </p:spPr>
+        <p:txBody>
+          <a:bodyPr wrap="square" lIns="0" tIns="0" rIns="0" bIns="0" rtlCol="0" anchor="ctr"/>
+          <a:lstStyle/>
+          <a:p>
+            <a:pPr algn="ctr">
+              <a:lnSpc>
+                <a:spcPct val="100%"/>
+              </a:lnSpc>
+              <a:defRPr sz="1000">
+                <a:solidFill>
+                  <a:srgbClr val="000000"/>
+                </a:solidFill>
+                <a:latin typeface="맑은 고딕"/>
+                <a:ea typeface="맑은 고딕"/>
+                <a:cs typeface="맑은 고딕"/>
+              </a:defRPr>
+            </a:pPr>
+            <a:r>
+              <a:rPr lang="ko" sz="1000">
+                <a:latin typeface="맑은 고딕"/>
+                <a:ea typeface="맑은 고딕"/>
+                <a:cs typeface="맑은 고딕"/>
+              </a:rPr>
+              <a:t>상</a:t>
+            </a:r>
+            <a:br/>
+            <a:r>
+              <a:rPr lang="ko" sz="1000">
+                <a:latin typeface="맑은 고딕"/>
+                <a:ea typeface="맑은 고딕"/>
+                <a:cs typeface="맑은 고딕"/>
+              </a:rPr>
+              <a:t>태</a:t>
+            </a:r>
+          </a:p>
+        </p:txBody>
+      </p:sp>
+      <p:sp>
+        <p:nvSpPr>
+          <p:cNvPr id="767706594" name="Text">
+    </p:cNvPr>
+          <p:cNvSpPr>
+            <a:spLocks noGrp="1"/>
+          </p:cNvSpPr>
+          <p:nvPr/>
+        </p:nvSpPr>
+        <p:spPr>
+          <a:xfrm rot="0">
+            <a:off x="368300" y="3429000"/>
+            <a:ext cx="812800" cy="342900"/>
+          </a:xfrm>
+          <a:prstGeom prst="rect">
+            <a:avLst/>
+          </a:prstGeom>
+          <a:solidFill>
+            <a:srgbClr val="FFCC99"/>
+          </a:solidFill>
+          <a:ln w="12700">
+            <a:solidFill>
+              <a:srgbClr val="000000"/>
+            </a:solidFill>
+            <a:prstDash val="solid"/>
+          </a:ln>
+        </p:spPr>
+        <p:txBody>
+          <a:bodyPr wrap="square" lIns="0" tIns="0" rIns="0" bIns="0" rtlCol="0" anchor="ctr"/>
+          <a:lstStyle/>
+          <a:p>
+            <a:pPr algn="ctr">
+              <a:lnSpc>
+                <a:spcPct val="100%"/>
+              </a:lnSpc>
+              <a:defRPr sz="1000">
+                <a:solidFill>
+                  <a:srgbClr val="000000"/>
+                </a:solidFill>
+                <a:latin typeface="맑은 고딕"/>
+                <a:ea typeface="맑은 고딕"/>
+                <a:cs typeface="맑은 고딕"/>
+              </a:defRPr>
+            </a:pPr>
+            <a:r>
+              <a:rPr lang="ko" sz="1000">
+                <a:latin typeface="맑은 고딕"/>
+                <a:ea typeface="맑은 고딕"/>
+                <a:cs typeface="맑은 고딕"/>
+              </a:rPr>
+              <a:t>구분</a:t>
+            </a:r>
+          </a:p>
+        </p:txBody>
+      </p:sp>
+      <p:sp>
+        <p:nvSpPr>
+          <p:cNvPr id="486851880" name="Text">
+    </p:cNvPr>
+          <p:cNvSpPr>
+            <a:spLocks noGrp="1"/>
+          </p:cNvSpPr>
+          <p:nvPr/>
+        </p:nvSpPr>
+        <p:spPr>
+          <a:xfrm rot="0">
+            <a:off x="1181100" y="3429000"/>
+            <a:ext cx="4610100" cy="342900"/>
+          </a:xfrm>
+          <a:prstGeom prst="rect">
+            <a:avLst/>
+          </a:prstGeom>
+          <a:solidFill>
+            <a:srgbClr val="FFCC99"/>
+          </a:solidFill>
+          <a:ln w="12700">
+            <a:solidFill>
+              <a:srgbClr val="000000"/>
+            </a:solidFill>
+            <a:prstDash val="solid"/>
+          </a:ln>
+        </p:spPr>
+        <p:txBody>
+          <a:bodyPr wrap="square" lIns="0" tIns="0" rIns="0" bIns="0" rtlCol="0" anchor="ctr"/>
+          <a:lstStyle/>
+          <a:p>
+            <a:pPr algn="ctr">
+              <a:lnSpc>
+                <a:spcPct val="100%"/>
+              </a:lnSpc>
+              <a:defRPr sz="1000">
+                <a:solidFill>
+                  <a:srgbClr val="000000"/>
+                </a:solidFill>
+                <a:latin typeface="맑은 고딕"/>
+                <a:ea typeface="맑은 고딕"/>
+                <a:cs typeface="맑은 고딕"/>
+              </a:defRPr>
+            </a:pPr>
+            <a:r>
+              <a:rPr lang="ko" sz="1000">
+                <a:latin typeface="맑은 고딕"/>
+                <a:ea typeface="맑은 고딕"/>
+                <a:cs typeface="맑은 고딕"/>
+              </a:rPr>
+              <a:t>업무 내용</a:t>
+            </a:r>
+          </a:p>
+        </p:txBody>
+      </p:sp>
+      <p:sp>
+        <p:nvSpPr>
+          <p:cNvPr id="930926246" name="Text">
+    </p:cNvPr>
+          <p:cNvSpPr>
+            <a:spLocks noGrp="1"/>
+          </p:cNvSpPr>
+          <p:nvPr/>
+        </p:nvSpPr>
+        <p:spPr>
+          <a:xfrm rot="0">
+            <a:off x="5791200" y="3429000"/>
+            <a:ext cx="762000" cy="342900"/>
+          </a:xfrm>
+          <a:prstGeom prst="rect">
+            <a:avLst/>
+          </a:prstGeom>
+          <a:solidFill>
+            <a:srgbClr val="FFCC99"/>
+          </a:solidFill>
+          <a:ln w="12700">
+            <a:solidFill>
+              <a:srgbClr val="000000"/>
+            </a:solidFill>
+            <a:prstDash val="solid"/>
+          </a:ln>
+        </p:spPr>
+        <p:txBody>
+          <a:bodyPr wrap="square" lIns="0" tIns="0" rIns="0" bIns="0" rtlCol="0" anchor="ctr"/>
+          <a:lstStyle/>
+          <a:p>
+            <a:pPr algn="ctr">
+              <a:lnSpc>
+                <a:spcPct val="100%"/>
+              </a:lnSpc>
+              <a:defRPr sz="1000">
+                <a:solidFill>
+                  <a:srgbClr val="000000"/>
+                </a:solidFill>
+                <a:latin typeface="맑은 고딕"/>
+                <a:ea typeface="맑은 고딕"/>
+                <a:cs typeface="맑은 고딕"/>
+              </a:defRPr>
+            </a:pPr>
+            <a:r>
+              <a:rPr lang="ko" sz="1000">
+                <a:latin typeface="맑은 고딕"/>
+                <a:ea typeface="맑은 고딕"/>
+                <a:cs typeface="맑은 고딕"/>
+              </a:rPr>
+              <a:t>완료예정</a:t>
+            </a:r>
+          </a:p>
+        </p:txBody>
+      </p:sp>
+      <p:sp>
+        <p:nvSpPr>
+          <p:cNvPr id="954065426" name="Text">
+    </p:cNvPr>
+          <p:cNvSpPr>
+            <a:spLocks noGrp="1"/>
+          </p:cNvSpPr>
+          <p:nvPr/>
+        </p:nvSpPr>
+        <p:spPr>
+          <a:xfrm rot="0">
+            <a:off x="7543800" y="1079500"/>
+            <a:ext cx="2667000" cy="393700"/>
+          </a:xfrm>
+          <a:prstGeom prst="rect">
+            <a:avLst/>
+          </a:prstGeom>
+          <a:solidFill>
+            <a:srgbClr val="FFCC99"/>
+          </a:solidFill>
+          <a:ln w="12700">
+            <a:solidFill>
+              <a:srgbClr val="000000"/>
+            </a:solidFill>
+            <a:prstDash val="solid"/>
+          </a:ln>
+        </p:spPr>
+        <p:txBody>
+          <a:bodyPr wrap="square" lIns="0" tIns="0" rIns="0" bIns="0" rtlCol="0" anchor="ctr"/>
+          <a:lstStyle/>
+          <a:p>
+            <a:pPr algn="ctr">
+              <a:lnSpc>
+                <a:spcPct val="100%"/>
+              </a:lnSpc>
+              <a:defRPr sz="1000">
+                <a:solidFill>
+                  <a:srgbClr val="000000"/>
+                </a:solidFill>
+                <a:latin typeface="맑은 고딕"/>
+                <a:ea typeface="맑은 고딕"/>
+                <a:cs typeface="맑은 고딕"/>
+              </a:defRPr>
+            </a:pPr>
+            <a:r>
+              <a:rPr lang="ko" sz="1000">
+                <a:latin typeface="맑은 고딕"/>
+                <a:ea typeface="맑은 고딕"/>
+                <a:cs typeface="맑은 고딕"/>
+              </a:rPr>
+              <a:t>비고</a:t>
+            </a:r>
+          </a:p>
+        </p:txBody>
+      </p:sp>
+      <p:sp>
+        <p:nvSpPr>
+          <p:cNvPr id="126832062" name="Text">
+    </p:cNvPr>
+          <p:cNvSpPr>
+            <a:spLocks noGrp="1"/>
+          </p:cNvSpPr>
+          <p:nvPr/>
+        </p:nvSpPr>
+        <p:spPr>
+          <a:xfrm rot="0">
+            <a:off x="6553200" y="3429000"/>
+            <a:ext cx="3670300" cy="342900"/>
+          </a:xfrm>
+          <a:prstGeom prst="rect">
+            <a:avLst/>
+          </a:prstGeom>
+          <a:solidFill>
+            <a:srgbClr val="FFCC99"/>
+          </a:solidFill>
+          <a:ln w="12700">
+            <a:solidFill>
+              <a:srgbClr val="000000"/>
+            </a:solidFill>
+            <a:prstDash val="solid"/>
+          </a:ln>
+        </p:spPr>
+        <p:txBody>
+          <a:bodyPr wrap="square" lIns="0" tIns="0" rIns="0" bIns="0" rtlCol="0" anchor="ctr"/>
+          <a:lstStyle/>
+          <a:p>
+            <a:pPr algn="ctr">
+              <a:lnSpc>
+                <a:spcPct val="100%"/>
+              </a:lnSpc>
+              <a:defRPr sz="1000">
+                <a:solidFill>
+                  <a:srgbClr val="000000"/>
+                </a:solidFill>
+                <a:latin typeface="맑은 고딕"/>
+                <a:ea typeface="맑은 고딕"/>
+                <a:cs typeface="맑은 고딕"/>
+              </a:defRPr>
+            </a:pPr>
+            <a:r>
+              <a:rPr lang="ko" sz="1000">
+                <a:latin typeface="맑은 고딕"/>
+                <a:ea typeface="맑은 고딕"/>
+                <a:cs typeface="맑은 고딕"/>
+              </a:rPr>
+              <a:t>비고</a:t>
+            </a:r>
+          </a:p>
+        </p:txBody>
+      </p:sp>
+      <p:sp>
+        <p:nvSpPr>
+          <p:cNvPr id="1008330210" name="Text">
+    </p:cNvPr>
+          <p:cNvSpPr>
+            <a:spLocks noGrp="1"/>
+          </p:cNvSpPr>
+          <p:nvPr/>
+        </p:nvSpPr>
+        <p:spPr>
+          <a:xfrm rot="0">
+            <a:off x="5753100" y="1079500"/>
+            <a:ext cx="774700" cy="393700"/>
+          </a:xfrm>
+          <a:prstGeom prst="rect">
+            <a:avLst/>
+          </a:prstGeom>
+          <a:solidFill>
+            <a:srgbClr val="FFCC99"/>
+          </a:solidFill>
+          <a:ln w="12700">
+            <a:solidFill>
+              <a:srgbClr val="000000"/>
+            </a:solidFill>
+            <a:prstDash val="solid"/>
+          </a:ln>
+        </p:spPr>
+        <p:txBody>
+          <a:bodyPr wrap="square" lIns="0" tIns="0" rIns="0" bIns="0" rtlCol="0" anchor="ctr"/>
+          <a:lstStyle/>
+          <a:p>
+            <a:pPr algn="ctr">
+              <a:lnSpc>
+                <a:spcPct val="100%"/>
+              </a:lnSpc>
+              <a:defRPr sz="1000">
+                <a:solidFill>
+                  <a:srgbClr val="000000"/>
+                </a:solidFill>
+                <a:latin typeface="맑은 고딕"/>
+                <a:ea typeface="맑은 고딕"/>
+                <a:cs typeface="맑은 고딕"/>
+              </a:defRPr>
+            </a:pPr>
+            <a:r>
+              <a:rPr lang="ko" sz="1000">
+                <a:latin typeface="맑은 고딕"/>
+                <a:ea typeface="맑은 고딕"/>
+                <a:cs typeface="맑은 고딕"/>
+              </a:rPr>
+              <a:t>완료일</a:t>
+            </a:r>
+          </a:p>
+        </p:txBody>
+      </p:sp>
+      <p:sp>
+        <p:nvSpPr>
+          <p:cNvPr id="1841366329" name="Text">
+    </p:cNvPr>
+          <p:cNvSpPr>
+            <a:spLocks noGrp="1"/>
+          </p:cNvSpPr>
+          <p:nvPr/>
+        </p:nvSpPr>
+        <p:spPr>
+          <a:xfrm rot="0">
+            <a:off x="5753100" y="1473200"/>
+            <a:ext cx="774700" cy="787400"/>
+          </a:xfrm>
+          <a:prstGeom prst="rect">
+            <a:avLst/>
+          </a:prstGeom>
+          <a:ln w="12700">
+            <a:solidFill>
+              <a:srgbClr val="000000"/>
+            </a:solidFill>
+            <a:prstDash val="solid"/>
+          </a:ln>
+        </p:spPr>
+        <p:txBody>
+          <a:bodyPr wrap="square" lIns="0" tIns="0" rIns="0" bIns="0" rtlCol="0" anchor="t"/>
+          <a:lstStyle/>
+          <a:p>
+            <a:pPr algn="ctr">
+              <a:lnSpc>
+                <a:spcPct val="100%"/>
+              </a:lnSpc>
+              <a:defRPr sz="1100">
+                <a:solidFill>
+                  <a:srgbClr val="000000"/>
+                </a:solidFill>
+                <a:latin typeface="맑은 고딕"/>
+                <a:ea typeface="맑은 고딕"/>
+                <a:cs typeface="맑은 고딕"/>
+              </a:defRPr>
+            </a:pPr>
+            <a:br/>
+            <a:r>
+              <a:rPr lang="ko" sz="1100">
+                <a:latin typeface="맑은 고딕"/>
+                <a:ea typeface="맑은 고딕"/>
+                <a:cs typeface="맑은 고딕"/>
+              </a:rPr>
+              <a:t>[보류]</a:t>
+            </a:r>
+            <a:br/>
+            <a:r>
+              <a:rPr lang="ko" sz="1100">
+                <a:latin typeface="맑은 고딕"/>
+                <a:ea typeface="맑은 고딕"/>
+                <a:cs typeface="맑은 고딕"/>
+              </a:rPr>
+              <a:t>[보류]</a:t>
+            </a:r>
+            <a:br/>
+          </a:p>
+        </p:txBody>
+      </p:sp>
+      <p:sp>
+        <p:nvSpPr>
+          <p:cNvPr id="979089377" name="Text">
+    </p:cNvPr>
+          <p:cNvSpPr>
+            <a:spLocks noGrp="1"/>
+          </p:cNvSpPr>
+          <p:nvPr/>
+        </p:nvSpPr>
+        <p:spPr>
+          <a:xfrm rot="0">
+            <a:off x="368300" y="2260600"/>
+            <a:ext cx="812800" cy="812800"/>
+          </a:xfrm>
+          <a:prstGeom prst="rect">
+            <a:avLst/>
+          </a:prstGeom>
+          <a:ln w="12700">
+            <a:solidFill>
+              <a:srgbClr val="000000"/>
+            </a:solidFill>
+            <a:prstDash val="solid"/>
+          </a:ln>
+        </p:spPr>
+        <p:txBody>
+          <a:bodyPr wrap="square" lIns="0" tIns="0" rIns="0" bIns="0" rtlCol="0" anchor="ctr"/>
+          <a:lstStyle/>
+          <a:p>
+            <a:pPr algn="ctr">
+              <a:lnSpc>
+                <a:spcPct val="100%"/>
+              </a:lnSpc>
+              <a:defRPr sz="1100">
+                <a:solidFill>
+                  <a:srgbClr val="000000"/>
+                </a:solidFill>
+                <a:latin typeface="맑은 고딕"/>
+                <a:ea typeface="맑은 고딕"/>
+                <a:cs typeface="맑은 고딕"/>
+              </a:defRPr>
+            </a:pPr>
+            <a:r>
+              <a:rPr lang="ko" sz="1100">
+                <a:latin typeface="맑은 고딕"/>
+                <a:ea typeface="맑은 고딕"/>
+                <a:cs typeface="맑은 고딕"/>
+              </a:rPr>
+              <a:t>WEB</a:t>
+            </a:r>
+          </a:p>
+        </p:txBody>
+      </p:sp>
+      <p:sp>
+        <p:nvSpPr>
+          <p:cNvPr id="1204088745" name="Text">
+    </p:cNvPr>
+          <p:cNvSpPr>
+            <a:spLocks noGrp="1"/>
+          </p:cNvSpPr>
+          <p:nvPr/>
+        </p:nvSpPr>
+        <p:spPr>
+          <a:xfrm rot="0">
+            <a:off x="1181100" y="2260600"/>
+            <a:ext cx="4572000" cy="812800"/>
+          </a:xfrm>
+          <a:prstGeom prst="rect">
+            <a:avLst/>
+          </a:prstGeom>
+          <a:ln w="12700">
+            <a:solidFill>
+              <a:srgbClr val="000000"/>
+            </a:solidFill>
+            <a:prstDash val="solid"/>
+          </a:ln>
+        </p:spPr>
+        <p:txBody>
+          <a:bodyPr wrap="square" lIns="0" tIns="0" rIns="0" bIns="0" rtlCol="0" anchor="t"/>
+          <a:lstStyle/>
+          <a:p>
+            <a:pPr algn="l">
+              <a:lnSpc>
+                <a:spcPct val="100%"/>
+              </a:lnSpc>
+              <a:defRPr sz="1100">
+                <a:solidFill>
+                  <a:srgbClr val="000000"/>
+                </a:solidFill>
+                <a:latin typeface="맑은 고딕"/>
+                <a:ea typeface="맑은 고딕"/>
+                <a:cs typeface="맑은 고딕"/>
+              </a:defRPr>
+            </a:pPr>
+            <a:br/>
+            <a:r>
+              <a:rPr lang="ko" sz="1100">
+                <a:latin typeface="맑은 고딕"/>
+                <a:ea typeface="맑은 고딕"/>
+                <a:cs typeface="맑은 고딕"/>
+              </a:rPr>
+              <a:t> 2</a:t>
+            </a:r>
+            <a:br/>
+            <a:r>
+              <a:rPr lang="ko" sz="1100">
+                <a:latin typeface="맑은 고딕"/>
+                <a:ea typeface="맑은 고딕"/>
+                <a:cs typeface="맑은 고딕"/>
+              </a:rPr>
+              <a:t> 가나다</a:t>
+            </a:r>
+            <a:br/>
+          </a:p>
+        </p:txBody>
+      </p:sp>
+      <p:sp>
+        <p:nvSpPr>
+          <p:cNvPr id="880878662" name="Text">
+    </p:cNvPr>
+          <p:cNvSpPr>
+            <a:spLocks noGrp="1"/>
+          </p:cNvSpPr>
+          <p:nvPr/>
+        </p:nvSpPr>
+        <p:spPr>
+          <a:xfrm rot="0">
+            <a:off x="7543800" y="2260600"/>
+            <a:ext cx="2667000" cy="812800"/>
+          </a:xfrm>
+          <a:prstGeom prst="rect">
+            <a:avLst/>
+          </a:prstGeom>
+          <a:ln w="12700">
+            <a:solidFill>
+              <a:srgbClr val="000000"/>
+            </a:solidFill>
+            <a:prstDash val="solid"/>
+          </a:ln>
+        </p:spPr>
+        <p:txBody>
+          <a:bodyPr wrap="square" lIns="0" tIns="0" rIns="0" bIns="0" rtlCol="0" anchor="t"/>
+          <a:lstStyle/>
+          <a:p>
+            <a:pPr algn="l">
+              <a:lnSpc>
+                <a:spcPct val="100%"/>
+              </a:lnSpc>
+              <a:defRPr sz="1100">
+                <a:solidFill>
+                  <a:srgbClr val="000000"/>
+                </a:solidFill>
+                <a:latin typeface="맑은 고딕"/>
+                <a:ea typeface="맑은 고딕"/>
+                <a:cs typeface="맑은 고딕"/>
+              </a:defRPr>
+            </a:pPr>
+            <a:br/>
+            <a:r>
+              <a:rPr lang="ko" sz="1100">
+                <a:latin typeface="맑은 고딕"/>
+                <a:ea typeface="맑은 고딕"/>
+                <a:cs typeface="맑은 고딕"/>
+              </a:rPr>
+              <a:t>1</a:t>
+            </a:r>
+          </a:p>
+        </p:txBody>
+      </p:sp>
+      <p:sp>
+        <p:nvSpPr>
+          <p:cNvPr id="1359742754" name="Text">
+    </p:cNvPr>
+          <p:cNvSpPr>
+            <a:spLocks noGrp="1"/>
+          </p:cNvSpPr>
+          <p:nvPr/>
+        </p:nvSpPr>
+        <p:spPr>
+          <a:xfrm rot="0">
+            <a:off x="6527800" y="2260600"/>
+            <a:ext cx="749300" cy="812800"/>
+          </a:xfrm>
+          <a:prstGeom prst="rect">
+            <a:avLst/>
+          </a:prstGeom>
+          <a:ln w="12700">
+            <a:solidFill>
+              <a:srgbClr val="000000"/>
+            </a:solidFill>
+            <a:prstDash val="solid"/>
+          </a:ln>
+        </p:spPr>
+        <p:txBody>
+          <a:bodyPr wrap="square" lIns="0" tIns="0" rIns="0" bIns="0" rtlCol="0" anchor="ctr"/>
+          <a:lstStyle/>
+          <a:p>
+            <a:pPr algn="ctr">
+              <a:lnSpc>
+                <a:spcPct val="100%"/>
+              </a:lnSpc>
+              <a:defRPr sz="1100">
+                <a:solidFill>
+                  <a:srgbClr val="000000"/>
+                </a:solidFill>
+                <a:latin typeface="맑은 고딕"/>
+                <a:ea typeface="맑은 고딕"/>
+                <a:cs typeface="맑은 고딕"/>
+              </a:defRPr>
+            </a:pPr>
+            <a:r>
+              <a:rPr lang="ko" sz="1100">
+                <a:latin typeface="맑은 고딕"/>
+                <a:ea typeface="맑은 고딕"/>
+                <a:cs typeface="맑은 고딕"/>
+              </a:rPr>
+              <a:t>1</a:t>
+            </a:r>
+          </a:p>
+        </p:txBody>
+      </p:sp>
+      <p:sp>
+        <p:nvSpPr>
+          <p:cNvPr id="906974813" name="Text">
+    </p:cNvPr>
+          <p:cNvSpPr>
+            <a:spLocks noGrp="1"/>
+          </p:cNvSpPr>
+          <p:nvPr/>
+        </p:nvSpPr>
+        <p:spPr>
+          <a:xfrm rot="0">
+            <a:off x="5753100" y="2260600"/>
+            <a:ext cx="774700" cy="812800"/>
+          </a:xfrm>
+          <a:prstGeom prst="rect">
+            <a:avLst/>
+          </a:prstGeom>
+          <a:ln w="12700">
+            <a:solidFill>
+              <a:srgbClr val="000000"/>
+            </a:solidFill>
+            <a:prstDash val="solid"/>
+          </a:ln>
+        </p:spPr>
+        <p:txBody>
+          <a:bodyPr wrap="square" lIns="0" tIns="0" rIns="0" bIns="0" rtlCol="0" anchor="t"/>
+          <a:lstStyle/>
+          <a:p>
+            <a:pPr algn="ctr">
+              <a:lnSpc>
+                <a:spcPct val="100%"/>
+              </a:lnSpc>
+              <a:defRPr sz="1100">
+                <a:solidFill>
+                  <a:srgbClr val="000000"/>
+                </a:solidFill>
+                <a:latin typeface="맑은 고딕"/>
+                <a:ea typeface="맑은 고딕"/>
+                <a:cs typeface="맑은 고딕"/>
+              </a:defRPr>
+            </a:pPr>
+            <a:br/>
+            <a:r>
+              <a:rPr lang="ko" sz="1100">
+                <a:latin typeface="맑은 고딕"/>
+                <a:ea typeface="맑은 고딕"/>
+                <a:cs typeface="맑은 고딕"/>
+              </a:rPr>
+              <a:t>[보류]</a:t>
+            </a:r>
+            <a:br/>
+            <a:r>
+              <a:rPr lang="ko" sz="1100">
+                <a:latin typeface="맑은 고딕"/>
+                <a:ea typeface="맑은 고딕"/>
+                <a:cs typeface="맑은 고딕"/>
+              </a:rPr>
+              <a:t>[보류]</a:t>
+            </a:r>
+            <a:br/>
+          </a:p>
+        </p:txBody>
+      </p:sp>
+      <p:sp>
+        <p:nvSpPr>
+          <p:cNvPr id="1456889490" name="Text">
+    </p:cNvPr>
+          <p:cNvSpPr>
+            <a:spLocks noGrp="1"/>
+          </p:cNvSpPr>
+          <p:nvPr/>
+        </p:nvSpPr>
+        <p:spPr>
+          <a:xfrm rot="0">
+            <a:off x="6553200" y="4572000"/>
+            <a:ext cx="3670300" cy="800100"/>
+          </a:xfrm>
+          <a:prstGeom prst="rect">
+            <a:avLst/>
+          </a:prstGeom>
+          <a:ln w="12700">
+            <a:solidFill>
+              <a:srgbClr val="000000"/>
+            </a:solidFill>
+            <a:prstDash val="solid"/>
+          </a:ln>
+        </p:spPr>
+        <p:txBody>
+          <a:bodyPr wrap="square" lIns="0" tIns="0" rIns="0" bIns="0" rtlCol="0" anchor="t"/>
+          <a:lstStyle/>
+          <a:p>
+            <a:pPr algn="l">
+              <a:lnSpc>
+                <a:spcPct val="100%"/>
+              </a:lnSpc>
+              <a:defRPr sz="1100">
+                <a:solidFill>
+                  <a:srgbClr val="000000"/>
+                </a:solidFill>
+                <a:latin typeface="맑은 고딕"/>
+                <a:ea typeface="맑은 고딕"/>
+                <a:cs typeface="맑은 고딕"/>
+              </a:defRPr>
+            </a:pPr>
+            <a:br/>
+          </a:p>
+        </p:txBody>
+      </p:sp>
+      <p:sp>
+        <p:nvSpPr>
+          <p:cNvPr id="1799942938" name="Text">
+    </p:cNvPr>
+          <p:cNvSpPr>
+            <a:spLocks noGrp="1"/>
+          </p:cNvSpPr>
+          <p:nvPr/>
+        </p:nvSpPr>
+        <p:spPr>
+          <a:xfrm rot="0">
+            <a:off x="5791200" y="4572000"/>
+            <a:ext cx="762000" cy="800100"/>
+          </a:xfrm>
+          <a:prstGeom prst="rect">
+            <a:avLst/>
+          </a:prstGeom>
+          <a:ln w="12700">
+            <a:solidFill>
+              <a:srgbClr val="000000"/>
+            </a:solidFill>
+            <a:prstDash val="solid"/>
+          </a:ln>
+        </p:spPr>
+        <p:txBody>
+          <a:bodyPr wrap="square" lIns="0" tIns="0" rIns="0" bIns="0" rtlCol="0" anchor="t"/>
+          <a:lstStyle/>
+          <a:p>
+            <a:pPr algn="ctr">
+              <a:lnSpc>
+                <a:spcPct val="100%"/>
+              </a:lnSpc>
+              <a:defRPr sz="1100">
+                <a:solidFill>
+                  <a:srgbClr val="000000"/>
+                </a:solidFill>
+                <a:latin typeface="맑은 고딕"/>
+                <a:ea typeface="맑은 고딕"/>
+                <a:cs typeface="맑은 고딕"/>
+              </a:defRPr>
+            </a:pPr>
+            <a:br/>
+            <a:r>
+              <a:rPr lang="ko" sz="1100">
+                <a:latin typeface="맑은 고딕"/>
+                <a:ea typeface="맑은 고딕"/>
+                <a:cs typeface="맑은 고딕"/>
+              </a:rPr>
+              <a:t>[보류]</a:t>
+            </a:r>
+            <a:br/>
+            <a:r>
+              <a:rPr lang="ko" sz="1100">
+                <a:latin typeface="맑은 고딕"/>
+                <a:ea typeface="맑은 고딕"/>
+                <a:cs typeface="맑은 고딕"/>
+              </a:rPr>
+              <a:t>[보류]</a:t>
+            </a:r>
+            <a:br/>
+          </a:p>
+        </p:txBody>
+      </p:sp>
+      <p:sp>
+        <p:nvSpPr>
+          <p:cNvPr id="1514982470" name="Text">
+    </p:cNvPr>
+          <p:cNvSpPr>
+            <a:spLocks noGrp="1"/>
+          </p:cNvSpPr>
+          <p:nvPr/>
+        </p:nvSpPr>
+        <p:spPr>
+          <a:xfrm rot="0">
+            <a:off x="1181100" y="4572000"/>
+            <a:ext cx="4610100" cy="800100"/>
+          </a:xfrm>
+          <a:prstGeom prst="rect">
+            <a:avLst/>
+          </a:prstGeom>
+          <a:ln w="12700">
+            <a:solidFill>
+              <a:srgbClr val="000000"/>
+            </a:solidFill>
+            <a:prstDash val="solid"/>
+          </a:ln>
+        </p:spPr>
+        <p:txBody>
+          <a:bodyPr wrap="square" lIns="0" tIns="0" rIns="0" bIns="0" rtlCol="0" anchor="t"/>
+          <a:lstStyle/>
+          <a:p>
+            <a:pPr algn="l">
+              <a:lnSpc>
+                <a:spcPct val="100%"/>
+              </a:lnSpc>
+              <a:defRPr sz="1100">
+                <a:solidFill>
+                  <a:srgbClr val="000000"/>
+                </a:solidFill>
+                <a:latin typeface="맑은 고딕"/>
+                <a:ea typeface="맑은 고딕"/>
+                <a:cs typeface="맑은 고딕"/>
+              </a:defRPr>
+            </a:pPr>
+            <a:br/>
+            <a:r>
+              <a:rPr lang="ko" sz="1100">
+                <a:latin typeface="맑은 고딕"/>
+                <a:ea typeface="맑은 고딕"/>
+                <a:cs typeface="맑은 고딕"/>
+              </a:rPr>
+              <a:t> s</a:t>
+            </a:r>
+            <a:br/>
+            <a:r>
+              <a:rPr lang="ko" sz="1100">
+                <a:latin typeface="맑은 고딕"/>
+                <a:ea typeface="맑은 고딕"/>
+                <a:cs typeface="맑은 고딕"/>
+              </a:rPr>
+              <a:t> ㅓㅕㅗㅛㅜㅠ</a:t>
+            </a:r>
+            <a:br/>
+          </a:p>
+        </p:txBody>
+      </p:sp>
+      <p:sp>
+        <p:nvSpPr>
+          <p:cNvPr id="373150956" name="Text">
+    </p:cNvPr>
+          <p:cNvSpPr>
+            <a:spLocks noGrp="1"/>
+          </p:cNvSpPr>
+          <p:nvPr/>
+        </p:nvSpPr>
+        <p:spPr>
+          <a:xfrm rot="0">
+            <a:off x="368300" y="4572000"/>
+            <a:ext cx="812800" cy="800100"/>
+          </a:xfrm>
+          <a:prstGeom prst="rect">
+            <a:avLst/>
+          </a:prstGeom>
+          <a:ln w="12700">
+            <a:solidFill>
+              <a:srgbClr val="000000"/>
+            </a:solidFill>
+            <a:prstDash val="solid"/>
+          </a:ln>
+        </p:spPr>
+        <p:txBody>
+          <a:bodyPr wrap="square" lIns="0" tIns="0" rIns="0" bIns="0" rtlCol="0" anchor="ctr"/>
+          <a:lstStyle/>
+          <a:p>
+            <a:pPr algn="ctr">
+              <a:lnSpc>
+                <a:spcPct val="100%"/>
+              </a:lnSpc>
+              <a:defRPr sz="1100">
+                <a:solidFill>
+                  <a:srgbClr val="000000"/>
+                </a:solidFill>
+                <a:latin typeface="맑은 고딕"/>
+                <a:ea typeface="맑은 고딕"/>
+                <a:cs typeface="맑은 고딕"/>
+              </a:defRPr>
+            </a:pPr>
+            <a:r>
+              <a:rPr lang="ko" sz="1100">
+                <a:latin typeface="맑은 고딕"/>
+                <a:ea typeface="맑은 고딕"/>
+                <a:cs typeface="맑은 고딕"/>
+              </a:rPr>
+              <a:t>WEB</a:t>
+            </a:r>
+          </a:p>
+        </p:txBody>
+      </p:sp>
+      <p:sp>
+        <p:nvSpPr>
+          <p:cNvPr id="1920678519" name="Rectangle"/>
+          <p:cNvSpPr>
+            <a:spLocks noGrp="1"/>
+          </p:cNvSpPr>
+          <p:nvPr/>
+        </p:nvSpPr>
+        <p:spPr>
+          <a:xfrm>
+            <a:off x="7277100" y="1473200"/>
+            <a:ext cx="266700" cy="787400"/>
+          </a:xfrm>
+          <a:prstGeom prst="rect">
+            <a:avLst/>
+          </a:prstGeom>
+          <a:solidFill>
+            <a:srgbClr val="FFFF00"/>
+          </a:solidFill>
+          <a:ln w="12700">
+            <a:solidFill>
+              <a:srgbClr val="000000"/>
+            </a:solidFill>
+            <a:prstDash val="solid"/>
+          </a:ln>
+        </p:spPr>
+        <p:txBody>
+          <a:bodyPr rtlCol="0" anchor="ctr"/>
+          <a:lstStyle/>
+          <a:p>
+            <a:pPr algn="ctr"/>
+          </a:p>
+        </p:txBody>
+      </p:sp>
+      <p:sp>
+        <p:nvSpPr>
+          <p:cNvPr id="1577568001" name="Rectangle"/>
+          <p:cNvSpPr>
+            <a:spLocks noGrp="1"/>
+          </p:cNvSpPr>
+          <p:nvPr/>
+        </p:nvSpPr>
+        <p:spPr>
+          <a:xfrm>
+            <a:off x="7277100" y="2260600"/>
+            <a:ext cx="266700" cy="812800"/>
+          </a:xfrm>
+          <a:prstGeom prst="rect">
+            <a:avLst/>
+          </a:prstGeom>
+          <a:solidFill>
+            <a:srgbClr val="00FF00"/>
+          </a:solidFill>
+          <a:ln w="12700">
+            <a:solidFill>
+              <a:srgbClr val="000000"/>
+            </a:solidFill>
+            <a:prstDash val="solid"/>
+          </a:ln>
+        </p:spPr>
+        <p:txBody>
+          <a:bodyPr rtlCol="0" anchor="ctr"/>
+          <a:lstStyle/>
+          <a:p>
+            <a:pPr algn="ctr"/>
+          </a:p>
+        </p:txBody>
+      </p:sp>
+      <p:sp>
+        <p:nvSpPr>
+          <p:cNvPr id="1653935739" name="Text">
+    </p:cNvPr>
+          <p:cNvSpPr>
+            <a:spLocks noGrp="1"/>
+          </p:cNvSpPr>
+          <p:nvPr/>
+        </p:nvSpPr>
+        <p:spPr>
+          <a:xfrm rot="0">
+            <a:off x="190500" y="5473700"/>
+            <a:ext cx="2476500" cy="228600"/>
+          </a:xfrm>
+          <a:prstGeom prst="rect">
+            <a:avLst/>
+          </a:prstGeom>
+          <a:solidFill>
+            <a:srgbClr val="CCFFCC"/>
+          </a:solidFill>
+        </p:spPr>
+        <p:txBody>
+          <a:bodyPr wrap="square" lIns="0" tIns="0" rIns="0" bIns="0" rtlCol="0" anchor="ctr"/>
+          <a:lstStyle/>
+          <a:p>
+            <a:pPr algn="ctr">
+              <a:lnSpc>
+                <a:spcPct val="100%"/>
+              </a:lnSpc>
+              <a:defRPr sz="1000" b="1">
+                <a:solidFill>
+                  <a:srgbClr val="000000"/>
+                </a:solidFill>
+                <a:latin typeface="맑은 고딕"/>
+                <a:ea typeface="맑은 고딕"/>
+                <a:cs typeface="맑은 고딕"/>
+              </a:defRPr>
+            </a:pPr>
+            <a:r>
+              <a:rPr lang="ko" sz="1000" b="1">
+                <a:latin typeface="맑은 고딕"/>
+                <a:ea typeface="맑은 고딕"/>
+                <a:cs typeface="맑은 고딕"/>
+              </a:rPr>
+              <a:t>ERP 디버깅 권한신청 처리현황</a:t>
+            </a:r>
+          </a:p>
+        </p:txBody>
+      </p:sp>
+      <p:sp>
+        <p:nvSpPr>
+          <p:cNvPr id="452406385" name="Text">
+    </p:cNvPr>
+          <p:cNvSpPr>
+            <a:spLocks noGrp="1"/>
+          </p:cNvSpPr>
+          <p:nvPr/>
+        </p:nvSpPr>
+        <p:spPr>
+          <a:xfrm rot="0">
+            <a:off x="6858000" y="6007100"/>
+            <a:ext cx="1651000" cy="292100"/>
+          </a:xfrm>
+          <a:prstGeom prst="rect">
+            <a:avLst/>
+          </a:prstGeom>
+          <a:ln w="12700">
+            <a:solidFill>
+              <a:srgbClr val="000000"/>
+            </a:solidFill>
+            <a:prstDash val="solid"/>
+          </a:ln>
+        </p:spPr>
+        <p:txBody>
+          <a:bodyPr wrap="square" lIns="0" tIns="0" rIns="0" bIns="0" rtlCol="0" anchor="ctr"/>
+          <a:lstStyle/>
+          <a:p>
+            <a:pPr algn="ctr">
+              <a:lnSpc>
+                <a:spcPct val="100%"/>
+              </a:lnSpc>
+              <a:defRPr sz="1100">
+                <a:solidFill>
+                  <a:srgbClr val="000000"/>
+                </a:solidFill>
+                <a:latin typeface="맑은 고딕"/>
+                <a:ea typeface="맑은 고딕"/>
+                <a:cs typeface="맑은 고딕"/>
+              </a:defRPr>
+            </a:pPr>
+            <a:r>
+              <a:rPr lang="ko" sz="1100">
+                <a:latin typeface="맑은 고딕"/>
+                <a:ea typeface="맑은 고딕"/>
+                <a:cs typeface="맑은 고딕"/>
+              </a:rPr>
+              <a:t>4</a:t>
+            </a:r>
+          </a:p>
+        </p:txBody>
+      </p:sp>
+      <p:sp>
+        <p:nvSpPr>
+          <p:cNvPr id="838079962" name="Text">
+    </p:cNvPr>
+          <p:cNvSpPr>
+            <a:spLocks noGrp="1"/>
+          </p:cNvSpPr>
+          <p:nvPr/>
+        </p:nvSpPr>
+        <p:spPr>
+          <a:xfrm rot="0">
+            <a:off x="2463800" y="6007100"/>
+            <a:ext cx="4394200" cy="292100"/>
+          </a:xfrm>
+          <a:prstGeom prst="rect">
+            <a:avLst/>
+          </a:prstGeom>
+          <a:ln w="12700">
+            <a:solidFill>
+              <a:srgbClr val="000000"/>
+            </a:solidFill>
+            <a:prstDash val="solid"/>
+          </a:ln>
+        </p:spPr>
+        <p:txBody>
+          <a:bodyPr wrap="square" lIns="0" tIns="0" rIns="0" bIns="0" rtlCol="0" anchor="ctr"/>
+          <a:lstStyle/>
+          <a:p>
+            <a:pPr algn="ctr">
+              <a:lnSpc>
+                <a:spcPct val="100%"/>
+              </a:lnSpc>
+              <a:defRPr sz="1100">
+                <a:solidFill>
+                  <a:srgbClr val="000000"/>
+                </a:solidFill>
+                <a:latin typeface="맑은 고딕"/>
+                <a:ea typeface="맑은 고딕"/>
+                <a:cs typeface="맑은 고딕"/>
+              </a:defRPr>
+            </a:pPr>
+            <a:r>
+              <a:rPr lang="ko" sz="1100">
+                <a:latin typeface="맑은 고딕"/>
+                <a:ea typeface="맑은 고딕"/>
+                <a:cs typeface="맑은 고딕"/>
+              </a:rPr>
+              <a:t>3</a:t>
+            </a:r>
+          </a:p>
+        </p:txBody>
+      </p:sp>
+      <p:sp>
+        <p:nvSpPr>
+          <p:cNvPr id="1361830698" name="Text">
+    </p:cNvPr>
+          <p:cNvSpPr>
+            <a:spLocks noGrp="1"/>
+          </p:cNvSpPr>
+          <p:nvPr/>
+        </p:nvSpPr>
+        <p:spPr>
+          <a:xfrm rot="0">
+            <a:off x="381000" y="6007100"/>
+            <a:ext cx="1270000" cy="292100"/>
+          </a:xfrm>
+          <a:prstGeom prst="rect">
+            <a:avLst/>
+          </a:prstGeom>
+          <a:ln w="12700">
+            <a:solidFill>
+              <a:srgbClr val="000000"/>
+            </a:solidFill>
+            <a:prstDash val="solid"/>
+          </a:ln>
+        </p:spPr>
+        <p:txBody>
+          <a:bodyPr wrap="square" lIns="0" tIns="0" rIns="0" bIns="0" rtlCol="0" anchor="ctr"/>
+          <a:lstStyle/>
+          <a:p>
+            <a:pPr algn="ctr">
+              <a:lnSpc>
+                <a:spcPct val="100%"/>
+              </a:lnSpc>
+              <a:defRPr sz="1100">
+                <a:solidFill>
+                  <a:srgbClr val="000000"/>
+                </a:solidFill>
+                <a:latin typeface="맑은 고딕"/>
+                <a:ea typeface="맑은 고딕"/>
+                <a:cs typeface="맑은 고딕"/>
+              </a:defRPr>
+            </a:pPr>
+            <a:r>
+              <a:rPr lang="ko" sz="1100">
+                <a:latin typeface="맑은 고딕"/>
+                <a:ea typeface="맑은 고딕"/>
+                <a:cs typeface="맑은 고딕"/>
+              </a:rPr>
+              <a:t>1</a:t>
+            </a:r>
+          </a:p>
+        </p:txBody>
+      </p:sp>
+      <p:sp>
+        <p:nvSpPr>
+          <p:cNvPr id="453495202" name="Text">
+    </p:cNvPr>
+          <p:cNvSpPr>
+            <a:spLocks noGrp="1"/>
+          </p:cNvSpPr>
+          <p:nvPr/>
+        </p:nvSpPr>
+        <p:spPr>
+          <a:xfrm rot="0">
+            <a:off x="381000" y="5765800"/>
+            <a:ext cx="1270000" cy="241300"/>
+          </a:xfrm>
+          <a:prstGeom prst="rect">
+            <a:avLst/>
+          </a:prstGeom>
+          <a:solidFill>
+            <a:srgbClr val="FF9933"/>
+          </a:solidFill>
+          <a:ln w="12700">
+            <a:solidFill>
+              <a:srgbClr val="000000"/>
+            </a:solidFill>
+            <a:prstDash val="solid"/>
+          </a:ln>
+        </p:spPr>
+        <p:txBody>
+          <a:bodyPr wrap="square" lIns="0" tIns="0" rIns="0" bIns="0" rtlCol="0" anchor="ctr"/>
+          <a:lstStyle/>
+          <a:p>
+            <a:pPr algn="ctr">
+              <a:lnSpc>
+                <a:spcPct val="100%"/>
+              </a:lnSpc>
+              <a:defRPr sz="1000">
+                <a:solidFill>
+                  <a:srgbClr val="000000"/>
+                </a:solidFill>
+                <a:latin typeface="맑은 고딕"/>
+                <a:ea typeface="맑은 고딕"/>
+                <a:cs typeface="맑은 고딕"/>
+              </a:defRPr>
+            </a:pPr>
+            <a:r>
+              <a:rPr lang="ko" sz="1000">
+                <a:latin typeface="맑은 고딕"/>
+                <a:ea typeface="맑은 고딕"/>
+                <a:cs typeface="맑은 고딕"/>
+              </a:rPr>
+              <a:t>Date</a:t>
+            </a:r>
+          </a:p>
+        </p:txBody>
+      </p:sp>
+      <p:sp>
+        <p:nvSpPr>
+          <p:cNvPr id="951122455" name="Text">
+    </p:cNvPr>
+          <p:cNvSpPr>
+            <a:spLocks noGrp="1"/>
+          </p:cNvSpPr>
+          <p:nvPr/>
+        </p:nvSpPr>
+        <p:spPr>
+          <a:xfrm rot="0">
+            <a:off x="2463800" y="5765800"/>
+            <a:ext cx="4394200" cy="241300"/>
+          </a:xfrm>
+          <a:prstGeom prst="rect">
+            <a:avLst/>
+          </a:prstGeom>
+          <a:solidFill>
+            <a:srgbClr val="FF9933"/>
+          </a:solidFill>
+          <a:ln w="12700">
+            <a:solidFill>
+              <a:srgbClr val="000000"/>
+            </a:solidFill>
+            <a:prstDash val="solid"/>
+          </a:ln>
+        </p:spPr>
+        <p:txBody>
+          <a:bodyPr wrap="square" lIns="0" tIns="0" rIns="0" bIns="0" rtlCol="0" anchor="ctr"/>
+          <a:lstStyle/>
+          <a:p>
+            <a:pPr algn="ctr">
+              <a:lnSpc>
+                <a:spcPct val="100%"/>
+              </a:lnSpc>
+              <a:defRPr sz="1000">
+                <a:solidFill>
+                  <a:srgbClr val="000000"/>
+                </a:solidFill>
+                <a:latin typeface="맑은 고딕"/>
+                <a:ea typeface="맑은 고딕"/>
+                <a:cs typeface="맑은 고딕"/>
+              </a:defRPr>
+            </a:pPr>
+            <a:r>
+              <a:rPr lang="ko" sz="1000">
+                <a:latin typeface="맑은 고딕"/>
+                <a:ea typeface="맑은 고딕"/>
+                <a:cs typeface="맑은 고딕"/>
+              </a:rPr>
+              <a:t>Text (변경값)</a:t>
+            </a:r>
+          </a:p>
+        </p:txBody>
+      </p:sp>
+      <p:sp>
+        <p:nvSpPr>
+          <p:cNvPr id="695951902" name="Text">
+    </p:cNvPr>
+          <p:cNvSpPr>
+            <a:spLocks noGrp="1"/>
+          </p:cNvSpPr>
+          <p:nvPr/>
+        </p:nvSpPr>
+        <p:spPr>
+          <a:xfrm rot="0">
+            <a:off x="6858000" y="5765800"/>
+            <a:ext cx="1651000" cy="241300"/>
+          </a:xfrm>
+          <a:prstGeom prst="rect">
+            <a:avLst/>
+          </a:prstGeom>
+          <a:solidFill>
+            <a:srgbClr val="FF9933"/>
+          </a:solidFill>
+          <a:ln w="12700">
+            <a:solidFill>
+              <a:srgbClr val="000000"/>
+            </a:solidFill>
+            <a:prstDash val="solid"/>
+          </a:ln>
+        </p:spPr>
+        <p:txBody>
+          <a:bodyPr wrap="square" lIns="0" tIns="0" rIns="0" bIns="0" rtlCol="0" anchor="ctr"/>
+          <a:lstStyle/>
+          <a:p>
+            <a:pPr algn="ctr">
+              <a:lnSpc>
+                <a:spcPct val="100%"/>
+              </a:lnSpc>
+              <a:defRPr sz="1000">
+                <a:solidFill>
+                  <a:srgbClr val="000000"/>
+                </a:solidFill>
+                <a:latin typeface="맑은 고딕"/>
+                <a:ea typeface="맑은 고딕"/>
+                <a:cs typeface="맑은 고딕"/>
+              </a:defRPr>
+            </a:pPr>
+            <a:r>
+              <a:rPr lang="ko" sz="1000">
+                <a:latin typeface="맑은 고딕"/>
+                <a:ea typeface="맑은 고딕"/>
+                <a:cs typeface="맑은 고딕"/>
+              </a:rPr>
+              <a:t>ERP 권한신청서번호</a:t>
+            </a:r>
+          </a:p>
+        </p:txBody>
+      </p:sp>
+      <p:sp>
+        <p:nvSpPr>
+          <p:cNvPr id="667416232" name="Text">
+    </p:cNvPr>
+          <p:cNvSpPr>
+            <a:spLocks noGrp="1"/>
+          </p:cNvSpPr>
+          <p:nvPr/>
+        </p:nvSpPr>
+        <p:spPr>
+          <a:xfrm rot="0">
+            <a:off x="381000" y="6299200"/>
+            <a:ext cx="1270000" cy="292100"/>
+          </a:xfrm>
+          <a:prstGeom prst="rect">
+            <a:avLst/>
+          </a:prstGeom>
+          <a:ln w="12700">
+            <a:solidFill>
+              <a:srgbClr val="000000"/>
+            </a:solidFill>
+            <a:prstDash val="solid"/>
+          </a:ln>
+        </p:spPr>
+        <p:txBody>
+          <a:bodyPr wrap="square" lIns="0" tIns="0" rIns="0" bIns="0" rtlCol="0" anchor="ctr"/>
+          <a:lstStyle/>
+          <a:p>
+            <a:pPr algn="ctr">
+              <a:lnSpc>
+                <a:spcPct val="100%"/>
+              </a:lnSpc>
+              <a:defRPr sz="1100">
+                <a:solidFill>
+                  <a:srgbClr val="000000"/>
+                </a:solidFill>
+                <a:latin typeface="맑은 고딕"/>
+                <a:ea typeface="맑은 고딕"/>
+                <a:cs typeface="맑은 고딕"/>
+              </a:defRPr>
+            </a:pPr>
+            <a:r>
+              <a:rPr lang="ko" sz="1100">
+                <a:latin typeface="맑은 고딕"/>
+                <a:ea typeface="맑은 고딕"/>
+                <a:cs typeface="맑은 고딕"/>
+              </a:rPr>
+              <a:t>r</a:t>
+            </a:r>
+          </a:p>
+        </p:txBody>
+      </p:sp>
+      <p:sp>
+        <p:nvSpPr>
+          <p:cNvPr id="44589355" name="Text">
+    </p:cNvPr>
+          <p:cNvSpPr>
+            <a:spLocks noGrp="1"/>
+          </p:cNvSpPr>
+          <p:nvPr/>
+        </p:nvSpPr>
+        <p:spPr>
+          <a:xfrm rot="0">
+            <a:off x="6858000" y="6299200"/>
+            <a:ext cx="1651000" cy="292100"/>
+          </a:xfrm>
+          <a:prstGeom prst="rect">
+            <a:avLst/>
+          </a:prstGeom>
+          <a:ln w="12700">
+            <a:solidFill>
+              <a:srgbClr val="000000"/>
+            </a:solidFill>
+            <a:prstDash val="solid"/>
+          </a:ln>
+        </p:spPr>
+        <p:txBody>
+          <a:bodyPr wrap="square" lIns="0" tIns="0" rIns="0" bIns="0" rtlCol="0" anchor="ctr"/>
+          <a:lstStyle/>
+          <a:p>
+            <a:pPr algn="ctr">
+              <a:lnSpc>
+                <a:spcPct val="100%"/>
+              </a:lnSpc>
+              <a:defRPr sz="1100">
+                <a:solidFill>
+                  <a:srgbClr val="000000"/>
+                </a:solidFill>
+                <a:latin typeface="맑은 고딕"/>
+                <a:ea typeface="맑은 고딕"/>
+                <a:cs typeface="맑은 고딕"/>
+              </a:defRPr>
+            </a:pPr>
+            <a:r>
+              <a:rPr lang="ko" sz="1100">
+                <a:latin typeface="맑은 고딕"/>
+                <a:ea typeface="맑은 고딕"/>
+                <a:cs typeface="맑은 고딕"/>
+              </a:rPr>
+              <a:t>f</a:t>
+            </a:r>
+          </a:p>
+        </p:txBody>
+      </p:sp>
+      <p:sp>
+        <p:nvSpPr>
+          <p:cNvPr id="1031226155" name="Text">
+    </p:cNvPr>
+          <p:cNvSpPr>
+            <a:spLocks noGrp="1"/>
+          </p:cNvSpPr>
+          <p:nvPr/>
+        </p:nvSpPr>
+        <p:spPr>
+          <a:xfrm rot="0">
+            <a:off x="2463800" y="6299200"/>
+            <a:ext cx="4394200" cy="292100"/>
+          </a:xfrm>
+          <a:prstGeom prst="rect">
+            <a:avLst/>
+          </a:prstGeom>
+          <a:ln w="12700">
+            <a:solidFill>
+              <a:srgbClr val="000000"/>
+            </a:solidFill>
+            <a:prstDash val="solid"/>
+          </a:ln>
+        </p:spPr>
+        <p:txBody>
+          <a:bodyPr wrap="square" lIns="0" tIns="0" rIns="0" bIns="0" rtlCol="0" anchor="ctr"/>
+          <a:lstStyle/>
+          <a:p>
+            <a:pPr algn="ctr">
+              <a:lnSpc>
+                <a:spcPct val="100%"/>
+              </a:lnSpc>
+              <a:defRPr sz="1100">
+                <a:solidFill>
+                  <a:srgbClr val="000000"/>
+                </a:solidFill>
+                <a:latin typeface="맑은 고딕"/>
+                <a:ea typeface="맑은 고딕"/>
+                <a:cs typeface="맑은 고딕"/>
+              </a:defRPr>
+            </a:pPr>
+            <a:r>
+              <a:rPr lang="ko" sz="1100">
+                <a:latin typeface="맑은 고딕"/>
+                <a:ea typeface="맑은 고딕"/>
+                <a:cs typeface="맑은 고딕"/>
+              </a:rPr>
+              <a:t>e</a:t>
+            </a:r>
+          </a:p>
+        </p:txBody>
+      </p:sp>
+      <p:sp>
+        <p:nvSpPr>
+          <p:cNvPr id="1332653321" name="Text">
+    </p:cNvPr>
+          <p:cNvSpPr>
+            <a:spLocks noGrp="1"/>
+          </p:cNvSpPr>
+          <p:nvPr/>
+        </p:nvSpPr>
+        <p:spPr>
+          <a:xfrm rot="0">
+            <a:off x="1651000" y="6299200"/>
+            <a:ext cx="812800" cy="292100"/>
+          </a:xfrm>
+          <a:prstGeom prst="rect">
+            <a:avLst/>
+          </a:prstGeom>
+          <a:ln w="12700">
+            <a:solidFill>
+              <a:srgbClr val="000000"/>
+            </a:solidFill>
+            <a:prstDash val="solid"/>
+          </a:ln>
+        </p:spPr>
+        <p:txBody>
+          <a:bodyPr wrap="square" lIns="0" tIns="0" rIns="0" bIns="0" rtlCol="0" anchor="ctr"/>
+          <a:lstStyle/>
+          <a:p>
+            <a:pPr algn="ctr">
+              <a:lnSpc>
+                <a:spcPct val="100%"/>
+              </a:lnSpc>
+              <a:defRPr sz="1100">
+                <a:solidFill>
+                  <a:srgbClr val="000000"/>
+                </a:solidFill>
+                <a:latin typeface="맑은 고딕"/>
+                <a:ea typeface="맑은 고딕"/>
+                <a:cs typeface="맑은 고딕"/>
+              </a:defRPr>
+            </a:pPr>
+            <a:r>
+              <a:rPr lang="ko" sz="1100">
+                <a:latin typeface="맑은 고딕"/>
+                <a:ea typeface="맑은 고딕"/>
+                <a:cs typeface="맑은 고딕"/>
+              </a:rPr>
+              <a:t>s</a:t>
+            </a:r>
+          </a:p>
+        </p:txBody>
+      </p:sp>
+      <p:sp>
+        <p:nvSpPr>
+          <p:cNvPr id="1459908858" name="Text">
+    </p:cNvPr>
+          <p:cNvSpPr>
+            <a:spLocks noGrp="1"/>
+          </p:cNvSpPr>
+          <p:nvPr/>
+        </p:nvSpPr>
+        <p:spPr>
+          <a:xfrm rot="0">
+            <a:off x="1651000" y="6007100"/>
+            <a:ext cx="812800" cy="292100"/>
+          </a:xfrm>
+          <a:prstGeom prst="rect">
+            <a:avLst/>
+          </a:prstGeom>
+          <a:ln w="12700">
+            <a:solidFill>
+              <a:srgbClr val="000000"/>
+            </a:solidFill>
+            <a:prstDash val="solid"/>
+          </a:ln>
+        </p:spPr>
+        <p:txBody>
+          <a:bodyPr wrap="square" lIns="0" tIns="0" rIns="0" bIns="0" rtlCol="0" anchor="ctr"/>
+          <a:lstStyle/>
+          <a:p>
+            <a:pPr algn="ctr">
+              <a:lnSpc>
+                <a:spcPct val="100%"/>
+              </a:lnSpc>
+              <a:defRPr sz="1100">
+                <a:solidFill>
+                  <a:srgbClr val="000000"/>
+                </a:solidFill>
+                <a:latin typeface="맑은 고딕"/>
+                <a:ea typeface="맑은 고딕"/>
+                <a:cs typeface="맑은 고딕"/>
+              </a:defRPr>
+            </a:pPr>
+            <a:r>
+              <a:rPr lang="ko" sz="1100">
+                <a:latin typeface="맑은 고딕"/>
+                <a:ea typeface="맑은 고딕"/>
+                <a:cs typeface="맑은 고딕"/>
+              </a:rPr>
+              <a:t>2</a:t>
+            </a:r>
+          </a:p>
+        </p:txBody>
+      </p:sp>
+      <p:sp>
+        <p:nvSpPr>
+          <p:cNvPr id="384102920" name="Text">
+    </p:cNvPr>
+          <p:cNvSpPr>
+            <a:spLocks noGrp="1"/>
+          </p:cNvSpPr>
+          <p:nvPr/>
+        </p:nvSpPr>
+        <p:spPr>
+          <a:xfrm rot="0">
+            <a:off x="1651000" y="5765800"/>
+            <a:ext cx="812800" cy="241300"/>
+          </a:xfrm>
+          <a:prstGeom prst="rect">
+            <a:avLst/>
+          </a:prstGeom>
+          <a:solidFill>
+            <a:srgbClr val="FF9933"/>
+          </a:solidFill>
+          <a:ln w="12700">
+            <a:solidFill>
+              <a:srgbClr val="000000"/>
+            </a:solidFill>
+            <a:prstDash val="solid"/>
+          </a:ln>
+        </p:spPr>
+        <p:txBody>
+          <a:bodyPr wrap="square" lIns="0" tIns="0" rIns="0" bIns="0" rtlCol="0" anchor="ctr"/>
+          <a:lstStyle/>
+          <a:p>
+            <a:pPr algn="ctr">
+              <a:lnSpc>
+                <a:spcPct val="100%"/>
+              </a:lnSpc>
+              <a:defRPr sz="1000">
+                <a:solidFill>
+                  <a:srgbClr val="000000"/>
+                </a:solidFill>
+                <a:latin typeface="맑은 고딕"/>
+                <a:ea typeface="맑은 고딕"/>
+                <a:cs typeface="맑은 고딕"/>
+              </a:defRPr>
+            </a:pPr>
+            <a:r>
+              <a:rPr lang="ko" sz="1000">
+                <a:latin typeface="맑은 고딕"/>
+                <a:ea typeface="맑은 고딕"/>
+                <a:cs typeface="맑은 고딕"/>
+              </a:rPr>
+              <a:t>User</a:t>
+            </a:r>
+          </a:p>
+        </p:txBody>
+      </p:sp>
+      <p:sp>
+        <p:nvSpPr>
+          <p:cNvPr id="294491620" name="Text">
+    </p:cNvPr>
+          <p:cNvSpPr>
+            <a:spLocks noGrp="1"/>
+          </p:cNvSpPr>
+          <p:nvPr/>
+        </p:nvSpPr>
+        <p:spPr>
+          <a:xfrm rot="0">
+            <a:off x="8509000" y="6299200"/>
+            <a:ext cx="1701800" cy="292100"/>
+          </a:xfrm>
+          <a:prstGeom prst="rect">
+            <a:avLst/>
+          </a:prstGeom>
+          <a:ln w="12700">
+            <a:solidFill>
+              <a:srgbClr val="000000"/>
+            </a:solidFill>
+            <a:prstDash val="solid"/>
+          </a:ln>
+        </p:spPr>
+        <p:txBody>
+          <a:bodyPr wrap="square" lIns="0" tIns="0" rIns="0" bIns="0" rtlCol="0" anchor="ctr"/>
+          <a:lstStyle/>
+          <a:p>
+            <a:pPr algn="ctr">
+              <a:lnSpc>
+                <a:spcPct val="100%"/>
+              </a:lnSpc>
+              <a:defRPr sz="1100">
+                <a:solidFill>
+                  <a:srgbClr val="000000"/>
+                </a:solidFill>
+                <a:latin typeface="맑은 고딕"/>
+                <a:ea typeface="맑은 고딕"/>
+                <a:cs typeface="맑은 고딕"/>
+              </a:defRPr>
+            </a:pPr>
+            <a:r>
+              <a:rPr lang="ko" sz="1100">
+                <a:latin typeface="맑은 고딕"/>
+                <a:ea typeface="맑은 고딕"/>
+                <a:cs typeface="맑은 고딕"/>
+              </a:rPr>
+              <a:t>a</a:t>
+            </a:r>
+          </a:p>
+        </p:txBody>
+      </p:sp>
+      <p:sp>
+        <p:nvSpPr>
+          <p:cNvPr id="724657209" name="Text">
+    </p:cNvPr>
+          <p:cNvSpPr>
+            <a:spLocks noGrp="1"/>
+          </p:cNvSpPr>
+          <p:nvPr/>
+        </p:nvSpPr>
+        <p:spPr>
+          <a:xfrm rot="0">
+            <a:off x="8509000" y="5765800"/>
+            <a:ext cx="1701800" cy="241300"/>
+          </a:xfrm>
+          <a:prstGeom prst="rect">
+            <a:avLst/>
+          </a:prstGeom>
+          <a:solidFill>
+            <a:srgbClr val="FF9933"/>
+          </a:solidFill>
+          <a:ln w="12700">
+            <a:solidFill>
+              <a:srgbClr val="000000"/>
+            </a:solidFill>
+            <a:prstDash val="solid"/>
+          </a:ln>
+        </p:spPr>
+        <p:txBody>
+          <a:bodyPr wrap="square" lIns="0" tIns="0" rIns="0" bIns="0" rtlCol="0" anchor="ctr"/>
+          <a:lstStyle/>
+          <a:p>
+            <a:pPr algn="ctr">
+              <a:lnSpc>
+                <a:spcPct val="100%"/>
+              </a:lnSpc>
+              <a:defRPr sz="1000">
+                <a:solidFill>
+                  <a:srgbClr val="000000"/>
+                </a:solidFill>
+                <a:latin typeface="맑은 고딕"/>
+                <a:ea typeface="맑은 고딕"/>
+                <a:cs typeface="맑은 고딕"/>
+              </a:defRPr>
+            </a:pPr>
+            <a:r>
+              <a:rPr lang="ko" sz="1000">
+                <a:latin typeface="맑은 고딕"/>
+                <a:ea typeface="맑은 고딕"/>
+                <a:cs typeface="맑은 고딕"/>
+              </a:rPr>
+              <a:t>구분(일반/긴급)</a:t>
+            </a:r>
+          </a:p>
+        </p:txBody>
+      </p:sp>
+      <p:sp>
+        <p:nvSpPr>
+          <p:cNvPr id="1598439941" name="Text">
+    </p:cNvPr>
+          <p:cNvSpPr>
+            <a:spLocks noGrp="1"/>
+          </p:cNvSpPr>
+          <p:nvPr/>
+        </p:nvSpPr>
+        <p:spPr>
+          <a:xfrm rot="0">
+            <a:off x="8509000" y="6007100"/>
+            <a:ext cx="1701800" cy="292100"/>
+          </a:xfrm>
+          <a:prstGeom prst="rect">
+            <a:avLst/>
+          </a:prstGeom>
+          <a:ln w="12700">
+            <a:solidFill>
+              <a:srgbClr val="000000"/>
+            </a:solidFill>
+            <a:prstDash val="solid"/>
+          </a:ln>
+        </p:spPr>
+        <p:txBody>
+          <a:bodyPr wrap="square" lIns="0" tIns="0" rIns="0" bIns="0" rtlCol="0" anchor="ctr"/>
+          <a:lstStyle/>
+          <a:p>
+            <a:pPr algn="ctr">
+              <a:lnSpc>
+                <a:spcPct val="100%"/>
+              </a:lnSpc>
+              <a:defRPr sz="1100">
+                <a:solidFill>
+                  <a:srgbClr val="000000"/>
+                </a:solidFill>
+                <a:latin typeface="맑은 고딕"/>
+                <a:ea typeface="맑은 고딕"/>
+                <a:cs typeface="맑은 고딕"/>
+              </a:defRPr>
+            </a:pPr>
+            <a:r>
+              <a:rPr lang="ko" sz="1100">
+                <a:latin typeface="맑은 고딕"/>
+                <a:ea typeface="맑은 고딕"/>
+                <a:cs typeface="맑은 고딕"/>
+              </a:rPr>
+              <a:t>5</a:t>
+            </a:r>
+          </a:p>
+        </p:txBody>
+      </p:sp>
+      <p:sp>
+        <p:nvSpPr>
+          <p:cNvPr id="1854119767" name="Text">
+    </p:cNvPr>
+          <p:cNvSpPr>
+            <a:spLocks noGrp="1"/>
+          </p:cNvSpPr>
+          <p:nvPr/>
+        </p:nvSpPr>
+        <p:spPr>
+          <a:xfrm rot="0">
+            <a:off x="4826000" y="6921500"/>
+            <a:ext cx="1270000" cy="381000"/>
+          </a:xfrm>
+          <a:prstGeom prst="rect">
+            <a:avLst/>
+          </a:prstGeom>
+        </p:spPr>
+        <p:txBody>
+          <a:bodyPr wrap="square" lIns="0" tIns="0" rIns="0" bIns="0" rtlCol="0" anchor="b"/>
+          <a:lstStyle/>
+          <a:p>
+            <a:pPr algn="ctr">
+              <a:lnSpc>
+                <a:spcPct val="100%"/>
+              </a:lnSpc>
+              <a:defRPr sz="1000" b="1">
+                <a:solidFill>
+                  <a:srgbClr val="000000"/>
+                </a:solidFill>
+                <a:latin typeface="SansSerif"/>
+                <a:ea typeface="SansSerif"/>
+                <a:cs typeface="SansSerif"/>
+              </a:defRPr>
+            </a:pPr>
+            <a:r>
+              <a:rPr lang="ko" sz="1000" b="1">
+                <a:latin typeface="SansSerif"/>
+                <a:ea typeface="SansSerif"/>
+                <a:cs typeface="SansSerif"/>
+              </a:rPr>
+              <a:t>7</a:t>
+            </a:r>
+          </a:p>
+        </p:txBody>
+      </p:sp>
+      <p:pic>
+        <p:nvPicPr>
+          <p:cNvPr id="324797910" name="Picture">
     </p:cNvPr>
           <p:cNvPicPr>
             <a:picLocks noChangeAspect="1"/>
